--- a/doc/Presentación_mitad_de_curso_JuanEspinosayNachoRodriguez.pptx
+++ b/doc/Presentación_mitad_de_curso_JuanEspinosayNachoRodriguez.pptx
@@ -113,6 +113,11 @@
       </a:defRPr>
     </a:lvl9pPr>
   </p:defaultTextStyle>
+  <p:extLst>
+    <p:ext uri="{EFAFB233-063F-42B5-8137-9DF3F51BA10A}">
+      <p15:sldGuideLst xmlns:p15="http://schemas.microsoft.com/office/powerpoint/2012/main"/>
+    </p:ext>
+  </p:extLst>
 </p:presentation>
 </file>
 
@@ -198,7 +203,7 @@
           <a:p>
             <a:fld id="{6494474F-FB99-4D66-9794-76C269664995}" type="datetimeFigureOut">
               <a:rPr lang="es-ES" smtClean="0"/>
-              <a:t>30/03/2022</a:t>
+              <a:t>31/03/2022</a:t>
             </a:fld>
             <a:endParaRPr lang="es-ES"/>
           </a:p>
@@ -1497,7 +1502,7 @@
           <a:noFill/>
           <a:extLst>
             <a:ext uri="{909E8E84-426E-40dd-AFC4-6F175D3DCCD1}">
-              <a14:hiddenFill xmlns:a14="http://schemas.microsoft.com/office/drawing/2010/main" xmlns="">
+              <a14:hiddenFill xmlns="" xmlns:a14="http://schemas.microsoft.com/office/drawing/2010/main">
                 <a:solidFill>
                   <a:srgbClr val="FFFFFF"/>
                 </a:solidFill>
@@ -1556,7 +1561,7 @@
             </a:ln>
             <a:extLst>
               <a:ext uri="{91240B29-F687-4f45-9708-019B960494DF}">
-                <a14:hiddenLine xmlns:a14="http://schemas.microsoft.com/office/drawing/2010/main" xmlns="" w="9525">
+                <a14:hiddenLine xmlns="" xmlns:a14="http://schemas.microsoft.com/office/drawing/2010/main" w="9525">
                   <a:solidFill>
                     <a:srgbClr val="000000"/>
                   </a:solidFill>
@@ -1646,7 +1651,7 @@
             </a:ln>
             <a:extLst>
               <a:ext uri="{91240B29-F687-4f45-9708-019B960494DF}">
-                <a14:hiddenLine xmlns:a14="http://schemas.microsoft.com/office/drawing/2010/main" xmlns="" w="9525">
+                <a14:hiddenLine xmlns="" xmlns:a14="http://schemas.microsoft.com/office/drawing/2010/main" w="9525">
                   <a:solidFill>
                     <a:srgbClr val="000000"/>
                   </a:solidFill>
@@ -1736,7 +1741,7 @@
             </a:ln>
             <a:extLst>
               <a:ext uri="{91240B29-F687-4f45-9708-019B960494DF}">
-                <a14:hiddenLine xmlns:a14="http://schemas.microsoft.com/office/drawing/2010/main" xmlns="" w="9525">
+                <a14:hiddenLine xmlns="" xmlns:a14="http://schemas.microsoft.com/office/drawing/2010/main" w="9525">
                   <a:solidFill>
                     <a:srgbClr val="000000"/>
                   </a:solidFill>
@@ -1770,7 +1775,7 @@
             </a:ln>
             <a:extLst>
               <a:ext uri="{91240B29-F687-4f45-9708-019B960494DF}">
-                <a14:hiddenLine xmlns:a14="http://schemas.microsoft.com/office/drawing/2010/main" xmlns="" w="9525">
+                <a14:hiddenLine xmlns="" xmlns:a14="http://schemas.microsoft.com/office/drawing/2010/main" w="9525">
                   <a:solidFill>
                     <a:srgbClr val="000000"/>
                   </a:solidFill>
@@ -1860,7 +1865,7 @@
             </a:ln>
             <a:extLst>
               <a:ext uri="{91240B29-F687-4f45-9708-019B960494DF}">
-                <a14:hiddenLine xmlns:a14="http://schemas.microsoft.com/office/drawing/2010/main" xmlns="" w="9525">
+                <a14:hiddenLine xmlns="" xmlns:a14="http://schemas.microsoft.com/office/drawing/2010/main" w="9525">
                   <a:solidFill>
                     <a:srgbClr val="000000"/>
                   </a:solidFill>
@@ -1922,7 +1927,7 @@
             </a:ln>
             <a:extLst>
               <a:ext uri="{91240B29-F687-4f45-9708-019B960494DF}">
-                <a14:hiddenLine xmlns:a14="http://schemas.microsoft.com/office/drawing/2010/main" xmlns="" w="9525">
+                <a14:hiddenLine xmlns="" xmlns:a14="http://schemas.microsoft.com/office/drawing/2010/main" w="9525">
                   <a:solidFill>
                     <a:srgbClr val="000000"/>
                   </a:solidFill>
@@ -1984,7 +1989,7 @@
             </a:ln>
             <a:extLst>
               <a:ext uri="{91240B29-F687-4f45-9708-019B960494DF}">
-                <a14:hiddenLine xmlns:a14="http://schemas.microsoft.com/office/drawing/2010/main" xmlns="" w="9525">
+                <a14:hiddenLine xmlns="" xmlns:a14="http://schemas.microsoft.com/office/drawing/2010/main" w="9525">
                   <a:solidFill>
                     <a:srgbClr val="000000"/>
                   </a:solidFill>
@@ -2074,7 +2079,7 @@
             </a:ln>
             <a:extLst>
               <a:ext uri="{91240B29-F687-4f45-9708-019B960494DF}">
-                <a14:hiddenLine xmlns:a14="http://schemas.microsoft.com/office/drawing/2010/main" xmlns="" w="9525">
+                <a14:hiddenLine xmlns="" xmlns:a14="http://schemas.microsoft.com/office/drawing/2010/main" w="9525">
                   <a:solidFill>
                     <a:srgbClr val="000000"/>
                   </a:solidFill>
@@ -2136,7 +2141,7 @@
             </a:ln>
             <a:extLst>
               <a:ext uri="{91240B29-F687-4f45-9708-019B960494DF}">
-                <a14:hiddenLine xmlns:a14="http://schemas.microsoft.com/office/drawing/2010/main" xmlns="" w="9525">
+                <a14:hiddenLine xmlns="" xmlns:a14="http://schemas.microsoft.com/office/drawing/2010/main" w="9525">
                   <a:solidFill>
                     <a:srgbClr val="000000"/>
                   </a:solidFill>
@@ -2198,7 +2203,7 @@
             </a:ln>
             <a:extLst>
               <a:ext uri="{91240B29-F687-4f45-9708-019B960494DF}">
-                <a14:hiddenLine xmlns:a14="http://schemas.microsoft.com/office/drawing/2010/main" xmlns="" w="9525">
+                <a14:hiddenLine xmlns="" xmlns:a14="http://schemas.microsoft.com/office/drawing/2010/main" w="9525">
                   <a:solidFill>
                     <a:srgbClr val="000000"/>
                   </a:solidFill>
@@ -2288,7 +2293,7 @@
             </a:ln>
             <a:extLst>
               <a:ext uri="{91240B29-F687-4f45-9708-019B960494DF}">
-                <a14:hiddenLine xmlns:a14="http://schemas.microsoft.com/office/drawing/2010/main" xmlns="" w="9525">
+                <a14:hiddenLine xmlns="" xmlns:a14="http://schemas.microsoft.com/office/drawing/2010/main" w="9525">
                   <a:solidFill>
                     <a:srgbClr val="000000"/>
                   </a:solidFill>
@@ -2378,7 +2383,7 @@
             </a:ln>
             <a:extLst>
               <a:ext uri="{91240B29-F687-4f45-9708-019B960494DF}">
-                <a14:hiddenLine xmlns:a14="http://schemas.microsoft.com/office/drawing/2010/main" xmlns="" w="9525">
+                <a14:hiddenLine xmlns="" xmlns:a14="http://schemas.microsoft.com/office/drawing/2010/main" w="9525">
                   <a:solidFill>
                     <a:srgbClr val="000000"/>
                   </a:solidFill>
@@ -2440,7 +2445,7 @@
             </a:ln>
             <a:extLst>
               <a:ext uri="{91240B29-F687-4f45-9708-019B960494DF}">
-                <a14:hiddenLine xmlns:a14="http://schemas.microsoft.com/office/drawing/2010/main" xmlns="" w="9525">
+                <a14:hiddenLine xmlns="" xmlns:a14="http://schemas.microsoft.com/office/drawing/2010/main" w="9525">
                   <a:solidFill>
                     <a:srgbClr val="000000"/>
                   </a:solidFill>
@@ -2550,7 +2555,7 @@
             </a:ln>
             <a:extLst>
               <a:ext uri="{91240B29-F687-4f45-9708-019B960494DF}">
-                <a14:hiddenLine xmlns:a14="http://schemas.microsoft.com/office/drawing/2010/main" xmlns="" w="9525">
+                <a14:hiddenLine xmlns="" xmlns:a14="http://schemas.microsoft.com/office/drawing/2010/main" w="9525">
                   <a:solidFill>
                     <a:srgbClr val="000000"/>
                   </a:solidFill>
@@ -2612,7 +2617,7 @@
             </a:ln>
             <a:extLst>
               <a:ext uri="{91240B29-F687-4f45-9708-019B960494DF}">
-                <a14:hiddenLine xmlns:a14="http://schemas.microsoft.com/office/drawing/2010/main" xmlns="" w="9525">
+                <a14:hiddenLine xmlns="" xmlns:a14="http://schemas.microsoft.com/office/drawing/2010/main" w="9525">
                   <a:solidFill>
                     <a:srgbClr val="000000"/>
                   </a:solidFill>
@@ -2702,7 +2707,7 @@
             </a:ln>
             <a:extLst>
               <a:ext uri="{91240B29-F687-4f45-9708-019B960494DF}">
-                <a14:hiddenLine xmlns:a14="http://schemas.microsoft.com/office/drawing/2010/main" xmlns="" w="9525">
+                <a14:hiddenLine xmlns="" xmlns:a14="http://schemas.microsoft.com/office/drawing/2010/main" w="9525">
                   <a:solidFill>
                     <a:srgbClr val="000000"/>
                   </a:solidFill>
@@ -2792,7 +2797,7 @@
             </a:ln>
             <a:extLst>
               <a:ext uri="{91240B29-F687-4f45-9708-019B960494DF}">
-                <a14:hiddenLine xmlns:a14="http://schemas.microsoft.com/office/drawing/2010/main" xmlns="" w="9525">
+                <a14:hiddenLine xmlns="" xmlns:a14="http://schemas.microsoft.com/office/drawing/2010/main" w="9525">
                   <a:solidFill>
                     <a:srgbClr val="000000"/>
                   </a:solidFill>
@@ -2854,7 +2859,7 @@
             </a:ln>
             <a:extLst>
               <a:ext uri="{91240B29-F687-4f45-9708-019B960494DF}">
-                <a14:hiddenLine xmlns:a14="http://schemas.microsoft.com/office/drawing/2010/main" xmlns="" w="9525">
+                <a14:hiddenLine xmlns="" xmlns:a14="http://schemas.microsoft.com/office/drawing/2010/main" w="9525">
                   <a:solidFill>
                     <a:srgbClr val="000000"/>
                   </a:solidFill>
@@ -2944,7 +2949,7 @@
             </a:ln>
             <a:extLst>
               <a:ext uri="{91240B29-F687-4f45-9708-019B960494DF}">
-                <a14:hiddenLine xmlns:a14="http://schemas.microsoft.com/office/drawing/2010/main" xmlns="" w="9525">
+                <a14:hiddenLine xmlns="" xmlns:a14="http://schemas.microsoft.com/office/drawing/2010/main" w="9525">
                   <a:solidFill>
                     <a:srgbClr val="000000"/>
                   </a:solidFill>
@@ -3034,7 +3039,7 @@
             </a:ln>
             <a:extLst>
               <a:ext uri="{91240B29-F687-4f45-9708-019B960494DF}">
-                <a14:hiddenLine xmlns:a14="http://schemas.microsoft.com/office/drawing/2010/main" xmlns="" w="9525">
+                <a14:hiddenLine xmlns="" xmlns:a14="http://schemas.microsoft.com/office/drawing/2010/main" w="9525">
                   <a:solidFill>
                     <a:srgbClr val="000000"/>
                   </a:solidFill>
@@ -3090,7 +3095,7 @@
             </a:ln>
             <a:extLst>
               <a:ext uri="{91240B29-F687-4f45-9708-019B960494DF}">
-                <a14:hiddenLine xmlns:a14="http://schemas.microsoft.com/office/drawing/2010/main" xmlns="" w="9525">
+                <a14:hiddenLine xmlns="" xmlns:a14="http://schemas.microsoft.com/office/drawing/2010/main" w="9525">
                   <a:solidFill>
                     <a:srgbClr val="000000"/>
                   </a:solidFill>
@@ -3180,7 +3185,7 @@
             </a:ln>
             <a:extLst>
               <a:ext uri="{91240B29-F687-4f45-9708-019B960494DF}">
-                <a14:hiddenLine xmlns:a14="http://schemas.microsoft.com/office/drawing/2010/main" xmlns="" w="9525">
+                <a14:hiddenLine xmlns="" xmlns:a14="http://schemas.microsoft.com/office/drawing/2010/main" w="9525">
                   <a:solidFill>
                     <a:srgbClr val="000000"/>
                   </a:solidFill>
@@ -3236,7 +3241,7 @@
             </a:ln>
             <a:extLst>
               <a:ext uri="{91240B29-F687-4f45-9708-019B960494DF}">
-                <a14:hiddenLine xmlns:a14="http://schemas.microsoft.com/office/drawing/2010/main" xmlns="" w="9525">
+                <a14:hiddenLine xmlns="" xmlns:a14="http://schemas.microsoft.com/office/drawing/2010/main" w="9525">
                   <a:solidFill>
                     <a:srgbClr val="000000"/>
                   </a:solidFill>
@@ -3326,7 +3331,7 @@
             </a:ln>
             <a:extLst>
               <a:ext uri="{91240B29-F687-4f45-9708-019B960494DF}">
-                <a14:hiddenLine xmlns:a14="http://schemas.microsoft.com/office/drawing/2010/main" xmlns="" w="9525">
+                <a14:hiddenLine xmlns="" xmlns:a14="http://schemas.microsoft.com/office/drawing/2010/main" w="9525">
                   <a:solidFill>
                     <a:srgbClr val="000000"/>
                   </a:solidFill>
@@ -3394,7 +3399,7 @@
             </a:ln>
             <a:extLst>
               <a:ext uri="{91240B29-F687-4f45-9708-019B960494DF}">
-                <a14:hiddenLine xmlns:a14="http://schemas.microsoft.com/office/drawing/2010/main" xmlns="" w="9525">
+                <a14:hiddenLine xmlns="" xmlns:a14="http://schemas.microsoft.com/office/drawing/2010/main" w="9525">
                   <a:solidFill>
                     <a:srgbClr val="000000"/>
                   </a:solidFill>
@@ -3484,7 +3489,7 @@
             </a:ln>
             <a:extLst>
               <a:ext uri="{91240B29-F687-4f45-9708-019B960494DF}">
-                <a14:hiddenLine xmlns:a14="http://schemas.microsoft.com/office/drawing/2010/main" xmlns="" w="9525">
+                <a14:hiddenLine xmlns="" xmlns:a14="http://schemas.microsoft.com/office/drawing/2010/main" w="9525">
                   <a:solidFill>
                     <a:srgbClr val="000000"/>
                   </a:solidFill>
@@ -3552,7 +3557,7 @@
             </a:ln>
             <a:extLst>
               <a:ext uri="{91240B29-F687-4f45-9708-019B960494DF}">
-                <a14:hiddenLine xmlns:a14="http://schemas.microsoft.com/office/drawing/2010/main" xmlns="" w="9525">
+                <a14:hiddenLine xmlns="" xmlns:a14="http://schemas.microsoft.com/office/drawing/2010/main" w="9525">
                   <a:solidFill>
                     <a:srgbClr val="000000"/>
                   </a:solidFill>
@@ -3642,7 +3647,7 @@
             </a:ln>
             <a:extLst>
               <a:ext uri="{91240B29-F687-4f45-9708-019B960494DF}">
-                <a14:hiddenLine xmlns:a14="http://schemas.microsoft.com/office/drawing/2010/main" xmlns="" w="9525">
+                <a14:hiddenLine xmlns="" xmlns:a14="http://schemas.microsoft.com/office/drawing/2010/main" w="9525">
                   <a:solidFill>
                     <a:srgbClr val="000000"/>
                   </a:solidFill>
@@ -3676,7 +3681,7 @@
             </a:ln>
             <a:extLst>
               <a:ext uri="{91240B29-F687-4f45-9708-019B960494DF}">
-                <a14:hiddenLine xmlns:a14="http://schemas.microsoft.com/office/drawing/2010/main" xmlns="" w="9525">
+                <a14:hiddenLine xmlns="" xmlns:a14="http://schemas.microsoft.com/office/drawing/2010/main" w="9525">
                   <a:solidFill>
                     <a:srgbClr val="000000"/>
                   </a:solidFill>
@@ -3766,7 +3771,7 @@
             </a:ln>
             <a:extLst>
               <a:ext uri="{91240B29-F687-4f45-9708-019B960494DF}">
-                <a14:hiddenLine xmlns:a14="http://schemas.microsoft.com/office/drawing/2010/main" xmlns="" w="9525">
+                <a14:hiddenLine xmlns="" xmlns:a14="http://schemas.microsoft.com/office/drawing/2010/main" w="9525">
                   <a:solidFill>
                     <a:srgbClr val="000000"/>
                   </a:solidFill>
@@ -3828,7 +3833,7 @@
             </a:ln>
             <a:extLst>
               <a:ext uri="{91240B29-F687-4f45-9708-019B960494DF}">
-                <a14:hiddenLine xmlns:a14="http://schemas.microsoft.com/office/drawing/2010/main" xmlns="" w="9525">
+                <a14:hiddenLine xmlns="" xmlns:a14="http://schemas.microsoft.com/office/drawing/2010/main" w="9525">
                   <a:solidFill>
                     <a:srgbClr val="000000"/>
                   </a:solidFill>
@@ -3890,7 +3895,7 @@
             </a:ln>
             <a:extLst>
               <a:ext uri="{91240B29-F687-4f45-9708-019B960494DF}">
-                <a14:hiddenLine xmlns:a14="http://schemas.microsoft.com/office/drawing/2010/main" xmlns="" w="9525">
+                <a14:hiddenLine xmlns="" xmlns:a14="http://schemas.microsoft.com/office/drawing/2010/main" w="9525">
                   <a:solidFill>
                     <a:srgbClr val="000000"/>
                   </a:solidFill>
@@ -3980,7 +3985,7 @@
             </a:ln>
             <a:extLst>
               <a:ext uri="{91240B29-F687-4f45-9708-019B960494DF}">
-                <a14:hiddenLine xmlns:a14="http://schemas.microsoft.com/office/drawing/2010/main" xmlns="" w="9525">
+                <a14:hiddenLine xmlns="" xmlns:a14="http://schemas.microsoft.com/office/drawing/2010/main" w="9525">
                   <a:solidFill>
                     <a:srgbClr val="000000"/>
                   </a:solidFill>
@@ -4048,7 +4053,7 @@
             </a:ln>
             <a:extLst>
               <a:ext uri="{91240B29-F687-4f45-9708-019B960494DF}">
-                <a14:hiddenLine xmlns:a14="http://schemas.microsoft.com/office/drawing/2010/main" xmlns="" w="9525">
+                <a14:hiddenLine xmlns="" xmlns:a14="http://schemas.microsoft.com/office/drawing/2010/main" w="9525">
                   <a:solidFill>
                     <a:srgbClr val="000000"/>
                   </a:solidFill>
@@ -4110,7 +4115,7 @@
             </a:ln>
             <a:extLst>
               <a:ext uri="{91240B29-F687-4f45-9708-019B960494DF}">
-                <a14:hiddenLine xmlns:a14="http://schemas.microsoft.com/office/drawing/2010/main" xmlns="" w="9525">
+                <a14:hiddenLine xmlns="" xmlns:a14="http://schemas.microsoft.com/office/drawing/2010/main" w="9525">
                   <a:solidFill>
                     <a:srgbClr val="000000"/>
                   </a:solidFill>
@@ -4200,7 +4205,7 @@
             </a:ln>
             <a:extLst>
               <a:ext uri="{91240B29-F687-4f45-9708-019B960494DF}">
-                <a14:hiddenLine xmlns:a14="http://schemas.microsoft.com/office/drawing/2010/main" xmlns="" w="9525">
+                <a14:hiddenLine xmlns="" xmlns:a14="http://schemas.microsoft.com/office/drawing/2010/main" w="9525">
                   <a:solidFill>
                     <a:srgbClr val="000000"/>
                   </a:solidFill>
@@ -4262,7 +4267,7 @@
             </a:ln>
             <a:extLst>
               <a:ext uri="{91240B29-F687-4f45-9708-019B960494DF}">
-                <a14:hiddenLine xmlns:a14="http://schemas.microsoft.com/office/drawing/2010/main" xmlns="" w="9525">
+                <a14:hiddenLine xmlns="" xmlns:a14="http://schemas.microsoft.com/office/drawing/2010/main" w="9525">
                   <a:solidFill>
                     <a:srgbClr val="000000"/>
                   </a:solidFill>
@@ -4352,7 +4357,7 @@
             </a:ln>
             <a:extLst>
               <a:ext uri="{91240B29-F687-4f45-9708-019B960494DF}">
-                <a14:hiddenLine xmlns:a14="http://schemas.microsoft.com/office/drawing/2010/main" xmlns="" w="9525">
+                <a14:hiddenLine xmlns="" xmlns:a14="http://schemas.microsoft.com/office/drawing/2010/main" w="9525">
                   <a:solidFill>
                     <a:srgbClr val="000000"/>
                   </a:solidFill>
@@ -4414,7 +4419,7 @@
             </a:ln>
             <a:extLst>
               <a:ext uri="{91240B29-F687-4f45-9708-019B960494DF}">
-                <a14:hiddenLine xmlns:a14="http://schemas.microsoft.com/office/drawing/2010/main" xmlns="" w="9525">
+                <a14:hiddenLine xmlns="" xmlns:a14="http://schemas.microsoft.com/office/drawing/2010/main" w="9525">
                   <a:solidFill>
                     <a:srgbClr val="000000"/>
                   </a:solidFill>
@@ -4504,7 +4509,7 @@
             </a:ln>
             <a:extLst>
               <a:ext uri="{91240B29-F687-4f45-9708-019B960494DF}">
-                <a14:hiddenLine xmlns:a14="http://schemas.microsoft.com/office/drawing/2010/main" xmlns="" w="9525">
+                <a14:hiddenLine xmlns="" xmlns:a14="http://schemas.microsoft.com/office/drawing/2010/main" w="9525">
                   <a:solidFill>
                     <a:srgbClr val="000000"/>
                   </a:solidFill>
@@ -4538,7 +4543,7 @@
             </a:ln>
             <a:extLst>
               <a:ext uri="{91240B29-F687-4f45-9708-019B960494DF}">
-                <a14:hiddenLine xmlns:a14="http://schemas.microsoft.com/office/drawing/2010/main" xmlns="" w="9525">
+                <a14:hiddenLine xmlns="" xmlns:a14="http://schemas.microsoft.com/office/drawing/2010/main" w="9525">
                   <a:solidFill>
                     <a:srgbClr val="000000"/>
                   </a:solidFill>
@@ -4603,7 +4608,7 @@
             </a:ln>
             <a:extLst>
               <a:ext uri="{91240B29-F687-4f45-9708-019B960494DF}">
-                <a14:hiddenLine xmlns:a14="http://schemas.microsoft.com/office/drawing/2010/main" xmlns="" w="9525">
+                <a14:hiddenLine xmlns="" xmlns:a14="http://schemas.microsoft.com/office/drawing/2010/main" w="9525">
                   <a:solidFill>
                     <a:srgbClr val="000000"/>
                   </a:solidFill>
@@ -4693,7 +4698,7 @@
             </a:ln>
             <a:extLst>
               <a:ext uri="{91240B29-F687-4f45-9708-019B960494DF}">
-                <a14:hiddenLine xmlns:a14="http://schemas.microsoft.com/office/drawing/2010/main" xmlns="" w="9525">
+                <a14:hiddenLine xmlns="" xmlns:a14="http://schemas.microsoft.com/office/drawing/2010/main" w="9525">
                   <a:solidFill>
                     <a:srgbClr val="000000"/>
                   </a:solidFill>
@@ -4755,7 +4760,7 @@
             </a:ln>
             <a:extLst>
               <a:ext uri="{91240B29-F687-4f45-9708-019B960494DF}">
-                <a14:hiddenLine xmlns:a14="http://schemas.microsoft.com/office/drawing/2010/main" xmlns="" w="9525">
+                <a14:hiddenLine xmlns="" xmlns:a14="http://schemas.microsoft.com/office/drawing/2010/main" w="9525">
                   <a:solidFill>
                     <a:srgbClr val="000000"/>
                   </a:solidFill>
@@ -4845,7 +4850,7 @@
             </a:ln>
             <a:extLst>
               <a:ext uri="{91240B29-F687-4f45-9708-019B960494DF}">
-                <a14:hiddenLine xmlns:a14="http://schemas.microsoft.com/office/drawing/2010/main" xmlns="" w="9525">
+                <a14:hiddenLine xmlns="" xmlns:a14="http://schemas.microsoft.com/office/drawing/2010/main" w="9525">
                   <a:solidFill>
                     <a:srgbClr val="000000"/>
                   </a:solidFill>
@@ -4935,7 +4940,7 @@
             </a:ln>
             <a:extLst>
               <a:ext uri="{91240B29-F687-4f45-9708-019B960494DF}">
-                <a14:hiddenLine xmlns:a14="http://schemas.microsoft.com/office/drawing/2010/main" xmlns="" w="9525">
+                <a14:hiddenLine xmlns="" xmlns:a14="http://schemas.microsoft.com/office/drawing/2010/main" w="9525">
                   <a:solidFill>
                     <a:srgbClr val="000000"/>
                   </a:solidFill>
@@ -5000,7 +5005,7 @@
             </a:ln>
             <a:extLst>
               <a:ext uri="{91240B29-F687-4f45-9708-019B960494DF}">
-                <a14:hiddenLine xmlns:a14="http://schemas.microsoft.com/office/drawing/2010/main" xmlns="" w="9525">
+                <a14:hiddenLine xmlns="" xmlns:a14="http://schemas.microsoft.com/office/drawing/2010/main" w="9525">
                   <a:solidFill>
                     <a:srgbClr val="000000"/>
                   </a:solidFill>
@@ -5062,7 +5067,7 @@
             </a:ln>
             <a:extLst>
               <a:ext uri="{91240B29-F687-4f45-9708-019B960494DF}">
-                <a14:hiddenLine xmlns:a14="http://schemas.microsoft.com/office/drawing/2010/main" xmlns="" w="9525">
+                <a14:hiddenLine xmlns="" xmlns:a14="http://schemas.microsoft.com/office/drawing/2010/main" w="9525">
                   <a:solidFill>
                     <a:srgbClr val="000000"/>
                   </a:solidFill>
@@ -5152,7 +5157,7 @@
             </a:ln>
             <a:extLst>
               <a:ext uri="{91240B29-F687-4f45-9708-019B960494DF}">
-                <a14:hiddenLine xmlns:a14="http://schemas.microsoft.com/office/drawing/2010/main" xmlns="" w="9525">
+                <a14:hiddenLine xmlns="" xmlns:a14="http://schemas.microsoft.com/office/drawing/2010/main" w="9525">
                   <a:solidFill>
                     <a:srgbClr val="000000"/>
                   </a:solidFill>
@@ -5242,7 +5247,7 @@
             </a:ln>
             <a:extLst>
               <a:ext uri="{91240B29-F687-4f45-9708-019B960494DF}">
-                <a14:hiddenLine xmlns:a14="http://schemas.microsoft.com/office/drawing/2010/main" xmlns="" w="9525">
+                <a14:hiddenLine xmlns="" xmlns:a14="http://schemas.microsoft.com/office/drawing/2010/main" w="9525">
                   <a:solidFill>
                     <a:srgbClr val="000000"/>
                   </a:solidFill>
@@ -5304,7 +5309,7 @@
             </a:ln>
             <a:extLst>
               <a:ext uri="{91240B29-F687-4f45-9708-019B960494DF}">
-                <a14:hiddenLine xmlns:a14="http://schemas.microsoft.com/office/drawing/2010/main" xmlns="" w="9525">
+                <a14:hiddenLine xmlns="" xmlns:a14="http://schemas.microsoft.com/office/drawing/2010/main" w="9525">
                   <a:solidFill>
                     <a:srgbClr val="000000"/>
                   </a:solidFill>
@@ -5424,7 +5429,7 @@
             </a:ln>
             <a:extLst>
               <a:ext uri="{91240B29-F687-4f45-9708-019B960494DF}">
-                <a14:hiddenLine xmlns:a14="http://schemas.microsoft.com/office/drawing/2010/main" xmlns="" w="9525">
+                <a14:hiddenLine xmlns="" xmlns:a14="http://schemas.microsoft.com/office/drawing/2010/main" w="9525">
                   <a:solidFill>
                     <a:srgbClr val="000000"/>
                   </a:solidFill>
@@ -5492,7 +5497,7 @@
             </a:ln>
             <a:extLst>
               <a:ext uri="{91240B29-F687-4f45-9708-019B960494DF}">
-                <a14:hiddenLine xmlns:a14="http://schemas.microsoft.com/office/drawing/2010/main" xmlns="" w="9525">
+                <a14:hiddenLine xmlns="" xmlns:a14="http://schemas.microsoft.com/office/drawing/2010/main" w="9525">
                   <a:solidFill>
                     <a:srgbClr val="000000"/>
                   </a:solidFill>
@@ -5582,7 +5587,7 @@
             </a:ln>
             <a:extLst>
               <a:ext uri="{91240B29-F687-4f45-9708-019B960494DF}">
-                <a14:hiddenLine xmlns:a14="http://schemas.microsoft.com/office/drawing/2010/main" xmlns="" w="9525">
+                <a14:hiddenLine xmlns="" xmlns:a14="http://schemas.microsoft.com/office/drawing/2010/main" w="9525">
                   <a:solidFill>
                     <a:srgbClr val="000000"/>
                   </a:solidFill>
@@ -5722,7 +5727,7 @@
           <a:p>
             <a:fld id="{48A87A34-81AB-432B-8DAE-1953F412C126}" type="datetimeFigureOut">
               <a:rPr lang="en-US" dirty="0"/>
-              <a:t>3/30/2022</a:t>
+              <a:t>3/31/2022</a:t>
             </a:fld>
             <a:endParaRPr lang="en-US" dirty="0"/>
           </a:p>
@@ -5984,7 +5989,7 @@
           <a:p>
             <a:fld id="{48A87A34-81AB-432B-8DAE-1953F412C126}" type="datetimeFigureOut">
               <a:rPr lang="en-US" dirty="0"/>
-              <a:t>3/30/2022</a:t>
+              <a:t>3/31/2022</a:t>
             </a:fld>
             <a:endParaRPr lang="en-US" dirty="0"/>
           </a:p>
@@ -6175,7 +6180,7 @@
           <a:p>
             <a:fld id="{48A87A34-81AB-432B-8DAE-1953F412C126}" type="datetimeFigureOut">
               <a:rPr lang="en-US" dirty="0"/>
-              <a:t>3/30/2022</a:t>
+              <a:t>3/31/2022</a:t>
             </a:fld>
             <a:endParaRPr lang="en-US" dirty="0"/>
           </a:p>
@@ -6433,7 +6438,7 @@
           <a:p>
             <a:fld id="{48A87A34-81AB-432B-8DAE-1953F412C126}" type="datetimeFigureOut">
               <a:rPr lang="en-US" dirty="0"/>
-              <a:t>3/30/2022</a:t>
+              <a:t>3/31/2022</a:t>
             </a:fld>
             <a:endParaRPr lang="en-US" dirty="0"/>
           </a:p>
@@ -6862,7 +6867,7 @@
           <a:p>
             <a:fld id="{48A87A34-81AB-432B-8DAE-1953F412C126}" type="datetimeFigureOut">
               <a:rPr lang="en-US" dirty="0"/>
-              <a:t>3/30/2022</a:t>
+              <a:t>3/31/2022</a:t>
             </a:fld>
             <a:endParaRPr lang="en-US" dirty="0"/>
           </a:p>
@@ -7403,7 +7408,7 @@
           <a:p>
             <a:fld id="{48A87A34-81AB-432B-8DAE-1953F412C126}" type="datetimeFigureOut">
               <a:rPr lang="en-US" dirty="0"/>
-              <a:t>3/30/2022</a:t>
+              <a:t>3/31/2022</a:t>
             </a:fld>
             <a:endParaRPr lang="en-US" dirty="0"/>
           </a:p>
@@ -8118,7 +8123,7 @@
           <a:p>
             <a:fld id="{48A87A34-81AB-432B-8DAE-1953F412C126}" type="datetimeFigureOut">
               <a:rPr lang="en-US" dirty="0"/>
-              <a:t>3/30/2022</a:t>
+              <a:t>3/31/2022</a:t>
             </a:fld>
             <a:endParaRPr lang="en-US" dirty="0"/>
           </a:p>
@@ -8283,7 +8288,7 @@
           <a:p>
             <a:fld id="{48A87A34-81AB-432B-8DAE-1953F412C126}" type="datetimeFigureOut">
               <a:rPr lang="en-US" dirty="0"/>
-              <a:t>3/30/2022</a:t>
+              <a:t>3/31/2022</a:t>
             </a:fld>
             <a:endParaRPr lang="en-US" dirty="0"/>
           </a:p>
@@ -8458,7 +8463,7 @@
           <a:p>
             <a:fld id="{48A87A34-81AB-432B-8DAE-1953F412C126}" type="datetimeFigureOut">
               <a:rPr lang="en-US" dirty="0"/>
-              <a:t>3/30/2022</a:t>
+              <a:t>3/31/2022</a:t>
             </a:fld>
             <a:endParaRPr lang="en-US" dirty="0"/>
           </a:p>
@@ -8623,7 +8628,7 @@
           <a:p>
             <a:fld id="{48A87A34-81AB-432B-8DAE-1953F412C126}" type="datetimeFigureOut">
               <a:rPr lang="en-US" dirty="0"/>
-              <a:t>3/30/2022</a:t>
+              <a:t>3/31/2022</a:t>
             </a:fld>
             <a:endParaRPr lang="en-US" dirty="0"/>
           </a:p>
@@ -8868,7 +8873,7 @@
           <a:p>
             <a:fld id="{48A87A34-81AB-432B-8DAE-1953F412C126}" type="datetimeFigureOut">
               <a:rPr lang="en-US" dirty="0"/>
-              <a:t>3/30/2022</a:t>
+              <a:t>3/31/2022</a:t>
             </a:fld>
             <a:endParaRPr lang="en-US" dirty="0"/>
           </a:p>
@@ -9095,7 +9100,7 @@
           <a:p>
             <a:fld id="{48A87A34-81AB-432B-8DAE-1953F412C126}" type="datetimeFigureOut">
               <a:rPr lang="en-US" dirty="0"/>
-              <a:t>3/30/2022</a:t>
+              <a:t>3/31/2022</a:t>
             </a:fld>
             <a:endParaRPr lang="en-US" dirty="0"/>
           </a:p>
@@ -9471,7 +9476,7 @@
           <a:p>
             <a:fld id="{48A87A34-81AB-432B-8DAE-1953F412C126}" type="datetimeFigureOut">
               <a:rPr lang="en-US" dirty="0"/>
-              <a:t>3/30/2022</a:t>
+              <a:t>3/31/2022</a:t>
             </a:fld>
             <a:endParaRPr lang="en-US" dirty="0"/>
           </a:p>
@@ -9584,7 +9589,7 @@
           <a:p>
             <a:fld id="{48A87A34-81AB-432B-8DAE-1953F412C126}" type="datetimeFigureOut">
               <a:rPr lang="en-US" dirty="0"/>
-              <a:t>3/30/2022</a:t>
+              <a:t>3/31/2022</a:t>
             </a:fld>
             <a:endParaRPr lang="en-US" dirty="0"/>
           </a:p>
@@ -9674,7 +9679,7 @@
           <a:p>
             <a:fld id="{48A87A34-81AB-432B-8DAE-1953F412C126}" type="datetimeFigureOut">
               <a:rPr lang="en-US" dirty="0"/>
-              <a:t>3/30/2022</a:t>
+              <a:t>3/31/2022</a:t>
             </a:fld>
             <a:endParaRPr lang="en-US" dirty="0"/>
           </a:p>
@@ -9918,7 +9923,7 @@
           <a:p>
             <a:fld id="{48A87A34-81AB-432B-8DAE-1953F412C126}" type="datetimeFigureOut">
               <a:rPr lang="en-US" dirty="0"/>
-              <a:t>3/30/2022</a:t>
+              <a:t>3/31/2022</a:t>
             </a:fld>
             <a:endParaRPr lang="en-US" dirty="0"/>
           </a:p>
@@ -10193,7 +10198,7 @@
           <a:p>
             <a:fld id="{48A87A34-81AB-432B-8DAE-1953F412C126}" type="datetimeFigureOut">
               <a:rPr lang="en-US" dirty="0"/>
-              <a:t>3/30/2022</a:t>
+              <a:t>3/31/2022</a:t>
             </a:fld>
             <a:endParaRPr lang="en-US" dirty="0"/>
           </a:p>
@@ -10311,7 +10316,7 @@
           <a:noFill/>
           <a:extLst>
             <a:ext uri="{909E8E84-426E-40dd-AFC4-6F175D3DCCD1}">
-              <a14:hiddenFill xmlns:a14="http://schemas.microsoft.com/office/drawing/2010/main" xmlns="">
+              <a14:hiddenFill xmlns="" xmlns:a14="http://schemas.microsoft.com/office/drawing/2010/main">
                 <a:solidFill>
                   <a:srgbClr val="FFFFFF"/>
                 </a:solidFill>
@@ -10385,7 +10390,7 @@
               </a:ln>
               <a:extLst>
                 <a:ext uri="{91240B29-F687-4f45-9708-019B960494DF}">
-                  <a14:hiddenLine xmlns:a14="http://schemas.microsoft.com/office/drawing/2010/main" xmlns="" w="9525">
+                  <a14:hiddenLine xmlns="" xmlns:a14="http://schemas.microsoft.com/office/drawing/2010/main" w="9525">
                     <a:solidFill>
                       <a:srgbClr val="000000"/>
                     </a:solidFill>
@@ -10475,7 +10480,7 @@
               </a:ln>
               <a:extLst>
                 <a:ext uri="{91240B29-F687-4f45-9708-019B960494DF}">
-                  <a14:hiddenLine xmlns:a14="http://schemas.microsoft.com/office/drawing/2010/main" xmlns="" w="9525">
+                  <a14:hiddenLine xmlns="" xmlns:a14="http://schemas.microsoft.com/office/drawing/2010/main" w="9525">
                     <a:solidFill>
                       <a:srgbClr val="000000"/>
                     </a:solidFill>
@@ -10565,7 +10570,7 @@
               </a:ln>
               <a:extLst>
                 <a:ext uri="{91240B29-F687-4f45-9708-019B960494DF}">
-                  <a14:hiddenLine xmlns:a14="http://schemas.microsoft.com/office/drawing/2010/main" xmlns="" w="9525">
+                  <a14:hiddenLine xmlns="" xmlns:a14="http://schemas.microsoft.com/office/drawing/2010/main" w="9525">
                     <a:solidFill>
                       <a:srgbClr val="000000"/>
                     </a:solidFill>
@@ -10627,7 +10632,7 @@
               </a:ln>
               <a:extLst>
                 <a:ext uri="{91240B29-F687-4f45-9708-019B960494DF}">
-                  <a14:hiddenLine xmlns:a14="http://schemas.microsoft.com/office/drawing/2010/main" xmlns="" w="9525">
+                  <a14:hiddenLine xmlns="" xmlns:a14="http://schemas.microsoft.com/office/drawing/2010/main" w="9525">
                     <a:solidFill>
                       <a:srgbClr val="000000"/>
                     </a:solidFill>
@@ -10717,7 +10722,7 @@
               </a:ln>
               <a:extLst>
                 <a:ext uri="{91240B29-F687-4f45-9708-019B960494DF}">
-                  <a14:hiddenLine xmlns:a14="http://schemas.microsoft.com/office/drawing/2010/main" xmlns="" w="9525">
+                  <a14:hiddenLine xmlns="" xmlns:a14="http://schemas.microsoft.com/office/drawing/2010/main" w="9525">
                     <a:solidFill>
                       <a:srgbClr val="000000"/>
                     </a:solidFill>
@@ -10779,7 +10784,7 @@
               </a:ln>
               <a:extLst>
                 <a:ext uri="{91240B29-F687-4f45-9708-019B960494DF}">
-                  <a14:hiddenLine xmlns:a14="http://schemas.microsoft.com/office/drawing/2010/main" xmlns="" w="9525">
+                  <a14:hiddenLine xmlns="" xmlns:a14="http://schemas.microsoft.com/office/drawing/2010/main" w="9525">
                     <a:solidFill>
                       <a:srgbClr val="000000"/>
                     </a:solidFill>
@@ -10841,7 +10846,7 @@
               </a:ln>
               <a:extLst>
                 <a:ext uri="{91240B29-F687-4f45-9708-019B960494DF}">
-                  <a14:hiddenLine xmlns:a14="http://schemas.microsoft.com/office/drawing/2010/main" xmlns="" w="9525">
+                  <a14:hiddenLine xmlns="" xmlns:a14="http://schemas.microsoft.com/office/drawing/2010/main" w="9525">
                     <a:solidFill>
                       <a:srgbClr val="000000"/>
                     </a:solidFill>
@@ -10931,7 +10936,7 @@
               </a:ln>
               <a:extLst>
                 <a:ext uri="{91240B29-F687-4f45-9708-019B960494DF}">
-                  <a14:hiddenLine xmlns:a14="http://schemas.microsoft.com/office/drawing/2010/main" xmlns="" w="9525">
+                  <a14:hiddenLine xmlns="" xmlns:a14="http://schemas.microsoft.com/office/drawing/2010/main" w="9525">
                     <a:solidFill>
                       <a:srgbClr val="000000"/>
                     </a:solidFill>
@@ -11021,7 +11026,7 @@
               </a:ln>
               <a:extLst>
                 <a:ext uri="{91240B29-F687-4f45-9708-019B960494DF}">
-                  <a14:hiddenLine xmlns:a14="http://schemas.microsoft.com/office/drawing/2010/main" xmlns="" w="9525">
+                  <a14:hiddenLine xmlns="" xmlns:a14="http://schemas.microsoft.com/office/drawing/2010/main" w="9525">
                     <a:solidFill>
                       <a:srgbClr val="000000"/>
                     </a:solidFill>
@@ -11083,7 +11088,7 @@
               </a:ln>
               <a:extLst>
                 <a:ext uri="{91240B29-F687-4f45-9708-019B960494DF}">
-                  <a14:hiddenLine xmlns:a14="http://schemas.microsoft.com/office/drawing/2010/main" xmlns="" w="9525">
+                  <a14:hiddenLine xmlns="" xmlns:a14="http://schemas.microsoft.com/office/drawing/2010/main" w="9525">
                     <a:solidFill>
                       <a:srgbClr val="000000"/>
                     </a:solidFill>
@@ -11193,7 +11198,7 @@
               </a:ln>
               <a:extLst>
                 <a:ext uri="{91240B29-F687-4f45-9708-019B960494DF}">
-                  <a14:hiddenLine xmlns:a14="http://schemas.microsoft.com/office/drawing/2010/main" xmlns="" w="9525">
+                  <a14:hiddenLine xmlns="" xmlns:a14="http://schemas.microsoft.com/office/drawing/2010/main" w="9525">
                     <a:solidFill>
                       <a:srgbClr val="000000"/>
                     </a:solidFill>
@@ -11277,7 +11282,7 @@
               </a:ln>
               <a:extLst>
                 <a:ext uri="{91240B29-F687-4f45-9708-019B960494DF}">
-                  <a14:hiddenLine xmlns:a14="http://schemas.microsoft.com/office/drawing/2010/main" xmlns="" w="9525">
+                  <a14:hiddenLine xmlns="" xmlns:a14="http://schemas.microsoft.com/office/drawing/2010/main" w="9525">
                     <a:solidFill>
                       <a:srgbClr val="000000"/>
                     </a:solidFill>
@@ -11339,7 +11344,7 @@
               </a:ln>
               <a:extLst>
                 <a:ext uri="{91240B29-F687-4f45-9708-019B960494DF}">
-                  <a14:hiddenLine xmlns:a14="http://schemas.microsoft.com/office/drawing/2010/main" xmlns="" w="9525">
+                  <a14:hiddenLine xmlns="" xmlns:a14="http://schemas.microsoft.com/office/drawing/2010/main" w="9525">
                     <a:solidFill>
                       <a:srgbClr val="000000"/>
                     </a:solidFill>
@@ -11401,7 +11406,7 @@
               </a:ln>
               <a:extLst>
                 <a:ext uri="{91240B29-F687-4f45-9708-019B960494DF}">
-                  <a14:hiddenLine xmlns:a14="http://schemas.microsoft.com/office/drawing/2010/main" xmlns="" w="9525">
+                  <a14:hiddenLine xmlns="" xmlns:a14="http://schemas.microsoft.com/office/drawing/2010/main" w="9525">
                     <a:solidFill>
                       <a:srgbClr val="000000"/>
                     </a:solidFill>
@@ -11491,7 +11496,7 @@
               </a:ln>
               <a:extLst>
                 <a:ext uri="{91240B29-F687-4f45-9708-019B960494DF}">
-                  <a14:hiddenLine xmlns:a14="http://schemas.microsoft.com/office/drawing/2010/main" xmlns="" w="9525">
+                  <a14:hiddenLine xmlns="" xmlns:a14="http://schemas.microsoft.com/office/drawing/2010/main" w="9525">
                     <a:solidFill>
                       <a:srgbClr val="000000"/>
                     </a:solidFill>
@@ -11525,7 +11530,7 @@
               </a:ln>
               <a:extLst>
                 <a:ext uri="{91240B29-F687-4f45-9708-019B960494DF}">
-                  <a14:hiddenLine xmlns:a14="http://schemas.microsoft.com/office/drawing/2010/main" xmlns="" w="9525">
+                  <a14:hiddenLine xmlns="" xmlns:a14="http://schemas.microsoft.com/office/drawing/2010/main" w="9525">
                     <a:solidFill>
                       <a:srgbClr val="000000"/>
                     </a:solidFill>
@@ -11590,7 +11595,7 @@
               </a:ln>
               <a:extLst>
                 <a:ext uri="{91240B29-F687-4f45-9708-019B960494DF}">
-                  <a14:hiddenLine xmlns:a14="http://schemas.microsoft.com/office/drawing/2010/main" xmlns="" w="9525">
+                  <a14:hiddenLine xmlns="" xmlns:a14="http://schemas.microsoft.com/office/drawing/2010/main" w="9525">
                     <a:solidFill>
                       <a:srgbClr val="000000"/>
                     </a:solidFill>
@@ -11680,7 +11685,7 @@
               </a:ln>
               <a:extLst>
                 <a:ext uri="{91240B29-F687-4f45-9708-019B960494DF}">
-                  <a14:hiddenLine xmlns:a14="http://schemas.microsoft.com/office/drawing/2010/main" xmlns="" w="9525">
+                  <a14:hiddenLine xmlns="" xmlns:a14="http://schemas.microsoft.com/office/drawing/2010/main" w="9525">
                     <a:solidFill>
                       <a:srgbClr val="000000"/>
                     </a:solidFill>
@@ -11742,7 +11747,7 @@
               </a:ln>
               <a:extLst>
                 <a:ext uri="{91240B29-F687-4f45-9708-019B960494DF}">
-                  <a14:hiddenLine xmlns:a14="http://schemas.microsoft.com/office/drawing/2010/main" xmlns="" w="9525">
+                  <a14:hiddenLine xmlns="" xmlns:a14="http://schemas.microsoft.com/office/drawing/2010/main" w="9525">
                     <a:solidFill>
                       <a:srgbClr val="000000"/>
                     </a:solidFill>
@@ -11832,7 +11837,7 @@
               </a:ln>
               <a:extLst>
                 <a:ext uri="{91240B29-F687-4f45-9708-019B960494DF}">
-                  <a14:hiddenLine xmlns:a14="http://schemas.microsoft.com/office/drawing/2010/main" xmlns="" w="9525">
+                  <a14:hiddenLine xmlns="" xmlns:a14="http://schemas.microsoft.com/office/drawing/2010/main" w="9525">
                     <a:solidFill>
                       <a:srgbClr val="000000"/>
                     </a:solidFill>
@@ -11897,7 +11902,7 @@
               </a:ln>
               <a:extLst>
                 <a:ext uri="{91240B29-F687-4f45-9708-019B960494DF}">
-                  <a14:hiddenLine xmlns:a14="http://schemas.microsoft.com/office/drawing/2010/main" xmlns="" w="9525">
+                  <a14:hiddenLine xmlns="" xmlns:a14="http://schemas.microsoft.com/office/drawing/2010/main" w="9525">
                     <a:solidFill>
                       <a:srgbClr val="000000"/>
                     </a:solidFill>
@@ -11959,7 +11964,7 @@
               </a:ln>
               <a:extLst>
                 <a:ext uri="{91240B29-F687-4f45-9708-019B960494DF}">
-                  <a14:hiddenLine xmlns:a14="http://schemas.microsoft.com/office/drawing/2010/main" xmlns="" w="9525">
+                  <a14:hiddenLine xmlns="" xmlns:a14="http://schemas.microsoft.com/office/drawing/2010/main" w="9525">
                     <a:solidFill>
                       <a:srgbClr val="000000"/>
                     </a:solidFill>
@@ -12049,7 +12054,7 @@
               </a:ln>
               <a:extLst>
                 <a:ext uri="{91240B29-F687-4f45-9708-019B960494DF}">
-                  <a14:hiddenLine xmlns:a14="http://schemas.microsoft.com/office/drawing/2010/main" xmlns="" w="9525">
+                  <a14:hiddenLine xmlns="" xmlns:a14="http://schemas.microsoft.com/office/drawing/2010/main" w="9525">
                     <a:solidFill>
                       <a:srgbClr val="000000"/>
                     </a:solidFill>
@@ -12139,7 +12144,7 @@
               </a:ln>
               <a:extLst>
                 <a:ext uri="{91240B29-F687-4f45-9708-019B960494DF}">
-                  <a14:hiddenLine xmlns:a14="http://schemas.microsoft.com/office/drawing/2010/main" xmlns="" w="9525">
+                  <a14:hiddenLine xmlns="" xmlns:a14="http://schemas.microsoft.com/office/drawing/2010/main" w="9525">
                     <a:solidFill>
                       <a:srgbClr val="000000"/>
                     </a:solidFill>
@@ -12204,7 +12209,7 @@
               </a:ln>
               <a:extLst>
                 <a:ext uri="{91240B29-F687-4f45-9708-019B960494DF}">
-                  <a14:hiddenLine xmlns:a14="http://schemas.microsoft.com/office/drawing/2010/main" xmlns="" w="9525">
+                  <a14:hiddenLine xmlns="" xmlns:a14="http://schemas.microsoft.com/office/drawing/2010/main" w="9525">
                     <a:solidFill>
                       <a:srgbClr val="000000"/>
                     </a:solidFill>
@@ -12324,7 +12329,7 @@
               </a:ln>
               <a:extLst>
                 <a:ext uri="{91240B29-F687-4f45-9708-019B960494DF}">
-                  <a14:hiddenLine xmlns:a14="http://schemas.microsoft.com/office/drawing/2010/main" xmlns="" w="9525">
+                  <a14:hiddenLine xmlns="" xmlns:a14="http://schemas.microsoft.com/office/drawing/2010/main" w="9525">
                     <a:solidFill>
                       <a:srgbClr val="000000"/>
                     </a:solidFill>
@@ -12405,7 +12410,7 @@
               </a:ln>
               <a:extLst>
                 <a:ext uri="{91240B29-F687-4f45-9708-019B960494DF}">
-                  <a14:hiddenLine xmlns:a14="http://schemas.microsoft.com/office/drawing/2010/main" xmlns="" w="9525">
+                  <a14:hiddenLine xmlns="" xmlns:a14="http://schemas.microsoft.com/office/drawing/2010/main" w="9525">
                     <a:solidFill>
                       <a:srgbClr val="000000"/>
                     </a:solidFill>
@@ -12520,7 +12525,7 @@
               </a:ln>
               <a:extLst>
                 <a:ext uri="{91240B29-F687-4f45-9708-019B960494DF}">
-                  <a14:hiddenLine xmlns:a14="http://schemas.microsoft.com/office/drawing/2010/main" xmlns="" w="9525">
+                  <a14:hiddenLine xmlns="" xmlns:a14="http://schemas.microsoft.com/office/drawing/2010/main" w="9525">
                     <a:solidFill>
                       <a:srgbClr val="000000"/>
                     </a:solidFill>
@@ -12610,7 +12615,7 @@
               </a:ln>
               <a:extLst>
                 <a:ext uri="{91240B29-F687-4f45-9708-019B960494DF}">
-                  <a14:hiddenLine xmlns:a14="http://schemas.microsoft.com/office/drawing/2010/main" xmlns="" w="9525">
+                  <a14:hiddenLine xmlns="" xmlns:a14="http://schemas.microsoft.com/office/drawing/2010/main" w="9525">
                     <a:solidFill>
                       <a:srgbClr val="000000"/>
                     </a:solidFill>
@@ -12675,7 +12680,7 @@
               </a:ln>
               <a:extLst>
                 <a:ext uri="{91240B29-F687-4f45-9708-019B960494DF}">
-                  <a14:hiddenLine xmlns:a14="http://schemas.microsoft.com/office/drawing/2010/main" xmlns="" w="9525">
+                  <a14:hiddenLine xmlns="" xmlns:a14="http://schemas.microsoft.com/office/drawing/2010/main" w="9525">
                     <a:solidFill>
                       <a:srgbClr val="000000"/>
                     </a:solidFill>
@@ -12765,7 +12770,7 @@
               </a:ln>
               <a:extLst>
                 <a:ext uri="{91240B29-F687-4f45-9708-019B960494DF}">
-                  <a14:hiddenLine xmlns:a14="http://schemas.microsoft.com/office/drawing/2010/main" xmlns="" w="9525">
+                  <a14:hiddenLine xmlns="" xmlns:a14="http://schemas.microsoft.com/office/drawing/2010/main" w="9525">
                     <a:solidFill>
                       <a:srgbClr val="000000"/>
                     </a:solidFill>
@@ -12833,7 +12838,7 @@
               </a:ln>
               <a:extLst>
                 <a:ext uri="{91240B29-F687-4f45-9708-019B960494DF}">
-                  <a14:hiddenLine xmlns:a14="http://schemas.microsoft.com/office/drawing/2010/main" xmlns="" w="9525">
+                  <a14:hiddenLine xmlns="" xmlns:a14="http://schemas.microsoft.com/office/drawing/2010/main" w="9525">
                     <a:solidFill>
                       <a:srgbClr val="000000"/>
                     </a:solidFill>
@@ -12923,7 +12928,7 @@
               </a:ln>
               <a:extLst>
                 <a:ext uri="{91240B29-F687-4f45-9708-019B960494DF}">
-                  <a14:hiddenLine xmlns:a14="http://schemas.microsoft.com/office/drawing/2010/main" xmlns="" w="9525">
+                  <a14:hiddenLine xmlns="" xmlns:a14="http://schemas.microsoft.com/office/drawing/2010/main" w="9525">
                     <a:solidFill>
                       <a:srgbClr val="000000"/>
                     </a:solidFill>
@@ -12991,7 +12996,7 @@
               </a:ln>
               <a:extLst>
                 <a:ext uri="{91240B29-F687-4f45-9708-019B960494DF}">
-                  <a14:hiddenLine xmlns:a14="http://schemas.microsoft.com/office/drawing/2010/main" xmlns="" w="9525">
+                  <a14:hiddenLine xmlns="" xmlns:a14="http://schemas.microsoft.com/office/drawing/2010/main" w="9525">
                     <a:solidFill>
                       <a:srgbClr val="000000"/>
                     </a:solidFill>
@@ -13081,7 +13086,7 @@
               </a:ln>
               <a:extLst>
                 <a:ext uri="{91240B29-F687-4f45-9708-019B960494DF}">
-                  <a14:hiddenLine xmlns:a14="http://schemas.microsoft.com/office/drawing/2010/main" xmlns="" w="9525">
+                  <a14:hiddenLine xmlns="" xmlns:a14="http://schemas.microsoft.com/office/drawing/2010/main" w="9525">
                     <a:solidFill>
                       <a:srgbClr val="000000"/>
                     </a:solidFill>
@@ -13115,7 +13120,7 @@
               </a:ln>
               <a:extLst>
                 <a:ext uri="{91240B29-F687-4f45-9708-019B960494DF}">
-                  <a14:hiddenLine xmlns:a14="http://schemas.microsoft.com/office/drawing/2010/main" xmlns="" w="9525">
+                  <a14:hiddenLine xmlns="" xmlns:a14="http://schemas.microsoft.com/office/drawing/2010/main" w="9525">
                     <a:solidFill>
                       <a:srgbClr val="000000"/>
                     </a:solidFill>
@@ -13256,7 +13261,7 @@
             <a:fld id="{48A87A34-81AB-432B-8DAE-1953F412C126}" type="datetimeFigureOut">
               <a:rPr lang="en-US" dirty="0"/>
               <a:pPr/>
-              <a:t>3/30/2022</a:t>
+              <a:t>3/31/2022</a:t>
             </a:fld>
             <a:endParaRPr lang="en-US" dirty="0"/>
           </a:p>
@@ -14509,10 +14514,10 @@
       </p:sp>
       <p:pic>
         <p:nvPicPr>
-          <p:cNvPr id="5" name="Marcador de contenido 4" descr="Imagen que contiene Escala de tiempo&#10;&#10;Descripción generada automáticamente">
+          <p:cNvPr id="7" name="Marcador de contenido 6" descr="Imagen que contiene Diagrama&#10;&#10;Descripción generada automáticamente">
             <a:extLst>
               <a:ext uri="{FF2B5EF4-FFF2-40B4-BE49-F238E27FC236}">
-                <a16:creationId xmlns:a16="http://schemas.microsoft.com/office/drawing/2014/main" id="{04B0D4C4-3346-4D2B-A992-E0B48013EF4F}"/>
+                <a16:creationId xmlns:a16="http://schemas.microsoft.com/office/drawing/2014/main" id="{A3DB8E97-2860-44A6-BEFD-7667608F4C28}"/>
               </a:ext>
             </a:extLst>
           </p:cNvPr>
@@ -14531,8 +14536,8 @@
         </p:blipFill>
         <p:spPr>
           <a:xfrm>
-            <a:off x="2753797" y="960783"/>
-            <a:ext cx="6350447" cy="5611118"/>
+            <a:off x="2871382" y="989169"/>
+            <a:ext cx="6449236" cy="5698405"/>
           </a:xfrm>
         </p:spPr>
       </p:pic>

--- a/doc/Presentación_mitad_de_curso_JuanEspinosayNachoRodriguez.pptx
+++ b/doc/Presentación_mitad_de_curso_JuanEspinosayNachoRodriguez.pptx
@@ -203,7 +203,7 @@
           <a:p>
             <a:fld id="{6494474F-FB99-4D66-9794-76C269664995}" type="datetimeFigureOut">
               <a:rPr lang="es-ES" smtClean="0"/>
-              <a:t>31/03/2022</a:t>
+              <a:t>05/04/2022</a:t>
             </a:fld>
             <a:endParaRPr lang="es-ES"/>
           </a:p>
@@ -1502,7 +1502,7 @@
           <a:noFill/>
           <a:extLst>
             <a:ext uri="{909E8E84-426E-40dd-AFC4-6F175D3DCCD1}">
-              <a14:hiddenFill xmlns="" xmlns:a14="http://schemas.microsoft.com/office/drawing/2010/main">
+              <a14:hiddenFill xmlns:a14="http://schemas.microsoft.com/office/drawing/2010/main" xmlns="">
                 <a:solidFill>
                   <a:srgbClr val="FFFFFF"/>
                 </a:solidFill>
@@ -1561,7 +1561,7 @@
             </a:ln>
             <a:extLst>
               <a:ext uri="{91240B29-F687-4f45-9708-019B960494DF}">
-                <a14:hiddenLine xmlns="" xmlns:a14="http://schemas.microsoft.com/office/drawing/2010/main" w="9525">
+                <a14:hiddenLine xmlns:a14="http://schemas.microsoft.com/office/drawing/2010/main" xmlns="" w="9525">
                   <a:solidFill>
                     <a:srgbClr val="000000"/>
                   </a:solidFill>
@@ -1651,7 +1651,7 @@
             </a:ln>
             <a:extLst>
               <a:ext uri="{91240B29-F687-4f45-9708-019B960494DF}">
-                <a14:hiddenLine xmlns="" xmlns:a14="http://schemas.microsoft.com/office/drawing/2010/main" w="9525">
+                <a14:hiddenLine xmlns:a14="http://schemas.microsoft.com/office/drawing/2010/main" xmlns="" w="9525">
                   <a:solidFill>
                     <a:srgbClr val="000000"/>
                   </a:solidFill>
@@ -1741,7 +1741,7 @@
             </a:ln>
             <a:extLst>
               <a:ext uri="{91240B29-F687-4f45-9708-019B960494DF}">
-                <a14:hiddenLine xmlns="" xmlns:a14="http://schemas.microsoft.com/office/drawing/2010/main" w="9525">
+                <a14:hiddenLine xmlns:a14="http://schemas.microsoft.com/office/drawing/2010/main" xmlns="" w="9525">
                   <a:solidFill>
                     <a:srgbClr val="000000"/>
                   </a:solidFill>
@@ -1775,7 +1775,7 @@
             </a:ln>
             <a:extLst>
               <a:ext uri="{91240B29-F687-4f45-9708-019B960494DF}">
-                <a14:hiddenLine xmlns="" xmlns:a14="http://schemas.microsoft.com/office/drawing/2010/main" w="9525">
+                <a14:hiddenLine xmlns:a14="http://schemas.microsoft.com/office/drawing/2010/main" xmlns="" w="9525">
                   <a:solidFill>
                     <a:srgbClr val="000000"/>
                   </a:solidFill>
@@ -1865,7 +1865,7 @@
             </a:ln>
             <a:extLst>
               <a:ext uri="{91240B29-F687-4f45-9708-019B960494DF}">
-                <a14:hiddenLine xmlns="" xmlns:a14="http://schemas.microsoft.com/office/drawing/2010/main" w="9525">
+                <a14:hiddenLine xmlns:a14="http://schemas.microsoft.com/office/drawing/2010/main" xmlns="" w="9525">
                   <a:solidFill>
                     <a:srgbClr val="000000"/>
                   </a:solidFill>
@@ -1927,7 +1927,7 @@
             </a:ln>
             <a:extLst>
               <a:ext uri="{91240B29-F687-4f45-9708-019B960494DF}">
-                <a14:hiddenLine xmlns="" xmlns:a14="http://schemas.microsoft.com/office/drawing/2010/main" w="9525">
+                <a14:hiddenLine xmlns:a14="http://schemas.microsoft.com/office/drawing/2010/main" xmlns="" w="9525">
                   <a:solidFill>
                     <a:srgbClr val="000000"/>
                   </a:solidFill>
@@ -1989,7 +1989,7 @@
             </a:ln>
             <a:extLst>
               <a:ext uri="{91240B29-F687-4f45-9708-019B960494DF}">
-                <a14:hiddenLine xmlns="" xmlns:a14="http://schemas.microsoft.com/office/drawing/2010/main" w="9525">
+                <a14:hiddenLine xmlns:a14="http://schemas.microsoft.com/office/drawing/2010/main" xmlns="" w="9525">
                   <a:solidFill>
                     <a:srgbClr val="000000"/>
                   </a:solidFill>
@@ -2079,7 +2079,7 @@
             </a:ln>
             <a:extLst>
               <a:ext uri="{91240B29-F687-4f45-9708-019B960494DF}">
-                <a14:hiddenLine xmlns="" xmlns:a14="http://schemas.microsoft.com/office/drawing/2010/main" w="9525">
+                <a14:hiddenLine xmlns:a14="http://schemas.microsoft.com/office/drawing/2010/main" xmlns="" w="9525">
                   <a:solidFill>
                     <a:srgbClr val="000000"/>
                   </a:solidFill>
@@ -2141,7 +2141,7 @@
             </a:ln>
             <a:extLst>
               <a:ext uri="{91240B29-F687-4f45-9708-019B960494DF}">
-                <a14:hiddenLine xmlns="" xmlns:a14="http://schemas.microsoft.com/office/drawing/2010/main" w="9525">
+                <a14:hiddenLine xmlns:a14="http://schemas.microsoft.com/office/drawing/2010/main" xmlns="" w="9525">
                   <a:solidFill>
                     <a:srgbClr val="000000"/>
                   </a:solidFill>
@@ -2203,7 +2203,7 @@
             </a:ln>
             <a:extLst>
               <a:ext uri="{91240B29-F687-4f45-9708-019B960494DF}">
-                <a14:hiddenLine xmlns="" xmlns:a14="http://schemas.microsoft.com/office/drawing/2010/main" w="9525">
+                <a14:hiddenLine xmlns:a14="http://schemas.microsoft.com/office/drawing/2010/main" xmlns="" w="9525">
                   <a:solidFill>
                     <a:srgbClr val="000000"/>
                   </a:solidFill>
@@ -2293,7 +2293,7 @@
             </a:ln>
             <a:extLst>
               <a:ext uri="{91240B29-F687-4f45-9708-019B960494DF}">
-                <a14:hiddenLine xmlns="" xmlns:a14="http://schemas.microsoft.com/office/drawing/2010/main" w="9525">
+                <a14:hiddenLine xmlns:a14="http://schemas.microsoft.com/office/drawing/2010/main" xmlns="" w="9525">
                   <a:solidFill>
                     <a:srgbClr val="000000"/>
                   </a:solidFill>
@@ -2383,7 +2383,7 @@
             </a:ln>
             <a:extLst>
               <a:ext uri="{91240B29-F687-4f45-9708-019B960494DF}">
-                <a14:hiddenLine xmlns="" xmlns:a14="http://schemas.microsoft.com/office/drawing/2010/main" w="9525">
+                <a14:hiddenLine xmlns:a14="http://schemas.microsoft.com/office/drawing/2010/main" xmlns="" w="9525">
                   <a:solidFill>
                     <a:srgbClr val="000000"/>
                   </a:solidFill>
@@ -2445,7 +2445,7 @@
             </a:ln>
             <a:extLst>
               <a:ext uri="{91240B29-F687-4f45-9708-019B960494DF}">
-                <a14:hiddenLine xmlns="" xmlns:a14="http://schemas.microsoft.com/office/drawing/2010/main" w="9525">
+                <a14:hiddenLine xmlns:a14="http://schemas.microsoft.com/office/drawing/2010/main" xmlns="" w="9525">
                   <a:solidFill>
                     <a:srgbClr val="000000"/>
                   </a:solidFill>
@@ -2555,7 +2555,7 @@
             </a:ln>
             <a:extLst>
               <a:ext uri="{91240B29-F687-4f45-9708-019B960494DF}">
-                <a14:hiddenLine xmlns="" xmlns:a14="http://schemas.microsoft.com/office/drawing/2010/main" w="9525">
+                <a14:hiddenLine xmlns:a14="http://schemas.microsoft.com/office/drawing/2010/main" xmlns="" w="9525">
                   <a:solidFill>
                     <a:srgbClr val="000000"/>
                   </a:solidFill>
@@ -2617,7 +2617,7 @@
             </a:ln>
             <a:extLst>
               <a:ext uri="{91240B29-F687-4f45-9708-019B960494DF}">
-                <a14:hiddenLine xmlns="" xmlns:a14="http://schemas.microsoft.com/office/drawing/2010/main" w="9525">
+                <a14:hiddenLine xmlns:a14="http://schemas.microsoft.com/office/drawing/2010/main" xmlns="" w="9525">
                   <a:solidFill>
                     <a:srgbClr val="000000"/>
                   </a:solidFill>
@@ -2707,7 +2707,7 @@
             </a:ln>
             <a:extLst>
               <a:ext uri="{91240B29-F687-4f45-9708-019B960494DF}">
-                <a14:hiddenLine xmlns="" xmlns:a14="http://schemas.microsoft.com/office/drawing/2010/main" w="9525">
+                <a14:hiddenLine xmlns:a14="http://schemas.microsoft.com/office/drawing/2010/main" xmlns="" w="9525">
                   <a:solidFill>
                     <a:srgbClr val="000000"/>
                   </a:solidFill>
@@ -2797,7 +2797,7 @@
             </a:ln>
             <a:extLst>
               <a:ext uri="{91240B29-F687-4f45-9708-019B960494DF}">
-                <a14:hiddenLine xmlns="" xmlns:a14="http://schemas.microsoft.com/office/drawing/2010/main" w="9525">
+                <a14:hiddenLine xmlns:a14="http://schemas.microsoft.com/office/drawing/2010/main" xmlns="" w="9525">
                   <a:solidFill>
                     <a:srgbClr val="000000"/>
                   </a:solidFill>
@@ -2859,7 +2859,7 @@
             </a:ln>
             <a:extLst>
               <a:ext uri="{91240B29-F687-4f45-9708-019B960494DF}">
-                <a14:hiddenLine xmlns="" xmlns:a14="http://schemas.microsoft.com/office/drawing/2010/main" w="9525">
+                <a14:hiddenLine xmlns:a14="http://schemas.microsoft.com/office/drawing/2010/main" xmlns="" w="9525">
                   <a:solidFill>
                     <a:srgbClr val="000000"/>
                   </a:solidFill>
@@ -2949,7 +2949,7 @@
             </a:ln>
             <a:extLst>
               <a:ext uri="{91240B29-F687-4f45-9708-019B960494DF}">
-                <a14:hiddenLine xmlns="" xmlns:a14="http://schemas.microsoft.com/office/drawing/2010/main" w="9525">
+                <a14:hiddenLine xmlns:a14="http://schemas.microsoft.com/office/drawing/2010/main" xmlns="" w="9525">
                   <a:solidFill>
                     <a:srgbClr val="000000"/>
                   </a:solidFill>
@@ -3039,7 +3039,7 @@
             </a:ln>
             <a:extLst>
               <a:ext uri="{91240B29-F687-4f45-9708-019B960494DF}">
-                <a14:hiddenLine xmlns="" xmlns:a14="http://schemas.microsoft.com/office/drawing/2010/main" w="9525">
+                <a14:hiddenLine xmlns:a14="http://schemas.microsoft.com/office/drawing/2010/main" xmlns="" w="9525">
                   <a:solidFill>
                     <a:srgbClr val="000000"/>
                   </a:solidFill>
@@ -3095,7 +3095,7 @@
             </a:ln>
             <a:extLst>
               <a:ext uri="{91240B29-F687-4f45-9708-019B960494DF}">
-                <a14:hiddenLine xmlns="" xmlns:a14="http://schemas.microsoft.com/office/drawing/2010/main" w="9525">
+                <a14:hiddenLine xmlns:a14="http://schemas.microsoft.com/office/drawing/2010/main" xmlns="" w="9525">
                   <a:solidFill>
                     <a:srgbClr val="000000"/>
                   </a:solidFill>
@@ -3185,7 +3185,7 @@
             </a:ln>
             <a:extLst>
               <a:ext uri="{91240B29-F687-4f45-9708-019B960494DF}">
-                <a14:hiddenLine xmlns="" xmlns:a14="http://schemas.microsoft.com/office/drawing/2010/main" w="9525">
+                <a14:hiddenLine xmlns:a14="http://schemas.microsoft.com/office/drawing/2010/main" xmlns="" w="9525">
                   <a:solidFill>
                     <a:srgbClr val="000000"/>
                   </a:solidFill>
@@ -3241,7 +3241,7 @@
             </a:ln>
             <a:extLst>
               <a:ext uri="{91240B29-F687-4f45-9708-019B960494DF}">
-                <a14:hiddenLine xmlns="" xmlns:a14="http://schemas.microsoft.com/office/drawing/2010/main" w="9525">
+                <a14:hiddenLine xmlns:a14="http://schemas.microsoft.com/office/drawing/2010/main" xmlns="" w="9525">
                   <a:solidFill>
                     <a:srgbClr val="000000"/>
                   </a:solidFill>
@@ -3331,7 +3331,7 @@
             </a:ln>
             <a:extLst>
               <a:ext uri="{91240B29-F687-4f45-9708-019B960494DF}">
-                <a14:hiddenLine xmlns="" xmlns:a14="http://schemas.microsoft.com/office/drawing/2010/main" w="9525">
+                <a14:hiddenLine xmlns:a14="http://schemas.microsoft.com/office/drawing/2010/main" xmlns="" w="9525">
                   <a:solidFill>
                     <a:srgbClr val="000000"/>
                   </a:solidFill>
@@ -3399,7 +3399,7 @@
             </a:ln>
             <a:extLst>
               <a:ext uri="{91240B29-F687-4f45-9708-019B960494DF}">
-                <a14:hiddenLine xmlns="" xmlns:a14="http://schemas.microsoft.com/office/drawing/2010/main" w="9525">
+                <a14:hiddenLine xmlns:a14="http://schemas.microsoft.com/office/drawing/2010/main" xmlns="" w="9525">
                   <a:solidFill>
                     <a:srgbClr val="000000"/>
                   </a:solidFill>
@@ -3489,7 +3489,7 @@
             </a:ln>
             <a:extLst>
               <a:ext uri="{91240B29-F687-4f45-9708-019B960494DF}">
-                <a14:hiddenLine xmlns="" xmlns:a14="http://schemas.microsoft.com/office/drawing/2010/main" w="9525">
+                <a14:hiddenLine xmlns:a14="http://schemas.microsoft.com/office/drawing/2010/main" xmlns="" w="9525">
                   <a:solidFill>
                     <a:srgbClr val="000000"/>
                   </a:solidFill>
@@ -3557,7 +3557,7 @@
             </a:ln>
             <a:extLst>
               <a:ext uri="{91240B29-F687-4f45-9708-019B960494DF}">
-                <a14:hiddenLine xmlns="" xmlns:a14="http://schemas.microsoft.com/office/drawing/2010/main" w="9525">
+                <a14:hiddenLine xmlns:a14="http://schemas.microsoft.com/office/drawing/2010/main" xmlns="" w="9525">
                   <a:solidFill>
                     <a:srgbClr val="000000"/>
                   </a:solidFill>
@@ -3647,7 +3647,7 @@
             </a:ln>
             <a:extLst>
               <a:ext uri="{91240B29-F687-4f45-9708-019B960494DF}">
-                <a14:hiddenLine xmlns="" xmlns:a14="http://schemas.microsoft.com/office/drawing/2010/main" w="9525">
+                <a14:hiddenLine xmlns:a14="http://schemas.microsoft.com/office/drawing/2010/main" xmlns="" w="9525">
                   <a:solidFill>
                     <a:srgbClr val="000000"/>
                   </a:solidFill>
@@ -3681,7 +3681,7 @@
             </a:ln>
             <a:extLst>
               <a:ext uri="{91240B29-F687-4f45-9708-019B960494DF}">
-                <a14:hiddenLine xmlns="" xmlns:a14="http://schemas.microsoft.com/office/drawing/2010/main" w="9525">
+                <a14:hiddenLine xmlns:a14="http://schemas.microsoft.com/office/drawing/2010/main" xmlns="" w="9525">
                   <a:solidFill>
                     <a:srgbClr val="000000"/>
                   </a:solidFill>
@@ -3771,7 +3771,7 @@
             </a:ln>
             <a:extLst>
               <a:ext uri="{91240B29-F687-4f45-9708-019B960494DF}">
-                <a14:hiddenLine xmlns="" xmlns:a14="http://schemas.microsoft.com/office/drawing/2010/main" w="9525">
+                <a14:hiddenLine xmlns:a14="http://schemas.microsoft.com/office/drawing/2010/main" xmlns="" w="9525">
                   <a:solidFill>
                     <a:srgbClr val="000000"/>
                   </a:solidFill>
@@ -3833,7 +3833,7 @@
             </a:ln>
             <a:extLst>
               <a:ext uri="{91240B29-F687-4f45-9708-019B960494DF}">
-                <a14:hiddenLine xmlns="" xmlns:a14="http://schemas.microsoft.com/office/drawing/2010/main" w="9525">
+                <a14:hiddenLine xmlns:a14="http://schemas.microsoft.com/office/drawing/2010/main" xmlns="" w="9525">
                   <a:solidFill>
                     <a:srgbClr val="000000"/>
                   </a:solidFill>
@@ -3895,7 +3895,7 @@
             </a:ln>
             <a:extLst>
               <a:ext uri="{91240B29-F687-4f45-9708-019B960494DF}">
-                <a14:hiddenLine xmlns="" xmlns:a14="http://schemas.microsoft.com/office/drawing/2010/main" w="9525">
+                <a14:hiddenLine xmlns:a14="http://schemas.microsoft.com/office/drawing/2010/main" xmlns="" w="9525">
                   <a:solidFill>
                     <a:srgbClr val="000000"/>
                   </a:solidFill>
@@ -3985,7 +3985,7 @@
             </a:ln>
             <a:extLst>
               <a:ext uri="{91240B29-F687-4f45-9708-019B960494DF}">
-                <a14:hiddenLine xmlns="" xmlns:a14="http://schemas.microsoft.com/office/drawing/2010/main" w="9525">
+                <a14:hiddenLine xmlns:a14="http://schemas.microsoft.com/office/drawing/2010/main" xmlns="" w="9525">
                   <a:solidFill>
                     <a:srgbClr val="000000"/>
                   </a:solidFill>
@@ -4053,7 +4053,7 @@
             </a:ln>
             <a:extLst>
               <a:ext uri="{91240B29-F687-4f45-9708-019B960494DF}">
-                <a14:hiddenLine xmlns="" xmlns:a14="http://schemas.microsoft.com/office/drawing/2010/main" w="9525">
+                <a14:hiddenLine xmlns:a14="http://schemas.microsoft.com/office/drawing/2010/main" xmlns="" w="9525">
                   <a:solidFill>
                     <a:srgbClr val="000000"/>
                   </a:solidFill>
@@ -4115,7 +4115,7 @@
             </a:ln>
             <a:extLst>
               <a:ext uri="{91240B29-F687-4f45-9708-019B960494DF}">
-                <a14:hiddenLine xmlns="" xmlns:a14="http://schemas.microsoft.com/office/drawing/2010/main" w="9525">
+                <a14:hiddenLine xmlns:a14="http://schemas.microsoft.com/office/drawing/2010/main" xmlns="" w="9525">
                   <a:solidFill>
                     <a:srgbClr val="000000"/>
                   </a:solidFill>
@@ -4205,7 +4205,7 @@
             </a:ln>
             <a:extLst>
               <a:ext uri="{91240B29-F687-4f45-9708-019B960494DF}">
-                <a14:hiddenLine xmlns="" xmlns:a14="http://schemas.microsoft.com/office/drawing/2010/main" w="9525">
+                <a14:hiddenLine xmlns:a14="http://schemas.microsoft.com/office/drawing/2010/main" xmlns="" w="9525">
                   <a:solidFill>
                     <a:srgbClr val="000000"/>
                   </a:solidFill>
@@ -4267,7 +4267,7 @@
             </a:ln>
             <a:extLst>
               <a:ext uri="{91240B29-F687-4f45-9708-019B960494DF}">
-                <a14:hiddenLine xmlns="" xmlns:a14="http://schemas.microsoft.com/office/drawing/2010/main" w="9525">
+                <a14:hiddenLine xmlns:a14="http://schemas.microsoft.com/office/drawing/2010/main" xmlns="" w="9525">
                   <a:solidFill>
                     <a:srgbClr val="000000"/>
                   </a:solidFill>
@@ -4357,7 +4357,7 @@
             </a:ln>
             <a:extLst>
               <a:ext uri="{91240B29-F687-4f45-9708-019B960494DF}">
-                <a14:hiddenLine xmlns="" xmlns:a14="http://schemas.microsoft.com/office/drawing/2010/main" w="9525">
+                <a14:hiddenLine xmlns:a14="http://schemas.microsoft.com/office/drawing/2010/main" xmlns="" w="9525">
                   <a:solidFill>
                     <a:srgbClr val="000000"/>
                   </a:solidFill>
@@ -4419,7 +4419,7 @@
             </a:ln>
             <a:extLst>
               <a:ext uri="{91240B29-F687-4f45-9708-019B960494DF}">
-                <a14:hiddenLine xmlns="" xmlns:a14="http://schemas.microsoft.com/office/drawing/2010/main" w="9525">
+                <a14:hiddenLine xmlns:a14="http://schemas.microsoft.com/office/drawing/2010/main" xmlns="" w="9525">
                   <a:solidFill>
                     <a:srgbClr val="000000"/>
                   </a:solidFill>
@@ -4509,7 +4509,7 @@
             </a:ln>
             <a:extLst>
               <a:ext uri="{91240B29-F687-4f45-9708-019B960494DF}">
-                <a14:hiddenLine xmlns="" xmlns:a14="http://schemas.microsoft.com/office/drawing/2010/main" w="9525">
+                <a14:hiddenLine xmlns:a14="http://schemas.microsoft.com/office/drawing/2010/main" xmlns="" w="9525">
                   <a:solidFill>
                     <a:srgbClr val="000000"/>
                   </a:solidFill>
@@ -4543,7 +4543,7 @@
             </a:ln>
             <a:extLst>
               <a:ext uri="{91240B29-F687-4f45-9708-019B960494DF}">
-                <a14:hiddenLine xmlns="" xmlns:a14="http://schemas.microsoft.com/office/drawing/2010/main" w="9525">
+                <a14:hiddenLine xmlns:a14="http://schemas.microsoft.com/office/drawing/2010/main" xmlns="" w="9525">
                   <a:solidFill>
                     <a:srgbClr val="000000"/>
                   </a:solidFill>
@@ -4608,7 +4608,7 @@
             </a:ln>
             <a:extLst>
               <a:ext uri="{91240B29-F687-4f45-9708-019B960494DF}">
-                <a14:hiddenLine xmlns="" xmlns:a14="http://schemas.microsoft.com/office/drawing/2010/main" w="9525">
+                <a14:hiddenLine xmlns:a14="http://schemas.microsoft.com/office/drawing/2010/main" xmlns="" w="9525">
                   <a:solidFill>
                     <a:srgbClr val="000000"/>
                   </a:solidFill>
@@ -4698,7 +4698,7 @@
             </a:ln>
             <a:extLst>
               <a:ext uri="{91240B29-F687-4f45-9708-019B960494DF}">
-                <a14:hiddenLine xmlns="" xmlns:a14="http://schemas.microsoft.com/office/drawing/2010/main" w="9525">
+                <a14:hiddenLine xmlns:a14="http://schemas.microsoft.com/office/drawing/2010/main" xmlns="" w="9525">
                   <a:solidFill>
                     <a:srgbClr val="000000"/>
                   </a:solidFill>
@@ -4760,7 +4760,7 @@
             </a:ln>
             <a:extLst>
               <a:ext uri="{91240B29-F687-4f45-9708-019B960494DF}">
-                <a14:hiddenLine xmlns="" xmlns:a14="http://schemas.microsoft.com/office/drawing/2010/main" w="9525">
+                <a14:hiddenLine xmlns:a14="http://schemas.microsoft.com/office/drawing/2010/main" xmlns="" w="9525">
                   <a:solidFill>
                     <a:srgbClr val="000000"/>
                   </a:solidFill>
@@ -4850,7 +4850,7 @@
             </a:ln>
             <a:extLst>
               <a:ext uri="{91240B29-F687-4f45-9708-019B960494DF}">
-                <a14:hiddenLine xmlns="" xmlns:a14="http://schemas.microsoft.com/office/drawing/2010/main" w="9525">
+                <a14:hiddenLine xmlns:a14="http://schemas.microsoft.com/office/drawing/2010/main" xmlns="" w="9525">
                   <a:solidFill>
                     <a:srgbClr val="000000"/>
                   </a:solidFill>
@@ -4940,7 +4940,7 @@
             </a:ln>
             <a:extLst>
               <a:ext uri="{91240B29-F687-4f45-9708-019B960494DF}">
-                <a14:hiddenLine xmlns="" xmlns:a14="http://schemas.microsoft.com/office/drawing/2010/main" w="9525">
+                <a14:hiddenLine xmlns:a14="http://schemas.microsoft.com/office/drawing/2010/main" xmlns="" w="9525">
                   <a:solidFill>
                     <a:srgbClr val="000000"/>
                   </a:solidFill>
@@ -5005,7 +5005,7 @@
             </a:ln>
             <a:extLst>
               <a:ext uri="{91240B29-F687-4f45-9708-019B960494DF}">
-                <a14:hiddenLine xmlns="" xmlns:a14="http://schemas.microsoft.com/office/drawing/2010/main" w="9525">
+                <a14:hiddenLine xmlns:a14="http://schemas.microsoft.com/office/drawing/2010/main" xmlns="" w="9525">
                   <a:solidFill>
                     <a:srgbClr val="000000"/>
                   </a:solidFill>
@@ -5067,7 +5067,7 @@
             </a:ln>
             <a:extLst>
               <a:ext uri="{91240B29-F687-4f45-9708-019B960494DF}">
-                <a14:hiddenLine xmlns="" xmlns:a14="http://schemas.microsoft.com/office/drawing/2010/main" w="9525">
+                <a14:hiddenLine xmlns:a14="http://schemas.microsoft.com/office/drawing/2010/main" xmlns="" w="9525">
                   <a:solidFill>
                     <a:srgbClr val="000000"/>
                   </a:solidFill>
@@ -5157,7 +5157,7 @@
             </a:ln>
             <a:extLst>
               <a:ext uri="{91240B29-F687-4f45-9708-019B960494DF}">
-                <a14:hiddenLine xmlns="" xmlns:a14="http://schemas.microsoft.com/office/drawing/2010/main" w="9525">
+                <a14:hiddenLine xmlns:a14="http://schemas.microsoft.com/office/drawing/2010/main" xmlns="" w="9525">
                   <a:solidFill>
                     <a:srgbClr val="000000"/>
                   </a:solidFill>
@@ -5247,7 +5247,7 @@
             </a:ln>
             <a:extLst>
               <a:ext uri="{91240B29-F687-4f45-9708-019B960494DF}">
-                <a14:hiddenLine xmlns="" xmlns:a14="http://schemas.microsoft.com/office/drawing/2010/main" w="9525">
+                <a14:hiddenLine xmlns:a14="http://schemas.microsoft.com/office/drawing/2010/main" xmlns="" w="9525">
                   <a:solidFill>
                     <a:srgbClr val="000000"/>
                   </a:solidFill>
@@ -5309,7 +5309,7 @@
             </a:ln>
             <a:extLst>
               <a:ext uri="{91240B29-F687-4f45-9708-019B960494DF}">
-                <a14:hiddenLine xmlns="" xmlns:a14="http://schemas.microsoft.com/office/drawing/2010/main" w="9525">
+                <a14:hiddenLine xmlns:a14="http://schemas.microsoft.com/office/drawing/2010/main" xmlns="" w="9525">
                   <a:solidFill>
                     <a:srgbClr val="000000"/>
                   </a:solidFill>
@@ -5429,7 +5429,7 @@
             </a:ln>
             <a:extLst>
               <a:ext uri="{91240B29-F687-4f45-9708-019B960494DF}">
-                <a14:hiddenLine xmlns="" xmlns:a14="http://schemas.microsoft.com/office/drawing/2010/main" w="9525">
+                <a14:hiddenLine xmlns:a14="http://schemas.microsoft.com/office/drawing/2010/main" xmlns="" w="9525">
                   <a:solidFill>
                     <a:srgbClr val="000000"/>
                   </a:solidFill>
@@ -5497,7 +5497,7 @@
             </a:ln>
             <a:extLst>
               <a:ext uri="{91240B29-F687-4f45-9708-019B960494DF}">
-                <a14:hiddenLine xmlns="" xmlns:a14="http://schemas.microsoft.com/office/drawing/2010/main" w="9525">
+                <a14:hiddenLine xmlns:a14="http://schemas.microsoft.com/office/drawing/2010/main" xmlns="" w="9525">
                   <a:solidFill>
                     <a:srgbClr val="000000"/>
                   </a:solidFill>
@@ -5587,7 +5587,7 @@
             </a:ln>
             <a:extLst>
               <a:ext uri="{91240B29-F687-4f45-9708-019B960494DF}">
-                <a14:hiddenLine xmlns="" xmlns:a14="http://schemas.microsoft.com/office/drawing/2010/main" w="9525">
+                <a14:hiddenLine xmlns:a14="http://schemas.microsoft.com/office/drawing/2010/main" xmlns="" w="9525">
                   <a:solidFill>
                     <a:srgbClr val="000000"/>
                   </a:solidFill>
@@ -5727,7 +5727,7 @@
           <a:p>
             <a:fld id="{48A87A34-81AB-432B-8DAE-1953F412C126}" type="datetimeFigureOut">
               <a:rPr lang="en-US" dirty="0"/>
-              <a:t>3/31/2022</a:t>
+              <a:t>4/5/2022</a:t>
             </a:fld>
             <a:endParaRPr lang="en-US" dirty="0"/>
           </a:p>
@@ -5989,7 +5989,7 @@
           <a:p>
             <a:fld id="{48A87A34-81AB-432B-8DAE-1953F412C126}" type="datetimeFigureOut">
               <a:rPr lang="en-US" dirty="0"/>
-              <a:t>3/31/2022</a:t>
+              <a:t>4/5/2022</a:t>
             </a:fld>
             <a:endParaRPr lang="en-US" dirty="0"/>
           </a:p>
@@ -6180,7 +6180,7 @@
           <a:p>
             <a:fld id="{48A87A34-81AB-432B-8DAE-1953F412C126}" type="datetimeFigureOut">
               <a:rPr lang="en-US" dirty="0"/>
-              <a:t>3/31/2022</a:t>
+              <a:t>4/5/2022</a:t>
             </a:fld>
             <a:endParaRPr lang="en-US" dirty="0"/>
           </a:p>
@@ -6438,7 +6438,7 @@
           <a:p>
             <a:fld id="{48A87A34-81AB-432B-8DAE-1953F412C126}" type="datetimeFigureOut">
               <a:rPr lang="en-US" dirty="0"/>
-              <a:t>3/31/2022</a:t>
+              <a:t>4/5/2022</a:t>
             </a:fld>
             <a:endParaRPr lang="en-US" dirty="0"/>
           </a:p>
@@ -6867,7 +6867,7 @@
           <a:p>
             <a:fld id="{48A87A34-81AB-432B-8DAE-1953F412C126}" type="datetimeFigureOut">
               <a:rPr lang="en-US" dirty="0"/>
-              <a:t>3/31/2022</a:t>
+              <a:t>4/5/2022</a:t>
             </a:fld>
             <a:endParaRPr lang="en-US" dirty="0"/>
           </a:p>
@@ -7408,7 +7408,7 @@
           <a:p>
             <a:fld id="{48A87A34-81AB-432B-8DAE-1953F412C126}" type="datetimeFigureOut">
               <a:rPr lang="en-US" dirty="0"/>
-              <a:t>3/31/2022</a:t>
+              <a:t>4/5/2022</a:t>
             </a:fld>
             <a:endParaRPr lang="en-US" dirty="0"/>
           </a:p>
@@ -8123,7 +8123,7 @@
           <a:p>
             <a:fld id="{48A87A34-81AB-432B-8DAE-1953F412C126}" type="datetimeFigureOut">
               <a:rPr lang="en-US" dirty="0"/>
-              <a:t>3/31/2022</a:t>
+              <a:t>4/5/2022</a:t>
             </a:fld>
             <a:endParaRPr lang="en-US" dirty="0"/>
           </a:p>
@@ -8288,7 +8288,7 @@
           <a:p>
             <a:fld id="{48A87A34-81AB-432B-8DAE-1953F412C126}" type="datetimeFigureOut">
               <a:rPr lang="en-US" dirty="0"/>
-              <a:t>3/31/2022</a:t>
+              <a:t>4/5/2022</a:t>
             </a:fld>
             <a:endParaRPr lang="en-US" dirty="0"/>
           </a:p>
@@ -8463,7 +8463,7 @@
           <a:p>
             <a:fld id="{48A87A34-81AB-432B-8DAE-1953F412C126}" type="datetimeFigureOut">
               <a:rPr lang="en-US" dirty="0"/>
-              <a:t>3/31/2022</a:t>
+              <a:t>4/5/2022</a:t>
             </a:fld>
             <a:endParaRPr lang="en-US" dirty="0"/>
           </a:p>
@@ -8628,7 +8628,7 @@
           <a:p>
             <a:fld id="{48A87A34-81AB-432B-8DAE-1953F412C126}" type="datetimeFigureOut">
               <a:rPr lang="en-US" dirty="0"/>
-              <a:t>3/31/2022</a:t>
+              <a:t>4/5/2022</a:t>
             </a:fld>
             <a:endParaRPr lang="en-US" dirty="0"/>
           </a:p>
@@ -8873,7 +8873,7 @@
           <a:p>
             <a:fld id="{48A87A34-81AB-432B-8DAE-1953F412C126}" type="datetimeFigureOut">
               <a:rPr lang="en-US" dirty="0"/>
-              <a:t>3/31/2022</a:t>
+              <a:t>4/5/2022</a:t>
             </a:fld>
             <a:endParaRPr lang="en-US" dirty="0"/>
           </a:p>
@@ -9100,7 +9100,7 @@
           <a:p>
             <a:fld id="{48A87A34-81AB-432B-8DAE-1953F412C126}" type="datetimeFigureOut">
               <a:rPr lang="en-US" dirty="0"/>
-              <a:t>3/31/2022</a:t>
+              <a:t>4/5/2022</a:t>
             </a:fld>
             <a:endParaRPr lang="en-US" dirty="0"/>
           </a:p>
@@ -9476,7 +9476,7 @@
           <a:p>
             <a:fld id="{48A87A34-81AB-432B-8DAE-1953F412C126}" type="datetimeFigureOut">
               <a:rPr lang="en-US" dirty="0"/>
-              <a:t>3/31/2022</a:t>
+              <a:t>4/5/2022</a:t>
             </a:fld>
             <a:endParaRPr lang="en-US" dirty="0"/>
           </a:p>
@@ -9589,7 +9589,7 @@
           <a:p>
             <a:fld id="{48A87A34-81AB-432B-8DAE-1953F412C126}" type="datetimeFigureOut">
               <a:rPr lang="en-US" dirty="0"/>
-              <a:t>3/31/2022</a:t>
+              <a:t>4/5/2022</a:t>
             </a:fld>
             <a:endParaRPr lang="en-US" dirty="0"/>
           </a:p>
@@ -9679,7 +9679,7 @@
           <a:p>
             <a:fld id="{48A87A34-81AB-432B-8DAE-1953F412C126}" type="datetimeFigureOut">
               <a:rPr lang="en-US" dirty="0"/>
-              <a:t>3/31/2022</a:t>
+              <a:t>4/5/2022</a:t>
             </a:fld>
             <a:endParaRPr lang="en-US" dirty="0"/>
           </a:p>
@@ -9923,7 +9923,7 @@
           <a:p>
             <a:fld id="{48A87A34-81AB-432B-8DAE-1953F412C126}" type="datetimeFigureOut">
               <a:rPr lang="en-US" dirty="0"/>
-              <a:t>3/31/2022</a:t>
+              <a:t>4/5/2022</a:t>
             </a:fld>
             <a:endParaRPr lang="en-US" dirty="0"/>
           </a:p>
@@ -10198,7 +10198,7 @@
           <a:p>
             <a:fld id="{48A87A34-81AB-432B-8DAE-1953F412C126}" type="datetimeFigureOut">
               <a:rPr lang="en-US" dirty="0"/>
-              <a:t>3/31/2022</a:t>
+              <a:t>4/5/2022</a:t>
             </a:fld>
             <a:endParaRPr lang="en-US" dirty="0"/>
           </a:p>
@@ -10316,7 +10316,7 @@
           <a:noFill/>
           <a:extLst>
             <a:ext uri="{909E8E84-426E-40dd-AFC4-6F175D3DCCD1}">
-              <a14:hiddenFill xmlns="" xmlns:a14="http://schemas.microsoft.com/office/drawing/2010/main">
+              <a14:hiddenFill xmlns:a14="http://schemas.microsoft.com/office/drawing/2010/main" xmlns="">
                 <a:solidFill>
                   <a:srgbClr val="FFFFFF"/>
                 </a:solidFill>
@@ -10390,7 +10390,7 @@
               </a:ln>
               <a:extLst>
                 <a:ext uri="{91240B29-F687-4f45-9708-019B960494DF}">
-                  <a14:hiddenLine xmlns="" xmlns:a14="http://schemas.microsoft.com/office/drawing/2010/main" w="9525">
+                  <a14:hiddenLine xmlns:a14="http://schemas.microsoft.com/office/drawing/2010/main" xmlns="" w="9525">
                     <a:solidFill>
                       <a:srgbClr val="000000"/>
                     </a:solidFill>
@@ -10480,7 +10480,7 @@
               </a:ln>
               <a:extLst>
                 <a:ext uri="{91240B29-F687-4f45-9708-019B960494DF}">
-                  <a14:hiddenLine xmlns="" xmlns:a14="http://schemas.microsoft.com/office/drawing/2010/main" w="9525">
+                  <a14:hiddenLine xmlns:a14="http://schemas.microsoft.com/office/drawing/2010/main" xmlns="" w="9525">
                     <a:solidFill>
                       <a:srgbClr val="000000"/>
                     </a:solidFill>
@@ -10570,7 +10570,7 @@
               </a:ln>
               <a:extLst>
                 <a:ext uri="{91240B29-F687-4f45-9708-019B960494DF}">
-                  <a14:hiddenLine xmlns="" xmlns:a14="http://schemas.microsoft.com/office/drawing/2010/main" w="9525">
+                  <a14:hiddenLine xmlns:a14="http://schemas.microsoft.com/office/drawing/2010/main" xmlns="" w="9525">
                     <a:solidFill>
                       <a:srgbClr val="000000"/>
                     </a:solidFill>
@@ -10632,7 +10632,7 @@
               </a:ln>
               <a:extLst>
                 <a:ext uri="{91240B29-F687-4f45-9708-019B960494DF}">
-                  <a14:hiddenLine xmlns="" xmlns:a14="http://schemas.microsoft.com/office/drawing/2010/main" w="9525">
+                  <a14:hiddenLine xmlns:a14="http://schemas.microsoft.com/office/drawing/2010/main" xmlns="" w="9525">
                     <a:solidFill>
                       <a:srgbClr val="000000"/>
                     </a:solidFill>
@@ -10722,7 +10722,7 @@
               </a:ln>
               <a:extLst>
                 <a:ext uri="{91240B29-F687-4f45-9708-019B960494DF}">
-                  <a14:hiddenLine xmlns="" xmlns:a14="http://schemas.microsoft.com/office/drawing/2010/main" w="9525">
+                  <a14:hiddenLine xmlns:a14="http://schemas.microsoft.com/office/drawing/2010/main" xmlns="" w="9525">
                     <a:solidFill>
                       <a:srgbClr val="000000"/>
                     </a:solidFill>
@@ -10784,7 +10784,7 @@
               </a:ln>
               <a:extLst>
                 <a:ext uri="{91240B29-F687-4f45-9708-019B960494DF}">
-                  <a14:hiddenLine xmlns="" xmlns:a14="http://schemas.microsoft.com/office/drawing/2010/main" w="9525">
+                  <a14:hiddenLine xmlns:a14="http://schemas.microsoft.com/office/drawing/2010/main" xmlns="" w="9525">
                     <a:solidFill>
                       <a:srgbClr val="000000"/>
                     </a:solidFill>
@@ -10846,7 +10846,7 @@
               </a:ln>
               <a:extLst>
                 <a:ext uri="{91240B29-F687-4f45-9708-019B960494DF}">
-                  <a14:hiddenLine xmlns="" xmlns:a14="http://schemas.microsoft.com/office/drawing/2010/main" w="9525">
+                  <a14:hiddenLine xmlns:a14="http://schemas.microsoft.com/office/drawing/2010/main" xmlns="" w="9525">
                     <a:solidFill>
                       <a:srgbClr val="000000"/>
                     </a:solidFill>
@@ -10936,7 +10936,7 @@
               </a:ln>
               <a:extLst>
                 <a:ext uri="{91240B29-F687-4f45-9708-019B960494DF}">
-                  <a14:hiddenLine xmlns="" xmlns:a14="http://schemas.microsoft.com/office/drawing/2010/main" w="9525">
+                  <a14:hiddenLine xmlns:a14="http://schemas.microsoft.com/office/drawing/2010/main" xmlns="" w="9525">
                     <a:solidFill>
                       <a:srgbClr val="000000"/>
                     </a:solidFill>
@@ -11026,7 +11026,7 @@
               </a:ln>
               <a:extLst>
                 <a:ext uri="{91240B29-F687-4f45-9708-019B960494DF}">
-                  <a14:hiddenLine xmlns="" xmlns:a14="http://schemas.microsoft.com/office/drawing/2010/main" w="9525">
+                  <a14:hiddenLine xmlns:a14="http://schemas.microsoft.com/office/drawing/2010/main" xmlns="" w="9525">
                     <a:solidFill>
                       <a:srgbClr val="000000"/>
                     </a:solidFill>
@@ -11088,7 +11088,7 @@
               </a:ln>
               <a:extLst>
                 <a:ext uri="{91240B29-F687-4f45-9708-019B960494DF}">
-                  <a14:hiddenLine xmlns="" xmlns:a14="http://schemas.microsoft.com/office/drawing/2010/main" w="9525">
+                  <a14:hiddenLine xmlns:a14="http://schemas.microsoft.com/office/drawing/2010/main" xmlns="" w="9525">
                     <a:solidFill>
                       <a:srgbClr val="000000"/>
                     </a:solidFill>
@@ -11198,7 +11198,7 @@
               </a:ln>
               <a:extLst>
                 <a:ext uri="{91240B29-F687-4f45-9708-019B960494DF}">
-                  <a14:hiddenLine xmlns="" xmlns:a14="http://schemas.microsoft.com/office/drawing/2010/main" w="9525">
+                  <a14:hiddenLine xmlns:a14="http://schemas.microsoft.com/office/drawing/2010/main" xmlns="" w="9525">
                     <a:solidFill>
                       <a:srgbClr val="000000"/>
                     </a:solidFill>
@@ -11282,7 +11282,7 @@
               </a:ln>
               <a:extLst>
                 <a:ext uri="{91240B29-F687-4f45-9708-019B960494DF}">
-                  <a14:hiddenLine xmlns="" xmlns:a14="http://schemas.microsoft.com/office/drawing/2010/main" w="9525">
+                  <a14:hiddenLine xmlns:a14="http://schemas.microsoft.com/office/drawing/2010/main" xmlns="" w="9525">
                     <a:solidFill>
                       <a:srgbClr val="000000"/>
                     </a:solidFill>
@@ -11344,7 +11344,7 @@
               </a:ln>
               <a:extLst>
                 <a:ext uri="{91240B29-F687-4f45-9708-019B960494DF}">
-                  <a14:hiddenLine xmlns="" xmlns:a14="http://schemas.microsoft.com/office/drawing/2010/main" w="9525">
+                  <a14:hiddenLine xmlns:a14="http://schemas.microsoft.com/office/drawing/2010/main" xmlns="" w="9525">
                     <a:solidFill>
                       <a:srgbClr val="000000"/>
                     </a:solidFill>
@@ -11406,7 +11406,7 @@
               </a:ln>
               <a:extLst>
                 <a:ext uri="{91240B29-F687-4f45-9708-019B960494DF}">
-                  <a14:hiddenLine xmlns="" xmlns:a14="http://schemas.microsoft.com/office/drawing/2010/main" w="9525">
+                  <a14:hiddenLine xmlns:a14="http://schemas.microsoft.com/office/drawing/2010/main" xmlns="" w="9525">
                     <a:solidFill>
                       <a:srgbClr val="000000"/>
                     </a:solidFill>
@@ -11496,7 +11496,7 @@
               </a:ln>
               <a:extLst>
                 <a:ext uri="{91240B29-F687-4f45-9708-019B960494DF}">
-                  <a14:hiddenLine xmlns="" xmlns:a14="http://schemas.microsoft.com/office/drawing/2010/main" w="9525">
+                  <a14:hiddenLine xmlns:a14="http://schemas.microsoft.com/office/drawing/2010/main" xmlns="" w="9525">
                     <a:solidFill>
                       <a:srgbClr val="000000"/>
                     </a:solidFill>
@@ -11530,7 +11530,7 @@
               </a:ln>
               <a:extLst>
                 <a:ext uri="{91240B29-F687-4f45-9708-019B960494DF}">
-                  <a14:hiddenLine xmlns="" xmlns:a14="http://schemas.microsoft.com/office/drawing/2010/main" w="9525">
+                  <a14:hiddenLine xmlns:a14="http://schemas.microsoft.com/office/drawing/2010/main" xmlns="" w="9525">
                     <a:solidFill>
                       <a:srgbClr val="000000"/>
                     </a:solidFill>
@@ -11595,7 +11595,7 @@
               </a:ln>
               <a:extLst>
                 <a:ext uri="{91240B29-F687-4f45-9708-019B960494DF}">
-                  <a14:hiddenLine xmlns="" xmlns:a14="http://schemas.microsoft.com/office/drawing/2010/main" w="9525">
+                  <a14:hiddenLine xmlns:a14="http://schemas.microsoft.com/office/drawing/2010/main" xmlns="" w="9525">
                     <a:solidFill>
                       <a:srgbClr val="000000"/>
                     </a:solidFill>
@@ -11685,7 +11685,7 @@
               </a:ln>
               <a:extLst>
                 <a:ext uri="{91240B29-F687-4f45-9708-019B960494DF}">
-                  <a14:hiddenLine xmlns="" xmlns:a14="http://schemas.microsoft.com/office/drawing/2010/main" w="9525">
+                  <a14:hiddenLine xmlns:a14="http://schemas.microsoft.com/office/drawing/2010/main" xmlns="" w="9525">
                     <a:solidFill>
                       <a:srgbClr val="000000"/>
                     </a:solidFill>
@@ -11747,7 +11747,7 @@
               </a:ln>
               <a:extLst>
                 <a:ext uri="{91240B29-F687-4f45-9708-019B960494DF}">
-                  <a14:hiddenLine xmlns="" xmlns:a14="http://schemas.microsoft.com/office/drawing/2010/main" w="9525">
+                  <a14:hiddenLine xmlns:a14="http://schemas.microsoft.com/office/drawing/2010/main" xmlns="" w="9525">
                     <a:solidFill>
                       <a:srgbClr val="000000"/>
                     </a:solidFill>
@@ -11837,7 +11837,7 @@
               </a:ln>
               <a:extLst>
                 <a:ext uri="{91240B29-F687-4f45-9708-019B960494DF}">
-                  <a14:hiddenLine xmlns="" xmlns:a14="http://schemas.microsoft.com/office/drawing/2010/main" w="9525">
+                  <a14:hiddenLine xmlns:a14="http://schemas.microsoft.com/office/drawing/2010/main" xmlns="" w="9525">
                     <a:solidFill>
                       <a:srgbClr val="000000"/>
                     </a:solidFill>
@@ -11902,7 +11902,7 @@
               </a:ln>
               <a:extLst>
                 <a:ext uri="{91240B29-F687-4f45-9708-019B960494DF}">
-                  <a14:hiddenLine xmlns="" xmlns:a14="http://schemas.microsoft.com/office/drawing/2010/main" w="9525">
+                  <a14:hiddenLine xmlns:a14="http://schemas.microsoft.com/office/drawing/2010/main" xmlns="" w="9525">
                     <a:solidFill>
                       <a:srgbClr val="000000"/>
                     </a:solidFill>
@@ -11964,7 +11964,7 @@
               </a:ln>
               <a:extLst>
                 <a:ext uri="{91240B29-F687-4f45-9708-019B960494DF}">
-                  <a14:hiddenLine xmlns="" xmlns:a14="http://schemas.microsoft.com/office/drawing/2010/main" w="9525">
+                  <a14:hiddenLine xmlns:a14="http://schemas.microsoft.com/office/drawing/2010/main" xmlns="" w="9525">
                     <a:solidFill>
                       <a:srgbClr val="000000"/>
                     </a:solidFill>
@@ -12054,7 +12054,7 @@
               </a:ln>
               <a:extLst>
                 <a:ext uri="{91240B29-F687-4f45-9708-019B960494DF}">
-                  <a14:hiddenLine xmlns="" xmlns:a14="http://schemas.microsoft.com/office/drawing/2010/main" w="9525">
+                  <a14:hiddenLine xmlns:a14="http://schemas.microsoft.com/office/drawing/2010/main" xmlns="" w="9525">
                     <a:solidFill>
                       <a:srgbClr val="000000"/>
                     </a:solidFill>
@@ -12144,7 +12144,7 @@
               </a:ln>
               <a:extLst>
                 <a:ext uri="{91240B29-F687-4f45-9708-019B960494DF}">
-                  <a14:hiddenLine xmlns="" xmlns:a14="http://schemas.microsoft.com/office/drawing/2010/main" w="9525">
+                  <a14:hiddenLine xmlns:a14="http://schemas.microsoft.com/office/drawing/2010/main" xmlns="" w="9525">
                     <a:solidFill>
                       <a:srgbClr val="000000"/>
                     </a:solidFill>
@@ -12209,7 +12209,7 @@
               </a:ln>
               <a:extLst>
                 <a:ext uri="{91240B29-F687-4f45-9708-019B960494DF}">
-                  <a14:hiddenLine xmlns="" xmlns:a14="http://schemas.microsoft.com/office/drawing/2010/main" w="9525">
+                  <a14:hiddenLine xmlns:a14="http://schemas.microsoft.com/office/drawing/2010/main" xmlns="" w="9525">
                     <a:solidFill>
                       <a:srgbClr val="000000"/>
                     </a:solidFill>
@@ -12329,7 +12329,7 @@
               </a:ln>
               <a:extLst>
                 <a:ext uri="{91240B29-F687-4f45-9708-019B960494DF}">
-                  <a14:hiddenLine xmlns="" xmlns:a14="http://schemas.microsoft.com/office/drawing/2010/main" w="9525">
+                  <a14:hiddenLine xmlns:a14="http://schemas.microsoft.com/office/drawing/2010/main" xmlns="" w="9525">
                     <a:solidFill>
                       <a:srgbClr val="000000"/>
                     </a:solidFill>
@@ -12410,7 +12410,7 @@
               </a:ln>
               <a:extLst>
                 <a:ext uri="{91240B29-F687-4f45-9708-019B960494DF}">
-                  <a14:hiddenLine xmlns="" xmlns:a14="http://schemas.microsoft.com/office/drawing/2010/main" w="9525">
+                  <a14:hiddenLine xmlns:a14="http://schemas.microsoft.com/office/drawing/2010/main" xmlns="" w="9525">
                     <a:solidFill>
                       <a:srgbClr val="000000"/>
                     </a:solidFill>
@@ -12525,7 +12525,7 @@
               </a:ln>
               <a:extLst>
                 <a:ext uri="{91240B29-F687-4f45-9708-019B960494DF}">
-                  <a14:hiddenLine xmlns="" xmlns:a14="http://schemas.microsoft.com/office/drawing/2010/main" w="9525">
+                  <a14:hiddenLine xmlns:a14="http://schemas.microsoft.com/office/drawing/2010/main" xmlns="" w="9525">
                     <a:solidFill>
                       <a:srgbClr val="000000"/>
                     </a:solidFill>
@@ -12615,7 +12615,7 @@
               </a:ln>
               <a:extLst>
                 <a:ext uri="{91240B29-F687-4f45-9708-019B960494DF}">
-                  <a14:hiddenLine xmlns="" xmlns:a14="http://schemas.microsoft.com/office/drawing/2010/main" w="9525">
+                  <a14:hiddenLine xmlns:a14="http://schemas.microsoft.com/office/drawing/2010/main" xmlns="" w="9525">
                     <a:solidFill>
                       <a:srgbClr val="000000"/>
                     </a:solidFill>
@@ -12680,7 +12680,7 @@
               </a:ln>
               <a:extLst>
                 <a:ext uri="{91240B29-F687-4f45-9708-019B960494DF}">
-                  <a14:hiddenLine xmlns="" xmlns:a14="http://schemas.microsoft.com/office/drawing/2010/main" w="9525">
+                  <a14:hiddenLine xmlns:a14="http://schemas.microsoft.com/office/drawing/2010/main" xmlns="" w="9525">
                     <a:solidFill>
                       <a:srgbClr val="000000"/>
                     </a:solidFill>
@@ -12770,7 +12770,7 @@
               </a:ln>
               <a:extLst>
                 <a:ext uri="{91240B29-F687-4f45-9708-019B960494DF}">
-                  <a14:hiddenLine xmlns="" xmlns:a14="http://schemas.microsoft.com/office/drawing/2010/main" w="9525">
+                  <a14:hiddenLine xmlns:a14="http://schemas.microsoft.com/office/drawing/2010/main" xmlns="" w="9525">
                     <a:solidFill>
                       <a:srgbClr val="000000"/>
                     </a:solidFill>
@@ -12838,7 +12838,7 @@
               </a:ln>
               <a:extLst>
                 <a:ext uri="{91240B29-F687-4f45-9708-019B960494DF}">
-                  <a14:hiddenLine xmlns="" xmlns:a14="http://schemas.microsoft.com/office/drawing/2010/main" w="9525">
+                  <a14:hiddenLine xmlns:a14="http://schemas.microsoft.com/office/drawing/2010/main" xmlns="" w="9525">
                     <a:solidFill>
                       <a:srgbClr val="000000"/>
                     </a:solidFill>
@@ -12928,7 +12928,7 @@
               </a:ln>
               <a:extLst>
                 <a:ext uri="{91240B29-F687-4f45-9708-019B960494DF}">
-                  <a14:hiddenLine xmlns="" xmlns:a14="http://schemas.microsoft.com/office/drawing/2010/main" w="9525">
+                  <a14:hiddenLine xmlns:a14="http://schemas.microsoft.com/office/drawing/2010/main" xmlns="" w="9525">
                     <a:solidFill>
                       <a:srgbClr val="000000"/>
                     </a:solidFill>
@@ -12996,7 +12996,7 @@
               </a:ln>
               <a:extLst>
                 <a:ext uri="{91240B29-F687-4f45-9708-019B960494DF}">
-                  <a14:hiddenLine xmlns="" xmlns:a14="http://schemas.microsoft.com/office/drawing/2010/main" w="9525">
+                  <a14:hiddenLine xmlns:a14="http://schemas.microsoft.com/office/drawing/2010/main" xmlns="" w="9525">
                     <a:solidFill>
                       <a:srgbClr val="000000"/>
                     </a:solidFill>
@@ -13086,7 +13086,7 @@
               </a:ln>
               <a:extLst>
                 <a:ext uri="{91240B29-F687-4f45-9708-019B960494DF}">
-                  <a14:hiddenLine xmlns="" xmlns:a14="http://schemas.microsoft.com/office/drawing/2010/main" w="9525">
+                  <a14:hiddenLine xmlns:a14="http://schemas.microsoft.com/office/drawing/2010/main" xmlns="" w="9525">
                     <a:solidFill>
                       <a:srgbClr val="000000"/>
                     </a:solidFill>
@@ -13120,7 +13120,7 @@
               </a:ln>
               <a:extLst>
                 <a:ext uri="{91240B29-F687-4f45-9708-019B960494DF}">
-                  <a14:hiddenLine xmlns="" xmlns:a14="http://schemas.microsoft.com/office/drawing/2010/main" w="9525">
+                  <a14:hiddenLine xmlns:a14="http://schemas.microsoft.com/office/drawing/2010/main" xmlns="" w="9525">
                     <a:solidFill>
                       <a:srgbClr val="000000"/>
                     </a:solidFill>
@@ -13261,7 +13261,7 @@
             <a:fld id="{48A87A34-81AB-432B-8DAE-1953F412C126}" type="datetimeFigureOut">
               <a:rPr lang="en-US" dirty="0"/>
               <a:pPr/>
-              <a:t>3/31/2022</a:t>
+              <a:t>4/5/2022</a:t>
             </a:fld>
             <a:endParaRPr lang="en-US" dirty="0"/>
           </a:p>
@@ -14250,10 +14250,10 @@
       </p:sp>
       <p:pic>
         <p:nvPicPr>
-          <p:cNvPr id="5" name="Marcador de contenido 4" descr="Imagen de la pantalla de un celular con letras&#10;&#10;Descripción generada automáticamente con confianza media">
+          <p:cNvPr id="7" name="Marcador de contenido 6" descr="Diagrama&#10;&#10;Descripción generada automáticamente">
             <a:extLst>
               <a:ext uri="{FF2B5EF4-FFF2-40B4-BE49-F238E27FC236}">
-                <a16:creationId xmlns:a16="http://schemas.microsoft.com/office/drawing/2014/main" id="{13E843F7-DDCC-41B1-AB6B-EAA5B36F7E45}"/>
+                <a16:creationId xmlns:a16="http://schemas.microsoft.com/office/drawing/2014/main" id="{9D4E6E5D-F718-4882-8A2B-E21F6FFE60E4}"/>
               </a:ext>
             </a:extLst>
           </p:cNvPr>
@@ -14272,8 +14272,8 @@
         </p:blipFill>
         <p:spPr>
           <a:xfrm>
-            <a:off x="3573194" y="1103034"/>
-            <a:ext cx="4726745" cy="5571998"/>
+            <a:off x="2547684" y="1013422"/>
+            <a:ext cx="7096632" cy="5216526"/>
           </a:xfrm>
         </p:spPr>
       </p:pic>

--- a/doc/Presentación_mitad_de_curso_JuanEspinosayNachoRodriguez.pptx
+++ b/doc/Presentación_mitad_de_curso_JuanEspinosayNachoRodriguez.pptx
@@ -5,16 +5,15 @@
     <p:sldMasterId id="2147483648" r:id="rId1"/>
   </p:sldMasterIdLst>
   <p:notesMasterIdLst>
-    <p:notesMasterId r:id="rId9"/>
+    <p:notesMasterId r:id="rId8"/>
   </p:notesMasterIdLst>
   <p:sldIdLst>
     <p:sldId id="256" r:id="rId2"/>
     <p:sldId id="257" r:id="rId3"/>
-    <p:sldId id="258" r:id="rId4"/>
-    <p:sldId id="259" r:id="rId5"/>
-    <p:sldId id="260" r:id="rId6"/>
-    <p:sldId id="261" r:id="rId7"/>
-    <p:sldId id="262" r:id="rId8"/>
+    <p:sldId id="259" r:id="rId4"/>
+    <p:sldId id="260" r:id="rId5"/>
+    <p:sldId id="261" r:id="rId6"/>
+    <p:sldId id="262" r:id="rId7"/>
   </p:sldIdLst>
   <p:sldSz cx="12192000" cy="6858000"/>
   <p:notesSz cx="6858000" cy="9144000"/>
@@ -203,7 +202,7 @@
           <a:p>
             <a:fld id="{6494474F-FB99-4D66-9794-76C269664995}" type="datetimeFigureOut">
               <a:rPr lang="es-ES" smtClean="0"/>
-              <a:t>31/03/2022</a:t>
+              <a:t>05/04/2022</a:t>
             </a:fld>
             <a:endParaRPr lang="es-ES"/>
           </a:p>
@@ -516,29 +515,34 @@
           <a:p>
             <a:r>
               <a:rPr lang="es-ES" dirty="0"/>
-              <a:t>Actualmente, tenemos un repositorio en GitHub donde tenemos toda la información de nuestro proyecto.</a:t>
-            </a:r>
-          </a:p>
-          <a:p>
-            <a:r>
-              <a:rPr lang="es-ES" dirty="0">
-                <a:hlinkClick r:id="rId3"/>
-              </a:rPr>
-              <a:t>https://github.com/JuanEspinosa97/tis_2022_repositorio</a:t>
-            </a:r>
-            <a:endParaRPr lang="es-ES" dirty="0"/>
-          </a:p>
-          <a:p>
-            <a:r>
-              <a:rPr lang="es-ES" dirty="0">
-                <a:hlinkClick r:id="rId4"/>
-              </a:rPr>
-              <a:t>https://github.com/IgnacioRodrig/tis_2022_repositorio</a:t>
-            </a:r>
-            <a:endParaRPr lang="es-ES" dirty="0"/>
-          </a:p>
-          <a:p>
-            <a:endParaRPr lang="es-ES" dirty="0"/>
+              <a:t>Este diagrama UML está basado en un hospital privado en el que encontramos 3 actores principales que son: enfermera, paciente y doctor. </a:t>
+            </a:r>
+          </a:p>
+          <a:p>
+            <a:r>
+              <a:rPr lang="es-ES" dirty="0"/>
+              <a:t>*Cada uno va a poder </a:t>
+            </a:r>
+            <a:r>
+              <a:rPr lang="es-ES" dirty="0" err="1"/>
+              <a:t>logearse</a:t>
+            </a:r>
+            <a:r>
+              <a:rPr lang="es-ES" dirty="0"/>
+              <a:t> sin problema en la aplicación específica del hospital lo que les va a permitir consultar el historial de sus pacientes. </a:t>
+            </a:r>
+          </a:p>
+          <a:p>
+            <a:r>
+              <a:rPr lang="es-ES" dirty="0"/>
+              <a:t>*El doctor va a ser el único que va a poder modificar dicho historial con el fin de proteger los datos del paciente. </a:t>
+            </a:r>
+          </a:p>
+          <a:p>
+            <a:r>
+              <a:rPr lang="es-ES" dirty="0"/>
+              <a:t>*El paciente podrá pedir cita sin problema a través de la aplicación y, en caso de que ya lo hubiese hecho, darle la opción de modificar la fecha asignada siempre y cuando esté disponible. Una vez finalizado el encuentro con el doctor llega el momento de pagar. Si es miembro de una aseguradora privada, el hospital habla con dicha aseguradora para tramitar el cobro. En caso contrario, al paciente se le da la opción de pagar en efectivo o tarjeta.</a:t>
+            </a:r>
           </a:p>
         </p:txBody>
       </p:sp>
@@ -568,7 +572,7 @@
     </p:spTree>
     <p:extLst>
       <p:ext uri="{BB962C8B-B14F-4D97-AF65-F5344CB8AC3E}">
-        <p14:creationId xmlns:p14="http://schemas.microsoft.com/office/powerpoint/2010/main" val="158017563"/>
+        <p14:creationId xmlns:p14="http://schemas.microsoft.com/office/powerpoint/2010/main" val="1109452671"/>
       </p:ext>
     </p:extLst>
   </p:cSld>
@@ -623,35 +627,543 @@
           <a:lstStyle/>
           <a:p>
             <a:r>
-              <a:rPr lang="es-ES" dirty="0"/>
-              <a:t>Este diagrama UML está basado en un hospital privado en el que encontramos 3 actores principales que son: enfermera, paciente y doctor. </a:t>
-            </a:r>
-          </a:p>
-          <a:p>
-            <a:r>
-              <a:rPr lang="es-ES" dirty="0"/>
-              <a:t>*Cada uno va a poder </a:t>
-            </a:r>
-            <a:r>
-              <a:rPr lang="es-ES" dirty="0" err="1"/>
-              <a:t>logearse</a:t>
-            </a:r>
-            <a:r>
-              <a:rPr lang="es-ES" dirty="0"/>
-              <a:t> sin problema en la aplicación específica del hospital lo que les va a permitir consultar el historial de sus pacientes. </a:t>
-            </a:r>
-          </a:p>
-          <a:p>
-            <a:r>
-              <a:rPr lang="es-ES" dirty="0"/>
-              <a:t>*El doctor va a ser el único que va a poder modificar dicho historial con el fin de proteger los datos del paciente. </a:t>
-            </a:r>
-          </a:p>
-          <a:p>
-            <a:r>
-              <a:rPr lang="es-ES" dirty="0"/>
-              <a:t>*El paciente podrá pedir cita sin problema a través de la aplicación y, en caso de que ya lo hubiese hecho, darle la opción de modificar la fecha asignada siempre y cuando esté disponible. Una vez finalizado el encuentro con el doctor llega el momento de pagar. Si es miembro de una aseguradora privada, el hospital habla con dicha aseguradora para tramitar el cobro. En caso contrario, al paciente se le da la opción de pagar en efectivo o tarjeta.</a:t>
-            </a:r>
+              <a:rPr lang="es-ES" b="0" dirty="0">
+                <a:solidFill>
+                  <a:srgbClr val="D4D4D4"/>
+                </a:solidFill>
+                <a:effectLst/>
+                <a:latin typeface="Consolas" panose="020B0609020204030204" pitchFamily="49" charset="0"/>
+              </a:rPr>
+              <a:t>-En la tabla Departamentos tenemos las columnas Id, Nombre y </a:t>
+            </a:r>
+            <a:r>
+              <a:rPr lang="es-ES" b="0" dirty="0" err="1">
+                <a:solidFill>
+                  <a:srgbClr val="D4D4D4"/>
+                </a:solidFill>
+                <a:effectLst/>
+                <a:latin typeface="Consolas" panose="020B0609020204030204" pitchFamily="49" charset="0"/>
+              </a:rPr>
+              <a:t>NumEmpleados</a:t>
+            </a:r>
+            <a:r>
+              <a:rPr lang="es-ES" b="0" dirty="0">
+                <a:solidFill>
+                  <a:srgbClr val="D4D4D4"/>
+                </a:solidFill>
+                <a:effectLst/>
+                <a:latin typeface="Consolas" panose="020B0609020204030204" pitchFamily="49" charset="0"/>
+              </a:rPr>
+              <a:t>. Tenemos un Id </a:t>
+            </a:r>
+            <a:r>
+              <a:rPr lang="es-ES" b="0" dirty="0" err="1">
+                <a:solidFill>
+                  <a:srgbClr val="D4D4D4"/>
+                </a:solidFill>
+                <a:effectLst/>
+                <a:latin typeface="Consolas" panose="020B0609020204030204" pitchFamily="49" charset="0"/>
+              </a:rPr>
+              <a:t>unico</a:t>
+            </a:r>
+            <a:r>
+              <a:rPr lang="es-ES" b="0" dirty="0">
+                <a:solidFill>
+                  <a:srgbClr val="D4D4D4"/>
+                </a:solidFill>
+                <a:effectLst/>
+                <a:latin typeface="Consolas" panose="020B0609020204030204" pitchFamily="49" charset="0"/>
+              </a:rPr>
+              <a:t> para cada departamento.</a:t>
+            </a:r>
+          </a:p>
+          <a:p>
+            <a:br>
+              <a:rPr lang="es-ES" b="0" dirty="0">
+                <a:solidFill>
+                  <a:srgbClr val="D4D4D4"/>
+                </a:solidFill>
+                <a:effectLst/>
+                <a:latin typeface="Consolas" panose="020B0609020204030204" pitchFamily="49" charset="0"/>
+              </a:rPr>
+            </a:br>
+            <a:r>
+              <a:rPr lang="es-ES" b="0" dirty="0">
+                <a:solidFill>
+                  <a:srgbClr val="D4D4D4"/>
+                </a:solidFill>
+                <a:effectLst/>
+                <a:latin typeface="Consolas" panose="020B0609020204030204" pitchFamily="49" charset="0"/>
+              </a:rPr>
+              <a:t>    -En la tabla Doctores tenemos las columnas Id, Nombre, </a:t>
+            </a:r>
+            <a:r>
+              <a:rPr lang="es-ES" b="0" dirty="0" err="1">
+                <a:solidFill>
+                  <a:srgbClr val="D4D4D4"/>
+                </a:solidFill>
+                <a:effectLst/>
+                <a:latin typeface="Consolas" panose="020B0609020204030204" pitchFamily="49" charset="0"/>
+              </a:rPr>
+              <a:t>NumColegiado</a:t>
+            </a:r>
+            <a:r>
+              <a:rPr lang="es-ES" b="0" dirty="0">
+                <a:solidFill>
+                  <a:srgbClr val="D4D4D4"/>
+                </a:solidFill>
+                <a:effectLst/>
+                <a:latin typeface="Consolas" panose="020B0609020204030204" pitchFamily="49" charset="0"/>
+              </a:rPr>
+              <a:t>, Edad, Sexo y </a:t>
+            </a:r>
+            <a:r>
+              <a:rPr lang="es-ES" b="0" dirty="0" err="1">
+                <a:solidFill>
+                  <a:srgbClr val="D4D4D4"/>
+                </a:solidFill>
+                <a:effectLst/>
+                <a:latin typeface="Consolas" panose="020B0609020204030204" pitchFamily="49" charset="0"/>
+              </a:rPr>
+              <a:t>IdDep</a:t>
+            </a:r>
+            <a:r>
+              <a:rPr lang="es-ES" b="0" dirty="0">
+                <a:solidFill>
+                  <a:srgbClr val="D4D4D4"/>
+                </a:solidFill>
+                <a:effectLst/>
+                <a:latin typeface="Consolas" panose="020B0609020204030204" pitchFamily="49" charset="0"/>
+              </a:rPr>
+              <a:t>. </a:t>
+            </a:r>
+            <a:r>
+              <a:rPr lang="es-ES" b="0" dirty="0" err="1">
+                <a:solidFill>
+                  <a:srgbClr val="D4D4D4"/>
+                </a:solidFill>
+                <a:effectLst/>
+                <a:latin typeface="Consolas" panose="020B0609020204030204" pitchFamily="49" charset="0"/>
+              </a:rPr>
+              <a:t>IdDep</a:t>
+            </a:r>
+            <a:r>
+              <a:rPr lang="es-ES" b="0" dirty="0">
+                <a:solidFill>
+                  <a:srgbClr val="D4D4D4"/>
+                </a:solidFill>
+                <a:effectLst/>
+                <a:latin typeface="Consolas" panose="020B0609020204030204" pitchFamily="49" charset="0"/>
+              </a:rPr>
+              <a:t> es una FOREIGN KEY </a:t>
+            </a:r>
+            <a:r>
+              <a:rPr lang="es-ES" b="0" dirty="0" err="1">
+                <a:solidFill>
+                  <a:srgbClr val="D4D4D4"/>
+                </a:solidFill>
+                <a:effectLst/>
+                <a:latin typeface="Consolas" panose="020B0609020204030204" pitchFamily="49" charset="0"/>
+              </a:rPr>
+              <a:t>wue</a:t>
+            </a:r>
+            <a:r>
+              <a:rPr lang="es-ES" b="0" dirty="0">
+                <a:solidFill>
+                  <a:srgbClr val="D4D4D4"/>
+                </a:solidFill>
+                <a:effectLst/>
+                <a:latin typeface="Consolas" panose="020B0609020204030204" pitchFamily="49" charset="0"/>
+              </a:rPr>
+              <a:t> referencia a la columna Id de la tabla departamentos. La columna Sexo solo puede </a:t>
+            </a:r>
+            <a:r>
+              <a:rPr lang="es-ES" b="0" dirty="0" err="1">
+                <a:solidFill>
+                  <a:srgbClr val="D4D4D4"/>
+                </a:solidFill>
+                <a:effectLst/>
+                <a:latin typeface="Consolas" panose="020B0609020204030204" pitchFamily="49" charset="0"/>
+              </a:rPr>
+              <a:t>rellenarase</a:t>
+            </a:r>
+            <a:r>
+              <a:rPr lang="es-ES" b="0" dirty="0">
+                <a:solidFill>
+                  <a:srgbClr val="D4D4D4"/>
+                </a:solidFill>
+                <a:effectLst/>
+                <a:latin typeface="Consolas" panose="020B0609020204030204" pitchFamily="49" charset="0"/>
+              </a:rPr>
+              <a:t> con los valores 'Hombre', 'Mujer' y puede ser NULL. </a:t>
+            </a:r>
+          </a:p>
+          <a:p>
+            <a:br>
+              <a:rPr lang="es-ES" b="0" dirty="0">
+                <a:solidFill>
+                  <a:srgbClr val="D4D4D4"/>
+                </a:solidFill>
+                <a:effectLst/>
+                <a:latin typeface="Consolas" panose="020B0609020204030204" pitchFamily="49" charset="0"/>
+              </a:rPr>
+            </a:br>
+            <a:r>
+              <a:rPr lang="es-ES" b="0" dirty="0">
+                <a:solidFill>
+                  <a:srgbClr val="D4D4D4"/>
+                </a:solidFill>
+                <a:effectLst/>
+                <a:latin typeface="Consolas" panose="020B0609020204030204" pitchFamily="49" charset="0"/>
+              </a:rPr>
+              <a:t>    -La tabla Enfermeros tiene las columnas Id, Nombre y Edad. El Id es </a:t>
+            </a:r>
+            <a:r>
+              <a:rPr lang="es-ES" b="0" dirty="0" err="1">
+                <a:solidFill>
+                  <a:srgbClr val="D4D4D4"/>
+                </a:solidFill>
+                <a:effectLst/>
+                <a:latin typeface="Consolas" panose="020B0609020204030204" pitchFamily="49" charset="0"/>
+              </a:rPr>
+              <a:t>unico</a:t>
+            </a:r>
+            <a:r>
+              <a:rPr lang="es-ES" b="0" dirty="0">
+                <a:solidFill>
+                  <a:srgbClr val="D4D4D4"/>
+                </a:solidFill>
+                <a:effectLst/>
+                <a:latin typeface="Consolas" panose="020B0609020204030204" pitchFamily="49" charset="0"/>
+              </a:rPr>
+              <a:t> para cada elemento.</a:t>
+            </a:r>
+          </a:p>
+          <a:p>
+            <a:br>
+              <a:rPr lang="es-ES" b="0" dirty="0">
+                <a:solidFill>
+                  <a:srgbClr val="D4D4D4"/>
+                </a:solidFill>
+                <a:effectLst/>
+                <a:latin typeface="Consolas" panose="020B0609020204030204" pitchFamily="49" charset="0"/>
+              </a:rPr>
+            </a:br>
+            <a:r>
+              <a:rPr lang="es-ES" b="0" dirty="0">
+                <a:solidFill>
+                  <a:srgbClr val="D4D4D4"/>
+                </a:solidFill>
+                <a:effectLst/>
+                <a:latin typeface="Consolas" panose="020B0609020204030204" pitchFamily="49" charset="0"/>
+              </a:rPr>
+              <a:t>    -La tabla </a:t>
+            </a:r>
+            <a:r>
+              <a:rPr lang="es-ES" b="0" dirty="0" err="1">
+                <a:solidFill>
+                  <a:srgbClr val="D4D4D4"/>
+                </a:solidFill>
+                <a:effectLst/>
+                <a:latin typeface="Consolas" panose="020B0609020204030204" pitchFamily="49" charset="0"/>
+              </a:rPr>
+              <a:t>EnfermerosPacientes</a:t>
+            </a:r>
+            <a:r>
+              <a:rPr lang="es-ES" b="0" dirty="0">
+                <a:solidFill>
+                  <a:srgbClr val="D4D4D4"/>
+                </a:solidFill>
+                <a:effectLst/>
+                <a:latin typeface="Consolas" panose="020B0609020204030204" pitchFamily="49" charset="0"/>
+              </a:rPr>
+              <a:t> representa la </a:t>
+            </a:r>
+            <a:r>
+              <a:rPr lang="es-ES" b="0" dirty="0" err="1">
+                <a:solidFill>
+                  <a:srgbClr val="D4D4D4"/>
+                </a:solidFill>
+                <a:effectLst/>
+                <a:latin typeface="Consolas" panose="020B0609020204030204" pitchFamily="49" charset="0"/>
+              </a:rPr>
+              <a:t>relacion</a:t>
+            </a:r>
+            <a:r>
+              <a:rPr lang="es-ES" b="0" dirty="0">
+                <a:solidFill>
+                  <a:srgbClr val="D4D4D4"/>
+                </a:solidFill>
+                <a:effectLst/>
+                <a:latin typeface="Consolas" panose="020B0609020204030204" pitchFamily="49" charset="0"/>
+              </a:rPr>
+              <a:t> N-M que tienen estas dos entidades en el diagrama E-R. Consta de dos columnas </a:t>
+            </a:r>
+            <a:r>
+              <a:rPr lang="es-ES" b="0" dirty="0" err="1">
+                <a:solidFill>
+                  <a:srgbClr val="D4D4D4"/>
+                </a:solidFill>
+                <a:effectLst/>
+                <a:latin typeface="Consolas" panose="020B0609020204030204" pitchFamily="49" charset="0"/>
+              </a:rPr>
+              <a:t>IdEnfermero</a:t>
+            </a:r>
+            <a:r>
+              <a:rPr lang="es-ES" b="0" dirty="0">
+                <a:solidFill>
+                  <a:srgbClr val="D4D4D4"/>
+                </a:solidFill>
+                <a:effectLst/>
+                <a:latin typeface="Consolas" panose="020B0609020204030204" pitchFamily="49" charset="0"/>
+              </a:rPr>
+              <a:t> y </a:t>
+            </a:r>
+            <a:r>
+              <a:rPr lang="es-ES" b="0" dirty="0" err="1">
+                <a:solidFill>
+                  <a:srgbClr val="D4D4D4"/>
+                </a:solidFill>
+                <a:effectLst/>
+                <a:latin typeface="Consolas" panose="020B0609020204030204" pitchFamily="49" charset="0"/>
+              </a:rPr>
+              <a:t>IdPaciente</a:t>
+            </a:r>
+            <a:r>
+              <a:rPr lang="es-ES" b="0" dirty="0">
+                <a:solidFill>
+                  <a:srgbClr val="D4D4D4"/>
+                </a:solidFill>
+                <a:effectLst/>
+                <a:latin typeface="Consolas" panose="020B0609020204030204" pitchFamily="49" charset="0"/>
+              </a:rPr>
+              <a:t> ambas son PRIMARY KEY.</a:t>
+            </a:r>
+          </a:p>
+          <a:p>
+            <a:br>
+              <a:rPr lang="es-ES" b="0" dirty="0">
+                <a:solidFill>
+                  <a:srgbClr val="D4D4D4"/>
+                </a:solidFill>
+                <a:effectLst/>
+                <a:latin typeface="Consolas" panose="020B0609020204030204" pitchFamily="49" charset="0"/>
+              </a:rPr>
+            </a:br>
+            <a:r>
+              <a:rPr lang="es-ES" b="0" dirty="0">
+                <a:solidFill>
+                  <a:srgbClr val="D4D4D4"/>
+                </a:solidFill>
+                <a:effectLst/>
+                <a:latin typeface="Consolas" panose="020B0609020204030204" pitchFamily="49" charset="0"/>
+              </a:rPr>
+              <a:t>    -Tabla Habitaciones, consta de las columnas Id, </a:t>
+            </a:r>
+            <a:r>
+              <a:rPr lang="es-ES" b="0" dirty="0" err="1">
+                <a:solidFill>
+                  <a:srgbClr val="D4D4D4"/>
+                </a:solidFill>
+                <a:effectLst/>
+                <a:latin typeface="Consolas" panose="020B0609020204030204" pitchFamily="49" charset="0"/>
+              </a:rPr>
+              <a:t>NumHabitacion</a:t>
+            </a:r>
+            <a:r>
+              <a:rPr lang="es-ES" b="0" dirty="0">
+                <a:solidFill>
+                  <a:srgbClr val="D4D4D4"/>
+                </a:solidFill>
+                <a:effectLst/>
+                <a:latin typeface="Consolas" panose="020B0609020204030204" pitchFamily="49" charset="0"/>
+              </a:rPr>
+              <a:t> y Estado. Estado solo puede rellenarse con los valores 'Libre' o 'Ocupado'. </a:t>
+            </a:r>
+          </a:p>
+          <a:p>
+            <a:br>
+              <a:rPr lang="es-ES" b="0" dirty="0">
+                <a:solidFill>
+                  <a:srgbClr val="D4D4D4"/>
+                </a:solidFill>
+                <a:effectLst/>
+                <a:latin typeface="Consolas" panose="020B0609020204030204" pitchFamily="49" charset="0"/>
+              </a:rPr>
+            </a:br>
+            <a:r>
+              <a:rPr lang="es-ES" b="0" dirty="0">
+                <a:solidFill>
+                  <a:srgbClr val="D4D4D4"/>
+                </a:solidFill>
+                <a:effectLst/>
+                <a:latin typeface="Consolas" panose="020B0609020204030204" pitchFamily="49" charset="0"/>
+              </a:rPr>
+              <a:t>    -La tabla Pacientes tiene las columnas Id, Nombre, Edad, </a:t>
+            </a:r>
+            <a:r>
+              <a:rPr lang="es-ES" b="0" dirty="0" err="1">
+                <a:solidFill>
+                  <a:srgbClr val="D4D4D4"/>
+                </a:solidFill>
+                <a:effectLst/>
+                <a:latin typeface="Consolas" panose="020B0609020204030204" pitchFamily="49" charset="0"/>
+              </a:rPr>
+              <a:t>MotivoIngreso</a:t>
+            </a:r>
+            <a:r>
+              <a:rPr lang="es-ES" b="0" dirty="0">
+                <a:solidFill>
+                  <a:srgbClr val="D4D4D4"/>
+                </a:solidFill>
+                <a:effectLst/>
+                <a:latin typeface="Consolas" panose="020B0609020204030204" pitchFamily="49" charset="0"/>
+              </a:rPr>
+              <a:t>, </a:t>
+            </a:r>
+            <a:r>
+              <a:rPr lang="es-ES" b="0" dirty="0" err="1">
+                <a:solidFill>
+                  <a:srgbClr val="D4D4D4"/>
+                </a:solidFill>
+                <a:effectLst/>
+                <a:latin typeface="Consolas" panose="020B0609020204030204" pitchFamily="49" charset="0"/>
+              </a:rPr>
+              <a:t>IdDoctor</a:t>
+            </a:r>
+            <a:r>
+              <a:rPr lang="es-ES" b="0" dirty="0">
+                <a:solidFill>
+                  <a:srgbClr val="D4D4D4"/>
+                </a:solidFill>
+                <a:effectLst/>
+                <a:latin typeface="Consolas" panose="020B0609020204030204" pitchFamily="49" charset="0"/>
+              </a:rPr>
+              <a:t>, </a:t>
+            </a:r>
+            <a:r>
+              <a:rPr lang="es-ES" b="0" dirty="0" err="1">
+                <a:solidFill>
+                  <a:srgbClr val="D4D4D4"/>
+                </a:solidFill>
+                <a:effectLst/>
+                <a:latin typeface="Consolas" panose="020B0609020204030204" pitchFamily="49" charset="0"/>
+              </a:rPr>
+              <a:t>IdHabitacion</a:t>
+            </a:r>
+            <a:r>
+              <a:rPr lang="es-ES" b="0" dirty="0">
+                <a:solidFill>
+                  <a:srgbClr val="D4D4D4"/>
+                </a:solidFill>
+                <a:effectLst/>
+                <a:latin typeface="Consolas" panose="020B0609020204030204" pitchFamily="49" charset="0"/>
+              </a:rPr>
+              <a:t>, </a:t>
+            </a:r>
+            <a:r>
+              <a:rPr lang="es-ES" b="0" dirty="0" err="1">
+                <a:solidFill>
+                  <a:srgbClr val="D4D4D4"/>
+                </a:solidFill>
+                <a:effectLst/>
+                <a:latin typeface="Consolas" panose="020B0609020204030204" pitchFamily="49" charset="0"/>
+              </a:rPr>
+              <a:t>FechaIngreso</a:t>
+            </a:r>
+            <a:r>
+              <a:rPr lang="es-ES" b="0" dirty="0">
+                <a:solidFill>
+                  <a:srgbClr val="D4D4D4"/>
+                </a:solidFill>
+                <a:effectLst/>
+                <a:latin typeface="Consolas" panose="020B0609020204030204" pitchFamily="49" charset="0"/>
+              </a:rPr>
+              <a:t> y Sexo. </a:t>
+            </a:r>
+            <a:r>
+              <a:rPr lang="es-ES" b="0" dirty="0" err="1">
+                <a:solidFill>
+                  <a:srgbClr val="D4D4D4"/>
+                </a:solidFill>
+                <a:effectLst/>
+                <a:latin typeface="Consolas" panose="020B0609020204030204" pitchFamily="49" charset="0"/>
+              </a:rPr>
+              <a:t>IdDoctor</a:t>
+            </a:r>
+            <a:r>
+              <a:rPr lang="es-ES" b="0" dirty="0">
+                <a:solidFill>
+                  <a:srgbClr val="D4D4D4"/>
+                </a:solidFill>
+                <a:effectLst/>
+                <a:latin typeface="Consolas" panose="020B0609020204030204" pitchFamily="49" charset="0"/>
+              </a:rPr>
+              <a:t> y </a:t>
+            </a:r>
+            <a:r>
+              <a:rPr lang="es-ES" b="0" dirty="0" err="1">
+                <a:solidFill>
+                  <a:srgbClr val="D4D4D4"/>
+                </a:solidFill>
+                <a:effectLst/>
+                <a:latin typeface="Consolas" panose="020B0609020204030204" pitchFamily="49" charset="0"/>
+              </a:rPr>
+              <a:t>IdHabitacion</a:t>
+            </a:r>
+            <a:r>
+              <a:rPr lang="es-ES" b="0" dirty="0">
+                <a:solidFill>
+                  <a:srgbClr val="D4D4D4"/>
+                </a:solidFill>
+                <a:effectLst/>
+                <a:latin typeface="Consolas" panose="020B0609020204030204" pitchFamily="49" charset="0"/>
+              </a:rPr>
+              <a:t> son FOREIGN KEY que referencian al id de las tablas Doctores y Habitaciones </a:t>
+            </a:r>
+            <a:r>
+              <a:rPr lang="es-ES" b="0" dirty="0" err="1">
+                <a:solidFill>
+                  <a:srgbClr val="D4D4D4"/>
+                </a:solidFill>
+                <a:effectLst/>
+                <a:latin typeface="Consolas" panose="020B0609020204030204" pitchFamily="49" charset="0"/>
+              </a:rPr>
+              <a:t>respectivamente.La</a:t>
+            </a:r>
+            <a:r>
+              <a:rPr lang="es-ES" b="0" dirty="0">
+                <a:solidFill>
+                  <a:srgbClr val="D4D4D4"/>
+                </a:solidFill>
+                <a:effectLst/>
+                <a:latin typeface="Consolas" panose="020B0609020204030204" pitchFamily="49" charset="0"/>
+              </a:rPr>
+              <a:t> columna Sexo solo puede </a:t>
+            </a:r>
+            <a:r>
+              <a:rPr lang="es-ES" b="0" dirty="0" err="1">
+                <a:solidFill>
+                  <a:srgbClr val="D4D4D4"/>
+                </a:solidFill>
+                <a:effectLst/>
+                <a:latin typeface="Consolas" panose="020B0609020204030204" pitchFamily="49" charset="0"/>
+              </a:rPr>
+              <a:t>rellenarase</a:t>
+            </a:r>
+            <a:r>
+              <a:rPr lang="es-ES" b="0" dirty="0">
+                <a:solidFill>
+                  <a:srgbClr val="D4D4D4"/>
+                </a:solidFill>
+                <a:effectLst/>
+                <a:latin typeface="Consolas" panose="020B0609020204030204" pitchFamily="49" charset="0"/>
+              </a:rPr>
+              <a:t> con los valores 'Hombre', 'Mujer' y puede ser NULL.</a:t>
+            </a:r>
+          </a:p>
+          <a:p>
+            <a:endParaRPr lang="es-ES" dirty="0"/>
           </a:p>
         </p:txBody>
       </p:sp>
@@ -672,7 +1184,7 @@
           <a:p>
             <a:fld id="{850C8A68-B0DA-436B-AE1F-7E2DFF33396B}" type="slidenum">
               <a:rPr lang="es-ES" smtClean="0"/>
-              <a:t>4</a:t>
+              <a:t>5</a:t>
             </a:fld>
             <a:endParaRPr lang="es-ES"/>
           </a:p>
@@ -681,7 +1193,7 @@
     </p:spTree>
     <p:extLst>
       <p:ext uri="{BB962C8B-B14F-4D97-AF65-F5344CB8AC3E}">
-        <p14:creationId xmlns:p14="http://schemas.microsoft.com/office/powerpoint/2010/main" val="1109452671"/>
+        <p14:creationId xmlns:p14="http://schemas.microsoft.com/office/powerpoint/2010/main" val="4214382848"/>
       </p:ext>
     </p:extLst>
   </p:cSld>
@@ -735,6 +1247,23 @@
           <a:bodyPr/>
           <a:lstStyle/>
           <a:p>
+            <a:pPr marL="0" marR="0" lvl="0" indent="0" algn="l" defTabSz="914400" rtl="0" eaLnBrk="1" fontAlgn="auto" latinLnBrk="0" hangingPunct="1">
+              <a:lnSpc>
+                <a:spcPct val="100000"/>
+              </a:lnSpc>
+              <a:spcBef>
+                <a:spcPts val="0"/>
+              </a:spcBef>
+              <a:spcAft>
+                <a:spcPts val="0"/>
+              </a:spcAft>
+              <a:buClrTx/>
+              <a:buSzTx/>
+              <a:buFontTx/>
+              <a:buNone/>
+              <a:tabLst/>
+              <a:defRPr/>
+            </a:pPr>
             <a:r>
               <a:rPr lang="es-ES" b="0" dirty="0">
                 <a:solidFill>
@@ -743,7 +1272,7 @@
                 <a:effectLst/>
                 <a:latin typeface="Consolas" panose="020B0609020204030204" pitchFamily="49" charset="0"/>
               </a:rPr>
-              <a:t>-En la tabla Departamentos tenemos las columnas Id, Nombre y </a:t>
+              <a:t>En este diagrama representamos como es el flujo de la interfaz de nuestro proyecto. Empezando por una identificación para diferenciar entre Pacientes, Doctores y Enfermeros. Luego procedemos a un </a:t>
             </a:r>
             <a:r>
               <a:rPr lang="es-ES" b="0" dirty="0" err="1">
@@ -753,7 +1282,7 @@
                 <a:effectLst/>
                 <a:latin typeface="Consolas" panose="020B0609020204030204" pitchFamily="49" charset="0"/>
               </a:rPr>
-              <a:t>NumEmpleados</a:t>
+              <a:t>menu</a:t>
             </a:r>
             <a:r>
               <a:rPr lang="es-ES" b="0" dirty="0">
@@ -763,512 +1292,7 @@
                 <a:effectLst/>
                 <a:latin typeface="Consolas" panose="020B0609020204030204" pitchFamily="49" charset="0"/>
               </a:rPr>
-              <a:t>. Tenemos un Id </a:t>
-            </a:r>
-            <a:r>
-              <a:rPr lang="es-ES" b="0" dirty="0" err="1">
-                <a:solidFill>
-                  <a:srgbClr val="D4D4D4"/>
-                </a:solidFill>
-                <a:effectLst/>
-                <a:latin typeface="Consolas" panose="020B0609020204030204" pitchFamily="49" charset="0"/>
-              </a:rPr>
-              <a:t>unico</a:t>
-            </a:r>
-            <a:r>
-              <a:rPr lang="es-ES" b="0" dirty="0">
-                <a:solidFill>
-                  <a:srgbClr val="D4D4D4"/>
-                </a:solidFill>
-                <a:effectLst/>
-                <a:latin typeface="Consolas" panose="020B0609020204030204" pitchFamily="49" charset="0"/>
-              </a:rPr>
-              <a:t> para cada departamento.</a:t>
-            </a:r>
-          </a:p>
-          <a:p>
-            <a:br>
-              <a:rPr lang="es-ES" b="0" dirty="0">
-                <a:solidFill>
-                  <a:srgbClr val="D4D4D4"/>
-                </a:solidFill>
-                <a:effectLst/>
-                <a:latin typeface="Consolas" panose="020B0609020204030204" pitchFamily="49" charset="0"/>
-              </a:rPr>
-            </a:br>
-            <a:r>
-              <a:rPr lang="es-ES" b="0" dirty="0">
-                <a:solidFill>
-                  <a:srgbClr val="D4D4D4"/>
-                </a:solidFill>
-                <a:effectLst/>
-                <a:latin typeface="Consolas" panose="020B0609020204030204" pitchFamily="49" charset="0"/>
-              </a:rPr>
-              <a:t>    -En la tabla Doctores tenemos las columnas Id, Nombre, </a:t>
-            </a:r>
-            <a:r>
-              <a:rPr lang="es-ES" b="0" dirty="0" err="1">
-                <a:solidFill>
-                  <a:srgbClr val="D4D4D4"/>
-                </a:solidFill>
-                <a:effectLst/>
-                <a:latin typeface="Consolas" panose="020B0609020204030204" pitchFamily="49" charset="0"/>
-              </a:rPr>
-              <a:t>NumColegiado</a:t>
-            </a:r>
-            <a:r>
-              <a:rPr lang="es-ES" b="0" dirty="0">
-                <a:solidFill>
-                  <a:srgbClr val="D4D4D4"/>
-                </a:solidFill>
-                <a:effectLst/>
-                <a:latin typeface="Consolas" panose="020B0609020204030204" pitchFamily="49" charset="0"/>
-              </a:rPr>
-              <a:t>, Edad, Sexo y </a:t>
-            </a:r>
-            <a:r>
-              <a:rPr lang="es-ES" b="0" dirty="0" err="1">
-                <a:solidFill>
-                  <a:srgbClr val="D4D4D4"/>
-                </a:solidFill>
-                <a:effectLst/>
-                <a:latin typeface="Consolas" panose="020B0609020204030204" pitchFamily="49" charset="0"/>
-              </a:rPr>
-              <a:t>IdDep</a:t>
-            </a:r>
-            <a:r>
-              <a:rPr lang="es-ES" b="0" dirty="0">
-                <a:solidFill>
-                  <a:srgbClr val="D4D4D4"/>
-                </a:solidFill>
-                <a:effectLst/>
-                <a:latin typeface="Consolas" panose="020B0609020204030204" pitchFamily="49" charset="0"/>
-              </a:rPr>
-              <a:t>. </a:t>
-            </a:r>
-            <a:r>
-              <a:rPr lang="es-ES" b="0" dirty="0" err="1">
-                <a:solidFill>
-                  <a:srgbClr val="D4D4D4"/>
-                </a:solidFill>
-                <a:effectLst/>
-                <a:latin typeface="Consolas" panose="020B0609020204030204" pitchFamily="49" charset="0"/>
-              </a:rPr>
-              <a:t>IdDep</a:t>
-            </a:r>
-            <a:r>
-              <a:rPr lang="es-ES" b="0" dirty="0">
-                <a:solidFill>
-                  <a:srgbClr val="D4D4D4"/>
-                </a:solidFill>
-                <a:effectLst/>
-                <a:latin typeface="Consolas" panose="020B0609020204030204" pitchFamily="49" charset="0"/>
-              </a:rPr>
-              <a:t> es una FOREIGN KEY </a:t>
-            </a:r>
-            <a:r>
-              <a:rPr lang="es-ES" b="0" dirty="0" err="1">
-                <a:solidFill>
-                  <a:srgbClr val="D4D4D4"/>
-                </a:solidFill>
-                <a:effectLst/>
-                <a:latin typeface="Consolas" panose="020B0609020204030204" pitchFamily="49" charset="0"/>
-              </a:rPr>
-              <a:t>wue</a:t>
-            </a:r>
-            <a:r>
-              <a:rPr lang="es-ES" b="0" dirty="0">
-                <a:solidFill>
-                  <a:srgbClr val="D4D4D4"/>
-                </a:solidFill>
-                <a:effectLst/>
-                <a:latin typeface="Consolas" panose="020B0609020204030204" pitchFamily="49" charset="0"/>
-              </a:rPr>
-              <a:t> referencia a la columna Id de la tabla departamentos. La columna Sexo solo puede </a:t>
-            </a:r>
-            <a:r>
-              <a:rPr lang="es-ES" b="0" dirty="0" err="1">
-                <a:solidFill>
-                  <a:srgbClr val="D4D4D4"/>
-                </a:solidFill>
-                <a:effectLst/>
-                <a:latin typeface="Consolas" panose="020B0609020204030204" pitchFamily="49" charset="0"/>
-              </a:rPr>
-              <a:t>rellenarase</a:t>
-            </a:r>
-            <a:r>
-              <a:rPr lang="es-ES" b="0" dirty="0">
-                <a:solidFill>
-                  <a:srgbClr val="D4D4D4"/>
-                </a:solidFill>
-                <a:effectLst/>
-                <a:latin typeface="Consolas" panose="020B0609020204030204" pitchFamily="49" charset="0"/>
-              </a:rPr>
-              <a:t> con los valores 'Hombre', 'Mujer' y puede ser NULL. </a:t>
-            </a:r>
-          </a:p>
-          <a:p>
-            <a:br>
-              <a:rPr lang="es-ES" b="0" dirty="0">
-                <a:solidFill>
-                  <a:srgbClr val="D4D4D4"/>
-                </a:solidFill>
-                <a:effectLst/>
-                <a:latin typeface="Consolas" panose="020B0609020204030204" pitchFamily="49" charset="0"/>
-              </a:rPr>
-            </a:br>
-            <a:r>
-              <a:rPr lang="es-ES" b="0" dirty="0">
-                <a:solidFill>
-                  <a:srgbClr val="D4D4D4"/>
-                </a:solidFill>
-                <a:effectLst/>
-                <a:latin typeface="Consolas" panose="020B0609020204030204" pitchFamily="49" charset="0"/>
-              </a:rPr>
-              <a:t>    -La tabla Enfermeros tiene las columnas Id, Nombre y Edad. El Id es </a:t>
-            </a:r>
-            <a:r>
-              <a:rPr lang="es-ES" b="0" dirty="0" err="1">
-                <a:solidFill>
-                  <a:srgbClr val="D4D4D4"/>
-                </a:solidFill>
-                <a:effectLst/>
-                <a:latin typeface="Consolas" panose="020B0609020204030204" pitchFamily="49" charset="0"/>
-              </a:rPr>
-              <a:t>unico</a:t>
-            </a:r>
-            <a:r>
-              <a:rPr lang="es-ES" b="0" dirty="0">
-                <a:solidFill>
-                  <a:srgbClr val="D4D4D4"/>
-                </a:solidFill>
-                <a:effectLst/>
-                <a:latin typeface="Consolas" panose="020B0609020204030204" pitchFamily="49" charset="0"/>
-              </a:rPr>
-              <a:t> para cada elemento.</a:t>
-            </a:r>
-          </a:p>
-          <a:p>
-            <a:br>
-              <a:rPr lang="es-ES" b="0" dirty="0">
-                <a:solidFill>
-                  <a:srgbClr val="D4D4D4"/>
-                </a:solidFill>
-                <a:effectLst/>
-                <a:latin typeface="Consolas" panose="020B0609020204030204" pitchFamily="49" charset="0"/>
-              </a:rPr>
-            </a:br>
-            <a:r>
-              <a:rPr lang="es-ES" b="0" dirty="0">
-                <a:solidFill>
-                  <a:srgbClr val="D4D4D4"/>
-                </a:solidFill>
-                <a:effectLst/>
-                <a:latin typeface="Consolas" panose="020B0609020204030204" pitchFamily="49" charset="0"/>
-              </a:rPr>
-              <a:t>    -La tabla </a:t>
-            </a:r>
-            <a:r>
-              <a:rPr lang="es-ES" b="0" dirty="0" err="1">
-                <a:solidFill>
-                  <a:srgbClr val="D4D4D4"/>
-                </a:solidFill>
-                <a:effectLst/>
-                <a:latin typeface="Consolas" panose="020B0609020204030204" pitchFamily="49" charset="0"/>
-              </a:rPr>
-              <a:t>EnfermerosPacientes</a:t>
-            </a:r>
-            <a:r>
-              <a:rPr lang="es-ES" b="0" dirty="0">
-                <a:solidFill>
-                  <a:srgbClr val="D4D4D4"/>
-                </a:solidFill>
-                <a:effectLst/>
-                <a:latin typeface="Consolas" panose="020B0609020204030204" pitchFamily="49" charset="0"/>
-              </a:rPr>
-              <a:t> representa la </a:t>
-            </a:r>
-            <a:r>
-              <a:rPr lang="es-ES" b="0" dirty="0" err="1">
-                <a:solidFill>
-                  <a:srgbClr val="D4D4D4"/>
-                </a:solidFill>
-                <a:effectLst/>
-                <a:latin typeface="Consolas" panose="020B0609020204030204" pitchFamily="49" charset="0"/>
-              </a:rPr>
-              <a:t>relacion</a:t>
-            </a:r>
-            <a:r>
-              <a:rPr lang="es-ES" b="0" dirty="0">
-                <a:solidFill>
-                  <a:srgbClr val="D4D4D4"/>
-                </a:solidFill>
-                <a:effectLst/>
-                <a:latin typeface="Consolas" panose="020B0609020204030204" pitchFamily="49" charset="0"/>
-              </a:rPr>
-              <a:t> N-M que tienen estas dos entidades en el diagrama E-R. Consta de dos columnas </a:t>
-            </a:r>
-            <a:r>
-              <a:rPr lang="es-ES" b="0" dirty="0" err="1">
-                <a:solidFill>
-                  <a:srgbClr val="D4D4D4"/>
-                </a:solidFill>
-                <a:effectLst/>
-                <a:latin typeface="Consolas" panose="020B0609020204030204" pitchFamily="49" charset="0"/>
-              </a:rPr>
-              <a:t>IdEnfermero</a:t>
-            </a:r>
-            <a:r>
-              <a:rPr lang="es-ES" b="0" dirty="0">
-                <a:solidFill>
-                  <a:srgbClr val="D4D4D4"/>
-                </a:solidFill>
-                <a:effectLst/>
-                <a:latin typeface="Consolas" panose="020B0609020204030204" pitchFamily="49" charset="0"/>
-              </a:rPr>
-              <a:t> y </a:t>
-            </a:r>
-            <a:r>
-              <a:rPr lang="es-ES" b="0" dirty="0" err="1">
-                <a:solidFill>
-                  <a:srgbClr val="D4D4D4"/>
-                </a:solidFill>
-                <a:effectLst/>
-                <a:latin typeface="Consolas" panose="020B0609020204030204" pitchFamily="49" charset="0"/>
-              </a:rPr>
-              <a:t>IdPaciente</a:t>
-            </a:r>
-            <a:r>
-              <a:rPr lang="es-ES" b="0" dirty="0">
-                <a:solidFill>
-                  <a:srgbClr val="D4D4D4"/>
-                </a:solidFill>
-                <a:effectLst/>
-                <a:latin typeface="Consolas" panose="020B0609020204030204" pitchFamily="49" charset="0"/>
-              </a:rPr>
-              <a:t> ambas son PRIMARY KEY.</a:t>
-            </a:r>
-          </a:p>
-          <a:p>
-            <a:br>
-              <a:rPr lang="es-ES" b="0" dirty="0">
-                <a:solidFill>
-                  <a:srgbClr val="D4D4D4"/>
-                </a:solidFill>
-                <a:effectLst/>
-                <a:latin typeface="Consolas" panose="020B0609020204030204" pitchFamily="49" charset="0"/>
-              </a:rPr>
-            </a:br>
-            <a:r>
-              <a:rPr lang="es-ES" b="0" dirty="0">
-                <a:solidFill>
-                  <a:srgbClr val="D4D4D4"/>
-                </a:solidFill>
-                <a:effectLst/>
-                <a:latin typeface="Consolas" panose="020B0609020204030204" pitchFamily="49" charset="0"/>
-              </a:rPr>
-              <a:t>    -Tabla Habitaciones, consta de las columnas Id, </a:t>
-            </a:r>
-            <a:r>
-              <a:rPr lang="es-ES" b="0" dirty="0" err="1">
-                <a:solidFill>
-                  <a:srgbClr val="D4D4D4"/>
-                </a:solidFill>
-                <a:effectLst/>
-                <a:latin typeface="Consolas" panose="020B0609020204030204" pitchFamily="49" charset="0"/>
-              </a:rPr>
-              <a:t>NumHabitacion</a:t>
-            </a:r>
-            <a:r>
-              <a:rPr lang="es-ES" b="0" dirty="0">
-                <a:solidFill>
-                  <a:srgbClr val="D4D4D4"/>
-                </a:solidFill>
-                <a:effectLst/>
-                <a:latin typeface="Consolas" panose="020B0609020204030204" pitchFamily="49" charset="0"/>
-              </a:rPr>
-              <a:t> y Estado. Estado solo puede rellenarse con los valores 'Libre' o 'Ocupado'. </a:t>
-            </a:r>
-          </a:p>
-          <a:p>
-            <a:br>
-              <a:rPr lang="es-ES" b="0" dirty="0">
-                <a:solidFill>
-                  <a:srgbClr val="D4D4D4"/>
-                </a:solidFill>
-                <a:effectLst/>
-                <a:latin typeface="Consolas" panose="020B0609020204030204" pitchFamily="49" charset="0"/>
-              </a:rPr>
-            </a:br>
-            <a:r>
-              <a:rPr lang="es-ES" b="0" dirty="0">
-                <a:solidFill>
-                  <a:srgbClr val="D4D4D4"/>
-                </a:solidFill>
-                <a:effectLst/>
-                <a:latin typeface="Consolas" panose="020B0609020204030204" pitchFamily="49" charset="0"/>
-              </a:rPr>
-              <a:t>    -La tabla Pacientes tiene las columnas Id, Nombre, Edad, </a:t>
-            </a:r>
-            <a:r>
-              <a:rPr lang="es-ES" b="0" dirty="0" err="1">
-                <a:solidFill>
-                  <a:srgbClr val="D4D4D4"/>
-                </a:solidFill>
-                <a:effectLst/>
-                <a:latin typeface="Consolas" panose="020B0609020204030204" pitchFamily="49" charset="0"/>
-              </a:rPr>
-              <a:t>MotivoIngreso</a:t>
-            </a:r>
-            <a:r>
-              <a:rPr lang="es-ES" b="0" dirty="0">
-                <a:solidFill>
-                  <a:srgbClr val="D4D4D4"/>
-                </a:solidFill>
-                <a:effectLst/>
-                <a:latin typeface="Consolas" panose="020B0609020204030204" pitchFamily="49" charset="0"/>
-              </a:rPr>
-              <a:t>, </a:t>
-            </a:r>
-            <a:r>
-              <a:rPr lang="es-ES" b="0" dirty="0" err="1">
-                <a:solidFill>
-                  <a:srgbClr val="D4D4D4"/>
-                </a:solidFill>
-                <a:effectLst/>
-                <a:latin typeface="Consolas" panose="020B0609020204030204" pitchFamily="49" charset="0"/>
-              </a:rPr>
-              <a:t>IdDoctor</a:t>
-            </a:r>
-            <a:r>
-              <a:rPr lang="es-ES" b="0" dirty="0">
-                <a:solidFill>
-                  <a:srgbClr val="D4D4D4"/>
-                </a:solidFill>
-                <a:effectLst/>
-                <a:latin typeface="Consolas" panose="020B0609020204030204" pitchFamily="49" charset="0"/>
-              </a:rPr>
-              <a:t>, </a:t>
-            </a:r>
-            <a:r>
-              <a:rPr lang="es-ES" b="0" dirty="0" err="1">
-                <a:solidFill>
-                  <a:srgbClr val="D4D4D4"/>
-                </a:solidFill>
-                <a:effectLst/>
-                <a:latin typeface="Consolas" panose="020B0609020204030204" pitchFamily="49" charset="0"/>
-              </a:rPr>
-              <a:t>IdHabitacion</a:t>
-            </a:r>
-            <a:r>
-              <a:rPr lang="es-ES" b="0" dirty="0">
-                <a:solidFill>
-                  <a:srgbClr val="D4D4D4"/>
-                </a:solidFill>
-                <a:effectLst/>
-                <a:latin typeface="Consolas" panose="020B0609020204030204" pitchFamily="49" charset="0"/>
-              </a:rPr>
-              <a:t>, </a:t>
-            </a:r>
-            <a:r>
-              <a:rPr lang="es-ES" b="0" dirty="0" err="1">
-                <a:solidFill>
-                  <a:srgbClr val="D4D4D4"/>
-                </a:solidFill>
-                <a:effectLst/>
-                <a:latin typeface="Consolas" panose="020B0609020204030204" pitchFamily="49" charset="0"/>
-              </a:rPr>
-              <a:t>FechaIngreso</a:t>
-            </a:r>
-            <a:r>
-              <a:rPr lang="es-ES" b="0" dirty="0">
-                <a:solidFill>
-                  <a:srgbClr val="D4D4D4"/>
-                </a:solidFill>
-                <a:effectLst/>
-                <a:latin typeface="Consolas" panose="020B0609020204030204" pitchFamily="49" charset="0"/>
-              </a:rPr>
-              <a:t> y Sexo. </a:t>
-            </a:r>
-            <a:r>
-              <a:rPr lang="es-ES" b="0" dirty="0" err="1">
-                <a:solidFill>
-                  <a:srgbClr val="D4D4D4"/>
-                </a:solidFill>
-                <a:effectLst/>
-                <a:latin typeface="Consolas" panose="020B0609020204030204" pitchFamily="49" charset="0"/>
-              </a:rPr>
-              <a:t>IdDoctor</a:t>
-            </a:r>
-            <a:r>
-              <a:rPr lang="es-ES" b="0" dirty="0">
-                <a:solidFill>
-                  <a:srgbClr val="D4D4D4"/>
-                </a:solidFill>
-                <a:effectLst/>
-                <a:latin typeface="Consolas" panose="020B0609020204030204" pitchFamily="49" charset="0"/>
-              </a:rPr>
-              <a:t> y </a:t>
-            </a:r>
-            <a:r>
-              <a:rPr lang="es-ES" b="0" dirty="0" err="1">
-                <a:solidFill>
-                  <a:srgbClr val="D4D4D4"/>
-                </a:solidFill>
-                <a:effectLst/>
-                <a:latin typeface="Consolas" panose="020B0609020204030204" pitchFamily="49" charset="0"/>
-              </a:rPr>
-              <a:t>IdHabitacion</a:t>
-            </a:r>
-            <a:r>
-              <a:rPr lang="es-ES" b="0" dirty="0">
-                <a:solidFill>
-                  <a:srgbClr val="D4D4D4"/>
-                </a:solidFill>
-                <a:effectLst/>
-                <a:latin typeface="Consolas" panose="020B0609020204030204" pitchFamily="49" charset="0"/>
-              </a:rPr>
-              <a:t> son FOREIGN KEY que referencian al id de las tablas Doctores y Habitaciones </a:t>
-            </a:r>
-            <a:r>
-              <a:rPr lang="es-ES" b="0" dirty="0" err="1">
-                <a:solidFill>
-                  <a:srgbClr val="D4D4D4"/>
-                </a:solidFill>
-                <a:effectLst/>
-                <a:latin typeface="Consolas" panose="020B0609020204030204" pitchFamily="49" charset="0"/>
-              </a:rPr>
-              <a:t>respectivamente.La</a:t>
-            </a:r>
-            <a:r>
-              <a:rPr lang="es-ES" b="0" dirty="0">
-                <a:solidFill>
-                  <a:srgbClr val="D4D4D4"/>
-                </a:solidFill>
-                <a:effectLst/>
-                <a:latin typeface="Consolas" panose="020B0609020204030204" pitchFamily="49" charset="0"/>
-              </a:rPr>
-              <a:t> columna Sexo solo puede </a:t>
-            </a:r>
-            <a:r>
-              <a:rPr lang="es-ES" b="0" dirty="0" err="1">
-                <a:solidFill>
-                  <a:srgbClr val="D4D4D4"/>
-                </a:solidFill>
-                <a:effectLst/>
-                <a:latin typeface="Consolas" panose="020B0609020204030204" pitchFamily="49" charset="0"/>
-              </a:rPr>
-              <a:t>rellenarase</a:t>
-            </a:r>
-            <a:r>
-              <a:rPr lang="es-ES" b="0" dirty="0">
-                <a:solidFill>
-                  <a:srgbClr val="D4D4D4"/>
-                </a:solidFill>
-                <a:effectLst/>
-                <a:latin typeface="Consolas" panose="020B0609020204030204" pitchFamily="49" charset="0"/>
-              </a:rPr>
-              <a:t> con los valores 'Hombre', 'Mujer' y puede ser NULL.</a:t>
+              <a:t> personalizado para cada uno de ellos con las diferentes opciones que tienen.</a:t>
             </a:r>
           </a:p>
           <a:p>
@@ -1294,139 +1318,6 @@
             <a:fld id="{850C8A68-B0DA-436B-AE1F-7E2DFF33396B}" type="slidenum">
               <a:rPr lang="es-ES" smtClean="0"/>
               <a:t>6</a:t>
-            </a:fld>
-            <a:endParaRPr lang="es-ES"/>
-          </a:p>
-        </p:txBody>
-      </p:sp>
-    </p:spTree>
-    <p:extLst>
-      <p:ext uri="{BB962C8B-B14F-4D97-AF65-F5344CB8AC3E}">
-        <p14:creationId xmlns:p14="http://schemas.microsoft.com/office/powerpoint/2010/main" val="4214382848"/>
-      </p:ext>
-    </p:extLst>
-  </p:cSld>
-  <p:clrMapOvr>
-    <a:masterClrMapping/>
-  </p:clrMapOvr>
-</p:notes>
-</file>
-
-<file path=ppt/notesSlides/notesSlide4.xml><?xml version="1.0" encoding="utf-8"?>
-<p:notes xmlns:a="http://schemas.openxmlformats.org/drawingml/2006/main" xmlns:r="http://schemas.openxmlformats.org/officeDocument/2006/relationships" xmlns:p="http://schemas.openxmlformats.org/presentationml/2006/main">
-  <p:cSld>
-    <p:spTree>
-      <p:nvGrpSpPr>
-        <p:cNvPr id="1" name=""/>
-        <p:cNvGrpSpPr/>
-        <p:nvPr/>
-      </p:nvGrpSpPr>
-      <p:grpSpPr>
-        <a:xfrm>
-          <a:off x="0" y="0"/>
-          <a:ext cx="0" cy="0"/>
-          <a:chOff x="0" y="0"/>
-          <a:chExt cx="0" cy="0"/>
-        </a:xfrm>
-      </p:grpSpPr>
-      <p:sp>
-        <p:nvSpPr>
-          <p:cNvPr id="2" name="Marcador de imagen de diapositiva 1"/>
-          <p:cNvSpPr>
-            <a:spLocks noGrp="1" noRot="1" noChangeAspect="1"/>
-          </p:cNvSpPr>
-          <p:nvPr>
-            <p:ph type="sldImg"/>
-          </p:nvPr>
-        </p:nvSpPr>
-        <p:spPr/>
-      </p:sp>
-      <p:sp>
-        <p:nvSpPr>
-          <p:cNvPr id="3" name="Marcador de notas 2"/>
-          <p:cNvSpPr>
-            <a:spLocks noGrp="1"/>
-          </p:cNvSpPr>
-          <p:nvPr>
-            <p:ph type="body" idx="1"/>
-          </p:nvPr>
-        </p:nvSpPr>
-        <p:spPr/>
-        <p:txBody>
-          <a:bodyPr/>
-          <a:lstStyle/>
-          <a:p>
-            <a:pPr marL="0" marR="0" lvl="0" indent="0" algn="l" defTabSz="914400" rtl="0" eaLnBrk="1" fontAlgn="auto" latinLnBrk="0" hangingPunct="1">
-              <a:lnSpc>
-                <a:spcPct val="100000"/>
-              </a:lnSpc>
-              <a:spcBef>
-                <a:spcPts val="0"/>
-              </a:spcBef>
-              <a:spcAft>
-                <a:spcPts val="0"/>
-              </a:spcAft>
-              <a:buClrTx/>
-              <a:buSzTx/>
-              <a:buFontTx/>
-              <a:buNone/>
-              <a:tabLst/>
-              <a:defRPr/>
-            </a:pPr>
-            <a:r>
-              <a:rPr lang="es-ES" b="0" dirty="0">
-                <a:solidFill>
-                  <a:srgbClr val="D4D4D4"/>
-                </a:solidFill>
-                <a:effectLst/>
-                <a:latin typeface="Consolas" panose="020B0609020204030204" pitchFamily="49" charset="0"/>
-              </a:rPr>
-              <a:t>En este diagrama representamos como es el flujo de la interfaz de nuestro proyecto. Empezando por una identificación para diferenciar entre Pacientes, Doctores y Enfermeros. Luego procedemos a un </a:t>
-            </a:r>
-            <a:r>
-              <a:rPr lang="es-ES" b="0" dirty="0" err="1">
-                <a:solidFill>
-                  <a:srgbClr val="D4D4D4"/>
-                </a:solidFill>
-                <a:effectLst/>
-                <a:latin typeface="Consolas" panose="020B0609020204030204" pitchFamily="49" charset="0"/>
-              </a:rPr>
-              <a:t>menu</a:t>
-            </a:r>
-            <a:r>
-              <a:rPr lang="es-ES" b="0" dirty="0">
-                <a:solidFill>
-                  <a:srgbClr val="D4D4D4"/>
-                </a:solidFill>
-                <a:effectLst/>
-                <a:latin typeface="Consolas" panose="020B0609020204030204" pitchFamily="49" charset="0"/>
-              </a:rPr>
-              <a:t> personalizado para cada uno de ellos con las diferentes opciones que tienen.</a:t>
-            </a:r>
-          </a:p>
-          <a:p>
-            <a:endParaRPr lang="es-ES" dirty="0"/>
-          </a:p>
-        </p:txBody>
-      </p:sp>
-      <p:sp>
-        <p:nvSpPr>
-          <p:cNvPr id="4" name="Marcador de número de diapositiva 3"/>
-          <p:cNvSpPr>
-            <a:spLocks noGrp="1"/>
-          </p:cNvSpPr>
-          <p:nvPr>
-            <p:ph type="sldNum" sz="quarter" idx="5"/>
-          </p:nvPr>
-        </p:nvSpPr>
-        <p:spPr/>
-        <p:txBody>
-          <a:bodyPr/>
-          <a:lstStyle/>
-          <a:p>
-            <a:fld id="{850C8A68-B0DA-436B-AE1F-7E2DFF33396B}" type="slidenum">
-              <a:rPr lang="es-ES" smtClean="0"/>
-              <a:t>7</a:t>
             </a:fld>
             <a:endParaRPr lang="es-ES"/>
           </a:p>
@@ -1502,7 +1393,7 @@
           <a:noFill/>
           <a:extLst>
             <a:ext uri="{909E8E84-426E-40dd-AFC4-6F175D3DCCD1}">
-              <a14:hiddenFill xmlns="" xmlns:a14="http://schemas.microsoft.com/office/drawing/2010/main">
+              <a14:hiddenFill xmlns:a14="http://schemas.microsoft.com/office/drawing/2010/main" xmlns="">
                 <a:solidFill>
                   <a:srgbClr val="FFFFFF"/>
                 </a:solidFill>
@@ -1561,7 +1452,7 @@
             </a:ln>
             <a:extLst>
               <a:ext uri="{91240B29-F687-4f45-9708-019B960494DF}">
-                <a14:hiddenLine xmlns="" xmlns:a14="http://schemas.microsoft.com/office/drawing/2010/main" w="9525">
+                <a14:hiddenLine xmlns:a14="http://schemas.microsoft.com/office/drawing/2010/main" xmlns="" w="9525">
                   <a:solidFill>
                     <a:srgbClr val="000000"/>
                   </a:solidFill>
@@ -1651,7 +1542,7 @@
             </a:ln>
             <a:extLst>
               <a:ext uri="{91240B29-F687-4f45-9708-019B960494DF}">
-                <a14:hiddenLine xmlns="" xmlns:a14="http://schemas.microsoft.com/office/drawing/2010/main" w="9525">
+                <a14:hiddenLine xmlns:a14="http://schemas.microsoft.com/office/drawing/2010/main" xmlns="" w="9525">
                   <a:solidFill>
                     <a:srgbClr val="000000"/>
                   </a:solidFill>
@@ -1741,7 +1632,7 @@
             </a:ln>
             <a:extLst>
               <a:ext uri="{91240B29-F687-4f45-9708-019B960494DF}">
-                <a14:hiddenLine xmlns="" xmlns:a14="http://schemas.microsoft.com/office/drawing/2010/main" w="9525">
+                <a14:hiddenLine xmlns:a14="http://schemas.microsoft.com/office/drawing/2010/main" xmlns="" w="9525">
                   <a:solidFill>
                     <a:srgbClr val="000000"/>
                   </a:solidFill>
@@ -1775,7 +1666,7 @@
             </a:ln>
             <a:extLst>
               <a:ext uri="{91240B29-F687-4f45-9708-019B960494DF}">
-                <a14:hiddenLine xmlns="" xmlns:a14="http://schemas.microsoft.com/office/drawing/2010/main" w="9525">
+                <a14:hiddenLine xmlns:a14="http://schemas.microsoft.com/office/drawing/2010/main" xmlns="" w="9525">
                   <a:solidFill>
                     <a:srgbClr val="000000"/>
                   </a:solidFill>
@@ -1865,7 +1756,7 @@
             </a:ln>
             <a:extLst>
               <a:ext uri="{91240B29-F687-4f45-9708-019B960494DF}">
-                <a14:hiddenLine xmlns="" xmlns:a14="http://schemas.microsoft.com/office/drawing/2010/main" w="9525">
+                <a14:hiddenLine xmlns:a14="http://schemas.microsoft.com/office/drawing/2010/main" xmlns="" w="9525">
                   <a:solidFill>
                     <a:srgbClr val="000000"/>
                   </a:solidFill>
@@ -1927,7 +1818,7 @@
             </a:ln>
             <a:extLst>
               <a:ext uri="{91240B29-F687-4f45-9708-019B960494DF}">
-                <a14:hiddenLine xmlns="" xmlns:a14="http://schemas.microsoft.com/office/drawing/2010/main" w="9525">
+                <a14:hiddenLine xmlns:a14="http://schemas.microsoft.com/office/drawing/2010/main" xmlns="" w="9525">
                   <a:solidFill>
                     <a:srgbClr val="000000"/>
                   </a:solidFill>
@@ -1989,7 +1880,7 @@
             </a:ln>
             <a:extLst>
               <a:ext uri="{91240B29-F687-4f45-9708-019B960494DF}">
-                <a14:hiddenLine xmlns="" xmlns:a14="http://schemas.microsoft.com/office/drawing/2010/main" w="9525">
+                <a14:hiddenLine xmlns:a14="http://schemas.microsoft.com/office/drawing/2010/main" xmlns="" w="9525">
                   <a:solidFill>
                     <a:srgbClr val="000000"/>
                   </a:solidFill>
@@ -2079,7 +1970,7 @@
             </a:ln>
             <a:extLst>
               <a:ext uri="{91240B29-F687-4f45-9708-019B960494DF}">
-                <a14:hiddenLine xmlns="" xmlns:a14="http://schemas.microsoft.com/office/drawing/2010/main" w="9525">
+                <a14:hiddenLine xmlns:a14="http://schemas.microsoft.com/office/drawing/2010/main" xmlns="" w="9525">
                   <a:solidFill>
                     <a:srgbClr val="000000"/>
                   </a:solidFill>
@@ -2141,7 +2032,7 @@
             </a:ln>
             <a:extLst>
               <a:ext uri="{91240B29-F687-4f45-9708-019B960494DF}">
-                <a14:hiddenLine xmlns="" xmlns:a14="http://schemas.microsoft.com/office/drawing/2010/main" w="9525">
+                <a14:hiddenLine xmlns:a14="http://schemas.microsoft.com/office/drawing/2010/main" xmlns="" w="9525">
                   <a:solidFill>
                     <a:srgbClr val="000000"/>
                   </a:solidFill>
@@ -2203,7 +2094,7 @@
             </a:ln>
             <a:extLst>
               <a:ext uri="{91240B29-F687-4f45-9708-019B960494DF}">
-                <a14:hiddenLine xmlns="" xmlns:a14="http://schemas.microsoft.com/office/drawing/2010/main" w="9525">
+                <a14:hiddenLine xmlns:a14="http://schemas.microsoft.com/office/drawing/2010/main" xmlns="" w="9525">
                   <a:solidFill>
                     <a:srgbClr val="000000"/>
                   </a:solidFill>
@@ -2293,7 +2184,7 @@
             </a:ln>
             <a:extLst>
               <a:ext uri="{91240B29-F687-4f45-9708-019B960494DF}">
-                <a14:hiddenLine xmlns="" xmlns:a14="http://schemas.microsoft.com/office/drawing/2010/main" w="9525">
+                <a14:hiddenLine xmlns:a14="http://schemas.microsoft.com/office/drawing/2010/main" xmlns="" w="9525">
                   <a:solidFill>
                     <a:srgbClr val="000000"/>
                   </a:solidFill>
@@ -2383,7 +2274,7 @@
             </a:ln>
             <a:extLst>
               <a:ext uri="{91240B29-F687-4f45-9708-019B960494DF}">
-                <a14:hiddenLine xmlns="" xmlns:a14="http://schemas.microsoft.com/office/drawing/2010/main" w="9525">
+                <a14:hiddenLine xmlns:a14="http://schemas.microsoft.com/office/drawing/2010/main" xmlns="" w="9525">
                   <a:solidFill>
                     <a:srgbClr val="000000"/>
                   </a:solidFill>
@@ -2445,7 +2336,7 @@
             </a:ln>
             <a:extLst>
               <a:ext uri="{91240B29-F687-4f45-9708-019B960494DF}">
-                <a14:hiddenLine xmlns="" xmlns:a14="http://schemas.microsoft.com/office/drawing/2010/main" w="9525">
+                <a14:hiddenLine xmlns:a14="http://schemas.microsoft.com/office/drawing/2010/main" xmlns="" w="9525">
                   <a:solidFill>
                     <a:srgbClr val="000000"/>
                   </a:solidFill>
@@ -2555,7 +2446,7 @@
             </a:ln>
             <a:extLst>
               <a:ext uri="{91240B29-F687-4f45-9708-019B960494DF}">
-                <a14:hiddenLine xmlns="" xmlns:a14="http://schemas.microsoft.com/office/drawing/2010/main" w="9525">
+                <a14:hiddenLine xmlns:a14="http://schemas.microsoft.com/office/drawing/2010/main" xmlns="" w="9525">
                   <a:solidFill>
                     <a:srgbClr val="000000"/>
                   </a:solidFill>
@@ -2617,7 +2508,7 @@
             </a:ln>
             <a:extLst>
               <a:ext uri="{91240B29-F687-4f45-9708-019B960494DF}">
-                <a14:hiddenLine xmlns="" xmlns:a14="http://schemas.microsoft.com/office/drawing/2010/main" w="9525">
+                <a14:hiddenLine xmlns:a14="http://schemas.microsoft.com/office/drawing/2010/main" xmlns="" w="9525">
                   <a:solidFill>
                     <a:srgbClr val="000000"/>
                   </a:solidFill>
@@ -2707,7 +2598,7 @@
             </a:ln>
             <a:extLst>
               <a:ext uri="{91240B29-F687-4f45-9708-019B960494DF}">
-                <a14:hiddenLine xmlns="" xmlns:a14="http://schemas.microsoft.com/office/drawing/2010/main" w="9525">
+                <a14:hiddenLine xmlns:a14="http://schemas.microsoft.com/office/drawing/2010/main" xmlns="" w="9525">
                   <a:solidFill>
                     <a:srgbClr val="000000"/>
                   </a:solidFill>
@@ -2797,7 +2688,7 @@
             </a:ln>
             <a:extLst>
               <a:ext uri="{91240B29-F687-4f45-9708-019B960494DF}">
-                <a14:hiddenLine xmlns="" xmlns:a14="http://schemas.microsoft.com/office/drawing/2010/main" w="9525">
+                <a14:hiddenLine xmlns:a14="http://schemas.microsoft.com/office/drawing/2010/main" xmlns="" w="9525">
                   <a:solidFill>
                     <a:srgbClr val="000000"/>
                   </a:solidFill>
@@ -2859,7 +2750,7 @@
             </a:ln>
             <a:extLst>
               <a:ext uri="{91240B29-F687-4f45-9708-019B960494DF}">
-                <a14:hiddenLine xmlns="" xmlns:a14="http://schemas.microsoft.com/office/drawing/2010/main" w="9525">
+                <a14:hiddenLine xmlns:a14="http://schemas.microsoft.com/office/drawing/2010/main" xmlns="" w="9525">
                   <a:solidFill>
                     <a:srgbClr val="000000"/>
                   </a:solidFill>
@@ -2949,7 +2840,7 @@
             </a:ln>
             <a:extLst>
               <a:ext uri="{91240B29-F687-4f45-9708-019B960494DF}">
-                <a14:hiddenLine xmlns="" xmlns:a14="http://schemas.microsoft.com/office/drawing/2010/main" w="9525">
+                <a14:hiddenLine xmlns:a14="http://schemas.microsoft.com/office/drawing/2010/main" xmlns="" w="9525">
                   <a:solidFill>
                     <a:srgbClr val="000000"/>
                   </a:solidFill>
@@ -3039,7 +2930,7 @@
             </a:ln>
             <a:extLst>
               <a:ext uri="{91240B29-F687-4f45-9708-019B960494DF}">
-                <a14:hiddenLine xmlns="" xmlns:a14="http://schemas.microsoft.com/office/drawing/2010/main" w="9525">
+                <a14:hiddenLine xmlns:a14="http://schemas.microsoft.com/office/drawing/2010/main" xmlns="" w="9525">
                   <a:solidFill>
                     <a:srgbClr val="000000"/>
                   </a:solidFill>
@@ -3095,7 +2986,7 @@
             </a:ln>
             <a:extLst>
               <a:ext uri="{91240B29-F687-4f45-9708-019B960494DF}">
-                <a14:hiddenLine xmlns="" xmlns:a14="http://schemas.microsoft.com/office/drawing/2010/main" w="9525">
+                <a14:hiddenLine xmlns:a14="http://schemas.microsoft.com/office/drawing/2010/main" xmlns="" w="9525">
                   <a:solidFill>
                     <a:srgbClr val="000000"/>
                   </a:solidFill>
@@ -3185,7 +3076,7 @@
             </a:ln>
             <a:extLst>
               <a:ext uri="{91240B29-F687-4f45-9708-019B960494DF}">
-                <a14:hiddenLine xmlns="" xmlns:a14="http://schemas.microsoft.com/office/drawing/2010/main" w="9525">
+                <a14:hiddenLine xmlns:a14="http://schemas.microsoft.com/office/drawing/2010/main" xmlns="" w="9525">
                   <a:solidFill>
                     <a:srgbClr val="000000"/>
                   </a:solidFill>
@@ -3241,7 +3132,7 @@
             </a:ln>
             <a:extLst>
               <a:ext uri="{91240B29-F687-4f45-9708-019B960494DF}">
-                <a14:hiddenLine xmlns="" xmlns:a14="http://schemas.microsoft.com/office/drawing/2010/main" w="9525">
+                <a14:hiddenLine xmlns:a14="http://schemas.microsoft.com/office/drawing/2010/main" xmlns="" w="9525">
                   <a:solidFill>
                     <a:srgbClr val="000000"/>
                   </a:solidFill>
@@ -3331,7 +3222,7 @@
             </a:ln>
             <a:extLst>
               <a:ext uri="{91240B29-F687-4f45-9708-019B960494DF}">
-                <a14:hiddenLine xmlns="" xmlns:a14="http://schemas.microsoft.com/office/drawing/2010/main" w="9525">
+                <a14:hiddenLine xmlns:a14="http://schemas.microsoft.com/office/drawing/2010/main" xmlns="" w="9525">
                   <a:solidFill>
                     <a:srgbClr val="000000"/>
                   </a:solidFill>
@@ -3399,7 +3290,7 @@
             </a:ln>
             <a:extLst>
               <a:ext uri="{91240B29-F687-4f45-9708-019B960494DF}">
-                <a14:hiddenLine xmlns="" xmlns:a14="http://schemas.microsoft.com/office/drawing/2010/main" w="9525">
+                <a14:hiddenLine xmlns:a14="http://schemas.microsoft.com/office/drawing/2010/main" xmlns="" w="9525">
                   <a:solidFill>
                     <a:srgbClr val="000000"/>
                   </a:solidFill>
@@ -3489,7 +3380,7 @@
             </a:ln>
             <a:extLst>
               <a:ext uri="{91240B29-F687-4f45-9708-019B960494DF}">
-                <a14:hiddenLine xmlns="" xmlns:a14="http://schemas.microsoft.com/office/drawing/2010/main" w="9525">
+                <a14:hiddenLine xmlns:a14="http://schemas.microsoft.com/office/drawing/2010/main" xmlns="" w="9525">
                   <a:solidFill>
                     <a:srgbClr val="000000"/>
                   </a:solidFill>
@@ -3557,7 +3448,7 @@
             </a:ln>
             <a:extLst>
               <a:ext uri="{91240B29-F687-4f45-9708-019B960494DF}">
-                <a14:hiddenLine xmlns="" xmlns:a14="http://schemas.microsoft.com/office/drawing/2010/main" w="9525">
+                <a14:hiddenLine xmlns:a14="http://schemas.microsoft.com/office/drawing/2010/main" xmlns="" w="9525">
                   <a:solidFill>
                     <a:srgbClr val="000000"/>
                   </a:solidFill>
@@ -3647,7 +3538,7 @@
             </a:ln>
             <a:extLst>
               <a:ext uri="{91240B29-F687-4f45-9708-019B960494DF}">
-                <a14:hiddenLine xmlns="" xmlns:a14="http://schemas.microsoft.com/office/drawing/2010/main" w="9525">
+                <a14:hiddenLine xmlns:a14="http://schemas.microsoft.com/office/drawing/2010/main" xmlns="" w="9525">
                   <a:solidFill>
                     <a:srgbClr val="000000"/>
                   </a:solidFill>
@@ -3681,7 +3572,7 @@
             </a:ln>
             <a:extLst>
               <a:ext uri="{91240B29-F687-4f45-9708-019B960494DF}">
-                <a14:hiddenLine xmlns="" xmlns:a14="http://schemas.microsoft.com/office/drawing/2010/main" w="9525">
+                <a14:hiddenLine xmlns:a14="http://schemas.microsoft.com/office/drawing/2010/main" xmlns="" w="9525">
                   <a:solidFill>
                     <a:srgbClr val="000000"/>
                   </a:solidFill>
@@ -3771,7 +3662,7 @@
             </a:ln>
             <a:extLst>
               <a:ext uri="{91240B29-F687-4f45-9708-019B960494DF}">
-                <a14:hiddenLine xmlns="" xmlns:a14="http://schemas.microsoft.com/office/drawing/2010/main" w="9525">
+                <a14:hiddenLine xmlns:a14="http://schemas.microsoft.com/office/drawing/2010/main" xmlns="" w="9525">
                   <a:solidFill>
                     <a:srgbClr val="000000"/>
                   </a:solidFill>
@@ -3833,7 +3724,7 @@
             </a:ln>
             <a:extLst>
               <a:ext uri="{91240B29-F687-4f45-9708-019B960494DF}">
-                <a14:hiddenLine xmlns="" xmlns:a14="http://schemas.microsoft.com/office/drawing/2010/main" w="9525">
+                <a14:hiddenLine xmlns:a14="http://schemas.microsoft.com/office/drawing/2010/main" xmlns="" w="9525">
                   <a:solidFill>
                     <a:srgbClr val="000000"/>
                   </a:solidFill>
@@ -3895,7 +3786,7 @@
             </a:ln>
             <a:extLst>
               <a:ext uri="{91240B29-F687-4f45-9708-019B960494DF}">
-                <a14:hiddenLine xmlns="" xmlns:a14="http://schemas.microsoft.com/office/drawing/2010/main" w="9525">
+                <a14:hiddenLine xmlns:a14="http://schemas.microsoft.com/office/drawing/2010/main" xmlns="" w="9525">
                   <a:solidFill>
                     <a:srgbClr val="000000"/>
                   </a:solidFill>
@@ -3985,7 +3876,7 @@
             </a:ln>
             <a:extLst>
               <a:ext uri="{91240B29-F687-4f45-9708-019B960494DF}">
-                <a14:hiddenLine xmlns="" xmlns:a14="http://schemas.microsoft.com/office/drawing/2010/main" w="9525">
+                <a14:hiddenLine xmlns:a14="http://schemas.microsoft.com/office/drawing/2010/main" xmlns="" w="9525">
                   <a:solidFill>
                     <a:srgbClr val="000000"/>
                   </a:solidFill>
@@ -4053,7 +3944,7 @@
             </a:ln>
             <a:extLst>
               <a:ext uri="{91240B29-F687-4f45-9708-019B960494DF}">
-                <a14:hiddenLine xmlns="" xmlns:a14="http://schemas.microsoft.com/office/drawing/2010/main" w="9525">
+                <a14:hiddenLine xmlns:a14="http://schemas.microsoft.com/office/drawing/2010/main" xmlns="" w="9525">
                   <a:solidFill>
                     <a:srgbClr val="000000"/>
                   </a:solidFill>
@@ -4115,7 +4006,7 @@
             </a:ln>
             <a:extLst>
               <a:ext uri="{91240B29-F687-4f45-9708-019B960494DF}">
-                <a14:hiddenLine xmlns="" xmlns:a14="http://schemas.microsoft.com/office/drawing/2010/main" w="9525">
+                <a14:hiddenLine xmlns:a14="http://schemas.microsoft.com/office/drawing/2010/main" xmlns="" w="9525">
                   <a:solidFill>
                     <a:srgbClr val="000000"/>
                   </a:solidFill>
@@ -4205,7 +4096,7 @@
             </a:ln>
             <a:extLst>
               <a:ext uri="{91240B29-F687-4f45-9708-019B960494DF}">
-                <a14:hiddenLine xmlns="" xmlns:a14="http://schemas.microsoft.com/office/drawing/2010/main" w="9525">
+                <a14:hiddenLine xmlns:a14="http://schemas.microsoft.com/office/drawing/2010/main" xmlns="" w="9525">
                   <a:solidFill>
                     <a:srgbClr val="000000"/>
                   </a:solidFill>
@@ -4267,7 +4158,7 @@
             </a:ln>
             <a:extLst>
               <a:ext uri="{91240B29-F687-4f45-9708-019B960494DF}">
-                <a14:hiddenLine xmlns="" xmlns:a14="http://schemas.microsoft.com/office/drawing/2010/main" w="9525">
+                <a14:hiddenLine xmlns:a14="http://schemas.microsoft.com/office/drawing/2010/main" xmlns="" w="9525">
                   <a:solidFill>
                     <a:srgbClr val="000000"/>
                   </a:solidFill>
@@ -4357,7 +4248,7 @@
             </a:ln>
             <a:extLst>
               <a:ext uri="{91240B29-F687-4f45-9708-019B960494DF}">
-                <a14:hiddenLine xmlns="" xmlns:a14="http://schemas.microsoft.com/office/drawing/2010/main" w="9525">
+                <a14:hiddenLine xmlns:a14="http://schemas.microsoft.com/office/drawing/2010/main" xmlns="" w="9525">
                   <a:solidFill>
                     <a:srgbClr val="000000"/>
                   </a:solidFill>
@@ -4419,7 +4310,7 @@
             </a:ln>
             <a:extLst>
               <a:ext uri="{91240B29-F687-4f45-9708-019B960494DF}">
-                <a14:hiddenLine xmlns="" xmlns:a14="http://schemas.microsoft.com/office/drawing/2010/main" w="9525">
+                <a14:hiddenLine xmlns:a14="http://schemas.microsoft.com/office/drawing/2010/main" xmlns="" w="9525">
                   <a:solidFill>
                     <a:srgbClr val="000000"/>
                   </a:solidFill>
@@ -4509,7 +4400,7 @@
             </a:ln>
             <a:extLst>
               <a:ext uri="{91240B29-F687-4f45-9708-019B960494DF}">
-                <a14:hiddenLine xmlns="" xmlns:a14="http://schemas.microsoft.com/office/drawing/2010/main" w="9525">
+                <a14:hiddenLine xmlns:a14="http://schemas.microsoft.com/office/drawing/2010/main" xmlns="" w="9525">
                   <a:solidFill>
                     <a:srgbClr val="000000"/>
                   </a:solidFill>
@@ -4543,7 +4434,7 @@
             </a:ln>
             <a:extLst>
               <a:ext uri="{91240B29-F687-4f45-9708-019B960494DF}">
-                <a14:hiddenLine xmlns="" xmlns:a14="http://schemas.microsoft.com/office/drawing/2010/main" w="9525">
+                <a14:hiddenLine xmlns:a14="http://schemas.microsoft.com/office/drawing/2010/main" xmlns="" w="9525">
                   <a:solidFill>
                     <a:srgbClr val="000000"/>
                   </a:solidFill>
@@ -4608,7 +4499,7 @@
             </a:ln>
             <a:extLst>
               <a:ext uri="{91240B29-F687-4f45-9708-019B960494DF}">
-                <a14:hiddenLine xmlns="" xmlns:a14="http://schemas.microsoft.com/office/drawing/2010/main" w="9525">
+                <a14:hiddenLine xmlns:a14="http://schemas.microsoft.com/office/drawing/2010/main" xmlns="" w="9525">
                   <a:solidFill>
                     <a:srgbClr val="000000"/>
                   </a:solidFill>
@@ -4698,7 +4589,7 @@
             </a:ln>
             <a:extLst>
               <a:ext uri="{91240B29-F687-4f45-9708-019B960494DF}">
-                <a14:hiddenLine xmlns="" xmlns:a14="http://schemas.microsoft.com/office/drawing/2010/main" w="9525">
+                <a14:hiddenLine xmlns:a14="http://schemas.microsoft.com/office/drawing/2010/main" xmlns="" w="9525">
                   <a:solidFill>
                     <a:srgbClr val="000000"/>
                   </a:solidFill>
@@ -4760,7 +4651,7 @@
             </a:ln>
             <a:extLst>
               <a:ext uri="{91240B29-F687-4f45-9708-019B960494DF}">
-                <a14:hiddenLine xmlns="" xmlns:a14="http://schemas.microsoft.com/office/drawing/2010/main" w="9525">
+                <a14:hiddenLine xmlns:a14="http://schemas.microsoft.com/office/drawing/2010/main" xmlns="" w="9525">
                   <a:solidFill>
                     <a:srgbClr val="000000"/>
                   </a:solidFill>
@@ -4850,7 +4741,7 @@
             </a:ln>
             <a:extLst>
               <a:ext uri="{91240B29-F687-4f45-9708-019B960494DF}">
-                <a14:hiddenLine xmlns="" xmlns:a14="http://schemas.microsoft.com/office/drawing/2010/main" w="9525">
+                <a14:hiddenLine xmlns:a14="http://schemas.microsoft.com/office/drawing/2010/main" xmlns="" w="9525">
                   <a:solidFill>
                     <a:srgbClr val="000000"/>
                   </a:solidFill>
@@ -4940,7 +4831,7 @@
             </a:ln>
             <a:extLst>
               <a:ext uri="{91240B29-F687-4f45-9708-019B960494DF}">
-                <a14:hiddenLine xmlns="" xmlns:a14="http://schemas.microsoft.com/office/drawing/2010/main" w="9525">
+                <a14:hiddenLine xmlns:a14="http://schemas.microsoft.com/office/drawing/2010/main" xmlns="" w="9525">
                   <a:solidFill>
                     <a:srgbClr val="000000"/>
                   </a:solidFill>
@@ -5005,7 +4896,7 @@
             </a:ln>
             <a:extLst>
               <a:ext uri="{91240B29-F687-4f45-9708-019B960494DF}">
-                <a14:hiddenLine xmlns="" xmlns:a14="http://schemas.microsoft.com/office/drawing/2010/main" w="9525">
+                <a14:hiddenLine xmlns:a14="http://schemas.microsoft.com/office/drawing/2010/main" xmlns="" w="9525">
                   <a:solidFill>
                     <a:srgbClr val="000000"/>
                   </a:solidFill>
@@ -5067,7 +4958,7 @@
             </a:ln>
             <a:extLst>
               <a:ext uri="{91240B29-F687-4f45-9708-019B960494DF}">
-                <a14:hiddenLine xmlns="" xmlns:a14="http://schemas.microsoft.com/office/drawing/2010/main" w="9525">
+                <a14:hiddenLine xmlns:a14="http://schemas.microsoft.com/office/drawing/2010/main" xmlns="" w="9525">
                   <a:solidFill>
                     <a:srgbClr val="000000"/>
                   </a:solidFill>
@@ -5157,7 +5048,7 @@
             </a:ln>
             <a:extLst>
               <a:ext uri="{91240B29-F687-4f45-9708-019B960494DF}">
-                <a14:hiddenLine xmlns="" xmlns:a14="http://schemas.microsoft.com/office/drawing/2010/main" w="9525">
+                <a14:hiddenLine xmlns:a14="http://schemas.microsoft.com/office/drawing/2010/main" xmlns="" w="9525">
                   <a:solidFill>
                     <a:srgbClr val="000000"/>
                   </a:solidFill>
@@ -5247,7 +5138,7 @@
             </a:ln>
             <a:extLst>
               <a:ext uri="{91240B29-F687-4f45-9708-019B960494DF}">
-                <a14:hiddenLine xmlns="" xmlns:a14="http://schemas.microsoft.com/office/drawing/2010/main" w="9525">
+                <a14:hiddenLine xmlns:a14="http://schemas.microsoft.com/office/drawing/2010/main" xmlns="" w="9525">
                   <a:solidFill>
                     <a:srgbClr val="000000"/>
                   </a:solidFill>
@@ -5309,7 +5200,7 @@
             </a:ln>
             <a:extLst>
               <a:ext uri="{91240B29-F687-4f45-9708-019B960494DF}">
-                <a14:hiddenLine xmlns="" xmlns:a14="http://schemas.microsoft.com/office/drawing/2010/main" w="9525">
+                <a14:hiddenLine xmlns:a14="http://schemas.microsoft.com/office/drawing/2010/main" xmlns="" w="9525">
                   <a:solidFill>
                     <a:srgbClr val="000000"/>
                   </a:solidFill>
@@ -5429,7 +5320,7 @@
             </a:ln>
             <a:extLst>
               <a:ext uri="{91240B29-F687-4f45-9708-019B960494DF}">
-                <a14:hiddenLine xmlns="" xmlns:a14="http://schemas.microsoft.com/office/drawing/2010/main" w="9525">
+                <a14:hiddenLine xmlns:a14="http://schemas.microsoft.com/office/drawing/2010/main" xmlns="" w="9525">
                   <a:solidFill>
                     <a:srgbClr val="000000"/>
                   </a:solidFill>
@@ -5497,7 +5388,7 @@
             </a:ln>
             <a:extLst>
               <a:ext uri="{91240B29-F687-4f45-9708-019B960494DF}">
-                <a14:hiddenLine xmlns="" xmlns:a14="http://schemas.microsoft.com/office/drawing/2010/main" w="9525">
+                <a14:hiddenLine xmlns:a14="http://schemas.microsoft.com/office/drawing/2010/main" xmlns="" w="9525">
                   <a:solidFill>
                     <a:srgbClr val="000000"/>
                   </a:solidFill>
@@ -5587,7 +5478,7 @@
             </a:ln>
             <a:extLst>
               <a:ext uri="{91240B29-F687-4f45-9708-019B960494DF}">
-                <a14:hiddenLine xmlns="" xmlns:a14="http://schemas.microsoft.com/office/drawing/2010/main" w="9525">
+                <a14:hiddenLine xmlns:a14="http://schemas.microsoft.com/office/drawing/2010/main" xmlns="" w="9525">
                   <a:solidFill>
                     <a:srgbClr val="000000"/>
                   </a:solidFill>
@@ -5727,7 +5618,7 @@
           <a:p>
             <a:fld id="{48A87A34-81AB-432B-8DAE-1953F412C126}" type="datetimeFigureOut">
               <a:rPr lang="en-US" dirty="0"/>
-              <a:t>3/31/2022</a:t>
+              <a:t>4/5/2022</a:t>
             </a:fld>
             <a:endParaRPr lang="en-US" dirty="0"/>
           </a:p>
@@ -5989,7 +5880,7 @@
           <a:p>
             <a:fld id="{48A87A34-81AB-432B-8DAE-1953F412C126}" type="datetimeFigureOut">
               <a:rPr lang="en-US" dirty="0"/>
-              <a:t>3/31/2022</a:t>
+              <a:t>4/5/2022</a:t>
             </a:fld>
             <a:endParaRPr lang="en-US" dirty="0"/>
           </a:p>
@@ -6180,7 +6071,7 @@
           <a:p>
             <a:fld id="{48A87A34-81AB-432B-8DAE-1953F412C126}" type="datetimeFigureOut">
               <a:rPr lang="en-US" dirty="0"/>
-              <a:t>3/31/2022</a:t>
+              <a:t>4/5/2022</a:t>
             </a:fld>
             <a:endParaRPr lang="en-US" dirty="0"/>
           </a:p>
@@ -6438,7 +6329,7 @@
           <a:p>
             <a:fld id="{48A87A34-81AB-432B-8DAE-1953F412C126}" type="datetimeFigureOut">
               <a:rPr lang="en-US" dirty="0"/>
-              <a:t>3/31/2022</a:t>
+              <a:t>4/5/2022</a:t>
             </a:fld>
             <a:endParaRPr lang="en-US" dirty="0"/>
           </a:p>
@@ -6867,7 +6758,7 @@
           <a:p>
             <a:fld id="{48A87A34-81AB-432B-8DAE-1953F412C126}" type="datetimeFigureOut">
               <a:rPr lang="en-US" dirty="0"/>
-              <a:t>3/31/2022</a:t>
+              <a:t>4/5/2022</a:t>
             </a:fld>
             <a:endParaRPr lang="en-US" dirty="0"/>
           </a:p>
@@ -7408,7 +7299,7 @@
           <a:p>
             <a:fld id="{48A87A34-81AB-432B-8DAE-1953F412C126}" type="datetimeFigureOut">
               <a:rPr lang="en-US" dirty="0"/>
-              <a:t>3/31/2022</a:t>
+              <a:t>4/5/2022</a:t>
             </a:fld>
             <a:endParaRPr lang="en-US" dirty="0"/>
           </a:p>
@@ -8123,7 +8014,7 @@
           <a:p>
             <a:fld id="{48A87A34-81AB-432B-8DAE-1953F412C126}" type="datetimeFigureOut">
               <a:rPr lang="en-US" dirty="0"/>
-              <a:t>3/31/2022</a:t>
+              <a:t>4/5/2022</a:t>
             </a:fld>
             <a:endParaRPr lang="en-US" dirty="0"/>
           </a:p>
@@ -8288,7 +8179,7 @@
           <a:p>
             <a:fld id="{48A87A34-81AB-432B-8DAE-1953F412C126}" type="datetimeFigureOut">
               <a:rPr lang="en-US" dirty="0"/>
-              <a:t>3/31/2022</a:t>
+              <a:t>4/5/2022</a:t>
             </a:fld>
             <a:endParaRPr lang="en-US" dirty="0"/>
           </a:p>
@@ -8463,7 +8354,7 @@
           <a:p>
             <a:fld id="{48A87A34-81AB-432B-8DAE-1953F412C126}" type="datetimeFigureOut">
               <a:rPr lang="en-US" dirty="0"/>
-              <a:t>3/31/2022</a:t>
+              <a:t>4/5/2022</a:t>
             </a:fld>
             <a:endParaRPr lang="en-US" dirty="0"/>
           </a:p>
@@ -8628,7 +8519,7 @@
           <a:p>
             <a:fld id="{48A87A34-81AB-432B-8DAE-1953F412C126}" type="datetimeFigureOut">
               <a:rPr lang="en-US" dirty="0"/>
-              <a:t>3/31/2022</a:t>
+              <a:t>4/5/2022</a:t>
             </a:fld>
             <a:endParaRPr lang="en-US" dirty="0"/>
           </a:p>
@@ -8873,7 +8764,7 @@
           <a:p>
             <a:fld id="{48A87A34-81AB-432B-8DAE-1953F412C126}" type="datetimeFigureOut">
               <a:rPr lang="en-US" dirty="0"/>
-              <a:t>3/31/2022</a:t>
+              <a:t>4/5/2022</a:t>
             </a:fld>
             <a:endParaRPr lang="en-US" dirty="0"/>
           </a:p>
@@ -9100,7 +8991,7 @@
           <a:p>
             <a:fld id="{48A87A34-81AB-432B-8DAE-1953F412C126}" type="datetimeFigureOut">
               <a:rPr lang="en-US" dirty="0"/>
-              <a:t>3/31/2022</a:t>
+              <a:t>4/5/2022</a:t>
             </a:fld>
             <a:endParaRPr lang="en-US" dirty="0"/>
           </a:p>
@@ -9476,7 +9367,7 @@
           <a:p>
             <a:fld id="{48A87A34-81AB-432B-8DAE-1953F412C126}" type="datetimeFigureOut">
               <a:rPr lang="en-US" dirty="0"/>
-              <a:t>3/31/2022</a:t>
+              <a:t>4/5/2022</a:t>
             </a:fld>
             <a:endParaRPr lang="en-US" dirty="0"/>
           </a:p>
@@ -9589,7 +9480,7 @@
           <a:p>
             <a:fld id="{48A87A34-81AB-432B-8DAE-1953F412C126}" type="datetimeFigureOut">
               <a:rPr lang="en-US" dirty="0"/>
-              <a:t>3/31/2022</a:t>
+              <a:t>4/5/2022</a:t>
             </a:fld>
             <a:endParaRPr lang="en-US" dirty="0"/>
           </a:p>
@@ -9679,7 +9570,7 @@
           <a:p>
             <a:fld id="{48A87A34-81AB-432B-8DAE-1953F412C126}" type="datetimeFigureOut">
               <a:rPr lang="en-US" dirty="0"/>
-              <a:t>3/31/2022</a:t>
+              <a:t>4/5/2022</a:t>
             </a:fld>
             <a:endParaRPr lang="en-US" dirty="0"/>
           </a:p>
@@ -9923,7 +9814,7 @@
           <a:p>
             <a:fld id="{48A87A34-81AB-432B-8DAE-1953F412C126}" type="datetimeFigureOut">
               <a:rPr lang="en-US" dirty="0"/>
-              <a:t>3/31/2022</a:t>
+              <a:t>4/5/2022</a:t>
             </a:fld>
             <a:endParaRPr lang="en-US" dirty="0"/>
           </a:p>
@@ -10198,7 +10089,7 @@
           <a:p>
             <a:fld id="{48A87A34-81AB-432B-8DAE-1953F412C126}" type="datetimeFigureOut">
               <a:rPr lang="en-US" dirty="0"/>
-              <a:t>3/31/2022</a:t>
+              <a:t>4/5/2022</a:t>
             </a:fld>
             <a:endParaRPr lang="en-US" dirty="0"/>
           </a:p>
@@ -10316,7 +10207,7 @@
           <a:noFill/>
           <a:extLst>
             <a:ext uri="{909E8E84-426E-40dd-AFC4-6F175D3DCCD1}">
-              <a14:hiddenFill xmlns="" xmlns:a14="http://schemas.microsoft.com/office/drawing/2010/main">
+              <a14:hiddenFill xmlns:a14="http://schemas.microsoft.com/office/drawing/2010/main" xmlns="">
                 <a:solidFill>
                   <a:srgbClr val="FFFFFF"/>
                 </a:solidFill>
@@ -10390,7 +10281,7 @@
               </a:ln>
               <a:extLst>
                 <a:ext uri="{91240B29-F687-4f45-9708-019B960494DF}">
-                  <a14:hiddenLine xmlns="" xmlns:a14="http://schemas.microsoft.com/office/drawing/2010/main" w="9525">
+                  <a14:hiddenLine xmlns:a14="http://schemas.microsoft.com/office/drawing/2010/main" xmlns="" w="9525">
                     <a:solidFill>
                       <a:srgbClr val="000000"/>
                     </a:solidFill>
@@ -10480,7 +10371,7 @@
               </a:ln>
               <a:extLst>
                 <a:ext uri="{91240B29-F687-4f45-9708-019B960494DF}">
-                  <a14:hiddenLine xmlns="" xmlns:a14="http://schemas.microsoft.com/office/drawing/2010/main" w="9525">
+                  <a14:hiddenLine xmlns:a14="http://schemas.microsoft.com/office/drawing/2010/main" xmlns="" w="9525">
                     <a:solidFill>
                       <a:srgbClr val="000000"/>
                     </a:solidFill>
@@ -10570,7 +10461,7 @@
               </a:ln>
               <a:extLst>
                 <a:ext uri="{91240B29-F687-4f45-9708-019B960494DF}">
-                  <a14:hiddenLine xmlns="" xmlns:a14="http://schemas.microsoft.com/office/drawing/2010/main" w="9525">
+                  <a14:hiddenLine xmlns:a14="http://schemas.microsoft.com/office/drawing/2010/main" xmlns="" w="9525">
                     <a:solidFill>
                       <a:srgbClr val="000000"/>
                     </a:solidFill>
@@ -10632,7 +10523,7 @@
               </a:ln>
               <a:extLst>
                 <a:ext uri="{91240B29-F687-4f45-9708-019B960494DF}">
-                  <a14:hiddenLine xmlns="" xmlns:a14="http://schemas.microsoft.com/office/drawing/2010/main" w="9525">
+                  <a14:hiddenLine xmlns:a14="http://schemas.microsoft.com/office/drawing/2010/main" xmlns="" w="9525">
                     <a:solidFill>
                       <a:srgbClr val="000000"/>
                     </a:solidFill>
@@ -10722,7 +10613,7 @@
               </a:ln>
               <a:extLst>
                 <a:ext uri="{91240B29-F687-4f45-9708-019B960494DF}">
-                  <a14:hiddenLine xmlns="" xmlns:a14="http://schemas.microsoft.com/office/drawing/2010/main" w="9525">
+                  <a14:hiddenLine xmlns:a14="http://schemas.microsoft.com/office/drawing/2010/main" xmlns="" w="9525">
                     <a:solidFill>
                       <a:srgbClr val="000000"/>
                     </a:solidFill>
@@ -10784,7 +10675,7 @@
               </a:ln>
               <a:extLst>
                 <a:ext uri="{91240B29-F687-4f45-9708-019B960494DF}">
-                  <a14:hiddenLine xmlns="" xmlns:a14="http://schemas.microsoft.com/office/drawing/2010/main" w="9525">
+                  <a14:hiddenLine xmlns:a14="http://schemas.microsoft.com/office/drawing/2010/main" xmlns="" w="9525">
                     <a:solidFill>
                       <a:srgbClr val="000000"/>
                     </a:solidFill>
@@ -10846,7 +10737,7 @@
               </a:ln>
               <a:extLst>
                 <a:ext uri="{91240B29-F687-4f45-9708-019B960494DF}">
-                  <a14:hiddenLine xmlns="" xmlns:a14="http://schemas.microsoft.com/office/drawing/2010/main" w="9525">
+                  <a14:hiddenLine xmlns:a14="http://schemas.microsoft.com/office/drawing/2010/main" xmlns="" w="9525">
                     <a:solidFill>
                       <a:srgbClr val="000000"/>
                     </a:solidFill>
@@ -10936,7 +10827,7 @@
               </a:ln>
               <a:extLst>
                 <a:ext uri="{91240B29-F687-4f45-9708-019B960494DF}">
-                  <a14:hiddenLine xmlns="" xmlns:a14="http://schemas.microsoft.com/office/drawing/2010/main" w="9525">
+                  <a14:hiddenLine xmlns:a14="http://schemas.microsoft.com/office/drawing/2010/main" xmlns="" w="9525">
                     <a:solidFill>
                       <a:srgbClr val="000000"/>
                     </a:solidFill>
@@ -11026,7 +10917,7 @@
               </a:ln>
               <a:extLst>
                 <a:ext uri="{91240B29-F687-4f45-9708-019B960494DF}">
-                  <a14:hiddenLine xmlns="" xmlns:a14="http://schemas.microsoft.com/office/drawing/2010/main" w="9525">
+                  <a14:hiddenLine xmlns:a14="http://schemas.microsoft.com/office/drawing/2010/main" xmlns="" w="9525">
                     <a:solidFill>
                       <a:srgbClr val="000000"/>
                     </a:solidFill>
@@ -11088,7 +10979,7 @@
               </a:ln>
               <a:extLst>
                 <a:ext uri="{91240B29-F687-4f45-9708-019B960494DF}">
-                  <a14:hiddenLine xmlns="" xmlns:a14="http://schemas.microsoft.com/office/drawing/2010/main" w="9525">
+                  <a14:hiddenLine xmlns:a14="http://schemas.microsoft.com/office/drawing/2010/main" xmlns="" w="9525">
                     <a:solidFill>
                       <a:srgbClr val="000000"/>
                     </a:solidFill>
@@ -11198,7 +11089,7 @@
               </a:ln>
               <a:extLst>
                 <a:ext uri="{91240B29-F687-4f45-9708-019B960494DF}">
-                  <a14:hiddenLine xmlns="" xmlns:a14="http://schemas.microsoft.com/office/drawing/2010/main" w="9525">
+                  <a14:hiddenLine xmlns:a14="http://schemas.microsoft.com/office/drawing/2010/main" xmlns="" w="9525">
                     <a:solidFill>
                       <a:srgbClr val="000000"/>
                     </a:solidFill>
@@ -11282,7 +11173,7 @@
               </a:ln>
               <a:extLst>
                 <a:ext uri="{91240B29-F687-4f45-9708-019B960494DF}">
-                  <a14:hiddenLine xmlns="" xmlns:a14="http://schemas.microsoft.com/office/drawing/2010/main" w="9525">
+                  <a14:hiddenLine xmlns:a14="http://schemas.microsoft.com/office/drawing/2010/main" xmlns="" w="9525">
                     <a:solidFill>
                       <a:srgbClr val="000000"/>
                     </a:solidFill>
@@ -11344,7 +11235,7 @@
               </a:ln>
               <a:extLst>
                 <a:ext uri="{91240B29-F687-4f45-9708-019B960494DF}">
-                  <a14:hiddenLine xmlns="" xmlns:a14="http://schemas.microsoft.com/office/drawing/2010/main" w="9525">
+                  <a14:hiddenLine xmlns:a14="http://schemas.microsoft.com/office/drawing/2010/main" xmlns="" w="9525">
                     <a:solidFill>
                       <a:srgbClr val="000000"/>
                     </a:solidFill>
@@ -11406,7 +11297,7 @@
               </a:ln>
               <a:extLst>
                 <a:ext uri="{91240B29-F687-4f45-9708-019B960494DF}">
-                  <a14:hiddenLine xmlns="" xmlns:a14="http://schemas.microsoft.com/office/drawing/2010/main" w="9525">
+                  <a14:hiddenLine xmlns:a14="http://schemas.microsoft.com/office/drawing/2010/main" xmlns="" w="9525">
                     <a:solidFill>
                       <a:srgbClr val="000000"/>
                     </a:solidFill>
@@ -11496,7 +11387,7 @@
               </a:ln>
               <a:extLst>
                 <a:ext uri="{91240B29-F687-4f45-9708-019B960494DF}">
-                  <a14:hiddenLine xmlns="" xmlns:a14="http://schemas.microsoft.com/office/drawing/2010/main" w="9525">
+                  <a14:hiddenLine xmlns:a14="http://schemas.microsoft.com/office/drawing/2010/main" xmlns="" w="9525">
                     <a:solidFill>
                       <a:srgbClr val="000000"/>
                     </a:solidFill>
@@ -11530,7 +11421,7 @@
               </a:ln>
               <a:extLst>
                 <a:ext uri="{91240B29-F687-4f45-9708-019B960494DF}">
-                  <a14:hiddenLine xmlns="" xmlns:a14="http://schemas.microsoft.com/office/drawing/2010/main" w="9525">
+                  <a14:hiddenLine xmlns:a14="http://schemas.microsoft.com/office/drawing/2010/main" xmlns="" w="9525">
                     <a:solidFill>
                       <a:srgbClr val="000000"/>
                     </a:solidFill>
@@ -11595,7 +11486,7 @@
               </a:ln>
               <a:extLst>
                 <a:ext uri="{91240B29-F687-4f45-9708-019B960494DF}">
-                  <a14:hiddenLine xmlns="" xmlns:a14="http://schemas.microsoft.com/office/drawing/2010/main" w="9525">
+                  <a14:hiddenLine xmlns:a14="http://schemas.microsoft.com/office/drawing/2010/main" xmlns="" w="9525">
                     <a:solidFill>
                       <a:srgbClr val="000000"/>
                     </a:solidFill>
@@ -11685,7 +11576,7 @@
               </a:ln>
               <a:extLst>
                 <a:ext uri="{91240B29-F687-4f45-9708-019B960494DF}">
-                  <a14:hiddenLine xmlns="" xmlns:a14="http://schemas.microsoft.com/office/drawing/2010/main" w="9525">
+                  <a14:hiddenLine xmlns:a14="http://schemas.microsoft.com/office/drawing/2010/main" xmlns="" w="9525">
                     <a:solidFill>
                       <a:srgbClr val="000000"/>
                     </a:solidFill>
@@ -11747,7 +11638,7 @@
               </a:ln>
               <a:extLst>
                 <a:ext uri="{91240B29-F687-4f45-9708-019B960494DF}">
-                  <a14:hiddenLine xmlns="" xmlns:a14="http://schemas.microsoft.com/office/drawing/2010/main" w="9525">
+                  <a14:hiddenLine xmlns:a14="http://schemas.microsoft.com/office/drawing/2010/main" xmlns="" w="9525">
                     <a:solidFill>
                       <a:srgbClr val="000000"/>
                     </a:solidFill>
@@ -11837,7 +11728,7 @@
               </a:ln>
               <a:extLst>
                 <a:ext uri="{91240B29-F687-4f45-9708-019B960494DF}">
-                  <a14:hiddenLine xmlns="" xmlns:a14="http://schemas.microsoft.com/office/drawing/2010/main" w="9525">
+                  <a14:hiddenLine xmlns:a14="http://schemas.microsoft.com/office/drawing/2010/main" xmlns="" w="9525">
                     <a:solidFill>
                       <a:srgbClr val="000000"/>
                     </a:solidFill>
@@ -11902,7 +11793,7 @@
               </a:ln>
               <a:extLst>
                 <a:ext uri="{91240B29-F687-4f45-9708-019B960494DF}">
-                  <a14:hiddenLine xmlns="" xmlns:a14="http://schemas.microsoft.com/office/drawing/2010/main" w="9525">
+                  <a14:hiddenLine xmlns:a14="http://schemas.microsoft.com/office/drawing/2010/main" xmlns="" w="9525">
                     <a:solidFill>
                       <a:srgbClr val="000000"/>
                     </a:solidFill>
@@ -11964,7 +11855,7 @@
               </a:ln>
               <a:extLst>
                 <a:ext uri="{91240B29-F687-4f45-9708-019B960494DF}">
-                  <a14:hiddenLine xmlns="" xmlns:a14="http://schemas.microsoft.com/office/drawing/2010/main" w="9525">
+                  <a14:hiddenLine xmlns:a14="http://schemas.microsoft.com/office/drawing/2010/main" xmlns="" w="9525">
                     <a:solidFill>
                       <a:srgbClr val="000000"/>
                     </a:solidFill>
@@ -12054,7 +11945,7 @@
               </a:ln>
               <a:extLst>
                 <a:ext uri="{91240B29-F687-4f45-9708-019B960494DF}">
-                  <a14:hiddenLine xmlns="" xmlns:a14="http://schemas.microsoft.com/office/drawing/2010/main" w="9525">
+                  <a14:hiddenLine xmlns:a14="http://schemas.microsoft.com/office/drawing/2010/main" xmlns="" w="9525">
                     <a:solidFill>
                       <a:srgbClr val="000000"/>
                     </a:solidFill>
@@ -12144,7 +12035,7 @@
               </a:ln>
               <a:extLst>
                 <a:ext uri="{91240B29-F687-4f45-9708-019B960494DF}">
-                  <a14:hiddenLine xmlns="" xmlns:a14="http://schemas.microsoft.com/office/drawing/2010/main" w="9525">
+                  <a14:hiddenLine xmlns:a14="http://schemas.microsoft.com/office/drawing/2010/main" xmlns="" w="9525">
                     <a:solidFill>
                       <a:srgbClr val="000000"/>
                     </a:solidFill>
@@ -12209,7 +12100,7 @@
               </a:ln>
               <a:extLst>
                 <a:ext uri="{91240B29-F687-4f45-9708-019B960494DF}">
-                  <a14:hiddenLine xmlns="" xmlns:a14="http://schemas.microsoft.com/office/drawing/2010/main" w="9525">
+                  <a14:hiddenLine xmlns:a14="http://schemas.microsoft.com/office/drawing/2010/main" xmlns="" w="9525">
                     <a:solidFill>
                       <a:srgbClr val="000000"/>
                     </a:solidFill>
@@ -12329,7 +12220,7 @@
               </a:ln>
               <a:extLst>
                 <a:ext uri="{91240B29-F687-4f45-9708-019B960494DF}">
-                  <a14:hiddenLine xmlns="" xmlns:a14="http://schemas.microsoft.com/office/drawing/2010/main" w="9525">
+                  <a14:hiddenLine xmlns:a14="http://schemas.microsoft.com/office/drawing/2010/main" xmlns="" w="9525">
                     <a:solidFill>
                       <a:srgbClr val="000000"/>
                     </a:solidFill>
@@ -12410,7 +12301,7 @@
               </a:ln>
               <a:extLst>
                 <a:ext uri="{91240B29-F687-4f45-9708-019B960494DF}">
-                  <a14:hiddenLine xmlns="" xmlns:a14="http://schemas.microsoft.com/office/drawing/2010/main" w="9525">
+                  <a14:hiddenLine xmlns:a14="http://schemas.microsoft.com/office/drawing/2010/main" xmlns="" w="9525">
                     <a:solidFill>
                       <a:srgbClr val="000000"/>
                     </a:solidFill>
@@ -12525,7 +12416,7 @@
               </a:ln>
               <a:extLst>
                 <a:ext uri="{91240B29-F687-4f45-9708-019B960494DF}">
-                  <a14:hiddenLine xmlns="" xmlns:a14="http://schemas.microsoft.com/office/drawing/2010/main" w="9525">
+                  <a14:hiddenLine xmlns:a14="http://schemas.microsoft.com/office/drawing/2010/main" xmlns="" w="9525">
                     <a:solidFill>
                       <a:srgbClr val="000000"/>
                     </a:solidFill>
@@ -12615,7 +12506,7 @@
               </a:ln>
               <a:extLst>
                 <a:ext uri="{91240B29-F687-4f45-9708-019B960494DF}">
-                  <a14:hiddenLine xmlns="" xmlns:a14="http://schemas.microsoft.com/office/drawing/2010/main" w="9525">
+                  <a14:hiddenLine xmlns:a14="http://schemas.microsoft.com/office/drawing/2010/main" xmlns="" w="9525">
                     <a:solidFill>
                       <a:srgbClr val="000000"/>
                     </a:solidFill>
@@ -12680,7 +12571,7 @@
               </a:ln>
               <a:extLst>
                 <a:ext uri="{91240B29-F687-4f45-9708-019B960494DF}">
-                  <a14:hiddenLine xmlns="" xmlns:a14="http://schemas.microsoft.com/office/drawing/2010/main" w="9525">
+                  <a14:hiddenLine xmlns:a14="http://schemas.microsoft.com/office/drawing/2010/main" xmlns="" w="9525">
                     <a:solidFill>
                       <a:srgbClr val="000000"/>
                     </a:solidFill>
@@ -12770,7 +12661,7 @@
               </a:ln>
               <a:extLst>
                 <a:ext uri="{91240B29-F687-4f45-9708-019B960494DF}">
-                  <a14:hiddenLine xmlns="" xmlns:a14="http://schemas.microsoft.com/office/drawing/2010/main" w="9525">
+                  <a14:hiddenLine xmlns:a14="http://schemas.microsoft.com/office/drawing/2010/main" xmlns="" w="9525">
                     <a:solidFill>
                       <a:srgbClr val="000000"/>
                     </a:solidFill>
@@ -12838,7 +12729,7 @@
               </a:ln>
               <a:extLst>
                 <a:ext uri="{91240B29-F687-4f45-9708-019B960494DF}">
-                  <a14:hiddenLine xmlns="" xmlns:a14="http://schemas.microsoft.com/office/drawing/2010/main" w="9525">
+                  <a14:hiddenLine xmlns:a14="http://schemas.microsoft.com/office/drawing/2010/main" xmlns="" w="9525">
                     <a:solidFill>
                       <a:srgbClr val="000000"/>
                     </a:solidFill>
@@ -12928,7 +12819,7 @@
               </a:ln>
               <a:extLst>
                 <a:ext uri="{91240B29-F687-4f45-9708-019B960494DF}">
-                  <a14:hiddenLine xmlns="" xmlns:a14="http://schemas.microsoft.com/office/drawing/2010/main" w="9525">
+                  <a14:hiddenLine xmlns:a14="http://schemas.microsoft.com/office/drawing/2010/main" xmlns="" w="9525">
                     <a:solidFill>
                       <a:srgbClr val="000000"/>
                     </a:solidFill>
@@ -12996,7 +12887,7 @@
               </a:ln>
               <a:extLst>
                 <a:ext uri="{91240B29-F687-4f45-9708-019B960494DF}">
-                  <a14:hiddenLine xmlns="" xmlns:a14="http://schemas.microsoft.com/office/drawing/2010/main" w="9525">
+                  <a14:hiddenLine xmlns:a14="http://schemas.microsoft.com/office/drawing/2010/main" xmlns="" w="9525">
                     <a:solidFill>
                       <a:srgbClr val="000000"/>
                     </a:solidFill>
@@ -13086,7 +12977,7 @@
               </a:ln>
               <a:extLst>
                 <a:ext uri="{91240B29-F687-4f45-9708-019B960494DF}">
-                  <a14:hiddenLine xmlns="" xmlns:a14="http://schemas.microsoft.com/office/drawing/2010/main" w="9525">
+                  <a14:hiddenLine xmlns:a14="http://schemas.microsoft.com/office/drawing/2010/main" xmlns="" w="9525">
                     <a:solidFill>
                       <a:srgbClr val="000000"/>
                     </a:solidFill>
@@ -13120,7 +13011,7 @@
               </a:ln>
               <a:extLst>
                 <a:ext uri="{91240B29-F687-4f45-9708-019B960494DF}">
-                  <a14:hiddenLine xmlns="" xmlns:a14="http://schemas.microsoft.com/office/drawing/2010/main" w="9525">
+                  <a14:hiddenLine xmlns:a14="http://schemas.microsoft.com/office/drawing/2010/main" xmlns="" w="9525">
                     <a:solidFill>
                       <a:srgbClr val="000000"/>
                     </a:solidFill>
@@ -13261,7 +13152,7 @@
             <a:fld id="{48A87A34-81AB-432B-8DAE-1953F412C126}" type="datetimeFigureOut">
               <a:rPr lang="en-US" dirty="0"/>
               <a:pPr/>
-              <a:t>3/31/2022</a:t>
+              <a:t>4/5/2022</a:t>
             </a:fld>
             <a:endParaRPr lang="en-US" dirty="0"/>
           </a:p>
@@ -13956,127 +13847,6 @@
 <file path=ppt/slides/slide3.xml><?xml version="1.0" encoding="utf-8"?>
 <p:sld xmlns:a="http://schemas.openxmlformats.org/drawingml/2006/main" xmlns:r="http://schemas.openxmlformats.org/officeDocument/2006/relationships" xmlns:p="http://schemas.openxmlformats.org/presentationml/2006/main">
   <p:cSld>
-    <p:spTree>
-      <p:nvGrpSpPr>
-        <p:cNvPr id="1" name=""/>
-        <p:cNvGrpSpPr/>
-        <p:nvPr/>
-      </p:nvGrpSpPr>
-      <p:grpSpPr>
-        <a:xfrm>
-          <a:off x="0" y="0"/>
-          <a:ext cx="0" cy="0"/>
-          <a:chOff x="0" y="0"/>
-          <a:chExt cx="0" cy="0"/>
-        </a:xfrm>
-      </p:grpSpPr>
-      <p:sp>
-        <p:nvSpPr>
-          <p:cNvPr id="2" name="Título 1">
-            <a:extLst>
-              <a:ext uri="{FF2B5EF4-FFF2-40B4-BE49-F238E27FC236}">
-                <a16:creationId xmlns:a16="http://schemas.microsoft.com/office/drawing/2014/main" id="{C2383D55-C708-47A0-8FA6-1905EF0BA1DC}"/>
-              </a:ext>
-            </a:extLst>
-          </p:cNvPr>
-          <p:cNvSpPr>
-            <a:spLocks noGrp="1"/>
-          </p:cNvSpPr>
-          <p:nvPr>
-            <p:ph type="title"/>
-          </p:nvPr>
-        </p:nvSpPr>
-        <p:spPr>
-          <a:xfrm>
-            <a:off x="1143001" y="377979"/>
-            <a:ext cx="9905998" cy="886725"/>
-          </a:xfrm>
-        </p:spPr>
-        <p:txBody>
-          <a:bodyPr/>
-          <a:lstStyle/>
-          <a:p>
-            <a:r>
-              <a:rPr lang="es-ES" sz="5400" dirty="0"/>
-              <a:t>				GITHUB</a:t>
-            </a:r>
-          </a:p>
-        </p:txBody>
-      </p:sp>
-      <p:sp>
-        <p:nvSpPr>
-          <p:cNvPr id="3" name="Marcador de contenido 2">
-            <a:extLst>
-              <a:ext uri="{FF2B5EF4-FFF2-40B4-BE49-F238E27FC236}">
-                <a16:creationId xmlns:a16="http://schemas.microsoft.com/office/drawing/2014/main" id="{E7C5FE10-3045-444C-BC5F-817542FA3CBD}"/>
-              </a:ext>
-            </a:extLst>
-          </p:cNvPr>
-          <p:cNvSpPr>
-            <a:spLocks noGrp="1"/>
-          </p:cNvSpPr>
-          <p:nvPr>
-            <p:ph idx="1"/>
-          </p:nvPr>
-        </p:nvSpPr>
-        <p:spPr/>
-        <p:txBody>
-          <a:bodyPr/>
-          <a:lstStyle/>
-          <a:p>
-            <a:endParaRPr lang="es-ES" dirty="0"/>
-          </a:p>
-          <a:p>
-            <a:endParaRPr lang="es-ES" dirty="0"/>
-          </a:p>
-        </p:txBody>
-      </p:sp>
-      <p:pic>
-        <p:nvPicPr>
-          <p:cNvPr id="5" name="Imagen 4">
-            <a:extLst>
-              <a:ext uri="{FF2B5EF4-FFF2-40B4-BE49-F238E27FC236}">
-                <a16:creationId xmlns:a16="http://schemas.microsoft.com/office/drawing/2014/main" id="{C826346E-5220-4531-AC53-45B9153C46EE}"/>
-              </a:ext>
-            </a:extLst>
-          </p:cNvPr>
-          <p:cNvPicPr>
-            <a:picLocks noChangeAspect="1"/>
-          </p:cNvPicPr>
-          <p:nvPr/>
-        </p:nvPicPr>
-        <p:blipFill>
-          <a:blip r:embed="rId3"/>
-          <a:stretch>
-            <a:fillRect/>
-          </a:stretch>
-        </p:blipFill>
-        <p:spPr>
-          <a:xfrm>
-            <a:off x="1024494" y="1264704"/>
-            <a:ext cx="10143012" cy="4911013"/>
-          </a:xfrm>
-          <a:prstGeom prst="rect">
-            <a:avLst/>
-          </a:prstGeom>
-        </p:spPr>
-      </p:pic>
-    </p:spTree>
-    <p:extLst>
-      <p:ext uri="{BB962C8B-B14F-4D97-AF65-F5344CB8AC3E}">
-        <p14:creationId xmlns:p14="http://schemas.microsoft.com/office/powerpoint/2010/main" val="1020433331"/>
-      </p:ext>
-    </p:extLst>
-  </p:cSld>
-  <p:clrMapOvr>
-    <a:masterClrMapping/>
-  </p:clrMapOvr>
-</p:sld>
-</file>
-
-<file path=ppt/slides/slide4.xml><?xml version="1.0" encoding="utf-8"?>
-<p:sld xmlns:a="http://schemas.openxmlformats.org/drawingml/2006/main" xmlns:r="http://schemas.openxmlformats.org/officeDocument/2006/relationships" xmlns:p="http://schemas.openxmlformats.org/presentationml/2006/main">
-  <p:cSld>
     <p:bg>
       <p:bgPr>
         <a:solidFill>
@@ -14182,7 +13952,7 @@
 </p:sld>
 </file>
 
-<file path=ppt/slides/slide5.xml><?xml version="1.0" encoding="utf-8"?>
+<file path=ppt/slides/slide4.xml><?xml version="1.0" encoding="utf-8"?>
 <p:sld xmlns:a="http://schemas.openxmlformats.org/drawingml/2006/main" xmlns:r="http://schemas.openxmlformats.org/officeDocument/2006/relationships" xmlns:p="http://schemas.openxmlformats.org/presentationml/2006/main">
   <p:cSld>
     <p:bg>
@@ -14290,7 +14060,7 @@
 </p:sld>
 </file>
 
-<file path=ppt/slides/slide6.xml><?xml version="1.0" encoding="utf-8"?>
+<file path=ppt/slides/slide5.xml><?xml version="1.0" encoding="utf-8"?>
 <p:sld xmlns:a="http://schemas.openxmlformats.org/drawingml/2006/main" xmlns:r="http://schemas.openxmlformats.org/officeDocument/2006/relationships" xmlns:p="http://schemas.openxmlformats.org/presentationml/2006/main">
   <p:cSld>
     <p:spTree>
@@ -14446,7 +14216,7 @@
 </p:sld>
 </file>
 
-<file path=ppt/slides/slide7.xml><?xml version="1.0" encoding="utf-8"?>
+<file path=ppt/slides/slide6.xml><?xml version="1.0" encoding="utf-8"?>
 <p:sld xmlns:a="http://schemas.openxmlformats.org/drawingml/2006/main" xmlns:r="http://schemas.openxmlformats.org/officeDocument/2006/relationships" xmlns:p="http://schemas.openxmlformats.org/presentationml/2006/main">
   <p:cSld>
     <p:bg>

--- a/doc/Presentación_mitad_de_curso_JuanEspinosayNachoRodriguez.pptx
+++ b/doc/Presentación_mitad_de_curso_JuanEspinosayNachoRodriguez.pptx
@@ -1393,7 +1393,7 @@
           <a:noFill/>
           <a:extLst>
             <a:ext uri="{909E8E84-426E-40dd-AFC4-6F175D3DCCD1}">
-              <a14:hiddenFill xmlns:a14="http://schemas.microsoft.com/office/drawing/2010/main" xmlns="">
+              <a14:hiddenFill xmlns="" xmlns:a14="http://schemas.microsoft.com/office/drawing/2010/main">
                 <a:solidFill>
                   <a:srgbClr val="FFFFFF"/>
                 </a:solidFill>
@@ -1452,7 +1452,7 @@
             </a:ln>
             <a:extLst>
               <a:ext uri="{91240B29-F687-4f45-9708-019B960494DF}">
-                <a14:hiddenLine xmlns:a14="http://schemas.microsoft.com/office/drawing/2010/main" xmlns="" w="9525">
+                <a14:hiddenLine xmlns="" xmlns:a14="http://schemas.microsoft.com/office/drawing/2010/main" w="9525">
                   <a:solidFill>
                     <a:srgbClr val="000000"/>
                   </a:solidFill>
@@ -1542,7 +1542,7 @@
             </a:ln>
             <a:extLst>
               <a:ext uri="{91240B29-F687-4f45-9708-019B960494DF}">
-                <a14:hiddenLine xmlns:a14="http://schemas.microsoft.com/office/drawing/2010/main" xmlns="" w="9525">
+                <a14:hiddenLine xmlns="" xmlns:a14="http://schemas.microsoft.com/office/drawing/2010/main" w="9525">
                   <a:solidFill>
                     <a:srgbClr val="000000"/>
                   </a:solidFill>
@@ -1632,7 +1632,7 @@
             </a:ln>
             <a:extLst>
               <a:ext uri="{91240B29-F687-4f45-9708-019B960494DF}">
-                <a14:hiddenLine xmlns:a14="http://schemas.microsoft.com/office/drawing/2010/main" xmlns="" w="9525">
+                <a14:hiddenLine xmlns="" xmlns:a14="http://schemas.microsoft.com/office/drawing/2010/main" w="9525">
                   <a:solidFill>
                     <a:srgbClr val="000000"/>
                   </a:solidFill>
@@ -1666,7 +1666,7 @@
             </a:ln>
             <a:extLst>
               <a:ext uri="{91240B29-F687-4f45-9708-019B960494DF}">
-                <a14:hiddenLine xmlns:a14="http://schemas.microsoft.com/office/drawing/2010/main" xmlns="" w="9525">
+                <a14:hiddenLine xmlns="" xmlns:a14="http://schemas.microsoft.com/office/drawing/2010/main" w="9525">
                   <a:solidFill>
                     <a:srgbClr val="000000"/>
                   </a:solidFill>
@@ -1756,7 +1756,7 @@
             </a:ln>
             <a:extLst>
               <a:ext uri="{91240B29-F687-4f45-9708-019B960494DF}">
-                <a14:hiddenLine xmlns:a14="http://schemas.microsoft.com/office/drawing/2010/main" xmlns="" w="9525">
+                <a14:hiddenLine xmlns="" xmlns:a14="http://schemas.microsoft.com/office/drawing/2010/main" w="9525">
                   <a:solidFill>
                     <a:srgbClr val="000000"/>
                   </a:solidFill>
@@ -1818,7 +1818,7 @@
             </a:ln>
             <a:extLst>
               <a:ext uri="{91240B29-F687-4f45-9708-019B960494DF}">
-                <a14:hiddenLine xmlns:a14="http://schemas.microsoft.com/office/drawing/2010/main" xmlns="" w="9525">
+                <a14:hiddenLine xmlns="" xmlns:a14="http://schemas.microsoft.com/office/drawing/2010/main" w="9525">
                   <a:solidFill>
                     <a:srgbClr val="000000"/>
                   </a:solidFill>
@@ -1880,7 +1880,7 @@
             </a:ln>
             <a:extLst>
               <a:ext uri="{91240B29-F687-4f45-9708-019B960494DF}">
-                <a14:hiddenLine xmlns:a14="http://schemas.microsoft.com/office/drawing/2010/main" xmlns="" w="9525">
+                <a14:hiddenLine xmlns="" xmlns:a14="http://schemas.microsoft.com/office/drawing/2010/main" w="9525">
                   <a:solidFill>
                     <a:srgbClr val="000000"/>
                   </a:solidFill>
@@ -1970,7 +1970,7 @@
             </a:ln>
             <a:extLst>
               <a:ext uri="{91240B29-F687-4f45-9708-019B960494DF}">
-                <a14:hiddenLine xmlns:a14="http://schemas.microsoft.com/office/drawing/2010/main" xmlns="" w="9525">
+                <a14:hiddenLine xmlns="" xmlns:a14="http://schemas.microsoft.com/office/drawing/2010/main" w="9525">
                   <a:solidFill>
                     <a:srgbClr val="000000"/>
                   </a:solidFill>
@@ -2032,7 +2032,7 @@
             </a:ln>
             <a:extLst>
               <a:ext uri="{91240B29-F687-4f45-9708-019B960494DF}">
-                <a14:hiddenLine xmlns:a14="http://schemas.microsoft.com/office/drawing/2010/main" xmlns="" w="9525">
+                <a14:hiddenLine xmlns="" xmlns:a14="http://schemas.microsoft.com/office/drawing/2010/main" w="9525">
                   <a:solidFill>
                     <a:srgbClr val="000000"/>
                   </a:solidFill>
@@ -2094,7 +2094,7 @@
             </a:ln>
             <a:extLst>
               <a:ext uri="{91240B29-F687-4f45-9708-019B960494DF}">
-                <a14:hiddenLine xmlns:a14="http://schemas.microsoft.com/office/drawing/2010/main" xmlns="" w="9525">
+                <a14:hiddenLine xmlns="" xmlns:a14="http://schemas.microsoft.com/office/drawing/2010/main" w="9525">
                   <a:solidFill>
                     <a:srgbClr val="000000"/>
                   </a:solidFill>
@@ -2184,7 +2184,7 @@
             </a:ln>
             <a:extLst>
               <a:ext uri="{91240B29-F687-4f45-9708-019B960494DF}">
-                <a14:hiddenLine xmlns:a14="http://schemas.microsoft.com/office/drawing/2010/main" xmlns="" w="9525">
+                <a14:hiddenLine xmlns="" xmlns:a14="http://schemas.microsoft.com/office/drawing/2010/main" w="9525">
                   <a:solidFill>
                     <a:srgbClr val="000000"/>
                   </a:solidFill>
@@ -2274,7 +2274,7 @@
             </a:ln>
             <a:extLst>
               <a:ext uri="{91240B29-F687-4f45-9708-019B960494DF}">
-                <a14:hiddenLine xmlns:a14="http://schemas.microsoft.com/office/drawing/2010/main" xmlns="" w="9525">
+                <a14:hiddenLine xmlns="" xmlns:a14="http://schemas.microsoft.com/office/drawing/2010/main" w="9525">
                   <a:solidFill>
                     <a:srgbClr val="000000"/>
                   </a:solidFill>
@@ -2336,7 +2336,7 @@
             </a:ln>
             <a:extLst>
               <a:ext uri="{91240B29-F687-4f45-9708-019B960494DF}">
-                <a14:hiddenLine xmlns:a14="http://schemas.microsoft.com/office/drawing/2010/main" xmlns="" w="9525">
+                <a14:hiddenLine xmlns="" xmlns:a14="http://schemas.microsoft.com/office/drawing/2010/main" w="9525">
                   <a:solidFill>
                     <a:srgbClr val="000000"/>
                   </a:solidFill>
@@ -2446,7 +2446,7 @@
             </a:ln>
             <a:extLst>
               <a:ext uri="{91240B29-F687-4f45-9708-019B960494DF}">
-                <a14:hiddenLine xmlns:a14="http://schemas.microsoft.com/office/drawing/2010/main" xmlns="" w="9525">
+                <a14:hiddenLine xmlns="" xmlns:a14="http://schemas.microsoft.com/office/drawing/2010/main" w="9525">
                   <a:solidFill>
                     <a:srgbClr val="000000"/>
                   </a:solidFill>
@@ -2508,7 +2508,7 @@
             </a:ln>
             <a:extLst>
               <a:ext uri="{91240B29-F687-4f45-9708-019B960494DF}">
-                <a14:hiddenLine xmlns:a14="http://schemas.microsoft.com/office/drawing/2010/main" xmlns="" w="9525">
+                <a14:hiddenLine xmlns="" xmlns:a14="http://schemas.microsoft.com/office/drawing/2010/main" w="9525">
                   <a:solidFill>
                     <a:srgbClr val="000000"/>
                   </a:solidFill>
@@ -2598,7 +2598,7 @@
             </a:ln>
             <a:extLst>
               <a:ext uri="{91240B29-F687-4f45-9708-019B960494DF}">
-                <a14:hiddenLine xmlns:a14="http://schemas.microsoft.com/office/drawing/2010/main" xmlns="" w="9525">
+                <a14:hiddenLine xmlns="" xmlns:a14="http://schemas.microsoft.com/office/drawing/2010/main" w="9525">
                   <a:solidFill>
                     <a:srgbClr val="000000"/>
                   </a:solidFill>
@@ -2688,7 +2688,7 @@
             </a:ln>
             <a:extLst>
               <a:ext uri="{91240B29-F687-4f45-9708-019B960494DF}">
-                <a14:hiddenLine xmlns:a14="http://schemas.microsoft.com/office/drawing/2010/main" xmlns="" w="9525">
+                <a14:hiddenLine xmlns="" xmlns:a14="http://schemas.microsoft.com/office/drawing/2010/main" w="9525">
                   <a:solidFill>
                     <a:srgbClr val="000000"/>
                   </a:solidFill>
@@ -2750,7 +2750,7 @@
             </a:ln>
             <a:extLst>
               <a:ext uri="{91240B29-F687-4f45-9708-019B960494DF}">
-                <a14:hiddenLine xmlns:a14="http://schemas.microsoft.com/office/drawing/2010/main" xmlns="" w="9525">
+                <a14:hiddenLine xmlns="" xmlns:a14="http://schemas.microsoft.com/office/drawing/2010/main" w="9525">
                   <a:solidFill>
                     <a:srgbClr val="000000"/>
                   </a:solidFill>
@@ -2840,7 +2840,7 @@
             </a:ln>
             <a:extLst>
               <a:ext uri="{91240B29-F687-4f45-9708-019B960494DF}">
-                <a14:hiddenLine xmlns:a14="http://schemas.microsoft.com/office/drawing/2010/main" xmlns="" w="9525">
+                <a14:hiddenLine xmlns="" xmlns:a14="http://schemas.microsoft.com/office/drawing/2010/main" w="9525">
                   <a:solidFill>
                     <a:srgbClr val="000000"/>
                   </a:solidFill>
@@ -2930,7 +2930,7 @@
             </a:ln>
             <a:extLst>
               <a:ext uri="{91240B29-F687-4f45-9708-019B960494DF}">
-                <a14:hiddenLine xmlns:a14="http://schemas.microsoft.com/office/drawing/2010/main" xmlns="" w="9525">
+                <a14:hiddenLine xmlns="" xmlns:a14="http://schemas.microsoft.com/office/drawing/2010/main" w="9525">
                   <a:solidFill>
                     <a:srgbClr val="000000"/>
                   </a:solidFill>
@@ -2986,7 +2986,7 @@
             </a:ln>
             <a:extLst>
               <a:ext uri="{91240B29-F687-4f45-9708-019B960494DF}">
-                <a14:hiddenLine xmlns:a14="http://schemas.microsoft.com/office/drawing/2010/main" xmlns="" w="9525">
+                <a14:hiddenLine xmlns="" xmlns:a14="http://schemas.microsoft.com/office/drawing/2010/main" w="9525">
                   <a:solidFill>
                     <a:srgbClr val="000000"/>
                   </a:solidFill>
@@ -3076,7 +3076,7 @@
             </a:ln>
             <a:extLst>
               <a:ext uri="{91240B29-F687-4f45-9708-019B960494DF}">
-                <a14:hiddenLine xmlns:a14="http://schemas.microsoft.com/office/drawing/2010/main" xmlns="" w="9525">
+                <a14:hiddenLine xmlns="" xmlns:a14="http://schemas.microsoft.com/office/drawing/2010/main" w="9525">
                   <a:solidFill>
                     <a:srgbClr val="000000"/>
                   </a:solidFill>
@@ -3132,7 +3132,7 @@
             </a:ln>
             <a:extLst>
               <a:ext uri="{91240B29-F687-4f45-9708-019B960494DF}">
-                <a14:hiddenLine xmlns:a14="http://schemas.microsoft.com/office/drawing/2010/main" xmlns="" w="9525">
+                <a14:hiddenLine xmlns="" xmlns:a14="http://schemas.microsoft.com/office/drawing/2010/main" w="9525">
                   <a:solidFill>
                     <a:srgbClr val="000000"/>
                   </a:solidFill>
@@ -3222,7 +3222,7 @@
             </a:ln>
             <a:extLst>
               <a:ext uri="{91240B29-F687-4f45-9708-019B960494DF}">
-                <a14:hiddenLine xmlns:a14="http://schemas.microsoft.com/office/drawing/2010/main" xmlns="" w="9525">
+                <a14:hiddenLine xmlns="" xmlns:a14="http://schemas.microsoft.com/office/drawing/2010/main" w="9525">
                   <a:solidFill>
                     <a:srgbClr val="000000"/>
                   </a:solidFill>
@@ -3290,7 +3290,7 @@
             </a:ln>
             <a:extLst>
               <a:ext uri="{91240B29-F687-4f45-9708-019B960494DF}">
-                <a14:hiddenLine xmlns:a14="http://schemas.microsoft.com/office/drawing/2010/main" xmlns="" w="9525">
+                <a14:hiddenLine xmlns="" xmlns:a14="http://schemas.microsoft.com/office/drawing/2010/main" w="9525">
                   <a:solidFill>
                     <a:srgbClr val="000000"/>
                   </a:solidFill>
@@ -3380,7 +3380,7 @@
             </a:ln>
             <a:extLst>
               <a:ext uri="{91240B29-F687-4f45-9708-019B960494DF}">
-                <a14:hiddenLine xmlns:a14="http://schemas.microsoft.com/office/drawing/2010/main" xmlns="" w="9525">
+                <a14:hiddenLine xmlns="" xmlns:a14="http://schemas.microsoft.com/office/drawing/2010/main" w="9525">
                   <a:solidFill>
                     <a:srgbClr val="000000"/>
                   </a:solidFill>
@@ -3448,7 +3448,7 @@
             </a:ln>
             <a:extLst>
               <a:ext uri="{91240B29-F687-4f45-9708-019B960494DF}">
-                <a14:hiddenLine xmlns:a14="http://schemas.microsoft.com/office/drawing/2010/main" xmlns="" w="9525">
+                <a14:hiddenLine xmlns="" xmlns:a14="http://schemas.microsoft.com/office/drawing/2010/main" w="9525">
                   <a:solidFill>
                     <a:srgbClr val="000000"/>
                   </a:solidFill>
@@ -3538,7 +3538,7 @@
             </a:ln>
             <a:extLst>
               <a:ext uri="{91240B29-F687-4f45-9708-019B960494DF}">
-                <a14:hiddenLine xmlns:a14="http://schemas.microsoft.com/office/drawing/2010/main" xmlns="" w="9525">
+                <a14:hiddenLine xmlns="" xmlns:a14="http://schemas.microsoft.com/office/drawing/2010/main" w="9525">
                   <a:solidFill>
                     <a:srgbClr val="000000"/>
                   </a:solidFill>
@@ -3572,7 +3572,7 @@
             </a:ln>
             <a:extLst>
               <a:ext uri="{91240B29-F687-4f45-9708-019B960494DF}">
-                <a14:hiddenLine xmlns:a14="http://schemas.microsoft.com/office/drawing/2010/main" xmlns="" w="9525">
+                <a14:hiddenLine xmlns="" xmlns:a14="http://schemas.microsoft.com/office/drawing/2010/main" w="9525">
                   <a:solidFill>
                     <a:srgbClr val="000000"/>
                   </a:solidFill>
@@ -3662,7 +3662,7 @@
             </a:ln>
             <a:extLst>
               <a:ext uri="{91240B29-F687-4f45-9708-019B960494DF}">
-                <a14:hiddenLine xmlns:a14="http://schemas.microsoft.com/office/drawing/2010/main" xmlns="" w="9525">
+                <a14:hiddenLine xmlns="" xmlns:a14="http://schemas.microsoft.com/office/drawing/2010/main" w="9525">
                   <a:solidFill>
                     <a:srgbClr val="000000"/>
                   </a:solidFill>
@@ -3724,7 +3724,7 @@
             </a:ln>
             <a:extLst>
               <a:ext uri="{91240B29-F687-4f45-9708-019B960494DF}">
-                <a14:hiddenLine xmlns:a14="http://schemas.microsoft.com/office/drawing/2010/main" xmlns="" w="9525">
+                <a14:hiddenLine xmlns="" xmlns:a14="http://schemas.microsoft.com/office/drawing/2010/main" w="9525">
                   <a:solidFill>
                     <a:srgbClr val="000000"/>
                   </a:solidFill>
@@ -3786,7 +3786,7 @@
             </a:ln>
             <a:extLst>
               <a:ext uri="{91240B29-F687-4f45-9708-019B960494DF}">
-                <a14:hiddenLine xmlns:a14="http://schemas.microsoft.com/office/drawing/2010/main" xmlns="" w="9525">
+                <a14:hiddenLine xmlns="" xmlns:a14="http://schemas.microsoft.com/office/drawing/2010/main" w="9525">
                   <a:solidFill>
                     <a:srgbClr val="000000"/>
                   </a:solidFill>
@@ -3876,7 +3876,7 @@
             </a:ln>
             <a:extLst>
               <a:ext uri="{91240B29-F687-4f45-9708-019B960494DF}">
-                <a14:hiddenLine xmlns:a14="http://schemas.microsoft.com/office/drawing/2010/main" xmlns="" w="9525">
+                <a14:hiddenLine xmlns="" xmlns:a14="http://schemas.microsoft.com/office/drawing/2010/main" w="9525">
                   <a:solidFill>
                     <a:srgbClr val="000000"/>
                   </a:solidFill>
@@ -3944,7 +3944,7 @@
             </a:ln>
             <a:extLst>
               <a:ext uri="{91240B29-F687-4f45-9708-019B960494DF}">
-                <a14:hiddenLine xmlns:a14="http://schemas.microsoft.com/office/drawing/2010/main" xmlns="" w="9525">
+                <a14:hiddenLine xmlns="" xmlns:a14="http://schemas.microsoft.com/office/drawing/2010/main" w="9525">
                   <a:solidFill>
                     <a:srgbClr val="000000"/>
                   </a:solidFill>
@@ -4006,7 +4006,7 @@
             </a:ln>
             <a:extLst>
               <a:ext uri="{91240B29-F687-4f45-9708-019B960494DF}">
-                <a14:hiddenLine xmlns:a14="http://schemas.microsoft.com/office/drawing/2010/main" xmlns="" w="9525">
+                <a14:hiddenLine xmlns="" xmlns:a14="http://schemas.microsoft.com/office/drawing/2010/main" w="9525">
                   <a:solidFill>
                     <a:srgbClr val="000000"/>
                   </a:solidFill>
@@ -4096,7 +4096,7 @@
             </a:ln>
             <a:extLst>
               <a:ext uri="{91240B29-F687-4f45-9708-019B960494DF}">
-                <a14:hiddenLine xmlns:a14="http://schemas.microsoft.com/office/drawing/2010/main" xmlns="" w="9525">
+                <a14:hiddenLine xmlns="" xmlns:a14="http://schemas.microsoft.com/office/drawing/2010/main" w="9525">
                   <a:solidFill>
                     <a:srgbClr val="000000"/>
                   </a:solidFill>
@@ -4158,7 +4158,7 @@
             </a:ln>
             <a:extLst>
               <a:ext uri="{91240B29-F687-4f45-9708-019B960494DF}">
-                <a14:hiddenLine xmlns:a14="http://schemas.microsoft.com/office/drawing/2010/main" xmlns="" w="9525">
+                <a14:hiddenLine xmlns="" xmlns:a14="http://schemas.microsoft.com/office/drawing/2010/main" w="9525">
                   <a:solidFill>
                     <a:srgbClr val="000000"/>
                   </a:solidFill>
@@ -4248,7 +4248,7 @@
             </a:ln>
             <a:extLst>
               <a:ext uri="{91240B29-F687-4f45-9708-019B960494DF}">
-                <a14:hiddenLine xmlns:a14="http://schemas.microsoft.com/office/drawing/2010/main" xmlns="" w="9525">
+                <a14:hiddenLine xmlns="" xmlns:a14="http://schemas.microsoft.com/office/drawing/2010/main" w="9525">
                   <a:solidFill>
                     <a:srgbClr val="000000"/>
                   </a:solidFill>
@@ -4310,7 +4310,7 @@
             </a:ln>
             <a:extLst>
               <a:ext uri="{91240B29-F687-4f45-9708-019B960494DF}">
-                <a14:hiddenLine xmlns:a14="http://schemas.microsoft.com/office/drawing/2010/main" xmlns="" w="9525">
+                <a14:hiddenLine xmlns="" xmlns:a14="http://schemas.microsoft.com/office/drawing/2010/main" w="9525">
                   <a:solidFill>
                     <a:srgbClr val="000000"/>
                   </a:solidFill>
@@ -4400,7 +4400,7 @@
             </a:ln>
             <a:extLst>
               <a:ext uri="{91240B29-F687-4f45-9708-019B960494DF}">
-                <a14:hiddenLine xmlns:a14="http://schemas.microsoft.com/office/drawing/2010/main" xmlns="" w="9525">
+                <a14:hiddenLine xmlns="" xmlns:a14="http://schemas.microsoft.com/office/drawing/2010/main" w="9525">
                   <a:solidFill>
                     <a:srgbClr val="000000"/>
                   </a:solidFill>
@@ -4434,7 +4434,7 @@
             </a:ln>
             <a:extLst>
               <a:ext uri="{91240B29-F687-4f45-9708-019B960494DF}">
-                <a14:hiddenLine xmlns:a14="http://schemas.microsoft.com/office/drawing/2010/main" xmlns="" w="9525">
+                <a14:hiddenLine xmlns="" xmlns:a14="http://schemas.microsoft.com/office/drawing/2010/main" w="9525">
                   <a:solidFill>
                     <a:srgbClr val="000000"/>
                   </a:solidFill>
@@ -4499,7 +4499,7 @@
             </a:ln>
             <a:extLst>
               <a:ext uri="{91240B29-F687-4f45-9708-019B960494DF}">
-                <a14:hiddenLine xmlns:a14="http://schemas.microsoft.com/office/drawing/2010/main" xmlns="" w="9525">
+                <a14:hiddenLine xmlns="" xmlns:a14="http://schemas.microsoft.com/office/drawing/2010/main" w="9525">
                   <a:solidFill>
                     <a:srgbClr val="000000"/>
                   </a:solidFill>
@@ -4589,7 +4589,7 @@
             </a:ln>
             <a:extLst>
               <a:ext uri="{91240B29-F687-4f45-9708-019B960494DF}">
-                <a14:hiddenLine xmlns:a14="http://schemas.microsoft.com/office/drawing/2010/main" xmlns="" w="9525">
+                <a14:hiddenLine xmlns="" xmlns:a14="http://schemas.microsoft.com/office/drawing/2010/main" w="9525">
                   <a:solidFill>
                     <a:srgbClr val="000000"/>
                   </a:solidFill>
@@ -4651,7 +4651,7 @@
             </a:ln>
             <a:extLst>
               <a:ext uri="{91240B29-F687-4f45-9708-019B960494DF}">
-                <a14:hiddenLine xmlns:a14="http://schemas.microsoft.com/office/drawing/2010/main" xmlns="" w="9525">
+                <a14:hiddenLine xmlns="" xmlns:a14="http://schemas.microsoft.com/office/drawing/2010/main" w="9525">
                   <a:solidFill>
                     <a:srgbClr val="000000"/>
                   </a:solidFill>
@@ -4741,7 +4741,7 @@
             </a:ln>
             <a:extLst>
               <a:ext uri="{91240B29-F687-4f45-9708-019B960494DF}">
-                <a14:hiddenLine xmlns:a14="http://schemas.microsoft.com/office/drawing/2010/main" xmlns="" w="9525">
+                <a14:hiddenLine xmlns="" xmlns:a14="http://schemas.microsoft.com/office/drawing/2010/main" w="9525">
                   <a:solidFill>
                     <a:srgbClr val="000000"/>
                   </a:solidFill>
@@ -4831,7 +4831,7 @@
             </a:ln>
             <a:extLst>
               <a:ext uri="{91240B29-F687-4f45-9708-019B960494DF}">
-                <a14:hiddenLine xmlns:a14="http://schemas.microsoft.com/office/drawing/2010/main" xmlns="" w="9525">
+                <a14:hiddenLine xmlns="" xmlns:a14="http://schemas.microsoft.com/office/drawing/2010/main" w="9525">
                   <a:solidFill>
                     <a:srgbClr val="000000"/>
                   </a:solidFill>
@@ -4896,7 +4896,7 @@
             </a:ln>
             <a:extLst>
               <a:ext uri="{91240B29-F687-4f45-9708-019B960494DF}">
-                <a14:hiddenLine xmlns:a14="http://schemas.microsoft.com/office/drawing/2010/main" xmlns="" w="9525">
+                <a14:hiddenLine xmlns="" xmlns:a14="http://schemas.microsoft.com/office/drawing/2010/main" w="9525">
                   <a:solidFill>
                     <a:srgbClr val="000000"/>
                   </a:solidFill>
@@ -4958,7 +4958,7 @@
             </a:ln>
             <a:extLst>
               <a:ext uri="{91240B29-F687-4f45-9708-019B960494DF}">
-                <a14:hiddenLine xmlns:a14="http://schemas.microsoft.com/office/drawing/2010/main" xmlns="" w="9525">
+                <a14:hiddenLine xmlns="" xmlns:a14="http://schemas.microsoft.com/office/drawing/2010/main" w="9525">
                   <a:solidFill>
                     <a:srgbClr val="000000"/>
                   </a:solidFill>
@@ -5048,7 +5048,7 @@
             </a:ln>
             <a:extLst>
               <a:ext uri="{91240B29-F687-4f45-9708-019B960494DF}">
-                <a14:hiddenLine xmlns:a14="http://schemas.microsoft.com/office/drawing/2010/main" xmlns="" w="9525">
+                <a14:hiddenLine xmlns="" xmlns:a14="http://schemas.microsoft.com/office/drawing/2010/main" w="9525">
                   <a:solidFill>
                     <a:srgbClr val="000000"/>
                   </a:solidFill>
@@ -5138,7 +5138,7 @@
             </a:ln>
             <a:extLst>
               <a:ext uri="{91240B29-F687-4f45-9708-019B960494DF}">
-                <a14:hiddenLine xmlns:a14="http://schemas.microsoft.com/office/drawing/2010/main" xmlns="" w="9525">
+                <a14:hiddenLine xmlns="" xmlns:a14="http://schemas.microsoft.com/office/drawing/2010/main" w="9525">
                   <a:solidFill>
                     <a:srgbClr val="000000"/>
                   </a:solidFill>
@@ -5200,7 +5200,7 @@
             </a:ln>
             <a:extLst>
               <a:ext uri="{91240B29-F687-4f45-9708-019B960494DF}">
-                <a14:hiddenLine xmlns:a14="http://schemas.microsoft.com/office/drawing/2010/main" xmlns="" w="9525">
+                <a14:hiddenLine xmlns="" xmlns:a14="http://schemas.microsoft.com/office/drawing/2010/main" w="9525">
                   <a:solidFill>
                     <a:srgbClr val="000000"/>
                   </a:solidFill>
@@ -5320,7 +5320,7 @@
             </a:ln>
             <a:extLst>
               <a:ext uri="{91240B29-F687-4f45-9708-019B960494DF}">
-                <a14:hiddenLine xmlns:a14="http://schemas.microsoft.com/office/drawing/2010/main" xmlns="" w="9525">
+                <a14:hiddenLine xmlns="" xmlns:a14="http://schemas.microsoft.com/office/drawing/2010/main" w="9525">
                   <a:solidFill>
                     <a:srgbClr val="000000"/>
                   </a:solidFill>
@@ -5388,7 +5388,7 @@
             </a:ln>
             <a:extLst>
               <a:ext uri="{91240B29-F687-4f45-9708-019B960494DF}">
-                <a14:hiddenLine xmlns:a14="http://schemas.microsoft.com/office/drawing/2010/main" xmlns="" w="9525">
+                <a14:hiddenLine xmlns="" xmlns:a14="http://schemas.microsoft.com/office/drawing/2010/main" w="9525">
                   <a:solidFill>
                     <a:srgbClr val="000000"/>
                   </a:solidFill>
@@ -5478,7 +5478,7 @@
             </a:ln>
             <a:extLst>
               <a:ext uri="{91240B29-F687-4f45-9708-019B960494DF}">
-                <a14:hiddenLine xmlns:a14="http://schemas.microsoft.com/office/drawing/2010/main" xmlns="" w="9525">
+                <a14:hiddenLine xmlns="" xmlns:a14="http://schemas.microsoft.com/office/drawing/2010/main" w="9525">
                   <a:solidFill>
                     <a:srgbClr val="000000"/>
                   </a:solidFill>
@@ -10207,7 +10207,7 @@
           <a:noFill/>
           <a:extLst>
             <a:ext uri="{909E8E84-426E-40dd-AFC4-6F175D3DCCD1}">
-              <a14:hiddenFill xmlns:a14="http://schemas.microsoft.com/office/drawing/2010/main" xmlns="">
+              <a14:hiddenFill xmlns="" xmlns:a14="http://schemas.microsoft.com/office/drawing/2010/main">
                 <a:solidFill>
                   <a:srgbClr val="FFFFFF"/>
                 </a:solidFill>
@@ -10281,7 +10281,7 @@
               </a:ln>
               <a:extLst>
                 <a:ext uri="{91240B29-F687-4f45-9708-019B960494DF}">
-                  <a14:hiddenLine xmlns:a14="http://schemas.microsoft.com/office/drawing/2010/main" xmlns="" w="9525">
+                  <a14:hiddenLine xmlns="" xmlns:a14="http://schemas.microsoft.com/office/drawing/2010/main" w="9525">
                     <a:solidFill>
                       <a:srgbClr val="000000"/>
                     </a:solidFill>
@@ -10371,7 +10371,7 @@
               </a:ln>
               <a:extLst>
                 <a:ext uri="{91240B29-F687-4f45-9708-019B960494DF}">
-                  <a14:hiddenLine xmlns:a14="http://schemas.microsoft.com/office/drawing/2010/main" xmlns="" w="9525">
+                  <a14:hiddenLine xmlns="" xmlns:a14="http://schemas.microsoft.com/office/drawing/2010/main" w="9525">
                     <a:solidFill>
                       <a:srgbClr val="000000"/>
                     </a:solidFill>
@@ -10461,7 +10461,7 @@
               </a:ln>
               <a:extLst>
                 <a:ext uri="{91240B29-F687-4f45-9708-019B960494DF}">
-                  <a14:hiddenLine xmlns:a14="http://schemas.microsoft.com/office/drawing/2010/main" xmlns="" w="9525">
+                  <a14:hiddenLine xmlns="" xmlns:a14="http://schemas.microsoft.com/office/drawing/2010/main" w="9525">
                     <a:solidFill>
                       <a:srgbClr val="000000"/>
                     </a:solidFill>
@@ -10523,7 +10523,7 @@
               </a:ln>
               <a:extLst>
                 <a:ext uri="{91240B29-F687-4f45-9708-019B960494DF}">
-                  <a14:hiddenLine xmlns:a14="http://schemas.microsoft.com/office/drawing/2010/main" xmlns="" w="9525">
+                  <a14:hiddenLine xmlns="" xmlns:a14="http://schemas.microsoft.com/office/drawing/2010/main" w="9525">
                     <a:solidFill>
                       <a:srgbClr val="000000"/>
                     </a:solidFill>
@@ -10613,7 +10613,7 @@
               </a:ln>
               <a:extLst>
                 <a:ext uri="{91240B29-F687-4f45-9708-019B960494DF}">
-                  <a14:hiddenLine xmlns:a14="http://schemas.microsoft.com/office/drawing/2010/main" xmlns="" w="9525">
+                  <a14:hiddenLine xmlns="" xmlns:a14="http://schemas.microsoft.com/office/drawing/2010/main" w="9525">
                     <a:solidFill>
                       <a:srgbClr val="000000"/>
                     </a:solidFill>
@@ -10675,7 +10675,7 @@
               </a:ln>
               <a:extLst>
                 <a:ext uri="{91240B29-F687-4f45-9708-019B960494DF}">
-                  <a14:hiddenLine xmlns:a14="http://schemas.microsoft.com/office/drawing/2010/main" xmlns="" w="9525">
+                  <a14:hiddenLine xmlns="" xmlns:a14="http://schemas.microsoft.com/office/drawing/2010/main" w="9525">
                     <a:solidFill>
                       <a:srgbClr val="000000"/>
                     </a:solidFill>
@@ -10737,7 +10737,7 @@
               </a:ln>
               <a:extLst>
                 <a:ext uri="{91240B29-F687-4f45-9708-019B960494DF}">
-                  <a14:hiddenLine xmlns:a14="http://schemas.microsoft.com/office/drawing/2010/main" xmlns="" w="9525">
+                  <a14:hiddenLine xmlns="" xmlns:a14="http://schemas.microsoft.com/office/drawing/2010/main" w="9525">
                     <a:solidFill>
                       <a:srgbClr val="000000"/>
                     </a:solidFill>
@@ -10827,7 +10827,7 @@
               </a:ln>
               <a:extLst>
                 <a:ext uri="{91240B29-F687-4f45-9708-019B960494DF}">
-                  <a14:hiddenLine xmlns:a14="http://schemas.microsoft.com/office/drawing/2010/main" xmlns="" w="9525">
+                  <a14:hiddenLine xmlns="" xmlns:a14="http://schemas.microsoft.com/office/drawing/2010/main" w="9525">
                     <a:solidFill>
                       <a:srgbClr val="000000"/>
                     </a:solidFill>
@@ -10917,7 +10917,7 @@
               </a:ln>
               <a:extLst>
                 <a:ext uri="{91240B29-F687-4f45-9708-019B960494DF}">
-                  <a14:hiddenLine xmlns:a14="http://schemas.microsoft.com/office/drawing/2010/main" xmlns="" w="9525">
+                  <a14:hiddenLine xmlns="" xmlns:a14="http://schemas.microsoft.com/office/drawing/2010/main" w="9525">
                     <a:solidFill>
                       <a:srgbClr val="000000"/>
                     </a:solidFill>
@@ -10979,7 +10979,7 @@
               </a:ln>
               <a:extLst>
                 <a:ext uri="{91240B29-F687-4f45-9708-019B960494DF}">
-                  <a14:hiddenLine xmlns:a14="http://schemas.microsoft.com/office/drawing/2010/main" xmlns="" w="9525">
+                  <a14:hiddenLine xmlns="" xmlns:a14="http://schemas.microsoft.com/office/drawing/2010/main" w="9525">
                     <a:solidFill>
                       <a:srgbClr val="000000"/>
                     </a:solidFill>
@@ -11089,7 +11089,7 @@
               </a:ln>
               <a:extLst>
                 <a:ext uri="{91240B29-F687-4f45-9708-019B960494DF}">
-                  <a14:hiddenLine xmlns:a14="http://schemas.microsoft.com/office/drawing/2010/main" xmlns="" w="9525">
+                  <a14:hiddenLine xmlns="" xmlns:a14="http://schemas.microsoft.com/office/drawing/2010/main" w="9525">
                     <a:solidFill>
                       <a:srgbClr val="000000"/>
                     </a:solidFill>
@@ -11173,7 +11173,7 @@
               </a:ln>
               <a:extLst>
                 <a:ext uri="{91240B29-F687-4f45-9708-019B960494DF}">
-                  <a14:hiddenLine xmlns:a14="http://schemas.microsoft.com/office/drawing/2010/main" xmlns="" w="9525">
+                  <a14:hiddenLine xmlns="" xmlns:a14="http://schemas.microsoft.com/office/drawing/2010/main" w="9525">
                     <a:solidFill>
                       <a:srgbClr val="000000"/>
                     </a:solidFill>
@@ -11235,7 +11235,7 @@
               </a:ln>
               <a:extLst>
                 <a:ext uri="{91240B29-F687-4f45-9708-019B960494DF}">
-                  <a14:hiddenLine xmlns:a14="http://schemas.microsoft.com/office/drawing/2010/main" xmlns="" w="9525">
+                  <a14:hiddenLine xmlns="" xmlns:a14="http://schemas.microsoft.com/office/drawing/2010/main" w="9525">
                     <a:solidFill>
                       <a:srgbClr val="000000"/>
                     </a:solidFill>
@@ -11297,7 +11297,7 @@
               </a:ln>
               <a:extLst>
                 <a:ext uri="{91240B29-F687-4f45-9708-019B960494DF}">
-                  <a14:hiddenLine xmlns:a14="http://schemas.microsoft.com/office/drawing/2010/main" xmlns="" w="9525">
+                  <a14:hiddenLine xmlns="" xmlns:a14="http://schemas.microsoft.com/office/drawing/2010/main" w="9525">
                     <a:solidFill>
                       <a:srgbClr val="000000"/>
                     </a:solidFill>
@@ -11387,7 +11387,7 @@
               </a:ln>
               <a:extLst>
                 <a:ext uri="{91240B29-F687-4f45-9708-019B960494DF}">
-                  <a14:hiddenLine xmlns:a14="http://schemas.microsoft.com/office/drawing/2010/main" xmlns="" w="9525">
+                  <a14:hiddenLine xmlns="" xmlns:a14="http://schemas.microsoft.com/office/drawing/2010/main" w="9525">
                     <a:solidFill>
                       <a:srgbClr val="000000"/>
                     </a:solidFill>
@@ -11421,7 +11421,7 @@
               </a:ln>
               <a:extLst>
                 <a:ext uri="{91240B29-F687-4f45-9708-019B960494DF}">
-                  <a14:hiddenLine xmlns:a14="http://schemas.microsoft.com/office/drawing/2010/main" xmlns="" w="9525">
+                  <a14:hiddenLine xmlns="" xmlns:a14="http://schemas.microsoft.com/office/drawing/2010/main" w="9525">
                     <a:solidFill>
                       <a:srgbClr val="000000"/>
                     </a:solidFill>
@@ -11486,7 +11486,7 @@
               </a:ln>
               <a:extLst>
                 <a:ext uri="{91240B29-F687-4f45-9708-019B960494DF}">
-                  <a14:hiddenLine xmlns:a14="http://schemas.microsoft.com/office/drawing/2010/main" xmlns="" w="9525">
+                  <a14:hiddenLine xmlns="" xmlns:a14="http://schemas.microsoft.com/office/drawing/2010/main" w="9525">
                     <a:solidFill>
                       <a:srgbClr val="000000"/>
                     </a:solidFill>
@@ -11576,7 +11576,7 @@
               </a:ln>
               <a:extLst>
                 <a:ext uri="{91240B29-F687-4f45-9708-019B960494DF}">
-                  <a14:hiddenLine xmlns:a14="http://schemas.microsoft.com/office/drawing/2010/main" xmlns="" w="9525">
+                  <a14:hiddenLine xmlns="" xmlns:a14="http://schemas.microsoft.com/office/drawing/2010/main" w="9525">
                     <a:solidFill>
                       <a:srgbClr val="000000"/>
                     </a:solidFill>
@@ -11638,7 +11638,7 @@
               </a:ln>
               <a:extLst>
                 <a:ext uri="{91240B29-F687-4f45-9708-019B960494DF}">
-                  <a14:hiddenLine xmlns:a14="http://schemas.microsoft.com/office/drawing/2010/main" xmlns="" w="9525">
+                  <a14:hiddenLine xmlns="" xmlns:a14="http://schemas.microsoft.com/office/drawing/2010/main" w="9525">
                     <a:solidFill>
                       <a:srgbClr val="000000"/>
                     </a:solidFill>
@@ -11728,7 +11728,7 @@
               </a:ln>
               <a:extLst>
                 <a:ext uri="{91240B29-F687-4f45-9708-019B960494DF}">
-                  <a14:hiddenLine xmlns:a14="http://schemas.microsoft.com/office/drawing/2010/main" xmlns="" w="9525">
+                  <a14:hiddenLine xmlns="" xmlns:a14="http://schemas.microsoft.com/office/drawing/2010/main" w="9525">
                     <a:solidFill>
                       <a:srgbClr val="000000"/>
                     </a:solidFill>
@@ -11793,7 +11793,7 @@
               </a:ln>
               <a:extLst>
                 <a:ext uri="{91240B29-F687-4f45-9708-019B960494DF}">
-                  <a14:hiddenLine xmlns:a14="http://schemas.microsoft.com/office/drawing/2010/main" xmlns="" w="9525">
+                  <a14:hiddenLine xmlns="" xmlns:a14="http://schemas.microsoft.com/office/drawing/2010/main" w="9525">
                     <a:solidFill>
                       <a:srgbClr val="000000"/>
                     </a:solidFill>
@@ -11855,7 +11855,7 @@
               </a:ln>
               <a:extLst>
                 <a:ext uri="{91240B29-F687-4f45-9708-019B960494DF}">
-                  <a14:hiddenLine xmlns:a14="http://schemas.microsoft.com/office/drawing/2010/main" xmlns="" w="9525">
+                  <a14:hiddenLine xmlns="" xmlns:a14="http://schemas.microsoft.com/office/drawing/2010/main" w="9525">
                     <a:solidFill>
                       <a:srgbClr val="000000"/>
                     </a:solidFill>
@@ -11945,7 +11945,7 @@
               </a:ln>
               <a:extLst>
                 <a:ext uri="{91240B29-F687-4f45-9708-019B960494DF}">
-                  <a14:hiddenLine xmlns:a14="http://schemas.microsoft.com/office/drawing/2010/main" xmlns="" w="9525">
+                  <a14:hiddenLine xmlns="" xmlns:a14="http://schemas.microsoft.com/office/drawing/2010/main" w="9525">
                     <a:solidFill>
                       <a:srgbClr val="000000"/>
                     </a:solidFill>
@@ -12035,7 +12035,7 @@
               </a:ln>
               <a:extLst>
                 <a:ext uri="{91240B29-F687-4f45-9708-019B960494DF}">
-                  <a14:hiddenLine xmlns:a14="http://schemas.microsoft.com/office/drawing/2010/main" xmlns="" w="9525">
+                  <a14:hiddenLine xmlns="" xmlns:a14="http://schemas.microsoft.com/office/drawing/2010/main" w="9525">
                     <a:solidFill>
                       <a:srgbClr val="000000"/>
                     </a:solidFill>
@@ -12100,7 +12100,7 @@
               </a:ln>
               <a:extLst>
                 <a:ext uri="{91240B29-F687-4f45-9708-019B960494DF}">
-                  <a14:hiddenLine xmlns:a14="http://schemas.microsoft.com/office/drawing/2010/main" xmlns="" w="9525">
+                  <a14:hiddenLine xmlns="" xmlns:a14="http://schemas.microsoft.com/office/drawing/2010/main" w="9525">
                     <a:solidFill>
                       <a:srgbClr val="000000"/>
                     </a:solidFill>
@@ -12220,7 +12220,7 @@
               </a:ln>
               <a:extLst>
                 <a:ext uri="{91240B29-F687-4f45-9708-019B960494DF}">
-                  <a14:hiddenLine xmlns:a14="http://schemas.microsoft.com/office/drawing/2010/main" xmlns="" w="9525">
+                  <a14:hiddenLine xmlns="" xmlns:a14="http://schemas.microsoft.com/office/drawing/2010/main" w="9525">
                     <a:solidFill>
                       <a:srgbClr val="000000"/>
                     </a:solidFill>
@@ -12301,7 +12301,7 @@
               </a:ln>
               <a:extLst>
                 <a:ext uri="{91240B29-F687-4f45-9708-019B960494DF}">
-                  <a14:hiddenLine xmlns:a14="http://schemas.microsoft.com/office/drawing/2010/main" xmlns="" w="9525">
+                  <a14:hiddenLine xmlns="" xmlns:a14="http://schemas.microsoft.com/office/drawing/2010/main" w="9525">
                     <a:solidFill>
                       <a:srgbClr val="000000"/>
                     </a:solidFill>
@@ -12416,7 +12416,7 @@
               </a:ln>
               <a:extLst>
                 <a:ext uri="{91240B29-F687-4f45-9708-019B960494DF}">
-                  <a14:hiddenLine xmlns:a14="http://schemas.microsoft.com/office/drawing/2010/main" xmlns="" w="9525">
+                  <a14:hiddenLine xmlns="" xmlns:a14="http://schemas.microsoft.com/office/drawing/2010/main" w="9525">
                     <a:solidFill>
                       <a:srgbClr val="000000"/>
                     </a:solidFill>
@@ -12506,7 +12506,7 @@
               </a:ln>
               <a:extLst>
                 <a:ext uri="{91240B29-F687-4f45-9708-019B960494DF}">
-                  <a14:hiddenLine xmlns:a14="http://schemas.microsoft.com/office/drawing/2010/main" xmlns="" w="9525">
+                  <a14:hiddenLine xmlns="" xmlns:a14="http://schemas.microsoft.com/office/drawing/2010/main" w="9525">
                     <a:solidFill>
                       <a:srgbClr val="000000"/>
                     </a:solidFill>
@@ -12571,7 +12571,7 @@
               </a:ln>
               <a:extLst>
                 <a:ext uri="{91240B29-F687-4f45-9708-019B960494DF}">
-                  <a14:hiddenLine xmlns:a14="http://schemas.microsoft.com/office/drawing/2010/main" xmlns="" w="9525">
+                  <a14:hiddenLine xmlns="" xmlns:a14="http://schemas.microsoft.com/office/drawing/2010/main" w="9525">
                     <a:solidFill>
                       <a:srgbClr val="000000"/>
                     </a:solidFill>
@@ -12661,7 +12661,7 @@
               </a:ln>
               <a:extLst>
                 <a:ext uri="{91240B29-F687-4f45-9708-019B960494DF}">
-                  <a14:hiddenLine xmlns:a14="http://schemas.microsoft.com/office/drawing/2010/main" xmlns="" w="9525">
+                  <a14:hiddenLine xmlns="" xmlns:a14="http://schemas.microsoft.com/office/drawing/2010/main" w="9525">
                     <a:solidFill>
                       <a:srgbClr val="000000"/>
                     </a:solidFill>
@@ -12729,7 +12729,7 @@
               </a:ln>
               <a:extLst>
                 <a:ext uri="{91240B29-F687-4f45-9708-019B960494DF}">
-                  <a14:hiddenLine xmlns:a14="http://schemas.microsoft.com/office/drawing/2010/main" xmlns="" w="9525">
+                  <a14:hiddenLine xmlns="" xmlns:a14="http://schemas.microsoft.com/office/drawing/2010/main" w="9525">
                     <a:solidFill>
                       <a:srgbClr val="000000"/>
                     </a:solidFill>
@@ -12819,7 +12819,7 @@
               </a:ln>
               <a:extLst>
                 <a:ext uri="{91240B29-F687-4f45-9708-019B960494DF}">
-                  <a14:hiddenLine xmlns:a14="http://schemas.microsoft.com/office/drawing/2010/main" xmlns="" w="9525">
+                  <a14:hiddenLine xmlns="" xmlns:a14="http://schemas.microsoft.com/office/drawing/2010/main" w="9525">
                     <a:solidFill>
                       <a:srgbClr val="000000"/>
                     </a:solidFill>
@@ -12887,7 +12887,7 @@
               </a:ln>
               <a:extLst>
                 <a:ext uri="{91240B29-F687-4f45-9708-019B960494DF}">
-                  <a14:hiddenLine xmlns:a14="http://schemas.microsoft.com/office/drawing/2010/main" xmlns="" w="9525">
+                  <a14:hiddenLine xmlns="" xmlns:a14="http://schemas.microsoft.com/office/drawing/2010/main" w="9525">
                     <a:solidFill>
                       <a:srgbClr val="000000"/>
                     </a:solidFill>
@@ -12977,7 +12977,7 @@
               </a:ln>
               <a:extLst>
                 <a:ext uri="{91240B29-F687-4f45-9708-019B960494DF}">
-                  <a14:hiddenLine xmlns:a14="http://schemas.microsoft.com/office/drawing/2010/main" xmlns="" w="9525">
+                  <a14:hiddenLine xmlns="" xmlns:a14="http://schemas.microsoft.com/office/drawing/2010/main" w="9525">
                     <a:solidFill>
                       <a:srgbClr val="000000"/>
                     </a:solidFill>
@@ -13011,7 +13011,7 @@
               </a:ln>
               <a:extLst>
                 <a:ext uri="{91240B29-F687-4f45-9708-019B960494DF}">
-                  <a14:hiddenLine xmlns:a14="http://schemas.microsoft.com/office/drawing/2010/main" xmlns="" w="9525">
+                  <a14:hiddenLine xmlns="" xmlns:a14="http://schemas.microsoft.com/office/drawing/2010/main" w="9525">
                     <a:solidFill>
                       <a:srgbClr val="000000"/>
                     </a:solidFill>
@@ -14020,10 +14020,10 @@
       </p:sp>
       <p:pic>
         <p:nvPicPr>
-          <p:cNvPr id="5" name="Marcador de contenido 4" descr="Imagen de la pantalla de un celular con letras&#10;&#10;Descripción generada automáticamente con confianza media">
+          <p:cNvPr id="7" name="Marcador de contenido 6" descr="Diagrama&#10;&#10;Descripción generada automáticamente">
             <a:extLst>
               <a:ext uri="{FF2B5EF4-FFF2-40B4-BE49-F238E27FC236}">
-                <a16:creationId xmlns:a16="http://schemas.microsoft.com/office/drawing/2014/main" id="{13E843F7-DDCC-41B1-AB6B-EAA5B36F7E45}"/>
+                <a16:creationId xmlns:a16="http://schemas.microsoft.com/office/drawing/2014/main" id="{BF7B8341-4CDA-4BEB-84CA-5B10F7F7D77F}"/>
               </a:ext>
             </a:extLst>
           </p:cNvPr>
@@ -14042,8 +14042,8 @@
         </p:blipFill>
         <p:spPr>
           <a:xfrm>
-            <a:off x="3573194" y="1103034"/>
-            <a:ext cx="4726745" cy="5571998"/>
+            <a:off x="2725270" y="1013422"/>
+            <a:ext cx="6741459" cy="5201914"/>
           </a:xfrm>
         </p:spPr>
       </p:pic>

--- a/doc/Presentación_mitad_de_curso_JuanEspinosayNachoRodriguez.pptx
+++ b/doc/Presentación_mitad_de_curso_JuanEspinosayNachoRodriguez.pptx
@@ -515,34 +515,43 @@
           <a:p>
             <a:r>
               <a:rPr lang="es-ES" dirty="0"/>
-              <a:t>Este diagrama UML está basado en un hospital privado en el que encontramos 3 actores principales que son: enfermera, paciente y doctor. </a:t>
+              <a:t>* 3 actores principales: enfermera, paciente y doctor. </a:t>
             </a:r>
           </a:p>
           <a:p>
             <a:r>
               <a:rPr lang="es-ES" dirty="0"/>
-              <a:t>*Cada uno va a poder </a:t>
+              <a:t>*</a:t>
             </a:r>
             <a:r>
               <a:rPr lang="es-ES" dirty="0" err="1"/>
-              <a:t>logearse</a:t>
+              <a:t>Login</a:t>
             </a:r>
             <a:r>
               <a:rPr lang="es-ES" dirty="0"/>
-              <a:t> sin problema en la aplicación específica del hospital lo que les va a permitir consultar el historial de sus pacientes. </a:t>
+              <a:t> + consultar historial.</a:t>
             </a:r>
           </a:p>
           <a:p>
             <a:r>
               <a:rPr lang="es-ES" dirty="0"/>
-              <a:t>*El doctor va a ser el único que va a poder modificar dicho historial con el fin de proteger los datos del paciente. </a:t>
+              <a:t>*Modificar historial.</a:t>
             </a:r>
           </a:p>
           <a:p>
             <a:r>
               <a:rPr lang="es-ES" dirty="0"/>
-              <a:t>*El paciente podrá pedir cita sin problema a través de la aplicación y, en caso de que ya lo hubiese hecho, darle la opción de modificar la fecha asignada siempre y cuando esté disponible. Una vez finalizado el encuentro con el doctor llega el momento de pagar. Si es miembro de una aseguradora privada, el hospital habla con dicha aseguradora para tramitar el cobro. En caso contrario, al paciente se le da la opción de pagar en efectivo o tarjeta.</a:t>
-            </a:r>
+              <a:t>*Pedir cita y pago.</a:t>
+            </a:r>
+          </a:p>
+          <a:p>
+            <a:r>
+              <a:rPr lang="es-ES" dirty="0"/>
+              <a:t> </a:t>
+            </a:r>
+          </a:p>
+          <a:p>
+            <a:endParaRPr lang="es-ES" dirty="0"/>
           </a:p>
         </p:txBody>
       </p:sp>
@@ -1272,17 +1281,17 @@
                 <a:effectLst/>
                 <a:latin typeface="Consolas" panose="020B0609020204030204" pitchFamily="49" charset="0"/>
               </a:rPr>
-              <a:t>En este diagrama representamos como es el flujo de la interfaz de nuestro proyecto. Empezando por una identificación para diferenciar entre Pacientes, Doctores y Enfermeros. Luego procedemos a un </a:t>
-            </a:r>
-            <a:r>
-              <a:rPr lang="es-ES" b="0" dirty="0" err="1">
+              <a:t>En este diagrama representamos como es el flujo de la interfaz de nuestro proyecto. Empezando por una identificación para diferenciar entre Pacientes, Doctores y Enfermeros. Luego procedemos a </a:t>
+            </a:r>
+            <a:r>
+              <a:rPr lang="es-ES" b="0">
                 <a:solidFill>
                   <a:srgbClr val="D4D4D4"/>
                 </a:solidFill>
                 <a:effectLst/>
                 <a:latin typeface="Consolas" panose="020B0609020204030204" pitchFamily="49" charset="0"/>
               </a:rPr>
-              <a:t>menu</a:t>
+              <a:t>un menú </a:t>
             </a:r>
             <a:r>
               <a:rPr lang="es-ES" b="0" dirty="0">
@@ -1292,7 +1301,7 @@
                 <a:effectLst/>
                 <a:latin typeface="Consolas" panose="020B0609020204030204" pitchFamily="49" charset="0"/>
               </a:rPr>
-              <a:t> personalizado para cada uno de ellos con las diferentes opciones que tienen.</a:t>
+              <a:t>personalizado para cada uno de ellos con las diferentes opciones que tienen.</a:t>
             </a:r>
           </a:p>
           <a:p>
@@ -1393,7 +1402,7 @@
           <a:noFill/>
           <a:extLst>
             <a:ext uri="{909E8E84-426E-40dd-AFC4-6F175D3DCCD1}">
-              <a14:hiddenFill xmlns="" xmlns:a14="http://schemas.microsoft.com/office/drawing/2010/main">
+              <a14:hiddenFill xmlns:a14="http://schemas.microsoft.com/office/drawing/2010/main" xmlns="">
                 <a:solidFill>
                   <a:srgbClr val="FFFFFF"/>
                 </a:solidFill>
@@ -1452,7 +1461,7 @@
             </a:ln>
             <a:extLst>
               <a:ext uri="{91240B29-F687-4f45-9708-019B960494DF}">
-                <a14:hiddenLine xmlns="" xmlns:a14="http://schemas.microsoft.com/office/drawing/2010/main" w="9525">
+                <a14:hiddenLine xmlns:a14="http://schemas.microsoft.com/office/drawing/2010/main" xmlns="" w="9525">
                   <a:solidFill>
                     <a:srgbClr val="000000"/>
                   </a:solidFill>
@@ -1542,7 +1551,7 @@
             </a:ln>
             <a:extLst>
               <a:ext uri="{91240B29-F687-4f45-9708-019B960494DF}">
-                <a14:hiddenLine xmlns="" xmlns:a14="http://schemas.microsoft.com/office/drawing/2010/main" w="9525">
+                <a14:hiddenLine xmlns:a14="http://schemas.microsoft.com/office/drawing/2010/main" xmlns="" w="9525">
                   <a:solidFill>
                     <a:srgbClr val="000000"/>
                   </a:solidFill>
@@ -1632,7 +1641,7 @@
             </a:ln>
             <a:extLst>
               <a:ext uri="{91240B29-F687-4f45-9708-019B960494DF}">
-                <a14:hiddenLine xmlns="" xmlns:a14="http://schemas.microsoft.com/office/drawing/2010/main" w="9525">
+                <a14:hiddenLine xmlns:a14="http://schemas.microsoft.com/office/drawing/2010/main" xmlns="" w="9525">
                   <a:solidFill>
                     <a:srgbClr val="000000"/>
                   </a:solidFill>
@@ -1666,7 +1675,7 @@
             </a:ln>
             <a:extLst>
               <a:ext uri="{91240B29-F687-4f45-9708-019B960494DF}">
-                <a14:hiddenLine xmlns="" xmlns:a14="http://schemas.microsoft.com/office/drawing/2010/main" w="9525">
+                <a14:hiddenLine xmlns:a14="http://schemas.microsoft.com/office/drawing/2010/main" xmlns="" w="9525">
                   <a:solidFill>
                     <a:srgbClr val="000000"/>
                   </a:solidFill>
@@ -1756,7 +1765,7 @@
             </a:ln>
             <a:extLst>
               <a:ext uri="{91240B29-F687-4f45-9708-019B960494DF}">
-                <a14:hiddenLine xmlns="" xmlns:a14="http://schemas.microsoft.com/office/drawing/2010/main" w="9525">
+                <a14:hiddenLine xmlns:a14="http://schemas.microsoft.com/office/drawing/2010/main" xmlns="" w="9525">
                   <a:solidFill>
                     <a:srgbClr val="000000"/>
                   </a:solidFill>
@@ -1818,7 +1827,7 @@
             </a:ln>
             <a:extLst>
               <a:ext uri="{91240B29-F687-4f45-9708-019B960494DF}">
-                <a14:hiddenLine xmlns="" xmlns:a14="http://schemas.microsoft.com/office/drawing/2010/main" w="9525">
+                <a14:hiddenLine xmlns:a14="http://schemas.microsoft.com/office/drawing/2010/main" xmlns="" w="9525">
                   <a:solidFill>
                     <a:srgbClr val="000000"/>
                   </a:solidFill>
@@ -1880,7 +1889,7 @@
             </a:ln>
             <a:extLst>
               <a:ext uri="{91240B29-F687-4f45-9708-019B960494DF}">
-                <a14:hiddenLine xmlns="" xmlns:a14="http://schemas.microsoft.com/office/drawing/2010/main" w="9525">
+                <a14:hiddenLine xmlns:a14="http://schemas.microsoft.com/office/drawing/2010/main" xmlns="" w="9525">
                   <a:solidFill>
                     <a:srgbClr val="000000"/>
                   </a:solidFill>
@@ -1970,7 +1979,7 @@
             </a:ln>
             <a:extLst>
               <a:ext uri="{91240B29-F687-4f45-9708-019B960494DF}">
-                <a14:hiddenLine xmlns="" xmlns:a14="http://schemas.microsoft.com/office/drawing/2010/main" w="9525">
+                <a14:hiddenLine xmlns:a14="http://schemas.microsoft.com/office/drawing/2010/main" xmlns="" w="9525">
                   <a:solidFill>
                     <a:srgbClr val="000000"/>
                   </a:solidFill>
@@ -2032,7 +2041,7 @@
             </a:ln>
             <a:extLst>
               <a:ext uri="{91240B29-F687-4f45-9708-019B960494DF}">
-                <a14:hiddenLine xmlns="" xmlns:a14="http://schemas.microsoft.com/office/drawing/2010/main" w="9525">
+                <a14:hiddenLine xmlns:a14="http://schemas.microsoft.com/office/drawing/2010/main" xmlns="" w="9525">
                   <a:solidFill>
                     <a:srgbClr val="000000"/>
                   </a:solidFill>
@@ -2094,7 +2103,7 @@
             </a:ln>
             <a:extLst>
               <a:ext uri="{91240B29-F687-4f45-9708-019B960494DF}">
-                <a14:hiddenLine xmlns="" xmlns:a14="http://schemas.microsoft.com/office/drawing/2010/main" w="9525">
+                <a14:hiddenLine xmlns:a14="http://schemas.microsoft.com/office/drawing/2010/main" xmlns="" w="9525">
                   <a:solidFill>
                     <a:srgbClr val="000000"/>
                   </a:solidFill>
@@ -2184,7 +2193,7 @@
             </a:ln>
             <a:extLst>
               <a:ext uri="{91240B29-F687-4f45-9708-019B960494DF}">
-                <a14:hiddenLine xmlns="" xmlns:a14="http://schemas.microsoft.com/office/drawing/2010/main" w="9525">
+                <a14:hiddenLine xmlns:a14="http://schemas.microsoft.com/office/drawing/2010/main" xmlns="" w="9525">
                   <a:solidFill>
                     <a:srgbClr val="000000"/>
                   </a:solidFill>
@@ -2274,7 +2283,7 @@
             </a:ln>
             <a:extLst>
               <a:ext uri="{91240B29-F687-4f45-9708-019B960494DF}">
-                <a14:hiddenLine xmlns="" xmlns:a14="http://schemas.microsoft.com/office/drawing/2010/main" w="9525">
+                <a14:hiddenLine xmlns:a14="http://schemas.microsoft.com/office/drawing/2010/main" xmlns="" w="9525">
                   <a:solidFill>
                     <a:srgbClr val="000000"/>
                   </a:solidFill>
@@ -2336,7 +2345,7 @@
             </a:ln>
             <a:extLst>
               <a:ext uri="{91240B29-F687-4f45-9708-019B960494DF}">
-                <a14:hiddenLine xmlns="" xmlns:a14="http://schemas.microsoft.com/office/drawing/2010/main" w="9525">
+                <a14:hiddenLine xmlns:a14="http://schemas.microsoft.com/office/drawing/2010/main" xmlns="" w="9525">
                   <a:solidFill>
                     <a:srgbClr val="000000"/>
                   </a:solidFill>
@@ -2446,7 +2455,7 @@
             </a:ln>
             <a:extLst>
               <a:ext uri="{91240B29-F687-4f45-9708-019B960494DF}">
-                <a14:hiddenLine xmlns="" xmlns:a14="http://schemas.microsoft.com/office/drawing/2010/main" w="9525">
+                <a14:hiddenLine xmlns:a14="http://schemas.microsoft.com/office/drawing/2010/main" xmlns="" w="9525">
                   <a:solidFill>
                     <a:srgbClr val="000000"/>
                   </a:solidFill>
@@ -2508,7 +2517,7 @@
             </a:ln>
             <a:extLst>
               <a:ext uri="{91240B29-F687-4f45-9708-019B960494DF}">
-                <a14:hiddenLine xmlns="" xmlns:a14="http://schemas.microsoft.com/office/drawing/2010/main" w="9525">
+                <a14:hiddenLine xmlns:a14="http://schemas.microsoft.com/office/drawing/2010/main" xmlns="" w="9525">
                   <a:solidFill>
                     <a:srgbClr val="000000"/>
                   </a:solidFill>
@@ -2598,7 +2607,7 @@
             </a:ln>
             <a:extLst>
               <a:ext uri="{91240B29-F687-4f45-9708-019B960494DF}">
-                <a14:hiddenLine xmlns="" xmlns:a14="http://schemas.microsoft.com/office/drawing/2010/main" w="9525">
+                <a14:hiddenLine xmlns:a14="http://schemas.microsoft.com/office/drawing/2010/main" xmlns="" w="9525">
                   <a:solidFill>
                     <a:srgbClr val="000000"/>
                   </a:solidFill>
@@ -2688,7 +2697,7 @@
             </a:ln>
             <a:extLst>
               <a:ext uri="{91240B29-F687-4f45-9708-019B960494DF}">
-                <a14:hiddenLine xmlns="" xmlns:a14="http://schemas.microsoft.com/office/drawing/2010/main" w="9525">
+                <a14:hiddenLine xmlns:a14="http://schemas.microsoft.com/office/drawing/2010/main" xmlns="" w="9525">
                   <a:solidFill>
                     <a:srgbClr val="000000"/>
                   </a:solidFill>
@@ -2750,7 +2759,7 @@
             </a:ln>
             <a:extLst>
               <a:ext uri="{91240B29-F687-4f45-9708-019B960494DF}">
-                <a14:hiddenLine xmlns="" xmlns:a14="http://schemas.microsoft.com/office/drawing/2010/main" w="9525">
+                <a14:hiddenLine xmlns:a14="http://schemas.microsoft.com/office/drawing/2010/main" xmlns="" w="9525">
                   <a:solidFill>
                     <a:srgbClr val="000000"/>
                   </a:solidFill>
@@ -2840,7 +2849,7 @@
             </a:ln>
             <a:extLst>
               <a:ext uri="{91240B29-F687-4f45-9708-019B960494DF}">
-                <a14:hiddenLine xmlns="" xmlns:a14="http://schemas.microsoft.com/office/drawing/2010/main" w="9525">
+                <a14:hiddenLine xmlns:a14="http://schemas.microsoft.com/office/drawing/2010/main" xmlns="" w="9525">
                   <a:solidFill>
                     <a:srgbClr val="000000"/>
                   </a:solidFill>
@@ -2930,7 +2939,7 @@
             </a:ln>
             <a:extLst>
               <a:ext uri="{91240B29-F687-4f45-9708-019B960494DF}">
-                <a14:hiddenLine xmlns="" xmlns:a14="http://schemas.microsoft.com/office/drawing/2010/main" w="9525">
+                <a14:hiddenLine xmlns:a14="http://schemas.microsoft.com/office/drawing/2010/main" xmlns="" w="9525">
                   <a:solidFill>
                     <a:srgbClr val="000000"/>
                   </a:solidFill>
@@ -2986,7 +2995,7 @@
             </a:ln>
             <a:extLst>
               <a:ext uri="{91240B29-F687-4f45-9708-019B960494DF}">
-                <a14:hiddenLine xmlns="" xmlns:a14="http://schemas.microsoft.com/office/drawing/2010/main" w="9525">
+                <a14:hiddenLine xmlns:a14="http://schemas.microsoft.com/office/drawing/2010/main" xmlns="" w="9525">
                   <a:solidFill>
                     <a:srgbClr val="000000"/>
                   </a:solidFill>
@@ -3076,7 +3085,7 @@
             </a:ln>
             <a:extLst>
               <a:ext uri="{91240B29-F687-4f45-9708-019B960494DF}">
-                <a14:hiddenLine xmlns="" xmlns:a14="http://schemas.microsoft.com/office/drawing/2010/main" w="9525">
+                <a14:hiddenLine xmlns:a14="http://schemas.microsoft.com/office/drawing/2010/main" xmlns="" w="9525">
                   <a:solidFill>
                     <a:srgbClr val="000000"/>
                   </a:solidFill>
@@ -3132,7 +3141,7 @@
             </a:ln>
             <a:extLst>
               <a:ext uri="{91240B29-F687-4f45-9708-019B960494DF}">
-                <a14:hiddenLine xmlns="" xmlns:a14="http://schemas.microsoft.com/office/drawing/2010/main" w="9525">
+                <a14:hiddenLine xmlns:a14="http://schemas.microsoft.com/office/drawing/2010/main" xmlns="" w="9525">
                   <a:solidFill>
                     <a:srgbClr val="000000"/>
                   </a:solidFill>
@@ -3222,7 +3231,7 @@
             </a:ln>
             <a:extLst>
               <a:ext uri="{91240B29-F687-4f45-9708-019B960494DF}">
-                <a14:hiddenLine xmlns="" xmlns:a14="http://schemas.microsoft.com/office/drawing/2010/main" w="9525">
+                <a14:hiddenLine xmlns:a14="http://schemas.microsoft.com/office/drawing/2010/main" xmlns="" w="9525">
                   <a:solidFill>
                     <a:srgbClr val="000000"/>
                   </a:solidFill>
@@ -3290,7 +3299,7 @@
             </a:ln>
             <a:extLst>
               <a:ext uri="{91240B29-F687-4f45-9708-019B960494DF}">
-                <a14:hiddenLine xmlns="" xmlns:a14="http://schemas.microsoft.com/office/drawing/2010/main" w="9525">
+                <a14:hiddenLine xmlns:a14="http://schemas.microsoft.com/office/drawing/2010/main" xmlns="" w="9525">
                   <a:solidFill>
                     <a:srgbClr val="000000"/>
                   </a:solidFill>
@@ -3380,7 +3389,7 @@
             </a:ln>
             <a:extLst>
               <a:ext uri="{91240B29-F687-4f45-9708-019B960494DF}">
-                <a14:hiddenLine xmlns="" xmlns:a14="http://schemas.microsoft.com/office/drawing/2010/main" w="9525">
+                <a14:hiddenLine xmlns:a14="http://schemas.microsoft.com/office/drawing/2010/main" xmlns="" w="9525">
                   <a:solidFill>
                     <a:srgbClr val="000000"/>
                   </a:solidFill>
@@ -3448,7 +3457,7 @@
             </a:ln>
             <a:extLst>
               <a:ext uri="{91240B29-F687-4f45-9708-019B960494DF}">
-                <a14:hiddenLine xmlns="" xmlns:a14="http://schemas.microsoft.com/office/drawing/2010/main" w="9525">
+                <a14:hiddenLine xmlns:a14="http://schemas.microsoft.com/office/drawing/2010/main" xmlns="" w="9525">
                   <a:solidFill>
                     <a:srgbClr val="000000"/>
                   </a:solidFill>
@@ -3538,7 +3547,7 @@
             </a:ln>
             <a:extLst>
               <a:ext uri="{91240B29-F687-4f45-9708-019B960494DF}">
-                <a14:hiddenLine xmlns="" xmlns:a14="http://schemas.microsoft.com/office/drawing/2010/main" w="9525">
+                <a14:hiddenLine xmlns:a14="http://schemas.microsoft.com/office/drawing/2010/main" xmlns="" w="9525">
                   <a:solidFill>
                     <a:srgbClr val="000000"/>
                   </a:solidFill>
@@ -3572,7 +3581,7 @@
             </a:ln>
             <a:extLst>
               <a:ext uri="{91240B29-F687-4f45-9708-019B960494DF}">
-                <a14:hiddenLine xmlns="" xmlns:a14="http://schemas.microsoft.com/office/drawing/2010/main" w="9525">
+                <a14:hiddenLine xmlns:a14="http://schemas.microsoft.com/office/drawing/2010/main" xmlns="" w="9525">
                   <a:solidFill>
                     <a:srgbClr val="000000"/>
                   </a:solidFill>
@@ -3662,7 +3671,7 @@
             </a:ln>
             <a:extLst>
               <a:ext uri="{91240B29-F687-4f45-9708-019B960494DF}">
-                <a14:hiddenLine xmlns="" xmlns:a14="http://schemas.microsoft.com/office/drawing/2010/main" w="9525">
+                <a14:hiddenLine xmlns:a14="http://schemas.microsoft.com/office/drawing/2010/main" xmlns="" w="9525">
                   <a:solidFill>
                     <a:srgbClr val="000000"/>
                   </a:solidFill>
@@ -3724,7 +3733,7 @@
             </a:ln>
             <a:extLst>
               <a:ext uri="{91240B29-F687-4f45-9708-019B960494DF}">
-                <a14:hiddenLine xmlns="" xmlns:a14="http://schemas.microsoft.com/office/drawing/2010/main" w="9525">
+                <a14:hiddenLine xmlns:a14="http://schemas.microsoft.com/office/drawing/2010/main" xmlns="" w="9525">
                   <a:solidFill>
                     <a:srgbClr val="000000"/>
                   </a:solidFill>
@@ -3786,7 +3795,7 @@
             </a:ln>
             <a:extLst>
               <a:ext uri="{91240B29-F687-4f45-9708-019B960494DF}">
-                <a14:hiddenLine xmlns="" xmlns:a14="http://schemas.microsoft.com/office/drawing/2010/main" w="9525">
+                <a14:hiddenLine xmlns:a14="http://schemas.microsoft.com/office/drawing/2010/main" xmlns="" w="9525">
                   <a:solidFill>
                     <a:srgbClr val="000000"/>
                   </a:solidFill>
@@ -3876,7 +3885,7 @@
             </a:ln>
             <a:extLst>
               <a:ext uri="{91240B29-F687-4f45-9708-019B960494DF}">
-                <a14:hiddenLine xmlns="" xmlns:a14="http://schemas.microsoft.com/office/drawing/2010/main" w="9525">
+                <a14:hiddenLine xmlns:a14="http://schemas.microsoft.com/office/drawing/2010/main" xmlns="" w="9525">
                   <a:solidFill>
                     <a:srgbClr val="000000"/>
                   </a:solidFill>
@@ -3944,7 +3953,7 @@
             </a:ln>
             <a:extLst>
               <a:ext uri="{91240B29-F687-4f45-9708-019B960494DF}">
-                <a14:hiddenLine xmlns="" xmlns:a14="http://schemas.microsoft.com/office/drawing/2010/main" w="9525">
+                <a14:hiddenLine xmlns:a14="http://schemas.microsoft.com/office/drawing/2010/main" xmlns="" w="9525">
                   <a:solidFill>
                     <a:srgbClr val="000000"/>
                   </a:solidFill>
@@ -4006,7 +4015,7 @@
             </a:ln>
             <a:extLst>
               <a:ext uri="{91240B29-F687-4f45-9708-019B960494DF}">
-                <a14:hiddenLine xmlns="" xmlns:a14="http://schemas.microsoft.com/office/drawing/2010/main" w="9525">
+                <a14:hiddenLine xmlns:a14="http://schemas.microsoft.com/office/drawing/2010/main" xmlns="" w="9525">
                   <a:solidFill>
                     <a:srgbClr val="000000"/>
                   </a:solidFill>
@@ -4096,7 +4105,7 @@
             </a:ln>
             <a:extLst>
               <a:ext uri="{91240B29-F687-4f45-9708-019B960494DF}">
-                <a14:hiddenLine xmlns="" xmlns:a14="http://schemas.microsoft.com/office/drawing/2010/main" w="9525">
+                <a14:hiddenLine xmlns:a14="http://schemas.microsoft.com/office/drawing/2010/main" xmlns="" w="9525">
                   <a:solidFill>
                     <a:srgbClr val="000000"/>
                   </a:solidFill>
@@ -4158,7 +4167,7 @@
             </a:ln>
             <a:extLst>
               <a:ext uri="{91240B29-F687-4f45-9708-019B960494DF}">
-                <a14:hiddenLine xmlns="" xmlns:a14="http://schemas.microsoft.com/office/drawing/2010/main" w="9525">
+                <a14:hiddenLine xmlns:a14="http://schemas.microsoft.com/office/drawing/2010/main" xmlns="" w="9525">
                   <a:solidFill>
                     <a:srgbClr val="000000"/>
                   </a:solidFill>
@@ -4248,7 +4257,7 @@
             </a:ln>
             <a:extLst>
               <a:ext uri="{91240B29-F687-4f45-9708-019B960494DF}">
-                <a14:hiddenLine xmlns="" xmlns:a14="http://schemas.microsoft.com/office/drawing/2010/main" w="9525">
+                <a14:hiddenLine xmlns:a14="http://schemas.microsoft.com/office/drawing/2010/main" xmlns="" w="9525">
                   <a:solidFill>
                     <a:srgbClr val="000000"/>
                   </a:solidFill>
@@ -4310,7 +4319,7 @@
             </a:ln>
             <a:extLst>
               <a:ext uri="{91240B29-F687-4f45-9708-019B960494DF}">
-                <a14:hiddenLine xmlns="" xmlns:a14="http://schemas.microsoft.com/office/drawing/2010/main" w="9525">
+                <a14:hiddenLine xmlns:a14="http://schemas.microsoft.com/office/drawing/2010/main" xmlns="" w="9525">
                   <a:solidFill>
                     <a:srgbClr val="000000"/>
                   </a:solidFill>
@@ -4400,7 +4409,7 @@
             </a:ln>
             <a:extLst>
               <a:ext uri="{91240B29-F687-4f45-9708-019B960494DF}">
-                <a14:hiddenLine xmlns="" xmlns:a14="http://schemas.microsoft.com/office/drawing/2010/main" w="9525">
+                <a14:hiddenLine xmlns:a14="http://schemas.microsoft.com/office/drawing/2010/main" xmlns="" w="9525">
                   <a:solidFill>
                     <a:srgbClr val="000000"/>
                   </a:solidFill>
@@ -4434,7 +4443,7 @@
             </a:ln>
             <a:extLst>
               <a:ext uri="{91240B29-F687-4f45-9708-019B960494DF}">
-                <a14:hiddenLine xmlns="" xmlns:a14="http://schemas.microsoft.com/office/drawing/2010/main" w="9525">
+                <a14:hiddenLine xmlns:a14="http://schemas.microsoft.com/office/drawing/2010/main" xmlns="" w="9525">
                   <a:solidFill>
                     <a:srgbClr val="000000"/>
                   </a:solidFill>
@@ -4499,7 +4508,7 @@
             </a:ln>
             <a:extLst>
               <a:ext uri="{91240B29-F687-4f45-9708-019B960494DF}">
-                <a14:hiddenLine xmlns="" xmlns:a14="http://schemas.microsoft.com/office/drawing/2010/main" w="9525">
+                <a14:hiddenLine xmlns:a14="http://schemas.microsoft.com/office/drawing/2010/main" xmlns="" w="9525">
                   <a:solidFill>
                     <a:srgbClr val="000000"/>
                   </a:solidFill>
@@ -4589,7 +4598,7 @@
             </a:ln>
             <a:extLst>
               <a:ext uri="{91240B29-F687-4f45-9708-019B960494DF}">
-                <a14:hiddenLine xmlns="" xmlns:a14="http://schemas.microsoft.com/office/drawing/2010/main" w="9525">
+                <a14:hiddenLine xmlns:a14="http://schemas.microsoft.com/office/drawing/2010/main" xmlns="" w="9525">
                   <a:solidFill>
                     <a:srgbClr val="000000"/>
                   </a:solidFill>
@@ -4651,7 +4660,7 @@
             </a:ln>
             <a:extLst>
               <a:ext uri="{91240B29-F687-4f45-9708-019B960494DF}">
-                <a14:hiddenLine xmlns="" xmlns:a14="http://schemas.microsoft.com/office/drawing/2010/main" w="9525">
+                <a14:hiddenLine xmlns:a14="http://schemas.microsoft.com/office/drawing/2010/main" xmlns="" w="9525">
                   <a:solidFill>
                     <a:srgbClr val="000000"/>
                   </a:solidFill>
@@ -4741,7 +4750,7 @@
             </a:ln>
             <a:extLst>
               <a:ext uri="{91240B29-F687-4f45-9708-019B960494DF}">
-                <a14:hiddenLine xmlns="" xmlns:a14="http://schemas.microsoft.com/office/drawing/2010/main" w="9525">
+                <a14:hiddenLine xmlns:a14="http://schemas.microsoft.com/office/drawing/2010/main" xmlns="" w="9525">
                   <a:solidFill>
                     <a:srgbClr val="000000"/>
                   </a:solidFill>
@@ -4831,7 +4840,7 @@
             </a:ln>
             <a:extLst>
               <a:ext uri="{91240B29-F687-4f45-9708-019B960494DF}">
-                <a14:hiddenLine xmlns="" xmlns:a14="http://schemas.microsoft.com/office/drawing/2010/main" w="9525">
+                <a14:hiddenLine xmlns:a14="http://schemas.microsoft.com/office/drawing/2010/main" xmlns="" w="9525">
                   <a:solidFill>
                     <a:srgbClr val="000000"/>
                   </a:solidFill>
@@ -4896,7 +4905,7 @@
             </a:ln>
             <a:extLst>
               <a:ext uri="{91240B29-F687-4f45-9708-019B960494DF}">
-                <a14:hiddenLine xmlns="" xmlns:a14="http://schemas.microsoft.com/office/drawing/2010/main" w="9525">
+                <a14:hiddenLine xmlns:a14="http://schemas.microsoft.com/office/drawing/2010/main" xmlns="" w="9525">
                   <a:solidFill>
                     <a:srgbClr val="000000"/>
                   </a:solidFill>
@@ -4958,7 +4967,7 @@
             </a:ln>
             <a:extLst>
               <a:ext uri="{91240B29-F687-4f45-9708-019B960494DF}">
-                <a14:hiddenLine xmlns="" xmlns:a14="http://schemas.microsoft.com/office/drawing/2010/main" w="9525">
+                <a14:hiddenLine xmlns:a14="http://schemas.microsoft.com/office/drawing/2010/main" xmlns="" w="9525">
                   <a:solidFill>
                     <a:srgbClr val="000000"/>
                   </a:solidFill>
@@ -5048,7 +5057,7 @@
             </a:ln>
             <a:extLst>
               <a:ext uri="{91240B29-F687-4f45-9708-019B960494DF}">
-                <a14:hiddenLine xmlns="" xmlns:a14="http://schemas.microsoft.com/office/drawing/2010/main" w="9525">
+                <a14:hiddenLine xmlns:a14="http://schemas.microsoft.com/office/drawing/2010/main" xmlns="" w="9525">
                   <a:solidFill>
                     <a:srgbClr val="000000"/>
                   </a:solidFill>
@@ -5138,7 +5147,7 @@
             </a:ln>
             <a:extLst>
               <a:ext uri="{91240B29-F687-4f45-9708-019B960494DF}">
-                <a14:hiddenLine xmlns="" xmlns:a14="http://schemas.microsoft.com/office/drawing/2010/main" w="9525">
+                <a14:hiddenLine xmlns:a14="http://schemas.microsoft.com/office/drawing/2010/main" xmlns="" w="9525">
                   <a:solidFill>
                     <a:srgbClr val="000000"/>
                   </a:solidFill>
@@ -5200,7 +5209,7 @@
             </a:ln>
             <a:extLst>
               <a:ext uri="{91240B29-F687-4f45-9708-019B960494DF}">
-                <a14:hiddenLine xmlns="" xmlns:a14="http://schemas.microsoft.com/office/drawing/2010/main" w="9525">
+                <a14:hiddenLine xmlns:a14="http://schemas.microsoft.com/office/drawing/2010/main" xmlns="" w="9525">
                   <a:solidFill>
                     <a:srgbClr val="000000"/>
                   </a:solidFill>
@@ -5320,7 +5329,7 @@
             </a:ln>
             <a:extLst>
               <a:ext uri="{91240B29-F687-4f45-9708-019B960494DF}">
-                <a14:hiddenLine xmlns="" xmlns:a14="http://schemas.microsoft.com/office/drawing/2010/main" w="9525">
+                <a14:hiddenLine xmlns:a14="http://schemas.microsoft.com/office/drawing/2010/main" xmlns="" w="9525">
                   <a:solidFill>
                     <a:srgbClr val="000000"/>
                   </a:solidFill>
@@ -5388,7 +5397,7 @@
             </a:ln>
             <a:extLst>
               <a:ext uri="{91240B29-F687-4f45-9708-019B960494DF}">
-                <a14:hiddenLine xmlns="" xmlns:a14="http://schemas.microsoft.com/office/drawing/2010/main" w="9525">
+                <a14:hiddenLine xmlns:a14="http://schemas.microsoft.com/office/drawing/2010/main" xmlns="" w="9525">
                   <a:solidFill>
                     <a:srgbClr val="000000"/>
                   </a:solidFill>
@@ -5478,7 +5487,7 @@
             </a:ln>
             <a:extLst>
               <a:ext uri="{91240B29-F687-4f45-9708-019B960494DF}">
-                <a14:hiddenLine xmlns="" xmlns:a14="http://schemas.microsoft.com/office/drawing/2010/main" w="9525">
+                <a14:hiddenLine xmlns:a14="http://schemas.microsoft.com/office/drawing/2010/main" xmlns="" w="9525">
                   <a:solidFill>
                     <a:srgbClr val="000000"/>
                   </a:solidFill>
@@ -10207,7 +10216,7 @@
           <a:noFill/>
           <a:extLst>
             <a:ext uri="{909E8E84-426E-40dd-AFC4-6F175D3DCCD1}">
-              <a14:hiddenFill xmlns="" xmlns:a14="http://schemas.microsoft.com/office/drawing/2010/main">
+              <a14:hiddenFill xmlns:a14="http://schemas.microsoft.com/office/drawing/2010/main" xmlns="">
                 <a:solidFill>
                   <a:srgbClr val="FFFFFF"/>
                 </a:solidFill>
@@ -10281,7 +10290,7 @@
               </a:ln>
               <a:extLst>
                 <a:ext uri="{91240B29-F687-4f45-9708-019B960494DF}">
-                  <a14:hiddenLine xmlns="" xmlns:a14="http://schemas.microsoft.com/office/drawing/2010/main" w="9525">
+                  <a14:hiddenLine xmlns:a14="http://schemas.microsoft.com/office/drawing/2010/main" xmlns="" w="9525">
                     <a:solidFill>
                       <a:srgbClr val="000000"/>
                     </a:solidFill>
@@ -10371,7 +10380,7 @@
               </a:ln>
               <a:extLst>
                 <a:ext uri="{91240B29-F687-4f45-9708-019B960494DF}">
-                  <a14:hiddenLine xmlns="" xmlns:a14="http://schemas.microsoft.com/office/drawing/2010/main" w="9525">
+                  <a14:hiddenLine xmlns:a14="http://schemas.microsoft.com/office/drawing/2010/main" xmlns="" w="9525">
                     <a:solidFill>
                       <a:srgbClr val="000000"/>
                     </a:solidFill>
@@ -10461,7 +10470,7 @@
               </a:ln>
               <a:extLst>
                 <a:ext uri="{91240B29-F687-4f45-9708-019B960494DF}">
-                  <a14:hiddenLine xmlns="" xmlns:a14="http://schemas.microsoft.com/office/drawing/2010/main" w="9525">
+                  <a14:hiddenLine xmlns:a14="http://schemas.microsoft.com/office/drawing/2010/main" xmlns="" w="9525">
                     <a:solidFill>
                       <a:srgbClr val="000000"/>
                     </a:solidFill>
@@ -10523,7 +10532,7 @@
               </a:ln>
               <a:extLst>
                 <a:ext uri="{91240B29-F687-4f45-9708-019B960494DF}">
-                  <a14:hiddenLine xmlns="" xmlns:a14="http://schemas.microsoft.com/office/drawing/2010/main" w="9525">
+                  <a14:hiddenLine xmlns:a14="http://schemas.microsoft.com/office/drawing/2010/main" xmlns="" w="9525">
                     <a:solidFill>
                       <a:srgbClr val="000000"/>
                     </a:solidFill>
@@ -10613,7 +10622,7 @@
               </a:ln>
               <a:extLst>
                 <a:ext uri="{91240B29-F687-4f45-9708-019B960494DF}">
-                  <a14:hiddenLine xmlns="" xmlns:a14="http://schemas.microsoft.com/office/drawing/2010/main" w="9525">
+                  <a14:hiddenLine xmlns:a14="http://schemas.microsoft.com/office/drawing/2010/main" xmlns="" w="9525">
                     <a:solidFill>
                       <a:srgbClr val="000000"/>
                     </a:solidFill>
@@ -10675,7 +10684,7 @@
               </a:ln>
               <a:extLst>
                 <a:ext uri="{91240B29-F687-4f45-9708-019B960494DF}">
-                  <a14:hiddenLine xmlns="" xmlns:a14="http://schemas.microsoft.com/office/drawing/2010/main" w="9525">
+                  <a14:hiddenLine xmlns:a14="http://schemas.microsoft.com/office/drawing/2010/main" xmlns="" w="9525">
                     <a:solidFill>
                       <a:srgbClr val="000000"/>
                     </a:solidFill>
@@ -10737,7 +10746,7 @@
               </a:ln>
               <a:extLst>
                 <a:ext uri="{91240B29-F687-4f45-9708-019B960494DF}">
-                  <a14:hiddenLine xmlns="" xmlns:a14="http://schemas.microsoft.com/office/drawing/2010/main" w="9525">
+                  <a14:hiddenLine xmlns:a14="http://schemas.microsoft.com/office/drawing/2010/main" xmlns="" w="9525">
                     <a:solidFill>
                       <a:srgbClr val="000000"/>
                     </a:solidFill>
@@ -10827,7 +10836,7 @@
               </a:ln>
               <a:extLst>
                 <a:ext uri="{91240B29-F687-4f45-9708-019B960494DF}">
-                  <a14:hiddenLine xmlns="" xmlns:a14="http://schemas.microsoft.com/office/drawing/2010/main" w="9525">
+                  <a14:hiddenLine xmlns:a14="http://schemas.microsoft.com/office/drawing/2010/main" xmlns="" w="9525">
                     <a:solidFill>
                       <a:srgbClr val="000000"/>
                     </a:solidFill>
@@ -10917,7 +10926,7 @@
               </a:ln>
               <a:extLst>
                 <a:ext uri="{91240B29-F687-4f45-9708-019B960494DF}">
-                  <a14:hiddenLine xmlns="" xmlns:a14="http://schemas.microsoft.com/office/drawing/2010/main" w="9525">
+                  <a14:hiddenLine xmlns:a14="http://schemas.microsoft.com/office/drawing/2010/main" xmlns="" w="9525">
                     <a:solidFill>
                       <a:srgbClr val="000000"/>
                     </a:solidFill>
@@ -10979,7 +10988,7 @@
               </a:ln>
               <a:extLst>
                 <a:ext uri="{91240B29-F687-4f45-9708-019B960494DF}">
-                  <a14:hiddenLine xmlns="" xmlns:a14="http://schemas.microsoft.com/office/drawing/2010/main" w="9525">
+                  <a14:hiddenLine xmlns:a14="http://schemas.microsoft.com/office/drawing/2010/main" xmlns="" w="9525">
                     <a:solidFill>
                       <a:srgbClr val="000000"/>
                     </a:solidFill>
@@ -11089,7 +11098,7 @@
               </a:ln>
               <a:extLst>
                 <a:ext uri="{91240B29-F687-4f45-9708-019B960494DF}">
-                  <a14:hiddenLine xmlns="" xmlns:a14="http://schemas.microsoft.com/office/drawing/2010/main" w="9525">
+                  <a14:hiddenLine xmlns:a14="http://schemas.microsoft.com/office/drawing/2010/main" xmlns="" w="9525">
                     <a:solidFill>
                       <a:srgbClr val="000000"/>
                     </a:solidFill>
@@ -11173,7 +11182,7 @@
               </a:ln>
               <a:extLst>
                 <a:ext uri="{91240B29-F687-4f45-9708-019B960494DF}">
-                  <a14:hiddenLine xmlns="" xmlns:a14="http://schemas.microsoft.com/office/drawing/2010/main" w="9525">
+                  <a14:hiddenLine xmlns:a14="http://schemas.microsoft.com/office/drawing/2010/main" xmlns="" w="9525">
                     <a:solidFill>
                       <a:srgbClr val="000000"/>
                     </a:solidFill>
@@ -11235,7 +11244,7 @@
               </a:ln>
               <a:extLst>
                 <a:ext uri="{91240B29-F687-4f45-9708-019B960494DF}">
-                  <a14:hiddenLine xmlns="" xmlns:a14="http://schemas.microsoft.com/office/drawing/2010/main" w="9525">
+                  <a14:hiddenLine xmlns:a14="http://schemas.microsoft.com/office/drawing/2010/main" xmlns="" w="9525">
                     <a:solidFill>
                       <a:srgbClr val="000000"/>
                     </a:solidFill>
@@ -11297,7 +11306,7 @@
               </a:ln>
               <a:extLst>
                 <a:ext uri="{91240B29-F687-4f45-9708-019B960494DF}">
-                  <a14:hiddenLine xmlns="" xmlns:a14="http://schemas.microsoft.com/office/drawing/2010/main" w="9525">
+                  <a14:hiddenLine xmlns:a14="http://schemas.microsoft.com/office/drawing/2010/main" xmlns="" w="9525">
                     <a:solidFill>
                       <a:srgbClr val="000000"/>
                     </a:solidFill>
@@ -11387,7 +11396,7 @@
               </a:ln>
               <a:extLst>
                 <a:ext uri="{91240B29-F687-4f45-9708-019B960494DF}">
-                  <a14:hiddenLine xmlns="" xmlns:a14="http://schemas.microsoft.com/office/drawing/2010/main" w="9525">
+                  <a14:hiddenLine xmlns:a14="http://schemas.microsoft.com/office/drawing/2010/main" xmlns="" w="9525">
                     <a:solidFill>
                       <a:srgbClr val="000000"/>
                     </a:solidFill>
@@ -11421,7 +11430,7 @@
               </a:ln>
               <a:extLst>
                 <a:ext uri="{91240B29-F687-4f45-9708-019B960494DF}">
-                  <a14:hiddenLine xmlns="" xmlns:a14="http://schemas.microsoft.com/office/drawing/2010/main" w="9525">
+                  <a14:hiddenLine xmlns:a14="http://schemas.microsoft.com/office/drawing/2010/main" xmlns="" w="9525">
                     <a:solidFill>
                       <a:srgbClr val="000000"/>
                     </a:solidFill>
@@ -11486,7 +11495,7 @@
               </a:ln>
               <a:extLst>
                 <a:ext uri="{91240B29-F687-4f45-9708-019B960494DF}">
-                  <a14:hiddenLine xmlns="" xmlns:a14="http://schemas.microsoft.com/office/drawing/2010/main" w="9525">
+                  <a14:hiddenLine xmlns:a14="http://schemas.microsoft.com/office/drawing/2010/main" xmlns="" w="9525">
                     <a:solidFill>
                       <a:srgbClr val="000000"/>
                     </a:solidFill>
@@ -11576,7 +11585,7 @@
               </a:ln>
               <a:extLst>
                 <a:ext uri="{91240B29-F687-4f45-9708-019B960494DF}">
-                  <a14:hiddenLine xmlns="" xmlns:a14="http://schemas.microsoft.com/office/drawing/2010/main" w="9525">
+                  <a14:hiddenLine xmlns:a14="http://schemas.microsoft.com/office/drawing/2010/main" xmlns="" w="9525">
                     <a:solidFill>
                       <a:srgbClr val="000000"/>
                     </a:solidFill>
@@ -11638,7 +11647,7 @@
               </a:ln>
               <a:extLst>
                 <a:ext uri="{91240B29-F687-4f45-9708-019B960494DF}">
-                  <a14:hiddenLine xmlns="" xmlns:a14="http://schemas.microsoft.com/office/drawing/2010/main" w="9525">
+                  <a14:hiddenLine xmlns:a14="http://schemas.microsoft.com/office/drawing/2010/main" xmlns="" w="9525">
                     <a:solidFill>
                       <a:srgbClr val="000000"/>
                     </a:solidFill>
@@ -11728,7 +11737,7 @@
               </a:ln>
               <a:extLst>
                 <a:ext uri="{91240B29-F687-4f45-9708-019B960494DF}">
-                  <a14:hiddenLine xmlns="" xmlns:a14="http://schemas.microsoft.com/office/drawing/2010/main" w="9525">
+                  <a14:hiddenLine xmlns:a14="http://schemas.microsoft.com/office/drawing/2010/main" xmlns="" w="9525">
                     <a:solidFill>
                       <a:srgbClr val="000000"/>
                     </a:solidFill>
@@ -11793,7 +11802,7 @@
               </a:ln>
               <a:extLst>
                 <a:ext uri="{91240B29-F687-4f45-9708-019B960494DF}">
-                  <a14:hiddenLine xmlns="" xmlns:a14="http://schemas.microsoft.com/office/drawing/2010/main" w="9525">
+                  <a14:hiddenLine xmlns:a14="http://schemas.microsoft.com/office/drawing/2010/main" xmlns="" w="9525">
                     <a:solidFill>
                       <a:srgbClr val="000000"/>
                     </a:solidFill>
@@ -11855,7 +11864,7 @@
               </a:ln>
               <a:extLst>
                 <a:ext uri="{91240B29-F687-4f45-9708-019B960494DF}">
-                  <a14:hiddenLine xmlns="" xmlns:a14="http://schemas.microsoft.com/office/drawing/2010/main" w="9525">
+                  <a14:hiddenLine xmlns:a14="http://schemas.microsoft.com/office/drawing/2010/main" xmlns="" w="9525">
                     <a:solidFill>
                       <a:srgbClr val="000000"/>
                     </a:solidFill>
@@ -11945,7 +11954,7 @@
               </a:ln>
               <a:extLst>
                 <a:ext uri="{91240B29-F687-4f45-9708-019B960494DF}">
-                  <a14:hiddenLine xmlns="" xmlns:a14="http://schemas.microsoft.com/office/drawing/2010/main" w="9525">
+                  <a14:hiddenLine xmlns:a14="http://schemas.microsoft.com/office/drawing/2010/main" xmlns="" w="9525">
                     <a:solidFill>
                       <a:srgbClr val="000000"/>
                     </a:solidFill>
@@ -12035,7 +12044,7 @@
               </a:ln>
               <a:extLst>
                 <a:ext uri="{91240B29-F687-4f45-9708-019B960494DF}">
-                  <a14:hiddenLine xmlns="" xmlns:a14="http://schemas.microsoft.com/office/drawing/2010/main" w="9525">
+                  <a14:hiddenLine xmlns:a14="http://schemas.microsoft.com/office/drawing/2010/main" xmlns="" w="9525">
                     <a:solidFill>
                       <a:srgbClr val="000000"/>
                     </a:solidFill>
@@ -12100,7 +12109,7 @@
               </a:ln>
               <a:extLst>
                 <a:ext uri="{91240B29-F687-4f45-9708-019B960494DF}">
-                  <a14:hiddenLine xmlns="" xmlns:a14="http://schemas.microsoft.com/office/drawing/2010/main" w="9525">
+                  <a14:hiddenLine xmlns:a14="http://schemas.microsoft.com/office/drawing/2010/main" xmlns="" w="9525">
                     <a:solidFill>
                       <a:srgbClr val="000000"/>
                     </a:solidFill>
@@ -12220,7 +12229,7 @@
               </a:ln>
               <a:extLst>
                 <a:ext uri="{91240B29-F687-4f45-9708-019B960494DF}">
-                  <a14:hiddenLine xmlns="" xmlns:a14="http://schemas.microsoft.com/office/drawing/2010/main" w="9525">
+                  <a14:hiddenLine xmlns:a14="http://schemas.microsoft.com/office/drawing/2010/main" xmlns="" w="9525">
                     <a:solidFill>
                       <a:srgbClr val="000000"/>
                     </a:solidFill>
@@ -12301,7 +12310,7 @@
               </a:ln>
               <a:extLst>
                 <a:ext uri="{91240B29-F687-4f45-9708-019B960494DF}">
-                  <a14:hiddenLine xmlns="" xmlns:a14="http://schemas.microsoft.com/office/drawing/2010/main" w="9525">
+                  <a14:hiddenLine xmlns:a14="http://schemas.microsoft.com/office/drawing/2010/main" xmlns="" w="9525">
                     <a:solidFill>
                       <a:srgbClr val="000000"/>
                     </a:solidFill>
@@ -12416,7 +12425,7 @@
               </a:ln>
               <a:extLst>
                 <a:ext uri="{91240B29-F687-4f45-9708-019B960494DF}">
-                  <a14:hiddenLine xmlns="" xmlns:a14="http://schemas.microsoft.com/office/drawing/2010/main" w="9525">
+                  <a14:hiddenLine xmlns:a14="http://schemas.microsoft.com/office/drawing/2010/main" xmlns="" w="9525">
                     <a:solidFill>
                       <a:srgbClr val="000000"/>
                     </a:solidFill>
@@ -12506,7 +12515,7 @@
               </a:ln>
               <a:extLst>
                 <a:ext uri="{91240B29-F687-4f45-9708-019B960494DF}">
-                  <a14:hiddenLine xmlns="" xmlns:a14="http://schemas.microsoft.com/office/drawing/2010/main" w="9525">
+                  <a14:hiddenLine xmlns:a14="http://schemas.microsoft.com/office/drawing/2010/main" xmlns="" w="9525">
                     <a:solidFill>
                       <a:srgbClr val="000000"/>
                     </a:solidFill>
@@ -12571,7 +12580,7 @@
               </a:ln>
               <a:extLst>
                 <a:ext uri="{91240B29-F687-4f45-9708-019B960494DF}">
-                  <a14:hiddenLine xmlns="" xmlns:a14="http://schemas.microsoft.com/office/drawing/2010/main" w="9525">
+                  <a14:hiddenLine xmlns:a14="http://schemas.microsoft.com/office/drawing/2010/main" xmlns="" w="9525">
                     <a:solidFill>
                       <a:srgbClr val="000000"/>
                     </a:solidFill>
@@ -12661,7 +12670,7 @@
               </a:ln>
               <a:extLst>
                 <a:ext uri="{91240B29-F687-4f45-9708-019B960494DF}">
-                  <a14:hiddenLine xmlns="" xmlns:a14="http://schemas.microsoft.com/office/drawing/2010/main" w="9525">
+                  <a14:hiddenLine xmlns:a14="http://schemas.microsoft.com/office/drawing/2010/main" xmlns="" w="9525">
                     <a:solidFill>
                       <a:srgbClr val="000000"/>
                     </a:solidFill>
@@ -12729,7 +12738,7 @@
               </a:ln>
               <a:extLst>
                 <a:ext uri="{91240B29-F687-4f45-9708-019B960494DF}">
-                  <a14:hiddenLine xmlns="" xmlns:a14="http://schemas.microsoft.com/office/drawing/2010/main" w="9525">
+                  <a14:hiddenLine xmlns:a14="http://schemas.microsoft.com/office/drawing/2010/main" xmlns="" w="9525">
                     <a:solidFill>
                       <a:srgbClr val="000000"/>
                     </a:solidFill>
@@ -12819,7 +12828,7 @@
               </a:ln>
               <a:extLst>
                 <a:ext uri="{91240B29-F687-4f45-9708-019B960494DF}">
-                  <a14:hiddenLine xmlns="" xmlns:a14="http://schemas.microsoft.com/office/drawing/2010/main" w="9525">
+                  <a14:hiddenLine xmlns:a14="http://schemas.microsoft.com/office/drawing/2010/main" xmlns="" w="9525">
                     <a:solidFill>
                       <a:srgbClr val="000000"/>
                     </a:solidFill>
@@ -12887,7 +12896,7 @@
               </a:ln>
               <a:extLst>
                 <a:ext uri="{91240B29-F687-4f45-9708-019B960494DF}">
-                  <a14:hiddenLine xmlns="" xmlns:a14="http://schemas.microsoft.com/office/drawing/2010/main" w="9525">
+                  <a14:hiddenLine xmlns:a14="http://schemas.microsoft.com/office/drawing/2010/main" xmlns="" w="9525">
                     <a:solidFill>
                       <a:srgbClr val="000000"/>
                     </a:solidFill>
@@ -12977,7 +12986,7 @@
               </a:ln>
               <a:extLst>
                 <a:ext uri="{91240B29-F687-4f45-9708-019B960494DF}">
-                  <a14:hiddenLine xmlns="" xmlns:a14="http://schemas.microsoft.com/office/drawing/2010/main" w="9525">
+                  <a14:hiddenLine xmlns:a14="http://schemas.microsoft.com/office/drawing/2010/main" xmlns="" w="9525">
                     <a:solidFill>
                       <a:srgbClr val="000000"/>
                     </a:solidFill>
@@ -13011,7 +13020,7 @@
               </a:ln>
               <a:extLst>
                 <a:ext uri="{91240B29-F687-4f45-9708-019B960494DF}">
-                  <a14:hiddenLine xmlns="" xmlns:a14="http://schemas.microsoft.com/office/drawing/2010/main" w="9525">
+                  <a14:hiddenLine xmlns:a14="http://schemas.microsoft.com/office/drawing/2010/main" xmlns="" w="9525">
                     <a:solidFill>
                       <a:srgbClr val="000000"/>
                     </a:solidFill>
@@ -13820,8 +13829,26 @@
                 <a:effectLst/>
                 <a:latin typeface="Consolas" panose="020B0609020204030204" pitchFamily="49" charset="0"/>
               </a:rPr>
-              <a:t>Nuestro proyecto se basa en un hospital. Vamos a crear una base de datos para recabar información sobre los pacientes, doctores, enfermeros y habitaciones. Esto nos permitirá llevar un correcto funcionamiento de la gestión de los clientes.</a:t>
-            </a:r>
+              <a:t>Nuestro proyecto se basa en un hospital. </a:t>
+            </a:r>
+          </a:p>
+          <a:p>
+            <a:r>
+              <a:rPr lang="es-ES" dirty="0">
+                <a:solidFill>
+                  <a:srgbClr val="FFFF00"/>
+                </a:solidFill>
+                <a:latin typeface="Consolas" panose="020B0609020204030204" pitchFamily="49" charset="0"/>
+              </a:rPr>
+              <a:t>OBJETIVO: recabar información y gestionarla.</a:t>
+            </a:r>
+            <a:endParaRPr lang="es-ES" b="0" dirty="0">
+              <a:solidFill>
+                <a:srgbClr val="FFFF00"/>
+              </a:solidFill>
+              <a:effectLst/>
+              <a:latin typeface="Consolas" panose="020B0609020204030204" pitchFamily="49" charset="0"/>
+            </a:endParaRPr>
           </a:p>
           <a:p>
             <a:pPr marL="0" indent="0">

--- a/doc/Presentación_mitad_de_curso_JuanEspinosayNachoRodriguez.pptx
+++ b/doc/Presentación_mitad_de_curso_JuanEspinosayNachoRodriguez.pptx
@@ -1002,27 +1002,7 @@
                 <a:effectLst/>
                 <a:latin typeface="Consolas" panose="020B0609020204030204" pitchFamily="49" charset="0"/>
               </a:rPr>
-              <a:t>    -La tabla </a:t>
-            </a:r>
-            <a:r>
-              <a:rPr lang="es-ES" b="0" dirty="0" err="1">
-                <a:solidFill>
-                  <a:srgbClr val="D4D4D4"/>
-                </a:solidFill>
-                <a:effectLst/>
-                <a:latin typeface="Consolas" panose="020B0609020204030204" pitchFamily="49" charset="0"/>
-              </a:rPr>
-              <a:t>EnfermerosPacientes</a:t>
-            </a:r>
-            <a:r>
-              <a:rPr lang="es-ES" b="0" dirty="0">
-                <a:solidFill>
-                  <a:srgbClr val="D4D4D4"/>
-                </a:solidFill>
-                <a:effectLst/>
-                <a:latin typeface="Consolas" panose="020B0609020204030204" pitchFamily="49" charset="0"/>
-              </a:rPr>
-              <a:t> representa la </a:t>
+              <a:t>    -La tabla EnfermerosPacientes representa la </a:t>
             </a:r>
             <a:r>
               <a:rPr lang="es-ES" b="0" dirty="0" err="1">
@@ -1405,7 +1385,7 @@
           <a:noFill/>
           <a:extLst>
             <a:ext uri="{909E8E84-426E-40dd-AFC4-6F175D3DCCD1}">
-              <a14:hiddenFill xmlns="" xmlns:a14="http://schemas.microsoft.com/office/drawing/2010/main">
+              <a14:hiddenFill xmlns:a14="http://schemas.microsoft.com/office/drawing/2010/main" xmlns="">
                 <a:solidFill>
                   <a:srgbClr val="FFFFFF"/>
                 </a:solidFill>
@@ -1464,7 +1444,7 @@
             </a:ln>
             <a:extLst>
               <a:ext uri="{91240B29-F687-4f45-9708-019B960494DF}">
-                <a14:hiddenLine xmlns="" xmlns:a14="http://schemas.microsoft.com/office/drawing/2010/main" w="9525">
+                <a14:hiddenLine xmlns:a14="http://schemas.microsoft.com/office/drawing/2010/main" xmlns="" w="9525">
                   <a:solidFill>
                     <a:srgbClr val="000000"/>
                   </a:solidFill>
@@ -1554,7 +1534,7 @@
             </a:ln>
             <a:extLst>
               <a:ext uri="{91240B29-F687-4f45-9708-019B960494DF}">
-                <a14:hiddenLine xmlns="" xmlns:a14="http://schemas.microsoft.com/office/drawing/2010/main" w="9525">
+                <a14:hiddenLine xmlns:a14="http://schemas.microsoft.com/office/drawing/2010/main" xmlns="" w="9525">
                   <a:solidFill>
                     <a:srgbClr val="000000"/>
                   </a:solidFill>
@@ -1644,7 +1624,7 @@
             </a:ln>
             <a:extLst>
               <a:ext uri="{91240B29-F687-4f45-9708-019B960494DF}">
-                <a14:hiddenLine xmlns="" xmlns:a14="http://schemas.microsoft.com/office/drawing/2010/main" w="9525">
+                <a14:hiddenLine xmlns:a14="http://schemas.microsoft.com/office/drawing/2010/main" xmlns="" w="9525">
                   <a:solidFill>
                     <a:srgbClr val="000000"/>
                   </a:solidFill>
@@ -1678,7 +1658,7 @@
             </a:ln>
             <a:extLst>
               <a:ext uri="{91240B29-F687-4f45-9708-019B960494DF}">
-                <a14:hiddenLine xmlns="" xmlns:a14="http://schemas.microsoft.com/office/drawing/2010/main" w="9525">
+                <a14:hiddenLine xmlns:a14="http://schemas.microsoft.com/office/drawing/2010/main" xmlns="" w="9525">
                   <a:solidFill>
                     <a:srgbClr val="000000"/>
                   </a:solidFill>
@@ -1768,7 +1748,7 @@
             </a:ln>
             <a:extLst>
               <a:ext uri="{91240B29-F687-4f45-9708-019B960494DF}">
-                <a14:hiddenLine xmlns="" xmlns:a14="http://schemas.microsoft.com/office/drawing/2010/main" w="9525">
+                <a14:hiddenLine xmlns:a14="http://schemas.microsoft.com/office/drawing/2010/main" xmlns="" w="9525">
                   <a:solidFill>
                     <a:srgbClr val="000000"/>
                   </a:solidFill>
@@ -1830,7 +1810,7 @@
             </a:ln>
             <a:extLst>
               <a:ext uri="{91240B29-F687-4f45-9708-019B960494DF}">
-                <a14:hiddenLine xmlns="" xmlns:a14="http://schemas.microsoft.com/office/drawing/2010/main" w="9525">
+                <a14:hiddenLine xmlns:a14="http://schemas.microsoft.com/office/drawing/2010/main" xmlns="" w="9525">
                   <a:solidFill>
                     <a:srgbClr val="000000"/>
                   </a:solidFill>
@@ -1892,7 +1872,7 @@
             </a:ln>
             <a:extLst>
               <a:ext uri="{91240B29-F687-4f45-9708-019B960494DF}">
-                <a14:hiddenLine xmlns="" xmlns:a14="http://schemas.microsoft.com/office/drawing/2010/main" w="9525">
+                <a14:hiddenLine xmlns:a14="http://schemas.microsoft.com/office/drawing/2010/main" xmlns="" w="9525">
                   <a:solidFill>
                     <a:srgbClr val="000000"/>
                   </a:solidFill>
@@ -1982,7 +1962,7 @@
             </a:ln>
             <a:extLst>
               <a:ext uri="{91240B29-F687-4f45-9708-019B960494DF}">
-                <a14:hiddenLine xmlns="" xmlns:a14="http://schemas.microsoft.com/office/drawing/2010/main" w="9525">
+                <a14:hiddenLine xmlns:a14="http://schemas.microsoft.com/office/drawing/2010/main" xmlns="" w="9525">
                   <a:solidFill>
                     <a:srgbClr val="000000"/>
                   </a:solidFill>
@@ -2044,7 +2024,7 @@
             </a:ln>
             <a:extLst>
               <a:ext uri="{91240B29-F687-4f45-9708-019B960494DF}">
-                <a14:hiddenLine xmlns="" xmlns:a14="http://schemas.microsoft.com/office/drawing/2010/main" w="9525">
+                <a14:hiddenLine xmlns:a14="http://schemas.microsoft.com/office/drawing/2010/main" xmlns="" w="9525">
                   <a:solidFill>
                     <a:srgbClr val="000000"/>
                   </a:solidFill>
@@ -2106,7 +2086,7 @@
             </a:ln>
             <a:extLst>
               <a:ext uri="{91240B29-F687-4f45-9708-019B960494DF}">
-                <a14:hiddenLine xmlns="" xmlns:a14="http://schemas.microsoft.com/office/drawing/2010/main" w="9525">
+                <a14:hiddenLine xmlns:a14="http://schemas.microsoft.com/office/drawing/2010/main" xmlns="" w="9525">
                   <a:solidFill>
                     <a:srgbClr val="000000"/>
                   </a:solidFill>
@@ -2196,7 +2176,7 @@
             </a:ln>
             <a:extLst>
               <a:ext uri="{91240B29-F687-4f45-9708-019B960494DF}">
-                <a14:hiddenLine xmlns="" xmlns:a14="http://schemas.microsoft.com/office/drawing/2010/main" w="9525">
+                <a14:hiddenLine xmlns:a14="http://schemas.microsoft.com/office/drawing/2010/main" xmlns="" w="9525">
                   <a:solidFill>
                     <a:srgbClr val="000000"/>
                   </a:solidFill>
@@ -2286,7 +2266,7 @@
             </a:ln>
             <a:extLst>
               <a:ext uri="{91240B29-F687-4f45-9708-019B960494DF}">
-                <a14:hiddenLine xmlns="" xmlns:a14="http://schemas.microsoft.com/office/drawing/2010/main" w="9525">
+                <a14:hiddenLine xmlns:a14="http://schemas.microsoft.com/office/drawing/2010/main" xmlns="" w="9525">
                   <a:solidFill>
                     <a:srgbClr val="000000"/>
                   </a:solidFill>
@@ -2348,7 +2328,7 @@
             </a:ln>
             <a:extLst>
               <a:ext uri="{91240B29-F687-4f45-9708-019B960494DF}">
-                <a14:hiddenLine xmlns="" xmlns:a14="http://schemas.microsoft.com/office/drawing/2010/main" w="9525">
+                <a14:hiddenLine xmlns:a14="http://schemas.microsoft.com/office/drawing/2010/main" xmlns="" w="9525">
                   <a:solidFill>
                     <a:srgbClr val="000000"/>
                   </a:solidFill>
@@ -2458,7 +2438,7 @@
             </a:ln>
             <a:extLst>
               <a:ext uri="{91240B29-F687-4f45-9708-019B960494DF}">
-                <a14:hiddenLine xmlns="" xmlns:a14="http://schemas.microsoft.com/office/drawing/2010/main" w="9525">
+                <a14:hiddenLine xmlns:a14="http://schemas.microsoft.com/office/drawing/2010/main" xmlns="" w="9525">
                   <a:solidFill>
                     <a:srgbClr val="000000"/>
                   </a:solidFill>
@@ -2520,7 +2500,7 @@
             </a:ln>
             <a:extLst>
               <a:ext uri="{91240B29-F687-4f45-9708-019B960494DF}">
-                <a14:hiddenLine xmlns="" xmlns:a14="http://schemas.microsoft.com/office/drawing/2010/main" w="9525">
+                <a14:hiddenLine xmlns:a14="http://schemas.microsoft.com/office/drawing/2010/main" xmlns="" w="9525">
                   <a:solidFill>
                     <a:srgbClr val="000000"/>
                   </a:solidFill>
@@ -2610,7 +2590,7 @@
             </a:ln>
             <a:extLst>
               <a:ext uri="{91240B29-F687-4f45-9708-019B960494DF}">
-                <a14:hiddenLine xmlns="" xmlns:a14="http://schemas.microsoft.com/office/drawing/2010/main" w="9525">
+                <a14:hiddenLine xmlns:a14="http://schemas.microsoft.com/office/drawing/2010/main" xmlns="" w="9525">
                   <a:solidFill>
                     <a:srgbClr val="000000"/>
                   </a:solidFill>
@@ -2700,7 +2680,7 @@
             </a:ln>
             <a:extLst>
               <a:ext uri="{91240B29-F687-4f45-9708-019B960494DF}">
-                <a14:hiddenLine xmlns="" xmlns:a14="http://schemas.microsoft.com/office/drawing/2010/main" w="9525">
+                <a14:hiddenLine xmlns:a14="http://schemas.microsoft.com/office/drawing/2010/main" xmlns="" w="9525">
                   <a:solidFill>
                     <a:srgbClr val="000000"/>
                   </a:solidFill>
@@ -2762,7 +2742,7 @@
             </a:ln>
             <a:extLst>
               <a:ext uri="{91240B29-F687-4f45-9708-019B960494DF}">
-                <a14:hiddenLine xmlns="" xmlns:a14="http://schemas.microsoft.com/office/drawing/2010/main" w="9525">
+                <a14:hiddenLine xmlns:a14="http://schemas.microsoft.com/office/drawing/2010/main" xmlns="" w="9525">
                   <a:solidFill>
                     <a:srgbClr val="000000"/>
                   </a:solidFill>
@@ -2852,7 +2832,7 @@
             </a:ln>
             <a:extLst>
               <a:ext uri="{91240B29-F687-4f45-9708-019B960494DF}">
-                <a14:hiddenLine xmlns="" xmlns:a14="http://schemas.microsoft.com/office/drawing/2010/main" w="9525">
+                <a14:hiddenLine xmlns:a14="http://schemas.microsoft.com/office/drawing/2010/main" xmlns="" w="9525">
                   <a:solidFill>
                     <a:srgbClr val="000000"/>
                   </a:solidFill>
@@ -2942,7 +2922,7 @@
             </a:ln>
             <a:extLst>
               <a:ext uri="{91240B29-F687-4f45-9708-019B960494DF}">
-                <a14:hiddenLine xmlns="" xmlns:a14="http://schemas.microsoft.com/office/drawing/2010/main" w="9525">
+                <a14:hiddenLine xmlns:a14="http://schemas.microsoft.com/office/drawing/2010/main" xmlns="" w="9525">
                   <a:solidFill>
                     <a:srgbClr val="000000"/>
                   </a:solidFill>
@@ -2998,7 +2978,7 @@
             </a:ln>
             <a:extLst>
               <a:ext uri="{91240B29-F687-4f45-9708-019B960494DF}">
-                <a14:hiddenLine xmlns="" xmlns:a14="http://schemas.microsoft.com/office/drawing/2010/main" w="9525">
+                <a14:hiddenLine xmlns:a14="http://schemas.microsoft.com/office/drawing/2010/main" xmlns="" w="9525">
                   <a:solidFill>
                     <a:srgbClr val="000000"/>
                   </a:solidFill>
@@ -3088,7 +3068,7 @@
             </a:ln>
             <a:extLst>
               <a:ext uri="{91240B29-F687-4f45-9708-019B960494DF}">
-                <a14:hiddenLine xmlns="" xmlns:a14="http://schemas.microsoft.com/office/drawing/2010/main" w="9525">
+                <a14:hiddenLine xmlns:a14="http://schemas.microsoft.com/office/drawing/2010/main" xmlns="" w="9525">
                   <a:solidFill>
                     <a:srgbClr val="000000"/>
                   </a:solidFill>
@@ -3144,7 +3124,7 @@
             </a:ln>
             <a:extLst>
               <a:ext uri="{91240B29-F687-4f45-9708-019B960494DF}">
-                <a14:hiddenLine xmlns="" xmlns:a14="http://schemas.microsoft.com/office/drawing/2010/main" w="9525">
+                <a14:hiddenLine xmlns:a14="http://schemas.microsoft.com/office/drawing/2010/main" xmlns="" w="9525">
                   <a:solidFill>
                     <a:srgbClr val="000000"/>
                   </a:solidFill>
@@ -3234,7 +3214,7 @@
             </a:ln>
             <a:extLst>
               <a:ext uri="{91240B29-F687-4f45-9708-019B960494DF}">
-                <a14:hiddenLine xmlns="" xmlns:a14="http://schemas.microsoft.com/office/drawing/2010/main" w="9525">
+                <a14:hiddenLine xmlns:a14="http://schemas.microsoft.com/office/drawing/2010/main" xmlns="" w="9525">
                   <a:solidFill>
                     <a:srgbClr val="000000"/>
                   </a:solidFill>
@@ -3302,7 +3282,7 @@
             </a:ln>
             <a:extLst>
               <a:ext uri="{91240B29-F687-4f45-9708-019B960494DF}">
-                <a14:hiddenLine xmlns="" xmlns:a14="http://schemas.microsoft.com/office/drawing/2010/main" w="9525">
+                <a14:hiddenLine xmlns:a14="http://schemas.microsoft.com/office/drawing/2010/main" xmlns="" w="9525">
                   <a:solidFill>
                     <a:srgbClr val="000000"/>
                   </a:solidFill>
@@ -3392,7 +3372,7 @@
             </a:ln>
             <a:extLst>
               <a:ext uri="{91240B29-F687-4f45-9708-019B960494DF}">
-                <a14:hiddenLine xmlns="" xmlns:a14="http://schemas.microsoft.com/office/drawing/2010/main" w="9525">
+                <a14:hiddenLine xmlns:a14="http://schemas.microsoft.com/office/drawing/2010/main" xmlns="" w="9525">
                   <a:solidFill>
                     <a:srgbClr val="000000"/>
                   </a:solidFill>
@@ -3460,7 +3440,7 @@
             </a:ln>
             <a:extLst>
               <a:ext uri="{91240B29-F687-4f45-9708-019B960494DF}">
-                <a14:hiddenLine xmlns="" xmlns:a14="http://schemas.microsoft.com/office/drawing/2010/main" w="9525">
+                <a14:hiddenLine xmlns:a14="http://schemas.microsoft.com/office/drawing/2010/main" xmlns="" w="9525">
                   <a:solidFill>
                     <a:srgbClr val="000000"/>
                   </a:solidFill>
@@ -3550,7 +3530,7 @@
             </a:ln>
             <a:extLst>
               <a:ext uri="{91240B29-F687-4f45-9708-019B960494DF}">
-                <a14:hiddenLine xmlns="" xmlns:a14="http://schemas.microsoft.com/office/drawing/2010/main" w="9525">
+                <a14:hiddenLine xmlns:a14="http://schemas.microsoft.com/office/drawing/2010/main" xmlns="" w="9525">
                   <a:solidFill>
                     <a:srgbClr val="000000"/>
                   </a:solidFill>
@@ -3584,7 +3564,7 @@
             </a:ln>
             <a:extLst>
               <a:ext uri="{91240B29-F687-4f45-9708-019B960494DF}">
-                <a14:hiddenLine xmlns="" xmlns:a14="http://schemas.microsoft.com/office/drawing/2010/main" w="9525">
+                <a14:hiddenLine xmlns:a14="http://schemas.microsoft.com/office/drawing/2010/main" xmlns="" w="9525">
                   <a:solidFill>
                     <a:srgbClr val="000000"/>
                   </a:solidFill>
@@ -3674,7 +3654,7 @@
             </a:ln>
             <a:extLst>
               <a:ext uri="{91240B29-F687-4f45-9708-019B960494DF}">
-                <a14:hiddenLine xmlns="" xmlns:a14="http://schemas.microsoft.com/office/drawing/2010/main" w="9525">
+                <a14:hiddenLine xmlns:a14="http://schemas.microsoft.com/office/drawing/2010/main" xmlns="" w="9525">
                   <a:solidFill>
                     <a:srgbClr val="000000"/>
                   </a:solidFill>
@@ -3736,7 +3716,7 @@
             </a:ln>
             <a:extLst>
               <a:ext uri="{91240B29-F687-4f45-9708-019B960494DF}">
-                <a14:hiddenLine xmlns="" xmlns:a14="http://schemas.microsoft.com/office/drawing/2010/main" w="9525">
+                <a14:hiddenLine xmlns:a14="http://schemas.microsoft.com/office/drawing/2010/main" xmlns="" w="9525">
                   <a:solidFill>
                     <a:srgbClr val="000000"/>
                   </a:solidFill>
@@ -3798,7 +3778,7 @@
             </a:ln>
             <a:extLst>
               <a:ext uri="{91240B29-F687-4f45-9708-019B960494DF}">
-                <a14:hiddenLine xmlns="" xmlns:a14="http://schemas.microsoft.com/office/drawing/2010/main" w="9525">
+                <a14:hiddenLine xmlns:a14="http://schemas.microsoft.com/office/drawing/2010/main" xmlns="" w="9525">
                   <a:solidFill>
                     <a:srgbClr val="000000"/>
                   </a:solidFill>
@@ -3888,7 +3868,7 @@
             </a:ln>
             <a:extLst>
               <a:ext uri="{91240B29-F687-4f45-9708-019B960494DF}">
-                <a14:hiddenLine xmlns="" xmlns:a14="http://schemas.microsoft.com/office/drawing/2010/main" w="9525">
+                <a14:hiddenLine xmlns:a14="http://schemas.microsoft.com/office/drawing/2010/main" xmlns="" w="9525">
                   <a:solidFill>
                     <a:srgbClr val="000000"/>
                   </a:solidFill>
@@ -3956,7 +3936,7 @@
             </a:ln>
             <a:extLst>
               <a:ext uri="{91240B29-F687-4f45-9708-019B960494DF}">
-                <a14:hiddenLine xmlns="" xmlns:a14="http://schemas.microsoft.com/office/drawing/2010/main" w="9525">
+                <a14:hiddenLine xmlns:a14="http://schemas.microsoft.com/office/drawing/2010/main" xmlns="" w="9525">
                   <a:solidFill>
                     <a:srgbClr val="000000"/>
                   </a:solidFill>
@@ -4018,7 +3998,7 @@
             </a:ln>
             <a:extLst>
               <a:ext uri="{91240B29-F687-4f45-9708-019B960494DF}">
-                <a14:hiddenLine xmlns="" xmlns:a14="http://schemas.microsoft.com/office/drawing/2010/main" w="9525">
+                <a14:hiddenLine xmlns:a14="http://schemas.microsoft.com/office/drawing/2010/main" xmlns="" w="9525">
                   <a:solidFill>
                     <a:srgbClr val="000000"/>
                   </a:solidFill>
@@ -4108,7 +4088,7 @@
             </a:ln>
             <a:extLst>
               <a:ext uri="{91240B29-F687-4f45-9708-019B960494DF}">
-                <a14:hiddenLine xmlns="" xmlns:a14="http://schemas.microsoft.com/office/drawing/2010/main" w="9525">
+                <a14:hiddenLine xmlns:a14="http://schemas.microsoft.com/office/drawing/2010/main" xmlns="" w="9525">
                   <a:solidFill>
                     <a:srgbClr val="000000"/>
                   </a:solidFill>
@@ -4170,7 +4150,7 @@
             </a:ln>
             <a:extLst>
               <a:ext uri="{91240B29-F687-4f45-9708-019B960494DF}">
-                <a14:hiddenLine xmlns="" xmlns:a14="http://schemas.microsoft.com/office/drawing/2010/main" w="9525">
+                <a14:hiddenLine xmlns:a14="http://schemas.microsoft.com/office/drawing/2010/main" xmlns="" w="9525">
                   <a:solidFill>
                     <a:srgbClr val="000000"/>
                   </a:solidFill>
@@ -4260,7 +4240,7 @@
             </a:ln>
             <a:extLst>
               <a:ext uri="{91240B29-F687-4f45-9708-019B960494DF}">
-                <a14:hiddenLine xmlns="" xmlns:a14="http://schemas.microsoft.com/office/drawing/2010/main" w="9525">
+                <a14:hiddenLine xmlns:a14="http://schemas.microsoft.com/office/drawing/2010/main" xmlns="" w="9525">
                   <a:solidFill>
                     <a:srgbClr val="000000"/>
                   </a:solidFill>
@@ -4322,7 +4302,7 @@
             </a:ln>
             <a:extLst>
               <a:ext uri="{91240B29-F687-4f45-9708-019B960494DF}">
-                <a14:hiddenLine xmlns="" xmlns:a14="http://schemas.microsoft.com/office/drawing/2010/main" w="9525">
+                <a14:hiddenLine xmlns:a14="http://schemas.microsoft.com/office/drawing/2010/main" xmlns="" w="9525">
                   <a:solidFill>
                     <a:srgbClr val="000000"/>
                   </a:solidFill>
@@ -4412,7 +4392,7 @@
             </a:ln>
             <a:extLst>
               <a:ext uri="{91240B29-F687-4f45-9708-019B960494DF}">
-                <a14:hiddenLine xmlns="" xmlns:a14="http://schemas.microsoft.com/office/drawing/2010/main" w="9525">
+                <a14:hiddenLine xmlns:a14="http://schemas.microsoft.com/office/drawing/2010/main" xmlns="" w="9525">
                   <a:solidFill>
                     <a:srgbClr val="000000"/>
                   </a:solidFill>
@@ -4446,7 +4426,7 @@
             </a:ln>
             <a:extLst>
               <a:ext uri="{91240B29-F687-4f45-9708-019B960494DF}">
-                <a14:hiddenLine xmlns="" xmlns:a14="http://schemas.microsoft.com/office/drawing/2010/main" w="9525">
+                <a14:hiddenLine xmlns:a14="http://schemas.microsoft.com/office/drawing/2010/main" xmlns="" w="9525">
                   <a:solidFill>
                     <a:srgbClr val="000000"/>
                   </a:solidFill>
@@ -4511,7 +4491,7 @@
             </a:ln>
             <a:extLst>
               <a:ext uri="{91240B29-F687-4f45-9708-019B960494DF}">
-                <a14:hiddenLine xmlns="" xmlns:a14="http://schemas.microsoft.com/office/drawing/2010/main" w="9525">
+                <a14:hiddenLine xmlns:a14="http://schemas.microsoft.com/office/drawing/2010/main" xmlns="" w="9525">
                   <a:solidFill>
                     <a:srgbClr val="000000"/>
                   </a:solidFill>
@@ -4601,7 +4581,7 @@
             </a:ln>
             <a:extLst>
               <a:ext uri="{91240B29-F687-4f45-9708-019B960494DF}">
-                <a14:hiddenLine xmlns="" xmlns:a14="http://schemas.microsoft.com/office/drawing/2010/main" w="9525">
+                <a14:hiddenLine xmlns:a14="http://schemas.microsoft.com/office/drawing/2010/main" xmlns="" w="9525">
                   <a:solidFill>
                     <a:srgbClr val="000000"/>
                   </a:solidFill>
@@ -4663,7 +4643,7 @@
             </a:ln>
             <a:extLst>
               <a:ext uri="{91240B29-F687-4f45-9708-019B960494DF}">
-                <a14:hiddenLine xmlns="" xmlns:a14="http://schemas.microsoft.com/office/drawing/2010/main" w="9525">
+                <a14:hiddenLine xmlns:a14="http://schemas.microsoft.com/office/drawing/2010/main" xmlns="" w="9525">
                   <a:solidFill>
                     <a:srgbClr val="000000"/>
                   </a:solidFill>
@@ -4753,7 +4733,7 @@
             </a:ln>
             <a:extLst>
               <a:ext uri="{91240B29-F687-4f45-9708-019B960494DF}">
-                <a14:hiddenLine xmlns="" xmlns:a14="http://schemas.microsoft.com/office/drawing/2010/main" w="9525">
+                <a14:hiddenLine xmlns:a14="http://schemas.microsoft.com/office/drawing/2010/main" xmlns="" w="9525">
                   <a:solidFill>
                     <a:srgbClr val="000000"/>
                   </a:solidFill>
@@ -4843,7 +4823,7 @@
             </a:ln>
             <a:extLst>
               <a:ext uri="{91240B29-F687-4f45-9708-019B960494DF}">
-                <a14:hiddenLine xmlns="" xmlns:a14="http://schemas.microsoft.com/office/drawing/2010/main" w="9525">
+                <a14:hiddenLine xmlns:a14="http://schemas.microsoft.com/office/drawing/2010/main" xmlns="" w="9525">
                   <a:solidFill>
                     <a:srgbClr val="000000"/>
                   </a:solidFill>
@@ -4908,7 +4888,7 @@
             </a:ln>
             <a:extLst>
               <a:ext uri="{91240B29-F687-4f45-9708-019B960494DF}">
-                <a14:hiddenLine xmlns="" xmlns:a14="http://schemas.microsoft.com/office/drawing/2010/main" w="9525">
+                <a14:hiddenLine xmlns:a14="http://schemas.microsoft.com/office/drawing/2010/main" xmlns="" w="9525">
                   <a:solidFill>
                     <a:srgbClr val="000000"/>
                   </a:solidFill>
@@ -4970,7 +4950,7 @@
             </a:ln>
             <a:extLst>
               <a:ext uri="{91240B29-F687-4f45-9708-019B960494DF}">
-                <a14:hiddenLine xmlns="" xmlns:a14="http://schemas.microsoft.com/office/drawing/2010/main" w="9525">
+                <a14:hiddenLine xmlns:a14="http://schemas.microsoft.com/office/drawing/2010/main" xmlns="" w="9525">
                   <a:solidFill>
                     <a:srgbClr val="000000"/>
                   </a:solidFill>
@@ -5060,7 +5040,7 @@
             </a:ln>
             <a:extLst>
               <a:ext uri="{91240B29-F687-4f45-9708-019B960494DF}">
-                <a14:hiddenLine xmlns="" xmlns:a14="http://schemas.microsoft.com/office/drawing/2010/main" w="9525">
+                <a14:hiddenLine xmlns:a14="http://schemas.microsoft.com/office/drawing/2010/main" xmlns="" w="9525">
                   <a:solidFill>
                     <a:srgbClr val="000000"/>
                   </a:solidFill>
@@ -5150,7 +5130,7 @@
             </a:ln>
             <a:extLst>
               <a:ext uri="{91240B29-F687-4f45-9708-019B960494DF}">
-                <a14:hiddenLine xmlns="" xmlns:a14="http://schemas.microsoft.com/office/drawing/2010/main" w="9525">
+                <a14:hiddenLine xmlns:a14="http://schemas.microsoft.com/office/drawing/2010/main" xmlns="" w="9525">
                   <a:solidFill>
                     <a:srgbClr val="000000"/>
                   </a:solidFill>
@@ -5212,7 +5192,7 @@
             </a:ln>
             <a:extLst>
               <a:ext uri="{91240B29-F687-4f45-9708-019B960494DF}">
-                <a14:hiddenLine xmlns="" xmlns:a14="http://schemas.microsoft.com/office/drawing/2010/main" w="9525">
+                <a14:hiddenLine xmlns:a14="http://schemas.microsoft.com/office/drawing/2010/main" xmlns="" w="9525">
                   <a:solidFill>
                     <a:srgbClr val="000000"/>
                   </a:solidFill>
@@ -5332,7 +5312,7 @@
             </a:ln>
             <a:extLst>
               <a:ext uri="{91240B29-F687-4f45-9708-019B960494DF}">
-                <a14:hiddenLine xmlns="" xmlns:a14="http://schemas.microsoft.com/office/drawing/2010/main" w="9525">
+                <a14:hiddenLine xmlns:a14="http://schemas.microsoft.com/office/drawing/2010/main" xmlns="" w="9525">
                   <a:solidFill>
                     <a:srgbClr val="000000"/>
                   </a:solidFill>
@@ -5400,7 +5380,7 @@
             </a:ln>
             <a:extLst>
               <a:ext uri="{91240B29-F687-4f45-9708-019B960494DF}">
-                <a14:hiddenLine xmlns="" xmlns:a14="http://schemas.microsoft.com/office/drawing/2010/main" w="9525">
+                <a14:hiddenLine xmlns:a14="http://schemas.microsoft.com/office/drawing/2010/main" xmlns="" w="9525">
                   <a:solidFill>
                     <a:srgbClr val="000000"/>
                   </a:solidFill>
@@ -5490,7 +5470,7 @@
             </a:ln>
             <a:extLst>
               <a:ext uri="{91240B29-F687-4f45-9708-019B960494DF}">
-                <a14:hiddenLine xmlns="" xmlns:a14="http://schemas.microsoft.com/office/drawing/2010/main" w="9525">
+                <a14:hiddenLine xmlns:a14="http://schemas.microsoft.com/office/drawing/2010/main" xmlns="" w="9525">
                   <a:solidFill>
                     <a:srgbClr val="000000"/>
                   </a:solidFill>
@@ -10219,7 +10199,7 @@
           <a:noFill/>
           <a:extLst>
             <a:ext uri="{909E8E84-426E-40dd-AFC4-6F175D3DCCD1}">
-              <a14:hiddenFill xmlns="" xmlns:a14="http://schemas.microsoft.com/office/drawing/2010/main">
+              <a14:hiddenFill xmlns:a14="http://schemas.microsoft.com/office/drawing/2010/main" xmlns="">
                 <a:solidFill>
                   <a:srgbClr val="FFFFFF"/>
                 </a:solidFill>
@@ -10293,7 +10273,7 @@
               </a:ln>
               <a:extLst>
                 <a:ext uri="{91240B29-F687-4f45-9708-019B960494DF}">
-                  <a14:hiddenLine xmlns="" xmlns:a14="http://schemas.microsoft.com/office/drawing/2010/main" w="9525">
+                  <a14:hiddenLine xmlns:a14="http://schemas.microsoft.com/office/drawing/2010/main" xmlns="" w="9525">
                     <a:solidFill>
                       <a:srgbClr val="000000"/>
                     </a:solidFill>
@@ -10383,7 +10363,7 @@
               </a:ln>
               <a:extLst>
                 <a:ext uri="{91240B29-F687-4f45-9708-019B960494DF}">
-                  <a14:hiddenLine xmlns="" xmlns:a14="http://schemas.microsoft.com/office/drawing/2010/main" w="9525">
+                  <a14:hiddenLine xmlns:a14="http://schemas.microsoft.com/office/drawing/2010/main" xmlns="" w="9525">
                     <a:solidFill>
                       <a:srgbClr val="000000"/>
                     </a:solidFill>
@@ -10473,7 +10453,7 @@
               </a:ln>
               <a:extLst>
                 <a:ext uri="{91240B29-F687-4f45-9708-019B960494DF}">
-                  <a14:hiddenLine xmlns="" xmlns:a14="http://schemas.microsoft.com/office/drawing/2010/main" w="9525">
+                  <a14:hiddenLine xmlns:a14="http://schemas.microsoft.com/office/drawing/2010/main" xmlns="" w="9525">
                     <a:solidFill>
                       <a:srgbClr val="000000"/>
                     </a:solidFill>
@@ -10535,7 +10515,7 @@
               </a:ln>
               <a:extLst>
                 <a:ext uri="{91240B29-F687-4f45-9708-019B960494DF}">
-                  <a14:hiddenLine xmlns="" xmlns:a14="http://schemas.microsoft.com/office/drawing/2010/main" w="9525">
+                  <a14:hiddenLine xmlns:a14="http://schemas.microsoft.com/office/drawing/2010/main" xmlns="" w="9525">
                     <a:solidFill>
                       <a:srgbClr val="000000"/>
                     </a:solidFill>
@@ -10625,7 +10605,7 @@
               </a:ln>
               <a:extLst>
                 <a:ext uri="{91240B29-F687-4f45-9708-019B960494DF}">
-                  <a14:hiddenLine xmlns="" xmlns:a14="http://schemas.microsoft.com/office/drawing/2010/main" w="9525">
+                  <a14:hiddenLine xmlns:a14="http://schemas.microsoft.com/office/drawing/2010/main" xmlns="" w="9525">
                     <a:solidFill>
                       <a:srgbClr val="000000"/>
                     </a:solidFill>
@@ -10687,7 +10667,7 @@
               </a:ln>
               <a:extLst>
                 <a:ext uri="{91240B29-F687-4f45-9708-019B960494DF}">
-                  <a14:hiddenLine xmlns="" xmlns:a14="http://schemas.microsoft.com/office/drawing/2010/main" w="9525">
+                  <a14:hiddenLine xmlns:a14="http://schemas.microsoft.com/office/drawing/2010/main" xmlns="" w="9525">
                     <a:solidFill>
                       <a:srgbClr val="000000"/>
                     </a:solidFill>
@@ -10749,7 +10729,7 @@
               </a:ln>
               <a:extLst>
                 <a:ext uri="{91240B29-F687-4f45-9708-019B960494DF}">
-                  <a14:hiddenLine xmlns="" xmlns:a14="http://schemas.microsoft.com/office/drawing/2010/main" w="9525">
+                  <a14:hiddenLine xmlns:a14="http://schemas.microsoft.com/office/drawing/2010/main" xmlns="" w="9525">
                     <a:solidFill>
                       <a:srgbClr val="000000"/>
                     </a:solidFill>
@@ -10839,7 +10819,7 @@
               </a:ln>
               <a:extLst>
                 <a:ext uri="{91240B29-F687-4f45-9708-019B960494DF}">
-                  <a14:hiddenLine xmlns="" xmlns:a14="http://schemas.microsoft.com/office/drawing/2010/main" w="9525">
+                  <a14:hiddenLine xmlns:a14="http://schemas.microsoft.com/office/drawing/2010/main" xmlns="" w="9525">
                     <a:solidFill>
                       <a:srgbClr val="000000"/>
                     </a:solidFill>
@@ -10929,7 +10909,7 @@
               </a:ln>
               <a:extLst>
                 <a:ext uri="{91240B29-F687-4f45-9708-019B960494DF}">
-                  <a14:hiddenLine xmlns="" xmlns:a14="http://schemas.microsoft.com/office/drawing/2010/main" w="9525">
+                  <a14:hiddenLine xmlns:a14="http://schemas.microsoft.com/office/drawing/2010/main" xmlns="" w="9525">
                     <a:solidFill>
                       <a:srgbClr val="000000"/>
                     </a:solidFill>
@@ -10991,7 +10971,7 @@
               </a:ln>
               <a:extLst>
                 <a:ext uri="{91240B29-F687-4f45-9708-019B960494DF}">
-                  <a14:hiddenLine xmlns="" xmlns:a14="http://schemas.microsoft.com/office/drawing/2010/main" w="9525">
+                  <a14:hiddenLine xmlns:a14="http://schemas.microsoft.com/office/drawing/2010/main" xmlns="" w="9525">
                     <a:solidFill>
                       <a:srgbClr val="000000"/>
                     </a:solidFill>
@@ -11101,7 +11081,7 @@
               </a:ln>
               <a:extLst>
                 <a:ext uri="{91240B29-F687-4f45-9708-019B960494DF}">
-                  <a14:hiddenLine xmlns="" xmlns:a14="http://schemas.microsoft.com/office/drawing/2010/main" w="9525">
+                  <a14:hiddenLine xmlns:a14="http://schemas.microsoft.com/office/drawing/2010/main" xmlns="" w="9525">
                     <a:solidFill>
                       <a:srgbClr val="000000"/>
                     </a:solidFill>
@@ -11185,7 +11165,7 @@
               </a:ln>
               <a:extLst>
                 <a:ext uri="{91240B29-F687-4f45-9708-019B960494DF}">
-                  <a14:hiddenLine xmlns="" xmlns:a14="http://schemas.microsoft.com/office/drawing/2010/main" w="9525">
+                  <a14:hiddenLine xmlns:a14="http://schemas.microsoft.com/office/drawing/2010/main" xmlns="" w="9525">
                     <a:solidFill>
                       <a:srgbClr val="000000"/>
                     </a:solidFill>
@@ -11247,7 +11227,7 @@
               </a:ln>
               <a:extLst>
                 <a:ext uri="{91240B29-F687-4f45-9708-019B960494DF}">
-                  <a14:hiddenLine xmlns="" xmlns:a14="http://schemas.microsoft.com/office/drawing/2010/main" w="9525">
+                  <a14:hiddenLine xmlns:a14="http://schemas.microsoft.com/office/drawing/2010/main" xmlns="" w="9525">
                     <a:solidFill>
                       <a:srgbClr val="000000"/>
                     </a:solidFill>
@@ -11309,7 +11289,7 @@
               </a:ln>
               <a:extLst>
                 <a:ext uri="{91240B29-F687-4f45-9708-019B960494DF}">
-                  <a14:hiddenLine xmlns="" xmlns:a14="http://schemas.microsoft.com/office/drawing/2010/main" w="9525">
+                  <a14:hiddenLine xmlns:a14="http://schemas.microsoft.com/office/drawing/2010/main" xmlns="" w="9525">
                     <a:solidFill>
                       <a:srgbClr val="000000"/>
                     </a:solidFill>
@@ -11399,7 +11379,7 @@
               </a:ln>
               <a:extLst>
                 <a:ext uri="{91240B29-F687-4f45-9708-019B960494DF}">
-                  <a14:hiddenLine xmlns="" xmlns:a14="http://schemas.microsoft.com/office/drawing/2010/main" w="9525">
+                  <a14:hiddenLine xmlns:a14="http://schemas.microsoft.com/office/drawing/2010/main" xmlns="" w="9525">
                     <a:solidFill>
                       <a:srgbClr val="000000"/>
                     </a:solidFill>
@@ -11433,7 +11413,7 @@
               </a:ln>
               <a:extLst>
                 <a:ext uri="{91240B29-F687-4f45-9708-019B960494DF}">
-                  <a14:hiddenLine xmlns="" xmlns:a14="http://schemas.microsoft.com/office/drawing/2010/main" w="9525">
+                  <a14:hiddenLine xmlns:a14="http://schemas.microsoft.com/office/drawing/2010/main" xmlns="" w="9525">
                     <a:solidFill>
                       <a:srgbClr val="000000"/>
                     </a:solidFill>
@@ -11498,7 +11478,7 @@
               </a:ln>
               <a:extLst>
                 <a:ext uri="{91240B29-F687-4f45-9708-019B960494DF}">
-                  <a14:hiddenLine xmlns="" xmlns:a14="http://schemas.microsoft.com/office/drawing/2010/main" w="9525">
+                  <a14:hiddenLine xmlns:a14="http://schemas.microsoft.com/office/drawing/2010/main" xmlns="" w="9525">
                     <a:solidFill>
                       <a:srgbClr val="000000"/>
                     </a:solidFill>
@@ -11588,7 +11568,7 @@
               </a:ln>
               <a:extLst>
                 <a:ext uri="{91240B29-F687-4f45-9708-019B960494DF}">
-                  <a14:hiddenLine xmlns="" xmlns:a14="http://schemas.microsoft.com/office/drawing/2010/main" w="9525">
+                  <a14:hiddenLine xmlns:a14="http://schemas.microsoft.com/office/drawing/2010/main" xmlns="" w="9525">
                     <a:solidFill>
                       <a:srgbClr val="000000"/>
                     </a:solidFill>
@@ -11650,7 +11630,7 @@
               </a:ln>
               <a:extLst>
                 <a:ext uri="{91240B29-F687-4f45-9708-019B960494DF}">
-                  <a14:hiddenLine xmlns="" xmlns:a14="http://schemas.microsoft.com/office/drawing/2010/main" w="9525">
+                  <a14:hiddenLine xmlns:a14="http://schemas.microsoft.com/office/drawing/2010/main" xmlns="" w="9525">
                     <a:solidFill>
                       <a:srgbClr val="000000"/>
                     </a:solidFill>
@@ -11740,7 +11720,7 @@
               </a:ln>
               <a:extLst>
                 <a:ext uri="{91240B29-F687-4f45-9708-019B960494DF}">
-                  <a14:hiddenLine xmlns="" xmlns:a14="http://schemas.microsoft.com/office/drawing/2010/main" w="9525">
+                  <a14:hiddenLine xmlns:a14="http://schemas.microsoft.com/office/drawing/2010/main" xmlns="" w="9525">
                     <a:solidFill>
                       <a:srgbClr val="000000"/>
                     </a:solidFill>
@@ -11805,7 +11785,7 @@
               </a:ln>
               <a:extLst>
                 <a:ext uri="{91240B29-F687-4f45-9708-019B960494DF}">
-                  <a14:hiddenLine xmlns="" xmlns:a14="http://schemas.microsoft.com/office/drawing/2010/main" w="9525">
+                  <a14:hiddenLine xmlns:a14="http://schemas.microsoft.com/office/drawing/2010/main" xmlns="" w="9525">
                     <a:solidFill>
                       <a:srgbClr val="000000"/>
                     </a:solidFill>
@@ -11867,7 +11847,7 @@
               </a:ln>
               <a:extLst>
                 <a:ext uri="{91240B29-F687-4f45-9708-019B960494DF}">
-                  <a14:hiddenLine xmlns="" xmlns:a14="http://schemas.microsoft.com/office/drawing/2010/main" w="9525">
+                  <a14:hiddenLine xmlns:a14="http://schemas.microsoft.com/office/drawing/2010/main" xmlns="" w="9525">
                     <a:solidFill>
                       <a:srgbClr val="000000"/>
                     </a:solidFill>
@@ -11957,7 +11937,7 @@
               </a:ln>
               <a:extLst>
                 <a:ext uri="{91240B29-F687-4f45-9708-019B960494DF}">
-                  <a14:hiddenLine xmlns="" xmlns:a14="http://schemas.microsoft.com/office/drawing/2010/main" w="9525">
+                  <a14:hiddenLine xmlns:a14="http://schemas.microsoft.com/office/drawing/2010/main" xmlns="" w="9525">
                     <a:solidFill>
                       <a:srgbClr val="000000"/>
                     </a:solidFill>
@@ -12047,7 +12027,7 @@
               </a:ln>
               <a:extLst>
                 <a:ext uri="{91240B29-F687-4f45-9708-019B960494DF}">
-                  <a14:hiddenLine xmlns="" xmlns:a14="http://schemas.microsoft.com/office/drawing/2010/main" w="9525">
+                  <a14:hiddenLine xmlns:a14="http://schemas.microsoft.com/office/drawing/2010/main" xmlns="" w="9525">
                     <a:solidFill>
                       <a:srgbClr val="000000"/>
                     </a:solidFill>
@@ -12112,7 +12092,7 @@
               </a:ln>
               <a:extLst>
                 <a:ext uri="{91240B29-F687-4f45-9708-019B960494DF}">
-                  <a14:hiddenLine xmlns="" xmlns:a14="http://schemas.microsoft.com/office/drawing/2010/main" w="9525">
+                  <a14:hiddenLine xmlns:a14="http://schemas.microsoft.com/office/drawing/2010/main" xmlns="" w="9525">
                     <a:solidFill>
                       <a:srgbClr val="000000"/>
                     </a:solidFill>
@@ -12232,7 +12212,7 @@
               </a:ln>
               <a:extLst>
                 <a:ext uri="{91240B29-F687-4f45-9708-019B960494DF}">
-                  <a14:hiddenLine xmlns="" xmlns:a14="http://schemas.microsoft.com/office/drawing/2010/main" w="9525">
+                  <a14:hiddenLine xmlns:a14="http://schemas.microsoft.com/office/drawing/2010/main" xmlns="" w="9525">
                     <a:solidFill>
                       <a:srgbClr val="000000"/>
                     </a:solidFill>
@@ -12313,7 +12293,7 @@
               </a:ln>
               <a:extLst>
                 <a:ext uri="{91240B29-F687-4f45-9708-019B960494DF}">
-                  <a14:hiddenLine xmlns="" xmlns:a14="http://schemas.microsoft.com/office/drawing/2010/main" w="9525">
+                  <a14:hiddenLine xmlns:a14="http://schemas.microsoft.com/office/drawing/2010/main" xmlns="" w="9525">
                     <a:solidFill>
                       <a:srgbClr val="000000"/>
                     </a:solidFill>
@@ -12428,7 +12408,7 @@
               </a:ln>
               <a:extLst>
                 <a:ext uri="{91240B29-F687-4f45-9708-019B960494DF}">
-                  <a14:hiddenLine xmlns="" xmlns:a14="http://schemas.microsoft.com/office/drawing/2010/main" w="9525">
+                  <a14:hiddenLine xmlns:a14="http://schemas.microsoft.com/office/drawing/2010/main" xmlns="" w="9525">
                     <a:solidFill>
                       <a:srgbClr val="000000"/>
                     </a:solidFill>
@@ -12518,7 +12498,7 @@
               </a:ln>
               <a:extLst>
                 <a:ext uri="{91240B29-F687-4f45-9708-019B960494DF}">
-                  <a14:hiddenLine xmlns="" xmlns:a14="http://schemas.microsoft.com/office/drawing/2010/main" w="9525">
+                  <a14:hiddenLine xmlns:a14="http://schemas.microsoft.com/office/drawing/2010/main" xmlns="" w="9525">
                     <a:solidFill>
                       <a:srgbClr val="000000"/>
                     </a:solidFill>
@@ -12583,7 +12563,7 @@
               </a:ln>
               <a:extLst>
                 <a:ext uri="{91240B29-F687-4f45-9708-019B960494DF}">
-                  <a14:hiddenLine xmlns="" xmlns:a14="http://schemas.microsoft.com/office/drawing/2010/main" w="9525">
+                  <a14:hiddenLine xmlns:a14="http://schemas.microsoft.com/office/drawing/2010/main" xmlns="" w="9525">
                     <a:solidFill>
                       <a:srgbClr val="000000"/>
                     </a:solidFill>
@@ -12673,7 +12653,7 @@
               </a:ln>
               <a:extLst>
                 <a:ext uri="{91240B29-F687-4f45-9708-019B960494DF}">
-                  <a14:hiddenLine xmlns="" xmlns:a14="http://schemas.microsoft.com/office/drawing/2010/main" w="9525">
+                  <a14:hiddenLine xmlns:a14="http://schemas.microsoft.com/office/drawing/2010/main" xmlns="" w="9525">
                     <a:solidFill>
                       <a:srgbClr val="000000"/>
                     </a:solidFill>
@@ -12741,7 +12721,7 @@
               </a:ln>
               <a:extLst>
                 <a:ext uri="{91240B29-F687-4f45-9708-019B960494DF}">
-                  <a14:hiddenLine xmlns="" xmlns:a14="http://schemas.microsoft.com/office/drawing/2010/main" w="9525">
+                  <a14:hiddenLine xmlns:a14="http://schemas.microsoft.com/office/drawing/2010/main" xmlns="" w="9525">
                     <a:solidFill>
                       <a:srgbClr val="000000"/>
                     </a:solidFill>
@@ -12831,7 +12811,7 @@
               </a:ln>
               <a:extLst>
                 <a:ext uri="{91240B29-F687-4f45-9708-019B960494DF}">
-                  <a14:hiddenLine xmlns="" xmlns:a14="http://schemas.microsoft.com/office/drawing/2010/main" w="9525">
+                  <a14:hiddenLine xmlns:a14="http://schemas.microsoft.com/office/drawing/2010/main" xmlns="" w="9525">
                     <a:solidFill>
                       <a:srgbClr val="000000"/>
                     </a:solidFill>
@@ -12899,7 +12879,7 @@
               </a:ln>
               <a:extLst>
                 <a:ext uri="{91240B29-F687-4f45-9708-019B960494DF}">
-                  <a14:hiddenLine xmlns="" xmlns:a14="http://schemas.microsoft.com/office/drawing/2010/main" w="9525">
+                  <a14:hiddenLine xmlns:a14="http://schemas.microsoft.com/office/drawing/2010/main" xmlns="" w="9525">
                     <a:solidFill>
                       <a:srgbClr val="000000"/>
                     </a:solidFill>
@@ -12989,7 +12969,7 @@
               </a:ln>
               <a:extLst>
                 <a:ext uri="{91240B29-F687-4f45-9708-019B960494DF}">
-                  <a14:hiddenLine xmlns="" xmlns:a14="http://schemas.microsoft.com/office/drawing/2010/main" w="9525">
+                  <a14:hiddenLine xmlns:a14="http://schemas.microsoft.com/office/drawing/2010/main" xmlns="" w="9525">
                     <a:solidFill>
                       <a:srgbClr val="000000"/>
                     </a:solidFill>
@@ -13023,7 +13003,7 @@
               </a:ln>
               <a:extLst>
                 <a:ext uri="{91240B29-F687-4f45-9708-019B960494DF}">
-                  <a14:hiddenLine xmlns="" xmlns:a14="http://schemas.microsoft.com/office/drawing/2010/main" w="9525">
+                  <a14:hiddenLine xmlns:a14="http://schemas.microsoft.com/office/drawing/2010/main" xmlns="" w="9525">
                     <a:solidFill>
                       <a:srgbClr val="000000"/>
                     </a:solidFill>
@@ -13942,10 +13922,10 @@
       </p:sp>
       <p:pic>
         <p:nvPicPr>
-          <p:cNvPr id="7" name="Marcador de contenido 6" descr="Diagrama&#10;&#10;Descripción generada automáticamente">
+          <p:cNvPr id="6" name="Marcador de contenido 5" descr="Diagrama&#10;&#10;Descripción generada automáticamente">
             <a:extLst>
               <a:ext uri="{FF2B5EF4-FFF2-40B4-BE49-F238E27FC236}">
-                <a16:creationId xmlns:a16="http://schemas.microsoft.com/office/drawing/2014/main" id="{BF7B8341-4CDA-4BEB-84CA-5B10F7F7D77F}"/>
+                <a16:creationId xmlns:a16="http://schemas.microsoft.com/office/drawing/2014/main" id="{42FDF08F-2853-4C18-9C9B-6BDCB586D80D}"/>
               </a:ext>
             </a:extLst>
           </p:cNvPr>
@@ -13964,8 +13944,8 @@
         </p:blipFill>
         <p:spPr>
           <a:xfrm>
-            <a:off x="2725270" y="1013422"/>
-            <a:ext cx="6741459" cy="5201914"/>
+            <a:off x="2677139" y="867008"/>
+            <a:ext cx="6837721" cy="5651991"/>
           </a:xfrm>
         </p:spPr>
       </p:pic>
@@ -14271,7 +14251,7 @@
           <a:noFill/>
           <a:extLst>
             <a:ext uri="{909E8E84-426E-40dd-AFC4-6F175D3DCCD1}">
-              <a14:hiddenFill xmlns="" xmlns:a16="http://schemas.microsoft.com/office/drawing/2014/main" xmlns:a14="http://schemas.microsoft.com/office/drawing/2010/main">
+              <a14:hiddenFill xmlns:a14="http://schemas.microsoft.com/office/drawing/2010/main" xmlns:a16="http://schemas.microsoft.com/office/drawing/2014/main" xmlns="">
                 <a:solidFill>
                   <a:srgbClr val="FFFFFF"/>
                 </a:solidFill>
@@ -14363,7 +14343,7 @@
             </a:ln>
             <a:extLst>
               <a:ext uri="{91240B29-F687-4f45-9708-019B960494DF}">
-                <a14:hiddenLine xmlns="" xmlns:a16="http://schemas.microsoft.com/office/drawing/2014/main" xmlns:a14="http://schemas.microsoft.com/office/drawing/2010/main" w="9525">
+                <a14:hiddenLine xmlns:a14="http://schemas.microsoft.com/office/drawing/2010/main" xmlns:a16="http://schemas.microsoft.com/office/drawing/2014/main" xmlns="" w="9525">
                   <a:solidFill>
                     <a:srgbClr val="000000"/>
                   </a:solidFill>
@@ -14468,7 +14448,7 @@
             </a:ln>
             <a:extLst>
               <a:ext uri="{91240B29-F687-4f45-9708-019B960494DF}">
-                <a14:hiddenLine xmlns="" xmlns:a16="http://schemas.microsoft.com/office/drawing/2014/main" xmlns:a14="http://schemas.microsoft.com/office/drawing/2010/main" w="9525">
+                <a14:hiddenLine xmlns:a14="http://schemas.microsoft.com/office/drawing/2010/main" xmlns:a16="http://schemas.microsoft.com/office/drawing/2014/main" xmlns="" w="9525">
                   <a:solidFill>
                     <a:srgbClr val="000000"/>
                   </a:solidFill>
@@ -14573,7 +14553,7 @@
             </a:ln>
             <a:extLst>
               <a:ext uri="{91240B29-F687-4f45-9708-019B960494DF}">
-                <a14:hiddenLine xmlns="" xmlns:a16="http://schemas.microsoft.com/office/drawing/2014/main" xmlns:a14="http://schemas.microsoft.com/office/drawing/2010/main" w="9525">
+                <a14:hiddenLine xmlns:a14="http://schemas.microsoft.com/office/drawing/2010/main" xmlns:a16="http://schemas.microsoft.com/office/drawing/2014/main" xmlns="" w="9525">
                   <a:solidFill>
                     <a:srgbClr val="000000"/>
                   </a:solidFill>
@@ -14622,7 +14602,7 @@
             </a:ln>
             <a:extLst>
               <a:ext uri="{91240B29-F687-4f45-9708-019B960494DF}">
-                <a14:hiddenLine xmlns="" xmlns:a16="http://schemas.microsoft.com/office/drawing/2014/main" xmlns:a14="http://schemas.microsoft.com/office/drawing/2010/main" w="9525">
+                <a14:hiddenLine xmlns:a14="http://schemas.microsoft.com/office/drawing/2010/main" xmlns:a16="http://schemas.microsoft.com/office/drawing/2014/main" xmlns="" w="9525">
                   <a:solidFill>
                     <a:srgbClr val="000000"/>
                   </a:solidFill>
@@ -14727,7 +14707,7 @@
             </a:ln>
             <a:extLst>
               <a:ext uri="{91240B29-F687-4f45-9708-019B960494DF}">
-                <a14:hiddenLine xmlns="" xmlns:a16="http://schemas.microsoft.com/office/drawing/2014/main" xmlns:a14="http://schemas.microsoft.com/office/drawing/2010/main" w="9525">
+                <a14:hiddenLine xmlns:a14="http://schemas.microsoft.com/office/drawing/2010/main" xmlns:a16="http://schemas.microsoft.com/office/drawing/2014/main" xmlns="" w="9525">
                   <a:solidFill>
                     <a:srgbClr val="000000"/>
                   </a:solidFill>
@@ -14804,7 +14784,7 @@
             </a:ln>
             <a:extLst>
               <a:ext uri="{91240B29-F687-4f45-9708-019B960494DF}">
-                <a14:hiddenLine xmlns="" xmlns:a16="http://schemas.microsoft.com/office/drawing/2014/main" xmlns:a14="http://schemas.microsoft.com/office/drawing/2010/main" w="9525">
+                <a14:hiddenLine xmlns:a14="http://schemas.microsoft.com/office/drawing/2010/main" xmlns:a16="http://schemas.microsoft.com/office/drawing/2014/main" xmlns="" w="9525">
                   <a:solidFill>
                     <a:srgbClr val="000000"/>
                   </a:solidFill>
@@ -14881,7 +14861,7 @@
             </a:ln>
             <a:extLst>
               <a:ext uri="{91240B29-F687-4f45-9708-019B960494DF}">
-                <a14:hiddenLine xmlns="" xmlns:a16="http://schemas.microsoft.com/office/drawing/2014/main" xmlns:a14="http://schemas.microsoft.com/office/drawing/2010/main" w="9525">
+                <a14:hiddenLine xmlns:a14="http://schemas.microsoft.com/office/drawing/2010/main" xmlns:a16="http://schemas.microsoft.com/office/drawing/2014/main" xmlns="" w="9525">
                   <a:solidFill>
                     <a:srgbClr val="000000"/>
                   </a:solidFill>
@@ -14986,7 +14966,7 @@
             </a:ln>
             <a:extLst>
               <a:ext uri="{91240B29-F687-4f45-9708-019B960494DF}">
-                <a14:hiddenLine xmlns="" xmlns:a16="http://schemas.microsoft.com/office/drawing/2014/main" xmlns:a14="http://schemas.microsoft.com/office/drawing/2010/main" w="9525">
+                <a14:hiddenLine xmlns:a14="http://schemas.microsoft.com/office/drawing/2010/main" xmlns:a16="http://schemas.microsoft.com/office/drawing/2014/main" xmlns="" w="9525">
                   <a:solidFill>
                     <a:srgbClr val="000000"/>
                   </a:solidFill>
@@ -15063,7 +15043,7 @@
             </a:ln>
             <a:extLst>
               <a:ext uri="{91240B29-F687-4f45-9708-019B960494DF}">
-                <a14:hiddenLine xmlns="" xmlns:a16="http://schemas.microsoft.com/office/drawing/2014/main" xmlns:a14="http://schemas.microsoft.com/office/drawing/2010/main" w="9525">
+                <a14:hiddenLine xmlns:a14="http://schemas.microsoft.com/office/drawing/2010/main" xmlns:a16="http://schemas.microsoft.com/office/drawing/2014/main" xmlns="" w="9525">
                   <a:solidFill>
                     <a:srgbClr val="000000"/>
                   </a:solidFill>
@@ -15140,7 +15120,7 @@
             </a:ln>
             <a:extLst>
               <a:ext uri="{91240B29-F687-4f45-9708-019B960494DF}">
-                <a14:hiddenLine xmlns="" xmlns:a16="http://schemas.microsoft.com/office/drawing/2014/main" xmlns:a14="http://schemas.microsoft.com/office/drawing/2010/main" w="9525">
+                <a14:hiddenLine xmlns:a14="http://schemas.microsoft.com/office/drawing/2010/main" xmlns:a16="http://schemas.microsoft.com/office/drawing/2014/main" xmlns="" w="9525">
                   <a:solidFill>
                     <a:srgbClr val="000000"/>
                   </a:solidFill>
@@ -15245,7 +15225,7 @@
             </a:ln>
             <a:extLst>
               <a:ext uri="{91240B29-F687-4f45-9708-019B960494DF}">
-                <a14:hiddenLine xmlns="" xmlns:a16="http://schemas.microsoft.com/office/drawing/2014/main" xmlns:a14="http://schemas.microsoft.com/office/drawing/2010/main" w="9525">
+                <a14:hiddenLine xmlns:a14="http://schemas.microsoft.com/office/drawing/2010/main" xmlns:a16="http://schemas.microsoft.com/office/drawing/2014/main" xmlns="" w="9525">
                   <a:solidFill>
                     <a:srgbClr val="000000"/>
                   </a:solidFill>
@@ -15350,7 +15330,7 @@
             </a:ln>
             <a:extLst>
               <a:ext uri="{91240B29-F687-4f45-9708-019B960494DF}">
-                <a14:hiddenLine xmlns="" xmlns:a16="http://schemas.microsoft.com/office/drawing/2014/main" xmlns:a14="http://schemas.microsoft.com/office/drawing/2010/main" w="9525">
+                <a14:hiddenLine xmlns:a14="http://schemas.microsoft.com/office/drawing/2010/main" xmlns:a16="http://schemas.microsoft.com/office/drawing/2014/main" xmlns="" w="9525">
                   <a:solidFill>
                     <a:srgbClr val="000000"/>
                   </a:solidFill>
@@ -15427,7 +15407,7 @@
             </a:ln>
             <a:extLst>
               <a:ext uri="{91240B29-F687-4f45-9708-019B960494DF}">
-                <a14:hiddenLine xmlns="" xmlns:a16="http://schemas.microsoft.com/office/drawing/2014/main" xmlns:a14="http://schemas.microsoft.com/office/drawing/2010/main" w="9525">
+                <a14:hiddenLine xmlns:a14="http://schemas.microsoft.com/office/drawing/2010/main" xmlns:a16="http://schemas.microsoft.com/office/drawing/2014/main" xmlns="" w="9525">
                   <a:solidFill>
                     <a:srgbClr val="000000"/>
                   </a:solidFill>
@@ -15552,7 +15532,7 @@
             </a:ln>
             <a:extLst>
               <a:ext uri="{91240B29-F687-4f45-9708-019B960494DF}">
-                <a14:hiddenLine xmlns="" xmlns:a16="http://schemas.microsoft.com/office/drawing/2014/main" xmlns:a14="http://schemas.microsoft.com/office/drawing/2010/main" w="9525">
+                <a14:hiddenLine xmlns:a14="http://schemas.microsoft.com/office/drawing/2010/main" xmlns:a16="http://schemas.microsoft.com/office/drawing/2014/main" xmlns="" w="9525">
                   <a:solidFill>
                     <a:srgbClr val="000000"/>
                   </a:solidFill>
@@ -15629,7 +15609,7 @@
             </a:ln>
             <a:extLst>
               <a:ext uri="{91240B29-F687-4f45-9708-019B960494DF}">
-                <a14:hiddenLine xmlns="" xmlns:a16="http://schemas.microsoft.com/office/drawing/2014/main" xmlns:a14="http://schemas.microsoft.com/office/drawing/2010/main" w="9525">
+                <a14:hiddenLine xmlns:a14="http://schemas.microsoft.com/office/drawing/2010/main" xmlns:a16="http://schemas.microsoft.com/office/drawing/2014/main" xmlns="" w="9525">
                   <a:solidFill>
                     <a:srgbClr val="000000"/>
                   </a:solidFill>
@@ -15734,7 +15714,7 @@
             </a:ln>
             <a:extLst>
               <a:ext uri="{91240B29-F687-4f45-9708-019B960494DF}">
-                <a14:hiddenLine xmlns="" xmlns:a16="http://schemas.microsoft.com/office/drawing/2014/main" xmlns:a14="http://schemas.microsoft.com/office/drawing/2010/main" w="9525">
+                <a14:hiddenLine xmlns:a14="http://schemas.microsoft.com/office/drawing/2010/main" xmlns:a16="http://schemas.microsoft.com/office/drawing/2014/main" xmlns="" w="9525">
                   <a:solidFill>
                     <a:srgbClr val="000000"/>
                   </a:solidFill>
@@ -15839,7 +15819,7 @@
             </a:ln>
             <a:extLst>
               <a:ext uri="{91240B29-F687-4f45-9708-019B960494DF}">
-                <a14:hiddenLine xmlns="" xmlns:a16="http://schemas.microsoft.com/office/drawing/2014/main" xmlns:a14="http://schemas.microsoft.com/office/drawing/2010/main" w="9525">
+                <a14:hiddenLine xmlns:a14="http://schemas.microsoft.com/office/drawing/2010/main" xmlns:a16="http://schemas.microsoft.com/office/drawing/2014/main" xmlns="" w="9525">
                   <a:solidFill>
                     <a:srgbClr val="000000"/>
                   </a:solidFill>
@@ -15916,7 +15896,7 @@
             </a:ln>
             <a:extLst>
               <a:ext uri="{91240B29-F687-4f45-9708-019B960494DF}">
-                <a14:hiddenLine xmlns="" xmlns:a16="http://schemas.microsoft.com/office/drawing/2014/main" xmlns:a14="http://schemas.microsoft.com/office/drawing/2010/main" w="9525">
+                <a14:hiddenLine xmlns:a14="http://schemas.microsoft.com/office/drawing/2010/main" xmlns:a16="http://schemas.microsoft.com/office/drawing/2014/main" xmlns="" w="9525">
                   <a:solidFill>
                     <a:srgbClr val="000000"/>
                   </a:solidFill>
@@ -16021,7 +16001,7 @@
             </a:ln>
             <a:extLst>
               <a:ext uri="{91240B29-F687-4f45-9708-019B960494DF}">
-                <a14:hiddenLine xmlns="" xmlns:a16="http://schemas.microsoft.com/office/drawing/2014/main" xmlns:a14="http://schemas.microsoft.com/office/drawing/2010/main" w="9525">
+                <a14:hiddenLine xmlns:a14="http://schemas.microsoft.com/office/drawing/2010/main" xmlns:a16="http://schemas.microsoft.com/office/drawing/2014/main" xmlns="" w="9525">
                   <a:solidFill>
                     <a:srgbClr val="000000"/>
                   </a:solidFill>
@@ -16126,7 +16106,7 @@
             </a:ln>
             <a:extLst>
               <a:ext uri="{91240B29-F687-4f45-9708-019B960494DF}">
-                <a14:hiddenLine xmlns="" xmlns:a16="http://schemas.microsoft.com/office/drawing/2014/main" xmlns:a14="http://schemas.microsoft.com/office/drawing/2010/main" w="9525">
+                <a14:hiddenLine xmlns:a14="http://schemas.microsoft.com/office/drawing/2010/main" xmlns:a16="http://schemas.microsoft.com/office/drawing/2014/main" xmlns="" w="9525">
                   <a:solidFill>
                     <a:srgbClr val="000000"/>
                   </a:solidFill>
@@ -16197,7 +16177,7 @@
             </a:ln>
             <a:extLst>
               <a:ext uri="{91240B29-F687-4f45-9708-019B960494DF}">
-                <a14:hiddenLine xmlns="" xmlns:a16="http://schemas.microsoft.com/office/drawing/2014/main" xmlns:a14="http://schemas.microsoft.com/office/drawing/2010/main" w="9525">
+                <a14:hiddenLine xmlns:a14="http://schemas.microsoft.com/office/drawing/2010/main" xmlns:a16="http://schemas.microsoft.com/office/drawing/2014/main" xmlns="" w="9525">
                   <a:solidFill>
                     <a:srgbClr val="000000"/>
                   </a:solidFill>
@@ -16302,7 +16282,7 @@
             </a:ln>
             <a:extLst>
               <a:ext uri="{91240B29-F687-4f45-9708-019B960494DF}">
-                <a14:hiddenLine xmlns="" xmlns:a16="http://schemas.microsoft.com/office/drawing/2014/main" xmlns:a14="http://schemas.microsoft.com/office/drawing/2010/main" w="9525">
+                <a14:hiddenLine xmlns:a14="http://schemas.microsoft.com/office/drawing/2010/main" xmlns:a16="http://schemas.microsoft.com/office/drawing/2014/main" xmlns="" w="9525">
                   <a:solidFill>
                     <a:srgbClr val="000000"/>
                   </a:solidFill>
@@ -16373,7 +16353,7 @@
             </a:ln>
             <a:extLst>
               <a:ext uri="{91240B29-F687-4f45-9708-019B960494DF}">
-                <a14:hiddenLine xmlns="" xmlns:a16="http://schemas.microsoft.com/office/drawing/2014/main" xmlns:a14="http://schemas.microsoft.com/office/drawing/2010/main" w="9525">
+                <a14:hiddenLine xmlns:a14="http://schemas.microsoft.com/office/drawing/2010/main" xmlns:a16="http://schemas.microsoft.com/office/drawing/2014/main" xmlns="" w="9525">
                   <a:solidFill>
                     <a:srgbClr val="000000"/>
                   </a:solidFill>
@@ -16478,7 +16458,7 @@
             </a:ln>
             <a:extLst>
               <a:ext uri="{91240B29-F687-4f45-9708-019B960494DF}">
-                <a14:hiddenLine xmlns="" xmlns:a16="http://schemas.microsoft.com/office/drawing/2014/main" xmlns:a14="http://schemas.microsoft.com/office/drawing/2010/main" w="9525">
+                <a14:hiddenLine xmlns:a14="http://schemas.microsoft.com/office/drawing/2010/main" xmlns:a16="http://schemas.microsoft.com/office/drawing/2014/main" xmlns="" w="9525">
                   <a:solidFill>
                     <a:srgbClr val="000000"/>
                   </a:solidFill>
@@ -16561,7 +16541,7 @@
             </a:ln>
             <a:extLst>
               <a:ext uri="{91240B29-F687-4f45-9708-019B960494DF}">
-                <a14:hiddenLine xmlns="" xmlns:a16="http://schemas.microsoft.com/office/drawing/2014/main" xmlns:a14="http://schemas.microsoft.com/office/drawing/2010/main" w="9525">
+                <a14:hiddenLine xmlns:a14="http://schemas.microsoft.com/office/drawing/2010/main" xmlns:a16="http://schemas.microsoft.com/office/drawing/2014/main" xmlns="" w="9525">
                   <a:solidFill>
                     <a:srgbClr val="000000"/>
                   </a:solidFill>
@@ -16666,7 +16646,7 @@
             </a:ln>
             <a:extLst>
               <a:ext uri="{91240B29-F687-4f45-9708-019B960494DF}">
-                <a14:hiddenLine xmlns="" xmlns:a16="http://schemas.microsoft.com/office/drawing/2014/main" xmlns:a14="http://schemas.microsoft.com/office/drawing/2010/main" w="9525">
+                <a14:hiddenLine xmlns:a14="http://schemas.microsoft.com/office/drawing/2010/main" xmlns:a16="http://schemas.microsoft.com/office/drawing/2014/main" xmlns="" w="9525">
                   <a:solidFill>
                     <a:srgbClr val="000000"/>
                   </a:solidFill>
@@ -16749,7 +16729,7 @@
             </a:ln>
             <a:extLst>
               <a:ext uri="{91240B29-F687-4f45-9708-019B960494DF}">
-                <a14:hiddenLine xmlns="" xmlns:a16="http://schemas.microsoft.com/office/drawing/2014/main" xmlns:a14="http://schemas.microsoft.com/office/drawing/2010/main" w="9525">
+                <a14:hiddenLine xmlns:a14="http://schemas.microsoft.com/office/drawing/2010/main" xmlns:a16="http://schemas.microsoft.com/office/drawing/2014/main" xmlns="" w="9525">
                   <a:solidFill>
                     <a:srgbClr val="000000"/>
                   </a:solidFill>
@@ -16854,7 +16834,7 @@
             </a:ln>
             <a:extLst>
               <a:ext uri="{91240B29-F687-4f45-9708-019B960494DF}">
-                <a14:hiddenLine xmlns="" xmlns:a16="http://schemas.microsoft.com/office/drawing/2014/main" xmlns:a14="http://schemas.microsoft.com/office/drawing/2010/main" w="9525">
+                <a14:hiddenLine xmlns:a14="http://schemas.microsoft.com/office/drawing/2010/main" xmlns:a16="http://schemas.microsoft.com/office/drawing/2014/main" xmlns="" w="9525">
                   <a:solidFill>
                     <a:srgbClr val="000000"/>
                   </a:solidFill>
@@ -16903,7 +16883,7 @@
             </a:ln>
             <a:extLst>
               <a:ext uri="{91240B29-F687-4f45-9708-019B960494DF}">
-                <a14:hiddenLine xmlns="" xmlns:a16="http://schemas.microsoft.com/office/drawing/2014/main" xmlns:a14="http://schemas.microsoft.com/office/drawing/2010/main" w="9525">
+                <a14:hiddenLine xmlns:a14="http://schemas.microsoft.com/office/drawing/2010/main" xmlns:a16="http://schemas.microsoft.com/office/drawing/2014/main" xmlns="" w="9525">
                   <a:solidFill>
                     <a:srgbClr val="000000"/>
                   </a:solidFill>
@@ -17008,7 +16988,7 @@
             </a:ln>
             <a:extLst>
               <a:ext uri="{91240B29-F687-4f45-9708-019B960494DF}">
-                <a14:hiddenLine xmlns="" xmlns:a16="http://schemas.microsoft.com/office/drawing/2014/main" xmlns:a14="http://schemas.microsoft.com/office/drawing/2010/main" w="9525">
+                <a14:hiddenLine xmlns:a14="http://schemas.microsoft.com/office/drawing/2010/main" xmlns:a16="http://schemas.microsoft.com/office/drawing/2014/main" xmlns="" w="9525">
                   <a:solidFill>
                     <a:srgbClr val="000000"/>
                   </a:solidFill>
@@ -17085,7 +17065,7 @@
             </a:ln>
             <a:extLst>
               <a:ext uri="{91240B29-F687-4f45-9708-019B960494DF}">
-                <a14:hiddenLine xmlns="" xmlns:a16="http://schemas.microsoft.com/office/drawing/2014/main" xmlns:a14="http://schemas.microsoft.com/office/drawing/2010/main" w="9525">
+                <a14:hiddenLine xmlns:a14="http://schemas.microsoft.com/office/drawing/2010/main" xmlns:a16="http://schemas.microsoft.com/office/drawing/2014/main" xmlns="" w="9525">
                   <a:solidFill>
                     <a:srgbClr val="000000"/>
                   </a:solidFill>
@@ -17162,7 +17142,7 @@
             </a:ln>
             <a:extLst>
               <a:ext uri="{91240B29-F687-4f45-9708-019B960494DF}">
-                <a14:hiddenLine xmlns="" xmlns:a16="http://schemas.microsoft.com/office/drawing/2014/main" xmlns:a14="http://schemas.microsoft.com/office/drawing/2010/main" w="9525">
+                <a14:hiddenLine xmlns:a14="http://schemas.microsoft.com/office/drawing/2010/main" xmlns:a16="http://schemas.microsoft.com/office/drawing/2014/main" xmlns="" w="9525">
                   <a:solidFill>
                     <a:srgbClr val="000000"/>
                   </a:solidFill>
@@ -17267,7 +17247,7 @@
             </a:ln>
             <a:extLst>
               <a:ext uri="{91240B29-F687-4f45-9708-019B960494DF}">
-                <a14:hiddenLine xmlns="" xmlns:a16="http://schemas.microsoft.com/office/drawing/2014/main" xmlns:a14="http://schemas.microsoft.com/office/drawing/2010/main" w="9525">
+                <a14:hiddenLine xmlns:a14="http://schemas.microsoft.com/office/drawing/2010/main" xmlns:a16="http://schemas.microsoft.com/office/drawing/2014/main" xmlns="" w="9525">
                   <a:solidFill>
                     <a:srgbClr val="000000"/>
                   </a:solidFill>
@@ -17350,7 +17330,7 @@
             </a:ln>
             <a:extLst>
               <a:ext uri="{91240B29-F687-4f45-9708-019B960494DF}">
-                <a14:hiddenLine xmlns="" xmlns:a16="http://schemas.microsoft.com/office/drawing/2014/main" xmlns:a14="http://schemas.microsoft.com/office/drawing/2010/main" w="9525">
+                <a14:hiddenLine xmlns:a14="http://schemas.microsoft.com/office/drawing/2010/main" xmlns:a16="http://schemas.microsoft.com/office/drawing/2014/main" xmlns="" w="9525">
                   <a:solidFill>
                     <a:srgbClr val="000000"/>
                   </a:solidFill>
@@ -17427,7 +17407,7 @@
             </a:ln>
             <a:extLst>
               <a:ext uri="{91240B29-F687-4f45-9708-019B960494DF}">
-                <a14:hiddenLine xmlns="" xmlns:a16="http://schemas.microsoft.com/office/drawing/2014/main" xmlns:a14="http://schemas.microsoft.com/office/drawing/2010/main" w="9525">
+                <a14:hiddenLine xmlns:a14="http://schemas.microsoft.com/office/drawing/2010/main" xmlns:a16="http://schemas.microsoft.com/office/drawing/2014/main" xmlns="" w="9525">
                   <a:solidFill>
                     <a:srgbClr val="000000"/>
                   </a:solidFill>
@@ -17532,7 +17512,7 @@
             </a:ln>
             <a:extLst>
               <a:ext uri="{91240B29-F687-4f45-9708-019B960494DF}">
-                <a14:hiddenLine xmlns="" xmlns:a16="http://schemas.microsoft.com/office/drawing/2014/main" xmlns:a14="http://schemas.microsoft.com/office/drawing/2010/main" w="9525">
+                <a14:hiddenLine xmlns:a14="http://schemas.microsoft.com/office/drawing/2010/main" xmlns:a16="http://schemas.microsoft.com/office/drawing/2014/main" xmlns="" w="9525">
                   <a:solidFill>
                     <a:srgbClr val="000000"/>
                   </a:solidFill>
@@ -17609,7 +17589,7 @@
             </a:ln>
             <a:extLst>
               <a:ext uri="{91240B29-F687-4f45-9708-019B960494DF}">
-                <a14:hiddenLine xmlns="" xmlns:a16="http://schemas.microsoft.com/office/drawing/2014/main" xmlns:a14="http://schemas.microsoft.com/office/drawing/2010/main" w="9525">
+                <a14:hiddenLine xmlns:a14="http://schemas.microsoft.com/office/drawing/2010/main" xmlns:a16="http://schemas.microsoft.com/office/drawing/2014/main" xmlns="" w="9525">
                   <a:solidFill>
                     <a:srgbClr val="000000"/>
                   </a:solidFill>
@@ -17714,7 +17694,7 @@
             </a:ln>
             <a:extLst>
               <a:ext uri="{91240B29-F687-4f45-9708-019B960494DF}">
-                <a14:hiddenLine xmlns="" xmlns:a16="http://schemas.microsoft.com/office/drawing/2014/main" xmlns:a14="http://schemas.microsoft.com/office/drawing/2010/main" w="9525">
+                <a14:hiddenLine xmlns:a14="http://schemas.microsoft.com/office/drawing/2010/main" xmlns:a16="http://schemas.microsoft.com/office/drawing/2014/main" xmlns="" w="9525">
                   <a:solidFill>
                     <a:srgbClr val="000000"/>
                   </a:solidFill>
@@ -17791,7 +17771,7 @@
             </a:ln>
             <a:extLst>
               <a:ext uri="{91240B29-F687-4f45-9708-019B960494DF}">
-                <a14:hiddenLine xmlns="" xmlns:a16="http://schemas.microsoft.com/office/drawing/2014/main" xmlns:a14="http://schemas.microsoft.com/office/drawing/2010/main" w="9525">
+                <a14:hiddenLine xmlns:a14="http://schemas.microsoft.com/office/drawing/2010/main" xmlns:a16="http://schemas.microsoft.com/office/drawing/2014/main" xmlns="" w="9525">
                   <a:solidFill>
                     <a:srgbClr val="000000"/>
                   </a:solidFill>
@@ -17896,7 +17876,7 @@
             </a:ln>
             <a:extLst>
               <a:ext uri="{91240B29-F687-4f45-9708-019B960494DF}">
-                <a14:hiddenLine xmlns="" xmlns:a16="http://schemas.microsoft.com/office/drawing/2014/main" xmlns:a14="http://schemas.microsoft.com/office/drawing/2010/main" w="9525">
+                <a14:hiddenLine xmlns:a14="http://schemas.microsoft.com/office/drawing/2010/main" xmlns:a16="http://schemas.microsoft.com/office/drawing/2014/main" xmlns="" w="9525">
                   <a:solidFill>
                     <a:srgbClr val="000000"/>
                   </a:solidFill>
@@ -17945,7 +17925,7 @@
             </a:ln>
             <a:extLst>
               <a:ext uri="{91240B29-F687-4f45-9708-019B960494DF}">
-                <a14:hiddenLine xmlns="" xmlns:a16="http://schemas.microsoft.com/office/drawing/2014/main" xmlns:a14="http://schemas.microsoft.com/office/drawing/2010/main" w="9525">
+                <a14:hiddenLine xmlns:a14="http://schemas.microsoft.com/office/drawing/2010/main" xmlns:a16="http://schemas.microsoft.com/office/drawing/2014/main" xmlns="" w="9525">
                   <a:solidFill>
                     <a:srgbClr val="000000"/>
                   </a:solidFill>
@@ -18025,7 +18005,7 @@
             </a:ln>
             <a:extLst>
               <a:ext uri="{91240B29-F687-4f45-9708-019B960494DF}">
-                <a14:hiddenLine xmlns="" xmlns:a16="http://schemas.microsoft.com/office/drawing/2014/main" xmlns:a14="http://schemas.microsoft.com/office/drawing/2010/main" w="9525">
+                <a14:hiddenLine xmlns:a14="http://schemas.microsoft.com/office/drawing/2010/main" xmlns:a16="http://schemas.microsoft.com/office/drawing/2014/main" xmlns="" w="9525">
                   <a:solidFill>
                     <a:srgbClr val="000000"/>
                   </a:solidFill>
@@ -18130,7 +18110,7 @@
             </a:ln>
             <a:extLst>
               <a:ext uri="{91240B29-F687-4f45-9708-019B960494DF}">
-                <a14:hiddenLine xmlns="" xmlns:a16="http://schemas.microsoft.com/office/drawing/2014/main" xmlns:a14="http://schemas.microsoft.com/office/drawing/2010/main" w="9525">
+                <a14:hiddenLine xmlns:a14="http://schemas.microsoft.com/office/drawing/2010/main" xmlns:a16="http://schemas.microsoft.com/office/drawing/2014/main" xmlns="" w="9525">
                   <a:solidFill>
                     <a:srgbClr val="000000"/>
                   </a:solidFill>
@@ -18207,7 +18187,7 @@
             </a:ln>
             <a:extLst>
               <a:ext uri="{91240B29-F687-4f45-9708-019B960494DF}">
-                <a14:hiddenLine xmlns="" xmlns:a16="http://schemas.microsoft.com/office/drawing/2014/main" xmlns:a14="http://schemas.microsoft.com/office/drawing/2010/main" w="9525">
+                <a14:hiddenLine xmlns:a14="http://schemas.microsoft.com/office/drawing/2010/main" xmlns:a16="http://schemas.microsoft.com/office/drawing/2014/main" xmlns="" w="9525">
                   <a:solidFill>
                     <a:srgbClr val="000000"/>
                   </a:solidFill>
@@ -18312,7 +18292,7 @@
             </a:ln>
             <a:extLst>
               <a:ext uri="{91240B29-F687-4f45-9708-019B960494DF}">
-                <a14:hiddenLine xmlns="" xmlns:a16="http://schemas.microsoft.com/office/drawing/2014/main" xmlns:a14="http://schemas.microsoft.com/office/drawing/2010/main" w="9525">
+                <a14:hiddenLine xmlns:a14="http://schemas.microsoft.com/office/drawing/2010/main" xmlns:a16="http://schemas.microsoft.com/office/drawing/2014/main" xmlns="" w="9525">
                   <a:solidFill>
                     <a:srgbClr val="000000"/>
                   </a:solidFill>
@@ -18417,7 +18397,7 @@
             </a:ln>
             <a:extLst>
               <a:ext uri="{91240B29-F687-4f45-9708-019B960494DF}">
-                <a14:hiddenLine xmlns="" xmlns:a16="http://schemas.microsoft.com/office/drawing/2014/main" xmlns:a14="http://schemas.microsoft.com/office/drawing/2010/main" w="9525">
+                <a14:hiddenLine xmlns:a14="http://schemas.microsoft.com/office/drawing/2010/main" xmlns:a16="http://schemas.microsoft.com/office/drawing/2014/main" xmlns="" w="9525">
                   <a:solidFill>
                     <a:srgbClr val="000000"/>
                   </a:solidFill>
@@ -18497,7 +18477,7 @@
             </a:ln>
             <a:extLst>
               <a:ext uri="{91240B29-F687-4f45-9708-019B960494DF}">
-                <a14:hiddenLine xmlns="" xmlns:a16="http://schemas.microsoft.com/office/drawing/2014/main" xmlns:a14="http://schemas.microsoft.com/office/drawing/2010/main" w="9525">
+                <a14:hiddenLine xmlns:a14="http://schemas.microsoft.com/office/drawing/2010/main" xmlns:a16="http://schemas.microsoft.com/office/drawing/2014/main" xmlns="" w="9525">
                   <a:solidFill>
                     <a:srgbClr val="000000"/>
                   </a:solidFill>
@@ -18574,7 +18554,7 @@
             </a:ln>
             <a:extLst>
               <a:ext uri="{91240B29-F687-4f45-9708-019B960494DF}">
-                <a14:hiddenLine xmlns="" xmlns:a16="http://schemas.microsoft.com/office/drawing/2014/main" xmlns:a14="http://schemas.microsoft.com/office/drawing/2010/main" w="9525">
+                <a14:hiddenLine xmlns:a14="http://schemas.microsoft.com/office/drawing/2010/main" xmlns:a16="http://schemas.microsoft.com/office/drawing/2014/main" xmlns="" w="9525">
                   <a:solidFill>
                     <a:srgbClr val="000000"/>
                   </a:solidFill>
@@ -18679,7 +18659,7 @@
             </a:ln>
             <a:extLst>
               <a:ext uri="{91240B29-F687-4f45-9708-019B960494DF}">
-                <a14:hiddenLine xmlns="" xmlns:a16="http://schemas.microsoft.com/office/drawing/2014/main" xmlns:a14="http://schemas.microsoft.com/office/drawing/2010/main" w="9525">
+                <a14:hiddenLine xmlns:a14="http://schemas.microsoft.com/office/drawing/2010/main" xmlns:a16="http://schemas.microsoft.com/office/drawing/2014/main" xmlns="" w="9525">
                   <a:solidFill>
                     <a:srgbClr val="000000"/>
                   </a:solidFill>
@@ -18784,7 +18764,7 @@
             </a:ln>
             <a:extLst>
               <a:ext uri="{91240B29-F687-4f45-9708-019B960494DF}">
-                <a14:hiddenLine xmlns="" xmlns:a16="http://schemas.microsoft.com/office/drawing/2014/main" xmlns:a14="http://schemas.microsoft.com/office/drawing/2010/main" w="9525">
+                <a14:hiddenLine xmlns:a14="http://schemas.microsoft.com/office/drawing/2010/main" xmlns:a16="http://schemas.microsoft.com/office/drawing/2014/main" xmlns="" w="9525">
                   <a:solidFill>
                     <a:srgbClr val="000000"/>
                   </a:solidFill>
@@ -18861,7 +18841,7 @@
             </a:ln>
             <a:extLst>
               <a:ext uri="{91240B29-F687-4f45-9708-019B960494DF}">
-                <a14:hiddenLine xmlns="" xmlns:a16="http://schemas.microsoft.com/office/drawing/2014/main" xmlns:a14="http://schemas.microsoft.com/office/drawing/2010/main" w="9525">
+                <a14:hiddenLine xmlns:a14="http://schemas.microsoft.com/office/drawing/2010/main" xmlns:a16="http://schemas.microsoft.com/office/drawing/2014/main" xmlns="" w="9525">
                   <a:solidFill>
                     <a:srgbClr val="000000"/>
                   </a:solidFill>
@@ -18996,7 +18976,7 @@
             </a:ln>
             <a:extLst>
               <a:ext uri="{91240B29-F687-4f45-9708-019B960494DF}">
-                <a14:hiddenLine xmlns="" xmlns:a16="http://schemas.microsoft.com/office/drawing/2014/main" xmlns:a14="http://schemas.microsoft.com/office/drawing/2010/main" w="9525">
+                <a14:hiddenLine xmlns:a14="http://schemas.microsoft.com/office/drawing/2010/main" xmlns:a16="http://schemas.microsoft.com/office/drawing/2014/main" xmlns="" w="9525">
                   <a:solidFill>
                     <a:srgbClr val="000000"/>
                   </a:solidFill>
@@ -19079,7 +19059,7 @@
             </a:ln>
             <a:extLst>
               <a:ext uri="{91240B29-F687-4f45-9708-019B960494DF}">
-                <a14:hiddenLine xmlns="" xmlns:a16="http://schemas.microsoft.com/office/drawing/2014/main" xmlns:a14="http://schemas.microsoft.com/office/drawing/2010/main" w="9525">
+                <a14:hiddenLine xmlns:a14="http://schemas.microsoft.com/office/drawing/2010/main" xmlns:a16="http://schemas.microsoft.com/office/drawing/2014/main" xmlns="" w="9525">
                   <a:solidFill>
                     <a:srgbClr val="000000"/>
                   </a:solidFill>
@@ -19184,7 +19164,7 @@
             </a:ln>
             <a:extLst>
               <a:ext uri="{91240B29-F687-4f45-9708-019B960494DF}">
-                <a14:hiddenLine xmlns="" xmlns:a16="http://schemas.microsoft.com/office/drawing/2014/main" xmlns:a14="http://schemas.microsoft.com/office/drawing/2010/main" w="9525">
+                <a14:hiddenLine xmlns:a14="http://schemas.microsoft.com/office/drawing/2010/main" xmlns:a16="http://schemas.microsoft.com/office/drawing/2014/main" xmlns="" w="9525">
                   <a:solidFill>
                     <a:srgbClr val="000000"/>
                   </a:solidFill>
@@ -19378,7 +19358,7 @@
             </a:ln>
             <a:extLst>
               <a:ext uri="{91240B29-F687-4f45-9708-019B960494DF}">
-                <a14:hiddenLine xmlns="" xmlns:a16="http://schemas.microsoft.com/office/drawing/2014/main" xmlns:p14="http://schemas.microsoft.com/office/powerpoint/2010/main" xmlns:a14="http://schemas.microsoft.com/office/drawing/2010/main" w="9525">
+                <a14:hiddenLine xmlns:a14="http://schemas.microsoft.com/office/drawing/2010/main" xmlns:p14="http://schemas.microsoft.com/office/powerpoint/2010/main" xmlns:a16="http://schemas.microsoft.com/office/drawing/2014/main" xmlns="" w="9525">
                   <a:solidFill>
                     <a:srgbClr val="000000"/>
                   </a:solidFill>
@@ -19483,7 +19463,7 @@
             </a:ln>
             <a:extLst>
               <a:ext uri="{91240B29-F687-4f45-9708-019B960494DF}">
-                <a14:hiddenLine xmlns="" xmlns:a16="http://schemas.microsoft.com/office/drawing/2014/main" xmlns:p14="http://schemas.microsoft.com/office/powerpoint/2010/main" xmlns:a14="http://schemas.microsoft.com/office/drawing/2010/main" w="9525">
+                <a14:hiddenLine xmlns:a14="http://schemas.microsoft.com/office/drawing/2010/main" xmlns:p14="http://schemas.microsoft.com/office/powerpoint/2010/main" xmlns:a16="http://schemas.microsoft.com/office/drawing/2014/main" xmlns="" w="9525">
                   <a:solidFill>
                     <a:srgbClr val="000000"/>
                   </a:solidFill>
@@ -19588,7 +19568,7 @@
             </a:ln>
             <a:extLst>
               <a:ext uri="{91240B29-F687-4f45-9708-019B960494DF}">
-                <a14:hiddenLine xmlns="" xmlns:a16="http://schemas.microsoft.com/office/drawing/2014/main" xmlns:p14="http://schemas.microsoft.com/office/powerpoint/2010/main" xmlns:a14="http://schemas.microsoft.com/office/drawing/2010/main" w="9525">
+                <a14:hiddenLine xmlns:a14="http://schemas.microsoft.com/office/drawing/2010/main" xmlns:p14="http://schemas.microsoft.com/office/powerpoint/2010/main" xmlns:a16="http://schemas.microsoft.com/office/drawing/2014/main" xmlns="" w="9525">
                   <a:solidFill>
                     <a:srgbClr val="000000"/>
                   </a:solidFill>
@@ -19637,7 +19617,7 @@
             </a:ln>
             <a:extLst>
               <a:ext uri="{91240B29-F687-4f45-9708-019B960494DF}">
-                <a14:hiddenLine xmlns="" xmlns:a16="http://schemas.microsoft.com/office/drawing/2014/main" xmlns:p14="http://schemas.microsoft.com/office/powerpoint/2010/main" xmlns:a14="http://schemas.microsoft.com/office/drawing/2010/main" w="9525">
+                <a14:hiddenLine xmlns:a14="http://schemas.microsoft.com/office/drawing/2010/main" xmlns:p14="http://schemas.microsoft.com/office/powerpoint/2010/main" xmlns:a16="http://schemas.microsoft.com/office/drawing/2014/main" xmlns="" w="9525">
                   <a:solidFill>
                     <a:srgbClr val="000000"/>
                   </a:solidFill>
@@ -19742,7 +19722,7 @@
             </a:ln>
             <a:extLst>
               <a:ext uri="{91240B29-F687-4f45-9708-019B960494DF}">
-                <a14:hiddenLine xmlns="" xmlns:a16="http://schemas.microsoft.com/office/drawing/2014/main" xmlns:p14="http://schemas.microsoft.com/office/powerpoint/2010/main" xmlns:a14="http://schemas.microsoft.com/office/drawing/2010/main" w="9525">
+                <a14:hiddenLine xmlns:a14="http://schemas.microsoft.com/office/drawing/2010/main" xmlns:p14="http://schemas.microsoft.com/office/powerpoint/2010/main" xmlns:a16="http://schemas.microsoft.com/office/drawing/2014/main" xmlns="" w="9525">
                   <a:solidFill>
                     <a:srgbClr val="000000"/>
                   </a:solidFill>
@@ -19819,7 +19799,7 @@
             </a:ln>
             <a:extLst>
               <a:ext uri="{91240B29-F687-4f45-9708-019B960494DF}">
-                <a14:hiddenLine xmlns="" xmlns:a16="http://schemas.microsoft.com/office/drawing/2014/main" xmlns:p14="http://schemas.microsoft.com/office/powerpoint/2010/main" xmlns:a14="http://schemas.microsoft.com/office/drawing/2010/main" w="9525">
+                <a14:hiddenLine xmlns:a14="http://schemas.microsoft.com/office/drawing/2010/main" xmlns:p14="http://schemas.microsoft.com/office/powerpoint/2010/main" xmlns:a16="http://schemas.microsoft.com/office/drawing/2014/main" xmlns="" w="9525">
                   <a:solidFill>
                     <a:srgbClr val="000000"/>
                   </a:solidFill>
@@ -19896,7 +19876,7 @@
             </a:ln>
             <a:extLst>
               <a:ext uri="{91240B29-F687-4f45-9708-019B960494DF}">
-                <a14:hiddenLine xmlns="" xmlns:a16="http://schemas.microsoft.com/office/drawing/2014/main" xmlns:p14="http://schemas.microsoft.com/office/powerpoint/2010/main" xmlns:a14="http://schemas.microsoft.com/office/drawing/2010/main" w="9525">
+                <a14:hiddenLine xmlns:a14="http://schemas.microsoft.com/office/drawing/2010/main" xmlns:p14="http://schemas.microsoft.com/office/powerpoint/2010/main" xmlns:a16="http://schemas.microsoft.com/office/drawing/2014/main" xmlns="" w="9525">
                   <a:solidFill>
                     <a:srgbClr val="000000"/>
                   </a:solidFill>
@@ -20001,7 +19981,7 @@
             </a:ln>
             <a:extLst>
               <a:ext uri="{91240B29-F687-4f45-9708-019B960494DF}">
-                <a14:hiddenLine xmlns="" xmlns:a16="http://schemas.microsoft.com/office/drawing/2014/main" xmlns:p14="http://schemas.microsoft.com/office/powerpoint/2010/main" xmlns:a14="http://schemas.microsoft.com/office/drawing/2010/main" w="9525">
+                <a14:hiddenLine xmlns:a14="http://schemas.microsoft.com/office/drawing/2010/main" xmlns:p14="http://schemas.microsoft.com/office/powerpoint/2010/main" xmlns:a16="http://schemas.microsoft.com/office/drawing/2014/main" xmlns="" w="9525">
                   <a:solidFill>
                     <a:srgbClr val="000000"/>
                   </a:solidFill>
@@ -20078,7 +20058,7 @@
             </a:ln>
             <a:extLst>
               <a:ext uri="{91240B29-F687-4f45-9708-019B960494DF}">
-                <a14:hiddenLine xmlns="" xmlns:a16="http://schemas.microsoft.com/office/drawing/2014/main" xmlns:p14="http://schemas.microsoft.com/office/powerpoint/2010/main" xmlns:a14="http://schemas.microsoft.com/office/drawing/2010/main" w="9525">
+                <a14:hiddenLine xmlns:a14="http://schemas.microsoft.com/office/drawing/2010/main" xmlns:p14="http://schemas.microsoft.com/office/powerpoint/2010/main" xmlns:a16="http://schemas.microsoft.com/office/drawing/2014/main" xmlns="" w="9525">
                   <a:solidFill>
                     <a:srgbClr val="000000"/>
                   </a:solidFill>
@@ -20155,7 +20135,7 @@
             </a:ln>
             <a:extLst>
               <a:ext uri="{91240B29-F687-4f45-9708-019B960494DF}">
-                <a14:hiddenLine xmlns="" xmlns:a16="http://schemas.microsoft.com/office/drawing/2014/main" xmlns:p14="http://schemas.microsoft.com/office/powerpoint/2010/main" xmlns:a14="http://schemas.microsoft.com/office/drawing/2010/main" w="9525">
+                <a14:hiddenLine xmlns:a14="http://schemas.microsoft.com/office/drawing/2010/main" xmlns:p14="http://schemas.microsoft.com/office/powerpoint/2010/main" xmlns:a16="http://schemas.microsoft.com/office/drawing/2014/main" xmlns="" w="9525">
                   <a:solidFill>
                     <a:srgbClr val="000000"/>
                   </a:solidFill>
@@ -20260,7 +20240,7 @@
             </a:ln>
             <a:extLst>
               <a:ext uri="{91240B29-F687-4f45-9708-019B960494DF}">
-                <a14:hiddenLine xmlns="" xmlns:a16="http://schemas.microsoft.com/office/drawing/2014/main" xmlns:p14="http://schemas.microsoft.com/office/powerpoint/2010/main" xmlns:a14="http://schemas.microsoft.com/office/drawing/2010/main" w="9525">
+                <a14:hiddenLine xmlns:a14="http://schemas.microsoft.com/office/drawing/2010/main" xmlns:p14="http://schemas.microsoft.com/office/powerpoint/2010/main" xmlns:a16="http://schemas.microsoft.com/office/drawing/2014/main" xmlns="" w="9525">
                   <a:solidFill>
                     <a:srgbClr val="000000"/>
                   </a:solidFill>
@@ -20365,7 +20345,7 @@
             </a:ln>
             <a:extLst>
               <a:ext uri="{91240B29-F687-4f45-9708-019B960494DF}">
-                <a14:hiddenLine xmlns="" xmlns:a16="http://schemas.microsoft.com/office/drawing/2014/main" xmlns:p14="http://schemas.microsoft.com/office/powerpoint/2010/main" xmlns:a14="http://schemas.microsoft.com/office/drawing/2010/main" w="9525">
+                <a14:hiddenLine xmlns:a14="http://schemas.microsoft.com/office/drawing/2010/main" xmlns:p14="http://schemas.microsoft.com/office/powerpoint/2010/main" xmlns:a16="http://schemas.microsoft.com/office/drawing/2014/main" xmlns="" w="9525">
                   <a:solidFill>
                     <a:srgbClr val="000000"/>
                   </a:solidFill>
@@ -20442,7 +20422,7 @@
             </a:ln>
             <a:extLst>
               <a:ext uri="{91240B29-F687-4f45-9708-019B960494DF}">
-                <a14:hiddenLine xmlns="" xmlns:a16="http://schemas.microsoft.com/office/drawing/2014/main" xmlns:p14="http://schemas.microsoft.com/office/powerpoint/2010/main" xmlns:a14="http://schemas.microsoft.com/office/drawing/2010/main" w="9525">
+                <a14:hiddenLine xmlns:a14="http://schemas.microsoft.com/office/drawing/2010/main" xmlns:p14="http://schemas.microsoft.com/office/powerpoint/2010/main" xmlns:a16="http://schemas.microsoft.com/office/drawing/2014/main" xmlns="" w="9525">
                   <a:solidFill>
                     <a:srgbClr val="000000"/>
                   </a:solidFill>
@@ -20567,7 +20547,7 @@
             </a:ln>
             <a:extLst>
               <a:ext uri="{91240B29-F687-4f45-9708-019B960494DF}">
-                <a14:hiddenLine xmlns="" xmlns:a16="http://schemas.microsoft.com/office/drawing/2014/main" xmlns:p14="http://schemas.microsoft.com/office/powerpoint/2010/main" xmlns:a14="http://schemas.microsoft.com/office/drawing/2010/main" w="9525">
+                <a14:hiddenLine xmlns:a14="http://schemas.microsoft.com/office/drawing/2010/main" xmlns:p14="http://schemas.microsoft.com/office/powerpoint/2010/main" xmlns:a16="http://schemas.microsoft.com/office/drawing/2014/main" xmlns="" w="9525">
                   <a:solidFill>
                     <a:srgbClr val="000000"/>
                   </a:solidFill>
@@ -20644,7 +20624,7 @@
             </a:ln>
             <a:extLst>
               <a:ext uri="{91240B29-F687-4f45-9708-019B960494DF}">
-                <a14:hiddenLine xmlns="" xmlns:a16="http://schemas.microsoft.com/office/drawing/2014/main" xmlns:p14="http://schemas.microsoft.com/office/powerpoint/2010/main" xmlns:a14="http://schemas.microsoft.com/office/drawing/2010/main" w="9525">
+                <a14:hiddenLine xmlns:a14="http://schemas.microsoft.com/office/drawing/2010/main" xmlns:p14="http://schemas.microsoft.com/office/powerpoint/2010/main" xmlns:a16="http://schemas.microsoft.com/office/drawing/2014/main" xmlns="" w="9525">
                   <a:solidFill>
                     <a:srgbClr val="000000"/>
                   </a:solidFill>
@@ -20749,7 +20729,7 @@
             </a:ln>
             <a:extLst>
               <a:ext uri="{91240B29-F687-4f45-9708-019B960494DF}">
-                <a14:hiddenLine xmlns="" xmlns:a16="http://schemas.microsoft.com/office/drawing/2014/main" xmlns:p14="http://schemas.microsoft.com/office/powerpoint/2010/main" xmlns:a14="http://schemas.microsoft.com/office/drawing/2010/main" w="9525">
+                <a14:hiddenLine xmlns:a14="http://schemas.microsoft.com/office/drawing/2010/main" xmlns:p14="http://schemas.microsoft.com/office/powerpoint/2010/main" xmlns:a16="http://schemas.microsoft.com/office/drawing/2014/main" xmlns="" w="9525">
                   <a:solidFill>
                     <a:srgbClr val="000000"/>
                   </a:solidFill>
@@ -20854,7 +20834,7 @@
             </a:ln>
             <a:extLst>
               <a:ext uri="{91240B29-F687-4f45-9708-019B960494DF}">
-                <a14:hiddenLine xmlns="" xmlns:a16="http://schemas.microsoft.com/office/drawing/2014/main" xmlns:p14="http://schemas.microsoft.com/office/powerpoint/2010/main" xmlns:a14="http://schemas.microsoft.com/office/drawing/2010/main" w="9525">
+                <a14:hiddenLine xmlns:a14="http://schemas.microsoft.com/office/drawing/2010/main" xmlns:p14="http://schemas.microsoft.com/office/powerpoint/2010/main" xmlns:a16="http://schemas.microsoft.com/office/drawing/2014/main" xmlns="" w="9525">
                   <a:solidFill>
                     <a:srgbClr val="000000"/>
                   </a:solidFill>
@@ -20931,7 +20911,7 @@
             </a:ln>
             <a:extLst>
               <a:ext uri="{91240B29-F687-4f45-9708-019B960494DF}">
-                <a14:hiddenLine xmlns="" xmlns:a16="http://schemas.microsoft.com/office/drawing/2014/main" xmlns:p14="http://schemas.microsoft.com/office/powerpoint/2010/main" xmlns:a14="http://schemas.microsoft.com/office/drawing/2010/main" w="9525">
+                <a14:hiddenLine xmlns:a14="http://schemas.microsoft.com/office/drawing/2010/main" xmlns:p14="http://schemas.microsoft.com/office/powerpoint/2010/main" xmlns:a16="http://schemas.microsoft.com/office/drawing/2014/main" xmlns="" w="9525">
                   <a:solidFill>
                     <a:srgbClr val="000000"/>
                   </a:solidFill>
@@ -21036,7 +21016,7 @@
             </a:ln>
             <a:extLst>
               <a:ext uri="{91240B29-F687-4f45-9708-019B960494DF}">
-                <a14:hiddenLine xmlns="" xmlns:a16="http://schemas.microsoft.com/office/drawing/2014/main" xmlns:p14="http://schemas.microsoft.com/office/powerpoint/2010/main" xmlns:a14="http://schemas.microsoft.com/office/drawing/2010/main" w="9525">
+                <a14:hiddenLine xmlns:a14="http://schemas.microsoft.com/office/drawing/2010/main" xmlns:p14="http://schemas.microsoft.com/office/powerpoint/2010/main" xmlns:a16="http://schemas.microsoft.com/office/drawing/2014/main" xmlns="" w="9525">
                   <a:solidFill>
                     <a:srgbClr val="000000"/>
                   </a:solidFill>
@@ -21141,7 +21121,7 @@
             </a:ln>
             <a:extLst>
               <a:ext uri="{91240B29-F687-4f45-9708-019B960494DF}">
-                <a14:hiddenLine xmlns="" xmlns:a16="http://schemas.microsoft.com/office/drawing/2014/main" xmlns:p14="http://schemas.microsoft.com/office/powerpoint/2010/main" xmlns:a14="http://schemas.microsoft.com/office/drawing/2010/main" w="9525">
+                <a14:hiddenLine xmlns:a14="http://schemas.microsoft.com/office/drawing/2010/main" xmlns:p14="http://schemas.microsoft.com/office/powerpoint/2010/main" xmlns:a16="http://schemas.microsoft.com/office/drawing/2014/main" xmlns="" w="9525">
                   <a:solidFill>
                     <a:srgbClr val="000000"/>
                   </a:solidFill>
@@ -21212,7 +21192,7 @@
             </a:ln>
             <a:extLst>
               <a:ext uri="{91240B29-F687-4f45-9708-019B960494DF}">
-                <a14:hiddenLine xmlns="" xmlns:a16="http://schemas.microsoft.com/office/drawing/2014/main" xmlns:p14="http://schemas.microsoft.com/office/powerpoint/2010/main" xmlns:a14="http://schemas.microsoft.com/office/drawing/2010/main" w="9525">
+                <a14:hiddenLine xmlns:a14="http://schemas.microsoft.com/office/drawing/2010/main" xmlns:p14="http://schemas.microsoft.com/office/powerpoint/2010/main" xmlns:a16="http://schemas.microsoft.com/office/drawing/2014/main" xmlns="" w="9525">
                   <a:solidFill>
                     <a:srgbClr val="000000"/>
                   </a:solidFill>
@@ -21317,7 +21297,7 @@
             </a:ln>
             <a:extLst>
               <a:ext uri="{91240B29-F687-4f45-9708-019B960494DF}">
-                <a14:hiddenLine xmlns="" xmlns:a16="http://schemas.microsoft.com/office/drawing/2014/main" xmlns:p14="http://schemas.microsoft.com/office/powerpoint/2010/main" xmlns:a14="http://schemas.microsoft.com/office/drawing/2010/main" w="9525">
+                <a14:hiddenLine xmlns:a14="http://schemas.microsoft.com/office/drawing/2010/main" xmlns:p14="http://schemas.microsoft.com/office/powerpoint/2010/main" xmlns:a16="http://schemas.microsoft.com/office/drawing/2014/main" xmlns="" w="9525">
                   <a:solidFill>
                     <a:srgbClr val="000000"/>
                   </a:solidFill>
@@ -21388,7 +21368,7 @@
             </a:ln>
             <a:extLst>
               <a:ext uri="{91240B29-F687-4f45-9708-019B960494DF}">
-                <a14:hiddenLine xmlns="" xmlns:a16="http://schemas.microsoft.com/office/drawing/2014/main" xmlns:p14="http://schemas.microsoft.com/office/powerpoint/2010/main" xmlns:a14="http://schemas.microsoft.com/office/drawing/2010/main" w="9525">
+                <a14:hiddenLine xmlns:a14="http://schemas.microsoft.com/office/drawing/2010/main" xmlns:p14="http://schemas.microsoft.com/office/powerpoint/2010/main" xmlns:a16="http://schemas.microsoft.com/office/drawing/2014/main" xmlns="" w="9525">
                   <a:solidFill>
                     <a:srgbClr val="000000"/>
                   </a:solidFill>
@@ -21493,7 +21473,7 @@
             </a:ln>
             <a:extLst>
               <a:ext uri="{91240B29-F687-4f45-9708-019B960494DF}">
-                <a14:hiddenLine xmlns="" xmlns:a16="http://schemas.microsoft.com/office/drawing/2014/main" xmlns:p14="http://schemas.microsoft.com/office/powerpoint/2010/main" xmlns:a14="http://schemas.microsoft.com/office/drawing/2010/main" w="9525">
+                <a14:hiddenLine xmlns:a14="http://schemas.microsoft.com/office/drawing/2010/main" xmlns:p14="http://schemas.microsoft.com/office/powerpoint/2010/main" xmlns:a16="http://schemas.microsoft.com/office/drawing/2014/main" xmlns="" w="9525">
                   <a:solidFill>
                     <a:srgbClr val="000000"/>
                   </a:solidFill>
@@ -21576,7 +21556,7 @@
             </a:ln>
             <a:extLst>
               <a:ext uri="{91240B29-F687-4f45-9708-019B960494DF}">
-                <a14:hiddenLine xmlns="" xmlns:a16="http://schemas.microsoft.com/office/drawing/2014/main" xmlns:p14="http://schemas.microsoft.com/office/powerpoint/2010/main" xmlns:a14="http://schemas.microsoft.com/office/drawing/2010/main" w="9525">
+                <a14:hiddenLine xmlns:a14="http://schemas.microsoft.com/office/drawing/2010/main" xmlns:p14="http://schemas.microsoft.com/office/powerpoint/2010/main" xmlns:a16="http://schemas.microsoft.com/office/drawing/2014/main" xmlns="" w="9525">
                   <a:solidFill>
                     <a:srgbClr val="000000"/>
                   </a:solidFill>
@@ -21681,7 +21661,7 @@
             </a:ln>
             <a:extLst>
               <a:ext uri="{91240B29-F687-4f45-9708-019B960494DF}">
-                <a14:hiddenLine xmlns="" xmlns:a16="http://schemas.microsoft.com/office/drawing/2014/main" xmlns:p14="http://schemas.microsoft.com/office/powerpoint/2010/main" xmlns:a14="http://schemas.microsoft.com/office/drawing/2010/main" w="9525">
+                <a14:hiddenLine xmlns:a14="http://schemas.microsoft.com/office/drawing/2010/main" xmlns:p14="http://schemas.microsoft.com/office/powerpoint/2010/main" xmlns:a16="http://schemas.microsoft.com/office/drawing/2014/main" xmlns="" w="9525">
                   <a:solidFill>
                     <a:srgbClr val="000000"/>
                   </a:solidFill>
@@ -21764,7 +21744,7 @@
             </a:ln>
             <a:extLst>
               <a:ext uri="{91240B29-F687-4f45-9708-019B960494DF}">
-                <a14:hiddenLine xmlns="" xmlns:a16="http://schemas.microsoft.com/office/drawing/2014/main" xmlns:p14="http://schemas.microsoft.com/office/powerpoint/2010/main" xmlns:a14="http://schemas.microsoft.com/office/drawing/2010/main" w="9525">
+                <a14:hiddenLine xmlns:a14="http://schemas.microsoft.com/office/drawing/2010/main" xmlns:p14="http://schemas.microsoft.com/office/powerpoint/2010/main" xmlns:a16="http://schemas.microsoft.com/office/drawing/2014/main" xmlns="" w="9525">
                   <a:solidFill>
                     <a:srgbClr val="000000"/>
                   </a:solidFill>
@@ -21869,7 +21849,7 @@
             </a:ln>
             <a:extLst>
               <a:ext uri="{91240B29-F687-4f45-9708-019B960494DF}">
-                <a14:hiddenLine xmlns="" xmlns:a16="http://schemas.microsoft.com/office/drawing/2014/main" xmlns:p14="http://schemas.microsoft.com/office/powerpoint/2010/main" xmlns:a14="http://schemas.microsoft.com/office/drawing/2010/main" w="9525">
+                <a14:hiddenLine xmlns:a14="http://schemas.microsoft.com/office/drawing/2010/main" xmlns:p14="http://schemas.microsoft.com/office/powerpoint/2010/main" xmlns:a16="http://schemas.microsoft.com/office/drawing/2014/main" xmlns="" w="9525">
                   <a:solidFill>
                     <a:srgbClr val="000000"/>
                   </a:solidFill>
@@ -21918,7 +21898,7 @@
             </a:ln>
             <a:extLst>
               <a:ext uri="{91240B29-F687-4f45-9708-019B960494DF}">
-                <a14:hiddenLine xmlns="" xmlns:a16="http://schemas.microsoft.com/office/drawing/2014/main" xmlns:p14="http://schemas.microsoft.com/office/powerpoint/2010/main" xmlns:a14="http://schemas.microsoft.com/office/drawing/2010/main" w="9525">
+                <a14:hiddenLine xmlns:a14="http://schemas.microsoft.com/office/drawing/2010/main" xmlns:p14="http://schemas.microsoft.com/office/powerpoint/2010/main" xmlns:a16="http://schemas.microsoft.com/office/drawing/2014/main" xmlns="" w="9525">
                   <a:solidFill>
                     <a:srgbClr val="000000"/>
                   </a:solidFill>
@@ -22023,7 +22003,7 @@
             </a:ln>
             <a:extLst>
               <a:ext uri="{91240B29-F687-4f45-9708-019B960494DF}">
-                <a14:hiddenLine xmlns="" xmlns:a16="http://schemas.microsoft.com/office/drawing/2014/main" xmlns:p14="http://schemas.microsoft.com/office/powerpoint/2010/main" xmlns:a14="http://schemas.microsoft.com/office/drawing/2010/main" w="9525">
+                <a14:hiddenLine xmlns:a14="http://schemas.microsoft.com/office/drawing/2010/main" xmlns:p14="http://schemas.microsoft.com/office/powerpoint/2010/main" xmlns:a16="http://schemas.microsoft.com/office/drawing/2014/main" xmlns="" w="9525">
                   <a:solidFill>
                     <a:srgbClr val="000000"/>
                   </a:solidFill>
@@ -22100,7 +22080,7 @@
             </a:ln>
             <a:extLst>
               <a:ext uri="{91240B29-F687-4f45-9708-019B960494DF}">
-                <a14:hiddenLine xmlns="" xmlns:a16="http://schemas.microsoft.com/office/drawing/2014/main" xmlns:p14="http://schemas.microsoft.com/office/powerpoint/2010/main" xmlns:a14="http://schemas.microsoft.com/office/drawing/2010/main" w="9525">
+                <a14:hiddenLine xmlns:a14="http://schemas.microsoft.com/office/drawing/2010/main" xmlns:p14="http://schemas.microsoft.com/office/powerpoint/2010/main" xmlns:a16="http://schemas.microsoft.com/office/drawing/2014/main" xmlns="" w="9525">
                   <a:solidFill>
                     <a:srgbClr val="000000"/>
                   </a:solidFill>
@@ -22177,7 +22157,7 @@
             </a:ln>
             <a:extLst>
               <a:ext uri="{91240B29-F687-4f45-9708-019B960494DF}">
-                <a14:hiddenLine xmlns="" xmlns:a16="http://schemas.microsoft.com/office/drawing/2014/main" xmlns:p14="http://schemas.microsoft.com/office/powerpoint/2010/main" xmlns:a14="http://schemas.microsoft.com/office/drawing/2010/main" w="9525">
+                <a14:hiddenLine xmlns:a14="http://schemas.microsoft.com/office/drawing/2010/main" xmlns:p14="http://schemas.microsoft.com/office/powerpoint/2010/main" xmlns:a16="http://schemas.microsoft.com/office/drawing/2014/main" xmlns="" w="9525">
                   <a:solidFill>
                     <a:srgbClr val="000000"/>
                   </a:solidFill>
@@ -22282,7 +22262,7 @@
             </a:ln>
             <a:extLst>
               <a:ext uri="{91240B29-F687-4f45-9708-019B960494DF}">
-                <a14:hiddenLine xmlns="" xmlns:a16="http://schemas.microsoft.com/office/drawing/2014/main" xmlns:p14="http://schemas.microsoft.com/office/powerpoint/2010/main" xmlns:a14="http://schemas.microsoft.com/office/drawing/2010/main" w="9525">
+                <a14:hiddenLine xmlns:a14="http://schemas.microsoft.com/office/drawing/2010/main" xmlns:p14="http://schemas.microsoft.com/office/powerpoint/2010/main" xmlns:a16="http://schemas.microsoft.com/office/drawing/2014/main" xmlns="" w="9525">
                   <a:solidFill>
                     <a:srgbClr val="000000"/>
                   </a:solidFill>
@@ -22365,7 +22345,7 @@
             </a:ln>
             <a:extLst>
               <a:ext uri="{91240B29-F687-4f45-9708-019B960494DF}">
-                <a14:hiddenLine xmlns="" xmlns:a16="http://schemas.microsoft.com/office/drawing/2014/main" xmlns:p14="http://schemas.microsoft.com/office/powerpoint/2010/main" xmlns:a14="http://schemas.microsoft.com/office/drawing/2010/main" w="9525">
+                <a14:hiddenLine xmlns:a14="http://schemas.microsoft.com/office/drawing/2010/main" xmlns:p14="http://schemas.microsoft.com/office/powerpoint/2010/main" xmlns:a16="http://schemas.microsoft.com/office/drawing/2014/main" xmlns="" w="9525">
                   <a:solidFill>
                     <a:srgbClr val="000000"/>
                   </a:solidFill>
@@ -22442,7 +22422,7 @@
             </a:ln>
             <a:extLst>
               <a:ext uri="{91240B29-F687-4f45-9708-019B960494DF}">
-                <a14:hiddenLine xmlns="" xmlns:a16="http://schemas.microsoft.com/office/drawing/2014/main" xmlns:p14="http://schemas.microsoft.com/office/powerpoint/2010/main" xmlns:a14="http://schemas.microsoft.com/office/drawing/2010/main" w="9525">
+                <a14:hiddenLine xmlns:a14="http://schemas.microsoft.com/office/drawing/2010/main" xmlns:p14="http://schemas.microsoft.com/office/powerpoint/2010/main" xmlns:a16="http://schemas.microsoft.com/office/drawing/2014/main" xmlns="" w="9525">
                   <a:solidFill>
                     <a:srgbClr val="000000"/>
                   </a:solidFill>
@@ -22547,7 +22527,7 @@
             </a:ln>
             <a:extLst>
               <a:ext uri="{91240B29-F687-4f45-9708-019B960494DF}">
-                <a14:hiddenLine xmlns="" xmlns:a16="http://schemas.microsoft.com/office/drawing/2014/main" xmlns:p14="http://schemas.microsoft.com/office/powerpoint/2010/main" xmlns:a14="http://schemas.microsoft.com/office/drawing/2010/main" w="9525">
+                <a14:hiddenLine xmlns:a14="http://schemas.microsoft.com/office/drawing/2010/main" xmlns:p14="http://schemas.microsoft.com/office/powerpoint/2010/main" xmlns:a16="http://schemas.microsoft.com/office/drawing/2014/main" xmlns="" w="9525">
                   <a:solidFill>
                     <a:srgbClr val="000000"/>
                   </a:solidFill>
@@ -22624,7 +22604,7 @@
             </a:ln>
             <a:extLst>
               <a:ext uri="{91240B29-F687-4f45-9708-019B960494DF}">
-                <a14:hiddenLine xmlns="" xmlns:a16="http://schemas.microsoft.com/office/drawing/2014/main" xmlns:p14="http://schemas.microsoft.com/office/powerpoint/2010/main" xmlns:a14="http://schemas.microsoft.com/office/drawing/2010/main" w="9525">
+                <a14:hiddenLine xmlns:a14="http://schemas.microsoft.com/office/drawing/2010/main" xmlns:p14="http://schemas.microsoft.com/office/powerpoint/2010/main" xmlns:a16="http://schemas.microsoft.com/office/drawing/2014/main" xmlns="" w="9525">
                   <a:solidFill>
                     <a:srgbClr val="000000"/>
                   </a:solidFill>
@@ -22729,7 +22709,7 @@
             </a:ln>
             <a:extLst>
               <a:ext uri="{91240B29-F687-4f45-9708-019B960494DF}">
-                <a14:hiddenLine xmlns="" xmlns:a16="http://schemas.microsoft.com/office/drawing/2014/main" xmlns:p14="http://schemas.microsoft.com/office/powerpoint/2010/main" xmlns:a14="http://schemas.microsoft.com/office/drawing/2010/main" w="9525">
+                <a14:hiddenLine xmlns:a14="http://schemas.microsoft.com/office/drawing/2010/main" xmlns:p14="http://schemas.microsoft.com/office/powerpoint/2010/main" xmlns:a16="http://schemas.microsoft.com/office/drawing/2014/main" xmlns="" w="9525">
                   <a:solidFill>
                     <a:srgbClr val="000000"/>
                   </a:solidFill>
@@ -22806,7 +22786,7 @@
             </a:ln>
             <a:extLst>
               <a:ext uri="{91240B29-F687-4f45-9708-019B960494DF}">
-                <a14:hiddenLine xmlns="" xmlns:a16="http://schemas.microsoft.com/office/drawing/2014/main" xmlns:p14="http://schemas.microsoft.com/office/powerpoint/2010/main" xmlns:a14="http://schemas.microsoft.com/office/drawing/2010/main" w="9525">
+                <a14:hiddenLine xmlns:a14="http://schemas.microsoft.com/office/drawing/2010/main" xmlns:p14="http://schemas.microsoft.com/office/powerpoint/2010/main" xmlns:a16="http://schemas.microsoft.com/office/drawing/2014/main" xmlns="" w="9525">
                   <a:solidFill>
                     <a:srgbClr val="000000"/>
                   </a:solidFill>
@@ -22911,7 +22891,7 @@
             </a:ln>
             <a:extLst>
               <a:ext uri="{91240B29-F687-4f45-9708-019B960494DF}">
-                <a14:hiddenLine xmlns="" xmlns:a16="http://schemas.microsoft.com/office/drawing/2014/main" xmlns:p14="http://schemas.microsoft.com/office/powerpoint/2010/main" xmlns:a14="http://schemas.microsoft.com/office/drawing/2010/main" w="9525">
+                <a14:hiddenLine xmlns:a14="http://schemas.microsoft.com/office/drawing/2010/main" xmlns:p14="http://schemas.microsoft.com/office/powerpoint/2010/main" xmlns:a16="http://schemas.microsoft.com/office/drawing/2014/main" xmlns="" w="9525">
                   <a:solidFill>
                     <a:srgbClr val="000000"/>
                   </a:solidFill>
@@ -22960,7 +22940,7 @@
             </a:ln>
             <a:extLst>
               <a:ext uri="{91240B29-F687-4f45-9708-019B960494DF}">
-                <a14:hiddenLine xmlns="" xmlns:a16="http://schemas.microsoft.com/office/drawing/2014/main" xmlns:p14="http://schemas.microsoft.com/office/powerpoint/2010/main" xmlns:a14="http://schemas.microsoft.com/office/drawing/2010/main" w="9525">
+                <a14:hiddenLine xmlns:a14="http://schemas.microsoft.com/office/drawing/2010/main" xmlns:p14="http://schemas.microsoft.com/office/powerpoint/2010/main" xmlns:a16="http://schemas.microsoft.com/office/drawing/2014/main" xmlns="" w="9525">
                   <a:solidFill>
                     <a:srgbClr val="000000"/>
                   </a:solidFill>
@@ -23040,7 +23020,7 @@
             </a:ln>
             <a:extLst>
               <a:ext uri="{91240B29-F687-4f45-9708-019B960494DF}">
-                <a14:hiddenLine xmlns="" xmlns:a16="http://schemas.microsoft.com/office/drawing/2014/main" xmlns:p14="http://schemas.microsoft.com/office/powerpoint/2010/main" xmlns:a14="http://schemas.microsoft.com/office/drawing/2010/main" w="9525">
+                <a14:hiddenLine xmlns:a14="http://schemas.microsoft.com/office/drawing/2010/main" xmlns:p14="http://schemas.microsoft.com/office/powerpoint/2010/main" xmlns:a16="http://schemas.microsoft.com/office/drawing/2014/main" xmlns="" w="9525">
                   <a:solidFill>
                     <a:srgbClr val="000000"/>
                   </a:solidFill>
@@ -23145,7 +23125,7 @@
             </a:ln>
             <a:extLst>
               <a:ext uri="{91240B29-F687-4f45-9708-019B960494DF}">
-                <a14:hiddenLine xmlns="" xmlns:a16="http://schemas.microsoft.com/office/drawing/2014/main" xmlns:p14="http://schemas.microsoft.com/office/powerpoint/2010/main" xmlns:a14="http://schemas.microsoft.com/office/drawing/2010/main" w="9525">
+                <a14:hiddenLine xmlns:a14="http://schemas.microsoft.com/office/drawing/2010/main" xmlns:p14="http://schemas.microsoft.com/office/powerpoint/2010/main" xmlns:a16="http://schemas.microsoft.com/office/drawing/2014/main" xmlns="" w="9525">
                   <a:solidFill>
                     <a:srgbClr val="000000"/>
                   </a:solidFill>
@@ -23222,7 +23202,7 @@
             </a:ln>
             <a:extLst>
               <a:ext uri="{91240B29-F687-4f45-9708-019B960494DF}">
-                <a14:hiddenLine xmlns="" xmlns:a16="http://schemas.microsoft.com/office/drawing/2014/main" xmlns:p14="http://schemas.microsoft.com/office/powerpoint/2010/main" xmlns:a14="http://schemas.microsoft.com/office/drawing/2010/main" w="9525">
+                <a14:hiddenLine xmlns:a14="http://schemas.microsoft.com/office/drawing/2010/main" xmlns:p14="http://schemas.microsoft.com/office/powerpoint/2010/main" xmlns:a16="http://schemas.microsoft.com/office/drawing/2014/main" xmlns="" w="9525">
                   <a:solidFill>
                     <a:srgbClr val="000000"/>
                   </a:solidFill>
@@ -23327,7 +23307,7 @@
             </a:ln>
             <a:extLst>
               <a:ext uri="{91240B29-F687-4f45-9708-019B960494DF}">
-                <a14:hiddenLine xmlns="" xmlns:a16="http://schemas.microsoft.com/office/drawing/2014/main" xmlns:p14="http://schemas.microsoft.com/office/powerpoint/2010/main" xmlns:a14="http://schemas.microsoft.com/office/drawing/2010/main" w="9525">
+                <a14:hiddenLine xmlns:a14="http://schemas.microsoft.com/office/drawing/2010/main" xmlns:p14="http://schemas.microsoft.com/office/powerpoint/2010/main" xmlns:a16="http://schemas.microsoft.com/office/drawing/2014/main" xmlns="" w="9525">
                   <a:solidFill>
                     <a:srgbClr val="000000"/>
                   </a:solidFill>
@@ -23432,7 +23412,7 @@
             </a:ln>
             <a:extLst>
               <a:ext uri="{91240B29-F687-4f45-9708-019B960494DF}">
-                <a14:hiddenLine xmlns="" xmlns:a16="http://schemas.microsoft.com/office/drawing/2014/main" xmlns:p14="http://schemas.microsoft.com/office/powerpoint/2010/main" xmlns:a14="http://schemas.microsoft.com/office/drawing/2010/main" w="9525">
+                <a14:hiddenLine xmlns:a14="http://schemas.microsoft.com/office/drawing/2010/main" xmlns:p14="http://schemas.microsoft.com/office/powerpoint/2010/main" xmlns:a16="http://schemas.microsoft.com/office/drawing/2014/main" xmlns="" w="9525">
                   <a:solidFill>
                     <a:srgbClr val="000000"/>
                   </a:solidFill>
@@ -23512,7 +23492,7 @@
             </a:ln>
             <a:extLst>
               <a:ext uri="{91240B29-F687-4f45-9708-019B960494DF}">
-                <a14:hiddenLine xmlns="" xmlns:a16="http://schemas.microsoft.com/office/drawing/2014/main" xmlns:p14="http://schemas.microsoft.com/office/powerpoint/2010/main" xmlns:a14="http://schemas.microsoft.com/office/drawing/2010/main" w="9525">
+                <a14:hiddenLine xmlns:a14="http://schemas.microsoft.com/office/drawing/2010/main" xmlns:p14="http://schemas.microsoft.com/office/powerpoint/2010/main" xmlns:a16="http://schemas.microsoft.com/office/drawing/2014/main" xmlns="" w="9525">
                   <a:solidFill>
                     <a:srgbClr val="000000"/>
                   </a:solidFill>
@@ -23589,7 +23569,7 @@
             </a:ln>
             <a:extLst>
               <a:ext uri="{91240B29-F687-4f45-9708-019B960494DF}">
-                <a14:hiddenLine xmlns="" xmlns:a16="http://schemas.microsoft.com/office/drawing/2014/main" xmlns:p14="http://schemas.microsoft.com/office/powerpoint/2010/main" xmlns:a14="http://schemas.microsoft.com/office/drawing/2010/main" w="9525">
+                <a14:hiddenLine xmlns:a14="http://schemas.microsoft.com/office/drawing/2010/main" xmlns:p14="http://schemas.microsoft.com/office/powerpoint/2010/main" xmlns:a16="http://schemas.microsoft.com/office/drawing/2014/main" xmlns="" w="9525">
                   <a:solidFill>
                     <a:srgbClr val="000000"/>
                   </a:solidFill>
@@ -23694,7 +23674,7 @@
             </a:ln>
             <a:extLst>
               <a:ext uri="{91240B29-F687-4f45-9708-019B960494DF}">
-                <a14:hiddenLine xmlns="" xmlns:a16="http://schemas.microsoft.com/office/drawing/2014/main" xmlns:p14="http://schemas.microsoft.com/office/powerpoint/2010/main" xmlns:a14="http://schemas.microsoft.com/office/drawing/2010/main" w="9525">
+                <a14:hiddenLine xmlns:a14="http://schemas.microsoft.com/office/drawing/2010/main" xmlns:p14="http://schemas.microsoft.com/office/powerpoint/2010/main" xmlns:a16="http://schemas.microsoft.com/office/drawing/2014/main" xmlns="" w="9525">
                   <a:solidFill>
                     <a:srgbClr val="000000"/>
                   </a:solidFill>
@@ -23799,7 +23779,7 @@
             </a:ln>
             <a:extLst>
               <a:ext uri="{91240B29-F687-4f45-9708-019B960494DF}">
-                <a14:hiddenLine xmlns="" xmlns:a16="http://schemas.microsoft.com/office/drawing/2014/main" xmlns:p14="http://schemas.microsoft.com/office/powerpoint/2010/main" xmlns:a14="http://schemas.microsoft.com/office/drawing/2010/main" w="9525">
+                <a14:hiddenLine xmlns:a14="http://schemas.microsoft.com/office/drawing/2010/main" xmlns:p14="http://schemas.microsoft.com/office/powerpoint/2010/main" xmlns:a16="http://schemas.microsoft.com/office/drawing/2014/main" xmlns="" w="9525">
                   <a:solidFill>
                     <a:srgbClr val="000000"/>
                   </a:solidFill>
@@ -23876,7 +23856,7 @@
             </a:ln>
             <a:extLst>
               <a:ext uri="{91240B29-F687-4f45-9708-019B960494DF}">
-                <a14:hiddenLine xmlns="" xmlns:a16="http://schemas.microsoft.com/office/drawing/2014/main" xmlns:p14="http://schemas.microsoft.com/office/powerpoint/2010/main" xmlns:a14="http://schemas.microsoft.com/office/drawing/2010/main" w="9525">
+                <a14:hiddenLine xmlns:a14="http://schemas.microsoft.com/office/drawing/2010/main" xmlns:p14="http://schemas.microsoft.com/office/powerpoint/2010/main" xmlns:a16="http://schemas.microsoft.com/office/drawing/2014/main" xmlns="" w="9525">
                   <a:solidFill>
                     <a:srgbClr val="000000"/>
                   </a:solidFill>
@@ -24011,7 +23991,7 @@
             </a:ln>
             <a:extLst>
               <a:ext uri="{91240B29-F687-4f45-9708-019B960494DF}">
-                <a14:hiddenLine xmlns="" xmlns:a16="http://schemas.microsoft.com/office/drawing/2014/main" xmlns:p14="http://schemas.microsoft.com/office/powerpoint/2010/main" xmlns:a14="http://schemas.microsoft.com/office/drawing/2010/main" w="9525">
+                <a14:hiddenLine xmlns:a14="http://schemas.microsoft.com/office/drawing/2010/main" xmlns:p14="http://schemas.microsoft.com/office/powerpoint/2010/main" xmlns:a16="http://schemas.microsoft.com/office/drawing/2014/main" xmlns="" w="9525">
                   <a:solidFill>
                     <a:srgbClr val="000000"/>
                   </a:solidFill>
@@ -24094,7 +24074,7 @@
             </a:ln>
             <a:extLst>
               <a:ext uri="{91240B29-F687-4f45-9708-019B960494DF}">
-                <a14:hiddenLine xmlns="" xmlns:a16="http://schemas.microsoft.com/office/drawing/2014/main" xmlns:p14="http://schemas.microsoft.com/office/powerpoint/2010/main" xmlns:a14="http://schemas.microsoft.com/office/drawing/2010/main" w="9525">
+                <a14:hiddenLine xmlns:a14="http://schemas.microsoft.com/office/drawing/2010/main" xmlns:p14="http://schemas.microsoft.com/office/powerpoint/2010/main" xmlns:a16="http://schemas.microsoft.com/office/drawing/2014/main" xmlns="" w="9525">
                   <a:solidFill>
                     <a:srgbClr val="000000"/>
                   </a:solidFill>
@@ -24199,7 +24179,7 @@
             </a:ln>
             <a:extLst>
               <a:ext uri="{91240B29-F687-4f45-9708-019B960494DF}">
-                <a14:hiddenLine xmlns="" xmlns:a16="http://schemas.microsoft.com/office/drawing/2014/main" xmlns:p14="http://schemas.microsoft.com/office/powerpoint/2010/main" xmlns:a14="http://schemas.microsoft.com/office/drawing/2010/main" w="9525">
+                <a14:hiddenLine xmlns:a14="http://schemas.microsoft.com/office/drawing/2010/main" xmlns:p14="http://schemas.microsoft.com/office/powerpoint/2010/main" xmlns:a16="http://schemas.microsoft.com/office/drawing/2014/main" xmlns="" w="9525">
                   <a:solidFill>
                     <a:srgbClr val="000000"/>
                   </a:solidFill>
@@ -25088,15 +25068,7 @@
           <a:p>
             <a:r>
               <a:rPr lang="es-ES" dirty="0"/>
-              <a:t>	</a:t>
-            </a:r>
-            <a:r>
-              <a:rPr lang="es-ES" dirty="0" err="1"/>
-              <a:t>EnfermerosPacientes</a:t>
-            </a:r>
-            <a:r>
-              <a:rPr lang="es-ES" dirty="0"/>
-              <a:t>:</a:t>
+              <a:t>	EnfermerosPacientes:</a:t>
             </a:r>
           </a:p>
           <a:p>

--- a/doc/Presentación_mitad_de_curso_JuanEspinosayNachoRodriguez.pptx
+++ b/doc/Presentación_mitad_de_curso_JuanEspinosayNachoRodriguez.pptx
@@ -10,9 +10,9 @@
   <p:sldIdLst>
     <p:sldId id="256" r:id="rId2"/>
     <p:sldId id="257" r:id="rId3"/>
-    <p:sldId id="260" r:id="rId4"/>
+    <p:sldId id="262" r:id="rId4"/>
     <p:sldId id="259" r:id="rId5"/>
-    <p:sldId id="262" r:id="rId6"/>
+    <p:sldId id="260" r:id="rId6"/>
     <p:sldId id="261" r:id="rId7"/>
     <p:sldId id="264" r:id="rId8"/>
     <p:sldId id="265" r:id="rId9"/>
@@ -516,44 +516,6 @@
           <a:bodyPr/>
           <a:lstStyle/>
           <a:p>
-            <a:r>
-              <a:rPr lang="es-ES" dirty="0"/>
-              <a:t>* 3 actores principales: enfermera, paciente y doctor. </a:t>
-            </a:r>
-          </a:p>
-          <a:p>
-            <a:r>
-              <a:rPr lang="es-ES" dirty="0"/>
-              <a:t>*</a:t>
-            </a:r>
-            <a:r>
-              <a:rPr lang="es-ES" dirty="0" err="1"/>
-              <a:t>Login</a:t>
-            </a:r>
-            <a:r>
-              <a:rPr lang="es-ES" dirty="0"/>
-              <a:t> + consultar historial.</a:t>
-            </a:r>
-          </a:p>
-          <a:p>
-            <a:r>
-              <a:rPr lang="es-ES" dirty="0"/>
-              <a:t>*Modificar historial.</a:t>
-            </a:r>
-          </a:p>
-          <a:p>
-            <a:r>
-              <a:rPr lang="es-ES" dirty="0"/>
-              <a:t>*Pedir cita y pago.</a:t>
-            </a:r>
-          </a:p>
-          <a:p>
-            <a:r>
-              <a:rPr lang="es-ES" dirty="0"/>
-              <a:t> </a:t>
-            </a:r>
-          </a:p>
-          <a:p>
             <a:endParaRPr lang="es-ES" dirty="0"/>
           </a:p>
         </p:txBody>
@@ -575,7 +537,7 @@
           <a:p>
             <a:fld id="{850C8A68-B0DA-436B-AE1F-7E2DFF33396B}" type="slidenum">
               <a:rPr lang="es-ES" smtClean="0"/>
-              <a:t>4</a:t>
+              <a:t>2</a:t>
             </a:fld>
             <a:endParaRPr lang="es-ES"/>
           </a:p>
@@ -584,7 +546,7 @@
     </p:spTree>
     <p:extLst>
       <p:ext uri="{BB962C8B-B14F-4D97-AF65-F5344CB8AC3E}">
-        <p14:creationId xmlns:p14="http://schemas.microsoft.com/office/powerpoint/2010/main" val="1109452671"/>
+        <p14:creationId xmlns:p14="http://schemas.microsoft.com/office/powerpoint/2010/main" val="958999501"/>
       </p:ext>
     </p:extLst>
   </p:cSld>
@@ -708,7 +670,7 @@
           <a:p>
             <a:fld id="{850C8A68-B0DA-436B-AE1F-7E2DFF33396B}" type="slidenum">
               <a:rPr lang="es-ES" smtClean="0"/>
-              <a:t>5</a:t>
+              <a:t>3</a:t>
             </a:fld>
             <a:endParaRPr lang="es-ES"/>
           </a:p>
@@ -728,6 +690,128 @@
 </file>
 
 <file path=ppt/notesSlides/notesSlide3.xml><?xml version="1.0" encoding="utf-8"?>
+<p:notes xmlns:a="http://schemas.openxmlformats.org/drawingml/2006/main" xmlns:r="http://schemas.openxmlformats.org/officeDocument/2006/relationships" xmlns:p="http://schemas.openxmlformats.org/presentationml/2006/main">
+  <p:cSld>
+    <p:spTree>
+      <p:nvGrpSpPr>
+        <p:cNvPr id="1" name=""/>
+        <p:cNvGrpSpPr/>
+        <p:nvPr/>
+      </p:nvGrpSpPr>
+      <p:grpSpPr>
+        <a:xfrm>
+          <a:off x="0" y="0"/>
+          <a:ext cx="0" cy="0"/>
+          <a:chOff x="0" y="0"/>
+          <a:chExt cx="0" cy="0"/>
+        </a:xfrm>
+      </p:grpSpPr>
+      <p:sp>
+        <p:nvSpPr>
+          <p:cNvPr id="2" name="Marcador de imagen de diapositiva 1"/>
+          <p:cNvSpPr>
+            <a:spLocks noGrp="1" noRot="1" noChangeAspect="1"/>
+          </p:cNvSpPr>
+          <p:nvPr>
+            <p:ph type="sldImg"/>
+          </p:nvPr>
+        </p:nvSpPr>
+        <p:spPr/>
+      </p:sp>
+      <p:sp>
+        <p:nvSpPr>
+          <p:cNvPr id="3" name="Marcador de notas 2"/>
+          <p:cNvSpPr>
+            <a:spLocks noGrp="1"/>
+          </p:cNvSpPr>
+          <p:nvPr>
+            <p:ph type="body" idx="1"/>
+          </p:nvPr>
+        </p:nvSpPr>
+        <p:spPr/>
+        <p:txBody>
+          <a:bodyPr/>
+          <a:lstStyle/>
+          <a:p>
+            <a:r>
+              <a:rPr lang="es-ES" dirty="0"/>
+              <a:t>* 3 actores principales: enfermera, paciente y doctor. </a:t>
+            </a:r>
+          </a:p>
+          <a:p>
+            <a:r>
+              <a:rPr lang="es-ES" dirty="0"/>
+              <a:t>*</a:t>
+            </a:r>
+            <a:r>
+              <a:rPr lang="es-ES" dirty="0" err="1"/>
+              <a:t>Login</a:t>
+            </a:r>
+            <a:r>
+              <a:rPr lang="es-ES" dirty="0"/>
+              <a:t> + consultar historial.</a:t>
+            </a:r>
+          </a:p>
+          <a:p>
+            <a:r>
+              <a:rPr lang="es-ES" dirty="0"/>
+              <a:t>*Modificar historial.</a:t>
+            </a:r>
+          </a:p>
+          <a:p>
+            <a:r>
+              <a:rPr lang="es-ES" dirty="0"/>
+              <a:t>*Pedir cita y pago.</a:t>
+            </a:r>
+          </a:p>
+          <a:p>
+            <a:r>
+              <a:rPr lang="es-ES" dirty="0"/>
+              <a:t> </a:t>
+            </a:r>
+          </a:p>
+          <a:p>
+            <a:endParaRPr lang="es-ES" dirty="0"/>
+          </a:p>
+        </p:txBody>
+      </p:sp>
+      <p:sp>
+        <p:nvSpPr>
+          <p:cNvPr id="4" name="Marcador de número de diapositiva 3"/>
+          <p:cNvSpPr>
+            <a:spLocks noGrp="1"/>
+          </p:cNvSpPr>
+          <p:nvPr>
+            <p:ph type="sldNum" sz="quarter" idx="5"/>
+          </p:nvPr>
+        </p:nvSpPr>
+        <p:spPr/>
+        <p:txBody>
+          <a:bodyPr/>
+          <a:lstStyle/>
+          <a:p>
+            <a:fld id="{850C8A68-B0DA-436B-AE1F-7E2DFF33396B}" type="slidenum">
+              <a:rPr lang="es-ES" smtClean="0"/>
+              <a:t>4</a:t>
+            </a:fld>
+            <a:endParaRPr lang="es-ES"/>
+          </a:p>
+        </p:txBody>
+      </p:sp>
+    </p:spTree>
+    <p:extLst>
+      <p:ext uri="{BB962C8B-B14F-4D97-AF65-F5344CB8AC3E}">
+        <p14:creationId xmlns:p14="http://schemas.microsoft.com/office/powerpoint/2010/main" val="1109452671"/>
+      </p:ext>
+    </p:extLst>
+  </p:cSld>
+  <p:clrMapOvr>
+    <a:masterClrMapping/>
+  </p:clrMapOvr>
+</p:notes>
+</file>
+
+<file path=ppt/notesSlides/notesSlide4.xml><?xml version="1.0" encoding="utf-8"?>
 <p:notes xmlns:a="http://schemas.openxmlformats.org/drawingml/2006/main" xmlns:r="http://schemas.openxmlformats.org/officeDocument/2006/relationships" xmlns:p="http://schemas.openxmlformats.org/presentationml/2006/main">
   <p:cSld>
     <p:spTree>
@@ -900,27 +984,7 @@
                 <a:effectLst/>
                 <a:latin typeface="Consolas" panose="020B0609020204030204" pitchFamily="49" charset="0"/>
               </a:rPr>
-              <a:t> es una FOREIGN KEY </a:t>
-            </a:r>
-            <a:r>
-              <a:rPr lang="es-ES" b="0" dirty="0" err="1">
-                <a:solidFill>
-                  <a:srgbClr val="D4D4D4"/>
-                </a:solidFill>
-                <a:effectLst/>
-                <a:latin typeface="Consolas" panose="020B0609020204030204" pitchFamily="49" charset="0"/>
-              </a:rPr>
-              <a:t>wue</a:t>
-            </a:r>
-            <a:r>
-              <a:rPr lang="es-ES" b="0" dirty="0">
-                <a:solidFill>
-                  <a:srgbClr val="D4D4D4"/>
-                </a:solidFill>
-                <a:effectLst/>
-                <a:latin typeface="Consolas" panose="020B0609020204030204" pitchFamily="49" charset="0"/>
-              </a:rPr>
-              <a:t> referencia a la columna Id de la tabla departamentos. La columna Sexo solo puede </a:t>
+              <a:t> es una FOREIGN KEY que referencia a la columna Id de la tabla departamentos. La columna Sexo solo puede </a:t>
             </a:r>
             <a:r>
               <a:rPr lang="es-ES" b="0" dirty="0" err="1">
@@ -1385,7 +1449,7 @@
           <a:noFill/>
           <a:extLst>
             <a:ext uri="{909E8E84-426E-40dd-AFC4-6F175D3DCCD1}">
-              <a14:hiddenFill xmlns:a14="http://schemas.microsoft.com/office/drawing/2010/main" xmlns="">
+              <a14:hiddenFill xmlns="" xmlns:a14="http://schemas.microsoft.com/office/drawing/2010/main">
                 <a:solidFill>
                   <a:srgbClr val="FFFFFF"/>
                 </a:solidFill>
@@ -1444,7 +1508,7 @@
             </a:ln>
             <a:extLst>
               <a:ext uri="{91240B29-F687-4f45-9708-019B960494DF}">
-                <a14:hiddenLine xmlns:a14="http://schemas.microsoft.com/office/drawing/2010/main" xmlns="" w="9525">
+                <a14:hiddenLine xmlns="" xmlns:a14="http://schemas.microsoft.com/office/drawing/2010/main" w="9525">
                   <a:solidFill>
                     <a:srgbClr val="000000"/>
                   </a:solidFill>
@@ -1534,7 +1598,7 @@
             </a:ln>
             <a:extLst>
               <a:ext uri="{91240B29-F687-4f45-9708-019B960494DF}">
-                <a14:hiddenLine xmlns:a14="http://schemas.microsoft.com/office/drawing/2010/main" xmlns="" w="9525">
+                <a14:hiddenLine xmlns="" xmlns:a14="http://schemas.microsoft.com/office/drawing/2010/main" w="9525">
                   <a:solidFill>
                     <a:srgbClr val="000000"/>
                   </a:solidFill>
@@ -1624,7 +1688,7 @@
             </a:ln>
             <a:extLst>
               <a:ext uri="{91240B29-F687-4f45-9708-019B960494DF}">
-                <a14:hiddenLine xmlns:a14="http://schemas.microsoft.com/office/drawing/2010/main" xmlns="" w="9525">
+                <a14:hiddenLine xmlns="" xmlns:a14="http://schemas.microsoft.com/office/drawing/2010/main" w="9525">
                   <a:solidFill>
                     <a:srgbClr val="000000"/>
                   </a:solidFill>
@@ -1658,7 +1722,7 @@
             </a:ln>
             <a:extLst>
               <a:ext uri="{91240B29-F687-4f45-9708-019B960494DF}">
-                <a14:hiddenLine xmlns:a14="http://schemas.microsoft.com/office/drawing/2010/main" xmlns="" w="9525">
+                <a14:hiddenLine xmlns="" xmlns:a14="http://schemas.microsoft.com/office/drawing/2010/main" w="9525">
                   <a:solidFill>
                     <a:srgbClr val="000000"/>
                   </a:solidFill>
@@ -1748,7 +1812,7 @@
             </a:ln>
             <a:extLst>
               <a:ext uri="{91240B29-F687-4f45-9708-019B960494DF}">
-                <a14:hiddenLine xmlns:a14="http://schemas.microsoft.com/office/drawing/2010/main" xmlns="" w="9525">
+                <a14:hiddenLine xmlns="" xmlns:a14="http://schemas.microsoft.com/office/drawing/2010/main" w="9525">
                   <a:solidFill>
                     <a:srgbClr val="000000"/>
                   </a:solidFill>
@@ -1810,7 +1874,7 @@
             </a:ln>
             <a:extLst>
               <a:ext uri="{91240B29-F687-4f45-9708-019B960494DF}">
-                <a14:hiddenLine xmlns:a14="http://schemas.microsoft.com/office/drawing/2010/main" xmlns="" w="9525">
+                <a14:hiddenLine xmlns="" xmlns:a14="http://schemas.microsoft.com/office/drawing/2010/main" w="9525">
                   <a:solidFill>
                     <a:srgbClr val="000000"/>
                   </a:solidFill>
@@ -1872,7 +1936,7 @@
             </a:ln>
             <a:extLst>
               <a:ext uri="{91240B29-F687-4f45-9708-019B960494DF}">
-                <a14:hiddenLine xmlns:a14="http://schemas.microsoft.com/office/drawing/2010/main" xmlns="" w="9525">
+                <a14:hiddenLine xmlns="" xmlns:a14="http://schemas.microsoft.com/office/drawing/2010/main" w="9525">
                   <a:solidFill>
                     <a:srgbClr val="000000"/>
                   </a:solidFill>
@@ -1962,7 +2026,7 @@
             </a:ln>
             <a:extLst>
               <a:ext uri="{91240B29-F687-4f45-9708-019B960494DF}">
-                <a14:hiddenLine xmlns:a14="http://schemas.microsoft.com/office/drawing/2010/main" xmlns="" w="9525">
+                <a14:hiddenLine xmlns="" xmlns:a14="http://schemas.microsoft.com/office/drawing/2010/main" w="9525">
                   <a:solidFill>
                     <a:srgbClr val="000000"/>
                   </a:solidFill>
@@ -2024,7 +2088,7 @@
             </a:ln>
             <a:extLst>
               <a:ext uri="{91240B29-F687-4f45-9708-019B960494DF}">
-                <a14:hiddenLine xmlns:a14="http://schemas.microsoft.com/office/drawing/2010/main" xmlns="" w="9525">
+                <a14:hiddenLine xmlns="" xmlns:a14="http://schemas.microsoft.com/office/drawing/2010/main" w="9525">
                   <a:solidFill>
                     <a:srgbClr val="000000"/>
                   </a:solidFill>
@@ -2086,7 +2150,7 @@
             </a:ln>
             <a:extLst>
               <a:ext uri="{91240B29-F687-4f45-9708-019B960494DF}">
-                <a14:hiddenLine xmlns:a14="http://schemas.microsoft.com/office/drawing/2010/main" xmlns="" w="9525">
+                <a14:hiddenLine xmlns="" xmlns:a14="http://schemas.microsoft.com/office/drawing/2010/main" w="9525">
                   <a:solidFill>
                     <a:srgbClr val="000000"/>
                   </a:solidFill>
@@ -2176,7 +2240,7 @@
             </a:ln>
             <a:extLst>
               <a:ext uri="{91240B29-F687-4f45-9708-019B960494DF}">
-                <a14:hiddenLine xmlns:a14="http://schemas.microsoft.com/office/drawing/2010/main" xmlns="" w="9525">
+                <a14:hiddenLine xmlns="" xmlns:a14="http://schemas.microsoft.com/office/drawing/2010/main" w="9525">
                   <a:solidFill>
                     <a:srgbClr val="000000"/>
                   </a:solidFill>
@@ -2266,7 +2330,7 @@
             </a:ln>
             <a:extLst>
               <a:ext uri="{91240B29-F687-4f45-9708-019B960494DF}">
-                <a14:hiddenLine xmlns:a14="http://schemas.microsoft.com/office/drawing/2010/main" xmlns="" w="9525">
+                <a14:hiddenLine xmlns="" xmlns:a14="http://schemas.microsoft.com/office/drawing/2010/main" w="9525">
                   <a:solidFill>
                     <a:srgbClr val="000000"/>
                   </a:solidFill>
@@ -2328,7 +2392,7 @@
             </a:ln>
             <a:extLst>
               <a:ext uri="{91240B29-F687-4f45-9708-019B960494DF}">
-                <a14:hiddenLine xmlns:a14="http://schemas.microsoft.com/office/drawing/2010/main" xmlns="" w="9525">
+                <a14:hiddenLine xmlns="" xmlns:a14="http://schemas.microsoft.com/office/drawing/2010/main" w="9525">
                   <a:solidFill>
                     <a:srgbClr val="000000"/>
                   </a:solidFill>
@@ -2438,7 +2502,7 @@
             </a:ln>
             <a:extLst>
               <a:ext uri="{91240B29-F687-4f45-9708-019B960494DF}">
-                <a14:hiddenLine xmlns:a14="http://schemas.microsoft.com/office/drawing/2010/main" xmlns="" w="9525">
+                <a14:hiddenLine xmlns="" xmlns:a14="http://schemas.microsoft.com/office/drawing/2010/main" w="9525">
                   <a:solidFill>
                     <a:srgbClr val="000000"/>
                   </a:solidFill>
@@ -2500,7 +2564,7 @@
             </a:ln>
             <a:extLst>
               <a:ext uri="{91240B29-F687-4f45-9708-019B960494DF}">
-                <a14:hiddenLine xmlns:a14="http://schemas.microsoft.com/office/drawing/2010/main" xmlns="" w="9525">
+                <a14:hiddenLine xmlns="" xmlns:a14="http://schemas.microsoft.com/office/drawing/2010/main" w="9525">
                   <a:solidFill>
                     <a:srgbClr val="000000"/>
                   </a:solidFill>
@@ -2590,7 +2654,7 @@
             </a:ln>
             <a:extLst>
               <a:ext uri="{91240B29-F687-4f45-9708-019B960494DF}">
-                <a14:hiddenLine xmlns:a14="http://schemas.microsoft.com/office/drawing/2010/main" xmlns="" w="9525">
+                <a14:hiddenLine xmlns="" xmlns:a14="http://schemas.microsoft.com/office/drawing/2010/main" w="9525">
                   <a:solidFill>
                     <a:srgbClr val="000000"/>
                   </a:solidFill>
@@ -2680,7 +2744,7 @@
             </a:ln>
             <a:extLst>
               <a:ext uri="{91240B29-F687-4f45-9708-019B960494DF}">
-                <a14:hiddenLine xmlns:a14="http://schemas.microsoft.com/office/drawing/2010/main" xmlns="" w="9525">
+                <a14:hiddenLine xmlns="" xmlns:a14="http://schemas.microsoft.com/office/drawing/2010/main" w="9525">
                   <a:solidFill>
                     <a:srgbClr val="000000"/>
                   </a:solidFill>
@@ -2742,7 +2806,7 @@
             </a:ln>
             <a:extLst>
               <a:ext uri="{91240B29-F687-4f45-9708-019B960494DF}">
-                <a14:hiddenLine xmlns:a14="http://schemas.microsoft.com/office/drawing/2010/main" xmlns="" w="9525">
+                <a14:hiddenLine xmlns="" xmlns:a14="http://schemas.microsoft.com/office/drawing/2010/main" w="9525">
                   <a:solidFill>
                     <a:srgbClr val="000000"/>
                   </a:solidFill>
@@ -2832,7 +2896,7 @@
             </a:ln>
             <a:extLst>
               <a:ext uri="{91240B29-F687-4f45-9708-019B960494DF}">
-                <a14:hiddenLine xmlns:a14="http://schemas.microsoft.com/office/drawing/2010/main" xmlns="" w="9525">
+                <a14:hiddenLine xmlns="" xmlns:a14="http://schemas.microsoft.com/office/drawing/2010/main" w="9525">
                   <a:solidFill>
                     <a:srgbClr val="000000"/>
                   </a:solidFill>
@@ -2922,7 +2986,7 @@
             </a:ln>
             <a:extLst>
               <a:ext uri="{91240B29-F687-4f45-9708-019B960494DF}">
-                <a14:hiddenLine xmlns:a14="http://schemas.microsoft.com/office/drawing/2010/main" xmlns="" w="9525">
+                <a14:hiddenLine xmlns="" xmlns:a14="http://schemas.microsoft.com/office/drawing/2010/main" w="9525">
                   <a:solidFill>
                     <a:srgbClr val="000000"/>
                   </a:solidFill>
@@ -2978,7 +3042,7 @@
             </a:ln>
             <a:extLst>
               <a:ext uri="{91240B29-F687-4f45-9708-019B960494DF}">
-                <a14:hiddenLine xmlns:a14="http://schemas.microsoft.com/office/drawing/2010/main" xmlns="" w="9525">
+                <a14:hiddenLine xmlns="" xmlns:a14="http://schemas.microsoft.com/office/drawing/2010/main" w="9525">
                   <a:solidFill>
                     <a:srgbClr val="000000"/>
                   </a:solidFill>
@@ -3068,7 +3132,7 @@
             </a:ln>
             <a:extLst>
               <a:ext uri="{91240B29-F687-4f45-9708-019B960494DF}">
-                <a14:hiddenLine xmlns:a14="http://schemas.microsoft.com/office/drawing/2010/main" xmlns="" w="9525">
+                <a14:hiddenLine xmlns="" xmlns:a14="http://schemas.microsoft.com/office/drawing/2010/main" w="9525">
                   <a:solidFill>
                     <a:srgbClr val="000000"/>
                   </a:solidFill>
@@ -3124,7 +3188,7 @@
             </a:ln>
             <a:extLst>
               <a:ext uri="{91240B29-F687-4f45-9708-019B960494DF}">
-                <a14:hiddenLine xmlns:a14="http://schemas.microsoft.com/office/drawing/2010/main" xmlns="" w="9525">
+                <a14:hiddenLine xmlns="" xmlns:a14="http://schemas.microsoft.com/office/drawing/2010/main" w="9525">
                   <a:solidFill>
                     <a:srgbClr val="000000"/>
                   </a:solidFill>
@@ -3214,7 +3278,7 @@
             </a:ln>
             <a:extLst>
               <a:ext uri="{91240B29-F687-4f45-9708-019B960494DF}">
-                <a14:hiddenLine xmlns:a14="http://schemas.microsoft.com/office/drawing/2010/main" xmlns="" w="9525">
+                <a14:hiddenLine xmlns="" xmlns:a14="http://schemas.microsoft.com/office/drawing/2010/main" w="9525">
                   <a:solidFill>
                     <a:srgbClr val="000000"/>
                   </a:solidFill>
@@ -3282,7 +3346,7 @@
             </a:ln>
             <a:extLst>
               <a:ext uri="{91240B29-F687-4f45-9708-019B960494DF}">
-                <a14:hiddenLine xmlns:a14="http://schemas.microsoft.com/office/drawing/2010/main" xmlns="" w="9525">
+                <a14:hiddenLine xmlns="" xmlns:a14="http://schemas.microsoft.com/office/drawing/2010/main" w="9525">
                   <a:solidFill>
                     <a:srgbClr val="000000"/>
                   </a:solidFill>
@@ -3372,7 +3436,7 @@
             </a:ln>
             <a:extLst>
               <a:ext uri="{91240B29-F687-4f45-9708-019B960494DF}">
-                <a14:hiddenLine xmlns:a14="http://schemas.microsoft.com/office/drawing/2010/main" xmlns="" w="9525">
+                <a14:hiddenLine xmlns="" xmlns:a14="http://schemas.microsoft.com/office/drawing/2010/main" w="9525">
                   <a:solidFill>
                     <a:srgbClr val="000000"/>
                   </a:solidFill>
@@ -3440,7 +3504,7 @@
             </a:ln>
             <a:extLst>
               <a:ext uri="{91240B29-F687-4f45-9708-019B960494DF}">
-                <a14:hiddenLine xmlns:a14="http://schemas.microsoft.com/office/drawing/2010/main" xmlns="" w="9525">
+                <a14:hiddenLine xmlns="" xmlns:a14="http://schemas.microsoft.com/office/drawing/2010/main" w="9525">
                   <a:solidFill>
                     <a:srgbClr val="000000"/>
                   </a:solidFill>
@@ -3530,7 +3594,7 @@
             </a:ln>
             <a:extLst>
               <a:ext uri="{91240B29-F687-4f45-9708-019B960494DF}">
-                <a14:hiddenLine xmlns:a14="http://schemas.microsoft.com/office/drawing/2010/main" xmlns="" w="9525">
+                <a14:hiddenLine xmlns="" xmlns:a14="http://schemas.microsoft.com/office/drawing/2010/main" w="9525">
                   <a:solidFill>
                     <a:srgbClr val="000000"/>
                   </a:solidFill>
@@ -3564,7 +3628,7 @@
             </a:ln>
             <a:extLst>
               <a:ext uri="{91240B29-F687-4f45-9708-019B960494DF}">
-                <a14:hiddenLine xmlns:a14="http://schemas.microsoft.com/office/drawing/2010/main" xmlns="" w="9525">
+                <a14:hiddenLine xmlns="" xmlns:a14="http://schemas.microsoft.com/office/drawing/2010/main" w="9525">
                   <a:solidFill>
                     <a:srgbClr val="000000"/>
                   </a:solidFill>
@@ -3654,7 +3718,7 @@
             </a:ln>
             <a:extLst>
               <a:ext uri="{91240B29-F687-4f45-9708-019B960494DF}">
-                <a14:hiddenLine xmlns:a14="http://schemas.microsoft.com/office/drawing/2010/main" xmlns="" w="9525">
+                <a14:hiddenLine xmlns="" xmlns:a14="http://schemas.microsoft.com/office/drawing/2010/main" w="9525">
                   <a:solidFill>
                     <a:srgbClr val="000000"/>
                   </a:solidFill>
@@ -3716,7 +3780,7 @@
             </a:ln>
             <a:extLst>
               <a:ext uri="{91240B29-F687-4f45-9708-019B960494DF}">
-                <a14:hiddenLine xmlns:a14="http://schemas.microsoft.com/office/drawing/2010/main" xmlns="" w="9525">
+                <a14:hiddenLine xmlns="" xmlns:a14="http://schemas.microsoft.com/office/drawing/2010/main" w="9525">
                   <a:solidFill>
                     <a:srgbClr val="000000"/>
                   </a:solidFill>
@@ -3778,7 +3842,7 @@
             </a:ln>
             <a:extLst>
               <a:ext uri="{91240B29-F687-4f45-9708-019B960494DF}">
-                <a14:hiddenLine xmlns:a14="http://schemas.microsoft.com/office/drawing/2010/main" xmlns="" w="9525">
+                <a14:hiddenLine xmlns="" xmlns:a14="http://schemas.microsoft.com/office/drawing/2010/main" w="9525">
                   <a:solidFill>
                     <a:srgbClr val="000000"/>
                   </a:solidFill>
@@ -3868,7 +3932,7 @@
             </a:ln>
             <a:extLst>
               <a:ext uri="{91240B29-F687-4f45-9708-019B960494DF}">
-                <a14:hiddenLine xmlns:a14="http://schemas.microsoft.com/office/drawing/2010/main" xmlns="" w="9525">
+                <a14:hiddenLine xmlns="" xmlns:a14="http://schemas.microsoft.com/office/drawing/2010/main" w="9525">
                   <a:solidFill>
                     <a:srgbClr val="000000"/>
                   </a:solidFill>
@@ -3936,7 +4000,7 @@
             </a:ln>
             <a:extLst>
               <a:ext uri="{91240B29-F687-4f45-9708-019B960494DF}">
-                <a14:hiddenLine xmlns:a14="http://schemas.microsoft.com/office/drawing/2010/main" xmlns="" w="9525">
+                <a14:hiddenLine xmlns="" xmlns:a14="http://schemas.microsoft.com/office/drawing/2010/main" w="9525">
                   <a:solidFill>
                     <a:srgbClr val="000000"/>
                   </a:solidFill>
@@ -3998,7 +4062,7 @@
             </a:ln>
             <a:extLst>
               <a:ext uri="{91240B29-F687-4f45-9708-019B960494DF}">
-                <a14:hiddenLine xmlns:a14="http://schemas.microsoft.com/office/drawing/2010/main" xmlns="" w="9525">
+                <a14:hiddenLine xmlns="" xmlns:a14="http://schemas.microsoft.com/office/drawing/2010/main" w="9525">
                   <a:solidFill>
                     <a:srgbClr val="000000"/>
                   </a:solidFill>
@@ -4088,7 +4152,7 @@
             </a:ln>
             <a:extLst>
               <a:ext uri="{91240B29-F687-4f45-9708-019B960494DF}">
-                <a14:hiddenLine xmlns:a14="http://schemas.microsoft.com/office/drawing/2010/main" xmlns="" w="9525">
+                <a14:hiddenLine xmlns="" xmlns:a14="http://schemas.microsoft.com/office/drawing/2010/main" w="9525">
                   <a:solidFill>
                     <a:srgbClr val="000000"/>
                   </a:solidFill>
@@ -4150,7 +4214,7 @@
             </a:ln>
             <a:extLst>
               <a:ext uri="{91240B29-F687-4f45-9708-019B960494DF}">
-                <a14:hiddenLine xmlns:a14="http://schemas.microsoft.com/office/drawing/2010/main" xmlns="" w="9525">
+                <a14:hiddenLine xmlns="" xmlns:a14="http://schemas.microsoft.com/office/drawing/2010/main" w="9525">
                   <a:solidFill>
                     <a:srgbClr val="000000"/>
                   </a:solidFill>
@@ -4240,7 +4304,7 @@
             </a:ln>
             <a:extLst>
               <a:ext uri="{91240B29-F687-4f45-9708-019B960494DF}">
-                <a14:hiddenLine xmlns:a14="http://schemas.microsoft.com/office/drawing/2010/main" xmlns="" w="9525">
+                <a14:hiddenLine xmlns="" xmlns:a14="http://schemas.microsoft.com/office/drawing/2010/main" w="9525">
                   <a:solidFill>
                     <a:srgbClr val="000000"/>
                   </a:solidFill>
@@ -4302,7 +4366,7 @@
             </a:ln>
             <a:extLst>
               <a:ext uri="{91240B29-F687-4f45-9708-019B960494DF}">
-                <a14:hiddenLine xmlns:a14="http://schemas.microsoft.com/office/drawing/2010/main" xmlns="" w="9525">
+                <a14:hiddenLine xmlns="" xmlns:a14="http://schemas.microsoft.com/office/drawing/2010/main" w="9525">
                   <a:solidFill>
                     <a:srgbClr val="000000"/>
                   </a:solidFill>
@@ -4392,7 +4456,7 @@
             </a:ln>
             <a:extLst>
               <a:ext uri="{91240B29-F687-4f45-9708-019B960494DF}">
-                <a14:hiddenLine xmlns:a14="http://schemas.microsoft.com/office/drawing/2010/main" xmlns="" w="9525">
+                <a14:hiddenLine xmlns="" xmlns:a14="http://schemas.microsoft.com/office/drawing/2010/main" w="9525">
                   <a:solidFill>
                     <a:srgbClr val="000000"/>
                   </a:solidFill>
@@ -4426,7 +4490,7 @@
             </a:ln>
             <a:extLst>
               <a:ext uri="{91240B29-F687-4f45-9708-019B960494DF}">
-                <a14:hiddenLine xmlns:a14="http://schemas.microsoft.com/office/drawing/2010/main" xmlns="" w="9525">
+                <a14:hiddenLine xmlns="" xmlns:a14="http://schemas.microsoft.com/office/drawing/2010/main" w="9525">
                   <a:solidFill>
                     <a:srgbClr val="000000"/>
                   </a:solidFill>
@@ -4491,7 +4555,7 @@
             </a:ln>
             <a:extLst>
               <a:ext uri="{91240B29-F687-4f45-9708-019B960494DF}">
-                <a14:hiddenLine xmlns:a14="http://schemas.microsoft.com/office/drawing/2010/main" xmlns="" w="9525">
+                <a14:hiddenLine xmlns="" xmlns:a14="http://schemas.microsoft.com/office/drawing/2010/main" w="9525">
                   <a:solidFill>
                     <a:srgbClr val="000000"/>
                   </a:solidFill>
@@ -4581,7 +4645,7 @@
             </a:ln>
             <a:extLst>
               <a:ext uri="{91240B29-F687-4f45-9708-019B960494DF}">
-                <a14:hiddenLine xmlns:a14="http://schemas.microsoft.com/office/drawing/2010/main" xmlns="" w="9525">
+                <a14:hiddenLine xmlns="" xmlns:a14="http://schemas.microsoft.com/office/drawing/2010/main" w="9525">
                   <a:solidFill>
                     <a:srgbClr val="000000"/>
                   </a:solidFill>
@@ -4643,7 +4707,7 @@
             </a:ln>
             <a:extLst>
               <a:ext uri="{91240B29-F687-4f45-9708-019B960494DF}">
-                <a14:hiddenLine xmlns:a14="http://schemas.microsoft.com/office/drawing/2010/main" xmlns="" w="9525">
+                <a14:hiddenLine xmlns="" xmlns:a14="http://schemas.microsoft.com/office/drawing/2010/main" w="9525">
                   <a:solidFill>
                     <a:srgbClr val="000000"/>
                   </a:solidFill>
@@ -4733,7 +4797,7 @@
             </a:ln>
             <a:extLst>
               <a:ext uri="{91240B29-F687-4f45-9708-019B960494DF}">
-                <a14:hiddenLine xmlns:a14="http://schemas.microsoft.com/office/drawing/2010/main" xmlns="" w="9525">
+                <a14:hiddenLine xmlns="" xmlns:a14="http://schemas.microsoft.com/office/drawing/2010/main" w="9525">
                   <a:solidFill>
                     <a:srgbClr val="000000"/>
                   </a:solidFill>
@@ -4823,7 +4887,7 @@
             </a:ln>
             <a:extLst>
               <a:ext uri="{91240B29-F687-4f45-9708-019B960494DF}">
-                <a14:hiddenLine xmlns:a14="http://schemas.microsoft.com/office/drawing/2010/main" xmlns="" w="9525">
+                <a14:hiddenLine xmlns="" xmlns:a14="http://schemas.microsoft.com/office/drawing/2010/main" w="9525">
                   <a:solidFill>
                     <a:srgbClr val="000000"/>
                   </a:solidFill>
@@ -4888,7 +4952,7 @@
             </a:ln>
             <a:extLst>
               <a:ext uri="{91240B29-F687-4f45-9708-019B960494DF}">
-                <a14:hiddenLine xmlns:a14="http://schemas.microsoft.com/office/drawing/2010/main" xmlns="" w="9525">
+                <a14:hiddenLine xmlns="" xmlns:a14="http://schemas.microsoft.com/office/drawing/2010/main" w="9525">
                   <a:solidFill>
                     <a:srgbClr val="000000"/>
                   </a:solidFill>
@@ -4950,7 +5014,7 @@
             </a:ln>
             <a:extLst>
               <a:ext uri="{91240B29-F687-4f45-9708-019B960494DF}">
-                <a14:hiddenLine xmlns:a14="http://schemas.microsoft.com/office/drawing/2010/main" xmlns="" w="9525">
+                <a14:hiddenLine xmlns="" xmlns:a14="http://schemas.microsoft.com/office/drawing/2010/main" w="9525">
                   <a:solidFill>
                     <a:srgbClr val="000000"/>
                   </a:solidFill>
@@ -5040,7 +5104,7 @@
             </a:ln>
             <a:extLst>
               <a:ext uri="{91240B29-F687-4f45-9708-019B960494DF}">
-                <a14:hiddenLine xmlns:a14="http://schemas.microsoft.com/office/drawing/2010/main" xmlns="" w="9525">
+                <a14:hiddenLine xmlns="" xmlns:a14="http://schemas.microsoft.com/office/drawing/2010/main" w="9525">
                   <a:solidFill>
                     <a:srgbClr val="000000"/>
                   </a:solidFill>
@@ -5130,7 +5194,7 @@
             </a:ln>
             <a:extLst>
               <a:ext uri="{91240B29-F687-4f45-9708-019B960494DF}">
-                <a14:hiddenLine xmlns:a14="http://schemas.microsoft.com/office/drawing/2010/main" xmlns="" w="9525">
+                <a14:hiddenLine xmlns="" xmlns:a14="http://schemas.microsoft.com/office/drawing/2010/main" w="9525">
                   <a:solidFill>
                     <a:srgbClr val="000000"/>
                   </a:solidFill>
@@ -5192,7 +5256,7 @@
             </a:ln>
             <a:extLst>
               <a:ext uri="{91240B29-F687-4f45-9708-019B960494DF}">
-                <a14:hiddenLine xmlns:a14="http://schemas.microsoft.com/office/drawing/2010/main" xmlns="" w="9525">
+                <a14:hiddenLine xmlns="" xmlns:a14="http://schemas.microsoft.com/office/drawing/2010/main" w="9525">
                   <a:solidFill>
                     <a:srgbClr val="000000"/>
                   </a:solidFill>
@@ -5312,7 +5376,7 @@
             </a:ln>
             <a:extLst>
               <a:ext uri="{91240B29-F687-4f45-9708-019B960494DF}">
-                <a14:hiddenLine xmlns:a14="http://schemas.microsoft.com/office/drawing/2010/main" xmlns="" w="9525">
+                <a14:hiddenLine xmlns="" xmlns:a14="http://schemas.microsoft.com/office/drawing/2010/main" w="9525">
                   <a:solidFill>
                     <a:srgbClr val="000000"/>
                   </a:solidFill>
@@ -5380,7 +5444,7 @@
             </a:ln>
             <a:extLst>
               <a:ext uri="{91240B29-F687-4f45-9708-019B960494DF}">
-                <a14:hiddenLine xmlns:a14="http://schemas.microsoft.com/office/drawing/2010/main" xmlns="" w="9525">
+                <a14:hiddenLine xmlns="" xmlns:a14="http://schemas.microsoft.com/office/drawing/2010/main" w="9525">
                   <a:solidFill>
                     <a:srgbClr val="000000"/>
                   </a:solidFill>
@@ -5470,7 +5534,7 @@
             </a:ln>
             <a:extLst>
               <a:ext uri="{91240B29-F687-4f45-9708-019B960494DF}">
-                <a14:hiddenLine xmlns:a14="http://schemas.microsoft.com/office/drawing/2010/main" xmlns="" w="9525">
+                <a14:hiddenLine xmlns="" xmlns:a14="http://schemas.microsoft.com/office/drawing/2010/main" w="9525">
                   <a:solidFill>
                     <a:srgbClr val="000000"/>
                   </a:solidFill>
@@ -10199,7 +10263,7 @@
           <a:noFill/>
           <a:extLst>
             <a:ext uri="{909E8E84-426E-40dd-AFC4-6F175D3DCCD1}">
-              <a14:hiddenFill xmlns:a14="http://schemas.microsoft.com/office/drawing/2010/main" xmlns="">
+              <a14:hiddenFill xmlns="" xmlns:a14="http://schemas.microsoft.com/office/drawing/2010/main">
                 <a:solidFill>
                   <a:srgbClr val="FFFFFF"/>
                 </a:solidFill>
@@ -10273,7 +10337,7 @@
               </a:ln>
               <a:extLst>
                 <a:ext uri="{91240B29-F687-4f45-9708-019B960494DF}">
-                  <a14:hiddenLine xmlns:a14="http://schemas.microsoft.com/office/drawing/2010/main" xmlns="" w="9525">
+                  <a14:hiddenLine xmlns="" xmlns:a14="http://schemas.microsoft.com/office/drawing/2010/main" w="9525">
                     <a:solidFill>
                       <a:srgbClr val="000000"/>
                     </a:solidFill>
@@ -10363,7 +10427,7 @@
               </a:ln>
               <a:extLst>
                 <a:ext uri="{91240B29-F687-4f45-9708-019B960494DF}">
-                  <a14:hiddenLine xmlns:a14="http://schemas.microsoft.com/office/drawing/2010/main" xmlns="" w="9525">
+                  <a14:hiddenLine xmlns="" xmlns:a14="http://schemas.microsoft.com/office/drawing/2010/main" w="9525">
                     <a:solidFill>
                       <a:srgbClr val="000000"/>
                     </a:solidFill>
@@ -10453,7 +10517,7 @@
               </a:ln>
               <a:extLst>
                 <a:ext uri="{91240B29-F687-4f45-9708-019B960494DF}">
-                  <a14:hiddenLine xmlns:a14="http://schemas.microsoft.com/office/drawing/2010/main" xmlns="" w="9525">
+                  <a14:hiddenLine xmlns="" xmlns:a14="http://schemas.microsoft.com/office/drawing/2010/main" w="9525">
                     <a:solidFill>
                       <a:srgbClr val="000000"/>
                     </a:solidFill>
@@ -10515,7 +10579,7 @@
               </a:ln>
               <a:extLst>
                 <a:ext uri="{91240B29-F687-4f45-9708-019B960494DF}">
-                  <a14:hiddenLine xmlns:a14="http://schemas.microsoft.com/office/drawing/2010/main" xmlns="" w="9525">
+                  <a14:hiddenLine xmlns="" xmlns:a14="http://schemas.microsoft.com/office/drawing/2010/main" w="9525">
                     <a:solidFill>
                       <a:srgbClr val="000000"/>
                     </a:solidFill>
@@ -10605,7 +10669,7 @@
               </a:ln>
               <a:extLst>
                 <a:ext uri="{91240B29-F687-4f45-9708-019B960494DF}">
-                  <a14:hiddenLine xmlns:a14="http://schemas.microsoft.com/office/drawing/2010/main" xmlns="" w="9525">
+                  <a14:hiddenLine xmlns="" xmlns:a14="http://schemas.microsoft.com/office/drawing/2010/main" w="9525">
                     <a:solidFill>
                       <a:srgbClr val="000000"/>
                     </a:solidFill>
@@ -10667,7 +10731,7 @@
               </a:ln>
               <a:extLst>
                 <a:ext uri="{91240B29-F687-4f45-9708-019B960494DF}">
-                  <a14:hiddenLine xmlns:a14="http://schemas.microsoft.com/office/drawing/2010/main" xmlns="" w="9525">
+                  <a14:hiddenLine xmlns="" xmlns:a14="http://schemas.microsoft.com/office/drawing/2010/main" w="9525">
                     <a:solidFill>
                       <a:srgbClr val="000000"/>
                     </a:solidFill>
@@ -10729,7 +10793,7 @@
               </a:ln>
               <a:extLst>
                 <a:ext uri="{91240B29-F687-4f45-9708-019B960494DF}">
-                  <a14:hiddenLine xmlns:a14="http://schemas.microsoft.com/office/drawing/2010/main" xmlns="" w="9525">
+                  <a14:hiddenLine xmlns="" xmlns:a14="http://schemas.microsoft.com/office/drawing/2010/main" w="9525">
                     <a:solidFill>
                       <a:srgbClr val="000000"/>
                     </a:solidFill>
@@ -10819,7 +10883,7 @@
               </a:ln>
               <a:extLst>
                 <a:ext uri="{91240B29-F687-4f45-9708-019B960494DF}">
-                  <a14:hiddenLine xmlns:a14="http://schemas.microsoft.com/office/drawing/2010/main" xmlns="" w="9525">
+                  <a14:hiddenLine xmlns="" xmlns:a14="http://schemas.microsoft.com/office/drawing/2010/main" w="9525">
                     <a:solidFill>
                       <a:srgbClr val="000000"/>
                     </a:solidFill>
@@ -10909,7 +10973,7 @@
               </a:ln>
               <a:extLst>
                 <a:ext uri="{91240B29-F687-4f45-9708-019B960494DF}">
-                  <a14:hiddenLine xmlns:a14="http://schemas.microsoft.com/office/drawing/2010/main" xmlns="" w="9525">
+                  <a14:hiddenLine xmlns="" xmlns:a14="http://schemas.microsoft.com/office/drawing/2010/main" w="9525">
                     <a:solidFill>
                       <a:srgbClr val="000000"/>
                     </a:solidFill>
@@ -10971,7 +11035,7 @@
               </a:ln>
               <a:extLst>
                 <a:ext uri="{91240B29-F687-4f45-9708-019B960494DF}">
-                  <a14:hiddenLine xmlns:a14="http://schemas.microsoft.com/office/drawing/2010/main" xmlns="" w="9525">
+                  <a14:hiddenLine xmlns="" xmlns:a14="http://schemas.microsoft.com/office/drawing/2010/main" w="9525">
                     <a:solidFill>
                       <a:srgbClr val="000000"/>
                     </a:solidFill>
@@ -11081,7 +11145,7 @@
               </a:ln>
               <a:extLst>
                 <a:ext uri="{91240B29-F687-4f45-9708-019B960494DF}">
-                  <a14:hiddenLine xmlns:a14="http://schemas.microsoft.com/office/drawing/2010/main" xmlns="" w="9525">
+                  <a14:hiddenLine xmlns="" xmlns:a14="http://schemas.microsoft.com/office/drawing/2010/main" w="9525">
                     <a:solidFill>
                       <a:srgbClr val="000000"/>
                     </a:solidFill>
@@ -11165,7 +11229,7 @@
               </a:ln>
               <a:extLst>
                 <a:ext uri="{91240B29-F687-4f45-9708-019B960494DF}">
-                  <a14:hiddenLine xmlns:a14="http://schemas.microsoft.com/office/drawing/2010/main" xmlns="" w="9525">
+                  <a14:hiddenLine xmlns="" xmlns:a14="http://schemas.microsoft.com/office/drawing/2010/main" w="9525">
                     <a:solidFill>
                       <a:srgbClr val="000000"/>
                     </a:solidFill>
@@ -11227,7 +11291,7 @@
               </a:ln>
               <a:extLst>
                 <a:ext uri="{91240B29-F687-4f45-9708-019B960494DF}">
-                  <a14:hiddenLine xmlns:a14="http://schemas.microsoft.com/office/drawing/2010/main" xmlns="" w="9525">
+                  <a14:hiddenLine xmlns="" xmlns:a14="http://schemas.microsoft.com/office/drawing/2010/main" w="9525">
                     <a:solidFill>
                       <a:srgbClr val="000000"/>
                     </a:solidFill>
@@ -11289,7 +11353,7 @@
               </a:ln>
               <a:extLst>
                 <a:ext uri="{91240B29-F687-4f45-9708-019B960494DF}">
-                  <a14:hiddenLine xmlns:a14="http://schemas.microsoft.com/office/drawing/2010/main" xmlns="" w="9525">
+                  <a14:hiddenLine xmlns="" xmlns:a14="http://schemas.microsoft.com/office/drawing/2010/main" w="9525">
                     <a:solidFill>
                       <a:srgbClr val="000000"/>
                     </a:solidFill>
@@ -11379,7 +11443,7 @@
               </a:ln>
               <a:extLst>
                 <a:ext uri="{91240B29-F687-4f45-9708-019B960494DF}">
-                  <a14:hiddenLine xmlns:a14="http://schemas.microsoft.com/office/drawing/2010/main" xmlns="" w="9525">
+                  <a14:hiddenLine xmlns="" xmlns:a14="http://schemas.microsoft.com/office/drawing/2010/main" w="9525">
                     <a:solidFill>
                       <a:srgbClr val="000000"/>
                     </a:solidFill>
@@ -11413,7 +11477,7 @@
               </a:ln>
               <a:extLst>
                 <a:ext uri="{91240B29-F687-4f45-9708-019B960494DF}">
-                  <a14:hiddenLine xmlns:a14="http://schemas.microsoft.com/office/drawing/2010/main" xmlns="" w="9525">
+                  <a14:hiddenLine xmlns="" xmlns:a14="http://schemas.microsoft.com/office/drawing/2010/main" w="9525">
                     <a:solidFill>
                       <a:srgbClr val="000000"/>
                     </a:solidFill>
@@ -11478,7 +11542,7 @@
               </a:ln>
               <a:extLst>
                 <a:ext uri="{91240B29-F687-4f45-9708-019B960494DF}">
-                  <a14:hiddenLine xmlns:a14="http://schemas.microsoft.com/office/drawing/2010/main" xmlns="" w="9525">
+                  <a14:hiddenLine xmlns="" xmlns:a14="http://schemas.microsoft.com/office/drawing/2010/main" w="9525">
                     <a:solidFill>
                       <a:srgbClr val="000000"/>
                     </a:solidFill>
@@ -11568,7 +11632,7 @@
               </a:ln>
               <a:extLst>
                 <a:ext uri="{91240B29-F687-4f45-9708-019B960494DF}">
-                  <a14:hiddenLine xmlns:a14="http://schemas.microsoft.com/office/drawing/2010/main" xmlns="" w="9525">
+                  <a14:hiddenLine xmlns="" xmlns:a14="http://schemas.microsoft.com/office/drawing/2010/main" w="9525">
                     <a:solidFill>
                       <a:srgbClr val="000000"/>
                     </a:solidFill>
@@ -11630,7 +11694,7 @@
               </a:ln>
               <a:extLst>
                 <a:ext uri="{91240B29-F687-4f45-9708-019B960494DF}">
-                  <a14:hiddenLine xmlns:a14="http://schemas.microsoft.com/office/drawing/2010/main" xmlns="" w="9525">
+                  <a14:hiddenLine xmlns="" xmlns:a14="http://schemas.microsoft.com/office/drawing/2010/main" w="9525">
                     <a:solidFill>
                       <a:srgbClr val="000000"/>
                     </a:solidFill>
@@ -11720,7 +11784,7 @@
               </a:ln>
               <a:extLst>
                 <a:ext uri="{91240B29-F687-4f45-9708-019B960494DF}">
-                  <a14:hiddenLine xmlns:a14="http://schemas.microsoft.com/office/drawing/2010/main" xmlns="" w="9525">
+                  <a14:hiddenLine xmlns="" xmlns:a14="http://schemas.microsoft.com/office/drawing/2010/main" w="9525">
                     <a:solidFill>
                       <a:srgbClr val="000000"/>
                     </a:solidFill>
@@ -11785,7 +11849,7 @@
               </a:ln>
               <a:extLst>
                 <a:ext uri="{91240B29-F687-4f45-9708-019B960494DF}">
-                  <a14:hiddenLine xmlns:a14="http://schemas.microsoft.com/office/drawing/2010/main" xmlns="" w="9525">
+                  <a14:hiddenLine xmlns="" xmlns:a14="http://schemas.microsoft.com/office/drawing/2010/main" w="9525">
                     <a:solidFill>
                       <a:srgbClr val="000000"/>
                     </a:solidFill>
@@ -11847,7 +11911,7 @@
               </a:ln>
               <a:extLst>
                 <a:ext uri="{91240B29-F687-4f45-9708-019B960494DF}">
-                  <a14:hiddenLine xmlns:a14="http://schemas.microsoft.com/office/drawing/2010/main" xmlns="" w="9525">
+                  <a14:hiddenLine xmlns="" xmlns:a14="http://schemas.microsoft.com/office/drawing/2010/main" w="9525">
                     <a:solidFill>
                       <a:srgbClr val="000000"/>
                     </a:solidFill>
@@ -11937,7 +12001,7 @@
               </a:ln>
               <a:extLst>
                 <a:ext uri="{91240B29-F687-4f45-9708-019B960494DF}">
-                  <a14:hiddenLine xmlns:a14="http://schemas.microsoft.com/office/drawing/2010/main" xmlns="" w="9525">
+                  <a14:hiddenLine xmlns="" xmlns:a14="http://schemas.microsoft.com/office/drawing/2010/main" w="9525">
                     <a:solidFill>
                       <a:srgbClr val="000000"/>
                     </a:solidFill>
@@ -12027,7 +12091,7 @@
               </a:ln>
               <a:extLst>
                 <a:ext uri="{91240B29-F687-4f45-9708-019B960494DF}">
-                  <a14:hiddenLine xmlns:a14="http://schemas.microsoft.com/office/drawing/2010/main" xmlns="" w="9525">
+                  <a14:hiddenLine xmlns="" xmlns:a14="http://schemas.microsoft.com/office/drawing/2010/main" w="9525">
                     <a:solidFill>
                       <a:srgbClr val="000000"/>
                     </a:solidFill>
@@ -12092,7 +12156,7 @@
               </a:ln>
               <a:extLst>
                 <a:ext uri="{91240B29-F687-4f45-9708-019B960494DF}">
-                  <a14:hiddenLine xmlns:a14="http://schemas.microsoft.com/office/drawing/2010/main" xmlns="" w="9525">
+                  <a14:hiddenLine xmlns="" xmlns:a14="http://schemas.microsoft.com/office/drawing/2010/main" w="9525">
                     <a:solidFill>
                       <a:srgbClr val="000000"/>
                     </a:solidFill>
@@ -12212,7 +12276,7 @@
               </a:ln>
               <a:extLst>
                 <a:ext uri="{91240B29-F687-4f45-9708-019B960494DF}">
-                  <a14:hiddenLine xmlns:a14="http://schemas.microsoft.com/office/drawing/2010/main" xmlns="" w="9525">
+                  <a14:hiddenLine xmlns="" xmlns:a14="http://schemas.microsoft.com/office/drawing/2010/main" w="9525">
                     <a:solidFill>
                       <a:srgbClr val="000000"/>
                     </a:solidFill>
@@ -12293,7 +12357,7 @@
               </a:ln>
               <a:extLst>
                 <a:ext uri="{91240B29-F687-4f45-9708-019B960494DF}">
-                  <a14:hiddenLine xmlns:a14="http://schemas.microsoft.com/office/drawing/2010/main" xmlns="" w="9525">
+                  <a14:hiddenLine xmlns="" xmlns:a14="http://schemas.microsoft.com/office/drawing/2010/main" w="9525">
                     <a:solidFill>
                       <a:srgbClr val="000000"/>
                     </a:solidFill>
@@ -12408,7 +12472,7 @@
               </a:ln>
               <a:extLst>
                 <a:ext uri="{91240B29-F687-4f45-9708-019B960494DF}">
-                  <a14:hiddenLine xmlns:a14="http://schemas.microsoft.com/office/drawing/2010/main" xmlns="" w="9525">
+                  <a14:hiddenLine xmlns="" xmlns:a14="http://schemas.microsoft.com/office/drawing/2010/main" w="9525">
                     <a:solidFill>
                       <a:srgbClr val="000000"/>
                     </a:solidFill>
@@ -12498,7 +12562,7 @@
               </a:ln>
               <a:extLst>
                 <a:ext uri="{91240B29-F687-4f45-9708-019B960494DF}">
-                  <a14:hiddenLine xmlns:a14="http://schemas.microsoft.com/office/drawing/2010/main" xmlns="" w="9525">
+                  <a14:hiddenLine xmlns="" xmlns:a14="http://schemas.microsoft.com/office/drawing/2010/main" w="9525">
                     <a:solidFill>
                       <a:srgbClr val="000000"/>
                     </a:solidFill>
@@ -12563,7 +12627,7 @@
               </a:ln>
               <a:extLst>
                 <a:ext uri="{91240B29-F687-4f45-9708-019B960494DF}">
-                  <a14:hiddenLine xmlns:a14="http://schemas.microsoft.com/office/drawing/2010/main" xmlns="" w="9525">
+                  <a14:hiddenLine xmlns="" xmlns:a14="http://schemas.microsoft.com/office/drawing/2010/main" w="9525">
                     <a:solidFill>
                       <a:srgbClr val="000000"/>
                     </a:solidFill>
@@ -12653,7 +12717,7 @@
               </a:ln>
               <a:extLst>
                 <a:ext uri="{91240B29-F687-4f45-9708-019B960494DF}">
-                  <a14:hiddenLine xmlns:a14="http://schemas.microsoft.com/office/drawing/2010/main" xmlns="" w="9525">
+                  <a14:hiddenLine xmlns="" xmlns:a14="http://schemas.microsoft.com/office/drawing/2010/main" w="9525">
                     <a:solidFill>
                       <a:srgbClr val="000000"/>
                     </a:solidFill>
@@ -12721,7 +12785,7 @@
               </a:ln>
               <a:extLst>
                 <a:ext uri="{91240B29-F687-4f45-9708-019B960494DF}">
-                  <a14:hiddenLine xmlns:a14="http://schemas.microsoft.com/office/drawing/2010/main" xmlns="" w="9525">
+                  <a14:hiddenLine xmlns="" xmlns:a14="http://schemas.microsoft.com/office/drawing/2010/main" w="9525">
                     <a:solidFill>
                       <a:srgbClr val="000000"/>
                     </a:solidFill>
@@ -12811,7 +12875,7 @@
               </a:ln>
               <a:extLst>
                 <a:ext uri="{91240B29-F687-4f45-9708-019B960494DF}">
-                  <a14:hiddenLine xmlns:a14="http://schemas.microsoft.com/office/drawing/2010/main" xmlns="" w="9525">
+                  <a14:hiddenLine xmlns="" xmlns:a14="http://schemas.microsoft.com/office/drawing/2010/main" w="9525">
                     <a:solidFill>
                       <a:srgbClr val="000000"/>
                     </a:solidFill>
@@ -12879,7 +12943,7 @@
               </a:ln>
               <a:extLst>
                 <a:ext uri="{91240B29-F687-4f45-9708-019B960494DF}">
-                  <a14:hiddenLine xmlns:a14="http://schemas.microsoft.com/office/drawing/2010/main" xmlns="" w="9525">
+                  <a14:hiddenLine xmlns="" xmlns:a14="http://schemas.microsoft.com/office/drawing/2010/main" w="9525">
                     <a:solidFill>
                       <a:srgbClr val="000000"/>
                     </a:solidFill>
@@ -12969,7 +13033,7 @@
               </a:ln>
               <a:extLst>
                 <a:ext uri="{91240B29-F687-4f45-9708-019B960494DF}">
-                  <a14:hiddenLine xmlns:a14="http://schemas.microsoft.com/office/drawing/2010/main" xmlns="" w="9525">
+                  <a14:hiddenLine xmlns="" xmlns:a14="http://schemas.microsoft.com/office/drawing/2010/main" w="9525">
                     <a:solidFill>
                       <a:srgbClr val="000000"/>
                     </a:solidFill>
@@ -13003,7 +13067,7 @@
               </a:ln>
               <a:extLst>
                 <a:ext uri="{91240B29-F687-4f45-9708-019B960494DF}">
-                  <a14:hiddenLine xmlns:a14="http://schemas.microsoft.com/office/drawing/2010/main" xmlns="" w="9525">
+                  <a14:hiddenLine xmlns="" xmlns:a14="http://schemas.microsoft.com/office/drawing/2010/main" w="9525">
                     <a:solidFill>
                       <a:srgbClr val="000000"/>
                     </a:solidFill>
@@ -13884,7 +13948,7 @@
           <p:cNvPr id="2" name="Título 1">
             <a:extLst>
               <a:ext uri="{FF2B5EF4-FFF2-40B4-BE49-F238E27FC236}">
-                <a16:creationId xmlns:a16="http://schemas.microsoft.com/office/drawing/2014/main" id="{368ACDE4-D06F-4659-8105-8194AAE7058F}"/>
+                <a16:creationId xmlns:a16="http://schemas.microsoft.com/office/drawing/2014/main" id="{5C278B81-D8CB-49A6-8AA2-4D09FAA02BE0}"/>
               </a:ext>
             </a:extLst>
           </p:cNvPr>
@@ -13897,8 +13961,8 @@
         </p:nvSpPr>
         <p:spPr>
           <a:xfrm>
-            <a:off x="1143001" y="182968"/>
-            <a:ext cx="9905998" cy="830454"/>
+            <a:off x="1394631" y="170426"/>
+            <a:ext cx="9905998" cy="896374"/>
           </a:xfrm>
         </p:spPr>
         <p:txBody>
@@ -13907,7 +13971,7 @@
           <a:p>
             <a:r>
               <a:rPr lang="es-ES" dirty="0"/>
-              <a:t>		</a:t>
+              <a:t>				</a:t>
             </a:r>
             <a:r>
               <a:rPr lang="es-ES" dirty="0">
@@ -13915,17 +13979,17 @@
                   <a:schemeClr val="bg1"/>
                 </a:solidFill>
               </a:rPr>
-              <a:t>Diagrama entidad-relación</a:t>
+              <a:t>interfaz</a:t>
             </a:r>
           </a:p>
         </p:txBody>
       </p:sp>
       <p:pic>
         <p:nvPicPr>
-          <p:cNvPr id="6" name="Marcador de contenido 5" descr="Diagrama&#10;&#10;Descripción generada automáticamente">
+          <p:cNvPr id="7" name="Marcador de contenido 6" descr="Imagen que contiene Diagrama&#10;&#10;Descripción generada automáticamente">
             <a:extLst>
               <a:ext uri="{FF2B5EF4-FFF2-40B4-BE49-F238E27FC236}">
-                <a16:creationId xmlns:a16="http://schemas.microsoft.com/office/drawing/2014/main" id="{42FDF08F-2853-4C18-9C9B-6BDCB586D80D}"/>
+                <a16:creationId xmlns:a16="http://schemas.microsoft.com/office/drawing/2014/main" id="{A3DB8E97-2860-44A6-BEFD-7667608F4C28}"/>
               </a:ext>
             </a:extLst>
           </p:cNvPr>
@@ -13937,22 +14001,22 @@
           </p:nvPr>
         </p:nvPicPr>
         <p:blipFill>
-          <a:blip r:embed="rId2"/>
+          <a:blip r:embed="rId3"/>
           <a:stretch>
             <a:fillRect/>
           </a:stretch>
         </p:blipFill>
         <p:spPr>
           <a:xfrm>
-            <a:off x="2677139" y="867008"/>
-            <a:ext cx="6837721" cy="5651991"/>
+            <a:off x="2871382" y="989169"/>
+            <a:ext cx="6449236" cy="5698405"/>
           </a:xfrm>
         </p:spPr>
       </p:pic>
     </p:spTree>
     <p:extLst>
       <p:ext uri="{BB962C8B-B14F-4D97-AF65-F5344CB8AC3E}">
-        <p14:creationId xmlns:p14="http://schemas.microsoft.com/office/powerpoint/2010/main" val="3861787929"/>
+        <p14:creationId xmlns:p14="http://schemas.microsoft.com/office/powerpoint/2010/main" val="2308367021"/>
       </p:ext>
     </p:extLst>
   </p:cSld>
@@ -14100,7 +14164,7 @@
           <p:cNvPr id="2" name="Título 1">
             <a:extLst>
               <a:ext uri="{FF2B5EF4-FFF2-40B4-BE49-F238E27FC236}">
-                <a16:creationId xmlns:a16="http://schemas.microsoft.com/office/drawing/2014/main" id="{5C278B81-D8CB-49A6-8AA2-4D09FAA02BE0}"/>
+                <a16:creationId xmlns:a16="http://schemas.microsoft.com/office/drawing/2014/main" id="{368ACDE4-D06F-4659-8105-8194AAE7058F}"/>
               </a:ext>
             </a:extLst>
           </p:cNvPr>
@@ -14113,8 +14177,8 @@
         </p:nvSpPr>
         <p:spPr>
           <a:xfrm>
-            <a:off x="1394631" y="170426"/>
-            <a:ext cx="9905998" cy="896374"/>
+            <a:off x="1143001" y="182968"/>
+            <a:ext cx="9905998" cy="830454"/>
           </a:xfrm>
         </p:spPr>
         <p:txBody>
@@ -14123,7 +14187,7 @@
           <a:p>
             <a:r>
               <a:rPr lang="es-ES" dirty="0"/>
-              <a:t>				</a:t>
+              <a:t>		</a:t>
             </a:r>
             <a:r>
               <a:rPr lang="es-ES" dirty="0">
@@ -14131,17 +14195,17 @@
                   <a:schemeClr val="bg1"/>
                 </a:solidFill>
               </a:rPr>
-              <a:t>interfaz</a:t>
+              <a:t>Diagrama entidad-relación</a:t>
             </a:r>
           </a:p>
         </p:txBody>
       </p:sp>
       <p:pic>
         <p:nvPicPr>
-          <p:cNvPr id="7" name="Marcador de contenido 6" descr="Imagen que contiene Diagrama&#10;&#10;Descripción generada automáticamente">
+          <p:cNvPr id="6" name="Marcador de contenido 5" descr="Diagrama&#10;&#10;Descripción generada automáticamente">
             <a:extLst>
               <a:ext uri="{FF2B5EF4-FFF2-40B4-BE49-F238E27FC236}">
-                <a16:creationId xmlns:a16="http://schemas.microsoft.com/office/drawing/2014/main" id="{A3DB8E97-2860-44A6-BEFD-7667608F4C28}"/>
+                <a16:creationId xmlns:a16="http://schemas.microsoft.com/office/drawing/2014/main" id="{42FDF08F-2853-4C18-9C9B-6BDCB586D80D}"/>
               </a:ext>
             </a:extLst>
           </p:cNvPr>
@@ -14153,22 +14217,22 @@
           </p:nvPr>
         </p:nvPicPr>
         <p:blipFill>
-          <a:blip r:embed="rId3"/>
+          <a:blip r:embed="rId2"/>
           <a:stretch>
             <a:fillRect/>
           </a:stretch>
         </p:blipFill>
         <p:spPr>
           <a:xfrm>
-            <a:off x="2871382" y="989169"/>
-            <a:ext cx="6449236" cy="5698405"/>
+            <a:off x="2677139" y="867008"/>
+            <a:ext cx="6837721" cy="5651991"/>
           </a:xfrm>
         </p:spPr>
       </p:pic>
     </p:spTree>
     <p:extLst>
       <p:ext uri="{BB962C8B-B14F-4D97-AF65-F5344CB8AC3E}">
-        <p14:creationId xmlns:p14="http://schemas.microsoft.com/office/powerpoint/2010/main" val="2308367021"/>
+        <p14:creationId xmlns:p14="http://schemas.microsoft.com/office/powerpoint/2010/main" val="3861787929"/>
       </p:ext>
     </p:extLst>
   </p:cSld>
@@ -14251,7 +14315,7 @@
           <a:noFill/>
           <a:extLst>
             <a:ext uri="{909E8E84-426E-40dd-AFC4-6F175D3DCCD1}">
-              <a14:hiddenFill xmlns:a14="http://schemas.microsoft.com/office/drawing/2010/main" xmlns:a16="http://schemas.microsoft.com/office/drawing/2014/main" xmlns="">
+              <a14:hiddenFill xmlns="" xmlns:a16="http://schemas.microsoft.com/office/drawing/2014/main" xmlns:a14="http://schemas.microsoft.com/office/drawing/2010/main">
                 <a:solidFill>
                   <a:srgbClr val="FFFFFF"/>
                 </a:solidFill>
@@ -14343,7 +14407,7 @@
             </a:ln>
             <a:extLst>
               <a:ext uri="{91240B29-F687-4f45-9708-019B960494DF}">
-                <a14:hiddenLine xmlns:a14="http://schemas.microsoft.com/office/drawing/2010/main" xmlns:a16="http://schemas.microsoft.com/office/drawing/2014/main" xmlns="" w="9525">
+                <a14:hiddenLine xmlns="" xmlns:a16="http://schemas.microsoft.com/office/drawing/2014/main" xmlns:a14="http://schemas.microsoft.com/office/drawing/2010/main" w="9525">
                   <a:solidFill>
                     <a:srgbClr val="000000"/>
                   </a:solidFill>
@@ -14448,7 +14512,7 @@
             </a:ln>
             <a:extLst>
               <a:ext uri="{91240B29-F687-4f45-9708-019B960494DF}">
-                <a14:hiddenLine xmlns:a14="http://schemas.microsoft.com/office/drawing/2010/main" xmlns:a16="http://schemas.microsoft.com/office/drawing/2014/main" xmlns="" w="9525">
+                <a14:hiddenLine xmlns="" xmlns:a16="http://schemas.microsoft.com/office/drawing/2014/main" xmlns:a14="http://schemas.microsoft.com/office/drawing/2010/main" w="9525">
                   <a:solidFill>
                     <a:srgbClr val="000000"/>
                   </a:solidFill>
@@ -14553,7 +14617,7 @@
             </a:ln>
             <a:extLst>
               <a:ext uri="{91240B29-F687-4f45-9708-019B960494DF}">
-                <a14:hiddenLine xmlns:a14="http://schemas.microsoft.com/office/drawing/2010/main" xmlns:a16="http://schemas.microsoft.com/office/drawing/2014/main" xmlns="" w="9525">
+                <a14:hiddenLine xmlns="" xmlns:a16="http://schemas.microsoft.com/office/drawing/2014/main" xmlns:a14="http://schemas.microsoft.com/office/drawing/2010/main" w="9525">
                   <a:solidFill>
                     <a:srgbClr val="000000"/>
                   </a:solidFill>
@@ -14602,7 +14666,7 @@
             </a:ln>
             <a:extLst>
               <a:ext uri="{91240B29-F687-4f45-9708-019B960494DF}">
-                <a14:hiddenLine xmlns:a14="http://schemas.microsoft.com/office/drawing/2010/main" xmlns:a16="http://schemas.microsoft.com/office/drawing/2014/main" xmlns="" w="9525">
+                <a14:hiddenLine xmlns="" xmlns:a16="http://schemas.microsoft.com/office/drawing/2014/main" xmlns:a14="http://schemas.microsoft.com/office/drawing/2010/main" w="9525">
                   <a:solidFill>
                     <a:srgbClr val="000000"/>
                   </a:solidFill>
@@ -14707,7 +14771,7 @@
             </a:ln>
             <a:extLst>
               <a:ext uri="{91240B29-F687-4f45-9708-019B960494DF}">
-                <a14:hiddenLine xmlns:a14="http://schemas.microsoft.com/office/drawing/2010/main" xmlns:a16="http://schemas.microsoft.com/office/drawing/2014/main" xmlns="" w="9525">
+                <a14:hiddenLine xmlns="" xmlns:a16="http://schemas.microsoft.com/office/drawing/2014/main" xmlns:a14="http://schemas.microsoft.com/office/drawing/2010/main" w="9525">
                   <a:solidFill>
                     <a:srgbClr val="000000"/>
                   </a:solidFill>
@@ -14784,7 +14848,7 @@
             </a:ln>
             <a:extLst>
               <a:ext uri="{91240B29-F687-4f45-9708-019B960494DF}">
-                <a14:hiddenLine xmlns:a14="http://schemas.microsoft.com/office/drawing/2010/main" xmlns:a16="http://schemas.microsoft.com/office/drawing/2014/main" xmlns="" w="9525">
+                <a14:hiddenLine xmlns="" xmlns:a16="http://schemas.microsoft.com/office/drawing/2014/main" xmlns:a14="http://schemas.microsoft.com/office/drawing/2010/main" w="9525">
                   <a:solidFill>
                     <a:srgbClr val="000000"/>
                   </a:solidFill>
@@ -14861,7 +14925,7 @@
             </a:ln>
             <a:extLst>
               <a:ext uri="{91240B29-F687-4f45-9708-019B960494DF}">
-                <a14:hiddenLine xmlns:a14="http://schemas.microsoft.com/office/drawing/2010/main" xmlns:a16="http://schemas.microsoft.com/office/drawing/2014/main" xmlns="" w="9525">
+                <a14:hiddenLine xmlns="" xmlns:a16="http://schemas.microsoft.com/office/drawing/2014/main" xmlns:a14="http://schemas.microsoft.com/office/drawing/2010/main" w="9525">
                   <a:solidFill>
                     <a:srgbClr val="000000"/>
                   </a:solidFill>
@@ -14966,7 +15030,7 @@
             </a:ln>
             <a:extLst>
               <a:ext uri="{91240B29-F687-4f45-9708-019B960494DF}">
-                <a14:hiddenLine xmlns:a14="http://schemas.microsoft.com/office/drawing/2010/main" xmlns:a16="http://schemas.microsoft.com/office/drawing/2014/main" xmlns="" w="9525">
+                <a14:hiddenLine xmlns="" xmlns:a16="http://schemas.microsoft.com/office/drawing/2014/main" xmlns:a14="http://schemas.microsoft.com/office/drawing/2010/main" w="9525">
                   <a:solidFill>
                     <a:srgbClr val="000000"/>
                   </a:solidFill>
@@ -15043,7 +15107,7 @@
             </a:ln>
             <a:extLst>
               <a:ext uri="{91240B29-F687-4f45-9708-019B960494DF}">
-                <a14:hiddenLine xmlns:a14="http://schemas.microsoft.com/office/drawing/2010/main" xmlns:a16="http://schemas.microsoft.com/office/drawing/2014/main" xmlns="" w="9525">
+                <a14:hiddenLine xmlns="" xmlns:a16="http://schemas.microsoft.com/office/drawing/2014/main" xmlns:a14="http://schemas.microsoft.com/office/drawing/2010/main" w="9525">
                   <a:solidFill>
                     <a:srgbClr val="000000"/>
                   </a:solidFill>
@@ -15120,7 +15184,7 @@
             </a:ln>
             <a:extLst>
               <a:ext uri="{91240B29-F687-4f45-9708-019B960494DF}">
-                <a14:hiddenLine xmlns:a14="http://schemas.microsoft.com/office/drawing/2010/main" xmlns:a16="http://schemas.microsoft.com/office/drawing/2014/main" xmlns="" w="9525">
+                <a14:hiddenLine xmlns="" xmlns:a16="http://schemas.microsoft.com/office/drawing/2014/main" xmlns:a14="http://schemas.microsoft.com/office/drawing/2010/main" w="9525">
                   <a:solidFill>
                     <a:srgbClr val="000000"/>
                   </a:solidFill>
@@ -15225,7 +15289,7 @@
             </a:ln>
             <a:extLst>
               <a:ext uri="{91240B29-F687-4f45-9708-019B960494DF}">
-                <a14:hiddenLine xmlns:a14="http://schemas.microsoft.com/office/drawing/2010/main" xmlns:a16="http://schemas.microsoft.com/office/drawing/2014/main" xmlns="" w="9525">
+                <a14:hiddenLine xmlns="" xmlns:a16="http://schemas.microsoft.com/office/drawing/2014/main" xmlns:a14="http://schemas.microsoft.com/office/drawing/2010/main" w="9525">
                   <a:solidFill>
                     <a:srgbClr val="000000"/>
                   </a:solidFill>
@@ -15330,7 +15394,7 @@
             </a:ln>
             <a:extLst>
               <a:ext uri="{91240B29-F687-4f45-9708-019B960494DF}">
-                <a14:hiddenLine xmlns:a14="http://schemas.microsoft.com/office/drawing/2010/main" xmlns:a16="http://schemas.microsoft.com/office/drawing/2014/main" xmlns="" w="9525">
+                <a14:hiddenLine xmlns="" xmlns:a16="http://schemas.microsoft.com/office/drawing/2014/main" xmlns:a14="http://schemas.microsoft.com/office/drawing/2010/main" w="9525">
                   <a:solidFill>
                     <a:srgbClr val="000000"/>
                   </a:solidFill>
@@ -15407,7 +15471,7 @@
             </a:ln>
             <a:extLst>
               <a:ext uri="{91240B29-F687-4f45-9708-019B960494DF}">
-                <a14:hiddenLine xmlns:a14="http://schemas.microsoft.com/office/drawing/2010/main" xmlns:a16="http://schemas.microsoft.com/office/drawing/2014/main" xmlns="" w="9525">
+                <a14:hiddenLine xmlns="" xmlns:a16="http://schemas.microsoft.com/office/drawing/2014/main" xmlns:a14="http://schemas.microsoft.com/office/drawing/2010/main" w="9525">
                   <a:solidFill>
                     <a:srgbClr val="000000"/>
                   </a:solidFill>
@@ -15532,7 +15596,7 @@
             </a:ln>
             <a:extLst>
               <a:ext uri="{91240B29-F687-4f45-9708-019B960494DF}">
-                <a14:hiddenLine xmlns:a14="http://schemas.microsoft.com/office/drawing/2010/main" xmlns:a16="http://schemas.microsoft.com/office/drawing/2014/main" xmlns="" w="9525">
+                <a14:hiddenLine xmlns="" xmlns:a16="http://schemas.microsoft.com/office/drawing/2014/main" xmlns:a14="http://schemas.microsoft.com/office/drawing/2010/main" w="9525">
                   <a:solidFill>
                     <a:srgbClr val="000000"/>
                   </a:solidFill>
@@ -15609,7 +15673,7 @@
             </a:ln>
             <a:extLst>
               <a:ext uri="{91240B29-F687-4f45-9708-019B960494DF}">
-                <a14:hiddenLine xmlns:a14="http://schemas.microsoft.com/office/drawing/2010/main" xmlns:a16="http://schemas.microsoft.com/office/drawing/2014/main" xmlns="" w="9525">
+                <a14:hiddenLine xmlns="" xmlns:a16="http://schemas.microsoft.com/office/drawing/2014/main" xmlns:a14="http://schemas.microsoft.com/office/drawing/2010/main" w="9525">
                   <a:solidFill>
                     <a:srgbClr val="000000"/>
                   </a:solidFill>
@@ -15714,7 +15778,7 @@
             </a:ln>
             <a:extLst>
               <a:ext uri="{91240B29-F687-4f45-9708-019B960494DF}">
-                <a14:hiddenLine xmlns:a14="http://schemas.microsoft.com/office/drawing/2010/main" xmlns:a16="http://schemas.microsoft.com/office/drawing/2014/main" xmlns="" w="9525">
+                <a14:hiddenLine xmlns="" xmlns:a16="http://schemas.microsoft.com/office/drawing/2014/main" xmlns:a14="http://schemas.microsoft.com/office/drawing/2010/main" w="9525">
                   <a:solidFill>
                     <a:srgbClr val="000000"/>
                   </a:solidFill>
@@ -15819,7 +15883,7 @@
             </a:ln>
             <a:extLst>
               <a:ext uri="{91240B29-F687-4f45-9708-019B960494DF}">
-                <a14:hiddenLine xmlns:a14="http://schemas.microsoft.com/office/drawing/2010/main" xmlns:a16="http://schemas.microsoft.com/office/drawing/2014/main" xmlns="" w="9525">
+                <a14:hiddenLine xmlns="" xmlns:a16="http://schemas.microsoft.com/office/drawing/2014/main" xmlns:a14="http://schemas.microsoft.com/office/drawing/2010/main" w="9525">
                   <a:solidFill>
                     <a:srgbClr val="000000"/>
                   </a:solidFill>
@@ -15896,7 +15960,7 @@
             </a:ln>
             <a:extLst>
               <a:ext uri="{91240B29-F687-4f45-9708-019B960494DF}">
-                <a14:hiddenLine xmlns:a14="http://schemas.microsoft.com/office/drawing/2010/main" xmlns:a16="http://schemas.microsoft.com/office/drawing/2014/main" xmlns="" w="9525">
+                <a14:hiddenLine xmlns="" xmlns:a16="http://schemas.microsoft.com/office/drawing/2014/main" xmlns:a14="http://schemas.microsoft.com/office/drawing/2010/main" w="9525">
                   <a:solidFill>
                     <a:srgbClr val="000000"/>
                   </a:solidFill>
@@ -16001,7 +16065,7 @@
             </a:ln>
             <a:extLst>
               <a:ext uri="{91240B29-F687-4f45-9708-019B960494DF}">
-                <a14:hiddenLine xmlns:a14="http://schemas.microsoft.com/office/drawing/2010/main" xmlns:a16="http://schemas.microsoft.com/office/drawing/2014/main" xmlns="" w="9525">
+                <a14:hiddenLine xmlns="" xmlns:a16="http://schemas.microsoft.com/office/drawing/2014/main" xmlns:a14="http://schemas.microsoft.com/office/drawing/2010/main" w="9525">
                   <a:solidFill>
                     <a:srgbClr val="000000"/>
                   </a:solidFill>
@@ -16106,7 +16170,7 @@
             </a:ln>
             <a:extLst>
               <a:ext uri="{91240B29-F687-4f45-9708-019B960494DF}">
-                <a14:hiddenLine xmlns:a14="http://schemas.microsoft.com/office/drawing/2010/main" xmlns:a16="http://schemas.microsoft.com/office/drawing/2014/main" xmlns="" w="9525">
+                <a14:hiddenLine xmlns="" xmlns:a16="http://schemas.microsoft.com/office/drawing/2014/main" xmlns:a14="http://schemas.microsoft.com/office/drawing/2010/main" w="9525">
                   <a:solidFill>
                     <a:srgbClr val="000000"/>
                   </a:solidFill>
@@ -16177,7 +16241,7 @@
             </a:ln>
             <a:extLst>
               <a:ext uri="{91240B29-F687-4f45-9708-019B960494DF}">
-                <a14:hiddenLine xmlns:a14="http://schemas.microsoft.com/office/drawing/2010/main" xmlns:a16="http://schemas.microsoft.com/office/drawing/2014/main" xmlns="" w="9525">
+                <a14:hiddenLine xmlns="" xmlns:a16="http://schemas.microsoft.com/office/drawing/2014/main" xmlns:a14="http://schemas.microsoft.com/office/drawing/2010/main" w="9525">
                   <a:solidFill>
                     <a:srgbClr val="000000"/>
                   </a:solidFill>
@@ -16282,7 +16346,7 @@
             </a:ln>
             <a:extLst>
               <a:ext uri="{91240B29-F687-4f45-9708-019B960494DF}">
-                <a14:hiddenLine xmlns:a14="http://schemas.microsoft.com/office/drawing/2010/main" xmlns:a16="http://schemas.microsoft.com/office/drawing/2014/main" xmlns="" w="9525">
+                <a14:hiddenLine xmlns="" xmlns:a16="http://schemas.microsoft.com/office/drawing/2014/main" xmlns:a14="http://schemas.microsoft.com/office/drawing/2010/main" w="9525">
                   <a:solidFill>
                     <a:srgbClr val="000000"/>
                   </a:solidFill>
@@ -16353,7 +16417,7 @@
             </a:ln>
             <a:extLst>
               <a:ext uri="{91240B29-F687-4f45-9708-019B960494DF}">
-                <a14:hiddenLine xmlns:a14="http://schemas.microsoft.com/office/drawing/2010/main" xmlns:a16="http://schemas.microsoft.com/office/drawing/2014/main" xmlns="" w="9525">
+                <a14:hiddenLine xmlns="" xmlns:a16="http://schemas.microsoft.com/office/drawing/2014/main" xmlns:a14="http://schemas.microsoft.com/office/drawing/2010/main" w="9525">
                   <a:solidFill>
                     <a:srgbClr val="000000"/>
                   </a:solidFill>
@@ -16458,7 +16522,7 @@
             </a:ln>
             <a:extLst>
               <a:ext uri="{91240B29-F687-4f45-9708-019B960494DF}">
-                <a14:hiddenLine xmlns:a14="http://schemas.microsoft.com/office/drawing/2010/main" xmlns:a16="http://schemas.microsoft.com/office/drawing/2014/main" xmlns="" w="9525">
+                <a14:hiddenLine xmlns="" xmlns:a16="http://schemas.microsoft.com/office/drawing/2014/main" xmlns:a14="http://schemas.microsoft.com/office/drawing/2010/main" w="9525">
                   <a:solidFill>
                     <a:srgbClr val="000000"/>
                   </a:solidFill>
@@ -16541,7 +16605,7 @@
             </a:ln>
             <a:extLst>
               <a:ext uri="{91240B29-F687-4f45-9708-019B960494DF}">
-                <a14:hiddenLine xmlns:a14="http://schemas.microsoft.com/office/drawing/2010/main" xmlns:a16="http://schemas.microsoft.com/office/drawing/2014/main" xmlns="" w="9525">
+                <a14:hiddenLine xmlns="" xmlns:a16="http://schemas.microsoft.com/office/drawing/2014/main" xmlns:a14="http://schemas.microsoft.com/office/drawing/2010/main" w="9525">
                   <a:solidFill>
                     <a:srgbClr val="000000"/>
                   </a:solidFill>
@@ -16646,7 +16710,7 @@
             </a:ln>
             <a:extLst>
               <a:ext uri="{91240B29-F687-4f45-9708-019B960494DF}">
-                <a14:hiddenLine xmlns:a14="http://schemas.microsoft.com/office/drawing/2010/main" xmlns:a16="http://schemas.microsoft.com/office/drawing/2014/main" xmlns="" w="9525">
+                <a14:hiddenLine xmlns="" xmlns:a16="http://schemas.microsoft.com/office/drawing/2014/main" xmlns:a14="http://schemas.microsoft.com/office/drawing/2010/main" w="9525">
                   <a:solidFill>
                     <a:srgbClr val="000000"/>
                   </a:solidFill>
@@ -16729,7 +16793,7 @@
             </a:ln>
             <a:extLst>
               <a:ext uri="{91240B29-F687-4f45-9708-019B960494DF}">
-                <a14:hiddenLine xmlns:a14="http://schemas.microsoft.com/office/drawing/2010/main" xmlns:a16="http://schemas.microsoft.com/office/drawing/2014/main" xmlns="" w="9525">
+                <a14:hiddenLine xmlns="" xmlns:a16="http://schemas.microsoft.com/office/drawing/2014/main" xmlns:a14="http://schemas.microsoft.com/office/drawing/2010/main" w="9525">
                   <a:solidFill>
                     <a:srgbClr val="000000"/>
                   </a:solidFill>
@@ -16834,7 +16898,7 @@
             </a:ln>
             <a:extLst>
               <a:ext uri="{91240B29-F687-4f45-9708-019B960494DF}">
-                <a14:hiddenLine xmlns:a14="http://schemas.microsoft.com/office/drawing/2010/main" xmlns:a16="http://schemas.microsoft.com/office/drawing/2014/main" xmlns="" w="9525">
+                <a14:hiddenLine xmlns="" xmlns:a16="http://schemas.microsoft.com/office/drawing/2014/main" xmlns:a14="http://schemas.microsoft.com/office/drawing/2010/main" w="9525">
                   <a:solidFill>
                     <a:srgbClr val="000000"/>
                   </a:solidFill>
@@ -16883,7 +16947,7 @@
             </a:ln>
             <a:extLst>
               <a:ext uri="{91240B29-F687-4f45-9708-019B960494DF}">
-                <a14:hiddenLine xmlns:a14="http://schemas.microsoft.com/office/drawing/2010/main" xmlns:a16="http://schemas.microsoft.com/office/drawing/2014/main" xmlns="" w="9525">
+                <a14:hiddenLine xmlns="" xmlns:a16="http://schemas.microsoft.com/office/drawing/2014/main" xmlns:a14="http://schemas.microsoft.com/office/drawing/2010/main" w="9525">
                   <a:solidFill>
                     <a:srgbClr val="000000"/>
                   </a:solidFill>
@@ -16988,7 +17052,7 @@
             </a:ln>
             <a:extLst>
               <a:ext uri="{91240B29-F687-4f45-9708-019B960494DF}">
-                <a14:hiddenLine xmlns:a14="http://schemas.microsoft.com/office/drawing/2010/main" xmlns:a16="http://schemas.microsoft.com/office/drawing/2014/main" xmlns="" w="9525">
+                <a14:hiddenLine xmlns="" xmlns:a16="http://schemas.microsoft.com/office/drawing/2014/main" xmlns:a14="http://schemas.microsoft.com/office/drawing/2010/main" w="9525">
                   <a:solidFill>
                     <a:srgbClr val="000000"/>
                   </a:solidFill>
@@ -17065,7 +17129,7 @@
             </a:ln>
             <a:extLst>
               <a:ext uri="{91240B29-F687-4f45-9708-019B960494DF}">
-                <a14:hiddenLine xmlns:a14="http://schemas.microsoft.com/office/drawing/2010/main" xmlns:a16="http://schemas.microsoft.com/office/drawing/2014/main" xmlns="" w="9525">
+                <a14:hiddenLine xmlns="" xmlns:a16="http://schemas.microsoft.com/office/drawing/2014/main" xmlns:a14="http://schemas.microsoft.com/office/drawing/2010/main" w="9525">
                   <a:solidFill>
                     <a:srgbClr val="000000"/>
                   </a:solidFill>
@@ -17142,7 +17206,7 @@
             </a:ln>
             <a:extLst>
               <a:ext uri="{91240B29-F687-4f45-9708-019B960494DF}">
-                <a14:hiddenLine xmlns:a14="http://schemas.microsoft.com/office/drawing/2010/main" xmlns:a16="http://schemas.microsoft.com/office/drawing/2014/main" xmlns="" w="9525">
+                <a14:hiddenLine xmlns="" xmlns:a16="http://schemas.microsoft.com/office/drawing/2014/main" xmlns:a14="http://schemas.microsoft.com/office/drawing/2010/main" w="9525">
                   <a:solidFill>
                     <a:srgbClr val="000000"/>
                   </a:solidFill>
@@ -17247,7 +17311,7 @@
             </a:ln>
             <a:extLst>
               <a:ext uri="{91240B29-F687-4f45-9708-019B960494DF}">
-                <a14:hiddenLine xmlns:a14="http://schemas.microsoft.com/office/drawing/2010/main" xmlns:a16="http://schemas.microsoft.com/office/drawing/2014/main" xmlns="" w="9525">
+                <a14:hiddenLine xmlns="" xmlns:a16="http://schemas.microsoft.com/office/drawing/2014/main" xmlns:a14="http://schemas.microsoft.com/office/drawing/2010/main" w="9525">
                   <a:solidFill>
                     <a:srgbClr val="000000"/>
                   </a:solidFill>
@@ -17330,7 +17394,7 @@
             </a:ln>
             <a:extLst>
               <a:ext uri="{91240B29-F687-4f45-9708-019B960494DF}">
-                <a14:hiddenLine xmlns:a14="http://schemas.microsoft.com/office/drawing/2010/main" xmlns:a16="http://schemas.microsoft.com/office/drawing/2014/main" xmlns="" w="9525">
+                <a14:hiddenLine xmlns="" xmlns:a16="http://schemas.microsoft.com/office/drawing/2014/main" xmlns:a14="http://schemas.microsoft.com/office/drawing/2010/main" w="9525">
                   <a:solidFill>
                     <a:srgbClr val="000000"/>
                   </a:solidFill>
@@ -17407,7 +17471,7 @@
             </a:ln>
             <a:extLst>
               <a:ext uri="{91240B29-F687-4f45-9708-019B960494DF}">
-                <a14:hiddenLine xmlns:a14="http://schemas.microsoft.com/office/drawing/2010/main" xmlns:a16="http://schemas.microsoft.com/office/drawing/2014/main" xmlns="" w="9525">
+                <a14:hiddenLine xmlns="" xmlns:a16="http://schemas.microsoft.com/office/drawing/2014/main" xmlns:a14="http://schemas.microsoft.com/office/drawing/2010/main" w="9525">
                   <a:solidFill>
                     <a:srgbClr val="000000"/>
                   </a:solidFill>
@@ -17512,7 +17576,7 @@
             </a:ln>
             <a:extLst>
               <a:ext uri="{91240B29-F687-4f45-9708-019B960494DF}">
-                <a14:hiddenLine xmlns:a14="http://schemas.microsoft.com/office/drawing/2010/main" xmlns:a16="http://schemas.microsoft.com/office/drawing/2014/main" xmlns="" w="9525">
+                <a14:hiddenLine xmlns="" xmlns:a16="http://schemas.microsoft.com/office/drawing/2014/main" xmlns:a14="http://schemas.microsoft.com/office/drawing/2010/main" w="9525">
                   <a:solidFill>
                     <a:srgbClr val="000000"/>
                   </a:solidFill>
@@ -17589,7 +17653,7 @@
             </a:ln>
             <a:extLst>
               <a:ext uri="{91240B29-F687-4f45-9708-019B960494DF}">
-                <a14:hiddenLine xmlns:a14="http://schemas.microsoft.com/office/drawing/2010/main" xmlns:a16="http://schemas.microsoft.com/office/drawing/2014/main" xmlns="" w="9525">
+                <a14:hiddenLine xmlns="" xmlns:a16="http://schemas.microsoft.com/office/drawing/2014/main" xmlns:a14="http://schemas.microsoft.com/office/drawing/2010/main" w="9525">
                   <a:solidFill>
                     <a:srgbClr val="000000"/>
                   </a:solidFill>
@@ -17694,7 +17758,7 @@
             </a:ln>
             <a:extLst>
               <a:ext uri="{91240B29-F687-4f45-9708-019B960494DF}">
-                <a14:hiddenLine xmlns:a14="http://schemas.microsoft.com/office/drawing/2010/main" xmlns:a16="http://schemas.microsoft.com/office/drawing/2014/main" xmlns="" w="9525">
+                <a14:hiddenLine xmlns="" xmlns:a16="http://schemas.microsoft.com/office/drawing/2014/main" xmlns:a14="http://schemas.microsoft.com/office/drawing/2010/main" w="9525">
                   <a:solidFill>
                     <a:srgbClr val="000000"/>
                   </a:solidFill>
@@ -17771,7 +17835,7 @@
             </a:ln>
             <a:extLst>
               <a:ext uri="{91240B29-F687-4f45-9708-019B960494DF}">
-                <a14:hiddenLine xmlns:a14="http://schemas.microsoft.com/office/drawing/2010/main" xmlns:a16="http://schemas.microsoft.com/office/drawing/2014/main" xmlns="" w="9525">
+                <a14:hiddenLine xmlns="" xmlns:a16="http://schemas.microsoft.com/office/drawing/2014/main" xmlns:a14="http://schemas.microsoft.com/office/drawing/2010/main" w="9525">
                   <a:solidFill>
                     <a:srgbClr val="000000"/>
                   </a:solidFill>
@@ -17876,7 +17940,7 @@
             </a:ln>
             <a:extLst>
               <a:ext uri="{91240B29-F687-4f45-9708-019B960494DF}">
-                <a14:hiddenLine xmlns:a14="http://schemas.microsoft.com/office/drawing/2010/main" xmlns:a16="http://schemas.microsoft.com/office/drawing/2014/main" xmlns="" w="9525">
+                <a14:hiddenLine xmlns="" xmlns:a16="http://schemas.microsoft.com/office/drawing/2014/main" xmlns:a14="http://schemas.microsoft.com/office/drawing/2010/main" w="9525">
                   <a:solidFill>
                     <a:srgbClr val="000000"/>
                   </a:solidFill>
@@ -17925,7 +17989,7 @@
             </a:ln>
             <a:extLst>
               <a:ext uri="{91240B29-F687-4f45-9708-019B960494DF}">
-                <a14:hiddenLine xmlns:a14="http://schemas.microsoft.com/office/drawing/2010/main" xmlns:a16="http://schemas.microsoft.com/office/drawing/2014/main" xmlns="" w="9525">
+                <a14:hiddenLine xmlns="" xmlns:a16="http://schemas.microsoft.com/office/drawing/2014/main" xmlns:a14="http://schemas.microsoft.com/office/drawing/2010/main" w="9525">
                   <a:solidFill>
                     <a:srgbClr val="000000"/>
                   </a:solidFill>
@@ -18005,7 +18069,7 @@
             </a:ln>
             <a:extLst>
               <a:ext uri="{91240B29-F687-4f45-9708-019B960494DF}">
-                <a14:hiddenLine xmlns:a14="http://schemas.microsoft.com/office/drawing/2010/main" xmlns:a16="http://schemas.microsoft.com/office/drawing/2014/main" xmlns="" w="9525">
+                <a14:hiddenLine xmlns="" xmlns:a16="http://schemas.microsoft.com/office/drawing/2014/main" xmlns:a14="http://schemas.microsoft.com/office/drawing/2010/main" w="9525">
                   <a:solidFill>
                     <a:srgbClr val="000000"/>
                   </a:solidFill>
@@ -18110,7 +18174,7 @@
             </a:ln>
             <a:extLst>
               <a:ext uri="{91240B29-F687-4f45-9708-019B960494DF}">
-                <a14:hiddenLine xmlns:a14="http://schemas.microsoft.com/office/drawing/2010/main" xmlns:a16="http://schemas.microsoft.com/office/drawing/2014/main" xmlns="" w="9525">
+                <a14:hiddenLine xmlns="" xmlns:a16="http://schemas.microsoft.com/office/drawing/2014/main" xmlns:a14="http://schemas.microsoft.com/office/drawing/2010/main" w="9525">
                   <a:solidFill>
                     <a:srgbClr val="000000"/>
                   </a:solidFill>
@@ -18187,7 +18251,7 @@
             </a:ln>
             <a:extLst>
               <a:ext uri="{91240B29-F687-4f45-9708-019B960494DF}">
-                <a14:hiddenLine xmlns:a14="http://schemas.microsoft.com/office/drawing/2010/main" xmlns:a16="http://schemas.microsoft.com/office/drawing/2014/main" xmlns="" w="9525">
+                <a14:hiddenLine xmlns="" xmlns:a16="http://schemas.microsoft.com/office/drawing/2014/main" xmlns:a14="http://schemas.microsoft.com/office/drawing/2010/main" w="9525">
                   <a:solidFill>
                     <a:srgbClr val="000000"/>
                   </a:solidFill>
@@ -18292,7 +18356,7 @@
             </a:ln>
             <a:extLst>
               <a:ext uri="{91240B29-F687-4f45-9708-019B960494DF}">
-                <a14:hiddenLine xmlns:a14="http://schemas.microsoft.com/office/drawing/2010/main" xmlns:a16="http://schemas.microsoft.com/office/drawing/2014/main" xmlns="" w="9525">
+                <a14:hiddenLine xmlns="" xmlns:a16="http://schemas.microsoft.com/office/drawing/2014/main" xmlns:a14="http://schemas.microsoft.com/office/drawing/2010/main" w="9525">
                   <a:solidFill>
                     <a:srgbClr val="000000"/>
                   </a:solidFill>
@@ -18397,7 +18461,7 @@
             </a:ln>
             <a:extLst>
               <a:ext uri="{91240B29-F687-4f45-9708-019B960494DF}">
-                <a14:hiddenLine xmlns:a14="http://schemas.microsoft.com/office/drawing/2010/main" xmlns:a16="http://schemas.microsoft.com/office/drawing/2014/main" xmlns="" w="9525">
+                <a14:hiddenLine xmlns="" xmlns:a16="http://schemas.microsoft.com/office/drawing/2014/main" xmlns:a14="http://schemas.microsoft.com/office/drawing/2010/main" w="9525">
                   <a:solidFill>
                     <a:srgbClr val="000000"/>
                   </a:solidFill>
@@ -18477,7 +18541,7 @@
             </a:ln>
             <a:extLst>
               <a:ext uri="{91240B29-F687-4f45-9708-019B960494DF}">
-                <a14:hiddenLine xmlns:a14="http://schemas.microsoft.com/office/drawing/2010/main" xmlns:a16="http://schemas.microsoft.com/office/drawing/2014/main" xmlns="" w="9525">
+                <a14:hiddenLine xmlns="" xmlns:a16="http://schemas.microsoft.com/office/drawing/2014/main" xmlns:a14="http://schemas.microsoft.com/office/drawing/2010/main" w="9525">
                   <a:solidFill>
                     <a:srgbClr val="000000"/>
                   </a:solidFill>
@@ -18554,7 +18618,7 @@
             </a:ln>
             <a:extLst>
               <a:ext uri="{91240B29-F687-4f45-9708-019B960494DF}">
-                <a14:hiddenLine xmlns:a14="http://schemas.microsoft.com/office/drawing/2010/main" xmlns:a16="http://schemas.microsoft.com/office/drawing/2014/main" xmlns="" w="9525">
+                <a14:hiddenLine xmlns="" xmlns:a16="http://schemas.microsoft.com/office/drawing/2014/main" xmlns:a14="http://schemas.microsoft.com/office/drawing/2010/main" w="9525">
                   <a:solidFill>
                     <a:srgbClr val="000000"/>
                   </a:solidFill>
@@ -18659,7 +18723,7 @@
             </a:ln>
             <a:extLst>
               <a:ext uri="{91240B29-F687-4f45-9708-019B960494DF}">
-                <a14:hiddenLine xmlns:a14="http://schemas.microsoft.com/office/drawing/2010/main" xmlns:a16="http://schemas.microsoft.com/office/drawing/2014/main" xmlns="" w="9525">
+                <a14:hiddenLine xmlns="" xmlns:a16="http://schemas.microsoft.com/office/drawing/2014/main" xmlns:a14="http://schemas.microsoft.com/office/drawing/2010/main" w="9525">
                   <a:solidFill>
                     <a:srgbClr val="000000"/>
                   </a:solidFill>
@@ -18764,7 +18828,7 @@
             </a:ln>
             <a:extLst>
               <a:ext uri="{91240B29-F687-4f45-9708-019B960494DF}">
-                <a14:hiddenLine xmlns:a14="http://schemas.microsoft.com/office/drawing/2010/main" xmlns:a16="http://schemas.microsoft.com/office/drawing/2014/main" xmlns="" w="9525">
+                <a14:hiddenLine xmlns="" xmlns:a16="http://schemas.microsoft.com/office/drawing/2014/main" xmlns:a14="http://schemas.microsoft.com/office/drawing/2010/main" w="9525">
                   <a:solidFill>
                     <a:srgbClr val="000000"/>
                   </a:solidFill>
@@ -18841,7 +18905,7 @@
             </a:ln>
             <a:extLst>
               <a:ext uri="{91240B29-F687-4f45-9708-019B960494DF}">
-                <a14:hiddenLine xmlns:a14="http://schemas.microsoft.com/office/drawing/2010/main" xmlns:a16="http://schemas.microsoft.com/office/drawing/2014/main" xmlns="" w="9525">
+                <a14:hiddenLine xmlns="" xmlns:a16="http://schemas.microsoft.com/office/drawing/2014/main" xmlns:a14="http://schemas.microsoft.com/office/drawing/2010/main" w="9525">
                   <a:solidFill>
                     <a:srgbClr val="000000"/>
                   </a:solidFill>
@@ -18976,7 +19040,7 @@
             </a:ln>
             <a:extLst>
               <a:ext uri="{91240B29-F687-4f45-9708-019B960494DF}">
-                <a14:hiddenLine xmlns:a14="http://schemas.microsoft.com/office/drawing/2010/main" xmlns:a16="http://schemas.microsoft.com/office/drawing/2014/main" xmlns="" w="9525">
+                <a14:hiddenLine xmlns="" xmlns:a16="http://schemas.microsoft.com/office/drawing/2014/main" xmlns:a14="http://schemas.microsoft.com/office/drawing/2010/main" w="9525">
                   <a:solidFill>
                     <a:srgbClr val="000000"/>
                   </a:solidFill>
@@ -19059,7 +19123,7 @@
             </a:ln>
             <a:extLst>
               <a:ext uri="{91240B29-F687-4f45-9708-019B960494DF}">
-                <a14:hiddenLine xmlns:a14="http://schemas.microsoft.com/office/drawing/2010/main" xmlns:a16="http://schemas.microsoft.com/office/drawing/2014/main" xmlns="" w="9525">
+                <a14:hiddenLine xmlns="" xmlns:a16="http://schemas.microsoft.com/office/drawing/2014/main" xmlns:a14="http://schemas.microsoft.com/office/drawing/2010/main" w="9525">
                   <a:solidFill>
                     <a:srgbClr val="000000"/>
                   </a:solidFill>
@@ -19164,7 +19228,7 @@
             </a:ln>
             <a:extLst>
               <a:ext uri="{91240B29-F687-4f45-9708-019B960494DF}">
-                <a14:hiddenLine xmlns:a14="http://schemas.microsoft.com/office/drawing/2010/main" xmlns:a16="http://schemas.microsoft.com/office/drawing/2014/main" xmlns="" w="9525">
+                <a14:hiddenLine xmlns="" xmlns:a16="http://schemas.microsoft.com/office/drawing/2014/main" xmlns:a14="http://schemas.microsoft.com/office/drawing/2010/main" w="9525">
                   <a:solidFill>
                     <a:srgbClr val="000000"/>
                   </a:solidFill>
@@ -19358,7 +19422,7 @@
             </a:ln>
             <a:extLst>
               <a:ext uri="{91240B29-F687-4f45-9708-019B960494DF}">
-                <a14:hiddenLine xmlns:a14="http://schemas.microsoft.com/office/drawing/2010/main" xmlns:p14="http://schemas.microsoft.com/office/powerpoint/2010/main" xmlns:a16="http://schemas.microsoft.com/office/drawing/2014/main" xmlns="" w="9525">
+                <a14:hiddenLine xmlns="" xmlns:a16="http://schemas.microsoft.com/office/drawing/2014/main" xmlns:p14="http://schemas.microsoft.com/office/powerpoint/2010/main" xmlns:a14="http://schemas.microsoft.com/office/drawing/2010/main" w="9525">
                   <a:solidFill>
                     <a:srgbClr val="000000"/>
                   </a:solidFill>
@@ -19463,7 +19527,7 @@
             </a:ln>
             <a:extLst>
               <a:ext uri="{91240B29-F687-4f45-9708-019B960494DF}">
-                <a14:hiddenLine xmlns:a14="http://schemas.microsoft.com/office/drawing/2010/main" xmlns:p14="http://schemas.microsoft.com/office/powerpoint/2010/main" xmlns:a16="http://schemas.microsoft.com/office/drawing/2014/main" xmlns="" w="9525">
+                <a14:hiddenLine xmlns="" xmlns:a16="http://schemas.microsoft.com/office/drawing/2014/main" xmlns:p14="http://schemas.microsoft.com/office/powerpoint/2010/main" xmlns:a14="http://schemas.microsoft.com/office/drawing/2010/main" w="9525">
                   <a:solidFill>
                     <a:srgbClr val="000000"/>
                   </a:solidFill>
@@ -19568,7 +19632,7 @@
             </a:ln>
             <a:extLst>
               <a:ext uri="{91240B29-F687-4f45-9708-019B960494DF}">
-                <a14:hiddenLine xmlns:a14="http://schemas.microsoft.com/office/drawing/2010/main" xmlns:p14="http://schemas.microsoft.com/office/powerpoint/2010/main" xmlns:a16="http://schemas.microsoft.com/office/drawing/2014/main" xmlns="" w="9525">
+                <a14:hiddenLine xmlns="" xmlns:a16="http://schemas.microsoft.com/office/drawing/2014/main" xmlns:p14="http://schemas.microsoft.com/office/powerpoint/2010/main" xmlns:a14="http://schemas.microsoft.com/office/drawing/2010/main" w="9525">
                   <a:solidFill>
                     <a:srgbClr val="000000"/>
                   </a:solidFill>
@@ -19617,7 +19681,7 @@
             </a:ln>
             <a:extLst>
               <a:ext uri="{91240B29-F687-4f45-9708-019B960494DF}">
-                <a14:hiddenLine xmlns:a14="http://schemas.microsoft.com/office/drawing/2010/main" xmlns:p14="http://schemas.microsoft.com/office/powerpoint/2010/main" xmlns:a16="http://schemas.microsoft.com/office/drawing/2014/main" xmlns="" w="9525">
+                <a14:hiddenLine xmlns="" xmlns:a16="http://schemas.microsoft.com/office/drawing/2014/main" xmlns:p14="http://schemas.microsoft.com/office/powerpoint/2010/main" xmlns:a14="http://schemas.microsoft.com/office/drawing/2010/main" w="9525">
                   <a:solidFill>
                     <a:srgbClr val="000000"/>
                   </a:solidFill>
@@ -19722,7 +19786,7 @@
             </a:ln>
             <a:extLst>
               <a:ext uri="{91240B29-F687-4f45-9708-019B960494DF}">
-                <a14:hiddenLine xmlns:a14="http://schemas.microsoft.com/office/drawing/2010/main" xmlns:p14="http://schemas.microsoft.com/office/powerpoint/2010/main" xmlns:a16="http://schemas.microsoft.com/office/drawing/2014/main" xmlns="" w="9525">
+                <a14:hiddenLine xmlns="" xmlns:a16="http://schemas.microsoft.com/office/drawing/2014/main" xmlns:p14="http://schemas.microsoft.com/office/powerpoint/2010/main" xmlns:a14="http://schemas.microsoft.com/office/drawing/2010/main" w="9525">
                   <a:solidFill>
                     <a:srgbClr val="000000"/>
                   </a:solidFill>
@@ -19799,7 +19863,7 @@
             </a:ln>
             <a:extLst>
               <a:ext uri="{91240B29-F687-4f45-9708-019B960494DF}">
-                <a14:hiddenLine xmlns:a14="http://schemas.microsoft.com/office/drawing/2010/main" xmlns:p14="http://schemas.microsoft.com/office/powerpoint/2010/main" xmlns:a16="http://schemas.microsoft.com/office/drawing/2014/main" xmlns="" w="9525">
+                <a14:hiddenLine xmlns="" xmlns:a16="http://schemas.microsoft.com/office/drawing/2014/main" xmlns:p14="http://schemas.microsoft.com/office/powerpoint/2010/main" xmlns:a14="http://schemas.microsoft.com/office/drawing/2010/main" w="9525">
                   <a:solidFill>
                     <a:srgbClr val="000000"/>
                   </a:solidFill>
@@ -19876,7 +19940,7 @@
             </a:ln>
             <a:extLst>
               <a:ext uri="{91240B29-F687-4f45-9708-019B960494DF}">
-                <a14:hiddenLine xmlns:a14="http://schemas.microsoft.com/office/drawing/2010/main" xmlns:p14="http://schemas.microsoft.com/office/powerpoint/2010/main" xmlns:a16="http://schemas.microsoft.com/office/drawing/2014/main" xmlns="" w="9525">
+                <a14:hiddenLine xmlns="" xmlns:a16="http://schemas.microsoft.com/office/drawing/2014/main" xmlns:p14="http://schemas.microsoft.com/office/powerpoint/2010/main" xmlns:a14="http://schemas.microsoft.com/office/drawing/2010/main" w="9525">
                   <a:solidFill>
                     <a:srgbClr val="000000"/>
                   </a:solidFill>
@@ -19981,7 +20045,7 @@
             </a:ln>
             <a:extLst>
               <a:ext uri="{91240B29-F687-4f45-9708-019B960494DF}">
-                <a14:hiddenLine xmlns:a14="http://schemas.microsoft.com/office/drawing/2010/main" xmlns:p14="http://schemas.microsoft.com/office/powerpoint/2010/main" xmlns:a16="http://schemas.microsoft.com/office/drawing/2014/main" xmlns="" w="9525">
+                <a14:hiddenLine xmlns="" xmlns:a16="http://schemas.microsoft.com/office/drawing/2014/main" xmlns:p14="http://schemas.microsoft.com/office/powerpoint/2010/main" xmlns:a14="http://schemas.microsoft.com/office/drawing/2010/main" w="9525">
                   <a:solidFill>
                     <a:srgbClr val="000000"/>
                   </a:solidFill>
@@ -20058,7 +20122,7 @@
             </a:ln>
             <a:extLst>
               <a:ext uri="{91240B29-F687-4f45-9708-019B960494DF}">
-                <a14:hiddenLine xmlns:a14="http://schemas.microsoft.com/office/drawing/2010/main" xmlns:p14="http://schemas.microsoft.com/office/powerpoint/2010/main" xmlns:a16="http://schemas.microsoft.com/office/drawing/2014/main" xmlns="" w="9525">
+                <a14:hiddenLine xmlns="" xmlns:a16="http://schemas.microsoft.com/office/drawing/2014/main" xmlns:p14="http://schemas.microsoft.com/office/powerpoint/2010/main" xmlns:a14="http://schemas.microsoft.com/office/drawing/2010/main" w="9525">
                   <a:solidFill>
                     <a:srgbClr val="000000"/>
                   </a:solidFill>
@@ -20135,7 +20199,7 @@
             </a:ln>
             <a:extLst>
               <a:ext uri="{91240B29-F687-4f45-9708-019B960494DF}">
-                <a14:hiddenLine xmlns:a14="http://schemas.microsoft.com/office/drawing/2010/main" xmlns:p14="http://schemas.microsoft.com/office/powerpoint/2010/main" xmlns:a16="http://schemas.microsoft.com/office/drawing/2014/main" xmlns="" w="9525">
+                <a14:hiddenLine xmlns="" xmlns:a16="http://schemas.microsoft.com/office/drawing/2014/main" xmlns:p14="http://schemas.microsoft.com/office/powerpoint/2010/main" xmlns:a14="http://schemas.microsoft.com/office/drawing/2010/main" w="9525">
                   <a:solidFill>
                     <a:srgbClr val="000000"/>
                   </a:solidFill>
@@ -20240,7 +20304,7 @@
             </a:ln>
             <a:extLst>
               <a:ext uri="{91240B29-F687-4f45-9708-019B960494DF}">
-                <a14:hiddenLine xmlns:a14="http://schemas.microsoft.com/office/drawing/2010/main" xmlns:p14="http://schemas.microsoft.com/office/powerpoint/2010/main" xmlns:a16="http://schemas.microsoft.com/office/drawing/2014/main" xmlns="" w="9525">
+                <a14:hiddenLine xmlns="" xmlns:a16="http://schemas.microsoft.com/office/drawing/2014/main" xmlns:p14="http://schemas.microsoft.com/office/powerpoint/2010/main" xmlns:a14="http://schemas.microsoft.com/office/drawing/2010/main" w="9525">
                   <a:solidFill>
                     <a:srgbClr val="000000"/>
                   </a:solidFill>
@@ -20345,7 +20409,7 @@
             </a:ln>
             <a:extLst>
               <a:ext uri="{91240B29-F687-4f45-9708-019B960494DF}">
-                <a14:hiddenLine xmlns:a14="http://schemas.microsoft.com/office/drawing/2010/main" xmlns:p14="http://schemas.microsoft.com/office/powerpoint/2010/main" xmlns:a16="http://schemas.microsoft.com/office/drawing/2014/main" xmlns="" w="9525">
+                <a14:hiddenLine xmlns="" xmlns:a16="http://schemas.microsoft.com/office/drawing/2014/main" xmlns:p14="http://schemas.microsoft.com/office/powerpoint/2010/main" xmlns:a14="http://schemas.microsoft.com/office/drawing/2010/main" w="9525">
                   <a:solidFill>
                     <a:srgbClr val="000000"/>
                   </a:solidFill>
@@ -20422,7 +20486,7 @@
             </a:ln>
             <a:extLst>
               <a:ext uri="{91240B29-F687-4f45-9708-019B960494DF}">
-                <a14:hiddenLine xmlns:a14="http://schemas.microsoft.com/office/drawing/2010/main" xmlns:p14="http://schemas.microsoft.com/office/powerpoint/2010/main" xmlns:a16="http://schemas.microsoft.com/office/drawing/2014/main" xmlns="" w="9525">
+                <a14:hiddenLine xmlns="" xmlns:a16="http://schemas.microsoft.com/office/drawing/2014/main" xmlns:p14="http://schemas.microsoft.com/office/powerpoint/2010/main" xmlns:a14="http://schemas.microsoft.com/office/drawing/2010/main" w="9525">
                   <a:solidFill>
                     <a:srgbClr val="000000"/>
                   </a:solidFill>
@@ -20547,7 +20611,7 @@
             </a:ln>
             <a:extLst>
               <a:ext uri="{91240B29-F687-4f45-9708-019B960494DF}">
-                <a14:hiddenLine xmlns:a14="http://schemas.microsoft.com/office/drawing/2010/main" xmlns:p14="http://schemas.microsoft.com/office/powerpoint/2010/main" xmlns:a16="http://schemas.microsoft.com/office/drawing/2014/main" xmlns="" w="9525">
+                <a14:hiddenLine xmlns="" xmlns:a16="http://schemas.microsoft.com/office/drawing/2014/main" xmlns:p14="http://schemas.microsoft.com/office/powerpoint/2010/main" xmlns:a14="http://schemas.microsoft.com/office/drawing/2010/main" w="9525">
                   <a:solidFill>
                     <a:srgbClr val="000000"/>
                   </a:solidFill>
@@ -20624,7 +20688,7 @@
             </a:ln>
             <a:extLst>
               <a:ext uri="{91240B29-F687-4f45-9708-019B960494DF}">
-                <a14:hiddenLine xmlns:a14="http://schemas.microsoft.com/office/drawing/2010/main" xmlns:p14="http://schemas.microsoft.com/office/powerpoint/2010/main" xmlns:a16="http://schemas.microsoft.com/office/drawing/2014/main" xmlns="" w="9525">
+                <a14:hiddenLine xmlns="" xmlns:a16="http://schemas.microsoft.com/office/drawing/2014/main" xmlns:p14="http://schemas.microsoft.com/office/powerpoint/2010/main" xmlns:a14="http://schemas.microsoft.com/office/drawing/2010/main" w="9525">
                   <a:solidFill>
                     <a:srgbClr val="000000"/>
                   </a:solidFill>
@@ -20729,7 +20793,7 @@
             </a:ln>
             <a:extLst>
               <a:ext uri="{91240B29-F687-4f45-9708-019B960494DF}">
-                <a14:hiddenLine xmlns:a14="http://schemas.microsoft.com/office/drawing/2010/main" xmlns:p14="http://schemas.microsoft.com/office/powerpoint/2010/main" xmlns:a16="http://schemas.microsoft.com/office/drawing/2014/main" xmlns="" w="9525">
+                <a14:hiddenLine xmlns="" xmlns:a16="http://schemas.microsoft.com/office/drawing/2014/main" xmlns:p14="http://schemas.microsoft.com/office/powerpoint/2010/main" xmlns:a14="http://schemas.microsoft.com/office/drawing/2010/main" w="9525">
                   <a:solidFill>
                     <a:srgbClr val="000000"/>
                   </a:solidFill>
@@ -20834,7 +20898,7 @@
             </a:ln>
             <a:extLst>
               <a:ext uri="{91240B29-F687-4f45-9708-019B960494DF}">
-                <a14:hiddenLine xmlns:a14="http://schemas.microsoft.com/office/drawing/2010/main" xmlns:p14="http://schemas.microsoft.com/office/powerpoint/2010/main" xmlns:a16="http://schemas.microsoft.com/office/drawing/2014/main" xmlns="" w="9525">
+                <a14:hiddenLine xmlns="" xmlns:a16="http://schemas.microsoft.com/office/drawing/2014/main" xmlns:p14="http://schemas.microsoft.com/office/powerpoint/2010/main" xmlns:a14="http://schemas.microsoft.com/office/drawing/2010/main" w="9525">
                   <a:solidFill>
                     <a:srgbClr val="000000"/>
                   </a:solidFill>
@@ -20911,7 +20975,7 @@
             </a:ln>
             <a:extLst>
               <a:ext uri="{91240B29-F687-4f45-9708-019B960494DF}">
-                <a14:hiddenLine xmlns:a14="http://schemas.microsoft.com/office/drawing/2010/main" xmlns:p14="http://schemas.microsoft.com/office/powerpoint/2010/main" xmlns:a16="http://schemas.microsoft.com/office/drawing/2014/main" xmlns="" w="9525">
+                <a14:hiddenLine xmlns="" xmlns:a16="http://schemas.microsoft.com/office/drawing/2014/main" xmlns:p14="http://schemas.microsoft.com/office/powerpoint/2010/main" xmlns:a14="http://schemas.microsoft.com/office/drawing/2010/main" w="9525">
                   <a:solidFill>
                     <a:srgbClr val="000000"/>
                   </a:solidFill>
@@ -21016,7 +21080,7 @@
             </a:ln>
             <a:extLst>
               <a:ext uri="{91240B29-F687-4f45-9708-019B960494DF}">
-                <a14:hiddenLine xmlns:a14="http://schemas.microsoft.com/office/drawing/2010/main" xmlns:p14="http://schemas.microsoft.com/office/powerpoint/2010/main" xmlns:a16="http://schemas.microsoft.com/office/drawing/2014/main" xmlns="" w="9525">
+                <a14:hiddenLine xmlns="" xmlns:a16="http://schemas.microsoft.com/office/drawing/2014/main" xmlns:p14="http://schemas.microsoft.com/office/powerpoint/2010/main" xmlns:a14="http://schemas.microsoft.com/office/drawing/2010/main" w="9525">
                   <a:solidFill>
                     <a:srgbClr val="000000"/>
                   </a:solidFill>
@@ -21121,7 +21185,7 @@
             </a:ln>
             <a:extLst>
               <a:ext uri="{91240B29-F687-4f45-9708-019B960494DF}">
-                <a14:hiddenLine xmlns:a14="http://schemas.microsoft.com/office/drawing/2010/main" xmlns:p14="http://schemas.microsoft.com/office/powerpoint/2010/main" xmlns:a16="http://schemas.microsoft.com/office/drawing/2014/main" xmlns="" w="9525">
+                <a14:hiddenLine xmlns="" xmlns:a16="http://schemas.microsoft.com/office/drawing/2014/main" xmlns:p14="http://schemas.microsoft.com/office/powerpoint/2010/main" xmlns:a14="http://schemas.microsoft.com/office/drawing/2010/main" w="9525">
                   <a:solidFill>
                     <a:srgbClr val="000000"/>
                   </a:solidFill>
@@ -21192,7 +21256,7 @@
             </a:ln>
             <a:extLst>
               <a:ext uri="{91240B29-F687-4f45-9708-019B960494DF}">
-                <a14:hiddenLine xmlns:a14="http://schemas.microsoft.com/office/drawing/2010/main" xmlns:p14="http://schemas.microsoft.com/office/powerpoint/2010/main" xmlns:a16="http://schemas.microsoft.com/office/drawing/2014/main" xmlns="" w="9525">
+                <a14:hiddenLine xmlns="" xmlns:a16="http://schemas.microsoft.com/office/drawing/2014/main" xmlns:p14="http://schemas.microsoft.com/office/powerpoint/2010/main" xmlns:a14="http://schemas.microsoft.com/office/drawing/2010/main" w="9525">
                   <a:solidFill>
                     <a:srgbClr val="000000"/>
                   </a:solidFill>
@@ -21297,7 +21361,7 @@
             </a:ln>
             <a:extLst>
               <a:ext uri="{91240B29-F687-4f45-9708-019B960494DF}">
-                <a14:hiddenLine xmlns:a14="http://schemas.microsoft.com/office/drawing/2010/main" xmlns:p14="http://schemas.microsoft.com/office/powerpoint/2010/main" xmlns:a16="http://schemas.microsoft.com/office/drawing/2014/main" xmlns="" w="9525">
+                <a14:hiddenLine xmlns="" xmlns:a16="http://schemas.microsoft.com/office/drawing/2014/main" xmlns:p14="http://schemas.microsoft.com/office/powerpoint/2010/main" xmlns:a14="http://schemas.microsoft.com/office/drawing/2010/main" w="9525">
                   <a:solidFill>
                     <a:srgbClr val="000000"/>
                   </a:solidFill>
@@ -21368,7 +21432,7 @@
             </a:ln>
             <a:extLst>
               <a:ext uri="{91240B29-F687-4f45-9708-019B960494DF}">
-                <a14:hiddenLine xmlns:a14="http://schemas.microsoft.com/office/drawing/2010/main" xmlns:p14="http://schemas.microsoft.com/office/powerpoint/2010/main" xmlns:a16="http://schemas.microsoft.com/office/drawing/2014/main" xmlns="" w="9525">
+                <a14:hiddenLine xmlns="" xmlns:a16="http://schemas.microsoft.com/office/drawing/2014/main" xmlns:p14="http://schemas.microsoft.com/office/powerpoint/2010/main" xmlns:a14="http://schemas.microsoft.com/office/drawing/2010/main" w="9525">
                   <a:solidFill>
                     <a:srgbClr val="000000"/>
                   </a:solidFill>
@@ -21473,7 +21537,7 @@
             </a:ln>
             <a:extLst>
               <a:ext uri="{91240B29-F687-4f45-9708-019B960494DF}">
-                <a14:hiddenLine xmlns:a14="http://schemas.microsoft.com/office/drawing/2010/main" xmlns:p14="http://schemas.microsoft.com/office/powerpoint/2010/main" xmlns:a16="http://schemas.microsoft.com/office/drawing/2014/main" xmlns="" w="9525">
+                <a14:hiddenLine xmlns="" xmlns:a16="http://schemas.microsoft.com/office/drawing/2014/main" xmlns:p14="http://schemas.microsoft.com/office/powerpoint/2010/main" xmlns:a14="http://schemas.microsoft.com/office/drawing/2010/main" w="9525">
                   <a:solidFill>
                     <a:srgbClr val="000000"/>
                   </a:solidFill>
@@ -21556,7 +21620,7 @@
             </a:ln>
             <a:extLst>
               <a:ext uri="{91240B29-F687-4f45-9708-019B960494DF}">
-                <a14:hiddenLine xmlns:a14="http://schemas.microsoft.com/office/drawing/2010/main" xmlns:p14="http://schemas.microsoft.com/office/powerpoint/2010/main" xmlns:a16="http://schemas.microsoft.com/office/drawing/2014/main" xmlns="" w="9525">
+                <a14:hiddenLine xmlns="" xmlns:a16="http://schemas.microsoft.com/office/drawing/2014/main" xmlns:p14="http://schemas.microsoft.com/office/powerpoint/2010/main" xmlns:a14="http://schemas.microsoft.com/office/drawing/2010/main" w="9525">
                   <a:solidFill>
                     <a:srgbClr val="000000"/>
                   </a:solidFill>
@@ -21661,7 +21725,7 @@
             </a:ln>
             <a:extLst>
               <a:ext uri="{91240B29-F687-4f45-9708-019B960494DF}">
-                <a14:hiddenLine xmlns:a14="http://schemas.microsoft.com/office/drawing/2010/main" xmlns:p14="http://schemas.microsoft.com/office/powerpoint/2010/main" xmlns:a16="http://schemas.microsoft.com/office/drawing/2014/main" xmlns="" w="9525">
+                <a14:hiddenLine xmlns="" xmlns:a16="http://schemas.microsoft.com/office/drawing/2014/main" xmlns:p14="http://schemas.microsoft.com/office/powerpoint/2010/main" xmlns:a14="http://schemas.microsoft.com/office/drawing/2010/main" w="9525">
                   <a:solidFill>
                     <a:srgbClr val="000000"/>
                   </a:solidFill>
@@ -21744,7 +21808,7 @@
             </a:ln>
             <a:extLst>
               <a:ext uri="{91240B29-F687-4f45-9708-019B960494DF}">
-                <a14:hiddenLine xmlns:a14="http://schemas.microsoft.com/office/drawing/2010/main" xmlns:p14="http://schemas.microsoft.com/office/powerpoint/2010/main" xmlns:a16="http://schemas.microsoft.com/office/drawing/2014/main" xmlns="" w="9525">
+                <a14:hiddenLine xmlns="" xmlns:a16="http://schemas.microsoft.com/office/drawing/2014/main" xmlns:p14="http://schemas.microsoft.com/office/powerpoint/2010/main" xmlns:a14="http://schemas.microsoft.com/office/drawing/2010/main" w="9525">
                   <a:solidFill>
                     <a:srgbClr val="000000"/>
                   </a:solidFill>
@@ -21849,7 +21913,7 @@
             </a:ln>
             <a:extLst>
               <a:ext uri="{91240B29-F687-4f45-9708-019B960494DF}">
-                <a14:hiddenLine xmlns:a14="http://schemas.microsoft.com/office/drawing/2010/main" xmlns:p14="http://schemas.microsoft.com/office/powerpoint/2010/main" xmlns:a16="http://schemas.microsoft.com/office/drawing/2014/main" xmlns="" w="9525">
+                <a14:hiddenLine xmlns="" xmlns:a16="http://schemas.microsoft.com/office/drawing/2014/main" xmlns:p14="http://schemas.microsoft.com/office/powerpoint/2010/main" xmlns:a14="http://schemas.microsoft.com/office/drawing/2010/main" w="9525">
                   <a:solidFill>
                     <a:srgbClr val="000000"/>
                   </a:solidFill>
@@ -21898,7 +21962,7 @@
             </a:ln>
             <a:extLst>
               <a:ext uri="{91240B29-F687-4f45-9708-019B960494DF}">
-                <a14:hiddenLine xmlns:a14="http://schemas.microsoft.com/office/drawing/2010/main" xmlns:p14="http://schemas.microsoft.com/office/powerpoint/2010/main" xmlns:a16="http://schemas.microsoft.com/office/drawing/2014/main" xmlns="" w="9525">
+                <a14:hiddenLine xmlns="" xmlns:a16="http://schemas.microsoft.com/office/drawing/2014/main" xmlns:p14="http://schemas.microsoft.com/office/powerpoint/2010/main" xmlns:a14="http://schemas.microsoft.com/office/drawing/2010/main" w="9525">
                   <a:solidFill>
                     <a:srgbClr val="000000"/>
                   </a:solidFill>
@@ -22003,7 +22067,7 @@
             </a:ln>
             <a:extLst>
               <a:ext uri="{91240B29-F687-4f45-9708-019B960494DF}">
-                <a14:hiddenLine xmlns:a14="http://schemas.microsoft.com/office/drawing/2010/main" xmlns:p14="http://schemas.microsoft.com/office/powerpoint/2010/main" xmlns:a16="http://schemas.microsoft.com/office/drawing/2014/main" xmlns="" w="9525">
+                <a14:hiddenLine xmlns="" xmlns:a16="http://schemas.microsoft.com/office/drawing/2014/main" xmlns:p14="http://schemas.microsoft.com/office/powerpoint/2010/main" xmlns:a14="http://schemas.microsoft.com/office/drawing/2010/main" w="9525">
                   <a:solidFill>
                     <a:srgbClr val="000000"/>
                   </a:solidFill>
@@ -22080,7 +22144,7 @@
             </a:ln>
             <a:extLst>
               <a:ext uri="{91240B29-F687-4f45-9708-019B960494DF}">
-                <a14:hiddenLine xmlns:a14="http://schemas.microsoft.com/office/drawing/2010/main" xmlns:p14="http://schemas.microsoft.com/office/powerpoint/2010/main" xmlns:a16="http://schemas.microsoft.com/office/drawing/2014/main" xmlns="" w="9525">
+                <a14:hiddenLine xmlns="" xmlns:a16="http://schemas.microsoft.com/office/drawing/2014/main" xmlns:p14="http://schemas.microsoft.com/office/powerpoint/2010/main" xmlns:a14="http://schemas.microsoft.com/office/drawing/2010/main" w="9525">
                   <a:solidFill>
                     <a:srgbClr val="000000"/>
                   </a:solidFill>
@@ -22157,7 +22221,7 @@
             </a:ln>
             <a:extLst>
               <a:ext uri="{91240B29-F687-4f45-9708-019B960494DF}">
-                <a14:hiddenLine xmlns:a14="http://schemas.microsoft.com/office/drawing/2010/main" xmlns:p14="http://schemas.microsoft.com/office/powerpoint/2010/main" xmlns:a16="http://schemas.microsoft.com/office/drawing/2014/main" xmlns="" w="9525">
+                <a14:hiddenLine xmlns="" xmlns:a16="http://schemas.microsoft.com/office/drawing/2014/main" xmlns:p14="http://schemas.microsoft.com/office/powerpoint/2010/main" xmlns:a14="http://schemas.microsoft.com/office/drawing/2010/main" w="9525">
                   <a:solidFill>
                     <a:srgbClr val="000000"/>
                   </a:solidFill>
@@ -22262,7 +22326,7 @@
             </a:ln>
             <a:extLst>
               <a:ext uri="{91240B29-F687-4f45-9708-019B960494DF}">
-                <a14:hiddenLine xmlns:a14="http://schemas.microsoft.com/office/drawing/2010/main" xmlns:p14="http://schemas.microsoft.com/office/powerpoint/2010/main" xmlns:a16="http://schemas.microsoft.com/office/drawing/2014/main" xmlns="" w="9525">
+                <a14:hiddenLine xmlns="" xmlns:a16="http://schemas.microsoft.com/office/drawing/2014/main" xmlns:p14="http://schemas.microsoft.com/office/powerpoint/2010/main" xmlns:a14="http://schemas.microsoft.com/office/drawing/2010/main" w="9525">
                   <a:solidFill>
                     <a:srgbClr val="000000"/>
                   </a:solidFill>
@@ -22345,7 +22409,7 @@
             </a:ln>
             <a:extLst>
               <a:ext uri="{91240B29-F687-4f45-9708-019B960494DF}">
-                <a14:hiddenLine xmlns:a14="http://schemas.microsoft.com/office/drawing/2010/main" xmlns:p14="http://schemas.microsoft.com/office/powerpoint/2010/main" xmlns:a16="http://schemas.microsoft.com/office/drawing/2014/main" xmlns="" w="9525">
+                <a14:hiddenLine xmlns="" xmlns:a16="http://schemas.microsoft.com/office/drawing/2014/main" xmlns:p14="http://schemas.microsoft.com/office/powerpoint/2010/main" xmlns:a14="http://schemas.microsoft.com/office/drawing/2010/main" w="9525">
                   <a:solidFill>
                     <a:srgbClr val="000000"/>
                   </a:solidFill>
@@ -22422,7 +22486,7 @@
             </a:ln>
             <a:extLst>
               <a:ext uri="{91240B29-F687-4f45-9708-019B960494DF}">
-                <a14:hiddenLine xmlns:a14="http://schemas.microsoft.com/office/drawing/2010/main" xmlns:p14="http://schemas.microsoft.com/office/powerpoint/2010/main" xmlns:a16="http://schemas.microsoft.com/office/drawing/2014/main" xmlns="" w="9525">
+                <a14:hiddenLine xmlns="" xmlns:a16="http://schemas.microsoft.com/office/drawing/2014/main" xmlns:p14="http://schemas.microsoft.com/office/powerpoint/2010/main" xmlns:a14="http://schemas.microsoft.com/office/drawing/2010/main" w="9525">
                   <a:solidFill>
                     <a:srgbClr val="000000"/>
                   </a:solidFill>
@@ -22527,7 +22591,7 @@
             </a:ln>
             <a:extLst>
               <a:ext uri="{91240B29-F687-4f45-9708-019B960494DF}">
-                <a14:hiddenLine xmlns:a14="http://schemas.microsoft.com/office/drawing/2010/main" xmlns:p14="http://schemas.microsoft.com/office/powerpoint/2010/main" xmlns:a16="http://schemas.microsoft.com/office/drawing/2014/main" xmlns="" w="9525">
+                <a14:hiddenLine xmlns="" xmlns:a16="http://schemas.microsoft.com/office/drawing/2014/main" xmlns:p14="http://schemas.microsoft.com/office/powerpoint/2010/main" xmlns:a14="http://schemas.microsoft.com/office/drawing/2010/main" w="9525">
                   <a:solidFill>
                     <a:srgbClr val="000000"/>
                   </a:solidFill>
@@ -22604,7 +22668,7 @@
             </a:ln>
             <a:extLst>
               <a:ext uri="{91240B29-F687-4f45-9708-019B960494DF}">
-                <a14:hiddenLine xmlns:a14="http://schemas.microsoft.com/office/drawing/2010/main" xmlns:p14="http://schemas.microsoft.com/office/powerpoint/2010/main" xmlns:a16="http://schemas.microsoft.com/office/drawing/2014/main" xmlns="" w="9525">
+                <a14:hiddenLine xmlns="" xmlns:a16="http://schemas.microsoft.com/office/drawing/2014/main" xmlns:p14="http://schemas.microsoft.com/office/powerpoint/2010/main" xmlns:a14="http://schemas.microsoft.com/office/drawing/2010/main" w="9525">
                   <a:solidFill>
                     <a:srgbClr val="000000"/>
                   </a:solidFill>
@@ -22709,7 +22773,7 @@
             </a:ln>
             <a:extLst>
               <a:ext uri="{91240B29-F687-4f45-9708-019B960494DF}">
-                <a14:hiddenLine xmlns:a14="http://schemas.microsoft.com/office/drawing/2010/main" xmlns:p14="http://schemas.microsoft.com/office/powerpoint/2010/main" xmlns:a16="http://schemas.microsoft.com/office/drawing/2014/main" xmlns="" w="9525">
+                <a14:hiddenLine xmlns="" xmlns:a16="http://schemas.microsoft.com/office/drawing/2014/main" xmlns:p14="http://schemas.microsoft.com/office/powerpoint/2010/main" xmlns:a14="http://schemas.microsoft.com/office/drawing/2010/main" w="9525">
                   <a:solidFill>
                     <a:srgbClr val="000000"/>
                   </a:solidFill>
@@ -22786,7 +22850,7 @@
             </a:ln>
             <a:extLst>
               <a:ext uri="{91240B29-F687-4f45-9708-019B960494DF}">
-                <a14:hiddenLine xmlns:a14="http://schemas.microsoft.com/office/drawing/2010/main" xmlns:p14="http://schemas.microsoft.com/office/powerpoint/2010/main" xmlns:a16="http://schemas.microsoft.com/office/drawing/2014/main" xmlns="" w="9525">
+                <a14:hiddenLine xmlns="" xmlns:a16="http://schemas.microsoft.com/office/drawing/2014/main" xmlns:p14="http://schemas.microsoft.com/office/powerpoint/2010/main" xmlns:a14="http://schemas.microsoft.com/office/drawing/2010/main" w="9525">
                   <a:solidFill>
                     <a:srgbClr val="000000"/>
                   </a:solidFill>
@@ -22891,7 +22955,7 @@
             </a:ln>
             <a:extLst>
               <a:ext uri="{91240B29-F687-4f45-9708-019B960494DF}">
-                <a14:hiddenLine xmlns:a14="http://schemas.microsoft.com/office/drawing/2010/main" xmlns:p14="http://schemas.microsoft.com/office/powerpoint/2010/main" xmlns:a16="http://schemas.microsoft.com/office/drawing/2014/main" xmlns="" w="9525">
+                <a14:hiddenLine xmlns="" xmlns:a16="http://schemas.microsoft.com/office/drawing/2014/main" xmlns:p14="http://schemas.microsoft.com/office/powerpoint/2010/main" xmlns:a14="http://schemas.microsoft.com/office/drawing/2010/main" w="9525">
                   <a:solidFill>
                     <a:srgbClr val="000000"/>
                   </a:solidFill>
@@ -22940,7 +23004,7 @@
             </a:ln>
             <a:extLst>
               <a:ext uri="{91240B29-F687-4f45-9708-019B960494DF}">
-                <a14:hiddenLine xmlns:a14="http://schemas.microsoft.com/office/drawing/2010/main" xmlns:p14="http://schemas.microsoft.com/office/powerpoint/2010/main" xmlns:a16="http://schemas.microsoft.com/office/drawing/2014/main" xmlns="" w="9525">
+                <a14:hiddenLine xmlns="" xmlns:a16="http://schemas.microsoft.com/office/drawing/2014/main" xmlns:p14="http://schemas.microsoft.com/office/powerpoint/2010/main" xmlns:a14="http://schemas.microsoft.com/office/drawing/2010/main" w="9525">
                   <a:solidFill>
                     <a:srgbClr val="000000"/>
                   </a:solidFill>
@@ -23020,7 +23084,7 @@
             </a:ln>
             <a:extLst>
               <a:ext uri="{91240B29-F687-4f45-9708-019B960494DF}">
-                <a14:hiddenLine xmlns:a14="http://schemas.microsoft.com/office/drawing/2010/main" xmlns:p14="http://schemas.microsoft.com/office/powerpoint/2010/main" xmlns:a16="http://schemas.microsoft.com/office/drawing/2014/main" xmlns="" w="9525">
+                <a14:hiddenLine xmlns="" xmlns:a16="http://schemas.microsoft.com/office/drawing/2014/main" xmlns:p14="http://schemas.microsoft.com/office/powerpoint/2010/main" xmlns:a14="http://schemas.microsoft.com/office/drawing/2010/main" w="9525">
                   <a:solidFill>
                     <a:srgbClr val="000000"/>
                   </a:solidFill>
@@ -23125,7 +23189,7 @@
             </a:ln>
             <a:extLst>
               <a:ext uri="{91240B29-F687-4f45-9708-019B960494DF}">
-                <a14:hiddenLine xmlns:a14="http://schemas.microsoft.com/office/drawing/2010/main" xmlns:p14="http://schemas.microsoft.com/office/powerpoint/2010/main" xmlns:a16="http://schemas.microsoft.com/office/drawing/2014/main" xmlns="" w="9525">
+                <a14:hiddenLine xmlns="" xmlns:a16="http://schemas.microsoft.com/office/drawing/2014/main" xmlns:p14="http://schemas.microsoft.com/office/powerpoint/2010/main" xmlns:a14="http://schemas.microsoft.com/office/drawing/2010/main" w="9525">
                   <a:solidFill>
                     <a:srgbClr val="000000"/>
                   </a:solidFill>
@@ -23202,7 +23266,7 @@
             </a:ln>
             <a:extLst>
               <a:ext uri="{91240B29-F687-4f45-9708-019B960494DF}">
-                <a14:hiddenLine xmlns:a14="http://schemas.microsoft.com/office/drawing/2010/main" xmlns:p14="http://schemas.microsoft.com/office/powerpoint/2010/main" xmlns:a16="http://schemas.microsoft.com/office/drawing/2014/main" xmlns="" w="9525">
+                <a14:hiddenLine xmlns="" xmlns:a16="http://schemas.microsoft.com/office/drawing/2014/main" xmlns:p14="http://schemas.microsoft.com/office/powerpoint/2010/main" xmlns:a14="http://schemas.microsoft.com/office/drawing/2010/main" w="9525">
                   <a:solidFill>
                     <a:srgbClr val="000000"/>
                   </a:solidFill>
@@ -23307,7 +23371,7 @@
             </a:ln>
             <a:extLst>
               <a:ext uri="{91240B29-F687-4f45-9708-019B960494DF}">
-                <a14:hiddenLine xmlns:a14="http://schemas.microsoft.com/office/drawing/2010/main" xmlns:p14="http://schemas.microsoft.com/office/powerpoint/2010/main" xmlns:a16="http://schemas.microsoft.com/office/drawing/2014/main" xmlns="" w="9525">
+                <a14:hiddenLine xmlns="" xmlns:a16="http://schemas.microsoft.com/office/drawing/2014/main" xmlns:p14="http://schemas.microsoft.com/office/powerpoint/2010/main" xmlns:a14="http://schemas.microsoft.com/office/drawing/2010/main" w="9525">
                   <a:solidFill>
                     <a:srgbClr val="000000"/>
                   </a:solidFill>
@@ -23412,7 +23476,7 @@
             </a:ln>
             <a:extLst>
               <a:ext uri="{91240B29-F687-4f45-9708-019B960494DF}">
-                <a14:hiddenLine xmlns:a14="http://schemas.microsoft.com/office/drawing/2010/main" xmlns:p14="http://schemas.microsoft.com/office/powerpoint/2010/main" xmlns:a16="http://schemas.microsoft.com/office/drawing/2014/main" xmlns="" w="9525">
+                <a14:hiddenLine xmlns="" xmlns:a16="http://schemas.microsoft.com/office/drawing/2014/main" xmlns:p14="http://schemas.microsoft.com/office/powerpoint/2010/main" xmlns:a14="http://schemas.microsoft.com/office/drawing/2010/main" w="9525">
                   <a:solidFill>
                     <a:srgbClr val="000000"/>
                   </a:solidFill>
@@ -23492,7 +23556,7 @@
             </a:ln>
             <a:extLst>
               <a:ext uri="{91240B29-F687-4f45-9708-019B960494DF}">
-                <a14:hiddenLine xmlns:a14="http://schemas.microsoft.com/office/drawing/2010/main" xmlns:p14="http://schemas.microsoft.com/office/powerpoint/2010/main" xmlns:a16="http://schemas.microsoft.com/office/drawing/2014/main" xmlns="" w="9525">
+                <a14:hiddenLine xmlns="" xmlns:a16="http://schemas.microsoft.com/office/drawing/2014/main" xmlns:p14="http://schemas.microsoft.com/office/powerpoint/2010/main" xmlns:a14="http://schemas.microsoft.com/office/drawing/2010/main" w="9525">
                   <a:solidFill>
                     <a:srgbClr val="000000"/>
                   </a:solidFill>
@@ -23569,7 +23633,7 @@
             </a:ln>
             <a:extLst>
               <a:ext uri="{91240B29-F687-4f45-9708-019B960494DF}">
-                <a14:hiddenLine xmlns:a14="http://schemas.microsoft.com/office/drawing/2010/main" xmlns:p14="http://schemas.microsoft.com/office/powerpoint/2010/main" xmlns:a16="http://schemas.microsoft.com/office/drawing/2014/main" xmlns="" w="9525">
+                <a14:hiddenLine xmlns="" xmlns:a16="http://schemas.microsoft.com/office/drawing/2014/main" xmlns:p14="http://schemas.microsoft.com/office/powerpoint/2010/main" xmlns:a14="http://schemas.microsoft.com/office/drawing/2010/main" w="9525">
                   <a:solidFill>
                     <a:srgbClr val="000000"/>
                   </a:solidFill>
@@ -23674,7 +23738,7 @@
             </a:ln>
             <a:extLst>
               <a:ext uri="{91240B29-F687-4f45-9708-019B960494DF}">
-                <a14:hiddenLine xmlns:a14="http://schemas.microsoft.com/office/drawing/2010/main" xmlns:p14="http://schemas.microsoft.com/office/powerpoint/2010/main" xmlns:a16="http://schemas.microsoft.com/office/drawing/2014/main" xmlns="" w="9525">
+                <a14:hiddenLine xmlns="" xmlns:a16="http://schemas.microsoft.com/office/drawing/2014/main" xmlns:p14="http://schemas.microsoft.com/office/powerpoint/2010/main" xmlns:a14="http://schemas.microsoft.com/office/drawing/2010/main" w="9525">
                   <a:solidFill>
                     <a:srgbClr val="000000"/>
                   </a:solidFill>
@@ -23779,7 +23843,7 @@
             </a:ln>
             <a:extLst>
               <a:ext uri="{91240B29-F687-4f45-9708-019B960494DF}">
-                <a14:hiddenLine xmlns:a14="http://schemas.microsoft.com/office/drawing/2010/main" xmlns:p14="http://schemas.microsoft.com/office/powerpoint/2010/main" xmlns:a16="http://schemas.microsoft.com/office/drawing/2014/main" xmlns="" w="9525">
+                <a14:hiddenLine xmlns="" xmlns:a16="http://schemas.microsoft.com/office/drawing/2014/main" xmlns:p14="http://schemas.microsoft.com/office/powerpoint/2010/main" xmlns:a14="http://schemas.microsoft.com/office/drawing/2010/main" w="9525">
                   <a:solidFill>
                     <a:srgbClr val="000000"/>
                   </a:solidFill>
@@ -23856,7 +23920,7 @@
             </a:ln>
             <a:extLst>
               <a:ext uri="{91240B29-F687-4f45-9708-019B960494DF}">
-                <a14:hiddenLine xmlns:a14="http://schemas.microsoft.com/office/drawing/2010/main" xmlns:p14="http://schemas.microsoft.com/office/powerpoint/2010/main" xmlns:a16="http://schemas.microsoft.com/office/drawing/2014/main" xmlns="" w="9525">
+                <a14:hiddenLine xmlns="" xmlns:a16="http://schemas.microsoft.com/office/drawing/2014/main" xmlns:p14="http://schemas.microsoft.com/office/powerpoint/2010/main" xmlns:a14="http://schemas.microsoft.com/office/drawing/2010/main" w="9525">
                   <a:solidFill>
                     <a:srgbClr val="000000"/>
                   </a:solidFill>
@@ -23991,7 +24055,7 @@
             </a:ln>
             <a:extLst>
               <a:ext uri="{91240B29-F687-4f45-9708-019B960494DF}">
-                <a14:hiddenLine xmlns:a14="http://schemas.microsoft.com/office/drawing/2010/main" xmlns:p14="http://schemas.microsoft.com/office/powerpoint/2010/main" xmlns:a16="http://schemas.microsoft.com/office/drawing/2014/main" xmlns="" w="9525">
+                <a14:hiddenLine xmlns="" xmlns:a16="http://schemas.microsoft.com/office/drawing/2014/main" xmlns:p14="http://schemas.microsoft.com/office/powerpoint/2010/main" xmlns:a14="http://schemas.microsoft.com/office/drawing/2010/main" w="9525">
                   <a:solidFill>
                     <a:srgbClr val="000000"/>
                   </a:solidFill>
@@ -24074,7 +24138,7 @@
             </a:ln>
             <a:extLst>
               <a:ext uri="{91240B29-F687-4f45-9708-019B960494DF}">
-                <a14:hiddenLine xmlns:a14="http://schemas.microsoft.com/office/drawing/2010/main" xmlns:p14="http://schemas.microsoft.com/office/powerpoint/2010/main" xmlns:a16="http://schemas.microsoft.com/office/drawing/2014/main" xmlns="" w="9525">
+                <a14:hiddenLine xmlns="" xmlns:a16="http://schemas.microsoft.com/office/drawing/2014/main" xmlns:p14="http://schemas.microsoft.com/office/powerpoint/2010/main" xmlns:a14="http://schemas.microsoft.com/office/drawing/2010/main" w="9525">
                   <a:solidFill>
                     <a:srgbClr val="000000"/>
                   </a:solidFill>
@@ -24179,7 +24243,7 @@
             </a:ln>
             <a:extLst>
               <a:ext uri="{91240B29-F687-4f45-9708-019B960494DF}">
-                <a14:hiddenLine xmlns:a14="http://schemas.microsoft.com/office/drawing/2010/main" xmlns:p14="http://schemas.microsoft.com/office/powerpoint/2010/main" xmlns:a16="http://schemas.microsoft.com/office/drawing/2014/main" xmlns="" w="9525">
+                <a14:hiddenLine xmlns="" xmlns:a16="http://schemas.microsoft.com/office/drawing/2014/main" xmlns:p14="http://schemas.microsoft.com/office/powerpoint/2010/main" xmlns:a14="http://schemas.microsoft.com/office/drawing/2010/main" w="9525">
                   <a:solidFill>
                     <a:srgbClr val="000000"/>
                   </a:solidFill>

--- a/doc/Presentación_mitad_de_curso_JuanEspinosayNachoRodriguez.pptx
+++ b/doc/Presentación_mitad_de_curso_JuanEspinosayNachoRodriguez.pptx
@@ -1449,7 +1449,7 @@
           <a:noFill/>
           <a:extLst>
             <a:ext uri="{909E8E84-426E-40dd-AFC4-6F175D3DCCD1}">
-              <a14:hiddenFill xmlns="" xmlns:a14="http://schemas.microsoft.com/office/drawing/2010/main">
+              <a14:hiddenFill xmlns:a14="http://schemas.microsoft.com/office/drawing/2010/main" xmlns="">
                 <a:solidFill>
                   <a:srgbClr val="FFFFFF"/>
                 </a:solidFill>
@@ -1508,7 +1508,7 @@
             </a:ln>
             <a:extLst>
               <a:ext uri="{91240B29-F687-4f45-9708-019B960494DF}">
-                <a14:hiddenLine xmlns="" xmlns:a14="http://schemas.microsoft.com/office/drawing/2010/main" w="9525">
+                <a14:hiddenLine xmlns:a14="http://schemas.microsoft.com/office/drawing/2010/main" xmlns="" w="9525">
                   <a:solidFill>
                     <a:srgbClr val="000000"/>
                   </a:solidFill>
@@ -1598,7 +1598,7 @@
             </a:ln>
             <a:extLst>
               <a:ext uri="{91240B29-F687-4f45-9708-019B960494DF}">
-                <a14:hiddenLine xmlns="" xmlns:a14="http://schemas.microsoft.com/office/drawing/2010/main" w="9525">
+                <a14:hiddenLine xmlns:a14="http://schemas.microsoft.com/office/drawing/2010/main" xmlns="" w="9525">
                   <a:solidFill>
                     <a:srgbClr val="000000"/>
                   </a:solidFill>
@@ -1688,7 +1688,7 @@
             </a:ln>
             <a:extLst>
               <a:ext uri="{91240B29-F687-4f45-9708-019B960494DF}">
-                <a14:hiddenLine xmlns="" xmlns:a14="http://schemas.microsoft.com/office/drawing/2010/main" w="9525">
+                <a14:hiddenLine xmlns:a14="http://schemas.microsoft.com/office/drawing/2010/main" xmlns="" w="9525">
                   <a:solidFill>
                     <a:srgbClr val="000000"/>
                   </a:solidFill>
@@ -1722,7 +1722,7 @@
             </a:ln>
             <a:extLst>
               <a:ext uri="{91240B29-F687-4f45-9708-019B960494DF}">
-                <a14:hiddenLine xmlns="" xmlns:a14="http://schemas.microsoft.com/office/drawing/2010/main" w="9525">
+                <a14:hiddenLine xmlns:a14="http://schemas.microsoft.com/office/drawing/2010/main" xmlns="" w="9525">
                   <a:solidFill>
                     <a:srgbClr val="000000"/>
                   </a:solidFill>
@@ -1812,7 +1812,7 @@
             </a:ln>
             <a:extLst>
               <a:ext uri="{91240B29-F687-4f45-9708-019B960494DF}">
-                <a14:hiddenLine xmlns="" xmlns:a14="http://schemas.microsoft.com/office/drawing/2010/main" w="9525">
+                <a14:hiddenLine xmlns:a14="http://schemas.microsoft.com/office/drawing/2010/main" xmlns="" w="9525">
                   <a:solidFill>
                     <a:srgbClr val="000000"/>
                   </a:solidFill>
@@ -1874,7 +1874,7 @@
             </a:ln>
             <a:extLst>
               <a:ext uri="{91240B29-F687-4f45-9708-019B960494DF}">
-                <a14:hiddenLine xmlns="" xmlns:a14="http://schemas.microsoft.com/office/drawing/2010/main" w="9525">
+                <a14:hiddenLine xmlns:a14="http://schemas.microsoft.com/office/drawing/2010/main" xmlns="" w="9525">
                   <a:solidFill>
                     <a:srgbClr val="000000"/>
                   </a:solidFill>
@@ -1936,7 +1936,7 @@
             </a:ln>
             <a:extLst>
               <a:ext uri="{91240B29-F687-4f45-9708-019B960494DF}">
-                <a14:hiddenLine xmlns="" xmlns:a14="http://schemas.microsoft.com/office/drawing/2010/main" w="9525">
+                <a14:hiddenLine xmlns:a14="http://schemas.microsoft.com/office/drawing/2010/main" xmlns="" w="9525">
                   <a:solidFill>
                     <a:srgbClr val="000000"/>
                   </a:solidFill>
@@ -2026,7 +2026,7 @@
             </a:ln>
             <a:extLst>
               <a:ext uri="{91240B29-F687-4f45-9708-019B960494DF}">
-                <a14:hiddenLine xmlns="" xmlns:a14="http://schemas.microsoft.com/office/drawing/2010/main" w="9525">
+                <a14:hiddenLine xmlns:a14="http://schemas.microsoft.com/office/drawing/2010/main" xmlns="" w="9525">
                   <a:solidFill>
                     <a:srgbClr val="000000"/>
                   </a:solidFill>
@@ -2088,7 +2088,7 @@
             </a:ln>
             <a:extLst>
               <a:ext uri="{91240B29-F687-4f45-9708-019B960494DF}">
-                <a14:hiddenLine xmlns="" xmlns:a14="http://schemas.microsoft.com/office/drawing/2010/main" w="9525">
+                <a14:hiddenLine xmlns:a14="http://schemas.microsoft.com/office/drawing/2010/main" xmlns="" w="9525">
                   <a:solidFill>
                     <a:srgbClr val="000000"/>
                   </a:solidFill>
@@ -2150,7 +2150,7 @@
             </a:ln>
             <a:extLst>
               <a:ext uri="{91240B29-F687-4f45-9708-019B960494DF}">
-                <a14:hiddenLine xmlns="" xmlns:a14="http://schemas.microsoft.com/office/drawing/2010/main" w="9525">
+                <a14:hiddenLine xmlns:a14="http://schemas.microsoft.com/office/drawing/2010/main" xmlns="" w="9525">
                   <a:solidFill>
                     <a:srgbClr val="000000"/>
                   </a:solidFill>
@@ -2240,7 +2240,7 @@
             </a:ln>
             <a:extLst>
               <a:ext uri="{91240B29-F687-4f45-9708-019B960494DF}">
-                <a14:hiddenLine xmlns="" xmlns:a14="http://schemas.microsoft.com/office/drawing/2010/main" w="9525">
+                <a14:hiddenLine xmlns:a14="http://schemas.microsoft.com/office/drawing/2010/main" xmlns="" w="9525">
                   <a:solidFill>
                     <a:srgbClr val="000000"/>
                   </a:solidFill>
@@ -2330,7 +2330,7 @@
             </a:ln>
             <a:extLst>
               <a:ext uri="{91240B29-F687-4f45-9708-019B960494DF}">
-                <a14:hiddenLine xmlns="" xmlns:a14="http://schemas.microsoft.com/office/drawing/2010/main" w="9525">
+                <a14:hiddenLine xmlns:a14="http://schemas.microsoft.com/office/drawing/2010/main" xmlns="" w="9525">
                   <a:solidFill>
                     <a:srgbClr val="000000"/>
                   </a:solidFill>
@@ -2392,7 +2392,7 @@
             </a:ln>
             <a:extLst>
               <a:ext uri="{91240B29-F687-4f45-9708-019B960494DF}">
-                <a14:hiddenLine xmlns="" xmlns:a14="http://schemas.microsoft.com/office/drawing/2010/main" w="9525">
+                <a14:hiddenLine xmlns:a14="http://schemas.microsoft.com/office/drawing/2010/main" xmlns="" w="9525">
                   <a:solidFill>
                     <a:srgbClr val="000000"/>
                   </a:solidFill>
@@ -2502,7 +2502,7 @@
             </a:ln>
             <a:extLst>
               <a:ext uri="{91240B29-F687-4f45-9708-019B960494DF}">
-                <a14:hiddenLine xmlns="" xmlns:a14="http://schemas.microsoft.com/office/drawing/2010/main" w="9525">
+                <a14:hiddenLine xmlns:a14="http://schemas.microsoft.com/office/drawing/2010/main" xmlns="" w="9525">
                   <a:solidFill>
                     <a:srgbClr val="000000"/>
                   </a:solidFill>
@@ -2564,7 +2564,7 @@
             </a:ln>
             <a:extLst>
               <a:ext uri="{91240B29-F687-4f45-9708-019B960494DF}">
-                <a14:hiddenLine xmlns="" xmlns:a14="http://schemas.microsoft.com/office/drawing/2010/main" w="9525">
+                <a14:hiddenLine xmlns:a14="http://schemas.microsoft.com/office/drawing/2010/main" xmlns="" w="9525">
                   <a:solidFill>
                     <a:srgbClr val="000000"/>
                   </a:solidFill>
@@ -2654,7 +2654,7 @@
             </a:ln>
             <a:extLst>
               <a:ext uri="{91240B29-F687-4f45-9708-019B960494DF}">
-                <a14:hiddenLine xmlns="" xmlns:a14="http://schemas.microsoft.com/office/drawing/2010/main" w="9525">
+                <a14:hiddenLine xmlns:a14="http://schemas.microsoft.com/office/drawing/2010/main" xmlns="" w="9525">
                   <a:solidFill>
                     <a:srgbClr val="000000"/>
                   </a:solidFill>
@@ -2744,7 +2744,7 @@
             </a:ln>
             <a:extLst>
               <a:ext uri="{91240B29-F687-4f45-9708-019B960494DF}">
-                <a14:hiddenLine xmlns="" xmlns:a14="http://schemas.microsoft.com/office/drawing/2010/main" w="9525">
+                <a14:hiddenLine xmlns:a14="http://schemas.microsoft.com/office/drawing/2010/main" xmlns="" w="9525">
                   <a:solidFill>
                     <a:srgbClr val="000000"/>
                   </a:solidFill>
@@ -2806,7 +2806,7 @@
             </a:ln>
             <a:extLst>
               <a:ext uri="{91240B29-F687-4f45-9708-019B960494DF}">
-                <a14:hiddenLine xmlns="" xmlns:a14="http://schemas.microsoft.com/office/drawing/2010/main" w="9525">
+                <a14:hiddenLine xmlns:a14="http://schemas.microsoft.com/office/drawing/2010/main" xmlns="" w="9525">
                   <a:solidFill>
                     <a:srgbClr val="000000"/>
                   </a:solidFill>
@@ -2896,7 +2896,7 @@
             </a:ln>
             <a:extLst>
               <a:ext uri="{91240B29-F687-4f45-9708-019B960494DF}">
-                <a14:hiddenLine xmlns="" xmlns:a14="http://schemas.microsoft.com/office/drawing/2010/main" w="9525">
+                <a14:hiddenLine xmlns:a14="http://schemas.microsoft.com/office/drawing/2010/main" xmlns="" w="9525">
                   <a:solidFill>
                     <a:srgbClr val="000000"/>
                   </a:solidFill>
@@ -2986,7 +2986,7 @@
             </a:ln>
             <a:extLst>
               <a:ext uri="{91240B29-F687-4f45-9708-019B960494DF}">
-                <a14:hiddenLine xmlns="" xmlns:a14="http://schemas.microsoft.com/office/drawing/2010/main" w="9525">
+                <a14:hiddenLine xmlns:a14="http://schemas.microsoft.com/office/drawing/2010/main" xmlns="" w="9525">
                   <a:solidFill>
                     <a:srgbClr val="000000"/>
                   </a:solidFill>
@@ -3042,7 +3042,7 @@
             </a:ln>
             <a:extLst>
               <a:ext uri="{91240B29-F687-4f45-9708-019B960494DF}">
-                <a14:hiddenLine xmlns="" xmlns:a14="http://schemas.microsoft.com/office/drawing/2010/main" w="9525">
+                <a14:hiddenLine xmlns:a14="http://schemas.microsoft.com/office/drawing/2010/main" xmlns="" w="9525">
                   <a:solidFill>
                     <a:srgbClr val="000000"/>
                   </a:solidFill>
@@ -3132,7 +3132,7 @@
             </a:ln>
             <a:extLst>
               <a:ext uri="{91240B29-F687-4f45-9708-019B960494DF}">
-                <a14:hiddenLine xmlns="" xmlns:a14="http://schemas.microsoft.com/office/drawing/2010/main" w="9525">
+                <a14:hiddenLine xmlns:a14="http://schemas.microsoft.com/office/drawing/2010/main" xmlns="" w="9525">
                   <a:solidFill>
                     <a:srgbClr val="000000"/>
                   </a:solidFill>
@@ -3188,7 +3188,7 @@
             </a:ln>
             <a:extLst>
               <a:ext uri="{91240B29-F687-4f45-9708-019B960494DF}">
-                <a14:hiddenLine xmlns="" xmlns:a14="http://schemas.microsoft.com/office/drawing/2010/main" w="9525">
+                <a14:hiddenLine xmlns:a14="http://schemas.microsoft.com/office/drawing/2010/main" xmlns="" w="9525">
                   <a:solidFill>
                     <a:srgbClr val="000000"/>
                   </a:solidFill>
@@ -3278,7 +3278,7 @@
             </a:ln>
             <a:extLst>
               <a:ext uri="{91240B29-F687-4f45-9708-019B960494DF}">
-                <a14:hiddenLine xmlns="" xmlns:a14="http://schemas.microsoft.com/office/drawing/2010/main" w="9525">
+                <a14:hiddenLine xmlns:a14="http://schemas.microsoft.com/office/drawing/2010/main" xmlns="" w="9525">
                   <a:solidFill>
                     <a:srgbClr val="000000"/>
                   </a:solidFill>
@@ -3346,7 +3346,7 @@
             </a:ln>
             <a:extLst>
               <a:ext uri="{91240B29-F687-4f45-9708-019B960494DF}">
-                <a14:hiddenLine xmlns="" xmlns:a14="http://schemas.microsoft.com/office/drawing/2010/main" w="9525">
+                <a14:hiddenLine xmlns:a14="http://schemas.microsoft.com/office/drawing/2010/main" xmlns="" w="9525">
                   <a:solidFill>
                     <a:srgbClr val="000000"/>
                   </a:solidFill>
@@ -3436,7 +3436,7 @@
             </a:ln>
             <a:extLst>
               <a:ext uri="{91240B29-F687-4f45-9708-019B960494DF}">
-                <a14:hiddenLine xmlns="" xmlns:a14="http://schemas.microsoft.com/office/drawing/2010/main" w="9525">
+                <a14:hiddenLine xmlns:a14="http://schemas.microsoft.com/office/drawing/2010/main" xmlns="" w="9525">
                   <a:solidFill>
                     <a:srgbClr val="000000"/>
                   </a:solidFill>
@@ -3504,7 +3504,7 @@
             </a:ln>
             <a:extLst>
               <a:ext uri="{91240B29-F687-4f45-9708-019B960494DF}">
-                <a14:hiddenLine xmlns="" xmlns:a14="http://schemas.microsoft.com/office/drawing/2010/main" w="9525">
+                <a14:hiddenLine xmlns:a14="http://schemas.microsoft.com/office/drawing/2010/main" xmlns="" w="9525">
                   <a:solidFill>
                     <a:srgbClr val="000000"/>
                   </a:solidFill>
@@ -3594,7 +3594,7 @@
             </a:ln>
             <a:extLst>
               <a:ext uri="{91240B29-F687-4f45-9708-019B960494DF}">
-                <a14:hiddenLine xmlns="" xmlns:a14="http://schemas.microsoft.com/office/drawing/2010/main" w="9525">
+                <a14:hiddenLine xmlns:a14="http://schemas.microsoft.com/office/drawing/2010/main" xmlns="" w="9525">
                   <a:solidFill>
                     <a:srgbClr val="000000"/>
                   </a:solidFill>
@@ -3628,7 +3628,7 @@
             </a:ln>
             <a:extLst>
               <a:ext uri="{91240B29-F687-4f45-9708-019B960494DF}">
-                <a14:hiddenLine xmlns="" xmlns:a14="http://schemas.microsoft.com/office/drawing/2010/main" w="9525">
+                <a14:hiddenLine xmlns:a14="http://schemas.microsoft.com/office/drawing/2010/main" xmlns="" w="9525">
                   <a:solidFill>
                     <a:srgbClr val="000000"/>
                   </a:solidFill>
@@ -3718,7 +3718,7 @@
             </a:ln>
             <a:extLst>
               <a:ext uri="{91240B29-F687-4f45-9708-019B960494DF}">
-                <a14:hiddenLine xmlns="" xmlns:a14="http://schemas.microsoft.com/office/drawing/2010/main" w="9525">
+                <a14:hiddenLine xmlns:a14="http://schemas.microsoft.com/office/drawing/2010/main" xmlns="" w="9525">
                   <a:solidFill>
                     <a:srgbClr val="000000"/>
                   </a:solidFill>
@@ -3780,7 +3780,7 @@
             </a:ln>
             <a:extLst>
               <a:ext uri="{91240B29-F687-4f45-9708-019B960494DF}">
-                <a14:hiddenLine xmlns="" xmlns:a14="http://schemas.microsoft.com/office/drawing/2010/main" w="9525">
+                <a14:hiddenLine xmlns:a14="http://schemas.microsoft.com/office/drawing/2010/main" xmlns="" w="9525">
                   <a:solidFill>
                     <a:srgbClr val="000000"/>
                   </a:solidFill>
@@ -3842,7 +3842,7 @@
             </a:ln>
             <a:extLst>
               <a:ext uri="{91240B29-F687-4f45-9708-019B960494DF}">
-                <a14:hiddenLine xmlns="" xmlns:a14="http://schemas.microsoft.com/office/drawing/2010/main" w="9525">
+                <a14:hiddenLine xmlns:a14="http://schemas.microsoft.com/office/drawing/2010/main" xmlns="" w="9525">
                   <a:solidFill>
                     <a:srgbClr val="000000"/>
                   </a:solidFill>
@@ -3932,7 +3932,7 @@
             </a:ln>
             <a:extLst>
               <a:ext uri="{91240B29-F687-4f45-9708-019B960494DF}">
-                <a14:hiddenLine xmlns="" xmlns:a14="http://schemas.microsoft.com/office/drawing/2010/main" w="9525">
+                <a14:hiddenLine xmlns:a14="http://schemas.microsoft.com/office/drawing/2010/main" xmlns="" w="9525">
                   <a:solidFill>
                     <a:srgbClr val="000000"/>
                   </a:solidFill>
@@ -4000,7 +4000,7 @@
             </a:ln>
             <a:extLst>
               <a:ext uri="{91240B29-F687-4f45-9708-019B960494DF}">
-                <a14:hiddenLine xmlns="" xmlns:a14="http://schemas.microsoft.com/office/drawing/2010/main" w="9525">
+                <a14:hiddenLine xmlns:a14="http://schemas.microsoft.com/office/drawing/2010/main" xmlns="" w="9525">
                   <a:solidFill>
                     <a:srgbClr val="000000"/>
                   </a:solidFill>
@@ -4062,7 +4062,7 @@
             </a:ln>
             <a:extLst>
               <a:ext uri="{91240B29-F687-4f45-9708-019B960494DF}">
-                <a14:hiddenLine xmlns="" xmlns:a14="http://schemas.microsoft.com/office/drawing/2010/main" w="9525">
+                <a14:hiddenLine xmlns:a14="http://schemas.microsoft.com/office/drawing/2010/main" xmlns="" w="9525">
                   <a:solidFill>
                     <a:srgbClr val="000000"/>
                   </a:solidFill>
@@ -4152,7 +4152,7 @@
             </a:ln>
             <a:extLst>
               <a:ext uri="{91240B29-F687-4f45-9708-019B960494DF}">
-                <a14:hiddenLine xmlns="" xmlns:a14="http://schemas.microsoft.com/office/drawing/2010/main" w="9525">
+                <a14:hiddenLine xmlns:a14="http://schemas.microsoft.com/office/drawing/2010/main" xmlns="" w="9525">
                   <a:solidFill>
                     <a:srgbClr val="000000"/>
                   </a:solidFill>
@@ -4214,7 +4214,7 @@
             </a:ln>
             <a:extLst>
               <a:ext uri="{91240B29-F687-4f45-9708-019B960494DF}">
-                <a14:hiddenLine xmlns="" xmlns:a14="http://schemas.microsoft.com/office/drawing/2010/main" w="9525">
+                <a14:hiddenLine xmlns:a14="http://schemas.microsoft.com/office/drawing/2010/main" xmlns="" w="9525">
                   <a:solidFill>
                     <a:srgbClr val="000000"/>
                   </a:solidFill>
@@ -4304,7 +4304,7 @@
             </a:ln>
             <a:extLst>
               <a:ext uri="{91240B29-F687-4f45-9708-019B960494DF}">
-                <a14:hiddenLine xmlns="" xmlns:a14="http://schemas.microsoft.com/office/drawing/2010/main" w="9525">
+                <a14:hiddenLine xmlns:a14="http://schemas.microsoft.com/office/drawing/2010/main" xmlns="" w="9525">
                   <a:solidFill>
                     <a:srgbClr val="000000"/>
                   </a:solidFill>
@@ -4366,7 +4366,7 @@
             </a:ln>
             <a:extLst>
               <a:ext uri="{91240B29-F687-4f45-9708-019B960494DF}">
-                <a14:hiddenLine xmlns="" xmlns:a14="http://schemas.microsoft.com/office/drawing/2010/main" w="9525">
+                <a14:hiddenLine xmlns:a14="http://schemas.microsoft.com/office/drawing/2010/main" xmlns="" w="9525">
                   <a:solidFill>
                     <a:srgbClr val="000000"/>
                   </a:solidFill>
@@ -4456,7 +4456,7 @@
             </a:ln>
             <a:extLst>
               <a:ext uri="{91240B29-F687-4f45-9708-019B960494DF}">
-                <a14:hiddenLine xmlns="" xmlns:a14="http://schemas.microsoft.com/office/drawing/2010/main" w="9525">
+                <a14:hiddenLine xmlns:a14="http://schemas.microsoft.com/office/drawing/2010/main" xmlns="" w="9525">
                   <a:solidFill>
                     <a:srgbClr val="000000"/>
                   </a:solidFill>
@@ -4490,7 +4490,7 @@
             </a:ln>
             <a:extLst>
               <a:ext uri="{91240B29-F687-4f45-9708-019B960494DF}">
-                <a14:hiddenLine xmlns="" xmlns:a14="http://schemas.microsoft.com/office/drawing/2010/main" w="9525">
+                <a14:hiddenLine xmlns:a14="http://schemas.microsoft.com/office/drawing/2010/main" xmlns="" w="9525">
                   <a:solidFill>
                     <a:srgbClr val="000000"/>
                   </a:solidFill>
@@ -4555,7 +4555,7 @@
             </a:ln>
             <a:extLst>
               <a:ext uri="{91240B29-F687-4f45-9708-019B960494DF}">
-                <a14:hiddenLine xmlns="" xmlns:a14="http://schemas.microsoft.com/office/drawing/2010/main" w="9525">
+                <a14:hiddenLine xmlns:a14="http://schemas.microsoft.com/office/drawing/2010/main" xmlns="" w="9525">
                   <a:solidFill>
                     <a:srgbClr val="000000"/>
                   </a:solidFill>
@@ -4645,7 +4645,7 @@
             </a:ln>
             <a:extLst>
               <a:ext uri="{91240B29-F687-4f45-9708-019B960494DF}">
-                <a14:hiddenLine xmlns="" xmlns:a14="http://schemas.microsoft.com/office/drawing/2010/main" w="9525">
+                <a14:hiddenLine xmlns:a14="http://schemas.microsoft.com/office/drawing/2010/main" xmlns="" w="9525">
                   <a:solidFill>
                     <a:srgbClr val="000000"/>
                   </a:solidFill>
@@ -4707,7 +4707,7 @@
             </a:ln>
             <a:extLst>
               <a:ext uri="{91240B29-F687-4f45-9708-019B960494DF}">
-                <a14:hiddenLine xmlns="" xmlns:a14="http://schemas.microsoft.com/office/drawing/2010/main" w="9525">
+                <a14:hiddenLine xmlns:a14="http://schemas.microsoft.com/office/drawing/2010/main" xmlns="" w="9525">
                   <a:solidFill>
                     <a:srgbClr val="000000"/>
                   </a:solidFill>
@@ -4797,7 +4797,7 @@
             </a:ln>
             <a:extLst>
               <a:ext uri="{91240B29-F687-4f45-9708-019B960494DF}">
-                <a14:hiddenLine xmlns="" xmlns:a14="http://schemas.microsoft.com/office/drawing/2010/main" w="9525">
+                <a14:hiddenLine xmlns:a14="http://schemas.microsoft.com/office/drawing/2010/main" xmlns="" w="9525">
                   <a:solidFill>
                     <a:srgbClr val="000000"/>
                   </a:solidFill>
@@ -4887,7 +4887,7 @@
             </a:ln>
             <a:extLst>
               <a:ext uri="{91240B29-F687-4f45-9708-019B960494DF}">
-                <a14:hiddenLine xmlns="" xmlns:a14="http://schemas.microsoft.com/office/drawing/2010/main" w="9525">
+                <a14:hiddenLine xmlns:a14="http://schemas.microsoft.com/office/drawing/2010/main" xmlns="" w="9525">
                   <a:solidFill>
                     <a:srgbClr val="000000"/>
                   </a:solidFill>
@@ -4952,7 +4952,7 @@
             </a:ln>
             <a:extLst>
               <a:ext uri="{91240B29-F687-4f45-9708-019B960494DF}">
-                <a14:hiddenLine xmlns="" xmlns:a14="http://schemas.microsoft.com/office/drawing/2010/main" w="9525">
+                <a14:hiddenLine xmlns:a14="http://schemas.microsoft.com/office/drawing/2010/main" xmlns="" w="9525">
                   <a:solidFill>
                     <a:srgbClr val="000000"/>
                   </a:solidFill>
@@ -5014,7 +5014,7 @@
             </a:ln>
             <a:extLst>
               <a:ext uri="{91240B29-F687-4f45-9708-019B960494DF}">
-                <a14:hiddenLine xmlns="" xmlns:a14="http://schemas.microsoft.com/office/drawing/2010/main" w="9525">
+                <a14:hiddenLine xmlns:a14="http://schemas.microsoft.com/office/drawing/2010/main" xmlns="" w="9525">
                   <a:solidFill>
                     <a:srgbClr val="000000"/>
                   </a:solidFill>
@@ -5104,7 +5104,7 @@
             </a:ln>
             <a:extLst>
               <a:ext uri="{91240B29-F687-4f45-9708-019B960494DF}">
-                <a14:hiddenLine xmlns="" xmlns:a14="http://schemas.microsoft.com/office/drawing/2010/main" w="9525">
+                <a14:hiddenLine xmlns:a14="http://schemas.microsoft.com/office/drawing/2010/main" xmlns="" w="9525">
                   <a:solidFill>
                     <a:srgbClr val="000000"/>
                   </a:solidFill>
@@ -5194,7 +5194,7 @@
             </a:ln>
             <a:extLst>
               <a:ext uri="{91240B29-F687-4f45-9708-019B960494DF}">
-                <a14:hiddenLine xmlns="" xmlns:a14="http://schemas.microsoft.com/office/drawing/2010/main" w="9525">
+                <a14:hiddenLine xmlns:a14="http://schemas.microsoft.com/office/drawing/2010/main" xmlns="" w="9525">
                   <a:solidFill>
                     <a:srgbClr val="000000"/>
                   </a:solidFill>
@@ -5256,7 +5256,7 @@
             </a:ln>
             <a:extLst>
               <a:ext uri="{91240B29-F687-4f45-9708-019B960494DF}">
-                <a14:hiddenLine xmlns="" xmlns:a14="http://schemas.microsoft.com/office/drawing/2010/main" w="9525">
+                <a14:hiddenLine xmlns:a14="http://schemas.microsoft.com/office/drawing/2010/main" xmlns="" w="9525">
                   <a:solidFill>
                     <a:srgbClr val="000000"/>
                   </a:solidFill>
@@ -5376,7 +5376,7 @@
             </a:ln>
             <a:extLst>
               <a:ext uri="{91240B29-F687-4f45-9708-019B960494DF}">
-                <a14:hiddenLine xmlns="" xmlns:a14="http://schemas.microsoft.com/office/drawing/2010/main" w="9525">
+                <a14:hiddenLine xmlns:a14="http://schemas.microsoft.com/office/drawing/2010/main" xmlns="" w="9525">
                   <a:solidFill>
                     <a:srgbClr val="000000"/>
                   </a:solidFill>
@@ -5444,7 +5444,7 @@
             </a:ln>
             <a:extLst>
               <a:ext uri="{91240B29-F687-4f45-9708-019B960494DF}">
-                <a14:hiddenLine xmlns="" xmlns:a14="http://schemas.microsoft.com/office/drawing/2010/main" w="9525">
+                <a14:hiddenLine xmlns:a14="http://schemas.microsoft.com/office/drawing/2010/main" xmlns="" w="9525">
                   <a:solidFill>
                     <a:srgbClr val="000000"/>
                   </a:solidFill>
@@ -5534,7 +5534,7 @@
             </a:ln>
             <a:extLst>
               <a:ext uri="{91240B29-F687-4f45-9708-019B960494DF}">
-                <a14:hiddenLine xmlns="" xmlns:a14="http://schemas.microsoft.com/office/drawing/2010/main" w="9525">
+                <a14:hiddenLine xmlns:a14="http://schemas.microsoft.com/office/drawing/2010/main" xmlns="" w="9525">
                   <a:solidFill>
                     <a:srgbClr val="000000"/>
                   </a:solidFill>
@@ -10263,7 +10263,7 @@
           <a:noFill/>
           <a:extLst>
             <a:ext uri="{909E8E84-426E-40dd-AFC4-6F175D3DCCD1}">
-              <a14:hiddenFill xmlns="" xmlns:a14="http://schemas.microsoft.com/office/drawing/2010/main">
+              <a14:hiddenFill xmlns:a14="http://schemas.microsoft.com/office/drawing/2010/main" xmlns="">
                 <a:solidFill>
                   <a:srgbClr val="FFFFFF"/>
                 </a:solidFill>
@@ -10337,7 +10337,7 @@
               </a:ln>
               <a:extLst>
                 <a:ext uri="{91240B29-F687-4f45-9708-019B960494DF}">
-                  <a14:hiddenLine xmlns="" xmlns:a14="http://schemas.microsoft.com/office/drawing/2010/main" w="9525">
+                  <a14:hiddenLine xmlns:a14="http://schemas.microsoft.com/office/drawing/2010/main" xmlns="" w="9525">
                     <a:solidFill>
                       <a:srgbClr val="000000"/>
                     </a:solidFill>
@@ -10427,7 +10427,7 @@
               </a:ln>
               <a:extLst>
                 <a:ext uri="{91240B29-F687-4f45-9708-019B960494DF}">
-                  <a14:hiddenLine xmlns="" xmlns:a14="http://schemas.microsoft.com/office/drawing/2010/main" w="9525">
+                  <a14:hiddenLine xmlns:a14="http://schemas.microsoft.com/office/drawing/2010/main" xmlns="" w="9525">
                     <a:solidFill>
                       <a:srgbClr val="000000"/>
                     </a:solidFill>
@@ -10517,7 +10517,7 @@
               </a:ln>
               <a:extLst>
                 <a:ext uri="{91240B29-F687-4f45-9708-019B960494DF}">
-                  <a14:hiddenLine xmlns="" xmlns:a14="http://schemas.microsoft.com/office/drawing/2010/main" w="9525">
+                  <a14:hiddenLine xmlns:a14="http://schemas.microsoft.com/office/drawing/2010/main" xmlns="" w="9525">
                     <a:solidFill>
                       <a:srgbClr val="000000"/>
                     </a:solidFill>
@@ -10579,7 +10579,7 @@
               </a:ln>
               <a:extLst>
                 <a:ext uri="{91240B29-F687-4f45-9708-019B960494DF}">
-                  <a14:hiddenLine xmlns="" xmlns:a14="http://schemas.microsoft.com/office/drawing/2010/main" w="9525">
+                  <a14:hiddenLine xmlns:a14="http://schemas.microsoft.com/office/drawing/2010/main" xmlns="" w="9525">
                     <a:solidFill>
                       <a:srgbClr val="000000"/>
                     </a:solidFill>
@@ -10669,7 +10669,7 @@
               </a:ln>
               <a:extLst>
                 <a:ext uri="{91240B29-F687-4f45-9708-019B960494DF}">
-                  <a14:hiddenLine xmlns="" xmlns:a14="http://schemas.microsoft.com/office/drawing/2010/main" w="9525">
+                  <a14:hiddenLine xmlns:a14="http://schemas.microsoft.com/office/drawing/2010/main" xmlns="" w="9525">
                     <a:solidFill>
                       <a:srgbClr val="000000"/>
                     </a:solidFill>
@@ -10731,7 +10731,7 @@
               </a:ln>
               <a:extLst>
                 <a:ext uri="{91240B29-F687-4f45-9708-019B960494DF}">
-                  <a14:hiddenLine xmlns="" xmlns:a14="http://schemas.microsoft.com/office/drawing/2010/main" w="9525">
+                  <a14:hiddenLine xmlns:a14="http://schemas.microsoft.com/office/drawing/2010/main" xmlns="" w="9525">
                     <a:solidFill>
                       <a:srgbClr val="000000"/>
                     </a:solidFill>
@@ -10793,7 +10793,7 @@
               </a:ln>
               <a:extLst>
                 <a:ext uri="{91240B29-F687-4f45-9708-019B960494DF}">
-                  <a14:hiddenLine xmlns="" xmlns:a14="http://schemas.microsoft.com/office/drawing/2010/main" w="9525">
+                  <a14:hiddenLine xmlns:a14="http://schemas.microsoft.com/office/drawing/2010/main" xmlns="" w="9525">
                     <a:solidFill>
                       <a:srgbClr val="000000"/>
                     </a:solidFill>
@@ -10883,7 +10883,7 @@
               </a:ln>
               <a:extLst>
                 <a:ext uri="{91240B29-F687-4f45-9708-019B960494DF}">
-                  <a14:hiddenLine xmlns="" xmlns:a14="http://schemas.microsoft.com/office/drawing/2010/main" w="9525">
+                  <a14:hiddenLine xmlns:a14="http://schemas.microsoft.com/office/drawing/2010/main" xmlns="" w="9525">
                     <a:solidFill>
                       <a:srgbClr val="000000"/>
                     </a:solidFill>
@@ -10973,7 +10973,7 @@
               </a:ln>
               <a:extLst>
                 <a:ext uri="{91240B29-F687-4f45-9708-019B960494DF}">
-                  <a14:hiddenLine xmlns="" xmlns:a14="http://schemas.microsoft.com/office/drawing/2010/main" w="9525">
+                  <a14:hiddenLine xmlns:a14="http://schemas.microsoft.com/office/drawing/2010/main" xmlns="" w="9525">
                     <a:solidFill>
                       <a:srgbClr val="000000"/>
                     </a:solidFill>
@@ -11035,7 +11035,7 @@
               </a:ln>
               <a:extLst>
                 <a:ext uri="{91240B29-F687-4f45-9708-019B960494DF}">
-                  <a14:hiddenLine xmlns="" xmlns:a14="http://schemas.microsoft.com/office/drawing/2010/main" w="9525">
+                  <a14:hiddenLine xmlns:a14="http://schemas.microsoft.com/office/drawing/2010/main" xmlns="" w="9525">
                     <a:solidFill>
                       <a:srgbClr val="000000"/>
                     </a:solidFill>
@@ -11145,7 +11145,7 @@
               </a:ln>
               <a:extLst>
                 <a:ext uri="{91240B29-F687-4f45-9708-019B960494DF}">
-                  <a14:hiddenLine xmlns="" xmlns:a14="http://schemas.microsoft.com/office/drawing/2010/main" w="9525">
+                  <a14:hiddenLine xmlns:a14="http://schemas.microsoft.com/office/drawing/2010/main" xmlns="" w="9525">
                     <a:solidFill>
                       <a:srgbClr val="000000"/>
                     </a:solidFill>
@@ -11229,7 +11229,7 @@
               </a:ln>
               <a:extLst>
                 <a:ext uri="{91240B29-F687-4f45-9708-019B960494DF}">
-                  <a14:hiddenLine xmlns="" xmlns:a14="http://schemas.microsoft.com/office/drawing/2010/main" w="9525">
+                  <a14:hiddenLine xmlns:a14="http://schemas.microsoft.com/office/drawing/2010/main" xmlns="" w="9525">
                     <a:solidFill>
                       <a:srgbClr val="000000"/>
                     </a:solidFill>
@@ -11291,7 +11291,7 @@
               </a:ln>
               <a:extLst>
                 <a:ext uri="{91240B29-F687-4f45-9708-019B960494DF}">
-                  <a14:hiddenLine xmlns="" xmlns:a14="http://schemas.microsoft.com/office/drawing/2010/main" w="9525">
+                  <a14:hiddenLine xmlns:a14="http://schemas.microsoft.com/office/drawing/2010/main" xmlns="" w="9525">
                     <a:solidFill>
                       <a:srgbClr val="000000"/>
                     </a:solidFill>
@@ -11353,7 +11353,7 @@
               </a:ln>
               <a:extLst>
                 <a:ext uri="{91240B29-F687-4f45-9708-019B960494DF}">
-                  <a14:hiddenLine xmlns="" xmlns:a14="http://schemas.microsoft.com/office/drawing/2010/main" w="9525">
+                  <a14:hiddenLine xmlns:a14="http://schemas.microsoft.com/office/drawing/2010/main" xmlns="" w="9525">
                     <a:solidFill>
                       <a:srgbClr val="000000"/>
                     </a:solidFill>
@@ -11443,7 +11443,7 @@
               </a:ln>
               <a:extLst>
                 <a:ext uri="{91240B29-F687-4f45-9708-019B960494DF}">
-                  <a14:hiddenLine xmlns="" xmlns:a14="http://schemas.microsoft.com/office/drawing/2010/main" w="9525">
+                  <a14:hiddenLine xmlns:a14="http://schemas.microsoft.com/office/drawing/2010/main" xmlns="" w="9525">
                     <a:solidFill>
                       <a:srgbClr val="000000"/>
                     </a:solidFill>
@@ -11477,7 +11477,7 @@
               </a:ln>
               <a:extLst>
                 <a:ext uri="{91240B29-F687-4f45-9708-019B960494DF}">
-                  <a14:hiddenLine xmlns="" xmlns:a14="http://schemas.microsoft.com/office/drawing/2010/main" w="9525">
+                  <a14:hiddenLine xmlns:a14="http://schemas.microsoft.com/office/drawing/2010/main" xmlns="" w="9525">
                     <a:solidFill>
                       <a:srgbClr val="000000"/>
                     </a:solidFill>
@@ -11542,7 +11542,7 @@
               </a:ln>
               <a:extLst>
                 <a:ext uri="{91240B29-F687-4f45-9708-019B960494DF}">
-                  <a14:hiddenLine xmlns="" xmlns:a14="http://schemas.microsoft.com/office/drawing/2010/main" w="9525">
+                  <a14:hiddenLine xmlns:a14="http://schemas.microsoft.com/office/drawing/2010/main" xmlns="" w="9525">
                     <a:solidFill>
                       <a:srgbClr val="000000"/>
                     </a:solidFill>
@@ -11632,7 +11632,7 @@
               </a:ln>
               <a:extLst>
                 <a:ext uri="{91240B29-F687-4f45-9708-019B960494DF}">
-                  <a14:hiddenLine xmlns="" xmlns:a14="http://schemas.microsoft.com/office/drawing/2010/main" w="9525">
+                  <a14:hiddenLine xmlns:a14="http://schemas.microsoft.com/office/drawing/2010/main" xmlns="" w="9525">
                     <a:solidFill>
                       <a:srgbClr val="000000"/>
                     </a:solidFill>
@@ -11694,7 +11694,7 @@
               </a:ln>
               <a:extLst>
                 <a:ext uri="{91240B29-F687-4f45-9708-019B960494DF}">
-                  <a14:hiddenLine xmlns="" xmlns:a14="http://schemas.microsoft.com/office/drawing/2010/main" w="9525">
+                  <a14:hiddenLine xmlns:a14="http://schemas.microsoft.com/office/drawing/2010/main" xmlns="" w="9525">
                     <a:solidFill>
                       <a:srgbClr val="000000"/>
                     </a:solidFill>
@@ -11784,7 +11784,7 @@
               </a:ln>
               <a:extLst>
                 <a:ext uri="{91240B29-F687-4f45-9708-019B960494DF}">
-                  <a14:hiddenLine xmlns="" xmlns:a14="http://schemas.microsoft.com/office/drawing/2010/main" w="9525">
+                  <a14:hiddenLine xmlns:a14="http://schemas.microsoft.com/office/drawing/2010/main" xmlns="" w="9525">
                     <a:solidFill>
                       <a:srgbClr val="000000"/>
                     </a:solidFill>
@@ -11849,7 +11849,7 @@
               </a:ln>
               <a:extLst>
                 <a:ext uri="{91240B29-F687-4f45-9708-019B960494DF}">
-                  <a14:hiddenLine xmlns="" xmlns:a14="http://schemas.microsoft.com/office/drawing/2010/main" w="9525">
+                  <a14:hiddenLine xmlns:a14="http://schemas.microsoft.com/office/drawing/2010/main" xmlns="" w="9525">
                     <a:solidFill>
                       <a:srgbClr val="000000"/>
                     </a:solidFill>
@@ -11911,7 +11911,7 @@
               </a:ln>
               <a:extLst>
                 <a:ext uri="{91240B29-F687-4f45-9708-019B960494DF}">
-                  <a14:hiddenLine xmlns="" xmlns:a14="http://schemas.microsoft.com/office/drawing/2010/main" w="9525">
+                  <a14:hiddenLine xmlns:a14="http://schemas.microsoft.com/office/drawing/2010/main" xmlns="" w="9525">
                     <a:solidFill>
                       <a:srgbClr val="000000"/>
                     </a:solidFill>
@@ -12001,7 +12001,7 @@
               </a:ln>
               <a:extLst>
                 <a:ext uri="{91240B29-F687-4f45-9708-019B960494DF}">
-                  <a14:hiddenLine xmlns="" xmlns:a14="http://schemas.microsoft.com/office/drawing/2010/main" w="9525">
+                  <a14:hiddenLine xmlns:a14="http://schemas.microsoft.com/office/drawing/2010/main" xmlns="" w="9525">
                     <a:solidFill>
                       <a:srgbClr val="000000"/>
                     </a:solidFill>
@@ -12091,7 +12091,7 @@
               </a:ln>
               <a:extLst>
                 <a:ext uri="{91240B29-F687-4f45-9708-019B960494DF}">
-                  <a14:hiddenLine xmlns="" xmlns:a14="http://schemas.microsoft.com/office/drawing/2010/main" w="9525">
+                  <a14:hiddenLine xmlns:a14="http://schemas.microsoft.com/office/drawing/2010/main" xmlns="" w="9525">
                     <a:solidFill>
                       <a:srgbClr val="000000"/>
                     </a:solidFill>
@@ -12156,7 +12156,7 @@
               </a:ln>
               <a:extLst>
                 <a:ext uri="{91240B29-F687-4f45-9708-019B960494DF}">
-                  <a14:hiddenLine xmlns="" xmlns:a14="http://schemas.microsoft.com/office/drawing/2010/main" w="9525">
+                  <a14:hiddenLine xmlns:a14="http://schemas.microsoft.com/office/drawing/2010/main" xmlns="" w="9525">
                     <a:solidFill>
                       <a:srgbClr val="000000"/>
                     </a:solidFill>
@@ -12276,7 +12276,7 @@
               </a:ln>
               <a:extLst>
                 <a:ext uri="{91240B29-F687-4f45-9708-019B960494DF}">
-                  <a14:hiddenLine xmlns="" xmlns:a14="http://schemas.microsoft.com/office/drawing/2010/main" w="9525">
+                  <a14:hiddenLine xmlns:a14="http://schemas.microsoft.com/office/drawing/2010/main" xmlns="" w="9525">
                     <a:solidFill>
                       <a:srgbClr val="000000"/>
                     </a:solidFill>
@@ -12357,7 +12357,7 @@
               </a:ln>
               <a:extLst>
                 <a:ext uri="{91240B29-F687-4f45-9708-019B960494DF}">
-                  <a14:hiddenLine xmlns="" xmlns:a14="http://schemas.microsoft.com/office/drawing/2010/main" w="9525">
+                  <a14:hiddenLine xmlns:a14="http://schemas.microsoft.com/office/drawing/2010/main" xmlns="" w="9525">
                     <a:solidFill>
                       <a:srgbClr val="000000"/>
                     </a:solidFill>
@@ -12472,7 +12472,7 @@
               </a:ln>
               <a:extLst>
                 <a:ext uri="{91240B29-F687-4f45-9708-019B960494DF}">
-                  <a14:hiddenLine xmlns="" xmlns:a14="http://schemas.microsoft.com/office/drawing/2010/main" w="9525">
+                  <a14:hiddenLine xmlns:a14="http://schemas.microsoft.com/office/drawing/2010/main" xmlns="" w="9525">
                     <a:solidFill>
                       <a:srgbClr val="000000"/>
                     </a:solidFill>
@@ -12562,7 +12562,7 @@
               </a:ln>
               <a:extLst>
                 <a:ext uri="{91240B29-F687-4f45-9708-019B960494DF}">
-                  <a14:hiddenLine xmlns="" xmlns:a14="http://schemas.microsoft.com/office/drawing/2010/main" w="9525">
+                  <a14:hiddenLine xmlns:a14="http://schemas.microsoft.com/office/drawing/2010/main" xmlns="" w="9525">
                     <a:solidFill>
                       <a:srgbClr val="000000"/>
                     </a:solidFill>
@@ -12627,7 +12627,7 @@
               </a:ln>
               <a:extLst>
                 <a:ext uri="{91240B29-F687-4f45-9708-019B960494DF}">
-                  <a14:hiddenLine xmlns="" xmlns:a14="http://schemas.microsoft.com/office/drawing/2010/main" w="9525">
+                  <a14:hiddenLine xmlns:a14="http://schemas.microsoft.com/office/drawing/2010/main" xmlns="" w="9525">
                     <a:solidFill>
                       <a:srgbClr val="000000"/>
                     </a:solidFill>
@@ -12717,7 +12717,7 @@
               </a:ln>
               <a:extLst>
                 <a:ext uri="{91240B29-F687-4f45-9708-019B960494DF}">
-                  <a14:hiddenLine xmlns="" xmlns:a14="http://schemas.microsoft.com/office/drawing/2010/main" w="9525">
+                  <a14:hiddenLine xmlns:a14="http://schemas.microsoft.com/office/drawing/2010/main" xmlns="" w="9525">
                     <a:solidFill>
                       <a:srgbClr val="000000"/>
                     </a:solidFill>
@@ -12785,7 +12785,7 @@
               </a:ln>
               <a:extLst>
                 <a:ext uri="{91240B29-F687-4f45-9708-019B960494DF}">
-                  <a14:hiddenLine xmlns="" xmlns:a14="http://schemas.microsoft.com/office/drawing/2010/main" w="9525">
+                  <a14:hiddenLine xmlns:a14="http://schemas.microsoft.com/office/drawing/2010/main" xmlns="" w="9525">
                     <a:solidFill>
                       <a:srgbClr val="000000"/>
                     </a:solidFill>
@@ -12875,7 +12875,7 @@
               </a:ln>
               <a:extLst>
                 <a:ext uri="{91240B29-F687-4f45-9708-019B960494DF}">
-                  <a14:hiddenLine xmlns="" xmlns:a14="http://schemas.microsoft.com/office/drawing/2010/main" w="9525">
+                  <a14:hiddenLine xmlns:a14="http://schemas.microsoft.com/office/drawing/2010/main" xmlns="" w="9525">
                     <a:solidFill>
                       <a:srgbClr val="000000"/>
                     </a:solidFill>
@@ -12943,7 +12943,7 @@
               </a:ln>
               <a:extLst>
                 <a:ext uri="{91240B29-F687-4f45-9708-019B960494DF}">
-                  <a14:hiddenLine xmlns="" xmlns:a14="http://schemas.microsoft.com/office/drawing/2010/main" w="9525">
+                  <a14:hiddenLine xmlns:a14="http://schemas.microsoft.com/office/drawing/2010/main" xmlns="" w="9525">
                     <a:solidFill>
                       <a:srgbClr val="000000"/>
                     </a:solidFill>
@@ -13033,7 +13033,7 @@
               </a:ln>
               <a:extLst>
                 <a:ext uri="{91240B29-F687-4f45-9708-019B960494DF}">
-                  <a14:hiddenLine xmlns="" xmlns:a14="http://schemas.microsoft.com/office/drawing/2010/main" w="9525">
+                  <a14:hiddenLine xmlns:a14="http://schemas.microsoft.com/office/drawing/2010/main" xmlns="" w="9525">
                     <a:solidFill>
                       <a:srgbClr val="000000"/>
                     </a:solidFill>
@@ -13067,7 +13067,7 @@
               </a:ln>
               <a:extLst>
                 <a:ext uri="{91240B29-F687-4f45-9708-019B960494DF}">
-                  <a14:hiddenLine xmlns="" xmlns:a14="http://schemas.microsoft.com/office/drawing/2010/main" w="9525">
+                  <a14:hiddenLine xmlns:a14="http://schemas.microsoft.com/office/drawing/2010/main" xmlns="" w="9525">
                     <a:solidFill>
                       <a:srgbClr val="000000"/>
                     </a:solidFill>
@@ -14315,7 +14315,7 @@
           <a:noFill/>
           <a:extLst>
             <a:ext uri="{909E8E84-426E-40dd-AFC4-6F175D3DCCD1}">
-              <a14:hiddenFill xmlns="" xmlns:a16="http://schemas.microsoft.com/office/drawing/2014/main" xmlns:a14="http://schemas.microsoft.com/office/drawing/2010/main">
+              <a14:hiddenFill xmlns:a14="http://schemas.microsoft.com/office/drawing/2010/main" xmlns:a16="http://schemas.microsoft.com/office/drawing/2014/main" xmlns="">
                 <a:solidFill>
                   <a:srgbClr val="FFFFFF"/>
                 </a:solidFill>
@@ -14407,7 +14407,7 @@
             </a:ln>
             <a:extLst>
               <a:ext uri="{91240B29-F687-4f45-9708-019B960494DF}">
-                <a14:hiddenLine xmlns="" xmlns:a16="http://schemas.microsoft.com/office/drawing/2014/main" xmlns:a14="http://schemas.microsoft.com/office/drawing/2010/main" w="9525">
+                <a14:hiddenLine xmlns:a14="http://schemas.microsoft.com/office/drawing/2010/main" xmlns:a16="http://schemas.microsoft.com/office/drawing/2014/main" xmlns="" w="9525">
                   <a:solidFill>
                     <a:srgbClr val="000000"/>
                   </a:solidFill>
@@ -14512,7 +14512,7 @@
             </a:ln>
             <a:extLst>
               <a:ext uri="{91240B29-F687-4f45-9708-019B960494DF}">
-                <a14:hiddenLine xmlns="" xmlns:a16="http://schemas.microsoft.com/office/drawing/2014/main" xmlns:a14="http://schemas.microsoft.com/office/drawing/2010/main" w="9525">
+                <a14:hiddenLine xmlns:a14="http://schemas.microsoft.com/office/drawing/2010/main" xmlns:a16="http://schemas.microsoft.com/office/drawing/2014/main" xmlns="" w="9525">
                   <a:solidFill>
                     <a:srgbClr val="000000"/>
                   </a:solidFill>
@@ -14617,7 +14617,7 @@
             </a:ln>
             <a:extLst>
               <a:ext uri="{91240B29-F687-4f45-9708-019B960494DF}">
-                <a14:hiddenLine xmlns="" xmlns:a16="http://schemas.microsoft.com/office/drawing/2014/main" xmlns:a14="http://schemas.microsoft.com/office/drawing/2010/main" w="9525">
+                <a14:hiddenLine xmlns:a14="http://schemas.microsoft.com/office/drawing/2010/main" xmlns:a16="http://schemas.microsoft.com/office/drawing/2014/main" xmlns="" w="9525">
                   <a:solidFill>
                     <a:srgbClr val="000000"/>
                   </a:solidFill>
@@ -14666,7 +14666,7 @@
             </a:ln>
             <a:extLst>
               <a:ext uri="{91240B29-F687-4f45-9708-019B960494DF}">
-                <a14:hiddenLine xmlns="" xmlns:a16="http://schemas.microsoft.com/office/drawing/2014/main" xmlns:a14="http://schemas.microsoft.com/office/drawing/2010/main" w="9525">
+                <a14:hiddenLine xmlns:a14="http://schemas.microsoft.com/office/drawing/2010/main" xmlns:a16="http://schemas.microsoft.com/office/drawing/2014/main" xmlns="" w="9525">
                   <a:solidFill>
                     <a:srgbClr val="000000"/>
                   </a:solidFill>
@@ -14771,7 +14771,7 @@
             </a:ln>
             <a:extLst>
               <a:ext uri="{91240B29-F687-4f45-9708-019B960494DF}">
-                <a14:hiddenLine xmlns="" xmlns:a16="http://schemas.microsoft.com/office/drawing/2014/main" xmlns:a14="http://schemas.microsoft.com/office/drawing/2010/main" w="9525">
+                <a14:hiddenLine xmlns:a14="http://schemas.microsoft.com/office/drawing/2010/main" xmlns:a16="http://schemas.microsoft.com/office/drawing/2014/main" xmlns="" w="9525">
                   <a:solidFill>
                     <a:srgbClr val="000000"/>
                   </a:solidFill>
@@ -14848,7 +14848,7 @@
             </a:ln>
             <a:extLst>
               <a:ext uri="{91240B29-F687-4f45-9708-019B960494DF}">
-                <a14:hiddenLine xmlns="" xmlns:a16="http://schemas.microsoft.com/office/drawing/2014/main" xmlns:a14="http://schemas.microsoft.com/office/drawing/2010/main" w="9525">
+                <a14:hiddenLine xmlns:a14="http://schemas.microsoft.com/office/drawing/2010/main" xmlns:a16="http://schemas.microsoft.com/office/drawing/2014/main" xmlns="" w="9525">
                   <a:solidFill>
                     <a:srgbClr val="000000"/>
                   </a:solidFill>
@@ -14925,7 +14925,7 @@
             </a:ln>
             <a:extLst>
               <a:ext uri="{91240B29-F687-4f45-9708-019B960494DF}">
-                <a14:hiddenLine xmlns="" xmlns:a16="http://schemas.microsoft.com/office/drawing/2014/main" xmlns:a14="http://schemas.microsoft.com/office/drawing/2010/main" w="9525">
+                <a14:hiddenLine xmlns:a14="http://schemas.microsoft.com/office/drawing/2010/main" xmlns:a16="http://schemas.microsoft.com/office/drawing/2014/main" xmlns="" w="9525">
                   <a:solidFill>
                     <a:srgbClr val="000000"/>
                   </a:solidFill>
@@ -15030,7 +15030,7 @@
             </a:ln>
             <a:extLst>
               <a:ext uri="{91240B29-F687-4f45-9708-019B960494DF}">
-                <a14:hiddenLine xmlns="" xmlns:a16="http://schemas.microsoft.com/office/drawing/2014/main" xmlns:a14="http://schemas.microsoft.com/office/drawing/2010/main" w="9525">
+                <a14:hiddenLine xmlns:a14="http://schemas.microsoft.com/office/drawing/2010/main" xmlns:a16="http://schemas.microsoft.com/office/drawing/2014/main" xmlns="" w="9525">
                   <a:solidFill>
                     <a:srgbClr val="000000"/>
                   </a:solidFill>
@@ -15107,7 +15107,7 @@
             </a:ln>
             <a:extLst>
               <a:ext uri="{91240B29-F687-4f45-9708-019B960494DF}">
-                <a14:hiddenLine xmlns="" xmlns:a16="http://schemas.microsoft.com/office/drawing/2014/main" xmlns:a14="http://schemas.microsoft.com/office/drawing/2010/main" w="9525">
+                <a14:hiddenLine xmlns:a14="http://schemas.microsoft.com/office/drawing/2010/main" xmlns:a16="http://schemas.microsoft.com/office/drawing/2014/main" xmlns="" w="9525">
                   <a:solidFill>
                     <a:srgbClr val="000000"/>
                   </a:solidFill>
@@ -15184,7 +15184,7 @@
             </a:ln>
             <a:extLst>
               <a:ext uri="{91240B29-F687-4f45-9708-019B960494DF}">
-                <a14:hiddenLine xmlns="" xmlns:a16="http://schemas.microsoft.com/office/drawing/2014/main" xmlns:a14="http://schemas.microsoft.com/office/drawing/2010/main" w="9525">
+                <a14:hiddenLine xmlns:a14="http://schemas.microsoft.com/office/drawing/2010/main" xmlns:a16="http://schemas.microsoft.com/office/drawing/2014/main" xmlns="" w="9525">
                   <a:solidFill>
                     <a:srgbClr val="000000"/>
                   </a:solidFill>
@@ -15289,7 +15289,7 @@
             </a:ln>
             <a:extLst>
               <a:ext uri="{91240B29-F687-4f45-9708-019B960494DF}">
-                <a14:hiddenLine xmlns="" xmlns:a16="http://schemas.microsoft.com/office/drawing/2014/main" xmlns:a14="http://schemas.microsoft.com/office/drawing/2010/main" w="9525">
+                <a14:hiddenLine xmlns:a14="http://schemas.microsoft.com/office/drawing/2010/main" xmlns:a16="http://schemas.microsoft.com/office/drawing/2014/main" xmlns="" w="9525">
                   <a:solidFill>
                     <a:srgbClr val="000000"/>
                   </a:solidFill>
@@ -15394,7 +15394,7 @@
             </a:ln>
             <a:extLst>
               <a:ext uri="{91240B29-F687-4f45-9708-019B960494DF}">
-                <a14:hiddenLine xmlns="" xmlns:a16="http://schemas.microsoft.com/office/drawing/2014/main" xmlns:a14="http://schemas.microsoft.com/office/drawing/2010/main" w="9525">
+                <a14:hiddenLine xmlns:a14="http://schemas.microsoft.com/office/drawing/2010/main" xmlns:a16="http://schemas.microsoft.com/office/drawing/2014/main" xmlns="" w="9525">
                   <a:solidFill>
                     <a:srgbClr val="000000"/>
                   </a:solidFill>
@@ -15471,7 +15471,7 @@
             </a:ln>
             <a:extLst>
               <a:ext uri="{91240B29-F687-4f45-9708-019B960494DF}">
-                <a14:hiddenLine xmlns="" xmlns:a16="http://schemas.microsoft.com/office/drawing/2014/main" xmlns:a14="http://schemas.microsoft.com/office/drawing/2010/main" w="9525">
+                <a14:hiddenLine xmlns:a14="http://schemas.microsoft.com/office/drawing/2010/main" xmlns:a16="http://schemas.microsoft.com/office/drawing/2014/main" xmlns="" w="9525">
                   <a:solidFill>
                     <a:srgbClr val="000000"/>
                   </a:solidFill>
@@ -15596,7 +15596,7 @@
             </a:ln>
             <a:extLst>
               <a:ext uri="{91240B29-F687-4f45-9708-019B960494DF}">
-                <a14:hiddenLine xmlns="" xmlns:a16="http://schemas.microsoft.com/office/drawing/2014/main" xmlns:a14="http://schemas.microsoft.com/office/drawing/2010/main" w="9525">
+                <a14:hiddenLine xmlns:a14="http://schemas.microsoft.com/office/drawing/2010/main" xmlns:a16="http://schemas.microsoft.com/office/drawing/2014/main" xmlns="" w="9525">
                   <a:solidFill>
                     <a:srgbClr val="000000"/>
                   </a:solidFill>
@@ -15673,7 +15673,7 @@
             </a:ln>
             <a:extLst>
               <a:ext uri="{91240B29-F687-4f45-9708-019B960494DF}">
-                <a14:hiddenLine xmlns="" xmlns:a16="http://schemas.microsoft.com/office/drawing/2014/main" xmlns:a14="http://schemas.microsoft.com/office/drawing/2010/main" w="9525">
+                <a14:hiddenLine xmlns:a14="http://schemas.microsoft.com/office/drawing/2010/main" xmlns:a16="http://schemas.microsoft.com/office/drawing/2014/main" xmlns="" w="9525">
                   <a:solidFill>
                     <a:srgbClr val="000000"/>
                   </a:solidFill>
@@ -15778,7 +15778,7 @@
             </a:ln>
             <a:extLst>
               <a:ext uri="{91240B29-F687-4f45-9708-019B960494DF}">
-                <a14:hiddenLine xmlns="" xmlns:a16="http://schemas.microsoft.com/office/drawing/2014/main" xmlns:a14="http://schemas.microsoft.com/office/drawing/2010/main" w="9525">
+                <a14:hiddenLine xmlns:a14="http://schemas.microsoft.com/office/drawing/2010/main" xmlns:a16="http://schemas.microsoft.com/office/drawing/2014/main" xmlns="" w="9525">
                   <a:solidFill>
                     <a:srgbClr val="000000"/>
                   </a:solidFill>
@@ -15883,7 +15883,7 @@
             </a:ln>
             <a:extLst>
               <a:ext uri="{91240B29-F687-4f45-9708-019B960494DF}">
-                <a14:hiddenLine xmlns="" xmlns:a16="http://schemas.microsoft.com/office/drawing/2014/main" xmlns:a14="http://schemas.microsoft.com/office/drawing/2010/main" w="9525">
+                <a14:hiddenLine xmlns:a14="http://schemas.microsoft.com/office/drawing/2010/main" xmlns:a16="http://schemas.microsoft.com/office/drawing/2014/main" xmlns="" w="9525">
                   <a:solidFill>
                     <a:srgbClr val="000000"/>
                   </a:solidFill>
@@ -15960,7 +15960,7 @@
             </a:ln>
             <a:extLst>
               <a:ext uri="{91240B29-F687-4f45-9708-019B960494DF}">
-                <a14:hiddenLine xmlns="" xmlns:a16="http://schemas.microsoft.com/office/drawing/2014/main" xmlns:a14="http://schemas.microsoft.com/office/drawing/2010/main" w="9525">
+                <a14:hiddenLine xmlns:a14="http://schemas.microsoft.com/office/drawing/2010/main" xmlns:a16="http://schemas.microsoft.com/office/drawing/2014/main" xmlns="" w="9525">
                   <a:solidFill>
                     <a:srgbClr val="000000"/>
                   </a:solidFill>
@@ -16065,7 +16065,7 @@
             </a:ln>
             <a:extLst>
               <a:ext uri="{91240B29-F687-4f45-9708-019B960494DF}">
-                <a14:hiddenLine xmlns="" xmlns:a16="http://schemas.microsoft.com/office/drawing/2014/main" xmlns:a14="http://schemas.microsoft.com/office/drawing/2010/main" w="9525">
+                <a14:hiddenLine xmlns:a14="http://schemas.microsoft.com/office/drawing/2010/main" xmlns:a16="http://schemas.microsoft.com/office/drawing/2014/main" xmlns="" w="9525">
                   <a:solidFill>
                     <a:srgbClr val="000000"/>
                   </a:solidFill>
@@ -16170,7 +16170,7 @@
             </a:ln>
             <a:extLst>
               <a:ext uri="{91240B29-F687-4f45-9708-019B960494DF}">
-                <a14:hiddenLine xmlns="" xmlns:a16="http://schemas.microsoft.com/office/drawing/2014/main" xmlns:a14="http://schemas.microsoft.com/office/drawing/2010/main" w="9525">
+                <a14:hiddenLine xmlns:a14="http://schemas.microsoft.com/office/drawing/2010/main" xmlns:a16="http://schemas.microsoft.com/office/drawing/2014/main" xmlns="" w="9525">
                   <a:solidFill>
                     <a:srgbClr val="000000"/>
                   </a:solidFill>
@@ -16241,7 +16241,7 @@
             </a:ln>
             <a:extLst>
               <a:ext uri="{91240B29-F687-4f45-9708-019B960494DF}">
-                <a14:hiddenLine xmlns="" xmlns:a16="http://schemas.microsoft.com/office/drawing/2014/main" xmlns:a14="http://schemas.microsoft.com/office/drawing/2010/main" w="9525">
+                <a14:hiddenLine xmlns:a14="http://schemas.microsoft.com/office/drawing/2010/main" xmlns:a16="http://schemas.microsoft.com/office/drawing/2014/main" xmlns="" w="9525">
                   <a:solidFill>
                     <a:srgbClr val="000000"/>
                   </a:solidFill>
@@ -16346,7 +16346,7 @@
             </a:ln>
             <a:extLst>
               <a:ext uri="{91240B29-F687-4f45-9708-019B960494DF}">
-                <a14:hiddenLine xmlns="" xmlns:a16="http://schemas.microsoft.com/office/drawing/2014/main" xmlns:a14="http://schemas.microsoft.com/office/drawing/2010/main" w="9525">
+                <a14:hiddenLine xmlns:a14="http://schemas.microsoft.com/office/drawing/2010/main" xmlns:a16="http://schemas.microsoft.com/office/drawing/2014/main" xmlns="" w="9525">
                   <a:solidFill>
                     <a:srgbClr val="000000"/>
                   </a:solidFill>
@@ -16417,7 +16417,7 @@
             </a:ln>
             <a:extLst>
               <a:ext uri="{91240B29-F687-4f45-9708-019B960494DF}">
-                <a14:hiddenLine xmlns="" xmlns:a16="http://schemas.microsoft.com/office/drawing/2014/main" xmlns:a14="http://schemas.microsoft.com/office/drawing/2010/main" w="9525">
+                <a14:hiddenLine xmlns:a14="http://schemas.microsoft.com/office/drawing/2010/main" xmlns:a16="http://schemas.microsoft.com/office/drawing/2014/main" xmlns="" w="9525">
                   <a:solidFill>
                     <a:srgbClr val="000000"/>
                   </a:solidFill>
@@ -16522,7 +16522,7 @@
             </a:ln>
             <a:extLst>
               <a:ext uri="{91240B29-F687-4f45-9708-019B960494DF}">
-                <a14:hiddenLine xmlns="" xmlns:a16="http://schemas.microsoft.com/office/drawing/2014/main" xmlns:a14="http://schemas.microsoft.com/office/drawing/2010/main" w="9525">
+                <a14:hiddenLine xmlns:a14="http://schemas.microsoft.com/office/drawing/2010/main" xmlns:a16="http://schemas.microsoft.com/office/drawing/2014/main" xmlns="" w="9525">
                   <a:solidFill>
                     <a:srgbClr val="000000"/>
                   </a:solidFill>
@@ -16605,7 +16605,7 @@
             </a:ln>
             <a:extLst>
               <a:ext uri="{91240B29-F687-4f45-9708-019B960494DF}">
-                <a14:hiddenLine xmlns="" xmlns:a16="http://schemas.microsoft.com/office/drawing/2014/main" xmlns:a14="http://schemas.microsoft.com/office/drawing/2010/main" w="9525">
+                <a14:hiddenLine xmlns:a14="http://schemas.microsoft.com/office/drawing/2010/main" xmlns:a16="http://schemas.microsoft.com/office/drawing/2014/main" xmlns="" w="9525">
                   <a:solidFill>
                     <a:srgbClr val="000000"/>
                   </a:solidFill>
@@ -16710,7 +16710,7 @@
             </a:ln>
             <a:extLst>
               <a:ext uri="{91240B29-F687-4f45-9708-019B960494DF}">
-                <a14:hiddenLine xmlns="" xmlns:a16="http://schemas.microsoft.com/office/drawing/2014/main" xmlns:a14="http://schemas.microsoft.com/office/drawing/2010/main" w="9525">
+                <a14:hiddenLine xmlns:a14="http://schemas.microsoft.com/office/drawing/2010/main" xmlns:a16="http://schemas.microsoft.com/office/drawing/2014/main" xmlns="" w="9525">
                   <a:solidFill>
                     <a:srgbClr val="000000"/>
                   </a:solidFill>
@@ -16793,7 +16793,7 @@
             </a:ln>
             <a:extLst>
               <a:ext uri="{91240B29-F687-4f45-9708-019B960494DF}">
-                <a14:hiddenLine xmlns="" xmlns:a16="http://schemas.microsoft.com/office/drawing/2014/main" xmlns:a14="http://schemas.microsoft.com/office/drawing/2010/main" w="9525">
+                <a14:hiddenLine xmlns:a14="http://schemas.microsoft.com/office/drawing/2010/main" xmlns:a16="http://schemas.microsoft.com/office/drawing/2014/main" xmlns="" w="9525">
                   <a:solidFill>
                     <a:srgbClr val="000000"/>
                   </a:solidFill>
@@ -16898,7 +16898,7 @@
             </a:ln>
             <a:extLst>
               <a:ext uri="{91240B29-F687-4f45-9708-019B960494DF}">
-                <a14:hiddenLine xmlns="" xmlns:a16="http://schemas.microsoft.com/office/drawing/2014/main" xmlns:a14="http://schemas.microsoft.com/office/drawing/2010/main" w="9525">
+                <a14:hiddenLine xmlns:a14="http://schemas.microsoft.com/office/drawing/2010/main" xmlns:a16="http://schemas.microsoft.com/office/drawing/2014/main" xmlns="" w="9525">
                   <a:solidFill>
                     <a:srgbClr val="000000"/>
                   </a:solidFill>
@@ -16947,7 +16947,7 @@
             </a:ln>
             <a:extLst>
               <a:ext uri="{91240B29-F687-4f45-9708-019B960494DF}">
-                <a14:hiddenLine xmlns="" xmlns:a16="http://schemas.microsoft.com/office/drawing/2014/main" xmlns:a14="http://schemas.microsoft.com/office/drawing/2010/main" w="9525">
+                <a14:hiddenLine xmlns:a14="http://schemas.microsoft.com/office/drawing/2010/main" xmlns:a16="http://schemas.microsoft.com/office/drawing/2014/main" xmlns="" w="9525">
                   <a:solidFill>
                     <a:srgbClr val="000000"/>
                   </a:solidFill>
@@ -17052,7 +17052,7 @@
             </a:ln>
             <a:extLst>
               <a:ext uri="{91240B29-F687-4f45-9708-019B960494DF}">
-                <a14:hiddenLine xmlns="" xmlns:a16="http://schemas.microsoft.com/office/drawing/2014/main" xmlns:a14="http://schemas.microsoft.com/office/drawing/2010/main" w="9525">
+                <a14:hiddenLine xmlns:a14="http://schemas.microsoft.com/office/drawing/2010/main" xmlns:a16="http://schemas.microsoft.com/office/drawing/2014/main" xmlns="" w="9525">
                   <a:solidFill>
                     <a:srgbClr val="000000"/>
                   </a:solidFill>
@@ -17129,7 +17129,7 @@
             </a:ln>
             <a:extLst>
               <a:ext uri="{91240B29-F687-4f45-9708-019B960494DF}">
-                <a14:hiddenLine xmlns="" xmlns:a16="http://schemas.microsoft.com/office/drawing/2014/main" xmlns:a14="http://schemas.microsoft.com/office/drawing/2010/main" w="9525">
+                <a14:hiddenLine xmlns:a14="http://schemas.microsoft.com/office/drawing/2010/main" xmlns:a16="http://schemas.microsoft.com/office/drawing/2014/main" xmlns="" w="9525">
                   <a:solidFill>
                     <a:srgbClr val="000000"/>
                   </a:solidFill>
@@ -17206,7 +17206,7 @@
             </a:ln>
             <a:extLst>
               <a:ext uri="{91240B29-F687-4f45-9708-019B960494DF}">
-                <a14:hiddenLine xmlns="" xmlns:a16="http://schemas.microsoft.com/office/drawing/2014/main" xmlns:a14="http://schemas.microsoft.com/office/drawing/2010/main" w="9525">
+                <a14:hiddenLine xmlns:a14="http://schemas.microsoft.com/office/drawing/2010/main" xmlns:a16="http://schemas.microsoft.com/office/drawing/2014/main" xmlns="" w="9525">
                   <a:solidFill>
                     <a:srgbClr val="000000"/>
                   </a:solidFill>
@@ -17311,7 +17311,7 @@
             </a:ln>
             <a:extLst>
               <a:ext uri="{91240B29-F687-4f45-9708-019B960494DF}">
-                <a14:hiddenLine xmlns="" xmlns:a16="http://schemas.microsoft.com/office/drawing/2014/main" xmlns:a14="http://schemas.microsoft.com/office/drawing/2010/main" w="9525">
+                <a14:hiddenLine xmlns:a14="http://schemas.microsoft.com/office/drawing/2010/main" xmlns:a16="http://schemas.microsoft.com/office/drawing/2014/main" xmlns="" w="9525">
                   <a:solidFill>
                     <a:srgbClr val="000000"/>
                   </a:solidFill>
@@ -17394,7 +17394,7 @@
             </a:ln>
             <a:extLst>
               <a:ext uri="{91240B29-F687-4f45-9708-019B960494DF}">
-                <a14:hiddenLine xmlns="" xmlns:a16="http://schemas.microsoft.com/office/drawing/2014/main" xmlns:a14="http://schemas.microsoft.com/office/drawing/2010/main" w="9525">
+                <a14:hiddenLine xmlns:a14="http://schemas.microsoft.com/office/drawing/2010/main" xmlns:a16="http://schemas.microsoft.com/office/drawing/2014/main" xmlns="" w="9525">
                   <a:solidFill>
                     <a:srgbClr val="000000"/>
                   </a:solidFill>
@@ -17471,7 +17471,7 @@
             </a:ln>
             <a:extLst>
               <a:ext uri="{91240B29-F687-4f45-9708-019B960494DF}">
-                <a14:hiddenLine xmlns="" xmlns:a16="http://schemas.microsoft.com/office/drawing/2014/main" xmlns:a14="http://schemas.microsoft.com/office/drawing/2010/main" w="9525">
+                <a14:hiddenLine xmlns:a14="http://schemas.microsoft.com/office/drawing/2010/main" xmlns:a16="http://schemas.microsoft.com/office/drawing/2014/main" xmlns="" w="9525">
                   <a:solidFill>
                     <a:srgbClr val="000000"/>
                   </a:solidFill>
@@ -17576,7 +17576,7 @@
             </a:ln>
             <a:extLst>
               <a:ext uri="{91240B29-F687-4f45-9708-019B960494DF}">
-                <a14:hiddenLine xmlns="" xmlns:a16="http://schemas.microsoft.com/office/drawing/2014/main" xmlns:a14="http://schemas.microsoft.com/office/drawing/2010/main" w="9525">
+                <a14:hiddenLine xmlns:a14="http://schemas.microsoft.com/office/drawing/2010/main" xmlns:a16="http://schemas.microsoft.com/office/drawing/2014/main" xmlns="" w="9525">
                   <a:solidFill>
                     <a:srgbClr val="000000"/>
                   </a:solidFill>
@@ -17653,7 +17653,7 @@
             </a:ln>
             <a:extLst>
               <a:ext uri="{91240B29-F687-4f45-9708-019B960494DF}">
-                <a14:hiddenLine xmlns="" xmlns:a16="http://schemas.microsoft.com/office/drawing/2014/main" xmlns:a14="http://schemas.microsoft.com/office/drawing/2010/main" w="9525">
+                <a14:hiddenLine xmlns:a14="http://schemas.microsoft.com/office/drawing/2010/main" xmlns:a16="http://schemas.microsoft.com/office/drawing/2014/main" xmlns="" w="9525">
                   <a:solidFill>
                     <a:srgbClr val="000000"/>
                   </a:solidFill>
@@ -17758,7 +17758,7 @@
             </a:ln>
             <a:extLst>
               <a:ext uri="{91240B29-F687-4f45-9708-019B960494DF}">
-                <a14:hiddenLine xmlns="" xmlns:a16="http://schemas.microsoft.com/office/drawing/2014/main" xmlns:a14="http://schemas.microsoft.com/office/drawing/2010/main" w="9525">
+                <a14:hiddenLine xmlns:a14="http://schemas.microsoft.com/office/drawing/2010/main" xmlns:a16="http://schemas.microsoft.com/office/drawing/2014/main" xmlns="" w="9525">
                   <a:solidFill>
                     <a:srgbClr val="000000"/>
                   </a:solidFill>
@@ -17835,7 +17835,7 @@
             </a:ln>
             <a:extLst>
               <a:ext uri="{91240B29-F687-4f45-9708-019B960494DF}">
-                <a14:hiddenLine xmlns="" xmlns:a16="http://schemas.microsoft.com/office/drawing/2014/main" xmlns:a14="http://schemas.microsoft.com/office/drawing/2010/main" w="9525">
+                <a14:hiddenLine xmlns:a14="http://schemas.microsoft.com/office/drawing/2010/main" xmlns:a16="http://schemas.microsoft.com/office/drawing/2014/main" xmlns="" w="9525">
                   <a:solidFill>
                     <a:srgbClr val="000000"/>
                   </a:solidFill>
@@ -17940,7 +17940,7 @@
             </a:ln>
             <a:extLst>
               <a:ext uri="{91240B29-F687-4f45-9708-019B960494DF}">
-                <a14:hiddenLine xmlns="" xmlns:a16="http://schemas.microsoft.com/office/drawing/2014/main" xmlns:a14="http://schemas.microsoft.com/office/drawing/2010/main" w="9525">
+                <a14:hiddenLine xmlns:a14="http://schemas.microsoft.com/office/drawing/2010/main" xmlns:a16="http://schemas.microsoft.com/office/drawing/2014/main" xmlns="" w="9525">
                   <a:solidFill>
                     <a:srgbClr val="000000"/>
                   </a:solidFill>
@@ -17989,7 +17989,7 @@
             </a:ln>
             <a:extLst>
               <a:ext uri="{91240B29-F687-4f45-9708-019B960494DF}">
-                <a14:hiddenLine xmlns="" xmlns:a16="http://schemas.microsoft.com/office/drawing/2014/main" xmlns:a14="http://schemas.microsoft.com/office/drawing/2010/main" w="9525">
+                <a14:hiddenLine xmlns:a14="http://schemas.microsoft.com/office/drawing/2010/main" xmlns:a16="http://schemas.microsoft.com/office/drawing/2014/main" xmlns="" w="9525">
                   <a:solidFill>
                     <a:srgbClr val="000000"/>
                   </a:solidFill>
@@ -18069,7 +18069,7 @@
             </a:ln>
             <a:extLst>
               <a:ext uri="{91240B29-F687-4f45-9708-019B960494DF}">
-                <a14:hiddenLine xmlns="" xmlns:a16="http://schemas.microsoft.com/office/drawing/2014/main" xmlns:a14="http://schemas.microsoft.com/office/drawing/2010/main" w="9525">
+                <a14:hiddenLine xmlns:a14="http://schemas.microsoft.com/office/drawing/2010/main" xmlns:a16="http://schemas.microsoft.com/office/drawing/2014/main" xmlns="" w="9525">
                   <a:solidFill>
                     <a:srgbClr val="000000"/>
                   </a:solidFill>
@@ -18174,7 +18174,7 @@
             </a:ln>
             <a:extLst>
               <a:ext uri="{91240B29-F687-4f45-9708-019B960494DF}">
-                <a14:hiddenLine xmlns="" xmlns:a16="http://schemas.microsoft.com/office/drawing/2014/main" xmlns:a14="http://schemas.microsoft.com/office/drawing/2010/main" w="9525">
+                <a14:hiddenLine xmlns:a14="http://schemas.microsoft.com/office/drawing/2010/main" xmlns:a16="http://schemas.microsoft.com/office/drawing/2014/main" xmlns="" w="9525">
                   <a:solidFill>
                     <a:srgbClr val="000000"/>
                   </a:solidFill>
@@ -18251,7 +18251,7 @@
             </a:ln>
             <a:extLst>
               <a:ext uri="{91240B29-F687-4f45-9708-019B960494DF}">
-                <a14:hiddenLine xmlns="" xmlns:a16="http://schemas.microsoft.com/office/drawing/2014/main" xmlns:a14="http://schemas.microsoft.com/office/drawing/2010/main" w="9525">
+                <a14:hiddenLine xmlns:a14="http://schemas.microsoft.com/office/drawing/2010/main" xmlns:a16="http://schemas.microsoft.com/office/drawing/2014/main" xmlns="" w="9525">
                   <a:solidFill>
                     <a:srgbClr val="000000"/>
                   </a:solidFill>
@@ -18356,7 +18356,7 @@
             </a:ln>
             <a:extLst>
               <a:ext uri="{91240B29-F687-4f45-9708-019B960494DF}">
-                <a14:hiddenLine xmlns="" xmlns:a16="http://schemas.microsoft.com/office/drawing/2014/main" xmlns:a14="http://schemas.microsoft.com/office/drawing/2010/main" w="9525">
+                <a14:hiddenLine xmlns:a14="http://schemas.microsoft.com/office/drawing/2010/main" xmlns:a16="http://schemas.microsoft.com/office/drawing/2014/main" xmlns="" w="9525">
                   <a:solidFill>
                     <a:srgbClr val="000000"/>
                   </a:solidFill>
@@ -18461,7 +18461,7 @@
             </a:ln>
             <a:extLst>
               <a:ext uri="{91240B29-F687-4f45-9708-019B960494DF}">
-                <a14:hiddenLine xmlns="" xmlns:a16="http://schemas.microsoft.com/office/drawing/2014/main" xmlns:a14="http://schemas.microsoft.com/office/drawing/2010/main" w="9525">
+                <a14:hiddenLine xmlns:a14="http://schemas.microsoft.com/office/drawing/2010/main" xmlns:a16="http://schemas.microsoft.com/office/drawing/2014/main" xmlns="" w="9525">
                   <a:solidFill>
                     <a:srgbClr val="000000"/>
                   </a:solidFill>
@@ -18541,7 +18541,7 @@
             </a:ln>
             <a:extLst>
               <a:ext uri="{91240B29-F687-4f45-9708-019B960494DF}">
-                <a14:hiddenLine xmlns="" xmlns:a16="http://schemas.microsoft.com/office/drawing/2014/main" xmlns:a14="http://schemas.microsoft.com/office/drawing/2010/main" w="9525">
+                <a14:hiddenLine xmlns:a14="http://schemas.microsoft.com/office/drawing/2010/main" xmlns:a16="http://schemas.microsoft.com/office/drawing/2014/main" xmlns="" w="9525">
                   <a:solidFill>
                     <a:srgbClr val="000000"/>
                   </a:solidFill>
@@ -18618,7 +18618,7 @@
             </a:ln>
             <a:extLst>
               <a:ext uri="{91240B29-F687-4f45-9708-019B960494DF}">
-                <a14:hiddenLine xmlns="" xmlns:a16="http://schemas.microsoft.com/office/drawing/2014/main" xmlns:a14="http://schemas.microsoft.com/office/drawing/2010/main" w="9525">
+                <a14:hiddenLine xmlns:a14="http://schemas.microsoft.com/office/drawing/2010/main" xmlns:a16="http://schemas.microsoft.com/office/drawing/2014/main" xmlns="" w="9525">
                   <a:solidFill>
                     <a:srgbClr val="000000"/>
                   </a:solidFill>
@@ -18723,7 +18723,7 @@
             </a:ln>
             <a:extLst>
               <a:ext uri="{91240B29-F687-4f45-9708-019B960494DF}">
-                <a14:hiddenLine xmlns="" xmlns:a16="http://schemas.microsoft.com/office/drawing/2014/main" xmlns:a14="http://schemas.microsoft.com/office/drawing/2010/main" w="9525">
+                <a14:hiddenLine xmlns:a14="http://schemas.microsoft.com/office/drawing/2010/main" xmlns:a16="http://schemas.microsoft.com/office/drawing/2014/main" xmlns="" w="9525">
                   <a:solidFill>
                     <a:srgbClr val="000000"/>
                   </a:solidFill>
@@ -18828,7 +18828,7 @@
             </a:ln>
             <a:extLst>
               <a:ext uri="{91240B29-F687-4f45-9708-019B960494DF}">
-                <a14:hiddenLine xmlns="" xmlns:a16="http://schemas.microsoft.com/office/drawing/2014/main" xmlns:a14="http://schemas.microsoft.com/office/drawing/2010/main" w="9525">
+                <a14:hiddenLine xmlns:a14="http://schemas.microsoft.com/office/drawing/2010/main" xmlns:a16="http://schemas.microsoft.com/office/drawing/2014/main" xmlns="" w="9525">
                   <a:solidFill>
                     <a:srgbClr val="000000"/>
                   </a:solidFill>
@@ -18905,7 +18905,7 @@
             </a:ln>
             <a:extLst>
               <a:ext uri="{91240B29-F687-4f45-9708-019B960494DF}">
-                <a14:hiddenLine xmlns="" xmlns:a16="http://schemas.microsoft.com/office/drawing/2014/main" xmlns:a14="http://schemas.microsoft.com/office/drawing/2010/main" w="9525">
+                <a14:hiddenLine xmlns:a14="http://schemas.microsoft.com/office/drawing/2010/main" xmlns:a16="http://schemas.microsoft.com/office/drawing/2014/main" xmlns="" w="9525">
                   <a:solidFill>
                     <a:srgbClr val="000000"/>
                   </a:solidFill>
@@ -19040,7 +19040,7 @@
             </a:ln>
             <a:extLst>
               <a:ext uri="{91240B29-F687-4f45-9708-019B960494DF}">
-                <a14:hiddenLine xmlns="" xmlns:a16="http://schemas.microsoft.com/office/drawing/2014/main" xmlns:a14="http://schemas.microsoft.com/office/drawing/2010/main" w="9525">
+                <a14:hiddenLine xmlns:a14="http://schemas.microsoft.com/office/drawing/2010/main" xmlns:a16="http://schemas.microsoft.com/office/drawing/2014/main" xmlns="" w="9525">
                   <a:solidFill>
                     <a:srgbClr val="000000"/>
                   </a:solidFill>
@@ -19123,7 +19123,7 @@
             </a:ln>
             <a:extLst>
               <a:ext uri="{91240B29-F687-4f45-9708-019B960494DF}">
-                <a14:hiddenLine xmlns="" xmlns:a16="http://schemas.microsoft.com/office/drawing/2014/main" xmlns:a14="http://schemas.microsoft.com/office/drawing/2010/main" w="9525">
+                <a14:hiddenLine xmlns:a14="http://schemas.microsoft.com/office/drawing/2010/main" xmlns:a16="http://schemas.microsoft.com/office/drawing/2014/main" xmlns="" w="9525">
                   <a:solidFill>
                     <a:srgbClr val="000000"/>
                   </a:solidFill>
@@ -19228,7 +19228,7 @@
             </a:ln>
             <a:extLst>
               <a:ext uri="{91240B29-F687-4f45-9708-019B960494DF}">
-                <a14:hiddenLine xmlns="" xmlns:a16="http://schemas.microsoft.com/office/drawing/2014/main" xmlns:a14="http://schemas.microsoft.com/office/drawing/2010/main" w="9525">
+                <a14:hiddenLine xmlns:a14="http://schemas.microsoft.com/office/drawing/2010/main" xmlns:a16="http://schemas.microsoft.com/office/drawing/2014/main" xmlns="" w="9525">
                   <a:solidFill>
                     <a:srgbClr val="000000"/>
                   </a:solidFill>
@@ -19422,7 +19422,7 @@
             </a:ln>
             <a:extLst>
               <a:ext uri="{91240B29-F687-4f45-9708-019B960494DF}">
-                <a14:hiddenLine xmlns="" xmlns:a16="http://schemas.microsoft.com/office/drawing/2014/main" xmlns:p14="http://schemas.microsoft.com/office/powerpoint/2010/main" xmlns:a14="http://schemas.microsoft.com/office/drawing/2010/main" w="9525">
+                <a14:hiddenLine xmlns:a14="http://schemas.microsoft.com/office/drawing/2010/main" xmlns:p14="http://schemas.microsoft.com/office/powerpoint/2010/main" xmlns:a16="http://schemas.microsoft.com/office/drawing/2014/main" xmlns="" w="9525">
                   <a:solidFill>
                     <a:srgbClr val="000000"/>
                   </a:solidFill>
@@ -19527,7 +19527,7 @@
             </a:ln>
             <a:extLst>
               <a:ext uri="{91240B29-F687-4f45-9708-019B960494DF}">
-                <a14:hiddenLine xmlns="" xmlns:a16="http://schemas.microsoft.com/office/drawing/2014/main" xmlns:p14="http://schemas.microsoft.com/office/powerpoint/2010/main" xmlns:a14="http://schemas.microsoft.com/office/drawing/2010/main" w="9525">
+                <a14:hiddenLine xmlns:a14="http://schemas.microsoft.com/office/drawing/2010/main" xmlns:p14="http://schemas.microsoft.com/office/powerpoint/2010/main" xmlns:a16="http://schemas.microsoft.com/office/drawing/2014/main" xmlns="" w="9525">
                   <a:solidFill>
                     <a:srgbClr val="000000"/>
                   </a:solidFill>
@@ -19632,7 +19632,7 @@
             </a:ln>
             <a:extLst>
               <a:ext uri="{91240B29-F687-4f45-9708-019B960494DF}">
-                <a14:hiddenLine xmlns="" xmlns:a16="http://schemas.microsoft.com/office/drawing/2014/main" xmlns:p14="http://schemas.microsoft.com/office/powerpoint/2010/main" xmlns:a14="http://schemas.microsoft.com/office/drawing/2010/main" w="9525">
+                <a14:hiddenLine xmlns:a14="http://schemas.microsoft.com/office/drawing/2010/main" xmlns:p14="http://schemas.microsoft.com/office/powerpoint/2010/main" xmlns:a16="http://schemas.microsoft.com/office/drawing/2014/main" xmlns="" w="9525">
                   <a:solidFill>
                     <a:srgbClr val="000000"/>
                   </a:solidFill>
@@ -19681,7 +19681,7 @@
             </a:ln>
             <a:extLst>
               <a:ext uri="{91240B29-F687-4f45-9708-019B960494DF}">
-                <a14:hiddenLine xmlns="" xmlns:a16="http://schemas.microsoft.com/office/drawing/2014/main" xmlns:p14="http://schemas.microsoft.com/office/powerpoint/2010/main" xmlns:a14="http://schemas.microsoft.com/office/drawing/2010/main" w="9525">
+                <a14:hiddenLine xmlns:a14="http://schemas.microsoft.com/office/drawing/2010/main" xmlns:p14="http://schemas.microsoft.com/office/powerpoint/2010/main" xmlns:a16="http://schemas.microsoft.com/office/drawing/2014/main" xmlns="" w="9525">
                   <a:solidFill>
                     <a:srgbClr val="000000"/>
                   </a:solidFill>
@@ -19786,7 +19786,7 @@
             </a:ln>
             <a:extLst>
               <a:ext uri="{91240B29-F687-4f45-9708-019B960494DF}">
-                <a14:hiddenLine xmlns="" xmlns:a16="http://schemas.microsoft.com/office/drawing/2014/main" xmlns:p14="http://schemas.microsoft.com/office/powerpoint/2010/main" xmlns:a14="http://schemas.microsoft.com/office/drawing/2010/main" w="9525">
+                <a14:hiddenLine xmlns:a14="http://schemas.microsoft.com/office/drawing/2010/main" xmlns:p14="http://schemas.microsoft.com/office/powerpoint/2010/main" xmlns:a16="http://schemas.microsoft.com/office/drawing/2014/main" xmlns="" w="9525">
                   <a:solidFill>
                     <a:srgbClr val="000000"/>
                   </a:solidFill>
@@ -19863,7 +19863,7 @@
             </a:ln>
             <a:extLst>
               <a:ext uri="{91240B29-F687-4f45-9708-019B960494DF}">
-                <a14:hiddenLine xmlns="" xmlns:a16="http://schemas.microsoft.com/office/drawing/2014/main" xmlns:p14="http://schemas.microsoft.com/office/powerpoint/2010/main" xmlns:a14="http://schemas.microsoft.com/office/drawing/2010/main" w="9525">
+                <a14:hiddenLine xmlns:a14="http://schemas.microsoft.com/office/drawing/2010/main" xmlns:p14="http://schemas.microsoft.com/office/powerpoint/2010/main" xmlns:a16="http://schemas.microsoft.com/office/drawing/2014/main" xmlns="" w="9525">
                   <a:solidFill>
                     <a:srgbClr val="000000"/>
                   </a:solidFill>
@@ -19940,7 +19940,7 @@
             </a:ln>
             <a:extLst>
               <a:ext uri="{91240B29-F687-4f45-9708-019B960494DF}">
-                <a14:hiddenLine xmlns="" xmlns:a16="http://schemas.microsoft.com/office/drawing/2014/main" xmlns:p14="http://schemas.microsoft.com/office/powerpoint/2010/main" xmlns:a14="http://schemas.microsoft.com/office/drawing/2010/main" w="9525">
+                <a14:hiddenLine xmlns:a14="http://schemas.microsoft.com/office/drawing/2010/main" xmlns:p14="http://schemas.microsoft.com/office/powerpoint/2010/main" xmlns:a16="http://schemas.microsoft.com/office/drawing/2014/main" xmlns="" w="9525">
                   <a:solidFill>
                     <a:srgbClr val="000000"/>
                   </a:solidFill>
@@ -20045,7 +20045,7 @@
             </a:ln>
             <a:extLst>
               <a:ext uri="{91240B29-F687-4f45-9708-019B960494DF}">
-                <a14:hiddenLine xmlns="" xmlns:a16="http://schemas.microsoft.com/office/drawing/2014/main" xmlns:p14="http://schemas.microsoft.com/office/powerpoint/2010/main" xmlns:a14="http://schemas.microsoft.com/office/drawing/2010/main" w="9525">
+                <a14:hiddenLine xmlns:a14="http://schemas.microsoft.com/office/drawing/2010/main" xmlns:p14="http://schemas.microsoft.com/office/powerpoint/2010/main" xmlns:a16="http://schemas.microsoft.com/office/drawing/2014/main" xmlns="" w="9525">
                   <a:solidFill>
                     <a:srgbClr val="000000"/>
                   </a:solidFill>
@@ -20122,7 +20122,7 @@
             </a:ln>
             <a:extLst>
               <a:ext uri="{91240B29-F687-4f45-9708-019B960494DF}">
-                <a14:hiddenLine xmlns="" xmlns:a16="http://schemas.microsoft.com/office/drawing/2014/main" xmlns:p14="http://schemas.microsoft.com/office/powerpoint/2010/main" xmlns:a14="http://schemas.microsoft.com/office/drawing/2010/main" w="9525">
+                <a14:hiddenLine xmlns:a14="http://schemas.microsoft.com/office/drawing/2010/main" xmlns:p14="http://schemas.microsoft.com/office/powerpoint/2010/main" xmlns:a16="http://schemas.microsoft.com/office/drawing/2014/main" xmlns="" w="9525">
                   <a:solidFill>
                     <a:srgbClr val="000000"/>
                   </a:solidFill>
@@ -20199,7 +20199,7 @@
             </a:ln>
             <a:extLst>
               <a:ext uri="{91240B29-F687-4f45-9708-019B960494DF}">
-                <a14:hiddenLine xmlns="" xmlns:a16="http://schemas.microsoft.com/office/drawing/2014/main" xmlns:p14="http://schemas.microsoft.com/office/powerpoint/2010/main" xmlns:a14="http://schemas.microsoft.com/office/drawing/2010/main" w="9525">
+                <a14:hiddenLine xmlns:a14="http://schemas.microsoft.com/office/drawing/2010/main" xmlns:p14="http://schemas.microsoft.com/office/powerpoint/2010/main" xmlns:a16="http://schemas.microsoft.com/office/drawing/2014/main" xmlns="" w="9525">
                   <a:solidFill>
                     <a:srgbClr val="000000"/>
                   </a:solidFill>
@@ -20304,7 +20304,7 @@
             </a:ln>
             <a:extLst>
               <a:ext uri="{91240B29-F687-4f45-9708-019B960494DF}">
-                <a14:hiddenLine xmlns="" xmlns:a16="http://schemas.microsoft.com/office/drawing/2014/main" xmlns:p14="http://schemas.microsoft.com/office/powerpoint/2010/main" xmlns:a14="http://schemas.microsoft.com/office/drawing/2010/main" w="9525">
+                <a14:hiddenLine xmlns:a14="http://schemas.microsoft.com/office/drawing/2010/main" xmlns:p14="http://schemas.microsoft.com/office/powerpoint/2010/main" xmlns:a16="http://schemas.microsoft.com/office/drawing/2014/main" xmlns="" w="9525">
                   <a:solidFill>
                     <a:srgbClr val="000000"/>
                   </a:solidFill>
@@ -20409,7 +20409,7 @@
             </a:ln>
             <a:extLst>
               <a:ext uri="{91240B29-F687-4f45-9708-019B960494DF}">
-                <a14:hiddenLine xmlns="" xmlns:a16="http://schemas.microsoft.com/office/drawing/2014/main" xmlns:p14="http://schemas.microsoft.com/office/powerpoint/2010/main" xmlns:a14="http://schemas.microsoft.com/office/drawing/2010/main" w="9525">
+                <a14:hiddenLine xmlns:a14="http://schemas.microsoft.com/office/drawing/2010/main" xmlns:p14="http://schemas.microsoft.com/office/powerpoint/2010/main" xmlns:a16="http://schemas.microsoft.com/office/drawing/2014/main" xmlns="" w="9525">
                   <a:solidFill>
                     <a:srgbClr val="000000"/>
                   </a:solidFill>
@@ -20486,7 +20486,7 @@
             </a:ln>
             <a:extLst>
               <a:ext uri="{91240B29-F687-4f45-9708-019B960494DF}">
-                <a14:hiddenLine xmlns="" xmlns:a16="http://schemas.microsoft.com/office/drawing/2014/main" xmlns:p14="http://schemas.microsoft.com/office/powerpoint/2010/main" xmlns:a14="http://schemas.microsoft.com/office/drawing/2010/main" w="9525">
+                <a14:hiddenLine xmlns:a14="http://schemas.microsoft.com/office/drawing/2010/main" xmlns:p14="http://schemas.microsoft.com/office/powerpoint/2010/main" xmlns:a16="http://schemas.microsoft.com/office/drawing/2014/main" xmlns="" w="9525">
                   <a:solidFill>
                     <a:srgbClr val="000000"/>
                   </a:solidFill>
@@ -20611,7 +20611,7 @@
             </a:ln>
             <a:extLst>
               <a:ext uri="{91240B29-F687-4f45-9708-019B960494DF}">
-                <a14:hiddenLine xmlns="" xmlns:a16="http://schemas.microsoft.com/office/drawing/2014/main" xmlns:p14="http://schemas.microsoft.com/office/powerpoint/2010/main" xmlns:a14="http://schemas.microsoft.com/office/drawing/2010/main" w="9525">
+                <a14:hiddenLine xmlns:a14="http://schemas.microsoft.com/office/drawing/2010/main" xmlns:p14="http://schemas.microsoft.com/office/powerpoint/2010/main" xmlns:a16="http://schemas.microsoft.com/office/drawing/2014/main" xmlns="" w="9525">
                   <a:solidFill>
                     <a:srgbClr val="000000"/>
                   </a:solidFill>
@@ -20688,7 +20688,7 @@
             </a:ln>
             <a:extLst>
               <a:ext uri="{91240B29-F687-4f45-9708-019B960494DF}">
-                <a14:hiddenLine xmlns="" xmlns:a16="http://schemas.microsoft.com/office/drawing/2014/main" xmlns:p14="http://schemas.microsoft.com/office/powerpoint/2010/main" xmlns:a14="http://schemas.microsoft.com/office/drawing/2010/main" w="9525">
+                <a14:hiddenLine xmlns:a14="http://schemas.microsoft.com/office/drawing/2010/main" xmlns:p14="http://schemas.microsoft.com/office/powerpoint/2010/main" xmlns:a16="http://schemas.microsoft.com/office/drawing/2014/main" xmlns="" w="9525">
                   <a:solidFill>
                     <a:srgbClr val="000000"/>
                   </a:solidFill>
@@ -20793,7 +20793,7 @@
             </a:ln>
             <a:extLst>
               <a:ext uri="{91240B29-F687-4f45-9708-019B960494DF}">
-                <a14:hiddenLine xmlns="" xmlns:a16="http://schemas.microsoft.com/office/drawing/2014/main" xmlns:p14="http://schemas.microsoft.com/office/powerpoint/2010/main" xmlns:a14="http://schemas.microsoft.com/office/drawing/2010/main" w="9525">
+                <a14:hiddenLine xmlns:a14="http://schemas.microsoft.com/office/drawing/2010/main" xmlns:p14="http://schemas.microsoft.com/office/powerpoint/2010/main" xmlns:a16="http://schemas.microsoft.com/office/drawing/2014/main" xmlns="" w="9525">
                   <a:solidFill>
                     <a:srgbClr val="000000"/>
                   </a:solidFill>
@@ -20898,7 +20898,7 @@
             </a:ln>
             <a:extLst>
               <a:ext uri="{91240B29-F687-4f45-9708-019B960494DF}">
-                <a14:hiddenLine xmlns="" xmlns:a16="http://schemas.microsoft.com/office/drawing/2014/main" xmlns:p14="http://schemas.microsoft.com/office/powerpoint/2010/main" xmlns:a14="http://schemas.microsoft.com/office/drawing/2010/main" w="9525">
+                <a14:hiddenLine xmlns:a14="http://schemas.microsoft.com/office/drawing/2010/main" xmlns:p14="http://schemas.microsoft.com/office/powerpoint/2010/main" xmlns:a16="http://schemas.microsoft.com/office/drawing/2014/main" xmlns="" w="9525">
                   <a:solidFill>
                     <a:srgbClr val="000000"/>
                   </a:solidFill>
@@ -20975,7 +20975,7 @@
             </a:ln>
             <a:extLst>
               <a:ext uri="{91240B29-F687-4f45-9708-019B960494DF}">
-                <a14:hiddenLine xmlns="" xmlns:a16="http://schemas.microsoft.com/office/drawing/2014/main" xmlns:p14="http://schemas.microsoft.com/office/powerpoint/2010/main" xmlns:a14="http://schemas.microsoft.com/office/drawing/2010/main" w="9525">
+                <a14:hiddenLine xmlns:a14="http://schemas.microsoft.com/office/drawing/2010/main" xmlns:p14="http://schemas.microsoft.com/office/powerpoint/2010/main" xmlns:a16="http://schemas.microsoft.com/office/drawing/2014/main" xmlns="" w="9525">
                   <a:solidFill>
                     <a:srgbClr val="000000"/>
                   </a:solidFill>
@@ -21080,7 +21080,7 @@
             </a:ln>
             <a:extLst>
               <a:ext uri="{91240B29-F687-4f45-9708-019B960494DF}">
-                <a14:hiddenLine xmlns="" xmlns:a16="http://schemas.microsoft.com/office/drawing/2014/main" xmlns:p14="http://schemas.microsoft.com/office/powerpoint/2010/main" xmlns:a14="http://schemas.microsoft.com/office/drawing/2010/main" w="9525">
+                <a14:hiddenLine xmlns:a14="http://schemas.microsoft.com/office/drawing/2010/main" xmlns:p14="http://schemas.microsoft.com/office/powerpoint/2010/main" xmlns:a16="http://schemas.microsoft.com/office/drawing/2014/main" xmlns="" w="9525">
                   <a:solidFill>
                     <a:srgbClr val="000000"/>
                   </a:solidFill>
@@ -21185,7 +21185,7 @@
             </a:ln>
             <a:extLst>
               <a:ext uri="{91240B29-F687-4f45-9708-019B960494DF}">
-                <a14:hiddenLine xmlns="" xmlns:a16="http://schemas.microsoft.com/office/drawing/2014/main" xmlns:p14="http://schemas.microsoft.com/office/powerpoint/2010/main" xmlns:a14="http://schemas.microsoft.com/office/drawing/2010/main" w="9525">
+                <a14:hiddenLine xmlns:a14="http://schemas.microsoft.com/office/drawing/2010/main" xmlns:p14="http://schemas.microsoft.com/office/powerpoint/2010/main" xmlns:a16="http://schemas.microsoft.com/office/drawing/2014/main" xmlns="" w="9525">
                   <a:solidFill>
                     <a:srgbClr val="000000"/>
                   </a:solidFill>
@@ -21256,7 +21256,7 @@
             </a:ln>
             <a:extLst>
               <a:ext uri="{91240B29-F687-4f45-9708-019B960494DF}">
-                <a14:hiddenLine xmlns="" xmlns:a16="http://schemas.microsoft.com/office/drawing/2014/main" xmlns:p14="http://schemas.microsoft.com/office/powerpoint/2010/main" xmlns:a14="http://schemas.microsoft.com/office/drawing/2010/main" w="9525">
+                <a14:hiddenLine xmlns:a14="http://schemas.microsoft.com/office/drawing/2010/main" xmlns:p14="http://schemas.microsoft.com/office/powerpoint/2010/main" xmlns:a16="http://schemas.microsoft.com/office/drawing/2014/main" xmlns="" w="9525">
                   <a:solidFill>
                     <a:srgbClr val="000000"/>
                   </a:solidFill>
@@ -21361,7 +21361,7 @@
             </a:ln>
             <a:extLst>
               <a:ext uri="{91240B29-F687-4f45-9708-019B960494DF}">
-                <a14:hiddenLine xmlns="" xmlns:a16="http://schemas.microsoft.com/office/drawing/2014/main" xmlns:p14="http://schemas.microsoft.com/office/powerpoint/2010/main" xmlns:a14="http://schemas.microsoft.com/office/drawing/2010/main" w="9525">
+                <a14:hiddenLine xmlns:a14="http://schemas.microsoft.com/office/drawing/2010/main" xmlns:p14="http://schemas.microsoft.com/office/powerpoint/2010/main" xmlns:a16="http://schemas.microsoft.com/office/drawing/2014/main" xmlns="" w="9525">
                   <a:solidFill>
                     <a:srgbClr val="000000"/>
                   </a:solidFill>
@@ -21432,7 +21432,7 @@
             </a:ln>
             <a:extLst>
               <a:ext uri="{91240B29-F687-4f45-9708-019B960494DF}">
-                <a14:hiddenLine xmlns="" xmlns:a16="http://schemas.microsoft.com/office/drawing/2014/main" xmlns:p14="http://schemas.microsoft.com/office/powerpoint/2010/main" xmlns:a14="http://schemas.microsoft.com/office/drawing/2010/main" w="9525">
+                <a14:hiddenLine xmlns:a14="http://schemas.microsoft.com/office/drawing/2010/main" xmlns:p14="http://schemas.microsoft.com/office/powerpoint/2010/main" xmlns:a16="http://schemas.microsoft.com/office/drawing/2014/main" xmlns="" w="9525">
                   <a:solidFill>
                     <a:srgbClr val="000000"/>
                   </a:solidFill>
@@ -21537,7 +21537,7 @@
             </a:ln>
             <a:extLst>
               <a:ext uri="{91240B29-F687-4f45-9708-019B960494DF}">
-                <a14:hiddenLine xmlns="" xmlns:a16="http://schemas.microsoft.com/office/drawing/2014/main" xmlns:p14="http://schemas.microsoft.com/office/powerpoint/2010/main" xmlns:a14="http://schemas.microsoft.com/office/drawing/2010/main" w="9525">
+                <a14:hiddenLine xmlns:a14="http://schemas.microsoft.com/office/drawing/2010/main" xmlns:p14="http://schemas.microsoft.com/office/powerpoint/2010/main" xmlns:a16="http://schemas.microsoft.com/office/drawing/2014/main" xmlns="" w="9525">
                   <a:solidFill>
                     <a:srgbClr val="000000"/>
                   </a:solidFill>
@@ -21620,7 +21620,7 @@
             </a:ln>
             <a:extLst>
               <a:ext uri="{91240B29-F687-4f45-9708-019B960494DF}">
-                <a14:hiddenLine xmlns="" xmlns:a16="http://schemas.microsoft.com/office/drawing/2014/main" xmlns:p14="http://schemas.microsoft.com/office/powerpoint/2010/main" xmlns:a14="http://schemas.microsoft.com/office/drawing/2010/main" w="9525">
+                <a14:hiddenLine xmlns:a14="http://schemas.microsoft.com/office/drawing/2010/main" xmlns:p14="http://schemas.microsoft.com/office/powerpoint/2010/main" xmlns:a16="http://schemas.microsoft.com/office/drawing/2014/main" xmlns="" w="9525">
                   <a:solidFill>
                     <a:srgbClr val="000000"/>
                   </a:solidFill>
@@ -21725,7 +21725,7 @@
             </a:ln>
             <a:extLst>
               <a:ext uri="{91240B29-F687-4f45-9708-019B960494DF}">
-                <a14:hiddenLine xmlns="" xmlns:a16="http://schemas.microsoft.com/office/drawing/2014/main" xmlns:p14="http://schemas.microsoft.com/office/powerpoint/2010/main" xmlns:a14="http://schemas.microsoft.com/office/drawing/2010/main" w="9525">
+                <a14:hiddenLine xmlns:a14="http://schemas.microsoft.com/office/drawing/2010/main" xmlns:p14="http://schemas.microsoft.com/office/powerpoint/2010/main" xmlns:a16="http://schemas.microsoft.com/office/drawing/2014/main" xmlns="" w="9525">
                   <a:solidFill>
                     <a:srgbClr val="000000"/>
                   </a:solidFill>
@@ -21808,7 +21808,7 @@
             </a:ln>
             <a:extLst>
               <a:ext uri="{91240B29-F687-4f45-9708-019B960494DF}">
-                <a14:hiddenLine xmlns="" xmlns:a16="http://schemas.microsoft.com/office/drawing/2014/main" xmlns:p14="http://schemas.microsoft.com/office/powerpoint/2010/main" xmlns:a14="http://schemas.microsoft.com/office/drawing/2010/main" w="9525">
+                <a14:hiddenLine xmlns:a14="http://schemas.microsoft.com/office/drawing/2010/main" xmlns:p14="http://schemas.microsoft.com/office/powerpoint/2010/main" xmlns:a16="http://schemas.microsoft.com/office/drawing/2014/main" xmlns="" w="9525">
                   <a:solidFill>
                     <a:srgbClr val="000000"/>
                   </a:solidFill>
@@ -21913,7 +21913,7 @@
             </a:ln>
             <a:extLst>
               <a:ext uri="{91240B29-F687-4f45-9708-019B960494DF}">
-                <a14:hiddenLine xmlns="" xmlns:a16="http://schemas.microsoft.com/office/drawing/2014/main" xmlns:p14="http://schemas.microsoft.com/office/powerpoint/2010/main" xmlns:a14="http://schemas.microsoft.com/office/drawing/2010/main" w="9525">
+                <a14:hiddenLine xmlns:a14="http://schemas.microsoft.com/office/drawing/2010/main" xmlns:p14="http://schemas.microsoft.com/office/powerpoint/2010/main" xmlns:a16="http://schemas.microsoft.com/office/drawing/2014/main" xmlns="" w="9525">
                   <a:solidFill>
                     <a:srgbClr val="000000"/>
                   </a:solidFill>
@@ -21962,7 +21962,7 @@
             </a:ln>
             <a:extLst>
               <a:ext uri="{91240B29-F687-4f45-9708-019B960494DF}">
-                <a14:hiddenLine xmlns="" xmlns:a16="http://schemas.microsoft.com/office/drawing/2014/main" xmlns:p14="http://schemas.microsoft.com/office/powerpoint/2010/main" xmlns:a14="http://schemas.microsoft.com/office/drawing/2010/main" w="9525">
+                <a14:hiddenLine xmlns:a14="http://schemas.microsoft.com/office/drawing/2010/main" xmlns:p14="http://schemas.microsoft.com/office/powerpoint/2010/main" xmlns:a16="http://schemas.microsoft.com/office/drawing/2014/main" xmlns="" w="9525">
                   <a:solidFill>
                     <a:srgbClr val="000000"/>
                   </a:solidFill>
@@ -22067,7 +22067,7 @@
             </a:ln>
             <a:extLst>
               <a:ext uri="{91240B29-F687-4f45-9708-019B960494DF}">
-                <a14:hiddenLine xmlns="" xmlns:a16="http://schemas.microsoft.com/office/drawing/2014/main" xmlns:p14="http://schemas.microsoft.com/office/powerpoint/2010/main" xmlns:a14="http://schemas.microsoft.com/office/drawing/2010/main" w="9525">
+                <a14:hiddenLine xmlns:a14="http://schemas.microsoft.com/office/drawing/2010/main" xmlns:p14="http://schemas.microsoft.com/office/powerpoint/2010/main" xmlns:a16="http://schemas.microsoft.com/office/drawing/2014/main" xmlns="" w="9525">
                   <a:solidFill>
                     <a:srgbClr val="000000"/>
                   </a:solidFill>
@@ -22144,7 +22144,7 @@
             </a:ln>
             <a:extLst>
               <a:ext uri="{91240B29-F687-4f45-9708-019B960494DF}">
-                <a14:hiddenLine xmlns="" xmlns:a16="http://schemas.microsoft.com/office/drawing/2014/main" xmlns:p14="http://schemas.microsoft.com/office/powerpoint/2010/main" xmlns:a14="http://schemas.microsoft.com/office/drawing/2010/main" w="9525">
+                <a14:hiddenLine xmlns:a14="http://schemas.microsoft.com/office/drawing/2010/main" xmlns:p14="http://schemas.microsoft.com/office/powerpoint/2010/main" xmlns:a16="http://schemas.microsoft.com/office/drawing/2014/main" xmlns="" w="9525">
                   <a:solidFill>
                     <a:srgbClr val="000000"/>
                   </a:solidFill>
@@ -22221,7 +22221,7 @@
             </a:ln>
             <a:extLst>
               <a:ext uri="{91240B29-F687-4f45-9708-019B960494DF}">
-                <a14:hiddenLine xmlns="" xmlns:a16="http://schemas.microsoft.com/office/drawing/2014/main" xmlns:p14="http://schemas.microsoft.com/office/powerpoint/2010/main" xmlns:a14="http://schemas.microsoft.com/office/drawing/2010/main" w="9525">
+                <a14:hiddenLine xmlns:a14="http://schemas.microsoft.com/office/drawing/2010/main" xmlns:p14="http://schemas.microsoft.com/office/powerpoint/2010/main" xmlns:a16="http://schemas.microsoft.com/office/drawing/2014/main" xmlns="" w="9525">
                   <a:solidFill>
                     <a:srgbClr val="000000"/>
                   </a:solidFill>
@@ -22326,7 +22326,7 @@
             </a:ln>
             <a:extLst>
               <a:ext uri="{91240B29-F687-4f45-9708-019B960494DF}">
-                <a14:hiddenLine xmlns="" xmlns:a16="http://schemas.microsoft.com/office/drawing/2014/main" xmlns:p14="http://schemas.microsoft.com/office/powerpoint/2010/main" xmlns:a14="http://schemas.microsoft.com/office/drawing/2010/main" w="9525">
+                <a14:hiddenLine xmlns:a14="http://schemas.microsoft.com/office/drawing/2010/main" xmlns:p14="http://schemas.microsoft.com/office/powerpoint/2010/main" xmlns:a16="http://schemas.microsoft.com/office/drawing/2014/main" xmlns="" w="9525">
                   <a:solidFill>
                     <a:srgbClr val="000000"/>
                   </a:solidFill>
@@ -22409,7 +22409,7 @@
             </a:ln>
             <a:extLst>
               <a:ext uri="{91240B29-F687-4f45-9708-019B960494DF}">
-                <a14:hiddenLine xmlns="" xmlns:a16="http://schemas.microsoft.com/office/drawing/2014/main" xmlns:p14="http://schemas.microsoft.com/office/powerpoint/2010/main" xmlns:a14="http://schemas.microsoft.com/office/drawing/2010/main" w="9525">
+                <a14:hiddenLine xmlns:a14="http://schemas.microsoft.com/office/drawing/2010/main" xmlns:p14="http://schemas.microsoft.com/office/powerpoint/2010/main" xmlns:a16="http://schemas.microsoft.com/office/drawing/2014/main" xmlns="" w="9525">
                   <a:solidFill>
                     <a:srgbClr val="000000"/>
                   </a:solidFill>
@@ -22486,7 +22486,7 @@
             </a:ln>
             <a:extLst>
               <a:ext uri="{91240B29-F687-4f45-9708-019B960494DF}">
-                <a14:hiddenLine xmlns="" xmlns:a16="http://schemas.microsoft.com/office/drawing/2014/main" xmlns:p14="http://schemas.microsoft.com/office/powerpoint/2010/main" xmlns:a14="http://schemas.microsoft.com/office/drawing/2010/main" w="9525">
+                <a14:hiddenLine xmlns:a14="http://schemas.microsoft.com/office/drawing/2010/main" xmlns:p14="http://schemas.microsoft.com/office/powerpoint/2010/main" xmlns:a16="http://schemas.microsoft.com/office/drawing/2014/main" xmlns="" w="9525">
                   <a:solidFill>
                     <a:srgbClr val="000000"/>
                   </a:solidFill>
@@ -22591,7 +22591,7 @@
             </a:ln>
             <a:extLst>
               <a:ext uri="{91240B29-F687-4f45-9708-019B960494DF}">
-                <a14:hiddenLine xmlns="" xmlns:a16="http://schemas.microsoft.com/office/drawing/2014/main" xmlns:p14="http://schemas.microsoft.com/office/powerpoint/2010/main" xmlns:a14="http://schemas.microsoft.com/office/drawing/2010/main" w="9525">
+                <a14:hiddenLine xmlns:a14="http://schemas.microsoft.com/office/drawing/2010/main" xmlns:p14="http://schemas.microsoft.com/office/powerpoint/2010/main" xmlns:a16="http://schemas.microsoft.com/office/drawing/2014/main" xmlns="" w="9525">
                   <a:solidFill>
                     <a:srgbClr val="000000"/>
                   </a:solidFill>
@@ -22668,7 +22668,7 @@
             </a:ln>
             <a:extLst>
               <a:ext uri="{91240B29-F687-4f45-9708-019B960494DF}">
-                <a14:hiddenLine xmlns="" xmlns:a16="http://schemas.microsoft.com/office/drawing/2014/main" xmlns:p14="http://schemas.microsoft.com/office/powerpoint/2010/main" xmlns:a14="http://schemas.microsoft.com/office/drawing/2010/main" w="9525">
+                <a14:hiddenLine xmlns:a14="http://schemas.microsoft.com/office/drawing/2010/main" xmlns:p14="http://schemas.microsoft.com/office/powerpoint/2010/main" xmlns:a16="http://schemas.microsoft.com/office/drawing/2014/main" xmlns="" w="9525">
                   <a:solidFill>
                     <a:srgbClr val="000000"/>
                   </a:solidFill>
@@ -22773,7 +22773,7 @@
             </a:ln>
             <a:extLst>
               <a:ext uri="{91240B29-F687-4f45-9708-019B960494DF}">
-                <a14:hiddenLine xmlns="" xmlns:a16="http://schemas.microsoft.com/office/drawing/2014/main" xmlns:p14="http://schemas.microsoft.com/office/powerpoint/2010/main" xmlns:a14="http://schemas.microsoft.com/office/drawing/2010/main" w="9525">
+                <a14:hiddenLine xmlns:a14="http://schemas.microsoft.com/office/drawing/2010/main" xmlns:p14="http://schemas.microsoft.com/office/powerpoint/2010/main" xmlns:a16="http://schemas.microsoft.com/office/drawing/2014/main" xmlns="" w="9525">
                   <a:solidFill>
                     <a:srgbClr val="000000"/>
                   </a:solidFill>
@@ -22850,7 +22850,7 @@
             </a:ln>
             <a:extLst>
               <a:ext uri="{91240B29-F687-4f45-9708-019B960494DF}">
-                <a14:hiddenLine xmlns="" xmlns:a16="http://schemas.microsoft.com/office/drawing/2014/main" xmlns:p14="http://schemas.microsoft.com/office/powerpoint/2010/main" xmlns:a14="http://schemas.microsoft.com/office/drawing/2010/main" w="9525">
+                <a14:hiddenLine xmlns:a14="http://schemas.microsoft.com/office/drawing/2010/main" xmlns:p14="http://schemas.microsoft.com/office/powerpoint/2010/main" xmlns:a16="http://schemas.microsoft.com/office/drawing/2014/main" xmlns="" w="9525">
                   <a:solidFill>
                     <a:srgbClr val="000000"/>
                   </a:solidFill>
@@ -22955,7 +22955,7 @@
             </a:ln>
             <a:extLst>
               <a:ext uri="{91240B29-F687-4f45-9708-019B960494DF}">
-                <a14:hiddenLine xmlns="" xmlns:a16="http://schemas.microsoft.com/office/drawing/2014/main" xmlns:p14="http://schemas.microsoft.com/office/powerpoint/2010/main" xmlns:a14="http://schemas.microsoft.com/office/drawing/2010/main" w="9525">
+                <a14:hiddenLine xmlns:a14="http://schemas.microsoft.com/office/drawing/2010/main" xmlns:p14="http://schemas.microsoft.com/office/powerpoint/2010/main" xmlns:a16="http://schemas.microsoft.com/office/drawing/2014/main" xmlns="" w="9525">
                   <a:solidFill>
                     <a:srgbClr val="000000"/>
                   </a:solidFill>
@@ -23004,7 +23004,7 @@
             </a:ln>
             <a:extLst>
               <a:ext uri="{91240B29-F687-4f45-9708-019B960494DF}">
-                <a14:hiddenLine xmlns="" xmlns:a16="http://schemas.microsoft.com/office/drawing/2014/main" xmlns:p14="http://schemas.microsoft.com/office/powerpoint/2010/main" xmlns:a14="http://schemas.microsoft.com/office/drawing/2010/main" w="9525">
+                <a14:hiddenLine xmlns:a14="http://schemas.microsoft.com/office/drawing/2010/main" xmlns:p14="http://schemas.microsoft.com/office/powerpoint/2010/main" xmlns:a16="http://schemas.microsoft.com/office/drawing/2014/main" xmlns="" w="9525">
                   <a:solidFill>
                     <a:srgbClr val="000000"/>
                   </a:solidFill>
@@ -23084,7 +23084,7 @@
             </a:ln>
             <a:extLst>
               <a:ext uri="{91240B29-F687-4f45-9708-019B960494DF}">
-                <a14:hiddenLine xmlns="" xmlns:a16="http://schemas.microsoft.com/office/drawing/2014/main" xmlns:p14="http://schemas.microsoft.com/office/powerpoint/2010/main" xmlns:a14="http://schemas.microsoft.com/office/drawing/2010/main" w="9525">
+                <a14:hiddenLine xmlns:a14="http://schemas.microsoft.com/office/drawing/2010/main" xmlns:p14="http://schemas.microsoft.com/office/powerpoint/2010/main" xmlns:a16="http://schemas.microsoft.com/office/drawing/2014/main" xmlns="" w="9525">
                   <a:solidFill>
                     <a:srgbClr val="000000"/>
                   </a:solidFill>
@@ -23189,7 +23189,7 @@
             </a:ln>
             <a:extLst>
               <a:ext uri="{91240B29-F687-4f45-9708-019B960494DF}">
-                <a14:hiddenLine xmlns="" xmlns:a16="http://schemas.microsoft.com/office/drawing/2014/main" xmlns:p14="http://schemas.microsoft.com/office/powerpoint/2010/main" xmlns:a14="http://schemas.microsoft.com/office/drawing/2010/main" w="9525">
+                <a14:hiddenLine xmlns:a14="http://schemas.microsoft.com/office/drawing/2010/main" xmlns:p14="http://schemas.microsoft.com/office/powerpoint/2010/main" xmlns:a16="http://schemas.microsoft.com/office/drawing/2014/main" xmlns="" w="9525">
                   <a:solidFill>
                     <a:srgbClr val="000000"/>
                   </a:solidFill>
@@ -23266,7 +23266,7 @@
             </a:ln>
             <a:extLst>
               <a:ext uri="{91240B29-F687-4f45-9708-019B960494DF}">
-                <a14:hiddenLine xmlns="" xmlns:a16="http://schemas.microsoft.com/office/drawing/2014/main" xmlns:p14="http://schemas.microsoft.com/office/powerpoint/2010/main" xmlns:a14="http://schemas.microsoft.com/office/drawing/2010/main" w="9525">
+                <a14:hiddenLine xmlns:a14="http://schemas.microsoft.com/office/drawing/2010/main" xmlns:p14="http://schemas.microsoft.com/office/powerpoint/2010/main" xmlns:a16="http://schemas.microsoft.com/office/drawing/2014/main" xmlns="" w="9525">
                   <a:solidFill>
                     <a:srgbClr val="000000"/>
                   </a:solidFill>
@@ -23371,7 +23371,7 @@
             </a:ln>
             <a:extLst>
               <a:ext uri="{91240B29-F687-4f45-9708-019B960494DF}">
-                <a14:hiddenLine xmlns="" xmlns:a16="http://schemas.microsoft.com/office/drawing/2014/main" xmlns:p14="http://schemas.microsoft.com/office/powerpoint/2010/main" xmlns:a14="http://schemas.microsoft.com/office/drawing/2010/main" w="9525">
+                <a14:hiddenLine xmlns:a14="http://schemas.microsoft.com/office/drawing/2010/main" xmlns:p14="http://schemas.microsoft.com/office/powerpoint/2010/main" xmlns:a16="http://schemas.microsoft.com/office/drawing/2014/main" xmlns="" w="9525">
                   <a:solidFill>
                     <a:srgbClr val="000000"/>
                   </a:solidFill>
@@ -23476,7 +23476,7 @@
             </a:ln>
             <a:extLst>
               <a:ext uri="{91240B29-F687-4f45-9708-019B960494DF}">
-                <a14:hiddenLine xmlns="" xmlns:a16="http://schemas.microsoft.com/office/drawing/2014/main" xmlns:p14="http://schemas.microsoft.com/office/powerpoint/2010/main" xmlns:a14="http://schemas.microsoft.com/office/drawing/2010/main" w="9525">
+                <a14:hiddenLine xmlns:a14="http://schemas.microsoft.com/office/drawing/2010/main" xmlns:p14="http://schemas.microsoft.com/office/powerpoint/2010/main" xmlns:a16="http://schemas.microsoft.com/office/drawing/2014/main" xmlns="" w="9525">
                   <a:solidFill>
                     <a:srgbClr val="000000"/>
                   </a:solidFill>
@@ -23556,7 +23556,7 @@
             </a:ln>
             <a:extLst>
               <a:ext uri="{91240B29-F687-4f45-9708-019B960494DF}">
-                <a14:hiddenLine xmlns="" xmlns:a16="http://schemas.microsoft.com/office/drawing/2014/main" xmlns:p14="http://schemas.microsoft.com/office/powerpoint/2010/main" xmlns:a14="http://schemas.microsoft.com/office/drawing/2010/main" w="9525">
+                <a14:hiddenLine xmlns:a14="http://schemas.microsoft.com/office/drawing/2010/main" xmlns:p14="http://schemas.microsoft.com/office/powerpoint/2010/main" xmlns:a16="http://schemas.microsoft.com/office/drawing/2014/main" xmlns="" w="9525">
                   <a:solidFill>
                     <a:srgbClr val="000000"/>
                   </a:solidFill>
@@ -23633,7 +23633,7 @@
             </a:ln>
             <a:extLst>
               <a:ext uri="{91240B29-F687-4f45-9708-019B960494DF}">
-                <a14:hiddenLine xmlns="" xmlns:a16="http://schemas.microsoft.com/office/drawing/2014/main" xmlns:p14="http://schemas.microsoft.com/office/powerpoint/2010/main" xmlns:a14="http://schemas.microsoft.com/office/drawing/2010/main" w="9525">
+                <a14:hiddenLine xmlns:a14="http://schemas.microsoft.com/office/drawing/2010/main" xmlns:p14="http://schemas.microsoft.com/office/powerpoint/2010/main" xmlns:a16="http://schemas.microsoft.com/office/drawing/2014/main" xmlns="" w="9525">
                   <a:solidFill>
                     <a:srgbClr val="000000"/>
                   </a:solidFill>
@@ -23738,7 +23738,7 @@
             </a:ln>
             <a:extLst>
               <a:ext uri="{91240B29-F687-4f45-9708-019B960494DF}">
-                <a14:hiddenLine xmlns="" xmlns:a16="http://schemas.microsoft.com/office/drawing/2014/main" xmlns:p14="http://schemas.microsoft.com/office/powerpoint/2010/main" xmlns:a14="http://schemas.microsoft.com/office/drawing/2010/main" w="9525">
+                <a14:hiddenLine xmlns:a14="http://schemas.microsoft.com/office/drawing/2010/main" xmlns:p14="http://schemas.microsoft.com/office/powerpoint/2010/main" xmlns:a16="http://schemas.microsoft.com/office/drawing/2014/main" xmlns="" w="9525">
                   <a:solidFill>
                     <a:srgbClr val="000000"/>
                   </a:solidFill>
@@ -23843,7 +23843,7 @@
             </a:ln>
             <a:extLst>
               <a:ext uri="{91240B29-F687-4f45-9708-019B960494DF}">
-                <a14:hiddenLine xmlns="" xmlns:a16="http://schemas.microsoft.com/office/drawing/2014/main" xmlns:p14="http://schemas.microsoft.com/office/powerpoint/2010/main" xmlns:a14="http://schemas.microsoft.com/office/drawing/2010/main" w="9525">
+                <a14:hiddenLine xmlns:a14="http://schemas.microsoft.com/office/drawing/2010/main" xmlns:p14="http://schemas.microsoft.com/office/powerpoint/2010/main" xmlns:a16="http://schemas.microsoft.com/office/drawing/2014/main" xmlns="" w="9525">
                   <a:solidFill>
                     <a:srgbClr val="000000"/>
                   </a:solidFill>
@@ -23920,7 +23920,7 @@
             </a:ln>
             <a:extLst>
               <a:ext uri="{91240B29-F687-4f45-9708-019B960494DF}">
-                <a14:hiddenLine xmlns="" xmlns:a16="http://schemas.microsoft.com/office/drawing/2014/main" xmlns:p14="http://schemas.microsoft.com/office/powerpoint/2010/main" xmlns:a14="http://schemas.microsoft.com/office/drawing/2010/main" w="9525">
+                <a14:hiddenLine xmlns:a14="http://schemas.microsoft.com/office/drawing/2010/main" xmlns:p14="http://schemas.microsoft.com/office/powerpoint/2010/main" xmlns:a16="http://schemas.microsoft.com/office/drawing/2014/main" xmlns="" w="9525">
                   <a:solidFill>
                     <a:srgbClr val="000000"/>
                   </a:solidFill>
@@ -24055,7 +24055,7 @@
             </a:ln>
             <a:extLst>
               <a:ext uri="{91240B29-F687-4f45-9708-019B960494DF}">
-                <a14:hiddenLine xmlns="" xmlns:a16="http://schemas.microsoft.com/office/drawing/2014/main" xmlns:p14="http://schemas.microsoft.com/office/powerpoint/2010/main" xmlns:a14="http://schemas.microsoft.com/office/drawing/2010/main" w="9525">
+                <a14:hiddenLine xmlns:a14="http://schemas.microsoft.com/office/drawing/2010/main" xmlns:p14="http://schemas.microsoft.com/office/powerpoint/2010/main" xmlns:a16="http://schemas.microsoft.com/office/drawing/2014/main" xmlns="" w="9525">
                   <a:solidFill>
                     <a:srgbClr val="000000"/>
                   </a:solidFill>
@@ -24138,7 +24138,7 @@
             </a:ln>
             <a:extLst>
               <a:ext uri="{91240B29-F687-4f45-9708-019B960494DF}">
-                <a14:hiddenLine xmlns="" xmlns:a16="http://schemas.microsoft.com/office/drawing/2014/main" xmlns:p14="http://schemas.microsoft.com/office/powerpoint/2010/main" xmlns:a14="http://schemas.microsoft.com/office/drawing/2010/main" w="9525">
+                <a14:hiddenLine xmlns:a14="http://schemas.microsoft.com/office/drawing/2010/main" xmlns:p14="http://schemas.microsoft.com/office/powerpoint/2010/main" xmlns:a16="http://schemas.microsoft.com/office/drawing/2014/main" xmlns="" w="9525">
                   <a:solidFill>
                     <a:srgbClr val="000000"/>
                   </a:solidFill>
@@ -24243,7 +24243,7 @@
             </a:ln>
             <a:extLst>
               <a:ext uri="{91240B29-F687-4f45-9708-019B960494DF}">
-                <a14:hiddenLine xmlns="" xmlns:a16="http://schemas.microsoft.com/office/drawing/2014/main" xmlns:p14="http://schemas.microsoft.com/office/powerpoint/2010/main" xmlns:a14="http://schemas.microsoft.com/office/drawing/2010/main" w="9525">
+                <a14:hiddenLine xmlns:a14="http://schemas.microsoft.com/office/drawing/2010/main" xmlns:p14="http://schemas.microsoft.com/office/powerpoint/2010/main" xmlns:a16="http://schemas.microsoft.com/office/drawing/2014/main" xmlns="" w="9525">
                   <a:solidFill>
                     <a:srgbClr val="000000"/>
                   </a:solidFill>
@@ -24470,36 +24470,6 @@
           </a:p>
         </p:txBody>
       </p:sp>
-      <p:pic>
-        <p:nvPicPr>
-          <p:cNvPr id="7" name="Imagen 6" descr="Interfaz de usuario gráfica, Aplicación&#10;&#10;Descripción generada automáticamente">
-            <a:extLst>
-              <a:ext uri="{FF2B5EF4-FFF2-40B4-BE49-F238E27FC236}">
-                <a16:creationId xmlns:a16="http://schemas.microsoft.com/office/drawing/2014/main" id="{7FD56472-F14B-46D0-9996-195C24EE5C7B}"/>
-              </a:ext>
-            </a:extLst>
-          </p:cNvPr>
-          <p:cNvPicPr>
-            <a:picLocks noChangeAspect="1"/>
-          </p:cNvPicPr>
-          <p:nvPr/>
-        </p:nvPicPr>
-        <p:blipFill>
-          <a:blip r:embed="rId3"/>
-          <a:stretch>
-            <a:fillRect/>
-          </a:stretch>
-        </p:blipFill>
-        <p:spPr>
-          <a:xfrm>
-            <a:off x="7780595" y="3324611"/>
-            <a:ext cx="3168492" cy="2274412"/>
-          </a:xfrm>
-          <a:prstGeom prst="rect">
-            <a:avLst/>
-          </a:prstGeom>
-        </p:spPr>
-      </p:pic>
       <p:sp>
         <p:nvSpPr>
           <p:cNvPr id="12" name="CuadroTexto 11">
@@ -24649,6 +24619,36 @@
           </a:p>
         </p:txBody>
       </p:sp>
+      <p:pic>
+        <p:nvPicPr>
+          <p:cNvPr id="8" name="Imagen 7" descr="Interfaz de usuario gráfica, Aplicación&#10;&#10;Descripción generada automáticamente">
+            <a:extLst>
+              <a:ext uri="{FF2B5EF4-FFF2-40B4-BE49-F238E27FC236}">
+                <a16:creationId xmlns:a16="http://schemas.microsoft.com/office/drawing/2014/main" id="{5EBEBD1B-5C99-4108-9FDA-2CF5B74741DB}"/>
+              </a:ext>
+            </a:extLst>
+          </p:cNvPr>
+          <p:cNvPicPr>
+            <a:picLocks noChangeAspect="1"/>
+          </p:cNvPicPr>
+          <p:nvPr/>
+        </p:nvPicPr>
+        <p:blipFill>
+          <a:blip r:embed="rId3"/>
+          <a:stretch>
+            <a:fillRect/>
+          </a:stretch>
+        </p:blipFill>
+        <p:spPr>
+          <a:xfrm>
+            <a:off x="7763045" y="3302399"/>
+            <a:ext cx="3186042" cy="2566056"/>
+          </a:xfrm>
+          <a:prstGeom prst="rect">
+            <a:avLst/>
+          </a:prstGeom>
+        </p:spPr>
+      </p:pic>
     </p:spTree>
     <p:extLst>
       <p:ext uri="{BB962C8B-B14F-4D97-AF65-F5344CB8AC3E}">
@@ -24898,36 +24898,6 @@
           </a:prstGeom>
         </p:spPr>
       </p:pic>
-      <p:pic>
-        <p:nvPicPr>
-          <p:cNvPr id="7" name="Imagen 6" descr="Interfaz de usuario gráfica, Aplicación&#10;&#10;Descripción generada automáticamente">
-            <a:extLst>
-              <a:ext uri="{FF2B5EF4-FFF2-40B4-BE49-F238E27FC236}">
-                <a16:creationId xmlns:a16="http://schemas.microsoft.com/office/drawing/2014/main" id="{20AC799F-8E88-4310-AF8A-B4F86F2BCAC4}"/>
-              </a:ext>
-            </a:extLst>
-          </p:cNvPr>
-          <p:cNvPicPr>
-            <a:picLocks noChangeAspect="1"/>
-          </p:cNvPicPr>
-          <p:nvPr/>
-        </p:nvPicPr>
-        <p:blipFill>
-          <a:blip r:embed="rId3"/>
-          <a:stretch>
-            <a:fillRect/>
-          </a:stretch>
-        </p:blipFill>
-        <p:spPr>
-          <a:xfrm>
-            <a:off x="7000741" y="3429000"/>
-            <a:ext cx="2857634" cy="2591482"/>
-          </a:xfrm>
-          <a:prstGeom prst="rect">
-            <a:avLst/>
-          </a:prstGeom>
-        </p:spPr>
-      </p:pic>
       <p:sp>
         <p:nvSpPr>
           <p:cNvPr id="8" name="Flecha: a la derecha 7">
@@ -25042,6 +25012,36 @@
           </a:p>
         </p:txBody>
       </p:sp>
+      <p:pic>
+        <p:nvPicPr>
+          <p:cNvPr id="6" name="Imagen 5" descr="Interfaz de usuario gráfica, Aplicación&#10;&#10;Descripción generada automáticamente">
+            <a:extLst>
+              <a:ext uri="{FF2B5EF4-FFF2-40B4-BE49-F238E27FC236}">
+                <a16:creationId xmlns:a16="http://schemas.microsoft.com/office/drawing/2014/main" id="{A3847EAB-E76F-4675-817D-63B7F4AA1AAF}"/>
+              </a:ext>
+            </a:extLst>
+          </p:cNvPr>
+          <p:cNvPicPr>
+            <a:picLocks noChangeAspect="1"/>
+          </p:cNvPicPr>
+          <p:nvPr/>
+        </p:nvPicPr>
+        <p:blipFill>
+          <a:blip r:embed="rId3"/>
+          <a:stretch>
+            <a:fillRect/>
+          </a:stretch>
+        </p:blipFill>
+        <p:spPr>
+          <a:xfrm>
+            <a:off x="7000739" y="3613093"/>
+            <a:ext cx="2857633" cy="2544655"/>
+          </a:xfrm>
+          <a:prstGeom prst="rect">
+            <a:avLst/>
+          </a:prstGeom>
+        </p:spPr>
+      </p:pic>
     </p:spTree>
     <p:extLst>
       <p:ext uri="{BB962C8B-B14F-4D97-AF65-F5344CB8AC3E}">

--- a/doc/Presentación_mitad_de_curso_JuanEspinosayNachoRodriguez.pptx
+++ b/doc/Presentación_mitad_de_curso_JuanEspinosayNachoRodriguez.pptx
@@ -5,18 +5,19 @@
     <p:sldMasterId id="2147483648" r:id="rId1"/>
   </p:sldMasterIdLst>
   <p:notesMasterIdLst>
-    <p:notesMasterId r:id="rId11"/>
+    <p:notesMasterId r:id="rId12"/>
   </p:notesMasterIdLst>
   <p:sldIdLst>
     <p:sldId id="256" r:id="rId2"/>
     <p:sldId id="257" r:id="rId3"/>
     <p:sldId id="262" r:id="rId4"/>
-    <p:sldId id="259" r:id="rId5"/>
-    <p:sldId id="260" r:id="rId6"/>
-    <p:sldId id="261" r:id="rId7"/>
-    <p:sldId id="264" r:id="rId8"/>
-    <p:sldId id="265" r:id="rId9"/>
-    <p:sldId id="266" r:id="rId10"/>
+    <p:sldId id="267" r:id="rId5"/>
+    <p:sldId id="259" r:id="rId6"/>
+    <p:sldId id="260" r:id="rId7"/>
+    <p:sldId id="261" r:id="rId8"/>
+    <p:sldId id="264" r:id="rId9"/>
+    <p:sldId id="265" r:id="rId10"/>
+    <p:sldId id="266" r:id="rId11"/>
   </p:sldIdLst>
   <p:sldSz cx="12192000" cy="6858000"/>
   <p:notesSz cx="6858000" cy="9144000"/>
@@ -205,7 +206,7 @@
           <a:p>
             <a:fld id="{6494474F-FB99-4D66-9794-76C269664995}" type="datetimeFigureOut">
               <a:rPr lang="es-ES" smtClean="0"/>
-              <a:t>05/04/2022</a:t>
+              <a:t>10/06/2022</a:t>
             </a:fld>
             <a:endParaRPr lang="es-ES"/>
           </a:p>
@@ -733,6 +734,139 @@
           <a:bodyPr/>
           <a:lstStyle/>
           <a:p>
+            <a:pPr marL="0" marR="0" lvl="0" indent="0" algn="l" defTabSz="914400" rtl="0" eaLnBrk="1" fontAlgn="auto" latinLnBrk="0" hangingPunct="1">
+              <a:lnSpc>
+                <a:spcPct val="100000"/>
+              </a:lnSpc>
+              <a:spcBef>
+                <a:spcPts val="0"/>
+              </a:spcBef>
+              <a:spcAft>
+                <a:spcPts val="0"/>
+              </a:spcAft>
+              <a:buClrTx/>
+              <a:buSzTx/>
+              <a:buFontTx/>
+              <a:buNone/>
+              <a:tabLst/>
+              <a:defRPr/>
+            </a:pPr>
+            <a:r>
+              <a:rPr lang="es-ES" b="0" dirty="0">
+                <a:solidFill>
+                  <a:srgbClr val="D4D4D4"/>
+                </a:solidFill>
+                <a:effectLst/>
+                <a:latin typeface="Consolas" panose="020B0609020204030204" pitchFamily="49" charset="0"/>
+              </a:rPr>
+              <a:t>En este diagrama representamos como es el flujo de la interfaz de nuestro proyecto. Empezando por una identificación para diferenciar entre Pacientes, Doctores y Enfermeros. Luego procedemos a </a:t>
+            </a:r>
+            <a:r>
+              <a:rPr lang="es-ES" b="0">
+                <a:solidFill>
+                  <a:srgbClr val="D4D4D4"/>
+                </a:solidFill>
+                <a:effectLst/>
+                <a:latin typeface="Consolas" panose="020B0609020204030204" pitchFamily="49" charset="0"/>
+              </a:rPr>
+              <a:t>un menú </a:t>
+            </a:r>
+            <a:r>
+              <a:rPr lang="es-ES" b="0" dirty="0">
+                <a:solidFill>
+                  <a:srgbClr val="D4D4D4"/>
+                </a:solidFill>
+                <a:effectLst/>
+                <a:latin typeface="Consolas" panose="020B0609020204030204" pitchFamily="49" charset="0"/>
+              </a:rPr>
+              <a:t>personalizado para cada uno de ellos con las diferentes opciones que tienen.</a:t>
+            </a:r>
+          </a:p>
+          <a:p>
+            <a:endParaRPr lang="es-ES" dirty="0"/>
+          </a:p>
+        </p:txBody>
+      </p:sp>
+      <p:sp>
+        <p:nvSpPr>
+          <p:cNvPr id="4" name="Marcador de número de diapositiva 3"/>
+          <p:cNvSpPr>
+            <a:spLocks noGrp="1"/>
+          </p:cNvSpPr>
+          <p:nvPr>
+            <p:ph type="sldNum" sz="quarter" idx="5"/>
+          </p:nvPr>
+        </p:nvSpPr>
+        <p:spPr/>
+        <p:txBody>
+          <a:bodyPr/>
+          <a:lstStyle/>
+          <a:p>
+            <a:fld id="{850C8A68-B0DA-436B-AE1F-7E2DFF33396B}" type="slidenum">
+              <a:rPr lang="es-ES" smtClean="0"/>
+              <a:t>4</a:t>
+            </a:fld>
+            <a:endParaRPr lang="es-ES"/>
+          </a:p>
+        </p:txBody>
+      </p:sp>
+    </p:spTree>
+    <p:extLst>
+      <p:ext uri="{BB962C8B-B14F-4D97-AF65-F5344CB8AC3E}">
+        <p14:creationId xmlns:p14="http://schemas.microsoft.com/office/powerpoint/2010/main" val="1831273823"/>
+      </p:ext>
+    </p:extLst>
+  </p:cSld>
+  <p:clrMapOvr>
+    <a:masterClrMapping/>
+  </p:clrMapOvr>
+</p:notes>
+</file>
+
+<file path=ppt/notesSlides/notesSlide4.xml><?xml version="1.0" encoding="utf-8"?>
+<p:notes xmlns:a="http://schemas.openxmlformats.org/drawingml/2006/main" xmlns:r="http://schemas.openxmlformats.org/officeDocument/2006/relationships" xmlns:p="http://schemas.openxmlformats.org/presentationml/2006/main">
+  <p:cSld>
+    <p:spTree>
+      <p:nvGrpSpPr>
+        <p:cNvPr id="1" name=""/>
+        <p:cNvGrpSpPr/>
+        <p:nvPr/>
+      </p:nvGrpSpPr>
+      <p:grpSpPr>
+        <a:xfrm>
+          <a:off x="0" y="0"/>
+          <a:ext cx="0" cy="0"/>
+          <a:chOff x="0" y="0"/>
+          <a:chExt cx="0" cy="0"/>
+        </a:xfrm>
+      </p:grpSpPr>
+      <p:sp>
+        <p:nvSpPr>
+          <p:cNvPr id="2" name="Marcador de imagen de diapositiva 1"/>
+          <p:cNvSpPr>
+            <a:spLocks noGrp="1" noRot="1" noChangeAspect="1"/>
+          </p:cNvSpPr>
+          <p:nvPr>
+            <p:ph type="sldImg"/>
+          </p:nvPr>
+        </p:nvSpPr>
+        <p:spPr/>
+      </p:sp>
+      <p:sp>
+        <p:nvSpPr>
+          <p:cNvPr id="3" name="Marcador de notas 2"/>
+          <p:cNvSpPr>
+            <a:spLocks noGrp="1"/>
+          </p:cNvSpPr>
+          <p:nvPr>
+            <p:ph type="body" idx="1"/>
+          </p:nvPr>
+        </p:nvSpPr>
+        <p:spPr/>
+        <p:txBody>
+          <a:bodyPr/>
+          <a:lstStyle/>
+          <a:p>
             <a:r>
               <a:rPr lang="es-ES" dirty="0"/>
               <a:t>* 3 actores principales: enfermera, paciente y doctor. </a:t>
@@ -792,7 +926,7 @@
           <a:p>
             <a:fld id="{850C8A68-B0DA-436B-AE1F-7E2DFF33396B}" type="slidenum">
               <a:rPr lang="es-ES" smtClean="0"/>
-              <a:t>4</a:t>
+              <a:t>5</a:t>
             </a:fld>
             <a:endParaRPr lang="es-ES"/>
           </a:p>
@@ -811,7 +945,7 @@
 </p:notes>
 </file>
 
-<file path=ppt/notesSlides/notesSlide4.xml><?xml version="1.0" encoding="utf-8"?>
+<file path=ppt/notesSlides/notesSlide5.xml><?xml version="1.0" encoding="utf-8"?>
 <p:notes xmlns:a="http://schemas.openxmlformats.org/drawingml/2006/main" xmlns:r="http://schemas.openxmlformats.org/officeDocument/2006/relationships" xmlns:p="http://schemas.openxmlformats.org/presentationml/2006/main">
   <p:cSld>
     <p:spTree>
@@ -1373,7 +1507,7 @@
           <a:p>
             <a:fld id="{850C8A68-B0DA-436B-AE1F-7E2DFF33396B}" type="slidenum">
               <a:rPr lang="es-ES" smtClean="0"/>
-              <a:t>6</a:t>
+              <a:t>7</a:t>
             </a:fld>
             <a:endParaRPr lang="es-ES"/>
           </a:p>
@@ -1449,7 +1583,7 @@
           <a:noFill/>
           <a:extLst>
             <a:ext uri="{909E8E84-426E-40dd-AFC4-6F175D3DCCD1}">
-              <a14:hiddenFill xmlns:a14="http://schemas.microsoft.com/office/drawing/2010/main" xmlns="">
+              <a14:hiddenFill xmlns="" xmlns:a14="http://schemas.microsoft.com/office/drawing/2010/main">
                 <a:solidFill>
                   <a:srgbClr val="FFFFFF"/>
                 </a:solidFill>
@@ -1508,7 +1642,7 @@
             </a:ln>
             <a:extLst>
               <a:ext uri="{91240B29-F687-4f45-9708-019B960494DF}">
-                <a14:hiddenLine xmlns:a14="http://schemas.microsoft.com/office/drawing/2010/main" xmlns="" w="9525">
+                <a14:hiddenLine xmlns="" xmlns:a14="http://schemas.microsoft.com/office/drawing/2010/main" w="9525">
                   <a:solidFill>
                     <a:srgbClr val="000000"/>
                   </a:solidFill>
@@ -1598,7 +1732,7 @@
             </a:ln>
             <a:extLst>
               <a:ext uri="{91240B29-F687-4f45-9708-019B960494DF}">
-                <a14:hiddenLine xmlns:a14="http://schemas.microsoft.com/office/drawing/2010/main" xmlns="" w="9525">
+                <a14:hiddenLine xmlns="" xmlns:a14="http://schemas.microsoft.com/office/drawing/2010/main" w="9525">
                   <a:solidFill>
                     <a:srgbClr val="000000"/>
                   </a:solidFill>
@@ -1688,7 +1822,7 @@
             </a:ln>
             <a:extLst>
               <a:ext uri="{91240B29-F687-4f45-9708-019B960494DF}">
-                <a14:hiddenLine xmlns:a14="http://schemas.microsoft.com/office/drawing/2010/main" xmlns="" w="9525">
+                <a14:hiddenLine xmlns="" xmlns:a14="http://schemas.microsoft.com/office/drawing/2010/main" w="9525">
                   <a:solidFill>
                     <a:srgbClr val="000000"/>
                   </a:solidFill>
@@ -1722,7 +1856,7 @@
             </a:ln>
             <a:extLst>
               <a:ext uri="{91240B29-F687-4f45-9708-019B960494DF}">
-                <a14:hiddenLine xmlns:a14="http://schemas.microsoft.com/office/drawing/2010/main" xmlns="" w="9525">
+                <a14:hiddenLine xmlns="" xmlns:a14="http://schemas.microsoft.com/office/drawing/2010/main" w="9525">
                   <a:solidFill>
                     <a:srgbClr val="000000"/>
                   </a:solidFill>
@@ -1812,7 +1946,7 @@
             </a:ln>
             <a:extLst>
               <a:ext uri="{91240B29-F687-4f45-9708-019B960494DF}">
-                <a14:hiddenLine xmlns:a14="http://schemas.microsoft.com/office/drawing/2010/main" xmlns="" w="9525">
+                <a14:hiddenLine xmlns="" xmlns:a14="http://schemas.microsoft.com/office/drawing/2010/main" w="9525">
                   <a:solidFill>
                     <a:srgbClr val="000000"/>
                   </a:solidFill>
@@ -1874,7 +2008,7 @@
             </a:ln>
             <a:extLst>
               <a:ext uri="{91240B29-F687-4f45-9708-019B960494DF}">
-                <a14:hiddenLine xmlns:a14="http://schemas.microsoft.com/office/drawing/2010/main" xmlns="" w="9525">
+                <a14:hiddenLine xmlns="" xmlns:a14="http://schemas.microsoft.com/office/drawing/2010/main" w="9525">
                   <a:solidFill>
                     <a:srgbClr val="000000"/>
                   </a:solidFill>
@@ -1936,7 +2070,7 @@
             </a:ln>
             <a:extLst>
               <a:ext uri="{91240B29-F687-4f45-9708-019B960494DF}">
-                <a14:hiddenLine xmlns:a14="http://schemas.microsoft.com/office/drawing/2010/main" xmlns="" w="9525">
+                <a14:hiddenLine xmlns="" xmlns:a14="http://schemas.microsoft.com/office/drawing/2010/main" w="9525">
                   <a:solidFill>
                     <a:srgbClr val="000000"/>
                   </a:solidFill>
@@ -2026,7 +2160,7 @@
             </a:ln>
             <a:extLst>
               <a:ext uri="{91240B29-F687-4f45-9708-019B960494DF}">
-                <a14:hiddenLine xmlns:a14="http://schemas.microsoft.com/office/drawing/2010/main" xmlns="" w="9525">
+                <a14:hiddenLine xmlns="" xmlns:a14="http://schemas.microsoft.com/office/drawing/2010/main" w="9525">
                   <a:solidFill>
                     <a:srgbClr val="000000"/>
                   </a:solidFill>
@@ -2088,7 +2222,7 @@
             </a:ln>
             <a:extLst>
               <a:ext uri="{91240B29-F687-4f45-9708-019B960494DF}">
-                <a14:hiddenLine xmlns:a14="http://schemas.microsoft.com/office/drawing/2010/main" xmlns="" w="9525">
+                <a14:hiddenLine xmlns="" xmlns:a14="http://schemas.microsoft.com/office/drawing/2010/main" w="9525">
                   <a:solidFill>
                     <a:srgbClr val="000000"/>
                   </a:solidFill>
@@ -2150,7 +2284,7 @@
             </a:ln>
             <a:extLst>
               <a:ext uri="{91240B29-F687-4f45-9708-019B960494DF}">
-                <a14:hiddenLine xmlns:a14="http://schemas.microsoft.com/office/drawing/2010/main" xmlns="" w="9525">
+                <a14:hiddenLine xmlns="" xmlns:a14="http://schemas.microsoft.com/office/drawing/2010/main" w="9525">
                   <a:solidFill>
                     <a:srgbClr val="000000"/>
                   </a:solidFill>
@@ -2240,7 +2374,7 @@
             </a:ln>
             <a:extLst>
               <a:ext uri="{91240B29-F687-4f45-9708-019B960494DF}">
-                <a14:hiddenLine xmlns:a14="http://schemas.microsoft.com/office/drawing/2010/main" xmlns="" w="9525">
+                <a14:hiddenLine xmlns="" xmlns:a14="http://schemas.microsoft.com/office/drawing/2010/main" w="9525">
                   <a:solidFill>
                     <a:srgbClr val="000000"/>
                   </a:solidFill>
@@ -2330,7 +2464,7 @@
             </a:ln>
             <a:extLst>
               <a:ext uri="{91240B29-F687-4f45-9708-019B960494DF}">
-                <a14:hiddenLine xmlns:a14="http://schemas.microsoft.com/office/drawing/2010/main" xmlns="" w="9525">
+                <a14:hiddenLine xmlns="" xmlns:a14="http://schemas.microsoft.com/office/drawing/2010/main" w="9525">
                   <a:solidFill>
                     <a:srgbClr val="000000"/>
                   </a:solidFill>
@@ -2392,7 +2526,7 @@
             </a:ln>
             <a:extLst>
               <a:ext uri="{91240B29-F687-4f45-9708-019B960494DF}">
-                <a14:hiddenLine xmlns:a14="http://schemas.microsoft.com/office/drawing/2010/main" xmlns="" w="9525">
+                <a14:hiddenLine xmlns="" xmlns:a14="http://schemas.microsoft.com/office/drawing/2010/main" w="9525">
                   <a:solidFill>
                     <a:srgbClr val="000000"/>
                   </a:solidFill>
@@ -2502,7 +2636,7 @@
             </a:ln>
             <a:extLst>
               <a:ext uri="{91240B29-F687-4f45-9708-019B960494DF}">
-                <a14:hiddenLine xmlns:a14="http://schemas.microsoft.com/office/drawing/2010/main" xmlns="" w="9525">
+                <a14:hiddenLine xmlns="" xmlns:a14="http://schemas.microsoft.com/office/drawing/2010/main" w="9525">
                   <a:solidFill>
                     <a:srgbClr val="000000"/>
                   </a:solidFill>
@@ -2564,7 +2698,7 @@
             </a:ln>
             <a:extLst>
               <a:ext uri="{91240B29-F687-4f45-9708-019B960494DF}">
-                <a14:hiddenLine xmlns:a14="http://schemas.microsoft.com/office/drawing/2010/main" xmlns="" w="9525">
+                <a14:hiddenLine xmlns="" xmlns:a14="http://schemas.microsoft.com/office/drawing/2010/main" w="9525">
                   <a:solidFill>
                     <a:srgbClr val="000000"/>
                   </a:solidFill>
@@ -2654,7 +2788,7 @@
             </a:ln>
             <a:extLst>
               <a:ext uri="{91240B29-F687-4f45-9708-019B960494DF}">
-                <a14:hiddenLine xmlns:a14="http://schemas.microsoft.com/office/drawing/2010/main" xmlns="" w="9525">
+                <a14:hiddenLine xmlns="" xmlns:a14="http://schemas.microsoft.com/office/drawing/2010/main" w="9525">
                   <a:solidFill>
                     <a:srgbClr val="000000"/>
                   </a:solidFill>
@@ -2744,7 +2878,7 @@
             </a:ln>
             <a:extLst>
               <a:ext uri="{91240B29-F687-4f45-9708-019B960494DF}">
-                <a14:hiddenLine xmlns:a14="http://schemas.microsoft.com/office/drawing/2010/main" xmlns="" w="9525">
+                <a14:hiddenLine xmlns="" xmlns:a14="http://schemas.microsoft.com/office/drawing/2010/main" w="9525">
                   <a:solidFill>
                     <a:srgbClr val="000000"/>
                   </a:solidFill>
@@ -2806,7 +2940,7 @@
             </a:ln>
             <a:extLst>
               <a:ext uri="{91240B29-F687-4f45-9708-019B960494DF}">
-                <a14:hiddenLine xmlns:a14="http://schemas.microsoft.com/office/drawing/2010/main" xmlns="" w="9525">
+                <a14:hiddenLine xmlns="" xmlns:a14="http://schemas.microsoft.com/office/drawing/2010/main" w="9525">
                   <a:solidFill>
                     <a:srgbClr val="000000"/>
                   </a:solidFill>
@@ -2896,7 +3030,7 @@
             </a:ln>
             <a:extLst>
               <a:ext uri="{91240B29-F687-4f45-9708-019B960494DF}">
-                <a14:hiddenLine xmlns:a14="http://schemas.microsoft.com/office/drawing/2010/main" xmlns="" w="9525">
+                <a14:hiddenLine xmlns="" xmlns:a14="http://schemas.microsoft.com/office/drawing/2010/main" w="9525">
                   <a:solidFill>
                     <a:srgbClr val="000000"/>
                   </a:solidFill>
@@ -2986,7 +3120,7 @@
             </a:ln>
             <a:extLst>
               <a:ext uri="{91240B29-F687-4f45-9708-019B960494DF}">
-                <a14:hiddenLine xmlns:a14="http://schemas.microsoft.com/office/drawing/2010/main" xmlns="" w="9525">
+                <a14:hiddenLine xmlns="" xmlns:a14="http://schemas.microsoft.com/office/drawing/2010/main" w="9525">
                   <a:solidFill>
                     <a:srgbClr val="000000"/>
                   </a:solidFill>
@@ -3042,7 +3176,7 @@
             </a:ln>
             <a:extLst>
               <a:ext uri="{91240B29-F687-4f45-9708-019B960494DF}">
-                <a14:hiddenLine xmlns:a14="http://schemas.microsoft.com/office/drawing/2010/main" xmlns="" w="9525">
+                <a14:hiddenLine xmlns="" xmlns:a14="http://schemas.microsoft.com/office/drawing/2010/main" w="9525">
                   <a:solidFill>
                     <a:srgbClr val="000000"/>
                   </a:solidFill>
@@ -3132,7 +3266,7 @@
             </a:ln>
             <a:extLst>
               <a:ext uri="{91240B29-F687-4f45-9708-019B960494DF}">
-                <a14:hiddenLine xmlns:a14="http://schemas.microsoft.com/office/drawing/2010/main" xmlns="" w="9525">
+                <a14:hiddenLine xmlns="" xmlns:a14="http://schemas.microsoft.com/office/drawing/2010/main" w="9525">
                   <a:solidFill>
                     <a:srgbClr val="000000"/>
                   </a:solidFill>
@@ -3188,7 +3322,7 @@
             </a:ln>
             <a:extLst>
               <a:ext uri="{91240B29-F687-4f45-9708-019B960494DF}">
-                <a14:hiddenLine xmlns:a14="http://schemas.microsoft.com/office/drawing/2010/main" xmlns="" w="9525">
+                <a14:hiddenLine xmlns="" xmlns:a14="http://schemas.microsoft.com/office/drawing/2010/main" w="9525">
                   <a:solidFill>
                     <a:srgbClr val="000000"/>
                   </a:solidFill>
@@ -3278,7 +3412,7 @@
             </a:ln>
             <a:extLst>
               <a:ext uri="{91240B29-F687-4f45-9708-019B960494DF}">
-                <a14:hiddenLine xmlns:a14="http://schemas.microsoft.com/office/drawing/2010/main" xmlns="" w="9525">
+                <a14:hiddenLine xmlns="" xmlns:a14="http://schemas.microsoft.com/office/drawing/2010/main" w="9525">
                   <a:solidFill>
                     <a:srgbClr val="000000"/>
                   </a:solidFill>
@@ -3346,7 +3480,7 @@
             </a:ln>
             <a:extLst>
               <a:ext uri="{91240B29-F687-4f45-9708-019B960494DF}">
-                <a14:hiddenLine xmlns:a14="http://schemas.microsoft.com/office/drawing/2010/main" xmlns="" w="9525">
+                <a14:hiddenLine xmlns="" xmlns:a14="http://schemas.microsoft.com/office/drawing/2010/main" w="9525">
                   <a:solidFill>
                     <a:srgbClr val="000000"/>
                   </a:solidFill>
@@ -3436,7 +3570,7 @@
             </a:ln>
             <a:extLst>
               <a:ext uri="{91240B29-F687-4f45-9708-019B960494DF}">
-                <a14:hiddenLine xmlns:a14="http://schemas.microsoft.com/office/drawing/2010/main" xmlns="" w="9525">
+                <a14:hiddenLine xmlns="" xmlns:a14="http://schemas.microsoft.com/office/drawing/2010/main" w="9525">
                   <a:solidFill>
                     <a:srgbClr val="000000"/>
                   </a:solidFill>
@@ -3504,7 +3638,7 @@
             </a:ln>
             <a:extLst>
               <a:ext uri="{91240B29-F687-4f45-9708-019B960494DF}">
-                <a14:hiddenLine xmlns:a14="http://schemas.microsoft.com/office/drawing/2010/main" xmlns="" w="9525">
+                <a14:hiddenLine xmlns="" xmlns:a14="http://schemas.microsoft.com/office/drawing/2010/main" w="9525">
                   <a:solidFill>
                     <a:srgbClr val="000000"/>
                   </a:solidFill>
@@ -3594,7 +3728,7 @@
             </a:ln>
             <a:extLst>
               <a:ext uri="{91240B29-F687-4f45-9708-019B960494DF}">
-                <a14:hiddenLine xmlns:a14="http://schemas.microsoft.com/office/drawing/2010/main" xmlns="" w="9525">
+                <a14:hiddenLine xmlns="" xmlns:a14="http://schemas.microsoft.com/office/drawing/2010/main" w="9525">
                   <a:solidFill>
                     <a:srgbClr val="000000"/>
                   </a:solidFill>
@@ -3628,7 +3762,7 @@
             </a:ln>
             <a:extLst>
               <a:ext uri="{91240B29-F687-4f45-9708-019B960494DF}">
-                <a14:hiddenLine xmlns:a14="http://schemas.microsoft.com/office/drawing/2010/main" xmlns="" w="9525">
+                <a14:hiddenLine xmlns="" xmlns:a14="http://schemas.microsoft.com/office/drawing/2010/main" w="9525">
                   <a:solidFill>
                     <a:srgbClr val="000000"/>
                   </a:solidFill>
@@ -3718,7 +3852,7 @@
             </a:ln>
             <a:extLst>
               <a:ext uri="{91240B29-F687-4f45-9708-019B960494DF}">
-                <a14:hiddenLine xmlns:a14="http://schemas.microsoft.com/office/drawing/2010/main" xmlns="" w="9525">
+                <a14:hiddenLine xmlns="" xmlns:a14="http://schemas.microsoft.com/office/drawing/2010/main" w="9525">
                   <a:solidFill>
                     <a:srgbClr val="000000"/>
                   </a:solidFill>
@@ -3780,7 +3914,7 @@
             </a:ln>
             <a:extLst>
               <a:ext uri="{91240B29-F687-4f45-9708-019B960494DF}">
-                <a14:hiddenLine xmlns:a14="http://schemas.microsoft.com/office/drawing/2010/main" xmlns="" w="9525">
+                <a14:hiddenLine xmlns="" xmlns:a14="http://schemas.microsoft.com/office/drawing/2010/main" w="9525">
                   <a:solidFill>
                     <a:srgbClr val="000000"/>
                   </a:solidFill>
@@ -3842,7 +3976,7 @@
             </a:ln>
             <a:extLst>
               <a:ext uri="{91240B29-F687-4f45-9708-019B960494DF}">
-                <a14:hiddenLine xmlns:a14="http://schemas.microsoft.com/office/drawing/2010/main" xmlns="" w="9525">
+                <a14:hiddenLine xmlns="" xmlns:a14="http://schemas.microsoft.com/office/drawing/2010/main" w="9525">
                   <a:solidFill>
                     <a:srgbClr val="000000"/>
                   </a:solidFill>
@@ -3932,7 +4066,7 @@
             </a:ln>
             <a:extLst>
               <a:ext uri="{91240B29-F687-4f45-9708-019B960494DF}">
-                <a14:hiddenLine xmlns:a14="http://schemas.microsoft.com/office/drawing/2010/main" xmlns="" w="9525">
+                <a14:hiddenLine xmlns="" xmlns:a14="http://schemas.microsoft.com/office/drawing/2010/main" w="9525">
                   <a:solidFill>
                     <a:srgbClr val="000000"/>
                   </a:solidFill>
@@ -4000,7 +4134,7 @@
             </a:ln>
             <a:extLst>
               <a:ext uri="{91240B29-F687-4f45-9708-019B960494DF}">
-                <a14:hiddenLine xmlns:a14="http://schemas.microsoft.com/office/drawing/2010/main" xmlns="" w="9525">
+                <a14:hiddenLine xmlns="" xmlns:a14="http://schemas.microsoft.com/office/drawing/2010/main" w="9525">
                   <a:solidFill>
                     <a:srgbClr val="000000"/>
                   </a:solidFill>
@@ -4062,7 +4196,7 @@
             </a:ln>
             <a:extLst>
               <a:ext uri="{91240B29-F687-4f45-9708-019B960494DF}">
-                <a14:hiddenLine xmlns:a14="http://schemas.microsoft.com/office/drawing/2010/main" xmlns="" w="9525">
+                <a14:hiddenLine xmlns="" xmlns:a14="http://schemas.microsoft.com/office/drawing/2010/main" w="9525">
                   <a:solidFill>
                     <a:srgbClr val="000000"/>
                   </a:solidFill>
@@ -4152,7 +4286,7 @@
             </a:ln>
             <a:extLst>
               <a:ext uri="{91240B29-F687-4f45-9708-019B960494DF}">
-                <a14:hiddenLine xmlns:a14="http://schemas.microsoft.com/office/drawing/2010/main" xmlns="" w="9525">
+                <a14:hiddenLine xmlns="" xmlns:a14="http://schemas.microsoft.com/office/drawing/2010/main" w="9525">
                   <a:solidFill>
                     <a:srgbClr val="000000"/>
                   </a:solidFill>
@@ -4214,7 +4348,7 @@
             </a:ln>
             <a:extLst>
               <a:ext uri="{91240B29-F687-4f45-9708-019B960494DF}">
-                <a14:hiddenLine xmlns:a14="http://schemas.microsoft.com/office/drawing/2010/main" xmlns="" w="9525">
+                <a14:hiddenLine xmlns="" xmlns:a14="http://schemas.microsoft.com/office/drawing/2010/main" w="9525">
                   <a:solidFill>
                     <a:srgbClr val="000000"/>
                   </a:solidFill>
@@ -4304,7 +4438,7 @@
             </a:ln>
             <a:extLst>
               <a:ext uri="{91240B29-F687-4f45-9708-019B960494DF}">
-                <a14:hiddenLine xmlns:a14="http://schemas.microsoft.com/office/drawing/2010/main" xmlns="" w="9525">
+                <a14:hiddenLine xmlns="" xmlns:a14="http://schemas.microsoft.com/office/drawing/2010/main" w="9525">
                   <a:solidFill>
                     <a:srgbClr val="000000"/>
                   </a:solidFill>
@@ -4366,7 +4500,7 @@
             </a:ln>
             <a:extLst>
               <a:ext uri="{91240B29-F687-4f45-9708-019B960494DF}">
-                <a14:hiddenLine xmlns:a14="http://schemas.microsoft.com/office/drawing/2010/main" xmlns="" w="9525">
+                <a14:hiddenLine xmlns="" xmlns:a14="http://schemas.microsoft.com/office/drawing/2010/main" w="9525">
                   <a:solidFill>
                     <a:srgbClr val="000000"/>
                   </a:solidFill>
@@ -4456,7 +4590,7 @@
             </a:ln>
             <a:extLst>
               <a:ext uri="{91240B29-F687-4f45-9708-019B960494DF}">
-                <a14:hiddenLine xmlns:a14="http://schemas.microsoft.com/office/drawing/2010/main" xmlns="" w="9525">
+                <a14:hiddenLine xmlns="" xmlns:a14="http://schemas.microsoft.com/office/drawing/2010/main" w="9525">
                   <a:solidFill>
                     <a:srgbClr val="000000"/>
                   </a:solidFill>
@@ -4490,7 +4624,7 @@
             </a:ln>
             <a:extLst>
               <a:ext uri="{91240B29-F687-4f45-9708-019B960494DF}">
-                <a14:hiddenLine xmlns:a14="http://schemas.microsoft.com/office/drawing/2010/main" xmlns="" w="9525">
+                <a14:hiddenLine xmlns="" xmlns:a14="http://schemas.microsoft.com/office/drawing/2010/main" w="9525">
                   <a:solidFill>
                     <a:srgbClr val="000000"/>
                   </a:solidFill>
@@ -4555,7 +4689,7 @@
             </a:ln>
             <a:extLst>
               <a:ext uri="{91240B29-F687-4f45-9708-019B960494DF}">
-                <a14:hiddenLine xmlns:a14="http://schemas.microsoft.com/office/drawing/2010/main" xmlns="" w="9525">
+                <a14:hiddenLine xmlns="" xmlns:a14="http://schemas.microsoft.com/office/drawing/2010/main" w="9525">
                   <a:solidFill>
                     <a:srgbClr val="000000"/>
                   </a:solidFill>
@@ -4645,7 +4779,7 @@
             </a:ln>
             <a:extLst>
               <a:ext uri="{91240B29-F687-4f45-9708-019B960494DF}">
-                <a14:hiddenLine xmlns:a14="http://schemas.microsoft.com/office/drawing/2010/main" xmlns="" w="9525">
+                <a14:hiddenLine xmlns="" xmlns:a14="http://schemas.microsoft.com/office/drawing/2010/main" w="9525">
                   <a:solidFill>
                     <a:srgbClr val="000000"/>
                   </a:solidFill>
@@ -4707,7 +4841,7 @@
             </a:ln>
             <a:extLst>
               <a:ext uri="{91240B29-F687-4f45-9708-019B960494DF}">
-                <a14:hiddenLine xmlns:a14="http://schemas.microsoft.com/office/drawing/2010/main" xmlns="" w="9525">
+                <a14:hiddenLine xmlns="" xmlns:a14="http://schemas.microsoft.com/office/drawing/2010/main" w="9525">
                   <a:solidFill>
                     <a:srgbClr val="000000"/>
                   </a:solidFill>
@@ -4797,7 +4931,7 @@
             </a:ln>
             <a:extLst>
               <a:ext uri="{91240B29-F687-4f45-9708-019B960494DF}">
-                <a14:hiddenLine xmlns:a14="http://schemas.microsoft.com/office/drawing/2010/main" xmlns="" w="9525">
+                <a14:hiddenLine xmlns="" xmlns:a14="http://schemas.microsoft.com/office/drawing/2010/main" w="9525">
                   <a:solidFill>
                     <a:srgbClr val="000000"/>
                   </a:solidFill>
@@ -4887,7 +5021,7 @@
             </a:ln>
             <a:extLst>
               <a:ext uri="{91240B29-F687-4f45-9708-019B960494DF}">
-                <a14:hiddenLine xmlns:a14="http://schemas.microsoft.com/office/drawing/2010/main" xmlns="" w="9525">
+                <a14:hiddenLine xmlns="" xmlns:a14="http://schemas.microsoft.com/office/drawing/2010/main" w="9525">
                   <a:solidFill>
                     <a:srgbClr val="000000"/>
                   </a:solidFill>
@@ -4952,7 +5086,7 @@
             </a:ln>
             <a:extLst>
               <a:ext uri="{91240B29-F687-4f45-9708-019B960494DF}">
-                <a14:hiddenLine xmlns:a14="http://schemas.microsoft.com/office/drawing/2010/main" xmlns="" w="9525">
+                <a14:hiddenLine xmlns="" xmlns:a14="http://schemas.microsoft.com/office/drawing/2010/main" w="9525">
                   <a:solidFill>
                     <a:srgbClr val="000000"/>
                   </a:solidFill>
@@ -5014,7 +5148,7 @@
             </a:ln>
             <a:extLst>
               <a:ext uri="{91240B29-F687-4f45-9708-019B960494DF}">
-                <a14:hiddenLine xmlns:a14="http://schemas.microsoft.com/office/drawing/2010/main" xmlns="" w="9525">
+                <a14:hiddenLine xmlns="" xmlns:a14="http://schemas.microsoft.com/office/drawing/2010/main" w="9525">
                   <a:solidFill>
                     <a:srgbClr val="000000"/>
                   </a:solidFill>
@@ -5104,7 +5238,7 @@
             </a:ln>
             <a:extLst>
               <a:ext uri="{91240B29-F687-4f45-9708-019B960494DF}">
-                <a14:hiddenLine xmlns:a14="http://schemas.microsoft.com/office/drawing/2010/main" xmlns="" w="9525">
+                <a14:hiddenLine xmlns="" xmlns:a14="http://schemas.microsoft.com/office/drawing/2010/main" w="9525">
                   <a:solidFill>
                     <a:srgbClr val="000000"/>
                   </a:solidFill>
@@ -5194,7 +5328,7 @@
             </a:ln>
             <a:extLst>
               <a:ext uri="{91240B29-F687-4f45-9708-019B960494DF}">
-                <a14:hiddenLine xmlns:a14="http://schemas.microsoft.com/office/drawing/2010/main" xmlns="" w="9525">
+                <a14:hiddenLine xmlns="" xmlns:a14="http://schemas.microsoft.com/office/drawing/2010/main" w="9525">
                   <a:solidFill>
                     <a:srgbClr val="000000"/>
                   </a:solidFill>
@@ -5256,7 +5390,7 @@
             </a:ln>
             <a:extLst>
               <a:ext uri="{91240B29-F687-4f45-9708-019B960494DF}">
-                <a14:hiddenLine xmlns:a14="http://schemas.microsoft.com/office/drawing/2010/main" xmlns="" w="9525">
+                <a14:hiddenLine xmlns="" xmlns:a14="http://schemas.microsoft.com/office/drawing/2010/main" w="9525">
                   <a:solidFill>
                     <a:srgbClr val="000000"/>
                   </a:solidFill>
@@ -5376,7 +5510,7 @@
             </a:ln>
             <a:extLst>
               <a:ext uri="{91240B29-F687-4f45-9708-019B960494DF}">
-                <a14:hiddenLine xmlns:a14="http://schemas.microsoft.com/office/drawing/2010/main" xmlns="" w="9525">
+                <a14:hiddenLine xmlns="" xmlns:a14="http://schemas.microsoft.com/office/drawing/2010/main" w="9525">
                   <a:solidFill>
                     <a:srgbClr val="000000"/>
                   </a:solidFill>
@@ -5444,7 +5578,7 @@
             </a:ln>
             <a:extLst>
               <a:ext uri="{91240B29-F687-4f45-9708-019B960494DF}">
-                <a14:hiddenLine xmlns:a14="http://schemas.microsoft.com/office/drawing/2010/main" xmlns="" w="9525">
+                <a14:hiddenLine xmlns="" xmlns:a14="http://schemas.microsoft.com/office/drawing/2010/main" w="9525">
                   <a:solidFill>
                     <a:srgbClr val="000000"/>
                   </a:solidFill>
@@ -5534,7 +5668,7 @@
             </a:ln>
             <a:extLst>
               <a:ext uri="{91240B29-F687-4f45-9708-019B960494DF}">
-                <a14:hiddenLine xmlns:a14="http://schemas.microsoft.com/office/drawing/2010/main" xmlns="" w="9525">
+                <a14:hiddenLine xmlns="" xmlns:a14="http://schemas.microsoft.com/office/drawing/2010/main" w="9525">
                   <a:solidFill>
                     <a:srgbClr val="000000"/>
                   </a:solidFill>
@@ -5674,7 +5808,7 @@
           <a:p>
             <a:fld id="{48A87A34-81AB-432B-8DAE-1953F412C126}" type="datetimeFigureOut">
               <a:rPr lang="en-US" dirty="0"/>
-              <a:t>4/5/2022</a:t>
+              <a:t>6/10/2022</a:t>
             </a:fld>
             <a:endParaRPr lang="en-US" dirty="0"/>
           </a:p>
@@ -5936,7 +6070,7 @@
           <a:p>
             <a:fld id="{48A87A34-81AB-432B-8DAE-1953F412C126}" type="datetimeFigureOut">
               <a:rPr lang="en-US" dirty="0"/>
-              <a:t>4/5/2022</a:t>
+              <a:t>6/10/2022</a:t>
             </a:fld>
             <a:endParaRPr lang="en-US" dirty="0"/>
           </a:p>
@@ -6127,7 +6261,7 @@
           <a:p>
             <a:fld id="{48A87A34-81AB-432B-8DAE-1953F412C126}" type="datetimeFigureOut">
               <a:rPr lang="en-US" dirty="0"/>
-              <a:t>4/5/2022</a:t>
+              <a:t>6/10/2022</a:t>
             </a:fld>
             <a:endParaRPr lang="en-US" dirty="0"/>
           </a:p>
@@ -6385,7 +6519,7 @@
           <a:p>
             <a:fld id="{48A87A34-81AB-432B-8DAE-1953F412C126}" type="datetimeFigureOut">
               <a:rPr lang="en-US" dirty="0"/>
-              <a:t>4/5/2022</a:t>
+              <a:t>6/10/2022</a:t>
             </a:fld>
             <a:endParaRPr lang="en-US" dirty="0"/>
           </a:p>
@@ -6814,7 +6948,7 @@
           <a:p>
             <a:fld id="{48A87A34-81AB-432B-8DAE-1953F412C126}" type="datetimeFigureOut">
               <a:rPr lang="en-US" dirty="0"/>
-              <a:t>4/5/2022</a:t>
+              <a:t>6/10/2022</a:t>
             </a:fld>
             <a:endParaRPr lang="en-US" dirty="0"/>
           </a:p>
@@ -7355,7 +7489,7 @@
           <a:p>
             <a:fld id="{48A87A34-81AB-432B-8DAE-1953F412C126}" type="datetimeFigureOut">
               <a:rPr lang="en-US" dirty="0"/>
-              <a:t>4/5/2022</a:t>
+              <a:t>6/10/2022</a:t>
             </a:fld>
             <a:endParaRPr lang="en-US" dirty="0"/>
           </a:p>
@@ -8070,7 +8204,7 @@
           <a:p>
             <a:fld id="{48A87A34-81AB-432B-8DAE-1953F412C126}" type="datetimeFigureOut">
               <a:rPr lang="en-US" dirty="0"/>
-              <a:t>4/5/2022</a:t>
+              <a:t>6/10/2022</a:t>
             </a:fld>
             <a:endParaRPr lang="en-US" dirty="0"/>
           </a:p>
@@ -8235,7 +8369,7 @@
           <a:p>
             <a:fld id="{48A87A34-81AB-432B-8DAE-1953F412C126}" type="datetimeFigureOut">
               <a:rPr lang="en-US" dirty="0"/>
-              <a:t>4/5/2022</a:t>
+              <a:t>6/10/2022</a:t>
             </a:fld>
             <a:endParaRPr lang="en-US" dirty="0"/>
           </a:p>
@@ -8410,7 +8544,7 @@
           <a:p>
             <a:fld id="{48A87A34-81AB-432B-8DAE-1953F412C126}" type="datetimeFigureOut">
               <a:rPr lang="en-US" dirty="0"/>
-              <a:t>4/5/2022</a:t>
+              <a:t>6/10/2022</a:t>
             </a:fld>
             <a:endParaRPr lang="en-US" dirty="0"/>
           </a:p>
@@ -8575,7 +8709,7 @@
           <a:p>
             <a:fld id="{48A87A34-81AB-432B-8DAE-1953F412C126}" type="datetimeFigureOut">
               <a:rPr lang="en-US" dirty="0"/>
-              <a:t>4/5/2022</a:t>
+              <a:t>6/10/2022</a:t>
             </a:fld>
             <a:endParaRPr lang="en-US" dirty="0"/>
           </a:p>
@@ -8820,7 +8954,7 @@
           <a:p>
             <a:fld id="{48A87A34-81AB-432B-8DAE-1953F412C126}" type="datetimeFigureOut">
               <a:rPr lang="en-US" dirty="0"/>
-              <a:t>4/5/2022</a:t>
+              <a:t>6/10/2022</a:t>
             </a:fld>
             <a:endParaRPr lang="en-US" dirty="0"/>
           </a:p>
@@ -9047,7 +9181,7 @@
           <a:p>
             <a:fld id="{48A87A34-81AB-432B-8DAE-1953F412C126}" type="datetimeFigureOut">
               <a:rPr lang="en-US" dirty="0"/>
-              <a:t>4/5/2022</a:t>
+              <a:t>6/10/2022</a:t>
             </a:fld>
             <a:endParaRPr lang="en-US" dirty="0"/>
           </a:p>
@@ -9423,7 +9557,7 @@
           <a:p>
             <a:fld id="{48A87A34-81AB-432B-8DAE-1953F412C126}" type="datetimeFigureOut">
               <a:rPr lang="en-US" dirty="0"/>
-              <a:t>4/5/2022</a:t>
+              <a:t>6/10/2022</a:t>
             </a:fld>
             <a:endParaRPr lang="en-US" dirty="0"/>
           </a:p>
@@ -9536,7 +9670,7 @@
           <a:p>
             <a:fld id="{48A87A34-81AB-432B-8DAE-1953F412C126}" type="datetimeFigureOut">
               <a:rPr lang="en-US" dirty="0"/>
-              <a:t>4/5/2022</a:t>
+              <a:t>6/10/2022</a:t>
             </a:fld>
             <a:endParaRPr lang="en-US" dirty="0"/>
           </a:p>
@@ -9626,7 +9760,7 @@
           <a:p>
             <a:fld id="{48A87A34-81AB-432B-8DAE-1953F412C126}" type="datetimeFigureOut">
               <a:rPr lang="en-US" dirty="0"/>
-              <a:t>4/5/2022</a:t>
+              <a:t>6/10/2022</a:t>
             </a:fld>
             <a:endParaRPr lang="en-US" dirty="0"/>
           </a:p>
@@ -9870,7 +10004,7 @@
           <a:p>
             <a:fld id="{48A87A34-81AB-432B-8DAE-1953F412C126}" type="datetimeFigureOut">
               <a:rPr lang="en-US" dirty="0"/>
-              <a:t>4/5/2022</a:t>
+              <a:t>6/10/2022</a:t>
             </a:fld>
             <a:endParaRPr lang="en-US" dirty="0"/>
           </a:p>
@@ -10145,7 +10279,7 @@
           <a:p>
             <a:fld id="{48A87A34-81AB-432B-8DAE-1953F412C126}" type="datetimeFigureOut">
               <a:rPr lang="en-US" dirty="0"/>
-              <a:t>4/5/2022</a:t>
+              <a:t>6/10/2022</a:t>
             </a:fld>
             <a:endParaRPr lang="en-US" dirty="0"/>
           </a:p>
@@ -10263,7 +10397,7 @@
           <a:noFill/>
           <a:extLst>
             <a:ext uri="{909E8E84-426E-40dd-AFC4-6F175D3DCCD1}">
-              <a14:hiddenFill xmlns:a14="http://schemas.microsoft.com/office/drawing/2010/main" xmlns="">
+              <a14:hiddenFill xmlns="" xmlns:a14="http://schemas.microsoft.com/office/drawing/2010/main">
                 <a:solidFill>
                   <a:srgbClr val="FFFFFF"/>
                 </a:solidFill>
@@ -10337,7 +10471,7 @@
               </a:ln>
               <a:extLst>
                 <a:ext uri="{91240B29-F687-4f45-9708-019B960494DF}">
-                  <a14:hiddenLine xmlns:a14="http://schemas.microsoft.com/office/drawing/2010/main" xmlns="" w="9525">
+                  <a14:hiddenLine xmlns="" xmlns:a14="http://schemas.microsoft.com/office/drawing/2010/main" w="9525">
                     <a:solidFill>
                       <a:srgbClr val="000000"/>
                     </a:solidFill>
@@ -10427,7 +10561,7 @@
               </a:ln>
               <a:extLst>
                 <a:ext uri="{91240B29-F687-4f45-9708-019B960494DF}">
-                  <a14:hiddenLine xmlns:a14="http://schemas.microsoft.com/office/drawing/2010/main" xmlns="" w="9525">
+                  <a14:hiddenLine xmlns="" xmlns:a14="http://schemas.microsoft.com/office/drawing/2010/main" w="9525">
                     <a:solidFill>
                       <a:srgbClr val="000000"/>
                     </a:solidFill>
@@ -10517,7 +10651,7 @@
               </a:ln>
               <a:extLst>
                 <a:ext uri="{91240B29-F687-4f45-9708-019B960494DF}">
-                  <a14:hiddenLine xmlns:a14="http://schemas.microsoft.com/office/drawing/2010/main" xmlns="" w="9525">
+                  <a14:hiddenLine xmlns="" xmlns:a14="http://schemas.microsoft.com/office/drawing/2010/main" w="9525">
                     <a:solidFill>
                       <a:srgbClr val="000000"/>
                     </a:solidFill>
@@ -10579,7 +10713,7 @@
               </a:ln>
               <a:extLst>
                 <a:ext uri="{91240B29-F687-4f45-9708-019B960494DF}">
-                  <a14:hiddenLine xmlns:a14="http://schemas.microsoft.com/office/drawing/2010/main" xmlns="" w="9525">
+                  <a14:hiddenLine xmlns="" xmlns:a14="http://schemas.microsoft.com/office/drawing/2010/main" w="9525">
                     <a:solidFill>
                       <a:srgbClr val="000000"/>
                     </a:solidFill>
@@ -10669,7 +10803,7 @@
               </a:ln>
               <a:extLst>
                 <a:ext uri="{91240B29-F687-4f45-9708-019B960494DF}">
-                  <a14:hiddenLine xmlns:a14="http://schemas.microsoft.com/office/drawing/2010/main" xmlns="" w="9525">
+                  <a14:hiddenLine xmlns="" xmlns:a14="http://schemas.microsoft.com/office/drawing/2010/main" w="9525">
                     <a:solidFill>
                       <a:srgbClr val="000000"/>
                     </a:solidFill>
@@ -10731,7 +10865,7 @@
               </a:ln>
               <a:extLst>
                 <a:ext uri="{91240B29-F687-4f45-9708-019B960494DF}">
-                  <a14:hiddenLine xmlns:a14="http://schemas.microsoft.com/office/drawing/2010/main" xmlns="" w="9525">
+                  <a14:hiddenLine xmlns="" xmlns:a14="http://schemas.microsoft.com/office/drawing/2010/main" w="9525">
                     <a:solidFill>
                       <a:srgbClr val="000000"/>
                     </a:solidFill>
@@ -10793,7 +10927,7 @@
               </a:ln>
               <a:extLst>
                 <a:ext uri="{91240B29-F687-4f45-9708-019B960494DF}">
-                  <a14:hiddenLine xmlns:a14="http://schemas.microsoft.com/office/drawing/2010/main" xmlns="" w="9525">
+                  <a14:hiddenLine xmlns="" xmlns:a14="http://schemas.microsoft.com/office/drawing/2010/main" w="9525">
                     <a:solidFill>
                       <a:srgbClr val="000000"/>
                     </a:solidFill>
@@ -10883,7 +11017,7 @@
               </a:ln>
               <a:extLst>
                 <a:ext uri="{91240B29-F687-4f45-9708-019B960494DF}">
-                  <a14:hiddenLine xmlns:a14="http://schemas.microsoft.com/office/drawing/2010/main" xmlns="" w="9525">
+                  <a14:hiddenLine xmlns="" xmlns:a14="http://schemas.microsoft.com/office/drawing/2010/main" w="9525">
                     <a:solidFill>
                       <a:srgbClr val="000000"/>
                     </a:solidFill>
@@ -10973,7 +11107,7 @@
               </a:ln>
               <a:extLst>
                 <a:ext uri="{91240B29-F687-4f45-9708-019B960494DF}">
-                  <a14:hiddenLine xmlns:a14="http://schemas.microsoft.com/office/drawing/2010/main" xmlns="" w="9525">
+                  <a14:hiddenLine xmlns="" xmlns:a14="http://schemas.microsoft.com/office/drawing/2010/main" w="9525">
                     <a:solidFill>
                       <a:srgbClr val="000000"/>
                     </a:solidFill>
@@ -11035,7 +11169,7 @@
               </a:ln>
               <a:extLst>
                 <a:ext uri="{91240B29-F687-4f45-9708-019B960494DF}">
-                  <a14:hiddenLine xmlns:a14="http://schemas.microsoft.com/office/drawing/2010/main" xmlns="" w="9525">
+                  <a14:hiddenLine xmlns="" xmlns:a14="http://schemas.microsoft.com/office/drawing/2010/main" w="9525">
                     <a:solidFill>
                       <a:srgbClr val="000000"/>
                     </a:solidFill>
@@ -11145,7 +11279,7 @@
               </a:ln>
               <a:extLst>
                 <a:ext uri="{91240B29-F687-4f45-9708-019B960494DF}">
-                  <a14:hiddenLine xmlns:a14="http://schemas.microsoft.com/office/drawing/2010/main" xmlns="" w="9525">
+                  <a14:hiddenLine xmlns="" xmlns:a14="http://schemas.microsoft.com/office/drawing/2010/main" w="9525">
                     <a:solidFill>
                       <a:srgbClr val="000000"/>
                     </a:solidFill>
@@ -11229,7 +11363,7 @@
               </a:ln>
               <a:extLst>
                 <a:ext uri="{91240B29-F687-4f45-9708-019B960494DF}">
-                  <a14:hiddenLine xmlns:a14="http://schemas.microsoft.com/office/drawing/2010/main" xmlns="" w="9525">
+                  <a14:hiddenLine xmlns="" xmlns:a14="http://schemas.microsoft.com/office/drawing/2010/main" w="9525">
                     <a:solidFill>
                       <a:srgbClr val="000000"/>
                     </a:solidFill>
@@ -11291,7 +11425,7 @@
               </a:ln>
               <a:extLst>
                 <a:ext uri="{91240B29-F687-4f45-9708-019B960494DF}">
-                  <a14:hiddenLine xmlns:a14="http://schemas.microsoft.com/office/drawing/2010/main" xmlns="" w="9525">
+                  <a14:hiddenLine xmlns="" xmlns:a14="http://schemas.microsoft.com/office/drawing/2010/main" w="9525">
                     <a:solidFill>
                       <a:srgbClr val="000000"/>
                     </a:solidFill>
@@ -11353,7 +11487,7 @@
               </a:ln>
               <a:extLst>
                 <a:ext uri="{91240B29-F687-4f45-9708-019B960494DF}">
-                  <a14:hiddenLine xmlns:a14="http://schemas.microsoft.com/office/drawing/2010/main" xmlns="" w="9525">
+                  <a14:hiddenLine xmlns="" xmlns:a14="http://schemas.microsoft.com/office/drawing/2010/main" w="9525">
                     <a:solidFill>
                       <a:srgbClr val="000000"/>
                     </a:solidFill>
@@ -11443,7 +11577,7 @@
               </a:ln>
               <a:extLst>
                 <a:ext uri="{91240B29-F687-4f45-9708-019B960494DF}">
-                  <a14:hiddenLine xmlns:a14="http://schemas.microsoft.com/office/drawing/2010/main" xmlns="" w="9525">
+                  <a14:hiddenLine xmlns="" xmlns:a14="http://schemas.microsoft.com/office/drawing/2010/main" w="9525">
                     <a:solidFill>
                       <a:srgbClr val="000000"/>
                     </a:solidFill>
@@ -11477,7 +11611,7 @@
               </a:ln>
               <a:extLst>
                 <a:ext uri="{91240B29-F687-4f45-9708-019B960494DF}">
-                  <a14:hiddenLine xmlns:a14="http://schemas.microsoft.com/office/drawing/2010/main" xmlns="" w="9525">
+                  <a14:hiddenLine xmlns="" xmlns:a14="http://schemas.microsoft.com/office/drawing/2010/main" w="9525">
                     <a:solidFill>
                       <a:srgbClr val="000000"/>
                     </a:solidFill>
@@ -11542,7 +11676,7 @@
               </a:ln>
               <a:extLst>
                 <a:ext uri="{91240B29-F687-4f45-9708-019B960494DF}">
-                  <a14:hiddenLine xmlns:a14="http://schemas.microsoft.com/office/drawing/2010/main" xmlns="" w="9525">
+                  <a14:hiddenLine xmlns="" xmlns:a14="http://schemas.microsoft.com/office/drawing/2010/main" w="9525">
                     <a:solidFill>
                       <a:srgbClr val="000000"/>
                     </a:solidFill>
@@ -11632,7 +11766,7 @@
               </a:ln>
               <a:extLst>
                 <a:ext uri="{91240B29-F687-4f45-9708-019B960494DF}">
-                  <a14:hiddenLine xmlns:a14="http://schemas.microsoft.com/office/drawing/2010/main" xmlns="" w="9525">
+                  <a14:hiddenLine xmlns="" xmlns:a14="http://schemas.microsoft.com/office/drawing/2010/main" w="9525">
                     <a:solidFill>
                       <a:srgbClr val="000000"/>
                     </a:solidFill>
@@ -11694,7 +11828,7 @@
               </a:ln>
               <a:extLst>
                 <a:ext uri="{91240B29-F687-4f45-9708-019B960494DF}">
-                  <a14:hiddenLine xmlns:a14="http://schemas.microsoft.com/office/drawing/2010/main" xmlns="" w="9525">
+                  <a14:hiddenLine xmlns="" xmlns:a14="http://schemas.microsoft.com/office/drawing/2010/main" w="9525">
                     <a:solidFill>
                       <a:srgbClr val="000000"/>
                     </a:solidFill>
@@ -11784,7 +11918,7 @@
               </a:ln>
               <a:extLst>
                 <a:ext uri="{91240B29-F687-4f45-9708-019B960494DF}">
-                  <a14:hiddenLine xmlns:a14="http://schemas.microsoft.com/office/drawing/2010/main" xmlns="" w="9525">
+                  <a14:hiddenLine xmlns="" xmlns:a14="http://schemas.microsoft.com/office/drawing/2010/main" w="9525">
                     <a:solidFill>
                       <a:srgbClr val="000000"/>
                     </a:solidFill>
@@ -11849,7 +11983,7 @@
               </a:ln>
               <a:extLst>
                 <a:ext uri="{91240B29-F687-4f45-9708-019B960494DF}">
-                  <a14:hiddenLine xmlns:a14="http://schemas.microsoft.com/office/drawing/2010/main" xmlns="" w="9525">
+                  <a14:hiddenLine xmlns="" xmlns:a14="http://schemas.microsoft.com/office/drawing/2010/main" w="9525">
                     <a:solidFill>
                       <a:srgbClr val="000000"/>
                     </a:solidFill>
@@ -11911,7 +12045,7 @@
               </a:ln>
               <a:extLst>
                 <a:ext uri="{91240B29-F687-4f45-9708-019B960494DF}">
-                  <a14:hiddenLine xmlns:a14="http://schemas.microsoft.com/office/drawing/2010/main" xmlns="" w="9525">
+                  <a14:hiddenLine xmlns="" xmlns:a14="http://schemas.microsoft.com/office/drawing/2010/main" w="9525">
                     <a:solidFill>
                       <a:srgbClr val="000000"/>
                     </a:solidFill>
@@ -12001,7 +12135,7 @@
               </a:ln>
               <a:extLst>
                 <a:ext uri="{91240B29-F687-4f45-9708-019B960494DF}">
-                  <a14:hiddenLine xmlns:a14="http://schemas.microsoft.com/office/drawing/2010/main" xmlns="" w="9525">
+                  <a14:hiddenLine xmlns="" xmlns:a14="http://schemas.microsoft.com/office/drawing/2010/main" w="9525">
                     <a:solidFill>
                       <a:srgbClr val="000000"/>
                     </a:solidFill>
@@ -12091,7 +12225,7 @@
               </a:ln>
               <a:extLst>
                 <a:ext uri="{91240B29-F687-4f45-9708-019B960494DF}">
-                  <a14:hiddenLine xmlns:a14="http://schemas.microsoft.com/office/drawing/2010/main" xmlns="" w="9525">
+                  <a14:hiddenLine xmlns="" xmlns:a14="http://schemas.microsoft.com/office/drawing/2010/main" w="9525">
                     <a:solidFill>
                       <a:srgbClr val="000000"/>
                     </a:solidFill>
@@ -12156,7 +12290,7 @@
               </a:ln>
               <a:extLst>
                 <a:ext uri="{91240B29-F687-4f45-9708-019B960494DF}">
-                  <a14:hiddenLine xmlns:a14="http://schemas.microsoft.com/office/drawing/2010/main" xmlns="" w="9525">
+                  <a14:hiddenLine xmlns="" xmlns:a14="http://schemas.microsoft.com/office/drawing/2010/main" w="9525">
                     <a:solidFill>
                       <a:srgbClr val="000000"/>
                     </a:solidFill>
@@ -12276,7 +12410,7 @@
               </a:ln>
               <a:extLst>
                 <a:ext uri="{91240B29-F687-4f45-9708-019B960494DF}">
-                  <a14:hiddenLine xmlns:a14="http://schemas.microsoft.com/office/drawing/2010/main" xmlns="" w="9525">
+                  <a14:hiddenLine xmlns="" xmlns:a14="http://schemas.microsoft.com/office/drawing/2010/main" w="9525">
                     <a:solidFill>
                       <a:srgbClr val="000000"/>
                     </a:solidFill>
@@ -12357,7 +12491,7 @@
               </a:ln>
               <a:extLst>
                 <a:ext uri="{91240B29-F687-4f45-9708-019B960494DF}">
-                  <a14:hiddenLine xmlns:a14="http://schemas.microsoft.com/office/drawing/2010/main" xmlns="" w="9525">
+                  <a14:hiddenLine xmlns="" xmlns:a14="http://schemas.microsoft.com/office/drawing/2010/main" w="9525">
                     <a:solidFill>
                       <a:srgbClr val="000000"/>
                     </a:solidFill>
@@ -12472,7 +12606,7 @@
               </a:ln>
               <a:extLst>
                 <a:ext uri="{91240B29-F687-4f45-9708-019B960494DF}">
-                  <a14:hiddenLine xmlns:a14="http://schemas.microsoft.com/office/drawing/2010/main" xmlns="" w="9525">
+                  <a14:hiddenLine xmlns="" xmlns:a14="http://schemas.microsoft.com/office/drawing/2010/main" w="9525">
                     <a:solidFill>
                       <a:srgbClr val="000000"/>
                     </a:solidFill>
@@ -12562,7 +12696,7 @@
               </a:ln>
               <a:extLst>
                 <a:ext uri="{91240B29-F687-4f45-9708-019B960494DF}">
-                  <a14:hiddenLine xmlns:a14="http://schemas.microsoft.com/office/drawing/2010/main" xmlns="" w="9525">
+                  <a14:hiddenLine xmlns="" xmlns:a14="http://schemas.microsoft.com/office/drawing/2010/main" w="9525">
                     <a:solidFill>
                       <a:srgbClr val="000000"/>
                     </a:solidFill>
@@ -12627,7 +12761,7 @@
               </a:ln>
               <a:extLst>
                 <a:ext uri="{91240B29-F687-4f45-9708-019B960494DF}">
-                  <a14:hiddenLine xmlns:a14="http://schemas.microsoft.com/office/drawing/2010/main" xmlns="" w="9525">
+                  <a14:hiddenLine xmlns="" xmlns:a14="http://schemas.microsoft.com/office/drawing/2010/main" w="9525">
                     <a:solidFill>
                       <a:srgbClr val="000000"/>
                     </a:solidFill>
@@ -12717,7 +12851,7 @@
               </a:ln>
               <a:extLst>
                 <a:ext uri="{91240B29-F687-4f45-9708-019B960494DF}">
-                  <a14:hiddenLine xmlns:a14="http://schemas.microsoft.com/office/drawing/2010/main" xmlns="" w="9525">
+                  <a14:hiddenLine xmlns="" xmlns:a14="http://schemas.microsoft.com/office/drawing/2010/main" w="9525">
                     <a:solidFill>
                       <a:srgbClr val="000000"/>
                     </a:solidFill>
@@ -12785,7 +12919,7 @@
               </a:ln>
               <a:extLst>
                 <a:ext uri="{91240B29-F687-4f45-9708-019B960494DF}">
-                  <a14:hiddenLine xmlns:a14="http://schemas.microsoft.com/office/drawing/2010/main" xmlns="" w="9525">
+                  <a14:hiddenLine xmlns="" xmlns:a14="http://schemas.microsoft.com/office/drawing/2010/main" w="9525">
                     <a:solidFill>
                       <a:srgbClr val="000000"/>
                     </a:solidFill>
@@ -12875,7 +13009,7 @@
               </a:ln>
               <a:extLst>
                 <a:ext uri="{91240B29-F687-4f45-9708-019B960494DF}">
-                  <a14:hiddenLine xmlns:a14="http://schemas.microsoft.com/office/drawing/2010/main" xmlns="" w="9525">
+                  <a14:hiddenLine xmlns="" xmlns:a14="http://schemas.microsoft.com/office/drawing/2010/main" w="9525">
                     <a:solidFill>
                       <a:srgbClr val="000000"/>
                     </a:solidFill>
@@ -12943,7 +13077,7 @@
               </a:ln>
               <a:extLst>
                 <a:ext uri="{91240B29-F687-4f45-9708-019B960494DF}">
-                  <a14:hiddenLine xmlns:a14="http://schemas.microsoft.com/office/drawing/2010/main" xmlns="" w="9525">
+                  <a14:hiddenLine xmlns="" xmlns:a14="http://schemas.microsoft.com/office/drawing/2010/main" w="9525">
                     <a:solidFill>
                       <a:srgbClr val="000000"/>
                     </a:solidFill>
@@ -13033,7 +13167,7 @@
               </a:ln>
               <a:extLst>
                 <a:ext uri="{91240B29-F687-4f45-9708-019B960494DF}">
-                  <a14:hiddenLine xmlns:a14="http://schemas.microsoft.com/office/drawing/2010/main" xmlns="" w="9525">
+                  <a14:hiddenLine xmlns="" xmlns:a14="http://schemas.microsoft.com/office/drawing/2010/main" w="9525">
                     <a:solidFill>
                       <a:srgbClr val="000000"/>
                     </a:solidFill>
@@ -13067,7 +13201,7 @@
               </a:ln>
               <a:extLst>
                 <a:ext uri="{91240B29-F687-4f45-9708-019B960494DF}">
-                  <a14:hiddenLine xmlns:a14="http://schemas.microsoft.com/office/drawing/2010/main" xmlns="" w="9525">
+                  <a14:hiddenLine xmlns="" xmlns:a14="http://schemas.microsoft.com/office/drawing/2010/main" w="9525">
                     <a:solidFill>
                       <a:srgbClr val="000000"/>
                     </a:solidFill>
@@ -13208,7 +13342,7 @@
             <a:fld id="{48A87A34-81AB-432B-8DAE-1953F412C126}" type="datetimeFigureOut">
               <a:rPr lang="en-US" dirty="0"/>
               <a:pPr/>
-              <a:t>4/5/2022</a:t>
+              <a:t>6/10/2022</a:t>
             </a:fld>
             <a:endParaRPr lang="en-US" dirty="0"/>
           </a:p>
@@ -13793,6 +13927,343 @@
 </p:sld>
 </file>
 
+<file path=ppt/slides/slide10.xml><?xml version="1.0" encoding="utf-8"?>
+<p:sld xmlns:a="http://schemas.openxmlformats.org/drawingml/2006/main" xmlns:r="http://schemas.openxmlformats.org/officeDocument/2006/relationships" xmlns:p="http://schemas.openxmlformats.org/presentationml/2006/main">
+  <p:cSld>
+    <p:spTree>
+      <p:nvGrpSpPr>
+        <p:cNvPr id="1" name=""/>
+        <p:cNvGrpSpPr/>
+        <p:nvPr/>
+      </p:nvGrpSpPr>
+      <p:grpSpPr>
+        <a:xfrm>
+          <a:off x="0" y="0"/>
+          <a:ext cx="0" cy="0"/>
+          <a:chOff x="0" y="0"/>
+          <a:chExt cx="0" cy="0"/>
+        </a:xfrm>
+      </p:grpSpPr>
+      <p:sp>
+        <p:nvSpPr>
+          <p:cNvPr id="2" name="Título 1">
+            <a:extLst>
+              <a:ext uri="{FF2B5EF4-FFF2-40B4-BE49-F238E27FC236}">
+                <a16:creationId xmlns:a16="http://schemas.microsoft.com/office/drawing/2014/main" id="{CF671BC0-D702-4B14-A755-913591B15581}"/>
+              </a:ext>
+            </a:extLst>
+          </p:cNvPr>
+          <p:cNvSpPr>
+            <a:spLocks noGrp="1"/>
+          </p:cNvSpPr>
+          <p:nvPr>
+            <p:ph type="title"/>
+          </p:nvPr>
+        </p:nvSpPr>
+        <p:spPr/>
+        <p:txBody>
+          <a:bodyPr/>
+          <a:lstStyle/>
+          <a:p>
+            <a:pPr algn="ctr"/>
+            <a:r>
+              <a:rPr lang="es-ES" sz="3600" dirty="0"/>
+              <a:t>Tablas en SQL</a:t>
+            </a:r>
+            <a:endParaRPr lang="es-ES" dirty="0"/>
+          </a:p>
+        </p:txBody>
+      </p:sp>
+      <p:sp>
+        <p:nvSpPr>
+          <p:cNvPr id="3" name="CuadroTexto 2">
+            <a:extLst>
+              <a:ext uri="{FF2B5EF4-FFF2-40B4-BE49-F238E27FC236}">
+                <a16:creationId xmlns:a16="http://schemas.microsoft.com/office/drawing/2014/main" id="{712A6D8C-E204-4D31-8CBC-AFE1404E1CE7}"/>
+              </a:ext>
+            </a:extLst>
+          </p:cNvPr>
+          <p:cNvSpPr txBox="1"/>
+          <p:nvPr/>
+        </p:nvSpPr>
+        <p:spPr>
+          <a:xfrm>
+            <a:off x="1571625" y="2619543"/>
+            <a:ext cx="2914650" cy="2585323"/>
+          </a:xfrm>
+          <a:prstGeom prst="rect">
+            <a:avLst/>
+          </a:prstGeom>
+          <a:noFill/>
+        </p:spPr>
+        <p:txBody>
+          <a:bodyPr wrap="square" rtlCol="0">
+            <a:spAutoFit/>
+          </a:bodyPr>
+          <a:lstStyle/>
+          <a:p>
+            <a:r>
+              <a:rPr lang="es-ES" dirty="0"/>
+              <a:t>	EnfermerosPacientes:</a:t>
+            </a:r>
+          </a:p>
+          <a:p>
+            <a:pPr marL="742950" lvl="1" indent="-285750">
+              <a:buFont typeface="Arial" panose="020B0604020202020204" pitchFamily="34" charset="0"/>
+              <a:buChar char="•"/>
+            </a:pPr>
+            <a:r>
+              <a:rPr lang="es-ES" dirty="0"/>
+              <a:t>Id Enfermero.</a:t>
+            </a:r>
+          </a:p>
+          <a:p>
+            <a:pPr marL="742950" lvl="1" indent="-285750">
+              <a:buFont typeface="Arial" panose="020B0604020202020204" pitchFamily="34" charset="0"/>
+              <a:buChar char="•"/>
+            </a:pPr>
+            <a:r>
+              <a:rPr lang="es-ES" dirty="0"/>
+              <a:t>Id Pacientes.</a:t>
+            </a:r>
+          </a:p>
+          <a:p>
+            <a:pPr marL="742950" lvl="1" indent="-285750">
+              <a:buFont typeface="Arial" panose="020B0604020202020204" pitchFamily="34" charset="0"/>
+              <a:buChar char="•"/>
+            </a:pPr>
+            <a:endParaRPr lang="es-ES" dirty="0"/>
+          </a:p>
+          <a:p>
+            <a:pPr lvl="1"/>
+            <a:endParaRPr lang="es-ES" dirty="0"/>
+          </a:p>
+          <a:p>
+            <a:pPr lvl="1"/>
+            <a:r>
+              <a:rPr lang="es-ES" dirty="0"/>
+              <a:t>Habitaciones:</a:t>
+            </a:r>
+          </a:p>
+          <a:p>
+            <a:pPr marL="742950" lvl="1" indent="-285750">
+              <a:buFont typeface="Arial" panose="020B0604020202020204" pitchFamily="34" charset="0"/>
+              <a:buChar char="•"/>
+            </a:pPr>
+            <a:r>
+              <a:rPr lang="es-ES" dirty="0"/>
+              <a:t>Id.</a:t>
+            </a:r>
+          </a:p>
+          <a:p>
+            <a:pPr marL="742950" lvl="1" indent="-285750">
+              <a:buFont typeface="Arial" panose="020B0604020202020204" pitchFamily="34" charset="0"/>
+              <a:buChar char="•"/>
+            </a:pPr>
+            <a:r>
+              <a:rPr lang="es-ES" dirty="0"/>
+              <a:t>Numero Habitación.</a:t>
+            </a:r>
+          </a:p>
+          <a:p>
+            <a:pPr marL="742950" lvl="1" indent="-285750">
+              <a:buFont typeface="Arial" panose="020B0604020202020204" pitchFamily="34" charset="0"/>
+              <a:buChar char="•"/>
+            </a:pPr>
+            <a:r>
+              <a:rPr lang="es-ES" dirty="0"/>
+              <a:t>Estado.</a:t>
+            </a:r>
+          </a:p>
+        </p:txBody>
+      </p:sp>
+      <p:pic>
+        <p:nvPicPr>
+          <p:cNvPr id="5" name="Imagen 4" descr="Interfaz de usuario gráfica, Texto, Sitio web&#10;&#10;Descripción generada automáticamente">
+            <a:extLst>
+              <a:ext uri="{FF2B5EF4-FFF2-40B4-BE49-F238E27FC236}">
+                <a16:creationId xmlns:a16="http://schemas.microsoft.com/office/drawing/2014/main" id="{E48C6981-F60C-406B-9264-BE5704023A67}"/>
+              </a:ext>
+            </a:extLst>
+          </p:cNvPr>
+          <p:cNvPicPr>
+            <a:picLocks noChangeAspect="1"/>
+          </p:cNvPicPr>
+          <p:nvPr/>
+        </p:nvPicPr>
+        <p:blipFill>
+          <a:blip r:embed="rId2"/>
+          <a:stretch>
+            <a:fillRect/>
+          </a:stretch>
+        </p:blipFill>
+        <p:spPr>
+          <a:xfrm>
+            <a:off x="7326610" y="2743200"/>
+            <a:ext cx="3293765" cy="966826"/>
+          </a:xfrm>
+          <a:prstGeom prst="rect">
+            <a:avLst/>
+          </a:prstGeom>
+        </p:spPr>
+      </p:pic>
+      <p:pic>
+        <p:nvPicPr>
+          <p:cNvPr id="7" name="Imagen 6" descr="Interfaz de usuario gráfica, Texto, Aplicación&#10;&#10;Descripción generada automáticamente">
+            <a:extLst>
+              <a:ext uri="{FF2B5EF4-FFF2-40B4-BE49-F238E27FC236}">
+                <a16:creationId xmlns:a16="http://schemas.microsoft.com/office/drawing/2014/main" id="{ABE0775A-AAA5-463A-B748-F156944207C9}"/>
+              </a:ext>
+            </a:extLst>
+          </p:cNvPr>
+          <p:cNvPicPr>
+            <a:picLocks noChangeAspect="1"/>
+          </p:cNvPicPr>
+          <p:nvPr/>
+        </p:nvPicPr>
+        <p:blipFill>
+          <a:blip r:embed="rId3"/>
+          <a:stretch>
+            <a:fillRect/>
+          </a:stretch>
+        </p:blipFill>
+        <p:spPr>
+          <a:xfrm>
+            <a:off x="7326610" y="4063409"/>
+            <a:ext cx="3293764" cy="1416318"/>
+          </a:xfrm>
+          <a:prstGeom prst="rect">
+            <a:avLst/>
+          </a:prstGeom>
+        </p:spPr>
+      </p:pic>
+      <p:sp>
+        <p:nvSpPr>
+          <p:cNvPr id="8" name="Flecha: a la derecha 7">
+            <a:extLst>
+              <a:ext uri="{FF2B5EF4-FFF2-40B4-BE49-F238E27FC236}">
+                <a16:creationId xmlns:a16="http://schemas.microsoft.com/office/drawing/2014/main" id="{2D6B5585-C494-486B-A9F3-40176C06E462}"/>
+              </a:ext>
+            </a:extLst>
+          </p:cNvPr>
+          <p:cNvSpPr/>
+          <p:nvPr/>
+        </p:nvSpPr>
+        <p:spPr>
+          <a:xfrm>
+            <a:off x="5417238" y="3027731"/>
+            <a:ext cx="978408" cy="484632"/>
+          </a:xfrm>
+          <a:prstGeom prst="rightArrow">
+            <a:avLst/>
+          </a:prstGeom>
+          <a:solidFill>
+            <a:schemeClr val="bg2">
+              <a:lumMod val="50000"/>
+              <a:lumOff val="50000"/>
+            </a:schemeClr>
+          </a:solidFill>
+          <a:ln>
+            <a:solidFill>
+              <a:schemeClr val="bg1"/>
+            </a:solidFill>
+          </a:ln>
+        </p:spPr>
+        <p:style>
+          <a:lnRef idx="2">
+            <a:schemeClr val="accent1">
+              <a:shade val="50000"/>
+            </a:schemeClr>
+          </a:lnRef>
+          <a:fillRef idx="1">
+            <a:schemeClr val="accent1"/>
+          </a:fillRef>
+          <a:effectRef idx="0">
+            <a:schemeClr val="accent1"/>
+          </a:effectRef>
+          <a:fontRef idx="minor">
+            <a:schemeClr val="lt1"/>
+          </a:fontRef>
+        </p:style>
+        <p:txBody>
+          <a:bodyPr rtlCol="0" anchor="ctr"/>
+          <a:lstStyle/>
+          <a:p>
+            <a:pPr algn="ctr"/>
+            <a:endParaRPr lang="es-ES"/>
+          </a:p>
+        </p:txBody>
+      </p:sp>
+      <p:sp>
+        <p:nvSpPr>
+          <p:cNvPr id="9" name="Flecha: a la derecha 8">
+            <a:extLst>
+              <a:ext uri="{FF2B5EF4-FFF2-40B4-BE49-F238E27FC236}">
+                <a16:creationId xmlns:a16="http://schemas.microsoft.com/office/drawing/2014/main" id="{AB75753F-21C9-4607-B1FF-1D0A6D87D853}"/>
+              </a:ext>
+            </a:extLst>
+          </p:cNvPr>
+          <p:cNvSpPr/>
+          <p:nvPr/>
+        </p:nvSpPr>
+        <p:spPr>
+          <a:xfrm>
+            <a:off x="5417238" y="4443006"/>
+            <a:ext cx="978408" cy="484632"/>
+          </a:xfrm>
+          <a:prstGeom prst="rightArrow">
+            <a:avLst/>
+          </a:prstGeom>
+          <a:solidFill>
+            <a:schemeClr val="bg2">
+              <a:lumMod val="50000"/>
+              <a:lumOff val="50000"/>
+            </a:schemeClr>
+          </a:solidFill>
+          <a:ln>
+            <a:solidFill>
+              <a:schemeClr val="bg1"/>
+            </a:solidFill>
+          </a:ln>
+        </p:spPr>
+        <p:style>
+          <a:lnRef idx="2">
+            <a:schemeClr val="accent1">
+              <a:shade val="50000"/>
+            </a:schemeClr>
+          </a:lnRef>
+          <a:fillRef idx="1">
+            <a:schemeClr val="accent1"/>
+          </a:fillRef>
+          <a:effectRef idx="0">
+            <a:schemeClr val="accent1"/>
+          </a:effectRef>
+          <a:fontRef idx="minor">
+            <a:schemeClr val="lt1"/>
+          </a:fontRef>
+        </p:style>
+        <p:txBody>
+          <a:bodyPr rtlCol="0" anchor="ctr"/>
+          <a:lstStyle/>
+          <a:p>
+            <a:pPr algn="ctr"/>
+            <a:endParaRPr lang="es-ES"/>
+          </a:p>
+        </p:txBody>
+      </p:sp>
+    </p:spTree>
+    <p:extLst>
+      <p:ext uri="{BB962C8B-B14F-4D97-AF65-F5344CB8AC3E}">
+        <p14:creationId xmlns:p14="http://schemas.microsoft.com/office/powerpoint/2010/main" val="1652138279"/>
+      </p:ext>
+    </p:extLst>
+  </p:cSld>
+  <p:clrMapOvr>
+    <a:masterClrMapping/>
+  </p:clrMapOvr>
+</p:sld>
+</file>
+
 <file path=ppt/slides/slide2.xml><?xml version="1.0" encoding="utf-8"?>
 <p:sld xmlns:a="http://schemas.openxmlformats.org/drawingml/2006/main" xmlns:r="http://schemas.openxmlformats.org/officeDocument/2006/relationships" xmlns:p="http://schemas.openxmlformats.org/presentationml/2006/main">
   <p:cSld>
@@ -13979,7 +14450,7 @@
                   <a:schemeClr val="bg1"/>
                 </a:solidFill>
               </a:rPr>
-              <a:t>interfaz</a:t>
+              <a:t>interfaz ANTIGUA</a:t>
             </a:r>
           </a:p>
         </p:txBody>
@@ -14027,6 +14498,114 @@
 </file>
 
 <file path=ppt/slides/slide4.xml><?xml version="1.0" encoding="utf-8"?>
+<p:sld xmlns:a="http://schemas.openxmlformats.org/drawingml/2006/main" xmlns:r="http://schemas.openxmlformats.org/officeDocument/2006/relationships" xmlns:p="http://schemas.openxmlformats.org/presentationml/2006/main">
+  <p:cSld>
+    <p:bg>
+      <p:bgPr>
+        <a:solidFill>
+          <a:schemeClr val="tx1"/>
+        </a:solidFill>
+        <a:effectLst/>
+      </p:bgPr>
+    </p:bg>
+    <p:spTree>
+      <p:nvGrpSpPr>
+        <p:cNvPr id="1" name=""/>
+        <p:cNvGrpSpPr/>
+        <p:nvPr/>
+      </p:nvGrpSpPr>
+      <p:grpSpPr>
+        <a:xfrm>
+          <a:off x="0" y="0"/>
+          <a:ext cx="0" cy="0"/>
+          <a:chOff x="0" y="0"/>
+          <a:chExt cx="0" cy="0"/>
+        </a:xfrm>
+      </p:grpSpPr>
+      <p:sp>
+        <p:nvSpPr>
+          <p:cNvPr id="2" name="Título 1">
+            <a:extLst>
+              <a:ext uri="{FF2B5EF4-FFF2-40B4-BE49-F238E27FC236}">
+                <a16:creationId xmlns:a16="http://schemas.microsoft.com/office/drawing/2014/main" id="{5C278B81-D8CB-49A6-8AA2-4D09FAA02BE0}"/>
+              </a:ext>
+            </a:extLst>
+          </p:cNvPr>
+          <p:cNvSpPr>
+            <a:spLocks noGrp="1"/>
+          </p:cNvSpPr>
+          <p:nvPr>
+            <p:ph type="title"/>
+          </p:nvPr>
+        </p:nvSpPr>
+        <p:spPr>
+          <a:xfrm>
+            <a:off x="4039927" y="454771"/>
+            <a:ext cx="9905998" cy="896374"/>
+          </a:xfrm>
+        </p:spPr>
+        <p:txBody>
+          <a:bodyPr/>
+          <a:lstStyle/>
+          <a:p>
+            <a:r>
+              <a:rPr lang="es-ES" dirty="0"/>
+              <a:t>				</a:t>
+            </a:r>
+            <a:r>
+              <a:rPr lang="es-ES" dirty="0">
+                <a:solidFill>
+                  <a:schemeClr val="bg1"/>
+                </a:solidFill>
+              </a:rPr>
+              <a:t>interfaz NUEVA</a:t>
+            </a:r>
+          </a:p>
+        </p:txBody>
+      </p:sp>
+      <p:pic>
+        <p:nvPicPr>
+          <p:cNvPr id="6" name="Marcador de contenido 5" descr="Una captura de pantalla de un celular&#10;&#10;Descripción generada automáticamente con confianza media">
+            <a:extLst>
+              <a:ext uri="{FF2B5EF4-FFF2-40B4-BE49-F238E27FC236}">
+                <a16:creationId xmlns:a16="http://schemas.microsoft.com/office/drawing/2014/main" id="{740373D1-4D19-CA74-1A03-0D0AE8583878}"/>
+              </a:ext>
+            </a:extLst>
+          </p:cNvPr>
+          <p:cNvPicPr>
+            <a:picLocks noGrp="1" noChangeAspect="1"/>
+          </p:cNvPicPr>
+          <p:nvPr>
+            <p:ph idx="1"/>
+          </p:nvPr>
+        </p:nvPicPr>
+        <p:blipFill>
+          <a:blip r:embed="rId3"/>
+          <a:stretch>
+            <a:fillRect/>
+          </a:stretch>
+        </p:blipFill>
+        <p:spPr>
+          <a:xfrm>
+            <a:off x="1349604" y="454771"/>
+            <a:ext cx="9905998" cy="6119537"/>
+          </a:xfrm>
+        </p:spPr>
+      </p:pic>
+    </p:spTree>
+    <p:extLst>
+      <p:ext uri="{BB962C8B-B14F-4D97-AF65-F5344CB8AC3E}">
+        <p14:creationId xmlns:p14="http://schemas.microsoft.com/office/powerpoint/2010/main" val="81744778"/>
+      </p:ext>
+    </p:extLst>
+  </p:cSld>
+  <p:clrMapOvr>
+    <a:masterClrMapping/>
+  </p:clrMapOvr>
+</p:sld>
+</file>
+
+<file path=ppt/slides/slide5.xml><?xml version="1.0" encoding="utf-8"?>
 <p:sld xmlns:a="http://schemas.openxmlformats.org/drawingml/2006/main" xmlns:r="http://schemas.openxmlformats.org/officeDocument/2006/relationships" xmlns:p="http://schemas.openxmlformats.org/presentationml/2006/main">
   <p:cSld>
     <p:bg>
@@ -14134,7 +14713,7 @@
 </p:sld>
 </file>
 
-<file path=ppt/slides/slide5.xml><?xml version="1.0" encoding="utf-8"?>
+<file path=ppt/slides/slide6.xml><?xml version="1.0" encoding="utf-8"?>
 <p:sld xmlns:a="http://schemas.openxmlformats.org/drawingml/2006/main" xmlns:r="http://schemas.openxmlformats.org/officeDocument/2006/relationships" xmlns:p="http://schemas.openxmlformats.org/presentationml/2006/main">
   <p:cSld>
     <p:bg>
@@ -14242,7 +14821,7 @@
 </p:sld>
 </file>
 
-<file path=ppt/slides/slide6.xml><?xml version="1.0" encoding="utf-8"?>
+<file path=ppt/slides/slide7.xml><?xml version="1.0" encoding="utf-8"?>
 <p:sld xmlns:a="http://schemas.openxmlformats.org/drawingml/2006/main" xmlns:r="http://schemas.openxmlformats.org/officeDocument/2006/relationships" xmlns:p="http://schemas.openxmlformats.org/presentationml/2006/main">
   <p:cSld>
     <p:bg>
@@ -14315,7 +14894,7 @@
           <a:noFill/>
           <a:extLst>
             <a:ext uri="{909E8E84-426E-40dd-AFC4-6F175D3DCCD1}">
-              <a14:hiddenFill xmlns:a14="http://schemas.microsoft.com/office/drawing/2010/main" xmlns:a16="http://schemas.microsoft.com/office/drawing/2014/main" xmlns="">
+              <a14:hiddenFill xmlns="" xmlns:a16="http://schemas.microsoft.com/office/drawing/2014/main" xmlns:a14="http://schemas.microsoft.com/office/drawing/2010/main">
                 <a:solidFill>
                   <a:srgbClr val="FFFFFF"/>
                 </a:solidFill>
@@ -14407,7 +14986,7 @@
             </a:ln>
             <a:extLst>
               <a:ext uri="{91240B29-F687-4f45-9708-019B960494DF}">
-                <a14:hiddenLine xmlns:a14="http://schemas.microsoft.com/office/drawing/2010/main" xmlns:a16="http://schemas.microsoft.com/office/drawing/2014/main" xmlns="" w="9525">
+                <a14:hiddenLine xmlns="" xmlns:a16="http://schemas.microsoft.com/office/drawing/2014/main" xmlns:a14="http://schemas.microsoft.com/office/drawing/2010/main" w="9525">
                   <a:solidFill>
                     <a:srgbClr val="000000"/>
                   </a:solidFill>
@@ -14512,7 +15091,7 @@
             </a:ln>
             <a:extLst>
               <a:ext uri="{91240B29-F687-4f45-9708-019B960494DF}">
-                <a14:hiddenLine xmlns:a14="http://schemas.microsoft.com/office/drawing/2010/main" xmlns:a16="http://schemas.microsoft.com/office/drawing/2014/main" xmlns="" w="9525">
+                <a14:hiddenLine xmlns="" xmlns:a16="http://schemas.microsoft.com/office/drawing/2014/main" xmlns:a14="http://schemas.microsoft.com/office/drawing/2010/main" w="9525">
                   <a:solidFill>
                     <a:srgbClr val="000000"/>
                   </a:solidFill>
@@ -14617,7 +15196,7 @@
             </a:ln>
             <a:extLst>
               <a:ext uri="{91240B29-F687-4f45-9708-019B960494DF}">
-                <a14:hiddenLine xmlns:a14="http://schemas.microsoft.com/office/drawing/2010/main" xmlns:a16="http://schemas.microsoft.com/office/drawing/2014/main" xmlns="" w="9525">
+                <a14:hiddenLine xmlns="" xmlns:a16="http://schemas.microsoft.com/office/drawing/2014/main" xmlns:a14="http://schemas.microsoft.com/office/drawing/2010/main" w="9525">
                   <a:solidFill>
                     <a:srgbClr val="000000"/>
                   </a:solidFill>
@@ -14666,7 +15245,7 @@
             </a:ln>
             <a:extLst>
               <a:ext uri="{91240B29-F687-4f45-9708-019B960494DF}">
-                <a14:hiddenLine xmlns:a14="http://schemas.microsoft.com/office/drawing/2010/main" xmlns:a16="http://schemas.microsoft.com/office/drawing/2014/main" xmlns="" w="9525">
+                <a14:hiddenLine xmlns="" xmlns:a16="http://schemas.microsoft.com/office/drawing/2014/main" xmlns:a14="http://schemas.microsoft.com/office/drawing/2010/main" w="9525">
                   <a:solidFill>
                     <a:srgbClr val="000000"/>
                   </a:solidFill>
@@ -14771,7 +15350,7 @@
             </a:ln>
             <a:extLst>
               <a:ext uri="{91240B29-F687-4f45-9708-019B960494DF}">
-                <a14:hiddenLine xmlns:a14="http://schemas.microsoft.com/office/drawing/2010/main" xmlns:a16="http://schemas.microsoft.com/office/drawing/2014/main" xmlns="" w="9525">
+                <a14:hiddenLine xmlns="" xmlns:a16="http://schemas.microsoft.com/office/drawing/2014/main" xmlns:a14="http://schemas.microsoft.com/office/drawing/2010/main" w="9525">
                   <a:solidFill>
                     <a:srgbClr val="000000"/>
                   </a:solidFill>
@@ -14848,7 +15427,7 @@
             </a:ln>
             <a:extLst>
               <a:ext uri="{91240B29-F687-4f45-9708-019B960494DF}">
-                <a14:hiddenLine xmlns:a14="http://schemas.microsoft.com/office/drawing/2010/main" xmlns:a16="http://schemas.microsoft.com/office/drawing/2014/main" xmlns="" w="9525">
+                <a14:hiddenLine xmlns="" xmlns:a16="http://schemas.microsoft.com/office/drawing/2014/main" xmlns:a14="http://schemas.microsoft.com/office/drawing/2010/main" w="9525">
                   <a:solidFill>
                     <a:srgbClr val="000000"/>
                   </a:solidFill>
@@ -14925,7 +15504,7 @@
             </a:ln>
             <a:extLst>
               <a:ext uri="{91240B29-F687-4f45-9708-019B960494DF}">
-                <a14:hiddenLine xmlns:a14="http://schemas.microsoft.com/office/drawing/2010/main" xmlns:a16="http://schemas.microsoft.com/office/drawing/2014/main" xmlns="" w="9525">
+                <a14:hiddenLine xmlns="" xmlns:a16="http://schemas.microsoft.com/office/drawing/2014/main" xmlns:a14="http://schemas.microsoft.com/office/drawing/2010/main" w="9525">
                   <a:solidFill>
                     <a:srgbClr val="000000"/>
                   </a:solidFill>
@@ -15030,7 +15609,7 @@
             </a:ln>
             <a:extLst>
               <a:ext uri="{91240B29-F687-4f45-9708-019B960494DF}">
-                <a14:hiddenLine xmlns:a14="http://schemas.microsoft.com/office/drawing/2010/main" xmlns:a16="http://schemas.microsoft.com/office/drawing/2014/main" xmlns="" w="9525">
+                <a14:hiddenLine xmlns="" xmlns:a16="http://schemas.microsoft.com/office/drawing/2014/main" xmlns:a14="http://schemas.microsoft.com/office/drawing/2010/main" w="9525">
                   <a:solidFill>
                     <a:srgbClr val="000000"/>
                   </a:solidFill>
@@ -15107,7 +15686,7 @@
             </a:ln>
             <a:extLst>
               <a:ext uri="{91240B29-F687-4f45-9708-019B960494DF}">
-                <a14:hiddenLine xmlns:a14="http://schemas.microsoft.com/office/drawing/2010/main" xmlns:a16="http://schemas.microsoft.com/office/drawing/2014/main" xmlns="" w="9525">
+                <a14:hiddenLine xmlns="" xmlns:a16="http://schemas.microsoft.com/office/drawing/2014/main" xmlns:a14="http://schemas.microsoft.com/office/drawing/2010/main" w="9525">
                   <a:solidFill>
                     <a:srgbClr val="000000"/>
                   </a:solidFill>
@@ -15184,7 +15763,7 @@
             </a:ln>
             <a:extLst>
               <a:ext uri="{91240B29-F687-4f45-9708-019B960494DF}">
-                <a14:hiddenLine xmlns:a14="http://schemas.microsoft.com/office/drawing/2010/main" xmlns:a16="http://schemas.microsoft.com/office/drawing/2014/main" xmlns="" w="9525">
+                <a14:hiddenLine xmlns="" xmlns:a16="http://schemas.microsoft.com/office/drawing/2014/main" xmlns:a14="http://schemas.microsoft.com/office/drawing/2010/main" w="9525">
                   <a:solidFill>
                     <a:srgbClr val="000000"/>
                   </a:solidFill>
@@ -15289,7 +15868,7 @@
             </a:ln>
             <a:extLst>
               <a:ext uri="{91240B29-F687-4f45-9708-019B960494DF}">
-                <a14:hiddenLine xmlns:a14="http://schemas.microsoft.com/office/drawing/2010/main" xmlns:a16="http://schemas.microsoft.com/office/drawing/2014/main" xmlns="" w="9525">
+                <a14:hiddenLine xmlns="" xmlns:a16="http://schemas.microsoft.com/office/drawing/2014/main" xmlns:a14="http://schemas.microsoft.com/office/drawing/2010/main" w="9525">
                   <a:solidFill>
                     <a:srgbClr val="000000"/>
                   </a:solidFill>
@@ -15394,7 +15973,7 @@
             </a:ln>
             <a:extLst>
               <a:ext uri="{91240B29-F687-4f45-9708-019B960494DF}">
-                <a14:hiddenLine xmlns:a14="http://schemas.microsoft.com/office/drawing/2010/main" xmlns:a16="http://schemas.microsoft.com/office/drawing/2014/main" xmlns="" w="9525">
+                <a14:hiddenLine xmlns="" xmlns:a16="http://schemas.microsoft.com/office/drawing/2014/main" xmlns:a14="http://schemas.microsoft.com/office/drawing/2010/main" w="9525">
                   <a:solidFill>
                     <a:srgbClr val="000000"/>
                   </a:solidFill>
@@ -15471,7 +16050,7 @@
             </a:ln>
             <a:extLst>
               <a:ext uri="{91240B29-F687-4f45-9708-019B960494DF}">
-                <a14:hiddenLine xmlns:a14="http://schemas.microsoft.com/office/drawing/2010/main" xmlns:a16="http://schemas.microsoft.com/office/drawing/2014/main" xmlns="" w="9525">
+                <a14:hiddenLine xmlns="" xmlns:a16="http://schemas.microsoft.com/office/drawing/2014/main" xmlns:a14="http://schemas.microsoft.com/office/drawing/2010/main" w="9525">
                   <a:solidFill>
                     <a:srgbClr val="000000"/>
                   </a:solidFill>
@@ -15596,7 +16175,7 @@
             </a:ln>
             <a:extLst>
               <a:ext uri="{91240B29-F687-4f45-9708-019B960494DF}">
-                <a14:hiddenLine xmlns:a14="http://schemas.microsoft.com/office/drawing/2010/main" xmlns:a16="http://schemas.microsoft.com/office/drawing/2014/main" xmlns="" w="9525">
+                <a14:hiddenLine xmlns="" xmlns:a16="http://schemas.microsoft.com/office/drawing/2014/main" xmlns:a14="http://schemas.microsoft.com/office/drawing/2010/main" w="9525">
                   <a:solidFill>
                     <a:srgbClr val="000000"/>
                   </a:solidFill>
@@ -15673,7 +16252,7 @@
             </a:ln>
             <a:extLst>
               <a:ext uri="{91240B29-F687-4f45-9708-019B960494DF}">
-                <a14:hiddenLine xmlns:a14="http://schemas.microsoft.com/office/drawing/2010/main" xmlns:a16="http://schemas.microsoft.com/office/drawing/2014/main" xmlns="" w="9525">
+                <a14:hiddenLine xmlns="" xmlns:a16="http://schemas.microsoft.com/office/drawing/2014/main" xmlns:a14="http://schemas.microsoft.com/office/drawing/2010/main" w="9525">
                   <a:solidFill>
                     <a:srgbClr val="000000"/>
                   </a:solidFill>
@@ -15778,7 +16357,7 @@
             </a:ln>
             <a:extLst>
               <a:ext uri="{91240B29-F687-4f45-9708-019B960494DF}">
-                <a14:hiddenLine xmlns:a14="http://schemas.microsoft.com/office/drawing/2010/main" xmlns:a16="http://schemas.microsoft.com/office/drawing/2014/main" xmlns="" w="9525">
+                <a14:hiddenLine xmlns="" xmlns:a16="http://schemas.microsoft.com/office/drawing/2014/main" xmlns:a14="http://schemas.microsoft.com/office/drawing/2010/main" w="9525">
                   <a:solidFill>
                     <a:srgbClr val="000000"/>
                   </a:solidFill>
@@ -15883,7 +16462,7 @@
             </a:ln>
             <a:extLst>
               <a:ext uri="{91240B29-F687-4f45-9708-019B960494DF}">
-                <a14:hiddenLine xmlns:a14="http://schemas.microsoft.com/office/drawing/2010/main" xmlns:a16="http://schemas.microsoft.com/office/drawing/2014/main" xmlns="" w="9525">
+                <a14:hiddenLine xmlns="" xmlns:a16="http://schemas.microsoft.com/office/drawing/2014/main" xmlns:a14="http://schemas.microsoft.com/office/drawing/2010/main" w="9525">
                   <a:solidFill>
                     <a:srgbClr val="000000"/>
                   </a:solidFill>
@@ -15960,7 +16539,7 @@
             </a:ln>
             <a:extLst>
               <a:ext uri="{91240B29-F687-4f45-9708-019B960494DF}">
-                <a14:hiddenLine xmlns:a14="http://schemas.microsoft.com/office/drawing/2010/main" xmlns:a16="http://schemas.microsoft.com/office/drawing/2014/main" xmlns="" w="9525">
+                <a14:hiddenLine xmlns="" xmlns:a16="http://schemas.microsoft.com/office/drawing/2014/main" xmlns:a14="http://schemas.microsoft.com/office/drawing/2010/main" w="9525">
                   <a:solidFill>
                     <a:srgbClr val="000000"/>
                   </a:solidFill>
@@ -16065,7 +16644,7 @@
             </a:ln>
             <a:extLst>
               <a:ext uri="{91240B29-F687-4f45-9708-019B960494DF}">
-                <a14:hiddenLine xmlns:a14="http://schemas.microsoft.com/office/drawing/2010/main" xmlns:a16="http://schemas.microsoft.com/office/drawing/2014/main" xmlns="" w="9525">
+                <a14:hiddenLine xmlns="" xmlns:a16="http://schemas.microsoft.com/office/drawing/2014/main" xmlns:a14="http://schemas.microsoft.com/office/drawing/2010/main" w="9525">
                   <a:solidFill>
                     <a:srgbClr val="000000"/>
                   </a:solidFill>
@@ -16170,7 +16749,7 @@
             </a:ln>
             <a:extLst>
               <a:ext uri="{91240B29-F687-4f45-9708-019B960494DF}">
-                <a14:hiddenLine xmlns:a14="http://schemas.microsoft.com/office/drawing/2010/main" xmlns:a16="http://schemas.microsoft.com/office/drawing/2014/main" xmlns="" w="9525">
+                <a14:hiddenLine xmlns="" xmlns:a16="http://schemas.microsoft.com/office/drawing/2014/main" xmlns:a14="http://schemas.microsoft.com/office/drawing/2010/main" w="9525">
                   <a:solidFill>
                     <a:srgbClr val="000000"/>
                   </a:solidFill>
@@ -16241,7 +16820,7 @@
             </a:ln>
             <a:extLst>
               <a:ext uri="{91240B29-F687-4f45-9708-019B960494DF}">
-                <a14:hiddenLine xmlns:a14="http://schemas.microsoft.com/office/drawing/2010/main" xmlns:a16="http://schemas.microsoft.com/office/drawing/2014/main" xmlns="" w="9525">
+                <a14:hiddenLine xmlns="" xmlns:a16="http://schemas.microsoft.com/office/drawing/2014/main" xmlns:a14="http://schemas.microsoft.com/office/drawing/2010/main" w="9525">
                   <a:solidFill>
                     <a:srgbClr val="000000"/>
                   </a:solidFill>
@@ -16346,7 +16925,7 @@
             </a:ln>
             <a:extLst>
               <a:ext uri="{91240B29-F687-4f45-9708-019B960494DF}">
-                <a14:hiddenLine xmlns:a14="http://schemas.microsoft.com/office/drawing/2010/main" xmlns:a16="http://schemas.microsoft.com/office/drawing/2014/main" xmlns="" w="9525">
+                <a14:hiddenLine xmlns="" xmlns:a16="http://schemas.microsoft.com/office/drawing/2014/main" xmlns:a14="http://schemas.microsoft.com/office/drawing/2010/main" w="9525">
                   <a:solidFill>
                     <a:srgbClr val="000000"/>
                   </a:solidFill>
@@ -16417,7 +16996,7 @@
             </a:ln>
             <a:extLst>
               <a:ext uri="{91240B29-F687-4f45-9708-019B960494DF}">
-                <a14:hiddenLine xmlns:a14="http://schemas.microsoft.com/office/drawing/2010/main" xmlns:a16="http://schemas.microsoft.com/office/drawing/2014/main" xmlns="" w="9525">
+                <a14:hiddenLine xmlns="" xmlns:a16="http://schemas.microsoft.com/office/drawing/2014/main" xmlns:a14="http://schemas.microsoft.com/office/drawing/2010/main" w="9525">
                   <a:solidFill>
                     <a:srgbClr val="000000"/>
                   </a:solidFill>
@@ -16522,7 +17101,7 @@
             </a:ln>
             <a:extLst>
               <a:ext uri="{91240B29-F687-4f45-9708-019B960494DF}">
-                <a14:hiddenLine xmlns:a14="http://schemas.microsoft.com/office/drawing/2010/main" xmlns:a16="http://schemas.microsoft.com/office/drawing/2014/main" xmlns="" w="9525">
+                <a14:hiddenLine xmlns="" xmlns:a16="http://schemas.microsoft.com/office/drawing/2014/main" xmlns:a14="http://schemas.microsoft.com/office/drawing/2010/main" w="9525">
                   <a:solidFill>
                     <a:srgbClr val="000000"/>
                   </a:solidFill>
@@ -16605,7 +17184,7 @@
             </a:ln>
             <a:extLst>
               <a:ext uri="{91240B29-F687-4f45-9708-019B960494DF}">
-                <a14:hiddenLine xmlns:a14="http://schemas.microsoft.com/office/drawing/2010/main" xmlns:a16="http://schemas.microsoft.com/office/drawing/2014/main" xmlns="" w="9525">
+                <a14:hiddenLine xmlns="" xmlns:a16="http://schemas.microsoft.com/office/drawing/2014/main" xmlns:a14="http://schemas.microsoft.com/office/drawing/2010/main" w="9525">
                   <a:solidFill>
                     <a:srgbClr val="000000"/>
                   </a:solidFill>
@@ -16710,7 +17289,7 @@
             </a:ln>
             <a:extLst>
               <a:ext uri="{91240B29-F687-4f45-9708-019B960494DF}">
-                <a14:hiddenLine xmlns:a14="http://schemas.microsoft.com/office/drawing/2010/main" xmlns:a16="http://schemas.microsoft.com/office/drawing/2014/main" xmlns="" w="9525">
+                <a14:hiddenLine xmlns="" xmlns:a16="http://schemas.microsoft.com/office/drawing/2014/main" xmlns:a14="http://schemas.microsoft.com/office/drawing/2010/main" w="9525">
                   <a:solidFill>
                     <a:srgbClr val="000000"/>
                   </a:solidFill>
@@ -16793,7 +17372,7 @@
             </a:ln>
             <a:extLst>
               <a:ext uri="{91240B29-F687-4f45-9708-019B960494DF}">
-                <a14:hiddenLine xmlns:a14="http://schemas.microsoft.com/office/drawing/2010/main" xmlns:a16="http://schemas.microsoft.com/office/drawing/2014/main" xmlns="" w="9525">
+                <a14:hiddenLine xmlns="" xmlns:a16="http://schemas.microsoft.com/office/drawing/2014/main" xmlns:a14="http://schemas.microsoft.com/office/drawing/2010/main" w="9525">
                   <a:solidFill>
                     <a:srgbClr val="000000"/>
                   </a:solidFill>
@@ -16898,7 +17477,7 @@
             </a:ln>
             <a:extLst>
               <a:ext uri="{91240B29-F687-4f45-9708-019B960494DF}">
-                <a14:hiddenLine xmlns:a14="http://schemas.microsoft.com/office/drawing/2010/main" xmlns:a16="http://schemas.microsoft.com/office/drawing/2014/main" xmlns="" w="9525">
+                <a14:hiddenLine xmlns="" xmlns:a16="http://schemas.microsoft.com/office/drawing/2014/main" xmlns:a14="http://schemas.microsoft.com/office/drawing/2010/main" w="9525">
                   <a:solidFill>
                     <a:srgbClr val="000000"/>
                   </a:solidFill>
@@ -16947,7 +17526,7 @@
             </a:ln>
             <a:extLst>
               <a:ext uri="{91240B29-F687-4f45-9708-019B960494DF}">
-                <a14:hiddenLine xmlns:a14="http://schemas.microsoft.com/office/drawing/2010/main" xmlns:a16="http://schemas.microsoft.com/office/drawing/2014/main" xmlns="" w="9525">
+                <a14:hiddenLine xmlns="" xmlns:a16="http://schemas.microsoft.com/office/drawing/2014/main" xmlns:a14="http://schemas.microsoft.com/office/drawing/2010/main" w="9525">
                   <a:solidFill>
                     <a:srgbClr val="000000"/>
                   </a:solidFill>
@@ -17052,7 +17631,7 @@
             </a:ln>
             <a:extLst>
               <a:ext uri="{91240B29-F687-4f45-9708-019B960494DF}">
-                <a14:hiddenLine xmlns:a14="http://schemas.microsoft.com/office/drawing/2010/main" xmlns:a16="http://schemas.microsoft.com/office/drawing/2014/main" xmlns="" w="9525">
+                <a14:hiddenLine xmlns="" xmlns:a16="http://schemas.microsoft.com/office/drawing/2014/main" xmlns:a14="http://schemas.microsoft.com/office/drawing/2010/main" w="9525">
                   <a:solidFill>
                     <a:srgbClr val="000000"/>
                   </a:solidFill>
@@ -17129,7 +17708,7 @@
             </a:ln>
             <a:extLst>
               <a:ext uri="{91240B29-F687-4f45-9708-019B960494DF}">
-                <a14:hiddenLine xmlns:a14="http://schemas.microsoft.com/office/drawing/2010/main" xmlns:a16="http://schemas.microsoft.com/office/drawing/2014/main" xmlns="" w="9525">
+                <a14:hiddenLine xmlns="" xmlns:a16="http://schemas.microsoft.com/office/drawing/2014/main" xmlns:a14="http://schemas.microsoft.com/office/drawing/2010/main" w="9525">
                   <a:solidFill>
                     <a:srgbClr val="000000"/>
                   </a:solidFill>
@@ -17206,7 +17785,7 @@
             </a:ln>
             <a:extLst>
               <a:ext uri="{91240B29-F687-4f45-9708-019B960494DF}">
-                <a14:hiddenLine xmlns:a14="http://schemas.microsoft.com/office/drawing/2010/main" xmlns:a16="http://schemas.microsoft.com/office/drawing/2014/main" xmlns="" w="9525">
+                <a14:hiddenLine xmlns="" xmlns:a16="http://schemas.microsoft.com/office/drawing/2014/main" xmlns:a14="http://schemas.microsoft.com/office/drawing/2010/main" w="9525">
                   <a:solidFill>
                     <a:srgbClr val="000000"/>
                   </a:solidFill>
@@ -17311,7 +17890,7 @@
             </a:ln>
             <a:extLst>
               <a:ext uri="{91240B29-F687-4f45-9708-019B960494DF}">
-                <a14:hiddenLine xmlns:a14="http://schemas.microsoft.com/office/drawing/2010/main" xmlns:a16="http://schemas.microsoft.com/office/drawing/2014/main" xmlns="" w="9525">
+                <a14:hiddenLine xmlns="" xmlns:a16="http://schemas.microsoft.com/office/drawing/2014/main" xmlns:a14="http://schemas.microsoft.com/office/drawing/2010/main" w="9525">
                   <a:solidFill>
                     <a:srgbClr val="000000"/>
                   </a:solidFill>
@@ -17394,7 +17973,7 @@
             </a:ln>
             <a:extLst>
               <a:ext uri="{91240B29-F687-4f45-9708-019B960494DF}">
-                <a14:hiddenLine xmlns:a14="http://schemas.microsoft.com/office/drawing/2010/main" xmlns:a16="http://schemas.microsoft.com/office/drawing/2014/main" xmlns="" w="9525">
+                <a14:hiddenLine xmlns="" xmlns:a16="http://schemas.microsoft.com/office/drawing/2014/main" xmlns:a14="http://schemas.microsoft.com/office/drawing/2010/main" w="9525">
                   <a:solidFill>
                     <a:srgbClr val="000000"/>
                   </a:solidFill>
@@ -17471,7 +18050,7 @@
             </a:ln>
             <a:extLst>
               <a:ext uri="{91240B29-F687-4f45-9708-019B960494DF}">
-                <a14:hiddenLine xmlns:a14="http://schemas.microsoft.com/office/drawing/2010/main" xmlns:a16="http://schemas.microsoft.com/office/drawing/2014/main" xmlns="" w="9525">
+                <a14:hiddenLine xmlns="" xmlns:a16="http://schemas.microsoft.com/office/drawing/2014/main" xmlns:a14="http://schemas.microsoft.com/office/drawing/2010/main" w="9525">
                   <a:solidFill>
                     <a:srgbClr val="000000"/>
                   </a:solidFill>
@@ -17576,7 +18155,7 @@
             </a:ln>
             <a:extLst>
               <a:ext uri="{91240B29-F687-4f45-9708-019B960494DF}">
-                <a14:hiddenLine xmlns:a14="http://schemas.microsoft.com/office/drawing/2010/main" xmlns:a16="http://schemas.microsoft.com/office/drawing/2014/main" xmlns="" w="9525">
+                <a14:hiddenLine xmlns="" xmlns:a16="http://schemas.microsoft.com/office/drawing/2014/main" xmlns:a14="http://schemas.microsoft.com/office/drawing/2010/main" w="9525">
                   <a:solidFill>
                     <a:srgbClr val="000000"/>
                   </a:solidFill>
@@ -17653,7 +18232,7 @@
             </a:ln>
             <a:extLst>
               <a:ext uri="{91240B29-F687-4f45-9708-019B960494DF}">
-                <a14:hiddenLine xmlns:a14="http://schemas.microsoft.com/office/drawing/2010/main" xmlns:a16="http://schemas.microsoft.com/office/drawing/2014/main" xmlns="" w="9525">
+                <a14:hiddenLine xmlns="" xmlns:a16="http://schemas.microsoft.com/office/drawing/2014/main" xmlns:a14="http://schemas.microsoft.com/office/drawing/2010/main" w="9525">
                   <a:solidFill>
                     <a:srgbClr val="000000"/>
                   </a:solidFill>
@@ -17758,7 +18337,7 @@
             </a:ln>
             <a:extLst>
               <a:ext uri="{91240B29-F687-4f45-9708-019B960494DF}">
-                <a14:hiddenLine xmlns:a14="http://schemas.microsoft.com/office/drawing/2010/main" xmlns:a16="http://schemas.microsoft.com/office/drawing/2014/main" xmlns="" w="9525">
+                <a14:hiddenLine xmlns="" xmlns:a16="http://schemas.microsoft.com/office/drawing/2014/main" xmlns:a14="http://schemas.microsoft.com/office/drawing/2010/main" w="9525">
                   <a:solidFill>
                     <a:srgbClr val="000000"/>
                   </a:solidFill>
@@ -17835,7 +18414,7 @@
             </a:ln>
             <a:extLst>
               <a:ext uri="{91240B29-F687-4f45-9708-019B960494DF}">
-                <a14:hiddenLine xmlns:a14="http://schemas.microsoft.com/office/drawing/2010/main" xmlns:a16="http://schemas.microsoft.com/office/drawing/2014/main" xmlns="" w="9525">
+                <a14:hiddenLine xmlns="" xmlns:a16="http://schemas.microsoft.com/office/drawing/2014/main" xmlns:a14="http://schemas.microsoft.com/office/drawing/2010/main" w="9525">
                   <a:solidFill>
                     <a:srgbClr val="000000"/>
                   </a:solidFill>
@@ -17940,7 +18519,7 @@
             </a:ln>
             <a:extLst>
               <a:ext uri="{91240B29-F687-4f45-9708-019B960494DF}">
-                <a14:hiddenLine xmlns:a14="http://schemas.microsoft.com/office/drawing/2010/main" xmlns:a16="http://schemas.microsoft.com/office/drawing/2014/main" xmlns="" w="9525">
+                <a14:hiddenLine xmlns="" xmlns:a16="http://schemas.microsoft.com/office/drawing/2014/main" xmlns:a14="http://schemas.microsoft.com/office/drawing/2010/main" w="9525">
                   <a:solidFill>
                     <a:srgbClr val="000000"/>
                   </a:solidFill>
@@ -17989,7 +18568,7 @@
             </a:ln>
             <a:extLst>
               <a:ext uri="{91240B29-F687-4f45-9708-019B960494DF}">
-                <a14:hiddenLine xmlns:a14="http://schemas.microsoft.com/office/drawing/2010/main" xmlns:a16="http://schemas.microsoft.com/office/drawing/2014/main" xmlns="" w="9525">
+                <a14:hiddenLine xmlns="" xmlns:a16="http://schemas.microsoft.com/office/drawing/2014/main" xmlns:a14="http://schemas.microsoft.com/office/drawing/2010/main" w="9525">
                   <a:solidFill>
                     <a:srgbClr val="000000"/>
                   </a:solidFill>
@@ -18069,7 +18648,7 @@
             </a:ln>
             <a:extLst>
               <a:ext uri="{91240B29-F687-4f45-9708-019B960494DF}">
-                <a14:hiddenLine xmlns:a14="http://schemas.microsoft.com/office/drawing/2010/main" xmlns:a16="http://schemas.microsoft.com/office/drawing/2014/main" xmlns="" w="9525">
+                <a14:hiddenLine xmlns="" xmlns:a16="http://schemas.microsoft.com/office/drawing/2014/main" xmlns:a14="http://schemas.microsoft.com/office/drawing/2010/main" w="9525">
                   <a:solidFill>
                     <a:srgbClr val="000000"/>
                   </a:solidFill>
@@ -18174,7 +18753,7 @@
             </a:ln>
             <a:extLst>
               <a:ext uri="{91240B29-F687-4f45-9708-019B960494DF}">
-                <a14:hiddenLine xmlns:a14="http://schemas.microsoft.com/office/drawing/2010/main" xmlns:a16="http://schemas.microsoft.com/office/drawing/2014/main" xmlns="" w="9525">
+                <a14:hiddenLine xmlns="" xmlns:a16="http://schemas.microsoft.com/office/drawing/2014/main" xmlns:a14="http://schemas.microsoft.com/office/drawing/2010/main" w="9525">
                   <a:solidFill>
                     <a:srgbClr val="000000"/>
                   </a:solidFill>
@@ -18251,7 +18830,7 @@
             </a:ln>
             <a:extLst>
               <a:ext uri="{91240B29-F687-4f45-9708-019B960494DF}">
-                <a14:hiddenLine xmlns:a14="http://schemas.microsoft.com/office/drawing/2010/main" xmlns:a16="http://schemas.microsoft.com/office/drawing/2014/main" xmlns="" w="9525">
+                <a14:hiddenLine xmlns="" xmlns:a16="http://schemas.microsoft.com/office/drawing/2014/main" xmlns:a14="http://schemas.microsoft.com/office/drawing/2010/main" w="9525">
                   <a:solidFill>
                     <a:srgbClr val="000000"/>
                   </a:solidFill>
@@ -18356,7 +18935,7 @@
             </a:ln>
             <a:extLst>
               <a:ext uri="{91240B29-F687-4f45-9708-019B960494DF}">
-                <a14:hiddenLine xmlns:a14="http://schemas.microsoft.com/office/drawing/2010/main" xmlns:a16="http://schemas.microsoft.com/office/drawing/2014/main" xmlns="" w="9525">
+                <a14:hiddenLine xmlns="" xmlns:a16="http://schemas.microsoft.com/office/drawing/2014/main" xmlns:a14="http://schemas.microsoft.com/office/drawing/2010/main" w="9525">
                   <a:solidFill>
                     <a:srgbClr val="000000"/>
                   </a:solidFill>
@@ -18461,7 +19040,7 @@
             </a:ln>
             <a:extLst>
               <a:ext uri="{91240B29-F687-4f45-9708-019B960494DF}">
-                <a14:hiddenLine xmlns:a14="http://schemas.microsoft.com/office/drawing/2010/main" xmlns:a16="http://schemas.microsoft.com/office/drawing/2014/main" xmlns="" w="9525">
+                <a14:hiddenLine xmlns="" xmlns:a16="http://schemas.microsoft.com/office/drawing/2014/main" xmlns:a14="http://schemas.microsoft.com/office/drawing/2010/main" w="9525">
                   <a:solidFill>
                     <a:srgbClr val="000000"/>
                   </a:solidFill>
@@ -18541,7 +19120,7 @@
             </a:ln>
             <a:extLst>
               <a:ext uri="{91240B29-F687-4f45-9708-019B960494DF}">
-                <a14:hiddenLine xmlns:a14="http://schemas.microsoft.com/office/drawing/2010/main" xmlns:a16="http://schemas.microsoft.com/office/drawing/2014/main" xmlns="" w="9525">
+                <a14:hiddenLine xmlns="" xmlns:a16="http://schemas.microsoft.com/office/drawing/2014/main" xmlns:a14="http://schemas.microsoft.com/office/drawing/2010/main" w="9525">
                   <a:solidFill>
                     <a:srgbClr val="000000"/>
                   </a:solidFill>
@@ -18618,7 +19197,7 @@
             </a:ln>
             <a:extLst>
               <a:ext uri="{91240B29-F687-4f45-9708-019B960494DF}">
-                <a14:hiddenLine xmlns:a14="http://schemas.microsoft.com/office/drawing/2010/main" xmlns:a16="http://schemas.microsoft.com/office/drawing/2014/main" xmlns="" w="9525">
+                <a14:hiddenLine xmlns="" xmlns:a16="http://schemas.microsoft.com/office/drawing/2014/main" xmlns:a14="http://schemas.microsoft.com/office/drawing/2010/main" w="9525">
                   <a:solidFill>
                     <a:srgbClr val="000000"/>
                   </a:solidFill>
@@ -18723,7 +19302,7 @@
             </a:ln>
             <a:extLst>
               <a:ext uri="{91240B29-F687-4f45-9708-019B960494DF}">
-                <a14:hiddenLine xmlns:a14="http://schemas.microsoft.com/office/drawing/2010/main" xmlns:a16="http://schemas.microsoft.com/office/drawing/2014/main" xmlns="" w="9525">
+                <a14:hiddenLine xmlns="" xmlns:a16="http://schemas.microsoft.com/office/drawing/2014/main" xmlns:a14="http://schemas.microsoft.com/office/drawing/2010/main" w="9525">
                   <a:solidFill>
                     <a:srgbClr val="000000"/>
                   </a:solidFill>
@@ -18828,7 +19407,7 @@
             </a:ln>
             <a:extLst>
               <a:ext uri="{91240B29-F687-4f45-9708-019B960494DF}">
-                <a14:hiddenLine xmlns:a14="http://schemas.microsoft.com/office/drawing/2010/main" xmlns:a16="http://schemas.microsoft.com/office/drawing/2014/main" xmlns="" w="9525">
+                <a14:hiddenLine xmlns="" xmlns:a16="http://schemas.microsoft.com/office/drawing/2014/main" xmlns:a14="http://schemas.microsoft.com/office/drawing/2010/main" w="9525">
                   <a:solidFill>
                     <a:srgbClr val="000000"/>
                   </a:solidFill>
@@ -18905,7 +19484,7 @@
             </a:ln>
             <a:extLst>
               <a:ext uri="{91240B29-F687-4f45-9708-019B960494DF}">
-                <a14:hiddenLine xmlns:a14="http://schemas.microsoft.com/office/drawing/2010/main" xmlns:a16="http://schemas.microsoft.com/office/drawing/2014/main" xmlns="" w="9525">
+                <a14:hiddenLine xmlns="" xmlns:a16="http://schemas.microsoft.com/office/drawing/2014/main" xmlns:a14="http://schemas.microsoft.com/office/drawing/2010/main" w="9525">
                   <a:solidFill>
                     <a:srgbClr val="000000"/>
                   </a:solidFill>
@@ -19040,7 +19619,7 @@
             </a:ln>
             <a:extLst>
               <a:ext uri="{91240B29-F687-4f45-9708-019B960494DF}">
-                <a14:hiddenLine xmlns:a14="http://schemas.microsoft.com/office/drawing/2010/main" xmlns:a16="http://schemas.microsoft.com/office/drawing/2014/main" xmlns="" w="9525">
+                <a14:hiddenLine xmlns="" xmlns:a16="http://schemas.microsoft.com/office/drawing/2014/main" xmlns:a14="http://schemas.microsoft.com/office/drawing/2010/main" w="9525">
                   <a:solidFill>
                     <a:srgbClr val="000000"/>
                   </a:solidFill>
@@ -19123,7 +19702,7 @@
             </a:ln>
             <a:extLst>
               <a:ext uri="{91240B29-F687-4f45-9708-019B960494DF}">
-                <a14:hiddenLine xmlns:a14="http://schemas.microsoft.com/office/drawing/2010/main" xmlns:a16="http://schemas.microsoft.com/office/drawing/2014/main" xmlns="" w="9525">
+                <a14:hiddenLine xmlns="" xmlns:a16="http://schemas.microsoft.com/office/drawing/2014/main" xmlns:a14="http://schemas.microsoft.com/office/drawing/2010/main" w="9525">
                   <a:solidFill>
                     <a:srgbClr val="000000"/>
                   </a:solidFill>
@@ -19228,7 +19807,7 @@
             </a:ln>
             <a:extLst>
               <a:ext uri="{91240B29-F687-4f45-9708-019B960494DF}">
-                <a14:hiddenLine xmlns:a14="http://schemas.microsoft.com/office/drawing/2010/main" xmlns:a16="http://schemas.microsoft.com/office/drawing/2014/main" xmlns="" w="9525">
+                <a14:hiddenLine xmlns="" xmlns:a16="http://schemas.microsoft.com/office/drawing/2014/main" xmlns:a14="http://schemas.microsoft.com/office/drawing/2010/main" w="9525">
                   <a:solidFill>
                     <a:srgbClr val="000000"/>
                   </a:solidFill>
@@ -19422,7 +20001,7 @@
             </a:ln>
             <a:extLst>
               <a:ext uri="{91240B29-F687-4f45-9708-019B960494DF}">
-                <a14:hiddenLine xmlns:a14="http://schemas.microsoft.com/office/drawing/2010/main" xmlns:p14="http://schemas.microsoft.com/office/powerpoint/2010/main" xmlns:a16="http://schemas.microsoft.com/office/drawing/2014/main" xmlns="" w="9525">
+                <a14:hiddenLine xmlns="" xmlns:a16="http://schemas.microsoft.com/office/drawing/2014/main" xmlns:p14="http://schemas.microsoft.com/office/powerpoint/2010/main" xmlns:a14="http://schemas.microsoft.com/office/drawing/2010/main" w="9525">
                   <a:solidFill>
                     <a:srgbClr val="000000"/>
                   </a:solidFill>
@@ -19527,7 +20106,7 @@
             </a:ln>
             <a:extLst>
               <a:ext uri="{91240B29-F687-4f45-9708-019B960494DF}">
-                <a14:hiddenLine xmlns:a14="http://schemas.microsoft.com/office/drawing/2010/main" xmlns:p14="http://schemas.microsoft.com/office/powerpoint/2010/main" xmlns:a16="http://schemas.microsoft.com/office/drawing/2014/main" xmlns="" w="9525">
+                <a14:hiddenLine xmlns="" xmlns:a16="http://schemas.microsoft.com/office/drawing/2014/main" xmlns:p14="http://schemas.microsoft.com/office/powerpoint/2010/main" xmlns:a14="http://schemas.microsoft.com/office/drawing/2010/main" w="9525">
                   <a:solidFill>
                     <a:srgbClr val="000000"/>
                   </a:solidFill>
@@ -19632,7 +20211,7 @@
             </a:ln>
             <a:extLst>
               <a:ext uri="{91240B29-F687-4f45-9708-019B960494DF}">
-                <a14:hiddenLine xmlns:a14="http://schemas.microsoft.com/office/drawing/2010/main" xmlns:p14="http://schemas.microsoft.com/office/powerpoint/2010/main" xmlns:a16="http://schemas.microsoft.com/office/drawing/2014/main" xmlns="" w="9525">
+                <a14:hiddenLine xmlns="" xmlns:a16="http://schemas.microsoft.com/office/drawing/2014/main" xmlns:p14="http://schemas.microsoft.com/office/powerpoint/2010/main" xmlns:a14="http://schemas.microsoft.com/office/drawing/2010/main" w="9525">
                   <a:solidFill>
                     <a:srgbClr val="000000"/>
                   </a:solidFill>
@@ -19681,7 +20260,7 @@
             </a:ln>
             <a:extLst>
               <a:ext uri="{91240B29-F687-4f45-9708-019B960494DF}">
-                <a14:hiddenLine xmlns:a14="http://schemas.microsoft.com/office/drawing/2010/main" xmlns:p14="http://schemas.microsoft.com/office/powerpoint/2010/main" xmlns:a16="http://schemas.microsoft.com/office/drawing/2014/main" xmlns="" w="9525">
+                <a14:hiddenLine xmlns="" xmlns:a16="http://schemas.microsoft.com/office/drawing/2014/main" xmlns:p14="http://schemas.microsoft.com/office/powerpoint/2010/main" xmlns:a14="http://schemas.microsoft.com/office/drawing/2010/main" w="9525">
                   <a:solidFill>
                     <a:srgbClr val="000000"/>
                   </a:solidFill>
@@ -19786,7 +20365,7 @@
             </a:ln>
             <a:extLst>
               <a:ext uri="{91240B29-F687-4f45-9708-019B960494DF}">
-                <a14:hiddenLine xmlns:a14="http://schemas.microsoft.com/office/drawing/2010/main" xmlns:p14="http://schemas.microsoft.com/office/powerpoint/2010/main" xmlns:a16="http://schemas.microsoft.com/office/drawing/2014/main" xmlns="" w="9525">
+                <a14:hiddenLine xmlns="" xmlns:a16="http://schemas.microsoft.com/office/drawing/2014/main" xmlns:p14="http://schemas.microsoft.com/office/powerpoint/2010/main" xmlns:a14="http://schemas.microsoft.com/office/drawing/2010/main" w="9525">
                   <a:solidFill>
                     <a:srgbClr val="000000"/>
                   </a:solidFill>
@@ -19863,7 +20442,7 @@
             </a:ln>
             <a:extLst>
               <a:ext uri="{91240B29-F687-4f45-9708-019B960494DF}">
-                <a14:hiddenLine xmlns:a14="http://schemas.microsoft.com/office/drawing/2010/main" xmlns:p14="http://schemas.microsoft.com/office/powerpoint/2010/main" xmlns:a16="http://schemas.microsoft.com/office/drawing/2014/main" xmlns="" w="9525">
+                <a14:hiddenLine xmlns="" xmlns:a16="http://schemas.microsoft.com/office/drawing/2014/main" xmlns:p14="http://schemas.microsoft.com/office/powerpoint/2010/main" xmlns:a14="http://schemas.microsoft.com/office/drawing/2010/main" w="9525">
                   <a:solidFill>
                     <a:srgbClr val="000000"/>
                   </a:solidFill>
@@ -19940,7 +20519,7 @@
             </a:ln>
             <a:extLst>
               <a:ext uri="{91240B29-F687-4f45-9708-019B960494DF}">
-                <a14:hiddenLine xmlns:a14="http://schemas.microsoft.com/office/drawing/2010/main" xmlns:p14="http://schemas.microsoft.com/office/powerpoint/2010/main" xmlns:a16="http://schemas.microsoft.com/office/drawing/2014/main" xmlns="" w="9525">
+                <a14:hiddenLine xmlns="" xmlns:a16="http://schemas.microsoft.com/office/drawing/2014/main" xmlns:p14="http://schemas.microsoft.com/office/powerpoint/2010/main" xmlns:a14="http://schemas.microsoft.com/office/drawing/2010/main" w="9525">
                   <a:solidFill>
                     <a:srgbClr val="000000"/>
                   </a:solidFill>
@@ -20045,7 +20624,7 @@
             </a:ln>
             <a:extLst>
               <a:ext uri="{91240B29-F687-4f45-9708-019B960494DF}">
-                <a14:hiddenLine xmlns:a14="http://schemas.microsoft.com/office/drawing/2010/main" xmlns:p14="http://schemas.microsoft.com/office/powerpoint/2010/main" xmlns:a16="http://schemas.microsoft.com/office/drawing/2014/main" xmlns="" w="9525">
+                <a14:hiddenLine xmlns="" xmlns:a16="http://schemas.microsoft.com/office/drawing/2014/main" xmlns:p14="http://schemas.microsoft.com/office/powerpoint/2010/main" xmlns:a14="http://schemas.microsoft.com/office/drawing/2010/main" w="9525">
                   <a:solidFill>
                     <a:srgbClr val="000000"/>
                   </a:solidFill>
@@ -20122,7 +20701,7 @@
             </a:ln>
             <a:extLst>
               <a:ext uri="{91240B29-F687-4f45-9708-019B960494DF}">
-                <a14:hiddenLine xmlns:a14="http://schemas.microsoft.com/office/drawing/2010/main" xmlns:p14="http://schemas.microsoft.com/office/powerpoint/2010/main" xmlns:a16="http://schemas.microsoft.com/office/drawing/2014/main" xmlns="" w="9525">
+                <a14:hiddenLine xmlns="" xmlns:a16="http://schemas.microsoft.com/office/drawing/2014/main" xmlns:p14="http://schemas.microsoft.com/office/powerpoint/2010/main" xmlns:a14="http://schemas.microsoft.com/office/drawing/2010/main" w="9525">
                   <a:solidFill>
                     <a:srgbClr val="000000"/>
                   </a:solidFill>
@@ -20199,7 +20778,7 @@
             </a:ln>
             <a:extLst>
               <a:ext uri="{91240B29-F687-4f45-9708-019B960494DF}">
-                <a14:hiddenLine xmlns:a14="http://schemas.microsoft.com/office/drawing/2010/main" xmlns:p14="http://schemas.microsoft.com/office/powerpoint/2010/main" xmlns:a16="http://schemas.microsoft.com/office/drawing/2014/main" xmlns="" w="9525">
+                <a14:hiddenLine xmlns="" xmlns:a16="http://schemas.microsoft.com/office/drawing/2014/main" xmlns:p14="http://schemas.microsoft.com/office/powerpoint/2010/main" xmlns:a14="http://schemas.microsoft.com/office/drawing/2010/main" w="9525">
                   <a:solidFill>
                     <a:srgbClr val="000000"/>
                   </a:solidFill>
@@ -20304,7 +20883,7 @@
             </a:ln>
             <a:extLst>
               <a:ext uri="{91240B29-F687-4f45-9708-019B960494DF}">
-                <a14:hiddenLine xmlns:a14="http://schemas.microsoft.com/office/drawing/2010/main" xmlns:p14="http://schemas.microsoft.com/office/powerpoint/2010/main" xmlns:a16="http://schemas.microsoft.com/office/drawing/2014/main" xmlns="" w="9525">
+                <a14:hiddenLine xmlns="" xmlns:a16="http://schemas.microsoft.com/office/drawing/2014/main" xmlns:p14="http://schemas.microsoft.com/office/powerpoint/2010/main" xmlns:a14="http://schemas.microsoft.com/office/drawing/2010/main" w="9525">
                   <a:solidFill>
                     <a:srgbClr val="000000"/>
                   </a:solidFill>
@@ -20409,7 +20988,7 @@
             </a:ln>
             <a:extLst>
               <a:ext uri="{91240B29-F687-4f45-9708-019B960494DF}">
-                <a14:hiddenLine xmlns:a14="http://schemas.microsoft.com/office/drawing/2010/main" xmlns:p14="http://schemas.microsoft.com/office/powerpoint/2010/main" xmlns:a16="http://schemas.microsoft.com/office/drawing/2014/main" xmlns="" w="9525">
+                <a14:hiddenLine xmlns="" xmlns:a16="http://schemas.microsoft.com/office/drawing/2014/main" xmlns:p14="http://schemas.microsoft.com/office/powerpoint/2010/main" xmlns:a14="http://schemas.microsoft.com/office/drawing/2010/main" w="9525">
                   <a:solidFill>
                     <a:srgbClr val="000000"/>
                   </a:solidFill>
@@ -20486,7 +21065,7 @@
             </a:ln>
             <a:extLst>
               <a:ext uri="{91240B29-F687-4f45-9708-019B960494DF}">
-                <a14:hiddenLine xmlns:a14="http://schemas.microsoft.com/office/drawing/2010/main" xmlns:p14="http://schemas.microsoft.com/office/powerpoint/2010/main" xmlns:a16="http://schemas.microsoft.com/office/drawing/2014/main" xmlns="" w="9525">
+                <a14:hiddenLine xmlns="" xmlns:a16="http://schemas.microsoft.com/office/drawing/2014/main" xmlns:p14="http://schemas.microsoft.com/office/powerpoint/2010/main" xmlns:a14="http://schemas.microsoft.com/office/drawing/2010/main" w="9525">
                   <a:solidFill>
                     <a:srgbClr val="000000"/>
                   </a:solidFill>
@@ -20611,7 +21190,7 @@
             </a:ln>
             <a:extLst>
               <a:ext uri="{91240B29-F687-4f45-9708-019B960494DF}">
-                <a14:hiddenLine xmlns:a14="http://schemas.microsoft.com/office/drawing/2010/main" xmlns:p14="http://schemas.microsoft.com/office/powerpoint/2010/main" xmlns:a16="http://schemas.microsoft.com/office/drawing/2014/main" xmlns="" w="9525">
+                <a14:hiddenLine xmlns="" xmlns:a16="http://schemas.microsoft.com/office/drawing/2014/main" xmlns:p14="http://schemas.microsoft.com/office/powerpoint/2010/main" xmlns:a14="http://schemas.microsoft.com/office/drawing/2010/main" w="9525">
                   <a:solidFill>
                     <a:srgbClr val="000000"/>
                   </a:solidFill>
@@ -20688,7 +21267,7 @@
             </a:ln>
             <a:extLst>
               <a:ext uri="{91240B29-F687-4f45-9708-019B960494DF}">
-                <a14:hiddenLine xmlns:a14="http://schemas.microsoft.com/office/drawing/2010/main" xmlns:p14="http://schemas.microsoft.com/office/powerpoint/2010/main" xmlns:a16="http://schemas.microsoft.com/office/drawing/2014/main" xmlns="" w="9525">
+                <a14:hiddenLine xmlns="" xmlns:a16="http://schemas.microsoft.com/office/drawing/2014/main" xmlns:p14="http://schemas.microsoft.com/office/powerpoint/2010/main" xmlns:a14="http://schemas.microsoft.com/office/drawing/2010/main" w="9525">
                   <a:solidFill>
                     <a:srgbClr val="000000"/>
                   </a:solidFill>
@@ -20793,7 +21372,7 @@
             </a:ln>
             <a:extLst>
               <a:ext uri="{91240B29-F687-4f45-9708-019B960494DF}">
-                <a14:hiddenLine xmlns:a14="http://schemas.microsoft.com/office/drawing/2010/main" xmlns:p14="http://schemas.microsoft.com/office/powerpoint/2010/main" xmlns:a16="http://schemas.microsoft.com/office/drawing/2014/main" xmlns="" w="9525">
+                <a14:hiddenLine xmlns="" xmlns:a16="http://schemas.microsoft.com/office/drawing/2014/main" xmlns:p14="http://schemas.microsoft.com/office/powerpoint/2010/main" xmlns:a14="http://schemas.microsoft.com/office/drawing/2010/main" w="9525">
                   <a:solidFill>
                     <a:srgbClr val="000000"/>
                   </a:solidFill>
@@ -20898,7 +21477,7 @@
             </a:ln>
             <a:extLst>
               <a:ext uri="{91240B29-F687-4f45-9708-019B960494DF}">
-                <a14:hiddenLine xmlns:a14="http://schemas.microsoft.com/office/drawing/2010/main" xmlns:p14="http://schemas.microsoft.com/office/powerpoint/2010/main" xmlns:a16="http://schemas.microsoft.com/office/drawing/2014/main" xmlns="" w="9525">
+                <a14:hiddenLine xmlns="" xmlns:a16="http://schemas.microsoft.com/office/drawing/2014/main" xmlns:p14="http://schemas.microsoft.com/office/powerpoint/2010/main" xmlns:a14="http://schemas.microsoft.com/office/drawing/2010/main" w="9525">
                   <a:solidFill>
                     <a:srgbClr val="000000"/>
                   </a:solidFill>
@@ -20975,7 +21554,7 @@
             </a:ln>
             <a:extLst>
               <a:ext uri="{91240B29-F687-4f45-9708-019B960494DF}">
-                <a14:hiddenLine xmlns:a14="http://schemas.microsoft.com/office/drawing/2010/main" xmlns:p14="http://schemas.microsoft.com/office/powerpoint/2010/main" xmlns:a16="http://schemas.microsoft.com/office/drawing/2014/main" xmlns="" w="9525">
+                <a14:hiddenLine xmlns="" xmlns:a16="http://schemas.microsoft.com/office/drawing/2014/main" xmlns:p14="http://schemas.microsoft.com/office/powerpoint/2010/main" xmlns:a14="http://schemas.microsoft.com/office/drawing/2010/main" w="9525">
                   <a:solidFill>
                     <a:srgbClr val="000000"/>
                   </a:solidFill>
@@ -21080,7 +21659,7 @@
             </a:ln>
             <a:extLst>
               <a:ext uri="{91240B29-F687-4f45-9708-019B960494DF}">
-                <a14:hiddenLine xmlns:a14="http://schemas.microsoft.com/office/drawing/2010/main" xmlns:p14="http://schemas.microsoft.com/office/powerpoint/2010/main" xmlns:a16="http://schemas.microsoft.com/office/drawing/2014/main" xmlns="" w="9525">
+                <a14:hiddenLine xmlns="" xmlns:a16="http://schemas.microsoft.com/office/drawing/2014/main" xmlns:p14="http://schemas.microsoft.com/office/powerpoint/2010/main" xmlns:a14="http://schemas.microsoft.com/office/drawing/2010/main" w="9525">
                   <a:solidFill>
                     <a:srgbClr val="000000"/>
                   </a:solidFill>
@@ -21185,7 +21764,7 @@
             </a:ln>
             <a:extLst>
               <a:ext uri="{91240B29-F687-4f45-9708-019B960494DF}">
-                <a14:hiddenLine xmlns:a14="http://schemas.microsoft.com/office/drawing/2010/main" xmlns:p14="http://schemas.microsoft.com/office/powerpoint/2010/main" xmlns:a16="http://schemas.microsoft.com/office/drawing/2014/main" xmlns="" w="9525">
+                <a14:hiddenLine xmlns="" xmlns:a16="http://schemas.microsoft.com/office/drawing/2014/main" xmlns:p14="http://schemas.microsoft.com/office/powerpoint/2010/main" xmlns:a14="http://schemas.microsoft.com/office/drawing/2010/main" w="9525">
                   <a:solidFill>
                     <a:srgbClr val="000000"/>
                   </a:solidFill>
@@ -21256,7 +21835,7 @@
             </a:ln>
             <a:extLst>
               <a:ext uri="{91240B29-F687-4f45-9708-019B960494DF}">
-                <a14:hiddenLine xmlns:a14="http://schemas.microsoft.com/office/drawing/2010/main" xmlns:p14="http://schemas.microsoft.com/office/powerpoint/2010/main" xmlns:a16="http://schemas.microsoft.com/office/drawing/2014/main" xmlns="" w="9525">
+                <a14:hiddenLine xmlns="" xmlns:a16="http://schemas.microsoft.com/office/drawing/2014/main" xmlns:p14="http://schemas.microsoft.com/office/powerpoint/2010/main" xmlns:a14="http://schemas.microsoft.com/office/drawing/2010/main" w="9525">
                   <a:solidFill>
                     <a:srgbClr val="000000"/>
                   </a:solidFill>
@@ -21361,7 +21940,7 @@
             </a:ln>
             <a:extLst>
               <a:ext uri="{91240B29-F687-4f45-9708-019B960494DF}">
-                <a14:hiddenLine xmlns:a14="http://schemas.microsoft.com/office/drawing/2010/main" xmlns:p14="http://schemas.microsoft.com/office/powerpoint/2010/main" xmlns:a16="http://schemas.microsoft.com/office/drawing/2014/main" xmlns="" w="9525">
+                <a14:hiddenLine xmlns="" xmlns:a16="http://schemas.microsoft.com/office/drawing/2014/main" xmlns:p14="http://schemas.microsoft.com/office/powerpoint/2010/main" xmlns:a14="http://schemas.microsoft.com/office/drawing/2010/main" w="9525">
                   <a:solidFill>
                     <a:srgbClr val="000000"/>
                   </a:solidFill>
@@ -21432,7 +22011,7 @@
             </a:ln>
             <a:extLst>
               <a:ext uri="{91240B29-F687-4f45-9708-019B960494DF}">
-                <a14:hiddenLine xmlns:a14="http://schemas.microsoft.com/office/drawing/2010/main" xmlns:p14="http://schemas.microsoft.com/office/powerpoint/2010/main" xmlns:a16="http://schemas.microsoft.com/office/drawing/2014/main" xmlns="" w="9525">
+                <a14:hiddenLine xmlns="" xmlns:a16="http://schemas.microsoft.com/office/drawing/2014/main" xmlns:p14="http://schemas.microsoft.com/office/powerpoint/2010/main" xmlns:a14="http://schemas.microsoft.com/office/drawing/2010/main" w="9525">
                   <a:solidFill>
                     <a:srgbClr val="000000"/>
                   </a:solidFill>
@@ -21537,7 +22116,7 @@
             </a:ln>
             <a:extLst>
               <a:ext uri="{91240B29-F687-4f45-9708-019B960494DF}">
-                <a14:hiddenLine xmlns:a14="http://schemas.microsoft.com/office/drawing/2010/main" xmlns:p14="http://schemas.microsoft.com/office/powerpoint/2010/main" xmlns:a16="http://schemas.microsoft.com/office/drawing/2014/main" xmlns="" w="9525">
+                <a14:hiddenLine xmlns="" xmlns:a16="http://schemas.microsoft.com/office/drawing/2014/main" xmlns:p14="http://schemas.microsoft.com/office/powerpoint/2010/main" xmlns:a14="http://schemas.microsoft.com/office/drawing/2010/main" w="9525">
                   <a:solidFill>
                     <a:srgbClr val="000000"/>
                   </a:solidFill>
@@ -21620,7 +22199,7 @@
             </a:ln>
             <a:extLst>
               <a:ext uri="{91240B29-F687-4f45-9708-019B960494DF}">
-                <a14:hiddenLine xmlns:a14="http://schemas.microsoft.com/office/drawing/2010/main" xmlns:p14="http://schemas.microsoft.com/office/powerpoint/2010/main" xmlns:a16="http://schemas.microsoft.com/office/drawing/2014/main" xmlns="" w="9525">
+                <a14:hiddenLine xmlns="" xmlns:a16="http://schemas.microsoft.com/office/drawing/2014/main" xmlns:p14="http://schemas.microsoft.com/office/powerpoint/2010/main" xmlns:a14="http://schemas.microsoft.com/office/drawing/2010/main" w="9525">
                   <a:solidFill>
                     <a:srgbClr val="000000"/>
                   </a:solidFill>
@@ -21725,7 +22304,7 @@
             </a:ln>
             <a:extLst>
               <a:ext uri="{91240B29-F687-4f45-9708-019B960494DF}">
-                <a14:hiddenLine xmlns:a14="http://schemas.microsoft.com/office/drawing/2010/main" xmlns:p14="http://schemas.microsoft.com/office/powerpoint/2010/main" xmlns:a16="http://schemas.microsoft.com/office/drawing/2014/main" xmlns="" w="9525">
+                <a14:hiddenLine xmlns="" xmlns:a16="http://schemas.microsoft.com/office/drawing/2014/main" xmlns:p14="http://schemas.microsoft.com/office/powerpoint/2010/main" xmlns:a14="http://schemas.microsoft.com/office/drawing/2010/main" w="9525">
                   <a:solidFill>
                     <a:srgbClr val="000000"/>
                   </a:solidFill>
@@ -21808,7 +22387,7 @@
             </a:ln>
             <a:extLst>
               <a:ext uri="{91240B29-F687-4f45-9708-019B960494DF}">
-                <a14:hiddenLine xmlns:a14="http://schemas.microsoft.com/office/drawing/2010/main" xmlns:p14="http://schemas.microsoft.com/office/powerpoint/2010/main" xmlns:a16="http://schemas.microsoft.com/office/drawing/2014/main" xmlns="" w="9525">
+                <a14:hiddenLine xmlns="" xmlns:a16="http://schemas.microsoft.com/office/drawing/2014/main" xmlns:p14="http://schemas.microsoft.com/office/powerpoint/2010/main" xmlns:a14="http://schemas.microsoft.com/office/drawing/2010/main" w="9525">
                   <a:solidFill>
                     <a:srgbClr val="000000"/>
                   </a:solidFill>
@@ -21913,7 +22492,7 @@
             </a:ln>
             <a:extLst>
               <a:ext uri="{91240B29-F687-4f45-9708-019B960494DF}">
-                <a14:hiddenLine xmlns:a14="http://schemas.microsoft.com/office/drawing/2010/main" xmlns:p14="http://schemas.microsoft.com/office/powerpoint/2010/main" xmlns:a16="http://schemas.microsoft.com/office/drawing/2014/main" xmlns="" w="9525">
+                <a14:hiddenLine xmlns="" xmlns:a16="http://schemas.microsoft.com/office/drawing/2014/main" xmlns:p14="http://schemas.microsoft.com/office/powerpoint/2010/main" xmlns:a14="http://schemas.microsoft.com/office/drawing/2010/main" w="9525">
                   <a:solidFill>
                     <a:srgbClr val="000000"/>
                   </a:solidFill>
@@ -21962,7 +22541,7 @@
             </a:ln>
             <a:extLst>
               <a:ext uri="{91240B29-F687-4f45-9708-019B960494DF}">
-                <a14:hiddenLine xmlns:a14="http://schemas.microsoft.com/office/drawing/2010/main" xmlns:p14="http://schemas.microsoft.com/office/powerpoint/2010/main" xmlns:a16="http://schemas.microsoft.com/office/drawing/2014/main" xmlns="" w="9525">
+                <a14:hiddenLine xmlns="" xmlns:a16="http://schemas.microsoft.com/office/drawing/2014/main" xmlns:p14="http://schemas.microsoft.com/office/powerpoint/2010/main" xmlns:a14="http://schemas.microsoft.com/office/drawing/2010/main" w="9525">
                   <a:solidFill>
                     <a:srgbClr val="000000"/>
                   </a:solidFill>
@@ -22067,7 +22646,7 @@
             </a:ln>
             <a:extLst>
               <a:ext uri="{91240B29-F687-4f45-9708-019B960494DF}">
-                <a14:hiddenLine xmlns:a14="http://schemas.microsoft.com/office/drawing/2010/main" xmlns:p14="http://schemas.microsoft.com/office/powerpoint/2010/main" xmlns:a16="http://schemas.microsoft.com/office/drawing/2014/main" xmlns="" w="9525">
+                <a14:hiddenLine xmlns="" xmlns:a16="http://schemas.microsoft.com/office/drawing/2014/main" xmlns:p14="http://schemas.microsoft.com/office/powerpoint/2010/main" xmlns:a14="http://schemas.microsoft.com/office/drawing/2010/main" w="9525">
                   <a:solidFill>
                     <a:srgbClr val="000000"/>
                   </a:solidFill>
@@ -22144,7 +22723,7 @@
             </a:ln>
             <a:extLst>
               <a:ext uri="{91240B29-F687-4f45-9708-019B960494DF}">
-                <a14:hiddenLine xmlns:a14="http://schemas.microsoft.com/office/drawing/2010/main" xmlns:p14="http://schemas.microsoft.com/office/powerpoint/2010/main" xmlns:a16="http://schemas.microsoft.com/office/drawing/2014/main" xmlns="" w="9525">
+                <a14:hiddenLine xmlns="" xmlns:a16="http://schemas.microsoft.com/office/drawing/2014/main" xmlns:p14="http://schemas.microsoft.com/office/powerpoint/2010/main" xmlns:a14="http://schemas.microsoft.com/office/drawing/2010/main" w="9525">
                   <a:solidFill>
                     <a:srgbClr val="000000"/>
                   </a:solidFill>
@@ -22221,7 +22800,7 @@
             </a:ln>
             <a:extLst>
               <a:ext uri="{91240B29-F687-4f45-9708-019B960494DF}">
-                <a14:hiddenLine xmlns:a14="http://schemas.microsoft.com/office/drawing/2010/main" xmlns:p14="http://schemas.microsoft.com/office/powerpoint/2010/main" xmlns:a16="http://schemas.microsoft.com/office/drawing/2014/main" xmlns="" w="9525">
+                <a14:hiddenLine xmlns="" xmlns:a16="http://schemas.microsoft.com/office/drawing/2014/main" xmlns:p14="http://schemas.microsoft.com/office/powerpoint/2010/main" xmlns:a14="http://schemas.microsoft.com/office/drawing/2010/main" w="9525">
                   <a:solidFill>
                     <a:srgbClr val="000000"/>
                   </a:solidFill>
@@ -22326,7 +22905,7 @@
             </a:ln>
             <a:extLst>
               <a:ext uri="{91240B29-F687-4f45-9708-019B960494DF}">
-                <a14:hiddenLine xmlns:a14="http://schemas.microsoft.com/office/drawing/2010/main" xmlns:p14="http://schemas.microsoft.com/office/powerpoint/2010/main" xmlns:a16="http://schemas.microsoft.com/office/drawing/2014/main" xmlns="" w="9525">
+                <a14:hiddenLine xmlns="" xmlns:a16="http://schemas.microsoft.com/office/drawing/2014/main" xmlns:p14="http://schemas.microsoft.com/office/powerpoint/2010/main" xmlns:a14="http://schemas.microsoft.com/office/drawing/2010/main" w="9525">
                   <a:solidFill>
                     <a:srgbClr val="000000"/>
                   </a:solidFill>
@@ -22409,7 +22988,7 @@
             </a:ln>
             <a:extLst>
               <a:ext uri="{91240B29-F687-4f45-9708-019B960494DF}">
-                <a14:hiddenLine xmlns:a14="http://schemas.microsoft.com/office/drawing/2010/main" xmlns:p14="http://schemas.microsoft.com/office/powerpoint/2010/main" xmlns:a16="http://schemas.microsoft.com/office/drawing/2014/main" xmlns="" w="9525">
+                <a14:hiddenLine xmlns="" xmlns:a16="http://schemas.microsoft.com/office/drawing/2014/main" xmlns:p14="http://schemas.microsoft.com/office/powerpoint/2010/main" xmlns:a14="http://schemas.microsoft.com/office/drawing/2010/main" w="9525">
                   <a:solidFill>
                     <a:srgbClr val="000000"/>
                   </a:solidFill>
@@ -22486,7 +23065,7 @@
             </a:ln>
             <a:extLst>
               <a:ext uri="{91240B29-F687-4f45-9708-019B960494DF}">
-                <a14:hiddenLine xmlns:a14="http://schemas.microsoft.com/office/drawing/2010/main" xmlns:p14="http://schemas.microsoft.com/office/powerpoint/2010/main" xmlns:a16="http://schemas.microsoft.com/office/drawing/2014/main" xmlns="" w="9525">
+                <a14:hiddenLine xmlns="" xmlns:a16="http://schemas.microsoft.com/office/drawing/2014/main" xmlns:p14="http://schemas.microsoft.com/office/powerpoint/2010/main" xmlns:a14="http://schemas.microsoft.com/office/drawing/2010/main" w="9525">
                   <a:solidFill>
                     <a:srgbClr val="000000"/>
                   </a:solidFill>
@@ -22591,7 +23170,7 @@
             </a:ln>
             <a:extLst>
               <a:ext uri="{91240B29-F687-4f45-9708-019B960494DF}">
-                <a14:hiddenLine xmlns:a14="http://schemas.microsoft.com/office/drawing/2010/main" xmlns:p14="http://schemas.microsoft.com/office/powerpoint/2010/main" xmlns:a16="http://schemas.microsoft.com/office/drawing/2014/main" xmlns="" w="9525">
+                <a14:hiddenLine xmlns="" xmlns:a16="http://schemas.microsoft.com/office/drawing/2014/main" xmlns:p14="http://schemas.microsoft.com/office/powerpoint/2010/main" xmlns:a14="http://schemas.microsoft.com/office/drawing/2010/main" w="9525">
                   <a:solidFill>
                     <a:srgbClr val="000000"/>
                   </a:solidFill>
@@ -22668,7 +23247,7 @@
             </a:ln>
             <a:extLst>
               <a:ext uri="{91240B29-F687-4f45-9708-019B960494DF}">
-                <a14:hiddenLine xmlns:a14="http://schemas.microsoft.com/office/drawing/2010/main" xmlns:p14="http://schemas.microsoft.com/office/powerpoint/2010/main" xmlns:a16="http://schemas.microsoft.com/office/drawing/2014/main" xmlns="" w="9525">
+                <a14:hiddenLine xmlns="" xmlns:a16="http://schemas.microsoft.com/office/drawing/2014/main" xmlns:p14="http://schemas.microsoft.com/office/powerpoint/2010/main" xmlns:a14="http://schemas.microsoft.com/office/drawing/2010/main" w="9525">
                   <a:solidFill>
                     <a:srgbClr val="000000"/>
                   </a:solidFill>
@@ -22773,7 +23352,7 @@
             </a:ln>
             <a:extLst>
               <a:ext uri="{91240B29-F687-4f45-9708-019B960494DF}">
-                <a14:hiddenLine xmlns:a14="http://schemas.microsoft.com/office/drawing/2010/main" xmlns:p14="http://schemas.microsoft.com/office/powerpoint/2010/main" xmlns:a16="http://schemas.microsoft.com/office/drawing/2014/main" xmlns="" w="9525">
+                <a14:hiddenLine xmlns="" xmlns:a16="http://schemas.microsoft.com/office/drawing/2014/main" xmlns:p14="http://schemas.microsoft.com/office/powerpoint/2010/main" xmlns:a14="http://schemas.microsoft.com/office/drawing/2010/main" w="9525">
                   <a:solidFill>
                     <a:srgbClr val="000000"/>
                   </a:solidFill>
@@ -22850,7 +23429,7 @@
             </a:ln>
             <a:extLst>
               <a:ext uri="{91240B29-F687-4f45-9708-019B960494DF}">
-                <a14:hiddenLine xmlns:a14="http://schemas.microsoft.com/office/drawing/2010/main" xmlns:p14="http://schemas.microsoft.com/office/powerpoint/2010/main" xmlns:a16="http://schemas.microsoft.com/office/drawing/2014/main" xmlns="" w="9525">
+                <a14:hiddenLine xmlns="" xmlns:a16="http://schemas.microsoft.com/office/drawing/2014/main" xmlns:p14="http://schemas.microsoft.com/office/powerpoint/2010/main" xmlns:a14="http://schemas.microsoft.com/office/drawing/2010/main" w="9525">
                   <a:solidFill>
                     <a:srgbClr val="000000"/>
                   </a:solidFill>
@@ -22955,7 +23534,7 @@
             </a:ln>
             <a:extLst>
               <a:ext uri="{91240B29-F687-4f45-9708-019B960494DF}">
-                <a14:hiddenLine xmlns:a14="http://schemas.microsoft.com/office/drawing/2010/main" xmlns:p14="http://schemas.microsoft.com/office/powerpoint/2010/main" xmlns:a16="http://schemas.microsoft.com/office/drawing/2014/main" xmlns="" w="9525">
+                <a14:hiddenLine xmlns="" xmlns:a16="http://schemas.microsoft.com/office/drawing/2014/main" xmlns:p14="http://schemas.microsoft.com/office/powerpoint/2010/main" xmlns:a14="http://schemas.microsoft.com/office/drawing/2010/main" w="9525">
                   <a:solidFill>
                     <a:srgbClr val="000000"/>
                   </a:solidFill>
@@ -23004,7 +23583,7 @@
             </a:ln>
             <a:extLst>
               <a:ext uri="{91240B29-F687-4f45-9708-019B960494DF}">
-                <a14:hiddenLine xmlns:a14="http://schemas.microsoft.com/office/drawing/2010/main" xmlns:p14="http://schemas.microsoft.com/office/powerpoint/2010/main" xmlns:a16="http://schemas.microsoft.com/office/drawing/2014/main" xmlns="" w="9525">
+                <a14:hiddenLine xmlns="" xmlns:a16="http://schemas.microsoft.com/office/drawing/2014/main" xmlns:p14="http://schemas.microsoft.com/office/powerpoint/2010/main" xmlns:a14="http://schemas.microsoft.com/office/drawing/2010/main" w="9525">
                   <a:solidFill>
                     <a:srgbClr val="000000"/>
                   </a:solidFill>
@@ -23084,7 +23663,7 @@
             </a:ln>
             <a:extLst>
               <a:ext uri="{91240B29-F687-4f45-9708-019B960494DF}">
-                <a14:hiddenLine xmlns:a14="http://schemas.microsoft.com/office/drawing/2010/main" xmlns:p14="http://schemas.microsoft.com/office/powerpoint/2010/main" xmlns:a16="http://schemas.microsoft.com/office/drawing/2014/main" xmlns="" w="9525">
+                <a14:hiddenLine xmlns="" xmlns:a16="http://schemas.microsoft.com/office/drawing/2014/main" xmlns:p14="http://schemas.microsoft.com/office/powerpoint/2010/main" xmlns:a14="http://schemas.microsoft.com/office/drawing/2010/main" w="9525">
                   <a:solidFill>
                     <a:srgbClr val="000000"/>
                   </a:solidFill>
@@ -23189,7 +23768,7 @@
             </a:ln>
             <a:extLst>
               <a:ext uri="{91240B29-F687-4f45-9708-019B960494DF}">
-                <a14:hiddenLine xmlns:a14="http://schemas.microsoft.com/office/drawing/2010/main" xmlns:p14="http://schemas.microsoft.com/office/powerpoint/2010/main" xmlns:a16="http://schemas.microsoft.com/office/drawing/2014/main" xmlns="" w="9525">
+                <a14:hiddenLine xmlns="" xmlns:a16="http://schemas.microsoft.com/office/drawing/2014/main" xmlns:p14="http://schemas.microsoft.com/office/powerpoint/2010/main" xmlns:a14="http://schemas.microsoft.com/office/drawing/2010/main" w="9525">
                   <a:solidFill>
                     <a:srgbClr val="000000"/>
                   </a:solidFill>
@@ -23266,7 +23845,7 @@
             </a:ln>
             <a:extLst>
               <a:ext uri="{91240B29-F687-4f45-9708-019B960494DF}">
-                <a14:hiddenLine xmlns:a14="http://schemas.microsoft.com/office/drawing/2010/main" xmlns:p14="http://schemas.microsoft.com/office/powerpoint/2010/main" xmlns:a16="http://schemas.microsoft.com/office/drawing/2014/main" xmlns="" w="9525">
+                <a14:hiddenLine xmlns="" xmlns:a16="http://schemas.microsoft.com/office/drawing/2014/main" xmlns:p14="http://schemas.microsoft.com/office/powerpoint/2010/main" xmlns:a14="http://schemas.microsoft.com/office/drawing/2010/main" w="9525">
                   <a:solidFill>
                     <a:srgbClr val="000000"/>
                   </a:solidFill>
@@ -23371,7 +23950,7 @@
             </a:ln>
             <a:extLst>
               <a:ext uri="{91240B29-F687-4f45-9708-019B960494DF}">
-                <a14:hiddenLine xmlns:a14="http://schemas.microsoft.com/office/drawing/2010/main" xmlns:p14="http://schemas.microsoft.com/office/powerpoint/2010/main" xmlns:a16="http://schemas.microsoft.com/office/drawing/2014/main" xmlns="" w="9525">
+                <a14:hiddenLine xmlns="" xmlns:a16="http://schemas.microsoft.com/office/drawing/2014/main" xmlns:p14="http://schemas.microsoft.com/office/powerpoint/2010/main" xmlns:a14="http://schemas.microsoft.com/office/drawing/2010/main" w="9525">
                   <a:solidFill>
                     <a:srgbClr val="000000"/>
                   </a:solidFill>
@@ -23476,7 +24055,7 @@
             </a:ln>
             <a:extLst>
               <a:ext uri="{91240B29-F687-4f45-9708-019B960494DF}">
-                <a14:hiddenLine xmlns:a14="http://schemas.microsoft.com/office/drawing/2010/main" xmlns:p14="http://schemas.microsoft.com/office/powerpoint/2010/main" xmlns:a16="http://schemas.microsoft.com/office/drawing/2014/main" xmlns="" w="9525">
+                <a14:hiddenLine xmlns="" xmlns:a16="http://schemas.microsoft.com/office/drawing/2014/main" xmlns:p14="http://schemas.microsoft.com/office/powerpoint/2010/main" xmlns:a14="http://schemas.microsoft.com/office/drawing/2010/main" w="9525">
                   <a:solidFill>
                     <a:srgbClr val="000000"/>
                   </a:solidFill>
@@ -23556,7 +24135,7 @@
             </a:ln>
             <a:extLst>
               <a:ext uri="{91240B29-F687-4f45-9708-019B960494DF}">
-                <a14:hiddenLine xmlns:a14="http://schemas.microsoft.com/office/drawing/2010/main" xmlns:p14="http://schemas.microsoft.com/office/powerpoint/2010/main" xmlns:a16="http://schemas.microsoft.com/office/drawing/2014/main" xmlns="" w="9525">
+                <a14:hiddenLine xmlns="" xmlns:a16="http://schemas.microsoft.com/office/drawing/2014/main" xmlns:p14="http://schemas.microsoft.com/office/powerpoint/2010/main" xmlns:a14="http://schemas.microsoft.com/office/drawing/2010/main" w="9525">
                   <a:solidFill>
                     <a:srgbClr val="000000"/>
                   </a:solidFill>
@@ -23633,7 +24212,7 @@
             </a:ln>
             <a:extLst>
               <a:ext uri="{91240B29-F687-4f45-9708-019B960494DF}">
-                <a14:hiddenLine xmlns:a14="http://schemas.microsoft.com/office/drawing/2010/main" xmlns:p14="http://schemas.microsoft.com/office/powerpoint/2010/main" xmlns:a16="http://schemas.microsoft.com/office/drawing/2014/main" xmlns="" w="9525">
+                <a14:hiddenLine xmlns="" xmlns:a16="http://schemas.microsoft.com/office/drawing/2014/main" xmlns:p14="http://schemas.microsoft.com/office/powerpoint/2010/main" xmlns:a14="http://schemas.microsoft.com/office/drawing/2010/main" w="9525">
                   <a:solidFill>
                     <a:srgbClr val="000000"/>
                   </a:solidFill>
@@ -23738,7 +24317,7 @@
             </a:ln>
             <a:extLst>
               <a:ext uri="{91240B29-F687-4f45-9708-019B960494DF}">
-                <a14:hiddenLine xmlns:a14="http://schemas.microsoft.com/office/drawing/2010/main" xmlns:p14="http://schemas.microsoft.com/office/powerpoint/2010/main" xmlns:a16="http://schemas.microsoft.com/office/drawing/2014/main" xmlns="" w="9525">
+                <a14:hiddenLine xmlns="" xmlns:a16="http://schemas.microsoft.com/office/drawing/2014/main" xmlns:p14="http://schemas.microsoft.com/office/powerpoint/2010/main" xmlns:a14="http://schemas.microsoft.com/office/drawing/2010/main" w="9525">
                   <a:solidFill>
                     <a:srgbClr val="000000"/>
                   </a:solidFill>
@@ -23843,7 +24422,7 @@
             </a:ln>
             <a:extLst>
               <a:ext uri="{91240B29-F687-4f45-9708-019B960494DF}">
-                <a14:hiddenLine xmlns:a14="http://schemas.microsoft.com/office/drawing/2010/main" xmlns:p14="http://schemas.microsoft.com/office/powerpoint/2010/main" xmlns:a16="http://schemas.microsoft.com/office/drawing/2014/main" xmlns="" w="9525">
+                <a14:hiddenLine xmlns="" xmlns:a16="http://schemas.microsoft.com/office/drawing/2014/main" xmlns:p14="http://schemas.microsoft.com/office/powerpoint/2010/main" xmlns:a14="http://schemas.microsoft.com/office/drawing/2010/main" w="9525">
                   <a:solidFill>
                     <a:srgbClr val="000000"/>
                   </a:solidFill>
@@ -23920,7 +24499,7 @@
             </a:ln>
             <a:extLst>
               <a:ext uri="{91240B29-F687-4f45-9708-019B960494DF}">
-                <a14:hiddenLine xmlns:a14="http://schemas.microsoft.com/office/drawing/2010/main" xmlns:p14="http://schemas.microsoft.com/office/powerpoint/2010/main" xmlns:a16="http://schemas.microsoft.com/office/drawing/2014/main" xmlns="" w="9525">
+                <a14:hiddenLine xmlns="" xmlns:a16="http://schemas.microsoft.com/office/drawing/2014/main" xmlns:p14="http://schemas.microsoft.com/office/powerpoint/2010/main" xmlns:a14="http://schemas.microsoft.com/office/drawing/2010/main" w="9525">
                   <a:solidFill>
                     <a:srgbClr val="000000"/>
                   </a:solidFill>
@@ -24055,7 +24634,7 @@
             </a:ln>
             <a:extLst>
               <a:ext uri="{91240B29-F687-4f45-9708-019B960494DF}">
-                <a14:hiddenLine xmlns:a14="http://schemas.microsoft.com/office/drawing/2010/main" xmlns:p14="http://schemas.microsoft.com/office/powerpoint/2010/main" xmlns:a16="http://schemas.microsoft.com/office/drawing/2014/main" xmlns="" w="9525">
+                <a14:hiddenLine xmlns="" xmlns:a16="http://schemas.microsoft.com/office/drawing/2014/main" xmlns:p14="http://schemas.microsoft.com/office/powerpoint/2010/main" xmlns:a14="http://schemas.microsoft.com/office/drawing/2010/main" w="9525">
                   <a:solidFill>
                     <a:srgbClr val="000000"/>
                   </a:solidFill>
@@ -24138,7 +24717,7 @@
             </a:ln>
             <a:extLst>
               <a:ext uri="{91240B29-F687-4f45-9708-019B960494DF}">
-                <a14:hiddenLine xmlns:a14="http://schemas.microsoft.com/office/drawing/2010/main" xmlns:p14="http://schemas.microsoft.com/office/powerpoint/2010/main" xmlns:a16="http://schemas.microsoft.com/office/drawing/2014/main" xmlns="" w="9525">
+                <a14:hiddenLine xmlns="" xmlns:a16="http://schemas.microsoft.com/office/drawing/2014/main" xmlns:p14="http://schemas.microsoft.com/office/powerpoint/2010/main" xmlns:a14="http://schemas.microsoft.com/office/drawing/2010/main" w="9525">
                   <a:solidFill>
                     <a:srgbClr val="000000"/>
                   </a:solidFill>
@@ -24243,7 +24822,7 @@
             </a:ln>
             <a:extLst>
               <a:ext uri="{91240B29-F687-4f45-9708-019B960494DF}">
-                <a14:hiddenLine xmlns:a14="http://schemas.microsoft.com/office/drawing/2010/main" xmlns:p14="http://schemas.microsoft.com/office/powerpoint/2010/main" xmlns:a16="http://schemas.microsoft.com/office/drawing/2014/main" xmlns="" w="9525">
+                <a14:hiddenLine xmlns="" xmlns:a16="http://schemas.microsoft.com/office/drawing/2014/main" xmlns:p14="http://schemas.microsoft.com/office/powerpoint/2010/main" xmlns:a14="http://schemas.microsoft.com/office/drawing/2010/main" w="9525">
                   <a:solidFill>
                     <a:srgbClr val="000000"/>
                   </a:solidFill>
@@ -24269,7 +24848,7 @@
 </p:sld>
 </file>
 
-<file path=ppt/slides/slide7.xml><?xml version="1.0" encoding="utf-8"?>
+<file path=ppt/slides/slide8.xml><?xml version="1.0" encoding="utf-8"?>
 <p:sld xmlns:a="http://schemas.openxmlformats.org/drawingml/2006/main" xmlns:r="http://schemas.openxmlformats.org/officeDocument/2006/relationships" xmlns:p="http://schemas.openxmlformats.org/presentationml/2006/main">
   <p:cSld>
     <p:spTree>
@@ -24662,7 +25241,7 @@
 </p:sld>
 </file>
 
-<file path=ppt/slides/slide8.xml><?xml version="1.0" encoding="utf-8"?>
+<file path=ppt/slides/slide9.xml><?xml version="1.0" encoding="utf-8"?>
 <p:sld xmlns:a="http://schemas.openxmlformats.org/drawingml/2006/main" xmlns:r="http://schemas.openxmlformats.org/officeDocument/2006/relationships" xmlns:p="http://schemas.openxmlformats.org/presentationml/2006/main">
   <p:cSld>
     <p:spTree>
@@ -25046,343 +25625,6 @@
     <p:extLst>
       <p:ext uri="{BB962C8B-B14F-4D97-AF65-F5344CB8AC3E}">
         <p14:creationId xmlns:p14="http://schemas.microsoft.com/office/powerpoint/2010/main" val="156054493"/>
-      </p:ext>
-    </p:extLst>
-  </p:cSld>
-  <p:clrMapOvr>
-    <a:masterClrMapping/>
-  </p:clrMapOvr>
-</p:sld>
-</file>
-
-<file path=ppt/slides/slide9.xml><?xml version="1.0" encoding="utf-8"?>
-<p:sld xmlns:a="http://schemas.openxmlformats.org/drawingml/2006/main" xmlns:r="http://schemas.openxmlformats.org/officeDocument/2006/relationships" xmlns:p="http://schemas.openxmlformats.org/presentationml/2006/main">
-  <p:cSld>
-    <p:spTree>
-      <p:nvGrpSpPr>
-        <p:cNvPr id="1" name=""/>
-        <p:cNvGrpSpPr/>
-        <p:nvPr/>
-      </p:nvGrpSpPr>
-      <p:grpSpPr>
-        <a:xfrm>
-          <a:off x="0" y="0"/>
-          <a:ext cx="0" cy="0"/>
-          <a:chOff x="0" y="0"/>
-          <a:chExt cx="0" cy="0"/>
-        </a:xfrm>
-      </p:grpSpPr>
-      <p:sp>
-        <p:nvSpPr>
-          <p:cNvPr id="2" name="Título 1">
-            <a:extLst>
-              <a:ext uri="{FF2B5EF4-FFF2-40B4-BE49-F238E27FC236}">
-                <a16:creationId xmlns:a16="http://schemas.microsoft.com/office/drawing/2014/main" id="{CF671BC0-D702-4B14-A755-913591B15581}"/>
-              </a:ext>
-            </a:extLst>
-          </p:cNvPr>
-          <p:cNvSpPr>
-            <a:spLocks noGrp="1"/>
-          </p:cNvSpPr>
-          <p:nvPr>
-            <p:ph type="title"/>
-          </p:nvPr>
-        </p:nvSpPr>
-        <p:spPr/>
-        <p:txBody>
-          <a:bodyPr/>
-          <a:lstStyle/>
-          <a:p>
-            <a:pPr algn="ctr"/>
-            <a:r>
-              <a:rPr lang="es-ES" sz="3600" dirty="0"/>
-              <a:t>Tablas en SQL</a:t>
-            </a:r>
-            <a:endParaRPr lang="es-ES" dirty="0"/>
-          </a:p>
-        </p:txBody>
-      </p:sp>
-      <p:sp>
-        <p:nvSpPr>
-          <p:cNvPr id="3" name="CuadroTexto 2">
-            <a:extLst>
-              <a:ext uri="{FF2B5EF4-FFF2-40B4-BE49-F238E27FC236}">
-                <a16:creationId xmlns:a16="http://schemas.microsoft.com/office/drawing/2014/main" id="{712A6D8C-E204-4D31-8CBC-AFE1404E1CE7}"/>
-              </a:ext>
-            </a:extLst>
-          </p:cNvPr>
-          <p:cNvSpPr txBox="1"/>
-          <p:nvPr/>
-        </p:nvSpPr>
-        <p:spPr>
-          <a:xfrm>
-            <a:off x="1571625" y="2619543"/>
-            <a:ext cx="2914650" cy="2585323"/>
-          </a:xfrm>
-          <a:prstGeom prst="rect">
-            <a:avLst/>
-          </a:prstGeom>
-          <a:noFill/>
-        </p:spPr>
-        <p:txBody>
-          <a:bodyPr wrap="square" rtlCol="0">
-            <a:spAutoFit/>
-          </a:bodyPr>
-          <a:lstStyle/>
-          <a:p>
-            <a:r>
-              <a:rPr lang="es-ES" dirty="0"/>
-              <a:t>	EnfermerosPacientes:</a:t>
-            </a:r>
-          </a:p>
-          <a:p>
-            <a:pPr marL="742950" lvl="1" indent="-285750">
-              <a:buFont typeface="Arial" panose="020B0604020202020204" pitchFamily="34" charset="0"/>
-              <a:buChar char="•"/>
-            </a:pPr>
-            <a:r>
-              <a:rPr lang="es-ES" dirty="0"/>
-              <a:t>Id Enfermero.</a:t>
-            </a:r>
-          </a:p>
-          <a:p>
-            <a:pPr marL="742950" lvl="1" indent="-285750">
-              <a:buFont typeface="Arial" panose="020B0604020202020204" pitchFamily="34" charset="0"/>
-              <a:buChar char="•"/>
-            </a:pPr>
-            <a:r>
-              <a:rPr lang="es-ES" dirty="0"/>
-              <a:t>Id Pacientes.</a:t>
-            </a:r>
-          </a:p>
-          <a:p>
-            <a:pPr marL="742950" lvl="1" indent="-285750">
-              <a:buFont typeface="Arial" panose="020B0604020202020204" pitchFamily="34" charset="0"/>
-              <a:buChar char="•"/>
-            </a:pPr>
-            <a:endParaRPr lang="es-ES" dirty="0"/>
-          </a:p>
-          <a:p>
-            <a:pPr lvl="1"/>
-            <a:endParaRPr lang="es-ES" dirty="0"/>
-          </a:p>
-          <a:p>
-            <a:pPr lvl="1"/>
-            <a:r>
-              <a:rPr lang="es-ES" dirty="0"/>
-              <a:t>Habitaciones:</a:t>
-            </a:r>
-          </a:p>
-          <a:p>
-            <a:pPr marL="742950" lvl="1" indent="-285750">
-              <a:buFont typeface="Arial" panose="020B0604020202020204" pitchFamily="34" charset="0"/>
-              <a:buChar char="•"/>
-            </a:pPr>
-            <a:r>
-              <a:rPr lang="es-ES" dirty="0"/>
-              <a:t>Id.</a:t>
-            </a:r>
-          </a:p>
-          <a:p>
-            <a:pPr marL="742950" lvl="1" indent="-285750">
-              <a:buFont typeface="Arial" panose="020B0604020202020204" pitchFamily="34" charset="0"/>
-              <a:buChar char="•"/>
-            </a:pPr>
-            <a:r>
-              <a:rPr lang="es-ES" dirty="0"/>
-              <a:t>Numero Habitación.</a:t>
-            </a:r>
-          </a:p>
-          <a:p>
-            <a:pPr marL="742950" lvl="1" indent="-285750">
-              <a:buFont typeface="Arial" panose="020B0604020202020204" pitchFamily="34" charset="0"/>
-              <a:buChar char="•"/>
-            </a:pPr>
-            <a:r>
-              <a:rPr lang="es-ES" dirty="0"/>
-              <a:t>Estado.</a:t>
-            </a:r>
-          </a:p>
-        </p:txBody>
-      </p:sp>
-      <p:pic>
-        <p:nvPicPr>
-          <p:cNvPr id="5" name="Imagen 4" descr="Interfaz de usuario gráfica, Texto, Sitio web&#10;&#10;Descripción generada automáticamente">
-            <a:extLst>
-              <a:ext uri="{FF2B5EF4-FFF2-40B4-BE49-F238E27FC236}">
-                <a16:creationId xmlns:a16="http://schemas.microsoft.com/office/drawing/2014/main" id="{E48C6981-F60C-406B-9264-BE5704023A67}"/>
-              </a:ext>
-            </a:extLst>
-          </p:cNvPr>
-          <p:cNvPicPr>
-            <a:picLocks noChangeAspect="1"/>
-          </p:cNvPicPr>
-          <p:nvPr/>
-        </p:nvPicPr>
-        <p:blipFill>
-          <a:blip r:embed="rId2"/>
-          <a:stretch>
-            <a:fillRect/>
-          </a:stretch>
-        </p:blipFill>
-        <p:spPr>
-          <a:xfrm>
-            <a:off x="7326610" y="2743200"/>
-            <a:ext cx="3293765" cy="966826"/>
-          </a:xfrm>
-          <a:prstGeom prst="rect">
-            <a:avLst/>
-          </a:prstGeom>
-        </p:spPr>
-      </p:pic>
-      <p:pic>
-        <p:nvPicPr>
-          <p:cNvPr id="7" name="Imagen 6" descr="Interfaz de usuario gráfica, Texto, Aplicación&#10;&#10;Descripción generada automáticamente">
-            <a:extLst>
-              <a:ext uri="{FF2B5EF4-FFF2-40B4-BE49-F238E27FC236}">
-                <a16:creationId xmlns:a16="http://schemas.microsoft.com/office/drawing/2014/main" id="{ABE0775A-AAA5-463A-B748-F156944207C9}"/>
-              </a:ext>
-            </a:extLst>
-          </p:cNvPr>
-          <p:cNvPicPr>
-            <a:picLocks noChangeAspect="1"/>
-          </p:cNvPicPr>
-          <p:nvPr/>
-        </p:nvPicPr>
-        <p:blipFill>
-          <a:blip r:embed="rId3"/>
-          <a:stretch>
-            <a:fillRect/>
-          </a:stretch>
-        </p:blipFill>
-        <p:spPr>
-          <a:xfrm>
-            <a:off x="7326610" y="4063409"/>
-            <a:ext cx="3293764" cy="1416318"/>
-          </a:xfrm>
-          <a:prstGeom prst="rect">
-            <a:avLst/>
-          </a:prstGeom>
-        </p:spPr>
-      </p:pic>
-      <p:sp>
-        <p:nvSpPr>
-          <p:cNvPr id="8" name="Flecha: a la derecha 7">
-            <a:extLst>
-              <a:ext uri="{FF2B5EF4-FFF2-40B4-BE49-F238E27FC236}">
-                <a16:creationId xmlns:a16="http://schemas.microsoft.com/office/drawing/2014/main" id="{2D6B5585-C494-486B-A9F3-40176C06E462}"/>
-              </a:ext>
-            </a:extLst>
-          </p:cNvPr>
-          <p:cNvSpPr/>
-          <p:nvPr/>
-        </p:nvSpPr>
-        <p:spPr>
-          <a:xfrm>
-            <a:off x="5417238" y="3027731"/>
-            <a:ext cx="978408" cy="484632"/>
-          </a:xfrm>
-          <a:prstGeom prst="rightArrow">
-            <a:avLst/>
-          </a:prstGeom>
-          <a:solidFill>
-            <a:schemeClr val="bg2">
-              <a:lumMod val="50000"/>
-              <a:lumOff val="50000"/>
-            </a:schemeClr>
-          </a:solidFill>
-          <a:ln>
-            <a:solidFill>
-              <a:schemeClr val="bg1"/>
-            </a:solidFill>
-          </a:ln>
-        </p:spPr>
-        <p:style>
-          <a:lnRef idx="2">
-            <a:schemeClr val="accent1">
-              <a:shade val="50000"/>
-            </a:schemeClr>
-          </a:lnRef>
-          <a:fillRef idx="1">
-            <a:schemeClr val="accent1"/>
-          </a:fillRef>
-          <a:effectRef idx="0">
-            <a:schemeClr val="accent1"/>
-          </a:effectRef>
-          <a:fontRef idx="minor">
-            <a:schemeClr val="lt1"/>
-          </a:fontRef>
-        </p:style>
-        <p:txBody>
-          <a:bodyPr rtlCol="0" anchor="ctr"/>
-          <a:lstStyle/>
-          <a:p>
-            <a:pPr algn="ctr"/>
-            <a:endParaRPr lang="es-ES"/>
-          </a:p>
-        </p:txBody>
-      </p:sp>
-      <p:sp>
-        <p:nvSpPr>
-          <p:cNvPr id="9" name="Flecha: a la derecha 8">
-            <a:extLst>
-              <a:ext uri="{FF2B5EF4-FFF2-40B4-BE49-F238E27FC236}">
-                <a16:creationId xmlns:a16="http://schemas.microsoft.com/office/drawing/2014/main" id="{AB75753F-21C9-4607-B1FF-1D0A6D87D853}"/>
-              </a:ext>
-            </a:extLst>
-          </p:cNvPr>
-          <p:cNvSpPr/>
-          <p:nvPr/>
-        </p:nvSpPr>
-        <p:spPr>
-          <a:xfrm>
-            <a:off x="5417238" y="4443006"/>
-            <a:ext cx="978408" cy="484632"/>
-          </a:xfrm>
-          <a:prstGeom prst="rightArrow">
-            <a:avLst/>
-          </a:prstGeom>
-          <a:solidFill>
-            <a:schemeClr val="bg2">
-              <a:lumMod val="50000"/>
-              <a:lumOff val="50000"/>
-            </a:schemeClr>
-          </a:solidFill>
-          <a:ln>
-            <a:solidFill>
-              <a:schemeClr val="bg1"/>
-            </a:solidFill>
-          </a:ln>
-        </p:spPr>
-        <p:style>
-          <a:lnRef idx="2">
-            <a:schemeClr val="accent1">
-              <a:shade val="50000"/>
-            </a:schemeClr>
-          </a:lnRef>
-          <a:fillRef idx="1">
-            <a:schemeClr val="accent1"/>
-          </a:fillRef>
-          <a:effectRef idx="0">
-            <a:schemeClr val="accent1"/>
-          </a:effectRef>
-          <a:fontRef idx="minor">
-            <a:schemeClr val="lt1"/>
-          </a:fontRef>
-        </p:style>
-        <p:txBody>
-          <a:bodyPr rtlCol="0" anchor="ctr"/>
-          <a:lstStyle/>
-          <a:p>
-            <a:pPr algn="ctr"/>
-            <a:endParaRPr lang="es-ES"/>
-          </a:p>
-        </p:txBody>
-      </p:sp>
-    </p:spTree>
-    <p:extLst>
-      <p:ext uri="{BB962C8B-B14F-4D97-AF65-F5344CB8AC3E}">
-        <p14:creationId xmlns:p14="http://schemas.microsoft.com/office/powerpoint/2010/main" val="1652138279"/>
       </p:ext>
     </p:extLst>
   </p:cSld>

--- a/doc/Presentación_mitad_de_curso_JuanEspinosayNachoRodriguez.pptx
+++ b/doc/Presentación_mitad_de_curso_JuanEspinosayNachoRodriguez.pptx
@@ -5,7 +5,7 @@
     <p:sldMasterId id="2147483648" r:id="rId1"/>
   </p:sldMasterIdLst>
   <p:notesMasterIdLst>
-    <p:notesMasterId r:id="rId12"/>
+    <p:notesMasterId r:id="rId13"/>
   </p:notesMasterIdLst>
   <p:sldIdLst>
     <p:sldId id="256" r:id="rId2"/>
@@ -18,6 +18,7 @@
     <p:sldId id="264" r:id="rId9"/>
     <p:sldId id="265" r:id="rId10"/>
     <p:sldId id="266" r:id="rId11"/>
+    <p:sldId id="268" r:id="rId12"/>
   </p:sldIdLst>
   <p:sldSz cx="12192000" cy="6858000"/>
   <p:notesSz cx="6858000" cy="9144000"/>
@@ -1583,7 +1584,7 @@
           <a:noFill/>
           <a:extLst>
             <a:ext uri="{909E8E84-426E-40dd-AFC4-6F175D3DCCD1}">
-              <a14:hiddenFill xmlns="" xmlns:a14="http://schemas.microsoft.com/office/drawing/2010/main">
+              <a14:hiddenFill xmlns:a14="http://schemas.microsoft.com/office/drawing/2010/main" xmlns="">
                 <a:solidFill>
                   <a:srgbClr val="FFFFFF"/>
                 </a:solidFill>
@@ -1642,7 +1643,7 @@
             </a:ln>
             <a:extLst>
               <a:ext uri="{91240B29-F687-4f45-9708-019B960494DF}">
-                <a14:hiddenLine xmlns="" xmlns:a14="http://schemas.microsoft.com/office/drawing/2010/main" w="9525">
+                <a14:hiddenLine xmlns:a14="http://schemas.microsoft.com/office/drawing/2010/main" xmlns="" w="9525">
                   <a:solidFill>
                     <a:srgbClr val="000000"/>
                   </a:solidFill>
@@ -1732,7 +1733,7 @@
             </a:ln>
             <a:extLst>
               <a:ext uri="{91240B29-F687-4f45-9708-019B960494DF}">
-                <a14:hiddenLine xmlns="" xmlns:a14="http://schemas.microsoft.com/office/drawing/2010/main" w="9525">
+                <a14:hiddenLine xmlns:a14="http://schemas.microsoft.com/office/drawing/2010/main" xmlns="" w="9525">
                   <a:solidFill>
                     <a:srgbClr val="000000"/>
                   </a:solidFill>
@@ -1822,7 +1823,7 @@
             </a:ln>
             <a:extLst>
               <a:ext uri="{91240B29-F687-4f45-9708-019B960494DF}">
-                <a14:hiddenLine xmlns="" xmlns:a14="http://schemas.microsoft.com/office/drawing/2010/main" w="9525">
+                <a14:hiddenLine xmlns:a14="http://schemas.microsoft.com/office/drawing/2010/main" xmlns="" w="9525">
                   <a:solidFill>
                     <a:srgbClr val="000000"/>
                   </a:solidFill>
@@ -1856,7 +1857,7 @@
             </a:ln>
             <a:extLst>
               <a:ext uri="{91240B29-F687-4f45-9708-019B960494DF}">
-                <a14:hiddenLine xmlns="" xmlns:a14="http://schemas.microsoft.com/office/drawing/2010/main" w="9525">
+                <a14:hiddenLine xmlns:a14="http://schemas.microsoft.com/office/drawing/2010/main" xmlns="" w="9525">
                   <a:solidFill>
                     <a:srgbClr val="000000"/>
                   </a:solidFill>
@@ -1946,7 +1947,7 @@
             </a:ln>
             <a:extLst>
               <a:ext uri="{91240B29-F687-4f45-9708-019B960494DF}">
-                <a14:hiddenLine xmlns="" xmlns:a14="http://schemas.microsoft.com/office/drawing/2010/main" w="9525">
+                <a14:hiddenLine xmlns:a14="http://schemas.microsoft.com/office/drawing/2010/main" xmlns="" w="9525">
                   <a:solidFill>
                     <a:srgbClr val="000000"/>
                   </a:solidFill>
@@ -2008,7 +2009,7 @@
             </a:ln>
             <a:extLst>
               <a:ext uri="{91240B29-F687-4f45-9708-019B960494DF}">
-                <a14:hiddenLine xmlns="" xmlns:a14="http://schemas.microsoft.com/office/drawing/2010/main" w="9525">
+                <a14:hiddenLine xmlns:a14="http://schemas.microsoft.com/office/drawing/2010/main" xmlns="" w="9525">
                   <a:solidFill>
                     <a:srgbClr val="000000"/>
                   </a:solidFill>
@@ -2070,7 +2071,7 @@
             </a:ln>
             <a:extLst>
               <a:ext uri="{91240B29-F687-4f45-9708-019B960494DF}">
-                <a14:hiddenLine xmlns="" xmlns:a14="http://schemas.microsoft.com/office/drawing/2010/main" w="9525">
+                <a14:hiddenLine xmlns:a14="http://schemas.microsoft.com/office/drawing/2010/main" xmlns="" w="9525">
                   <a:solidFill>
                     <a:srgbClr val="000000"/>
                   </a:solidFill>
@@ -2160,7 +2161,7 @@
             </a:ln>
             <a:extLst>
               <a:ext uri="{91240B29-F687-4f45-9708-019B960494DF}">
-                <a14:hiddenLine xmlns="" xmlns:a14="http://schemas.microsoft.com/office/drawing/2010/main" w="9525">
+                <a14:hiddenLine xmlns:a14="http://schemas.microsoft.com/office/drawing/2010/main" xmlns="" w="9525">
                   <a:solidFill>
                     <a:srgbClr val="000000"/>
                   </a:solidFill>
@@ -2222,7 +2223,7 @@
             </a:ln>
             <a:extLst>
               <a:ext uri="{91240B29-F687-4f45-9708-019B960494DF}">
-                <a14:hiddenLine xmlns="" xmlns:a14="http://schemas.microsoft.com/office/drawing/2010/main" w="9525">
+                <a14:hiddenLine xmlns:a14="http://schemas.microsoft.com/office/drawing/2010/main" xmlns="" w="9525">
                   <a:solidFill>
                     <a:srgbClr val="000000"/>
                   </a:solidFill>
@@ -2284,7 +2285,7 @@
             </a:ln>
             <a:extLst>
               <a:ext uri="{91240B29-F687-4f45-9708-019B960494DF}">
-                <a14:hiddenLine xmlns="" xmlns:a14="http://schemas.microsoft.com/office/drawing/2010/main" w="9525">
+                <a14:hiddenLine xmlns:a14="http://schemas.microsoft.com/office/drawing/2010/main" xmlns="" w="9525">
                   <a:solidFill>
                     <a:srgbClr val="000000"/>
                   </a:solidFill>
@@ -2374,7 +2375,7 @@
             </a:ln>
             <a:extLst>
               <a:ext uri="{91240B29-F687-4f45-9708-019B960494DF}">
-                <a14:hiddenLine xmlns="" xmlns:a14="http://schemas.microsoft.com/office/drawing/2010/main" w="9525">
+                <a14:hiddenLine xmlns:a14="http://schemas.microsoft.com/office/drawing/2010/main" xmlns="" w="9525">
                   <a:solidFill>
                     <a:srgbClr val="000000"/>
                   </a:solidFill>
@@ -2464,7 +2465,7 @@
             </a:ln>
             <a:extLst>
               <a:ext uri="{91240B29-F687-4f45-9708-019B960494DF}">
-                <a14:hiddenLine xmlns="" xmlns:a14="http://schemas.microsoft.com/office/drawing/2010/main" w="9525">
+                <a14:hiddenLine xmlns:a14="http://schemas.microsoft.com/office/drawing/2010/main" xmlns="" w="9525">
                   <a:solidFill>
                     <a:srgbClr val="000000"/>
                   </a:solidFill>
@@ -2526,7 +2527,7 @@
             </a:ln>
             <a:extLst>
               <a:ext uri="{91240B29-F687-4f45-9708-019B960494DF}">
-                <a14:hiddenLine xmlns="" xmlns:a14="http://schemas.microsoft.com/office/drawing/2010/main" w="9525">
+                <a14:hiddenLine xmlns:a14="http://schemas.microsoft.com/office/drawing/2010/main" xmlns="" w="9525">
                   <a:solidFill>
                     <a:srgbClr val="000000"/>
                   </a:solidFill>
@@ -2636,7 +2637,7 @@
             </a:ln>
             <a:extLst>
               <a:ext uri="{91240B29-F687-4f45-9708-019B960494DF}">
-                <a14:hiddenLine xmlns="" xmlns:a14="http://schemas.microsoft.com/office/drawing/2010/main" w="9525">
+                <a14:hiddenLine xmlns:a14="http://schemas.microsoft.com/office/drawing/2010/main" xmlns="" w="9525">
                   <a:solidFill>
                     <a:srgbClr val="000000"/>
                   </a:solidFill>
@@ -2698,7 +2699,7 @@
             </a:ln>
             <a:extLst>
               <a:ext uri="{91240B29-F687-4f45-9708-019B960494DF}">
-                <a14:hiddenLine xmlns="" xmlns:a14="http://schemas.microsoft.com/office/drawing/2010/main" w="9525">
+                <a14:hiddenLine xmlns:a14="http://schemas.microsoft.com/office/drawing/2010/main" xmlns="" w="9525">
                   <a:solidFill>
                     <a:srgbClr val="000000"/>
                   </a:solidFill>
@@ -2788,7 +2789,7 @@
             </a:ln>
             <a:extLst>
               <a:ext uri="{91240B29-F687-4f45-9708-019B960494DF}">
-                <a14:hiddenLine xmlns="" xmlns:a14="http://schemas.microsoft.com/office/drawing/2010/main" w="9525">
+                <a14:hiddenLine xmlns:a14="http://schemas.microsoft.com/office/drawing/2010/main" xmlns="" w="9525">
                   <a:solidFill>
                     <a:srgbClr val="000000"/>
                   </a:solidFill>
@@ -2878,7 +2879,7 @@
             </a:ln>
             <a:extLst>
               <a:ext uri="{91240B29-F687-4f45-9708-019B960494DF}">
-                <a14:hiddenLine xmlns="" xmlns:a14="http://schemas.microsoft.com/office/drawing/2010/main" w="9525">
+                <a14:hiddenLine xmlns:a14="http://schemas.microsoft.com/office/drawing/2010/main" xmlns="" w="9525">
                   <a:solidFill>
                     <a:srgbClr val="000000"/>
                   </a:solidFill>
@@ -2940,7 +2941,7 @@
             </a:ln>
             <a:extLst>
               <a:ext uri="{91240B29-F687-4f45-9708-019B960494DF}">
-                <a14:hiddenLine xmlns="" xmlns:a14="http://schemas.microsoft.com/office/drawing/2010/main" w="9525">
+                <a14:hiddenLine xmlns:a14="http://schemas.microsoft.com/office/drawing/2010/main" xmlns="" w="9525">
                   <a:solidFill>
                     <a:srgbClr val="000000"/>
                   </a:solidFill>
@@ -3030,7 +3031,7 @@
             </a:ln>
             <a:extLst>
               <a:ext uri="{91240B29-F687-4f45-9708-019B960494DF}">
-                <a14:hiddenLine xmlns="" xmlns:a14="http://schemas.microsoft.com/office/drawing/2010/main" w="9525">
+                <a14:hiddenLine xmlns:a14="http://schemas.microsoft.com/office/drawing/2010/main" xmlns="" w="9525">
                   <a:solidFill>
                     <a:srgbClr val="000000"/>
                   </a:solidFill>
@@ -3120,7 +3121,7 @@
             </a:ln>
             <a:extLst>
               <a:ext uri="{91240B29-F687-4f45-9708-019B960494DF}">
-                <a14:hiddenLine xmlns="" xmlns:a14="http://schemas.microsoft.com/office/drawing/2010/main" w="9525">
+                <a14:hiddenLine xmlns:a14="http://schemas.microsoft.com/office/drawing/2010/main" xmlns="" w="9525">
                   <a:solidFill>
                     <a:srgbClr val="000000"/>
                   </a:solidFill>
@@ -3176,7 +3177,7 @@
             </a:ln>
             <a:extLst>
               <a:ext uri="{91240B29-F687-4f45-9708-019B960494DF}">
-                <a14:hiddenLine xmlns="" xmlns:a14="http://schemas.microsoft.com/office/drawing/2010/main" w="9525">
+                <a14:hiddenLine xmlns:a14="http://schemas.microsoft.com/office/drawing/2010/main" xmlns="" w="9525">
                   <a:solidFill>
                     <a:srgbClr val="000000"/>
                   </a:solidFill>
@@ -3266,7 +3267,7 @@
             </a:ln>
             <a:extLst>
               <a:ext uri="{91240B29-F687-4f45-9708-019B960494DF}">
-                <a14:hiddenLine xmlns="" xmlns:a14="http://schemas.microsoft.com/office/drawing/2010/main" w="9525">
+                <a14:hiddenLine xmlns:a14="http://schemas.microsoft.com/office/drawing/2010/main" xmlns="" w="9525">
                   <a:solidFill>
                     <a:srgbClr val="000000"/>
                   </a:solidFill>
@@ -3322,7 +3323,7 @@
             </a:ln>
             <a:extLst>
               <a:ext uri="{91240B29-F687-4f45-9708-019B960494DF}">
-                <a14:hiddenLine xmlns="" xmlns:a14="http://schemas.microsoft.com/office/drawing/2010/main" w="9525">
+                <a14:hiddenLine xmlns:a14="http://schemas.microsoft.com/office/drawing/2010/main" xmlns="" w="9525">
                   <a:solidFill>
                     <a:srgbClr val="000000"/>
                   </a:solidFill>
@@ -3412,7 +3413,7 @@
             </a:ln>
             <a:extLst>
               <a:ext uri="{91240B29-F687-4f45-9708-019B960494DF}">
-                <a14:hiddenLine xmlns="" xmlns:a14="http://schemas.microsoft.com/office/drawing/2010/main" w="9525">
+                <a14:hiddenLine xmlns:a14="http://schemas.microsoft.com/office/drawing/2010/main" xmlns="" w="9525">
                   <a:solidFill>
                     <a:srgbClr val="000000"/>
                   </a:solidFill>
@@ -3480,7 +3481,7 @@
             </a:ln>
             <a:extLst>
               <a:ext uri="{91240B29-F687-4f45-9708-019B960494DF}">
-                <a14:hiddenLine xmlns="" xmlns:a14="http://schemas.microsoft.com/office/drawing/2010/main" w="9525">
+                <a14:hiddenLine xmlns:a14="http://schemas.microsoft.com/office/drawing/2010/main" xmlns="" w="9525">
                   <a:solidFill>
                     <a:srgbClr val="000000"/>
                   </a:solidFill>
@@ -3570,7 +3571,7 @@
             </a:ln>
             <a:extLst>
               <a:ext uri="{91240B29-F687-4f45-9708-019B960494DF}">
-                <a14:hiddenLine xmlns="" xmlns:a14="http://schemas.microsoft.com/office/drawing/2010/main" w="9525">
+                <a14:hiddenLine xmlns:a14="http://schemas.microsoft.com/office/drawing/2010/main" xmlns="" w="9525">
                   <a:solidFill>
                     <a:srgbClr val="000000"/>
                   </a:solidFill>
@@ -3638,7 +3639,7 @@
             </a:ln>
             <a:extLst>
               <a:ext uri="{91240B29-F687-4f45-9708-019B960494DF}">
-                <a14:hiddenLine xmlns="" xmlns:a14="http://schemas.microsoft.com/office/drawing/2010/main" w="9525">
+                <a14:hiddenLine xmlns:a14="http://schemas.microsoft.com/office/drawing/2010/main" xmlns="" w="9525">
                   <a:solidFill>
                     <a:srgbClr val="000000"/>
                   </a:solidFill>
@@ -3728,7 +3729,7 @@
             </a:ln>
             <a:extLst>
               <a:ext uri="{91240B29-F687-4f45-9708-019B960494DF}">
-                <a14:hiddenLine xmlns="" xmlns:a14="http://schemas.microsoft.com/office/drawing/2010/main" w="9525">
+                <a14:hiddenLine xmlns:a14="http://schemas.microsoft.com/office/drawing/2010/main" xmlns="" w="9525">
                   <a:solidFill>
                     <a:srgbClr val="000000"/>
                   </a:solidFill>
@@ -3762,7 +3763,7 @@
             </a:ln>
             <a:extLst>
               <a:ext uri="{91240B29-F687-4f45-9708-019B960494DF}">
-                <a14:hiddenLine xmlns="" xmlns:a14="http://schemas.microsoft.com/office/drawing/2010/main" w="9525">
+                <a14:hiddenLine xmlns:a14="http://schemas.microsoft.com/office/drawing/2010/main" xmlns="" w="9525">
                   <a:solidFill>
                     <a:srgbClr val="000000"/>
                   </a:solidFill>
@@ -3852,7 +3853,7 @@
             </a:ln>
             <a:extLst>
               <a:ext uri="{91240B29-F687-4f45-9708-019B960494DF}">
-                <a14:hiddenLine xmlns="" xmlns:a14="http://schemas.microsoft.com/office/drawing/2010/main" w="9525">
+                <a14:hiddenLine xmlns:a14="http://schemas.microsoft.com/office/drawing/2010/main" xmlns="" w="9525">
                   <a:solidFill>
                     <a:srgbClr val="000000"/>
                   </a:solidFill>
@@ -3914,7 +3915,7 @@
             </a:ln>
             <a:extLst>
               <a:ext uri="{91240B29-F687-4f45-9708-019B960494DF}">
-                <a14:hiddenLine xmlns="" xmlns:a14="http://schemas.microsoft.com/office/drawing/2010/main" w="9525">
+                <a14:hiddenLine xmlns:a14="http://schemas.microsoft.com/office/drawing/2010/main" xmlns="" w="9525">
                   <a:solidFill>
                     <a:srgbClr val="000000"/>
                   </a:solidFill>
@@ -3976,7 +3977,7 @@
             </a:ln>
             <a:extLst>
               <a:ext uri="{91240B29-F687-4f45-9708-019B960494DF}">
-                <a14:hiddenLine xmlns="" xmlns:a14="http://schemas.microsoft.com/office/drawing/2010/main" w="9525">
+                <a14:hiddenLine xmlns:a14="http://schemas.microsoft.com/office/drawing/2010/main" xmlns="" w="9525">
                   <a:solidFill>
                     <a:srgbClr val="000000"/>
                   </a:solidFill>
@@ -4066,7 +4067,7 @@
             </a:ln>
             <a:extLst>
               <a:ext uri="{91240B29-F687-4f45-9708-019B960494DF}">
-                <a14:hiddenLine xmlns="" xmlns:a14="http://schemas.microsoft.com/office/drawing/2010/main" w="9525">
+                <a14:hiddenLine xmlns:a14="http://schemas.microsoft.com/office/drawing/2010/main" xmlns="" w="9525">
                   <a:solidFill>
                     <a:srgbClr val="000000"/>
                   </a:solidFill>
@@ -4134,7 +4135,7 @@
             </a:ln>
             <a:extLst>
               <a:ext uri="{91240B29-F687-4f45-9708-019B960494DF}">
-                <a14:hiddenLine xmlns="" xmlns:a14="http://schemas.microsoft.com/office/drawing/2010/main" w="9525">
+                <a14:hiddenLine xmlns:a14="http://schemas.microsoft.com/office/drawing/2010/main" xmlns="" w="9525">
                   <a:solidFill>
                     <a:srgbClr val="000000"/>
                   </a:solidFill>
@@ -4196,7 +4197,7 @@
             </a:ln>
             <a:extLst>
               <a:ext uri="{91240B29-F687-4f45-9708-019B960494DF}">
-                <a14:hiddenLine xmlns="" xmlns:a14="http://schemas.microsoft.com/office/drawing/2010/main" w="9525">
+                <a14:hiddenLine xmlns:a14="http://schemas.microsoft.com/office/drawing/2010/main" xmlns="" w="9525">
                   <a:solidFill>
                     <a:srgbClr val="000000"/>
                   </a:solidFill>
@@ -4286,7 +4287,7 @@
             </a:ln>
             <a:extLst>
               <a:ext uri="{91240B29-F687-4f45-9708-019B960494DF}">
-                <a14:hiddenLine xmlns="" xmlns:a14="http://schemas.microsoft.com/office/drawing/2010/main" w="9525">
+                <a14:hiddenLine xmlns:a14="http://schemas.microsoft.com/office/drawing/2010/main" xmlns="" w="9525">
                   <a:solidFill>
                     <a:srgbClr val="000000"/>
                   </a:solidFill>
@@ -4348,7 +4349,7 @@
             </a:ln>
             <a:extLst>
               <a:ext uri="{91240B29-F687-4f45-9708-019B960494DF}">
-                <a14:hiddenLine xmlns="" xmlns:a14="http://schemas.microsoft.com/office/drawing/2010/main" w="9525">
+                <a14:hiddenLine xmlns:a14="http://schemas.microsoft.com/office/drawing/2010/main" xmlns="" w="9525">
                   <a:solidFill>
                     <a:srgbClr val="000000"/>
                   </a:solidFill>
@@ -4438,7 +4439,7 @@
             </a:ln>
             <a:extLst>
               <a:ext uri="{91240B29-F687-4f45-9708-019B960494DF}">
-                <a14:hiddenLine xmlns="" xmlns:a14="http://schemas.microsoft.com/office/drawing/2010/main" w="9525">
+                <a14:hiddenLine xmlns:a14="http://schemas.microsoft.com/office/drawing/2010/main" xmlns="" w="9525">
                   <a:solidFill>
                     <a:srgbClr val="000000"/>
                   </a:solidFill>
@@ -4500,7 +4501,7 @@
             </a:ln>
             <a:extLst>
               <a:ext uri="{91240B29-F687-4f45-9708-019B960494DF}">
-                <a14:hiddenLine xmlns="" xmlns:a14="http://schemas.microsoft.com/office/drawing/2010/main" w="9525">
+                <a14:hiddenLine xmlns:a14="http://schemas.microsoft.com/office/drawing/2010/main" xmlns="" w="9525">
                   <a:solidFill>
                     <a:srgbClr val="000000"/>
                   </a:solidFill>
@@ -4590,7 +4591,7 @@
             </a:ln>
             <a:extLst>
               <a:ext uri="{91240B29-F687-4f45-9708-019B960494DF}">
-                <a14:hiddenLine xmlns="" xmlns:a14="http://schemas.microsoft.com/office/drawing/2010/main" w="9525">
+                <a14:hiddenLine xmlns:a14="http://schemas.microsoft.com/office/drawing/2010/main" xmlns="" w="9525">
                   <a:solidFill>
                     <a:srgbClr val="000000"/>
                   </a:solidFill>
@@ -4624,7 +4625,7 @@
             </a:ln>
             <a:extLst>
               <a:ext uri="{91240B29-F687-4f45-9708-019B960494DF}">
-                <a14:hiddenLine xmlns="" xmlns:a14="http://schemas.microsoft.com/office/drawing/2010/main" w="9525">
+                <a14:hiddenLine xmlns:a14="http://schemas.microsoft.com/office/drawing/2010/main" xmlns="" w="9525">
                   <a:solidFill>
                     <a:srgbClr val="000000"/>
                   </a:solidFill>
@@ -4689,7 +4690,7 @@
             </a:ln>
             <a:extLst>
               <a:ext uri="{91240B29-F687-4f45-9708-019B960494DF}">
-                <a14:hiddenLine xmlns="" xmlns:a14="http://schemas.microsoft.com/office/drawing/2010/main" w="9525">
+                <a14:hiddenLine xmlns:a14="http://schemas.microsoft.com/office/drawing/2010/main" xmlns="" w="9525">
                   <a:solidFill>
                     <a:srgbClr val="000000"/>
                   </a:solidFill>
@@ -4779,7 +4780,7 @@
             </a:ln>
             <a:extLst>
               <a:ext uri="{91240B29-F687-4f45-9708-019B960494DF}">
-                <a14:hiddenLine xmlns="" xmlns:a14="http://schemas.microsoft.com/office/drawing/2010/main" w="9525">
+                <a14:hiddenLine xmlns:a14="http://schemas.microsoft.com/office/drawing/2010/main" xmlns="" w="9525">
                   <a:solidFill>
                     <a:srgbClr val="000000"/>
                   </a:solidFill>
@@ -4841,7 +4842,7 @@
             </a:ln>
             <a:extLst>
               <a:ext uri="{91240B29-F687-4f45-9708-019B960494DF}">
-                <a14:hiddenLine xmlns="" xmlns:a14="http://schemas.microsoft.com/office/drawing/2010/main" w="9525">
+                <a14:hiddenLine xmlns:a14="http://schemas.microsoft.com/office/drawing/2010/main" xmlns="" w="9525">
                   <a:solidFill>
                     <a:srgbClr val="000000"/>
                   </a:solidFill>
@@ -4931,7 +4932,7 @@
             </a:ln>
             <a:extLst>
               <a:ext uri="{91240B29-F687-4f45-9708-019B960494DF}">
-                <a14:hiddenLine xmlns="" xmlns:a14="http://schemas.microsoft.com/office/drawing/2010/main" w="9525">
+                <a14:hiddenLine xmlns:a14="http://schemas.microsoft.com/office/drawing/2010/main" xmlns="" w="9525">
                   <a:solidFill>
                     <a:srgbClr val="000000"/>
                   </a:solidFill>
@@ -5021,7 +5022,7 @@
             </a:ln>
             <a:extLst>
               <a:ext uri="{91240B29-F687-4f45-9708-019B960494DF}">
-                <a14:hiddenLine xmlns="" xmlns:a14="http://schemas.microsoft.com/office/drawing/2010/main" w="9525">
+                <a14:hiddenLine xmlns:a14="http://schemas.microsoft.com/office/drawing/2010/main" xmlns="" w="9525">
                   <a:solidFill>
                     <a:srgbClr val="000000"/>
                   </a:solidFill>
@@ -5086,7 +5087,7 @@
             </a:ln>
             <a:extLst>
               <a:ext uri="{91240B29-F687-4f45-9708-019B960494DF}">
-                <a14:hiddenLine xmlns="" xmlns:a14="http://schemas.microsoft.com/office/drawing/2010/main" w="9525">
+                <a14:hiddenLine xmlns:a14="http://schemas.microsoft.com/office/drawing/2010/main" xmlns="" w="9525">
                   <a:solidFill>
                     <a:srgbClr val="000000"/>
                   </a:solidFill>
@@ -5148,7 +5149,7 @@
             </a:ln>
             <a:extLst>
               <a:ext uri="{91240B29-F687-4f45-9708-019B960494DF}">
-                <a14:hiddenLine xmlns="" xmlns:a14="http://schemas.microsoft.com/office/drawing/2010/main" w="9525">
+                <a14:hiddenLine xmlns:a14="http://schemas.microsoft.com/office/drawing/2010/main" xmlns="" w="9525">
                   <a:solidFill>
                     <a:srgbClr val="000000"/>
                   </a:solidFill>
@@ -5238,7 +5239,7 @@
             </a:ln>
             <a:extLst>
               <a:ext uri="{91240B29-F687-4f45-9708-019B960494DF}">
-                <a14:hiddenLine xmlns="" xmlns:a14="http://schemas.microsoft.com/office/drawing/2010/main" w="9525">
+                <a14:hiddenLine xmlns:a14="http://schemas.microsoft.com/office/drawing/2010/main" xmlns="" w="9525">
                   <a:solidFill>
                     <a:srgbClr val="000000"/>
                   </a:solidFill>
@@ -5328,7 +5329,7 @@
             </a:ln>
             <a:extLst>
               <a:ext uri="{91240B29-F687-4f45-9708-019B960494DF}">
-                <a14:hiddenLine xmlns="" xmlns:a14="http://schemas.microsoft.com/office/drawing/2010/main" w="9525">
+                <a14:hiddenLine xmlns:a14="http://schemas.microsoft.com/office/drawing/2010/main" xmlns="" w="9525">
                   <a:solidFill>
                     <a:srgbClr val="000000"/>
                   </a:solidFill>
@@ -5390,7 +5391,7 @@
             </a:ln>
             <a:extLst>
               <a:ext uri="{91240B29-F687-4f45-9708-019B960494DF}">
-                <a14:hiddenLine xmlns="" xmlns:a14="http://schemas.microsoft.com/office/drawing/2010/main" w="9525">
+                <a14:hiddenLine xmlns:a14="http://schemas.microsoft.com/office/drawing/2010/main" xmlns="" w="9525">
                   <a:solidFill>
                     <a:srgbClr val="000000"/>
                   </a:solidFill>
@@ -5510,7 +5511,7 @@
             </a:ln>
             <a:extLst>
               <a:ext uri="{91240B29-F687-4f45-9708-019B960494DF}">
-                <a14:hiddenLine xmlns="" xmlns:a14="http://schemas.microsoft.com/office/drawing/2010/main" w="9525">
+                <a14:hiddenLine xmlns:a14="http://schemas.microsoft.com/office/drawing/2010/main" xmlns="" w="9525">
                   <a:solidFill>
                     <a:srgbClr val="000000"/>
                   </a:solidFill>
@@ -5578,7 +5579,7 @@
             </a:ln>
             <a:extLst>
               <a:ext uri="{91240B29-F687-4f45-9708-019B960494DF}">
-                <a14:hiddenLine xmlns="" xmlns:a14="http://schemas.microsoft.com/office/drawing/2010/main" w="9525">
+                <a14:hiddenLine xmlns:a14="http://schemas.microsoft.com/office/drawing/2010/main" xmlns="" w="9525">
                   <a:solidFill>
                     <a:srgbClr val="000000"/>
                   </a:solidFill>
@@ -5668,7 +5669,7 @@
             </a:ln>
             <a:extLst>
               <a:ext uri="{91240B29-F687-4f45-9708-019B960494DF}">
-                <a14:hiddenLine xmlns="" xmlns:a14="http://schemas.microsoft.com/office/drawing/2010/main" w="9525">
+                <a14:hiddenLine xmlns:a14="http://schemas.microsoft.com/office/drawing/2010/main" xmlns="" w="9525">
                   <a:solidFill>
                     <a:srgbClr val="000000"/>
                   </a:solidFill>
@@ -10397,7 +10398,7 @@
           <a:noFill/>
           <a:extLst>
             <a:ext uri="{909E8E84-426E-40dd-AFC4-6F175D3DCCD1}">
-              <a14:hiddenFill xmlns="" xmlns:a14="http://schemas.microsoft.com/office/drawing/2010/main">
+              <a14:hiddenFill xmlns:a14="http://schemas.microsoft.com/office/drawing/2010/main" xmlns="">
                 <a:solidFill>
                   <a:srgbClr val="FFFFFF"/>
                 </a:solidFill>
@@ -10471,7 +10472,7 @@
               </a:ln>
               <a:extLst>
                 <a:ext uri="{91240B29-F687-4f45-9708-019B960494DF}">
-                  <a14:hiddenLine xmlns="" xmlns:a14="http://schemas.microsoft.com/office/drawing/2010/main" w="9525">
+                  <a14:hiddenLine xmlns:a14="http://schemas.microsoft.com/office/drawing/2010/main" xmlns="" w="9525">
                     <a:solidFill>
                       <a:srgbClr val="000000"/>
                     </a:solidFill>
@@ -10561,7 +10562,7 @@
               </a:ln>
               <a:extLst>
                 <a:ext uri="{91240B29-F687-4f45-9708-019B960494DF}">
-                  <a14:hiddenLine xmlns="" xmlns:a14="http://schemas.microsoft.com/office/drawing/2010/main" w="9525">
+                  <a14:hiddenLine xmlns:a14="http://schemas.microsoft.com/office/drawing/2010/main" xmlns="" w="9525">
                     <a:solidFill>
                       <a:srgbClr val="000000"/>
                     </a:solidFill>
@@ -10651,7 +10652,7 @@
               </a:ln>
               <a:extLst>
                 <a:ext uri="{91240B29-F687-4f45-9708-019B960494DF}">
-                  <a14:hiddenLine xmlns="" xmlns:a14="http://schemas.microsoft.com/office/drawing/2010/main" w="9525">
+                  <a14:hiddenLine xmlns:a14="http://schemas.microsoft.com/office/drawing/2010/main" xmlns="" w="9525">
                     <a:solidFill>
                       <a:srgbClr val="000000"/>
                     </a:solidFill>
@@ -10713,7 +10714,7 @@
               </a:ln>
               <a:extLst>
                 <a:ext uri="{91240B29-F687-4f45-9708-019B960494DF}">
-                  <a14:hiddenLine xmlns="" xmlns:a14="http://schemas.microsoft.com/office/drawing/2010/main" w="9525">
+                  <a14:hiddenLine xmlns:a14="http://schemas.microsoft.com/office/drawing/2010/main" xmlns="" w="9525">
                     <a:solidFill>
                       <a:srgbClr val="000000"/>
                     </a:solidFill>
@@ -10803,7 +10804,7 @@
               </a:ln>
               <a:extLst>
                 <a:ext uri="{91240B29-F687-4f45-9708-019B960494DF}">
-                  <a14:hiddenLine xmlns="" xmlns:a14="http://schemas.microsoft.com/office/drawing/2010/main" w="9525">
+                  <a14:hiddenLine xmlns:a14="http://schemas.microsoft.com/office/drawing/2010/main" xmlns="" w="9525">
                     <a:solidFill>
                       <a:srgbClr val="000000"/>
                     </a:solidFill>
@@ -10865,7 +10866,7 @@
               </a:ln>
               <a:extLst>
                 <a:ext uri="{91240B29-F687-4f45-9708-019B960494DF}">
-                  <a14:hiddenLine xmlns="" xmlns:a14="http://schemas.microsoft.com/office/drawing/2010/main" w="9525">
+                  <a14:hiddenLine xmlns:a14="http://schemas.microsoft.com/office/drawing/2010/main" xmlns="" w="9525">
                     <a:solidFill>
                       <a:srgbClr val="000000"/>
                     </a:solidFill>
@@ -10927,7 +10928,7 @@
               </a:ln>
               <a:extLst>
                 <a:ext uri="{91240B29-F687-4f45-9708-019B960494DF}">
-                  <a14:hiddenLine xmlns="" xmlns:a14="http://schemas.microsoft.com/office/drawing/2010/main" w="9525">
+                  <a14:hiddenLine xmlns:a14="http://schemas.microsoft.com/office/drawing/2010/main" xmlns="" w="9525">
                     <a:solidFill>
                       <a:srgbClr val="000000"/>
                     </a:solidFill>
@@ -11017,7 +11018,7 @@
               </a:ln>
               <a:extLst>
                 <a:ext uri="{91240B29-F687-4f45-9708-019B960494DF}">
-                  <a14:hiddenLine xmlns="" xmlns:a14="http://schemas.microsoft.com/office/drawing/2010/main" w="9525">
+                  <a14:hiddenLine xmlns:a14="http://schemas.microsoft.com/office/drawing/2010/main" xmlns="" w="9525">
                     <a:solidFill>
                       <a:srgbClr val="000000"/>
                     </a:solidFill>
@@ -11107,7 +11108,7 @@
               </a:ln>
               <a:extLst>
                 <a:ext uri="{91240B29-F687-4f45-9708-019B960494DF}">
-                  <a14:hiddenLine xmlns="" xmlns:a14="http://schemas.microsoft.com/office/drawing/2010/main" w="9525">
+                  <a14:hiddenLine xmlns:a14="http://schemas.microsoft.com/office/drawing/2010/main" xmlns="" w="9525">
                     <a:solidFill>
                       <a:srgbClr val="000000"/>
                     </a:solidFill>
@@ -11169,7 +11170,7 @@
               </a:ln>
               <a:extLst>
                 <a:ext uri="{91240B29-F687-4f45-9708-019B960494DF}">
-                  <a14:hiddenLine xmlns="" xmlns:a14="http://schemas.microsoft.com/office/drawing/2010/main" w="9525">
+                  <a14:hiddenLine xmlns:a14="http://schemas.microsoft.com/office/drawing/2010/main" xmlns="" w="9525">
                     <a:solidFill>
                       <a:srgbClr val="000000"/>
                     </a:solidFill>
@@ -11279,7 +11280,7 @@
               </a:ln>
               <a:extLst>
                 <a:ext uri="{91240B29-F687-4f45-9708-019B960494DF}">
-                  <a14:hiddenLine xmlns="" xmlns:a14="http://schemas.microsoft.com/office/drawing/2010/main" w="9525">
+                  <a14:hiddenLine xmlns:a14="http://schemas.microsoft.com/office/drawing/2010/main" xmlns="" w="9525">
                     <a:solidFill>
                       <a:srgbClr val="000000"/>
                     </a:solidFill>
@@ -11363,7 +11364,7 @@
               </a:ln>
               <a:extLst>
                 <a:ext uri="{91240B29-F687-4f45-9708-019B960494DF}">
-                  <a14:hiddenLine xmlns="" xmlns:a14="http://schemas.microsoft.com/office/drawing/2010/main" w="9525">
+                  <a14:hiddenLine xmlns:a14="http://schemas.microsoft.com/office/drawing/2010/main" xmlns="" w="9525">
                     <a:solidFill>
                       <a:srgbClr val="000000"/>
                     </a:solidFill>
@@ -11425,7 +11426,7 @@
               </a:ln>
               <a:extLst>
                 <a:ext uri="{91240B29-F687-4f45-9708-019B960494DF}">
-                  <a14:hiddenLine xmlns="" xmlns:a14="http://schemas.microsoft.com/office/drawing/2010/main" w="9525">
+                  <a14:hiddenLine xmlns:a14="http://schemas.microsoft.com/office/drawing/2010/main" xmlns="" w="9525">
                     <a:solidFill>
                       <a:srgbClr val="000000"/>
                     </a:solidFill>
@@ -11487,7 +11488,7 @@
               </a:ln>
               <a:extLst>
                 <a:ext uri="{91240B29-F687-4f45-9708-019B960494DF}">
-                  <a14:hiddenLine xmlns="" xmlns:a14="http://schemas.microsoft.com/office/drawing/2010/main" w="9525">
+                  <a14:hiddenLine xmlns:a14="http://schemas.microsoft.com/office/drawing/2010/main" xmlns="" w="9525">
                     <a:solidFill>
                       <a:srgbClr val="000000"/>
                     </a:solidFill>
@@ -11577,7 +11578,7 @@
               </a:ln>
               <a:extLst>
                 <a:ext uri="{91240B29-F687-4f45-9708-019B960494DF}">
-                  <a14:hiddenLine xmlns="" xmlns:a14="http://schemas.microsoft.com/office/drawing/2010/main" w="9525">
+                  <a14:hiddenLine xmlns:a14="http://schemas.microsoft.com/office/drawing/2010/main" xmlns="" w="9525">
                     <a:solidFill>
                       <a:srgbClr val="000000"/>
                     </a:solidFill>
@@ -11611,7 +11612,7 @@
               </a:ln>
               <a:extLst>
                 <a:ext uri="{91240B29-F687-4f45-9708-019B960494DF}">
-                  <a14:hiddenLine xmlns="" xmlns:a14="http://schemas.microsoft.com/office/drawing/2010/main" w="9525">
+                  <a14:hiddenLine xmlns:a14="http://schemas.microsoft.com/office/drawing/2010/main" xmlns="" w="9525">
                     <a:solidFill>
                       <a:srgbClr val="000000"/>
                     </a:solidFill>
@@ -11676,7 +11677,7 @@
               </a:ln>
               <a:extLst>
                 <a:ext uri="{91240B29-F687-4f45-9708-019B960494DF}">
-                  <a14:hiddenLine xmlns="" xmlns:a14="http://schemas.microsoft.com/office/drawing/2010/main" w="9525">
+                  <a14:hiddenLine xmlns:a14="http://schemas.microsoft.com/office/drawing/2010/main" xmlns="" w="9525">
                     <a:solidFill>
                       <a:srgbClr val="000000"/>
                     </a:solidFill>
@@ -11766,7 +11767,7 @@
               </a:ln>
               <a:extLst>
                 <a:ext uri="{91240B29-F687-4f45-9708-019B960494DF}">
-                  <a14:hiddenLine xmlns="" xmlns:a14="http://schemas.microsoft.com/office/drawing/2010/main" w="9525">
+                  <a14:hiddenLine xmlns:a14="http://schemas.microsoft.com/office/drawing/2010/main" xmlns="" w="9525">
                     <a:solidFill>
                       <a:srgbClr val="000000"/>
                     </a:solidFill>
@@ -11828,7 +11829,7 @@
               </a:ln>
               <a:extLst>
                 <a:ext uri="{91240B29-F687-4f45-9708-019B960494DF}">
-                  <a14:hiddenLine xmlns="" xmlns:a14="http://schemas.microsoft.com/office/drawing/2010/main" w="9525">
+                  <a14:hiddenLine xmlns:a14="http://schemas.microsoft.com/office/drawing/2010/main" xmlns="" w="9525">
                     <a:solidFill>
                       <a:srgbClr val="000000"/>
                     </a:solidFill>
@@ -11918,7 +11919,7 @@
               </a:ln>
               <a:extLst>
                 <a:ext uri="{91240B29-F687-4f45-9708-019B960494DF}">
-                  <a14:hiddenLine xmlns="" xmlns:a14="http://schemas.microsoft.com/office/drawing/2010/main" w="9525">
+                  <a14:hiddenLine xmlns:a14="http://schemas.microsoft.com/office/drawing/2010/main" xmlns="" w="9525">
                     <a:solidFill>
                       <a:srgbClr val="000000"/>
                     </a:solidFill>
@@ -11983,7 +11984,7 @@
               </a:ln>
               <a:extLst>
                 <a:ext uri="{91240B29-F687-4f45-9708-019B960494DF}">
-                  <a14:hiddenLine xmlns="" xmlns:a14="http://schemas.microsoft.com/office/drawing/2010/main" w="9525">
+                  <a14:hiddenLine xmlns:a14="http://schemas.microsoft.com/office/drawing/2010/main" xmlns="" w="9525">
                     <a:solidFill>
                       <a:srgbClr val="000000"/>
                     </a:solidFill>
@@ -12045,7 +12046,7 @@
               </a:ln>
               <a:extLst>
                 <a:ext uri="{91240B29-F687-4f45-9708-019B960494DF}">
-                  <a14:hiddenLine xmlns="" xmlns:a14="http://schemas.microsoft.com/office/drawing/2010/main" w="9525">
+                  <a14:hiddenLine xmlns:a14="http://schemas.microsoft.com/office/drawing/2010/main" xmlns="" w="9525">
                     <a:solidFill>
                       <a:srgbClr val="000000"/>
                     </a:solidFill>
@@ -12135,7 +12136,7 @@
               </a:ln>
               <a:extLst>
                 <a:ext uri="{91240B29-F687-4f45-9708-019B960494DF}">
-                  <a14:hiddenLine xmlns="" xmlns:a14="http://schemas.microsoft.com/office/drawing/2010/main" w="9525">
+                  <a14:hiddenLine xmlns:a14="http://schemas.microsoft.com/office/drawing/2010/main" xmlns="" w="9525">
                     <a:solidFill>
                       <a:srgbClr val="000000"/>
                     </a:solidFill>
@@ -12225,7 +12226,7 @@
               </a:ln>
               <a:extLst>
                 <a:ext uri="{91240B29-F687-4f45-9708-019B960494DF}">
-                  <a14:hiddenLine xmlns="" xmlns:a14="http://schemas.microsoft.com/office/drawing/2010/main" w="9525">
+                  <a14:hiddenLine xmlns:a14="http://schemas.microsoft.com/office/drawing/2010/main" xmlns="" w="9525">
                     <a:solidFill>
                       <a:srgbClr val="000000"/>
                     </a:solidFill>
@@ -12290,7 +12291,7 @@
               </a:ln>
               <a:extLst>
                 <a:ext uri="{91240B29-F687-4f45-9708-019B960494DF}">
-                  <a14:hiddenLine xmlns="" xmlns:a14="http://schemas.microsoft.com/office/drawing/2010/main" w="9525">
+                  <a14:hiddenLine xmlns:a14="http://schemas.microsoft.com/office/drawing/2010/main" xmlns="" w="9525">
                     <a:solidFill>
                       <a:srgbClr val="000000"/>
                     </a:solidFill>
@@ -12410,7 +12411,7 @@
               </a:ln>
               <a:extLst>
                 <a:ext uri="{91240B29-F687-4f45-9708-019B960494DF}">
-                  <a14:hiddenLine xmlns="" xmlns:a14="http://schemas.microsoft.com/office/drawing/2010/main" w="9525">
+                  <a14:hiddenLine xmlns:a14="http://schemas.microsoft.com/office/drawing/2010/main" xmlns="" w="9525">
                     <a:solidFill>
                       <a:srgbClr val="000000"/>
                     </a:solidFill>
@@ -12491,7 +12492,7 @@
               </a:ln>
               <a:extLst>
                 <a:ext uri="{91240B29-F687-4f45-9708-019B960494DF}">
-                  <a14:hiddenLine xmlns="" xmlns:a14="http://schemas.microsoft.com/office/drawing/2010/main" w="9525">
+                  <a14:hiddenLine xmlns:a14="http://schemas.microsoft.com/office/drawing/2010/main" xmlns="" w="9525">
                     <a:solidFill>
                       <a:srgbClr val="000000"/>
                     </a:solidFill>
@@ -12606,7 +12607,7 @@
               </a:ln>
               <a:extLst>
                 <a:ext uri="{91240B29-F687-4f45-9708-019B960494DF}">
-                  <a14:hiddenLine xmlns="" xmlns:a14="http://schemas.microsoft.com/office/drawing/2010/main" w="9525">
+                  <a14:hiddenLine xmlns:a14="http://schemas.microsoft.com/office/drawing/2010/main" xmlns="" w="9525">
                     <a:solidFill>
                       <a:srgbClr val="000000"/>
                     </a:solidFill>
@@ -12696,7 +12697,7 @@
               </a:ln>
               <a:extLst>
                 <a:ext uri="{91240B29-F687-4f45-9708-019B960494DF}">
-                  <a14:hiddenLine xmlns="" xmlns:a14="http://schemas.microsoft.com/office/drawing/2010/main" w="9525">
+                  <a14:hiddenLine xmlns:a14="http://schemas.microsoft.com/office/drawing/2010/main" xmlns="" w="9525">
                     <a:solidFill>
                       <a:srgbClr val="000000"/>
                     </a:solidFill>
@@ -12761,7 +12762,7 @@
               </a:ln>
               <a:extLst>
                 <a:ext uri="{91240B29-F687-4f45-9708-019B960494DF}">
-                  <a14:hiddenLine xmlns="" xmlns:a14="http://schemas.microsoft.com/office/drawing/2010/main" w="9525">
+                  <a14:hiddenLine xmlns:a14="http://schemas.microsoft.com/office/drawing/2010/main" xmlns="" w="9525">
                     <a:solidFill>
                       <a:srgbClr val="000000"/>
                     </a:solidFill>
@@ -12851,7 +12852,7 @@
               </a:ln>
               <a:extLst>
                 <a:ext uri="{91240B29-F687-4f45-9708-019B960494DF}">
-                  <a14:hiddenLine xmlns="" xmlns:a14="http://schemas.microsoft.com/office/drawing/2010/main" w="9525">
+                  <a14:hiddenLine xmlns:a14="http://schemas.microsoft.com/office/drawing/2010/main" xmlns="" w="9525">
                     <a:solidFill>
                       <a:srgbClr val="000000"/>
                     </a:solidFill>
@@ -12919,7 +12920,7 @@
               </a:ln>
               <a:extLst>
                 <a:ext uri="{91240B29-F687-4f45-9708-019B960494DF}">
-                  <a14:hiddenLine xmlns="" xmlns:a14="http://schemas.microsoft.com/office/drawing/2010/main" w="9525">
+                  <a14:hiddenLine xmlns:a14="http://schemas.microsoft.com/office/drawing/2010/main" xmlns="" w="9525">
                     <a:solidFill>
                       <a:srgbClr val="000000"/>
                     </a:solidFill>
@@ -13009,7 +13010,7 @@
               </a:ln>
               <a:extLst>
                 <a:ext uri="{91240B29-F687-4f45-9708-019B960494DF}">
-                  <a14:hiddenLine xmlns="" xmlns:a14="http://schemas.microsoft.com/office/drawing/2010/main" w="9525">
+                  <a14:hiddenLine xmlns:a14="http://schemas.microsoft.com/office/drawing/2010/main" xmlns="" w="9525">
                     <a:solidFill>
                       <a:srgbClr val="000000"/>
                     </a:solidFill>
@@ -13077,7 +13078,7 @@
               </a:ln>
               <a:extLst>
                 <a:ext uri="{91240B29-F687-4f45-9708-019B960494DF}">
-                  <a14:hiddenLine xmlns="" xmlns:a14="http://schemas.microsoft.com/office/drawing/2010/main" w="9525">
+                  <a14:hiddenLine xmlns:a14="http://schemas.microsoft.com/office/drawing/2010/main" xmlns="" w="9525">
                     <a:solidFill>
                       <a:srgbClr val="000000"/>
                     </a:solidFill>
@@ -13167,7 +13168,7 @@
               </a:ln>
               <a:extLst>
                 <a:ext uri="{91240B29-F687-4f45-9708-019B960494DF}">
-                  <a14:hiddenLine xmlns="" xmlns:a14="http://schemas.microsoft.com/office/drawing/2010/main" w="9525">
+                  <a14:hiddenLine xmlns:a14="http://schemas.microsoft.com/office/drawing/2010/main" xmlns="" w="9525">
                     <a:solidFill>
                       <a:srgbClr val="000000"/>
                     </a:solidFill>
@@ -13201,7 +13202,7 @@
               </a:ln>
               <a:extLst>
                 <a:ext uri="{91240B29-F687-4f45-9708-019B960494DF}">
-                  <a14:hiddenLine xmlns="" xmlns:a14="http://schemas.microsoft.com/office/drawing/2010/main" w="9525">
+                  <a14:hiddenLine xmlns:a14="http://schemas.microsoft.com/office/drawing/2010/main" xmlns="" w="9525">
                     <a:solidFill>
                       <a:srgbClr val="000000"/>
                     </a:solidFill>
@@ -14264,6 +14265,362 @@
 </p:sld>
 </file>
 
+<file path=ppt/slides/slide11.xml><?xml version="1.0" encoding="utf-8"?>
+<p:sld xmlns:a="http://schemas.openxmlformats.org/drawingml/2006/main" xmlns:r="http://schemas.openxmlformats.org/officeDocument/2006/relationships" xmlns:p="http://schemas.openxmlformats.org/presentationml/2006/main">
+  <p:cSld>
+    <p:spTree>
+      <p:nvGrpSpPr>
+        <p:cNvPr id="1" name=""/>
+        <p:cNvGrpSpPr/>
+        <p:nvPr/>
+      </p:nvGrpSpPr>
+      <p:grpSpPr>
+        <a:xfrm>
+          <a:off x="0" y="0"/>
+          <a:ext cx="0" cy="0"/>
+          <a:chOff x="0" y="0"/>
+          <a:chExt cx="0" cy="0"/>
+        </a:xfrm>
+      </p:grpSpPr>
+      <p:sp>
+        <p:nvSpPr>
+          <p:cNvPr id="2" name="Título 1">
+            <a:extLst>
+              <a:ext uri="{FF2B5EF4-FFF2-40B4-BE49-F238E27FC236}">
+                <a16:creationId xmlns:a16="http://schemas.microsoft.com/office/drawing/2014/main" id="{8426950A-93C8-E90F-588F-5BCB52726D90}"/>
+              </a:ext>
+            </a:extLst>
+          </p:cNvPr>
+          <p:cNvSpPr>
+            <a:spLocks noGrp="1"/>
+          </p:cNvSpPr>
+          <p:nvPr>
+            <p:ph type="title"/>
+          </p:nvPr>
+        </p:nvSpPr>
+        <p:spPr>
+          <a:xfrm>
+            <a:off x="984250" y="664238"/>
+            <a:ext cx="9905998" cy="1478570"/>
+          </a:xfrm>
+        </p:spPr>
+        <p:txBody>
+          <a:bodyPr/>
+          <a:lstStyle/>
+          <a:p>
+            <a:pPr algn="ctr"/>
+            <a:r>
+              <a:rPr lang="es-ES" sz="3600" dirty="0"/>
+              <a:t>Tablas en SQL</a:t>
+            </a:r>
+            <a:endParaRPr lang="es-ES" dirty="0"/>
+          </a:p>
+        </p:txBody>
+      </p:sp>
+      <p:pic>
+        <p:nvPicPr>
+          <p:cNvPr id="6" name="Imagen 5">
+            <a:extLst>
+              <a:ext uri="{FF2B5EF4-FFF2-40B4-BE49-F238E27FC236}">
+                <a16:creationId xmlns:a16="http://schemas.microsoft.com/office/drawing/2014/main" id="{CA53390F-C838-67E8-6383-6585BE5CAB43}"/>
+              </a:ext>
+            </a:extLst>
+          </p:cNvPr>
+          <p:cNvPicPr>
+            <a:picLocks noChangeAspect="1"/>
+          </p:cNvPicPr>
+          <p:nvPr/>
+        </p:nvPicPr>
+        <p:blipFill>
+          <a:blip r:embed="rId2"/>
+          <a:stretch>
+            <a:fillRect/>
+          </a:stretch>
+        </p:blipFill>
+        <p:spPr>
+          <a:xfrm>
+            <a:off x="7246339" y="2305009"/>
+            <a:ext cx="3643909" cy="1123991"/>
+          </a:xfrm>
+          <a:prstGeom prst="rect">
+            <a:avLst/>
+          </a:prstGeom>
+        </p:spPr>
+      </p:pic>
+      <p:pic>
+        <p:nvPicPr>
+          <p:cNvPr id="10" name="Imagen 9">
+            <a:extLst>
+              <a:ext uri="{FF2B5EF4-FFF2-40B4-BE49-F238E27FC236}">
+                <a16:creationId xmlns:a16="http://schemas.microsoft.com/office/drawing/2014/main" id="{A2B6C4CB-25D4-2E1B-6D02-DF0F21E0B593}"/>
+              </a:ext>
+            </a:extLst>
+          </p:cNvPr>
+          <p:cNvPicPr>
+            <a:picLocks noChangeAspect="1"/>
+          </p:cNvPicPr>
+          <p:nvPr/>
+        </p:nvPicPr>
+        <p:blipFill>
+          <a:blip r:embed="rId3"/>
+          <a:stretch>
+            <a:fillRect/>
+          </a:stretch>
+        </p:blipFill>
+        <p:spPr>
+          <a:xfrm>
+            <a:off x="7246339" y="3919474"/>
+            <a:ext cx="3643908" cy="1672325"/>
+          </a:xfrm>
+          <a:prstGeom prst="rect">
+            <a:avLst/>
+          </a:prstGeom>
+        </p:spPr>
+      </p:pic>
+      <p:sp>
+        <p:nvSpPr>
+          <p:cNvPr id="11" name="CuadroTexto 10">
+            <a:extLst>
+              <a:ext uri="{FF2B5EF4-FFF2-40B4-BE49-F238E27FC236}">
+                <a16:creationId xmlns:a16="http://schemas.microsoft.com/office/drawing/2014/main" id="{4C48F300-7201-9519-6601-3CB5A2E72EF7}"/>
+              </a:ext>
+            </a:extLst>
+          </p:cNvPr>
+          <p:cNvSpPr txBox="1"/>
+          <p:nvPr/>
+        </p:nvSpPr>
+        <p:spPr>
+          <a:xfrm>
+            <a:off x="1657350" y="2305009"/>
+            <a:ext cx="1321324" cy="2862322"/>
+          </a:xfrm>
+          <a:prstGeom prst="rect">
+            <a:avLst/>
+          </a:prstGeom>
+          <a:noFill/>
+        </p:spPr>
+        <p:txBody>
+          <a:bodyPr wrap="none" rtlCol="0">
+            <a:spAutoFit/>
+          </a:bodyPr>
+          <a:lstStyle/>
+          <a:p>
+            <a:r>
+              <a:rPr lang="es-ES" dirty="0"/>
+              <a:t>Roles:</a:t>
+            </a:r>
+          </a:p>
+          <a:p>
+            <a:pPr marL="285750" indent="-285750">
+              <a:buFont typeface="Arial" panose="020B0604020202020204" pitchFamily="34" charset="0"/>
+              <a:buChar char="•"/>
+            </a:pPr>
+            <a:r>
+              <a:rPr lang="es-ES" dirty="0"/>
+              <a:t>ID</a:t>
+            </a:r>
+          </a:p>
+          <a:p>
+            <a:pPr marL="285750" indent="-285750">
+              <a:buFont typeface="Arial" panose="020B0604020202020204" pitchFamily="34" charset="0"/>
+              <a:buChar char="•"/>
+            </a:pPr>
+            <a:r>
+              <a:rPr lang="es-ES" dirty="0"/>
+              <a:t>Nombre</a:t>
+            </a:r>
+          </a:p>
+          <a:p>
+            <a:pPr marL="285750" indent="-285750">
+              <a:buFont typeface="Arial" panose="020B0604020202020204" pitchFamily="34" charset="0"/>
+              <a:buChar char="•"/>
+            </a:pPr>
+            <a:endParaRPr lang="es-ES" dirty="0"/>
+          </a:p>
+          <a:p>
+            <a:pPr marL="285750" indent="-285750">
+              <a:buFont typeface="Arial" panose="020B0604020202020204" pitchFamily="34" charset="0"/>
+              <a:buChar char="•"/>
+            </a:pPr>
+            <a:endParaRPr lang="es-ES" dirty="0"/>
+          </a:p>
+          <a:p>
+            <a:r>
+              <a:rPr lang="es-ES" dirty="0"/>
+              <a:t>Usuarios:</a:t>
+            </a:r>
+          </a:p>
+          <a:p>
+            <a:pPr marL="285750" indent="-285750">
+              <a:buFont typeface="Arial" panose="020B0604020202020204" pitchFamily="34" charset="0"/>
+              <a:buChar char="•"/>
+            </a:pPr>
+            <a:r>
+              <a:rPr lang="es-ES" dirty="0"/>
+              <a:t>ID</a:t>
+            </a:r>
+          </a:p>
+          <a:p>
+            <a:pPr marL="285750" indent="-285750">
+              <a:buFont typeface="Arial" panose="020B0604020202020204" pitchFamily="34" charset="0"/>
+              <a:buChar char="•"/>
+            </a:pPr>
+            <a:r>
+              <a:rPr lang="es-ES" dirty="0"/>
+              <a:t>Email</a:t>
+            </a:r>
+          </a:p>
+          <a:p>
+            <a:pPr marL="285750" indent="-285750">
+              <a:buFont typeface="Arial" panose="020B0604020202020204" pitchFamily="34" charset="0"/>
+              <a:buChar char="•"/>
+            </a:pPr>
+            <a:r>
+              <a:rPr lang="es-ES" dirty="0" err="1"/>
+              <a:t>Password</a:t>
+            </a:r>
+            <a:endParaRPr lang="es-ES" dirty="0"/>
+          </a:p>
+          <a:p>
+            <a:pPr marL="285750" indent="-285750">
+              <a:buFont typeface="Arial" panose="020B0604020202020204" pitchFamily="34" charset="0"/>
+              <a:buChar char="•"/>
+            </a:pPr>
+            <a:r>
+              <a:rPr lang="es-ES" dirty="0" err="1"/>
+              <a:t>IdRol</a:t>
+            </a:r>
+            <a:endParaRPr lang="es-ES" dirty="0"/>
+          </a:p>
+        </p:txBody>
+      </p:sp>
+      <p:sp>
+        <p:nvSpPr>
+          <p:cNvPr id="12" name="Flecha: a la derecha 11">
+            <a:extLst>
+              <a:ext uri="{FF2B5EF4-FFF2-40B4-BE49-F238E27FC236}">
+                <a16:creationId xmlns:a16="http://schemas.microsoft.com/office/drawing/2014/main" id="{1624353A-50EF-118C-EB46-810CDE1606B8}"/>
+              </a:ext>
+            </a:extLst>
+          </p:cNvPr>
+          <p:cNvSpPr/>
+          <p:nvPr/>
+        </p:nvSpPr>
+        <p:spPr>
+          <a:xfrm>
+            <a:off x="4675688" y="4472877"/>
+            <a:ext cx="1167899" cy="694454"/>
+          </a:xfrm>
+          <a:prstGeom prst="rightArrow">
+            <a:avLst/>
+          </a:prstGeom>
+          <a:solidFill>
+            <a:schemeClr val="bg2">
+              <a:lumMod val="50000"/>
+              <a:lumOff val="50000"/>
+            </a:schemeClr>
+          </a:solidFill>
+          <a:ln>
+            <a:solidFill>
+              <a:schemeClr val="bg1"/>
+            </a:solidFill>
+          </a:ln>
+        </p:spPr>
+        <p:style>
+          <a:lnRef idx="2">
+            <a:schemeClr val="accent1">
+              <a:shade val="50000"/>
+            </a:schemeClr>
+          </a:lnRef>
+          <a:fillRef idx="1">
+            <a:schemeClr val="accent1"/>
+          </a:fillRef>
+          <a:effectRef idx="0">
+            <a:schemeClr val="accent1"/>
+          </a:effectRef>
+          <a:fontRef idx="minor">
+            <a:schemeClr val="lt1"/>
+          </a:fontRef>
+        </p:style>
+        <p:txBody>
+          <a:bodyPr rtlCol="0" anchor="ctr"/>
+          <a:lstStyle/>
+          <a:p>
+            <a:pPr algn="ctr"/>
+            <a:endParaRPr lang="es-ES"/>
+          </a:p>
+        </p:txBody>
+      </p:sp>
+      <p:sp>
+        <p:nvSpPr>
+          <p:cNvPr id="13" name="Flecha: a la derecha 12">
+            <a:extLst>
+              <a:ext uri="{FF2B5EF4-FFF2-40B4-BE49-F238E27FC236}">
+                <a16:creationId xmlns:a16="http://schemas.microsoft.com/office/drawing/2014/main" id="{8BFAAE32-2054-A2B6-03C9-0C34534767F9}"/>
+              </a:ext>
+            </a:extLst>
+          </p:cNvPr>
+          <p:cNvSpPr/>
+          <p:nvPr/>
+        </p:nvSpPr>
+        <p:spPr>
+          <a:xfrm>
+            <a:off x="4675687" y="2519777"/>
+            <a:ext cx="1167899" cy="694454"/>
+          </a:xfrm>
+          <a:prstGeom prst="rightArrow">
+            <a:avLst/>
+          </a:prstGeom>
+          <a:solidFill>
+            <a:schemeClr val="bg2">
+              <a:lumMod val="50000"/>
+              <a:lumOff val="50000"/>
+            </a:schemeClr>
+          </a:solidFill>
+          <a:ln>
+            <a:solidFill>
+              <a:schemeClr val="bg1"/>
+            </a:solidFill>
+          </a:ln>
+        </p:spPr>
+        <p:style>
+          <a:lnRef idx="2">
+            <a:schemeClr val="accent1">
+              <a:shade val="50000"/>
+            </a:schemeClr>
+          </a:lnRef>
+          <a:fillRef idx="1">
+            <a:schemeClr val="accent1"/>
+          </a:fillRef>
+          <a:effectRef idx="0">
+            <a:schemeClr val="accent1"/>
+          </a:effectRef>
+          <a:fontRef idx="minor">
+            <a:schemeClr val="lt1"/>
+          </a:fontRef>
+        </p:style>
+        <p:txBody>
+          <a:bodyPr rtlCol="0" anchor="ctr"/>
+          <a:lstStyle/>
+          <a:p>
+            <a:pPr algn="ctr"/>
+            <a:endParaRPr lang="es-ES"/>
+          </a:p>
+        </p:txBody>
+      </p:sp>
+    </p:spTree>
+    <p:extLst>
+      <p:ext uri="{BB962C8B-B14F-4D97-AF65-F5344CB8AC3E}">
+        <p14:creationId xmlns:p14="http://schemas.microsoft.com/office/powerpoint/2010/main" val="2542330213"/>
+      </p:ext>
+    </p:extLst>
+  </p:cSld>
+  <p:clrMapOvr>
+    <a:masterClrMapping/>
+  </p:clrMapOvr>
+</p:sld>
+</file>
+
 <file path=ppt/slides/slide2.xml><?xml version="1.0" encoding="utf-8"?>
 <p:sld xmlns:a="http://schemas.openxmlformats.org/drawingml/2006/main" xmlns:r="http://schemas.openxmlformats.org/officeDocument/2006/relationships" xmlns:p="http://schemas.openxmlformats.org/presentationml/2006/main">
   <p:cSld>
@@ -14894,7 +15251,7 @@
           <a:noFill/>
           <a:extLst>
             <a:ext uri="{909E8E84-426E-40dd-AFC4-6F175D3DCCD1}">
-              <a14:hiddenFill xmlns="" xmlns:a16="http://schemas.microsoft.com/office/drawing/2014/main" xmlns:a14="http://schemas.microsoft.com/office/drawing/2010/main">
+              <a14:hiddenFill xmlns:a14="http://schemas.microsoft.com/office/drawing/2010/main" xmlns:a16="http://schemas.microsoft.com/office/drawing/2014/main" xmlns="">
                 <a:solidFill>
                   <a:srgbClr val="FFFFFF"/>
                 </a:solidFill>
@@ -14986,7 +15343,7 @@
             </a:ln>
             <a:extLst>
               <a:ext uri="{91240B29-F687-4f45-9708-019B960494DF}">
-                <a14:hiddenLine xmlns="" xmlns:a16="http://schemas.microsoft.com/office/drawing/2014/main" xmlns:a14="http://schemas.microsoft.com/office/drawing/2010/main" w="9525">
+                <a14:hiddenLine xmlns:a14="http://schemas.microsoft.com/office/drawing/2010/main" xmlns:a16="http://schemas.microsoft.com/office/drawing/2014/main" xmlns="" w="9525">
                   <a:solidFill>
                     <a:srgbClr val="000000"/>
                   </a:solidFill>
@@ -15091,7 +15448,7 @@
             </a:ln>
             <a:extLst>
               <a:ext uri="{91240B29-F687-4f45-9708-019B960494DF}">
-                <a14:hiddenLine xmlns="" xmlns:a16="http://schemas.microsoft.com/office/drawing/2014/main" xmlns:a14="http://schemas.microsoft.com/office/drawing/2010/main" w="9525">
+                <a14:hiddenLine xmlns:a14="http://schemas.microsoft.com/office/drawing/2010/main" xmlns:a16="http://schemas.microsoft.com/office/drawing/2014/main" xmlns="" w="9525">
                   <a:solidFill>
                     <a:srgbClr val="000000"/>
                   </a:solidFill>
@@ -15196,7 +15553,7 @@
             </a:ln>
             <a:extLst>
               <a:ext uri="{91240B29-F687-4f45-9708-019B960494DF}">
-                <a14:hiddenLine xmlns="" xmlns:a16="http://schemas.microsoft.com/office/drawing/2014/main" xmlns:a14="http://schemas.microsoft.com/office/drawing/2010/main" w="9525">
+                <a14:hiddenLine xmlns:a14="http://schemas.microsoft.com/office/drawing/2010/main" xmlns:a16="http://schemas.microsoft.com/office/drawing/2014/main" xmlns="" w="9525">
                   <a:solidFill>
                     <a:srgbClr val="000000"/>
                   </a:solidFill>
@@ -15245,7 +15602,7 @@
             </a:ln>
             <a:extLst>
               <a:ext uri="{91240B29-F687-4f45-9708-019B960494DF}">
-                <a14:hiddenLine xmlns="" xmlns:a16="http://schemas.microsoft.com/office/drawing/2014/main" xmlns:a14="http://schemas.microsoft.com/office/drawing/2010/main" w="9525">
+                <a14:hiddenLine xmlns:a14="http://schemas.microsoft.com/office/drawing/2010/main" xmlns:a16="http://schemas.microsoft.com/office/drawing/2014/main" xmlns="" w="9525">
                   <a:solidFill>
                     <a:srgbClr val="000000"/>
                   </a:solidFill>
@@ -15350,7 +15707,7 @@
             </a:ln>
             <a:extLst>
               <a:ext uri="{91240B29-F687-4f45-9708-019B960494DF}">
-                <a14:hiddenLine xmlns="" xmlns:a16="http://schemas.microsoft.com/office/drawing/2014/main" xmlns:a14="http://schemas.microsoft.com/office/drawing/2010/main" w="9525">
+                <a14:hiddenLine xmlns:a14="http://schemas.microsoft.com/office/drawing/2010/main" xmlns:a16="http://schemas.microsoft.com/office/drawing/2014/main" xmlns="" w="9525">
                   <a:solidFill>
                     <a:srgbClr val="000000"/>
                   </a:solidFill>
@@ -15427,7 +15784,7 @@
             </a:ln>
             <a:extLst>
               <a:ext uri="{91240B29-F687-4f45-9708-019B960494DF}">
-                <a14:hiddenLine xmlns="" xmlns:a16="http://schemas.microsoft.com/office/drawing/2014/main" xmlns:a14="http://schemas.microsoft.com/office/drawing/2010/main" w="9525">
+                <a14:hiddenLine xmlns:a14="http://schemas.microsoft.com/office/drawing/2010/main" xmlns:a16="http://schemas.microsoft.com/office/drawing/2014/main" xmlns="" w="9525">
                   <a:solidFill>
                     <a:srgbClr val="000000"/>
                   </a:solidFill>
@@ -15504,7 +15861,7 @@
             </a:ln>
             <a:extLst>
               <a:ext uri="{91240B29-F687-4f45-9708-019B960494DF}">
-                <a14:hiddenLine xmlns="" xmlns:a16="http://schemas.microsoft.com/office/drawing/2014/main" xmlns:a14="http://schemas.microsoft.com/office/drawing/2010/main" w="9525">
+                <a14:hiddenLine xmlns:a14="http://schemas.microsoft.com/office/drawing/2010/main" xmlns:a16="http://schemas.microsoft.com/office/drawing/2014/main" xmlns="" w="9525">
                   <a:solidFill>
                     <a:srgbClr val="000000"/>
                   </a:solidFill>
@@ -15609,7 +15966,7 @@
             </a:ln>
             <a:extLst>
               <a:ext uri="{91240B29-F687-4f45-9708-019B960494DF}">
-                <a14:hiddenLine xmlns="" xmlns:a16="http://schemas.microsoft.com/office/drawing/2014/main" xmlns:a14="http://schemas.microsoft.com/office/drawing/2010/main" w="9525">
+                <a14:hiddenLine xmlns:a14="http://schemas.microsoft.com/office/drawing/2010/main" xmlns:a16="http://schemas.microsoft.com/office/drawing/2014/main" xmlns="" w="9525">
                   <a:solidFill>
                     <a:srgbClr val="000000"/>
                   </a:solidFill>
@@ -15686,7 +16043,7 @@
             </a:ln>
             <a:extLst>
               <a:ext uri="{91240B29-F687-4f45-9708-019B960494DF}">
-                <a14:hiddenLine xmlns="" xmlns:a16="http://schemas.microsoft.com/office/drawing/2014/main" xmlns:a14="http://schemas.microsoft.com/office/drawing/2010/main" w="9525">
+                <a14:hiddenLine xmlns:a14="http://schemas.microsoft.com/office/drawing/2010/main" xmlns:a16="http://schemas.microsoft.com/office/drawing/2014/main" xmlns="" w="9525">
                   <a:solidFill>
                     <a:srgbClr val="000000"/>
                   </a:solidFill>
@@ -15763,7 +16120,7 @@
             </a:ln>
             <a:extLst>
               <a:ext uri="{91240B29-F687-4f45-9708-019B960494DF}">
-                <a14:hiddenLine xmlns="" xmlns:a16="http://schemas.microsoft.com/office/drawing/2014/main" xmlns:a14="http://schemas.microsoft.com/office/drawing/2010/main" w="9525">
+                <a14:hiddenLine xmlns:a14="http://schemas.microsoft.com/office/drawing/2010/main" xmlns:a16="http://schemas.microsoft.com/office/drawing/2014/main" xmlns="" w="9525">
                   <a:solidFill>
                     <a:srgbClr val="000000"/>
                   </a:solidFill>
@@ -15868,7 +16225,7 @@
             </a:ln>
             <a:extLst>
               <a:ext uri="{91240B29-F687-4f45-9708-019B960494DF}">
-                <a14:hiddenLine xmlns="" xmlns:a16="http://schemas.microsoft.com/office/drawing/2014/main" xmlns:a14="http://schemas.microsoft.com/office/drawing/2010/main" w="9525">
+                <a14:hiddenLine xmlns:a14="http://schemas.microsoft.com/office/drawing/2010/main" xmlns:a16="http://schemas.microsoft.com/office/drawing/2014/main" xmlns="" w="9525">
                   <a:solidFill>
                     <a:srgbClr val="000000"/>
                   </a:solidFill>
@@ -15973,7 +16330,7 @@
             </a:ln>
             <a:extLst>
               <a:ext uri="{91240B29-F687-4f45-9708-019B960494DF}">
-                <a14:hiddenLine xmlns="" xmlns:a16="http://schemas.microsoft.com/office/drawing/2014/main" xmlns:a14="http://schemas.microsoft.com/office/drawing/2010/main" w="9525">
+                <a14:hiddenLine xmlns:a14="http://schemas.microsoft.com/office/drawing/2010/main" xmlns:a16="http://schemas.microsoft.com/office/drawing/2014/main" xmlns="" w="9525">
                   <a:solidFill>
                     <a:srgbClr val="000000"/>
                   </a:solidFill>
@@ -16050,7 +16407,7 @@
             </a:ln>
             <a:extLst>
               <a:ext uri="{91240B29-F687-4f45-9708-019B960494DF}">
-                <a14:hiddenLine xmlns="" xmlns:a16="http://schemas.microsoft.com/office/drawing/2014/main" xmlns:a14="http://schemas.microsoft.com/office/drawing/2010/main" w="9525">
+                <a14:hiddenLine xmlns:a14="http://schemas.microsoft.com/office/drawing/2010/main" xmlns:a16="http://schemas.microsoft.com/office/drawing/2014/main" xmlns="" w="9525">
                   <a:solidFill>
                     <a:srgbClr val="000000"/>
                   </a:solidFill>
@@ -16175,7 +16532,7 @@
             </a:ln>
             <a:extLst>
               <a:ext uri="{91240B29-F687-4f45-9708-019B960494DF}">
-                <a14:hiddenLine xmlns="" xmlns:a16="http://schemas.microsoft.com/office/drawing/2014/main" xmlns:a14="http://schemas.microsoft.com/office/drawing/2010/main" w="9525">
+                <a14:hiddenLine xmlns:a14="http://schemas.microsoft.com/office/drawing/2010/main" xmlns:a16="http://schemas.microsoft.com/office/drawing/2014/main" xmlns="" w="9525">
                   <a:solidFill>
                     <a:srgbClr val="000000"/>
                   </a:solidFill>
@@ -16252,7 +16609,7 @@
             </a:ln>
             <a:extLst>
               <a:ext uri="{91240B29-F687-4f45-9708-019B960494DF}">
-                <a14:hiddenLine xmlns="" xmlns:a16="http://schemas.microsoft.com/office/drawing/2014/main" xmlns:a14="http://schemas.microsoft.com/office/drawing/2010/main" w="9525">
+                <a14:hiddenLine xmlns:a14="http://schemas.microsoft.com/office/drawing/2010/main" xmlns:a16="http://schemas.microsoft.com/office/drawing/2014/main" xmlns="" w="9525">
                   <a:solidFill>
                     <a:srgbClr val="000000"/>
                   </a:solidFill>
@@ -16357,7 +16714,7 @@
             </a:ln>
             <a:extLst>
               <a:ext uri="{91240B29-F687-4f45-9708-019B960494DF}">
-                <a14:hiddenLine xmlns="" xmlns:a16="http://schemas.microsoft.com/office/drawing/2014/main" xmlns:a14="http://schemas.microsoft.com/office/drawing/2010/main" w="9525">
+                <a14:hiddenLine xmlns:a14="http://schemas.microsoft.com/office/drawing/2010/main" xmlns:a16="http://schemas.microsoft.com/office/drawing/2014/main" xmlns="" w="9525">
                   <a:solidFill>
                     <a:srgbClr val="000000"/>
                   </a:solidFill>
@@ -16462,7 +16819,7 @@
             </a:ln>
             <a:extLst>
               <a:ext uri="{91240B29-F687-4f45-9708-019B960494DF}">
-                <a14:hiddenLine xmlns="" xmlns:a16="http://schemas.microsoft.com/office/drawing/2014/main" xmlns:a14="http://schemas.microsoft.com/office/drawing/2010/main" w="9525">
+                <a14:hiddenLine xmlns:a14="http://schemas.microsoft.com/office/drawing/2010/main" xmlns:a16="http://schemas.microsoft.com/office/drawing/2014/main" xmlns="" w="9525">
                   <a:solidFill>
                     <a:srgbClr val="000000"/>
                   </a:solidFill>
@@ -16539,7 +16896,7 @@
             </a:ln>
             <a:extLst>
               <a:ext uri="{91240B29-F687-4f45-9708-019B960494DF}">
-                <a14:hiddenLine xmlns="" xmlns:a16="http://schemas.microsoft.com/office/drawing/2014/main" xmlns:a14="http://schemas.microsoft.com/office/drawing/2010/main" w="9525">
+                <a14:hiddenLine xmlns:a14="http://schemas.microsoft.com/office/drawing/2010/main" xmlns:a16="http://schemas.microsoft.com/office/drawing/2014/main" xmlns="" w="9525">
                   <a:solidFill>
                     <a:srgbClr val="000000"/>
                   </a:solidFill>
@@ -16644,7 +17001,7 @@
             </a:ln>
             <a:extLst>
               <a:ext uri="{91240B29-F687-4f45-9708-019B960494DF}">
-                <a14:hiddenLine xmlns="" xmlns:a16="http://schemas.microsoft.com/office/drawing/2014/main" xmlns:a14="http://schemas.microsoft.com/office/drawing/2010/main" w="9525">
+                <a14:hiddenLine xmlns:a14="http://schemas.microsoft.com/office/drawing/2010/main" xmlns:a16="http://schemas.microsoft.com/office/drawing/2014/main" xmlns="" w="9525">
                   <a:solidFill>
                     <a:srgbClr val="000000"/>
                   </a:solidFill>
@@ -16749,7 +17106,7 @@
             </a:ln>
             <a:extLst>
               <a:ext uri="{91240B29-F687-4f45-9708-019B960494DF}">
-                <a14:hiddenLine xmlns="" xmlns:a16="http://schemas.microsoft.com/office/drawing/2014/main" xmlns:a14="http://schemas.microsoft.com/office/drawing/2010/main" w="9525">
+                <a14:hiddenLine xmlns:a14="http://schemas.microsoft.com/office/drawing/2010/main" xmlns:a16="http://schemas.microsoft.com/office/drawing/2014/main" xmlns="" w="9525">
                   <a:solidFill>
                     <a:srgbClr val="000000"/>
                   </a:solidFill>
@@ -16820,7 +17177,7 @@
             </a:ln>
             <a:extLst>
               <a:ext uri="{91240B29-F687-4f45-9708-019B960494DF}">
-                <a14:hiddenLine xmlns="" xmlns:a16="http://schemas.microsoft.com/office/drawing/2014/main" xmlns:a14="http://schemas.microsoft.com/office/drawing/2010/main" w="9525">
+                <a14:hiddenLine xmlns:a14="http://schemas.microsoft.com/office/drawing/2010/main" xmlns:a16="http://schemas.microsoft.com/office/drawing/2014/main" xmlns="" w="9525">
                   <a:solidFill>
                     <a:srgbClr val="000000"/>
                   </a:solidFill>
@@ -16925,7 +17282,7 @@
             </a:ln>
             <a:extLst>
               <a:ext uri="{91240B29-F687-4f45-9708-019B960494DF}">
-                <a14:hiddenLine xmlns="" xmlns:a16="http://schemas.microsoft.com/office/drawing/2014/main" xmlns:a14="http://schemas.microsoft.com/office/drawing/2010/main" w="9525">
+                <a14:hiddenLine xmlns:a14="http://schemas.microsoft.com/office/drawing/2010/main" xmlns:a16="http://schemas.microsoft.com/office/drawing/2014/main" xmlns="" w="9525">
                   <a:solidFill>
                     <a:srgbClr val="000000"/>
                   </a:solidFill>
@@ -16996,7 +17353,7 @@
             </a:ln>
             <a:extLst>
               <a:ext uri="{91240B29-F687-4f45-9708-019B960494DF}">
-                <a14:hiddenLine xmlns="" xmlns:a16="http://schemas.microsoft.com/office/drawing/2014/main" xmlns:a14="http://schemas.microsoft.com/office/drawing/2010/main" w="9525">
+                <a14:hiddenLine xmlns:a14="http://schemas.microsoft.com/office/drawing/2010/main" xmlns:a16="http://schemas.microsoft.com/office/drawing/2014/main" xmlns="" w="9525">
                   <a:solidFill>
                     <a:srgbClr val="000000"/>
                   </a:solidFill>
@@ -17101,7 +17458,7 @@
             </a:ln>
             <a:extLst>
               <a:ext uri="{91240B29-F687-4f45-9708-019B960494DF}">
-                <a14:hiddenLine xmlns="" xmlns:a16="http://schemas.microsoft.com/office/drawing/2014/main" xmlns:a14="http://schemas.microsoft.com/office/drawing/2010/main" w="9525">
+                <a14:hiddenLine xmlns:a14="http://schemas.microsoft.com/office/drawing/2010/main" xmlns:a16="http://schemas.microsoft.com/office/drawing/2014/main" xmlns="" w="9525">
                   <a:solidFill>
                     <a:srgbClr val="000000"/>
                   </a:solidFill>
@@ -17184,7 +17541,7 @@
             </a:ln>
             <a:extLst>
               <a:ext uri="{91240B29-F687-4f45-9708-019B960494DF}">
-                <a14:hiddenLine xmlns="" xmlns:a16="http://schemas.microsoft.com/office/drawing/2014/main" xmlns:a14="http://schemas.microsoft.com/office/drawing/2010/main" w="9525">
+                <a14:hiddenLine xmlns:a14="http://schemas.microsoft.com/office/drawing/2010/main" xmlns:a16="http://schemas.microsoft.com/office/drawing/2014/main" xmlns="" w="9525">
                   <a:solidFill>
                     <a:srgbClr val="000000"/>
                   </a:solidFill>
@@ -17289,7 +17646,7 @@
             </a:ln>
             <a:extLst>
               <a:ext uri="{91240B29-F687-4f45-9708-019B960494DF}">
-                <a14:hiddenLine xmlns="" xmlns:a16="http://schemas.microsoft.com/office/drawing/2014/main" xmlns:a14="http://schemas.microsoft.com/office/drawing/2010/main" w="9525">
+                <a14:hiddenLine xmlns:a14="http://schemas.microsoft.com/office/drawing/2010/main" xmlns:a16="http://schemas.microsoft.com/office/drawing/2014/main" xmlns="" w="9525">
                   <a:solidFill>
                     <a:srgbClr val="000000"/>
                   </a:solidFill>
@@ -17372,7 +17729,7 @@
             </a:ln>
             <a:extLst>
               <a:ext uri="{91240B29-F687-4f45-9708-019B960494DF}">
-                <a14:hiddenLine xmlns="" xmlns:a16="http://schemas.microsoft.com/office/drawing/2014/main" xmlns:a14="http://schemas.microsoft.com/office/drawing/2010/main" w="9525">
+                <a14:hiddenLine xmlns:a14="http://schemas.microsoft.com/office/drawing/2010/main" xmlns:a16="http://schemas.microsoft.com/office/drawing/2014/main" xmlns="" w="9525">
                   <a:solidFill>
                     <a:srgbClr val="000000"/>
                   </a:solidFill>
@@ -17477,7 +17834,7 @@
             </a:ln>
             <a:extLst>
               <a:ext uri="{91240B29-F687-4f45-9708-019B960494DF}">
-                <a14:hiddenLine xmlns="" xmlns:a16="http://schemas.microsoft.com/office/drawing/2014/main" xmlns:a14="http://schemas.microsoft.com/office/drawing/2010/main" w="9525">
+                <a14:hiddenLine xmlns:a14="http://schemas.microsoft.com/office/drawing/2010/main" xmlns:a16="http://schemas.microsoft.com/office/drawing/2014/main" xmlns="" w="9525">
                   <a:solidFill>
                     <a:srgbClr val="000000"/>
                   </a:solidFill>
@@ -17526,7 +17883,7 @@
             </a:ln>
             <a:extLst>
               <a:ext uri="{91240B29-F687-4f45-9708-019B960494DF}">
-                <a14:hiddenLine xmlns="" xmlns:a16="http://schemas.microsoft.com/office/drawing/2014/main" xmlns:a14="http://schemas.microsoft.com/office/drawing/2010/main" w="9525">
+                <a14:hiddenLine xmlns:a14="http://schemas.microsoft.com/office/drawing/2010/main" xmlns:a16="http://schemas.microsoft.com/office/drawing/2014/main" xmlns="" w="9525">
                   <a:solidFill>
                     <a:srgbClr val="000000"/>
                   </a:solidFill>
@@ -17631,7 +17988,7 @@
             </a:ln>
             <a:extLst>
               <a:ext uri="{91240B29-F687-4f45-9708-019B960494DF}">
-                <a14:hiddenLine xmlns="" xmlns:a16="http://schemas.microsoft.com/office/drawing/2014/main" xmlns:a14="http://schemas.microsoft.com/office/drawing/2010/main" w="9525">
+                <a14:hiddenLine xmlns:a14="http://schemas.microsoft.com/office/drawing/2010/main" xmlns:a16="http://schemas.microsoft.com/office/drawing/2014/main" xmlns="" w="9525">
                   <a:solidFill>
                     <a:srgbClr val="000000"/>
                   </a:solidFill>
@@ -17708,7 +18065,7 @@
             </a:ln>
             <a:extLst>
               <a:ext uri="{91240B29-F687-4f45-9708-019B960494DF}">
-                <a14:hiddenLine xmlns="" xmlns:a16="http://schemas.microsoft.com/office/drawing/2014/main" xmlns:a14="http://schemas.microsoft.com/office/drawing/2010/main" w="9525">
+                <a14:hiddenLine xmlns:a14="http://schemas.microsoft.com/office/drawing/2010/main" xmlns:a16="http://schemas.microsoft.com/office/drawing/2014/main" xmlns="" w="9525">
                   <a:solidFill>
                     <a:srgbClr val="000000"/>
                   </a:solidFill>
@@ -17785,7 +18142,7 @@
             </a:ln>
             <a:extLst>
               <a:ext uri="{91240B29-F687-4f45-9708-019B960494DF}">
-                <a14:hiddenLine xmlns="" xmlns:a16="http://schemas.microsoft.com/office/drawing/2014/main" xmlns:a14="http://schemas.microsoft.com/office/drawing/2010/main" w="9525">
+                <a14:hiddenLine xmlns:a14="http://schemas.microsoft.com/office/drawing/2010/main" xmlns:a16="http://schemas.microsoft.com/office/drawing/2014/main" xmlns="" w="9525">
                   <a:solidFill>
                     <a:srgbClr val="000000"/>
                   </a:solidFill>
@@ -17890,7 +18247,7 @@
             </a:ln>
             <a:extLst>
               <a:ext uri="{91240B29-F687-4f45-9708-019B960494DF}">
-                <a14:hiddenLine xmlns="" xmlns:a16="http://schemas.microsoft.com/office/drawing/2014/main" xmlns:a14="http://schemas.microsoft.com/office/drawing/2010/main" w="9525">
+                <a14:hiddenLine xmlns:a14="http://schemas.microsoft.com/office/drawing/2010/main" xmlns:a16="http://schemas.microsoft.com/office/drawing/2014/main" xmlns="" w="9525">
                   <a:solidFill>
                     <a:srgbClr val="000000"/>
                   </a:solidFill>
@@ -17973,7 +18330,7 @@
             </a:ln>
             <a:extLst>
               <a:ext uri="{91240B29-F687-4f45-9708-019B960494DF}">
-                <a14:hiddenLine xmlns="" xmlns:a16="http://schemas.microsoft.com/office/drawing/2014/main" xmlns:a14="http://schemas.microsoft.com/office/drawing/2010/main" w="9525">
+                <a14:hiddenLine xmlns:a14="http://schemas.microsoft.com/office/drawing/2010/main" xmlns:a16="http://schemas.microsoft.com/office/drawing/2014/main" xmlns="" w="9525">
                   <a:solidFill>
                     <a:srgbClr val="000000"/>
                   </a:solidFill>
@@ -18050,7 +18407,7 @@
             </a:ln>
             <a:extLst>
               <a:ext uri="{91240B29-F687-4f45-9708-019B960494DF}">
-                <a14:hiddenLine xmlns="" xmlns:a16="http://schemas.microsoft.com/office/drawing/2014/main" xmlns:a14="http://schemas.microsoft.com/office/drawing/2010/main" w="9525">
+                <a14:hiddenLine xmlns:a14="http://schemas.microsoft.com/office/drawing/2010/main" xmlns:a16="http://schemas.microsoft.com/office/drawing/2014/main" xmlns="" w="9525">
                   <a:solidFill>
                     <a:srgbClr val="000000"/>
                   </a:solidFill>
@@ -18155,7 +18512,7 @@
             </a:ln>
             <a:extLst>
               <a:ext uri="{91240B29-F687-4f45-9708-019B960494DF}">
-                <a14:hiddenLine xmlns="" xmlns:a16="http://schemas.microsoft.com/office/drawing/2014/main" xmlns:a14="http://schemas.microsoft.com/office/drawing/2010/main" w="9525">
+                <a14:hiddenLine xmlns:a14="http://schemas.microsoft.com/office/drawing/2010/main" xmlns:a16="http://schemas.microsoft.com/office/drawing/2014/main" xmlns="" w="9525">
                   <a:solidFill>
                     <a:srgbClr val="000000"/>
                   </a:solidFill>
@@ -18232,7 +18589,7 @@
             </a:ln>
             <a:extLst>
               <a:ext uri="{91240B29-F687-4f45-9708-019B960494DF}">
-                <a14:hiddenLine xmlns="" xmlns:a16="http://schemas.microsoft.com/office/drawing/2014/main" xmlns:a14="http://schemas.microsoft.com/office/drawing/2010/main" w="9525">
+                <a14:hiddenLine xmlns:a14="http://schemas.microsoft.com/office/drawing/2010/main" xmlns:a16="http://schemas.microsoft.com/office/drawing/2014/main" xmlns="" w="9525">
                   <a:solidFill>
                     <a:srgbClr val="000000"/>
                   </a:solidFill>
@@ -18337,7 +18694,7 @@
             </a:ln>
             <a:extLst>
               <a:ext uri="{91240B29-F687-4f45-9708-019B960494DF}">
-                <a14:hiddenLine xmlns="" xmlns:a16="http://schemas.microsoft.com/office/drawing/2014/main" xmlns:a14="http://schemas.microsoft.com/office/drawing/2010/main" w="9525">
+                <a14:hiddenLine xmlns:a14="http://schemas.microsoft.com/office/drawing/2010/main" xmlns:a16="http://schemas.microsoft.com/office/drawing/2014/main" xmlns="" w="9525">
                   <a:solidFill>
                     <a:srgbClr val="000000"/>
                   </a:solidFill>
@@ -18414,7 +18771,7 @@
             </a:ln>
             <a:extLst>
               <a:ext uri="{91240B29-F687-4f45-9708-019B960494DF}">
-                <a14:hiddenLine xmlns="" xmlns:a16="http://schemas.microsoft.com/office/drawing/2014/main" xmlns:a14="http://schemas.microsoft.com/office/drawing/2010/main" w="9525">
+                <a14:hiddenLine xmlns:a14="http://schemas.microsoft.com/office/drawing/2010/main" xmlns:a16="http://schemas.microsoft.com/office/drawing/2014/main" xmlns="" w="9525">
                   <a:solidFill>
                     <a:srgbClr val="000000"/>
                   </a:solidFill>
@@ -18519,7 +18876,7 @@
             </a:ln>
             <a:extLst>
               <a:ext uri="{91240B29-F687-4f45-9708-019B960494DF}">
-                <a14:hiddenLine xmlns="" xmlns:a16="http://schemas.microsoft.com/office/drawing/2014/main" xmlns:a14="http://schemas.microsoft.com/office/drawing/2010/main" w="9525">
+                <a14:hiddenLine xmlns:a14="http://schemas.microsoft.com/office/drawing/2010/main" xmlns:a16="http://schemas.microsoft.com/office/drawing/2014/main" xmlns="" w="9525">
                   <a:solidFill>
                     <a:srgbClr val="000000"/>
                   </a:solidFill>
@@ -18568,7 +18925,7 @@
             </a:ln>
             <a:extLst>
               <a:ext uri="{91240B29-F687-4f45-9708-019B960494DF}">
-                <a14:hiddenLine xmlns="" xmlns:a16="http://schemas.microsoft.com/office/drawing/2014/main" xmlns:a14="http://schemas.microsoft.com/office/drawing/2010/main" w="9525">
+                <a14:hiddenLine xmlns:a14="http://schemas.microsoft.com/office/drawing/2010/main" xmlns:a16="http://schemas.microsoft.com/office/drawing/2014/main" xmlns="" w="9525">
                   <a:solidFill>
                     <a:srgbClr val="000000"/>
                   </a:solidFill>
@@ -18648,7 +19005,7 @@
             </a:ln>
             <a:extLst>
               <a:ext uri="{91240B29-F687-4f45-9708-019B960494DF}">
-                <a14:hiddenLine xmlns="" xmlns:a16="http://schemas.microsoft.com/office/drawing/2014/main" xmlns:a14="http://schemas.microsoft.com/office/drawing/2010/main" w="9525">
+                <a14:hiddenLine xmlns:a14="http://schemas.microsoft.com/office/drawing/2010/main" xmlns:a16="http://schemas.microsoft.com/office/drawing/2014/main" xmlns="" w="9525">
                   <a:solidFill>
                     <a:srgbClr val="000000"/>
                   </a:solidFill>
@@ -18753,7 +19110,7 @@
             </a:ln>
             <a:extLst>
               <a:ext uri="{91240B29-F687-4f45-9708-019B960494DF}">
-                <a14:hiddenLine xmlns="" xmlns:a16="http://schemas.microsoft.com/office/drawing/2014/main" xmlns:a14="http://schemas.microsoft.com/office/drawing/2010/main" w="9525">
+                <a14:hiddenLine xmlns:a14="http://schemas.microsoft.com/office/drawing/2010/main" xmlns:a16="http://schemas.microsoft.com/office/drawing/2014/main" xmlns="" w="9525">
                   <a:solidFill>
                     <a:srgbClr val="000000"/>
                   </a:solidFill>
@@ -18830,7 +19187,7 @@
             </a:ln>
             <a:extLst>
               <a:ext uri="{91240B29-F687-4f45-9708-019B960494DF}">
-                <a14:hiddenLine xmlns="" xmlns:a16="http://schemas.microsoft.com/office/drawing/2014/main" xmlns:a14="http://schemas.microsoft.com/office/drawing/2010/main" w="9525">
+                <a14:hiddenLine xmlns:a14="http://schemas.microsoft.com/office/drawing/2010/main" xmlns:a16="http://schemas.microsoft.com/office/drawing/2014/main" xmlns="" w="9525">
                   <a:solidFill>
                     <a:srgbClr val="000000"/>
                   </a:solidFill>
@@ -18935,7 +19292,7 @@
             </a:ln>
             <a:extLst>
               <a:ext uri="{91240B29-F687-4f45-9708-019B960494DF}">
-                <a14:hiddenLine xmlns="" xmlns:a16="http://schemas.microsoft.com/office/drawing/2014/main" xmlns:a14="http://schemas.microsoft.com/office/drawing/2010/main" w="9525">
+                <a14:hiddenLine xmlns:a14="http://schemas.microsoft.com/office/drawing/2010/main" xmlns:a16="http://schemas.microsoft.com/office/drawing/2014/main" xmlns="" w="9525">
                   <a:solidFill>
                     <a:srgbClr val="000000"/>
                   </a:solidFill>
@@ -19040,7 +19397,7 @@
             </a:ln>
             <a:extLst>
               <a:ext uri="{91240B29-F687-4f45-9708-019B960494DF}">
-                <a14:hiddenLine xmlns="" xmlns:a16="http://schemas.microsoft.com/office/drawing/2014/main" xmlns:a14="http://schemas.microsoft.com/office/drawing/2010/main" w="9525">
+                <a14:hiddenLine xmlns:a14="http://schemas.microsoft.com/office/drawing/2010/main" xmlns:a16="http://schemas.microsoft.com/office/drawing/2014/main" xmlns="" w="9525">
                   <a:solidFill>
                     <a:srgbClr val="000000"/>
                   </a:solidFill>
@@ -19120,7 +19477,7 @@
             </a:ln>
             <a:extLst>
               <a:ext uri="{91240B29-F687-4f45-9708-019B960494DF}">
-                <a14:hiddenLine xmlns="" xmlns:a16="http://schemas.microsoft.com/office/drawing/2014/main" xmlns:a14="http://schemas.microsoft.com/office/drawing/2010/main" w="9525">
+                <a14:hiddenLine xmlns:a14="http://schemas.microsoft.com/office/drawing/2010/main" xmlns:a16="http://schemas.microsoft.com/office/drawing/2014/main" xmlns="" w="9525">
                   <a:solidFill>
                     <a:srgbClr val="000000"/>
                   </a:solidFill>
@@ -19197,7 +19554,7 @@
             </a:ln>
             <a:extLst>
               <a:ext uri="{91240B29-F687-4f45-9708-019B960494DF}">
-                <a14:hiddenLine xmlns="" xmlns:a16="http://schemas.microsoft.com/office/drawing/2014/main" xmlns:a14="http://schemas.microsoft.com/office/drawing/2010/main" w="9525">
+                <a14:hiddenLine xmlns:a14="http://schemas.microsoft.com/office/drawing/2010/main" xmlns:a16="http://schemas.microsoft.com/office/drawing/2014/main" xmlns="" w="9525">
                   <a:solidFill>
                     <a:srgbClr val="000000"/>
                   </a:solidFill>
@@ -19302,7 +19659,7 @@
             </a:ln>
             <a:extLst>
               <a:ext uri="{91240B29-F687-4f45-9708-019B960494DF}">
-                <a14:hiddenLine xmlns="" xmlns:a16="http://schemas.microsoft.com/office/drawing/2014/main" xmlns:a14="http://schemas.microsoft.com/office/drawing/2010/main" w="9525">
+                <a14:hiddenLine xmlns:a14="http://schemas.microsoft.com/office/drawing/2010/main" xmlns:a16="http://schemas.microsoft.com/office/drawing/2014/main" xmlns="" w="9525">
                   <a:solidFill>
                     <a:srgbClr val="000000"/>
                   </a:solidFill>
@@ -19407,7 +19764,7 @@
             </a:ln>
             <a:extLst>
               <a:ext uri="{91240B29-F687-4f45-9708-019B960494DF}">
-                <a14:hiddenLine xmlns="" xmlns:a16="http://schemas.microsoft.com/office/drawing/2014/main" xmlns:a14="http://schemas.microsoft.com/office/drawing/2010/main" w="9525">
+                <a14:hiddenLine xmlns:a14="http://schemas.microsoft.com/office/drawing/2010/main" xmlns:a16="http://schemas.microsoft.com/office/drawing/2014/main" xmlns="" w="9525">
                   <a:solidFill>
                     <a:srgbClr val="000000"/>
                   </a:solidFill>
@@ -19484,7 +19841,7 @@
             </a:ln>
             <a:extLst>
               <a:ext uri="{91240B29-F687-4f45-9708-019B960494DF}">
-                <a14:hiddenLine xmlns="" xmlns:a16="http://schemas.microsoft.com/office/drawing/2014/main" xmlns:a14="http://schemas.microsoft.com/office/drawing/2010/main" w="9525">
+                <a14:hiddenLine xmlns:a14="http://schemas.microsoft.com/office/drawing/2010/main" xmlns:a16="http://schemas.microsoft.com/office/drawing/2014/main" xmlns="" w="9525">
                   <a:solidFill>
                     <a:srgbClr val="000000"/>
                   </a:solidFill>
@@ -19619,7 +19976,7 @@
             </a:ln>
             <a:extLst>
               <a:ext uri="{91240B29-F687-4f45-9708-019B960494DF}">
-                <a14:hiddenLine xmlns="" xmlns:a16="http://schemas.microsoft.com/office/drawing/2014/main" xmlns:a14="http://schemas.microsoft.com/office/drawing/2010/main" w="9525">
+                <a14:hiddenLine xmlns:a14="http://schemas.microsoft.com/office/drawing/2010/main" xmlns:a16="http://schemas.microsoft.com/office/drawing/2014/main" xmlns="" w="9525">
                   <a:solidFill>
                     <a:srgbClr val="000000"/>
                   </a:solidFill>
@@ -19702,7 +20059,7 @@
             </a:ln>
             <a:extLst>
               <a:ext uri="{91240B29-F687-4f45-9708-019B960494DF}">
-                <a14:hiddenLine xmlns="" xmlns:a16="http://schemas.microsoft.com/office/drawing/2014/main" xmlns:a14="http://schemas.microsoft.com/office/drawing/2010/main" w="9525">
+                <a14:hiddenLine xmlns:a14="http://schemas.microsoft.com/office/drawing/2010/main" xmlns:a16="http://schemas.microsoft.com/office/drawing/2014/main" xmlns="" w="9525">
                   <a:solidFill>
                     <a:srgbClr val="000000"/>
                   </a:solidFill>
@@ -19807,7 +20164,7 @@
             </a:ln>
             <a:extLst>
               <a:ext uri="{91240B29-F687-4f45-9708-019B960494DF}">
-                <a14:hiddenLine xmlns="" xmlns:a16="http://schemas.microsoft.com/office/drawing/2014/main" xmlns:a14="http://schemas.microsoft.com/office/drawing/2010/main" w="9525">
+                <a14:hiddenLine xmlns:a14="http://schemas.microsoft.com/office/drawing/2010/main" xmlns:a16="http://schemas.microsoft.com/office/drawing/2014/main" xmlns="" w="9525">
                   <a:solidFill>
                     <a:srgbClr val="000000"/>
                   </a:solidFill>
@@ -20001,7 +20358,7 @@
             </a:ln>
             <a:extLst>
               <a:ext uri="{91240B29-F687-4f45-9708-019B960494DF}">
-                <a14:hiddenLine xmlns="" xmlns:a16="http://schemas.microsoft.com/office/drawing/2014/main" xmlns:p14="http://schemas.microsoft.com/office/powerpoint/2010/main" xmlns:a14="http://schemas.microsoft.com/office/drawing/2010/main" w="9525">
+                <a14:hiddenLine xmlns:a14="http://schemas.microsoft.com/office/drawing/2010/main" xmlns:p14="http://schemas.microsoft.com/office/powerpoint/2010/main" xmlns:a16="http://schemas.microsoft.com/office/drawing/2014/main" xmlns="" w="9525">
                   <a:solidFill>
                     <a:srgbClr val="000000"/>
                   </a:solidFill>
@@ -20106,7 +20463,7 @@
             </a:ln>
             <a:extLst>
               <a:ext uri="{91240B29-F687-4f45-9708-019B960494DF}">
-                <a14:hiddenLine xmlns="" xmlns:a16="http://schemas.microsoft.com/office/drawing/2014/main" xmlns:p14="http://schemas.microsoft.com/office/powerpoint/2010/main" xmlns:a14="http://schemas.microsoft.com/office/drawing/2010/main" w="9525">
+                <a14:hiddenLine xmlns:a14="http://schemas.microsoft.com/office/drawing/2010/main" xmlns:p14="http://schemas.microsoft.com/office/powerpoint/2010/main" xmlns:a16="http://schemas.microsoft.com/office/drawing/2014/main" xmlns="" w="9525">
                   <a:solidFill>
                     <a:srgbClr val="000000"/>
                   </a:solidFill>
@@ -20211,7 +20568,7 @@
             </a:ln>
             <a:extLst>
               <a:ext uri="{91240B29-F687-4f45-9708-019B960494DF}">
-                <a14:hiddenLine xmlns="" xmlns:a16="http://schemas.microsoft.com/office/drawing/2014/main" xmlns:p14="http://schemas.microsoft.com/office/powerpoint/2010/main" xmlns:a14="http://schemas.microsoft.com/office/drawing/2010/main" w="9525">
+                <a14:hiddenLine xmlns:a14="http://schemas.microsoft.com/office/drawing/2010/main" xmlns:p14="http://schemas.microsoft.com/office/powerpoint/2010/main" xmlns:a16="http://schemas.microsoft.com/office/drawing/2014/main" xmlns="" w="9525">
                   <a:solidFill>
                     <a:srgbClr val="000000"/>
                   </a:solidFill>
@@ -20260,7 +20617,7 @@
             </a:ln>
             <a:extLst>
               <a:ext uri="{91240B29-F687-4f45-9708-019B960494DF}">
-                <a14:hiddenLine xmlns="" xmlns:a16="http://schemas.microsoft.com/office/drawing/2014/main" xmlns:p14="http://schemas.microsoft.com/office/powerpoint/2010/main" xmlns:a14="http://schemas.microsoft.com/office/drawing/2010/main" w="9525">
+                <a14:hiddenLine xmlns:a14="http://schemas.microsoft.com/office/drawing/2010/main" xmlns:p14="http://schemas.microsoft.com/office/powerpoint/2010/main" xmlns:a16="http://schemas.microsoft.com/office/drawing/2014/main" xmlns="" w="9525">
                   <a:solidFill>
                     <a:srgbClr val="000000"/>
                   </a:solidFill>
@@ -20365,7 +20722,7 @@
             </a:ln>
             <a:extLst>
               <a:ext uri="{91240B29-F687-4f45-9708-019B960494DF}">
-                <a14:hiddenLine xmlns="" xmlns:a16="http://schemas.microsoft.com/office/drawing/2014/main" xmlns:p14="http://schemas.microsoft.com/office/powerpoint/2010/main" xmlns:a14="http://schemas.microsoft.com/office/drawing/2010/main" w="9525">
+                <a14:hiddenLine xmlns:a14="http://schemas.microsoft.com/office/drawing/2010/main" xmlns:p14="http://schemas.microsoft.com/office/powerpoint/2010/main" xmlns:a16="http://schemas.microsoft.com/office/drawing/2014/main" xmlns="" w="9525">
                   <a:solidFill>
                     <a:srgbClr val="000000"/>
                   </a:solidFill>
@@ -20442,7 +20799,7 @@
             </a:ln>
             <a:extLst>
               <a:ext uri="{91240B29-F687-4f45-9708-019B960494DF}">
-                <a14:hiddenLine xmlns="" xmlns:a16="http://schemas.microsoft.com/office/drawing/2014/main" xmlns:p14="http://schemas.microsoft.com/office/powerpoint/2010/main" xmlns:a14="http://schemas.microsoft.com/office/drawing/2010/main" w="9525">
+                <a14:hiddenLine xmlns:a14="http://schemas.microsoft.com/office/drawing/2010/main" xmlns:p14="http://schemas.microsoft.com/office/powerpoint/2010/main" xmlns:a16="http://schemas.microsoft.com/office/drawing/2014/main" xmlns="" w="9525">
                   <a:solidFill>
                     <a:srgbClr val="000000"/>
                   </a:solidFill>
@@ -20519,7 +20876,7 @@
             </a:ln>
             <a:extLst>
               <a:ext uri="{91240B29-F687-4f45-9708-019B960494DF}">
-                <a14:hiddenLine xmlns="" xmlns:a16="http://schemas.microsoft.com/office/drawing/2014/main" xmlns:p14="http://schemas.microsoft.com/office/powerpoint/2010/main" xmlns:a14="http://schemas.microsoft.com/office/drawing/2010/main" w="9525">
+                <a14:hiddenLine xmlns:a14="http://schemas.microsoft.com/office/drawing/2010/main" xmlns:p14="http://schemas.microsoft.com/office/powerpoint/2010/main" xmlns:a16="http://schemas.microsoft.com/office/drawing/2014/main" xmlns="" w="9525">
                   <a:solidFill>
                     <a:srgbClr val="000000"/>
                   </a:solidFill>
@@ -20624,7 +20981,7 @@
             </a:ln>
             <a:extLst>
               <a:ext uri="{91240B29-F687-4f45-9708-019B960494DF}">
-                <a14:hiddenLine xmlns="" xmlns:a16="http://schemas.microsoft.com/office/drawing/2014/main" xmlns:p14="http://schemas.microsoft.com/office/powerpoint/2010/main" xmlns:a14="http://schemas.microsoft.com/office/drawing/2010/main" w="9525">
+                <a14:hiddenLine xmlns:a14="http://schemas.microsoft.com/office/drawing/2010/main" xmlns:p14="http://schemas.microsoft.com/office/powerpoint/2010/main" xmlns:a16="http://schemas.microsoft.com/office/drawing/2014/main" xmlns="" w="9525">
                   <a:solidFill>
                     <a:srgbClr val="000000"/>
                   </a:solidFill>
@@ -20701,7 +21058,7 @@
             </a:ln>
             <a:extLst>
               <a:ext uri="{91240B29-F687-4f45-9708-019B960494DF}">
-                <a14:hiddenLine xmlns="" xmlns:a16="http://schemas.microsoft.com/office/drawing/2014/main" xmlns:p14="http://schemas.microsoft.com/office/powerpoint/2010/main" xmlns:a14="http://schemas.microsoft.com/office/drawing/2010/main" w="9525">
+                <a14:hiddenLine xmlns:a14="http://schemas.microsoft.com/office/drawing/2010/main" xmlns:p14="http://schemas.microsoft.com/office/powerpoint/2010/main" xmlns:a16="http://schemas.microsoft.com/office/drawing/2014/main" xmlns="" w="9525">
                   <a:solidFill>
                     <a:srgbClr val="000000"/>
                   </a:solidFill>
@@ -20778,7 +21135,7 @@
             </a:ln>
             <a:extLst>
               <a:ext uri="{91240B29-F687-4f45-9708-019B960494DF}">
-                <a14:hiddenLine xmlns="" xmlns:a16="http://schemas.microsoft.com/office/drawing/2014/main" xmlns:p14="http://schemas.microsoft.com/office/powerpoint/2010/main" xmlns:a14="http://schemas.microsoft.com/office/drawing/2010/main" w="9525">
+                <a14:hiddenLine xmlns:a14="http://schemas.microsoft.com/office/drawing/2010/main" xmlns:p14="http://schemas.microsoft.com/office/powerpoint/2010/main" xmlns:a16="http://schemas.microsoft.com/office/drawing/2014/main" xmlns="" w="9525">
                   <a:solidFill>
                     <a:srgbClr val="000000"/>
                   </a:solidFill>
@@ -20883,7 +21240,7 @@
             </a:ln>
             <a:extLst>
               <a:ext uri="{91240B29-F687-4f45-9708-019B960494DF}">
-                <a14:hiddenLine xmlns="" xmlns:a16="http://schemas.microsoft.com/office/drawing/2014/main" xmlns:p14="http://schemas.microsoft.com/office/powerpoint/2010/main" xmlns:a14="http://schemas.microsoft.com/office/drawing/2010/main" w="9525">
+                <a14:hiddenLine xmlns:a14="http://schemas.microsoft.com/office/drawing/2010/main" xmlns:p14="http://schemas.microsoft.com/office/powerpoint/2010/main" xmlns:a16="http://schemas.microsoft.com/office/drawing/2014/main" xmlns="" w="9525">
                   <a:solidFill>
                     <a:srgbClr val="000000"/>
                   </a:solidFill>
@@ -20988,7 +21345,7 @@
             </a:ln>
             <a:extLst>
               <a:ext uri="{91240B29-F687-4f45-9708-019B960494DF}">
-                <a14:hiddenLine xmlns="" xmlns:a16="http://schemas.microsoft.com/office/drawing/2014/main" xmlns:p14="http://schemas.microsoft.com/office/powerpoint/2010/main" xmlns:a14="http://schemas.microsoft.com/office/drawing/2010/main" w="9525">
+                <a14:hiddenLine xmlns:a14="http://schemas.microsoft.com/office/drawing/2010/main" xmlns:p14="http://schemas.microsoft.com/office/powerpoint/2010/main" xmlns:a16="http://schemas.microsoft.com/office/drawing/2014/main" xmlns="" w="9525">
                   <a:solidFill>
                     <a:srgbClr val="000000"/>
                   </a:solidFill>
@@ -21065,7 +21422,7 @@
             </a:ln>
             <a:extLst>
               <a:ext uri="{91240B29-F687-4f45-9708-019B960494DF}">
-                <a14:hiddenLine xmlns="" xmlns:a16="http://schemas.microsoft.com/office/drawing/2014/main" xmlns:p14="http://schemas.microsoft.com/office/powerpoint/2010/main" xmlns:a14="http://schemas.microsoft.com/office/drawing/2010/main" w="9525">
+                <a14:hiddenLine xmlns:a14="http://schemas.microsoft.com/office/drawing/2010/main" xmlns:p14="http://schemas.microsoft.com/office/powerpoint/2010/main" xmlns:a16="http://schemas.microsoft.com/office/drawing/2014/main" xmlns="" w="9525">
                   <a:solidFill>
                     <a:srgbClr val="000000"/>
                   </a:solidFill>
@@ -21190,7 +21547,7 @@
             </a:ln>
             <a:extLst>
               <a:ext uri="{91240B29-F687-4f45-9708-019B960494DF}">
-                <a14:hiddenLine xmlns="" xmlns:a16="http://schemas.microsoft.com/office/drawing/2014/main" xmlns:p14="http://schemas.microsoft.com/office/powerpoint/2010/main" xmlns:a14="http://schemas.microsoft.com/office/drawing/2010/main" w="9525">
+                <a14:hiddenLine xmlns:a14="http://schemas.microsoft.com/office/drawing/2010/main" xmlns:p14="http://schemas.microsoft.com/office/powerpoint/2010/main" xmlns:a16="http://schemas.microsoft.com/office/drawing/2014/main" xmlns="" w="9525">
                   <a:solidFill>
                     <a:srgbClr val="000000"/>
                   </a:solidFill>
@@ -21267,7 +21624,7 @@
             </a:ln>
             <a:extLst>
               <a:ext uri="{91240B29-F687-4f45-9708-019B960494DF}">
-                <a14:hiddenLine xmlns="" xmlns:a16="http://schemas.microsoft.com/office/drawing/2014/main" xmlns:p14="http://schemas.microsoft.com/office/powerpoint/2010/main" xmlns:a14="http://schemas.microsoft.com/office/drawing/2010/main" w="9525">
+                <a14:hiddenLine xmlns:a14="http://schemas.microsoft.com/office/drawing/2010/main" xmlns:p14="http://schemas.microsoft.com/office/powerpoint/2010/main" xmlns:a16="http://schemas.microsoft.com/office/drawing/2014/main" xmlns="" w="9525">
                   <a:solidFill>
                     <a:srgbClr val="000000"/>
                   </a:solidFill>
@@ -21372,7 +21729,7 @@
             </a:ln>
             <a:extLst>
               <a:ext uri="{91240B29-F687-4f45-9708-019B960494DF}">
-                <a14:hiddenLine xmlns="" xmlns:a16="http://schemas.microsoft.com/office/drawing/2014/main" xmlns:p14="http://schemas.microsoft.com/office/powerpoint/2010/main" xmlns:a14="http://schemas.microsoft.com/office/drawing/2010/main" w="9525">
+                <a14:hiddenLine xmlns:a14="http://schemas.microsoft.com/office/drawing/2010/main" xmlns:p14="http://schemas.microsoft.com/office/powerpoint/2010/main" xmlns:a16="http://schemas.microsoft.com/office/drawing/2014/main" xmlns="" w="9525">
                   <a:solidFill>
                     <a:srgbClr val="000000"/>
                   </a:solidFill>
@@ -21477,7 +21834,7 @@
             </a:ln>
             <a:extLst>
               <a:ext uri="{91240B29-F687-4f45-9708-019B960494DF}">
-                <a14:hiddenLine xmlns="" xmlns:a16="http://schemas.microsoft.com/office/drawing/2014/main" xmlns:p14="http://schemas.microsoft.com/office/powerpoint/2010/main" xmlns:a14="http://schemas.microsoft.com/office/drawing/2010/main" w="9525">
+                <a14:hiddenLine xmlns:a14="http://schemas.microsoft.com/office/drawing/2010/main" xmlns:p14="http://schemas.microsoft.com/office/powerpoint/2010/main" xmlns:a16="http://schemas.microsoft.com/office/drawing/2014/main" xmlns="" w="9525">
                   <a:solidFill>
                     <a:srgbClr val="000000"/>
                   </a:solidFill>
@@ -21554,7 +21911,7 @@
             </a:ln>
             <a:extLst>
               <a:ext uri="{91240B29-F687-4f45-9708-019B960494DF}">
-                <a14:hiddenLine xmlns="" xmlns:a16="http://schemas.microsoft.com/office/drawing/2014/main" xmlns:p14="http://schemas.microsoft.com/office/powerpoint/2010/main" xmlns:a14="http://schemas.microsoft.com/office/drawing/2010/main" w="9525">
+                <a14:hiddenLine xmlns:a14="http://schemas.microsoft.com/office/drawing/2010/main" xmlns:p14="http://schemas.microsoft.com/office/powerpoint/2010/main" xmlns:a16="http://schemas.microsoft.com/office/drawing/2014/main" xmlns="" w="9525">
                   <a:solidFill>
                     <a:srgbClr val="000000"/>
                   </a:solidFill>
@@ -21659,7 +22016,7 @@
             </a:ln>
             <a:extLst>
               <a:ext uri="{91240B29-F687-4f45-9708-019B960494DF}">
-                <a14:hiddenLine xmlns="" xmlns:a16="http://schemas.microsoft.com/office/drawing/2014/main" xmlns:p14="http://schemas.microsoft.com/office/powerpoint/2010/main" xmlns:a14="http://schemas.microsoft.com/office/drawing/2010/main" w="9525">
+                <a14:hiddenLine xmlns:a14="http://schemas.microsoft.com/office/drawing/2010/main" xmlns:p14="http://schemas.microsoft.com/office/powerpoint/2010/main" xmlns:a16="http://schemas.microsoft.com/office/drawing/2014/main" xmlns="" w="9525">
                   <a:solidFill>
                     <a:srgbClr val="000000"/>
                   </a:solidFill>
@@ -21764,7 +22121,7 @@
             </a:ln>
             <a:extLst>
               <a:ext uri="{91240B29-F687-4f45-9708-019B960494DF}">
-                <a14:hiddenLine xmlns="" xmlns:a16="http://schemas.microsoft.com/office/drawing/2014/main" xmlns:p14="http://schemas.microsoft.com/office/powerpoint/2010/main" xmlns:a14="http://schemas.microsoft.com/office/drawing/2010/main" w="9525">
+                <a14:hiddenLine xmlns:a14="http://schemas.microsoft.com/office/drawing/2010/main" xmlns:p14="http://schemas.microsoft.com/office/powerpoint/2010/main" xmlns:a16="http://schemas.microsoft.com/office/drawing/2014/main" xmlns="" w="9525">
                   <a:solidFill>
                     <a:srgbClr val="000000"/>
                   </a:solidFill>
@@ -21835,7 +22192,7 @@
             </a:ln>
             <a:extLst>
               <a:ext uri="{91240B29-F687-4f45-9708-019B960494DF}">
-                <a14:hiddenLine xmlns="" xmlns:a16="http://schemas.microsoft.com/office/drawing/2014/main" xmlns:p14="http://schemas.microsoft.com/office/powerpoint/2010/main" xmlns:a14="http://schemas.microsoft.com/office/drawing/2010/main" w="9525">
+                <a14:hiddenLine xmlns:a14="http://schemas.microsoft.com/office/drawing/2010/main" xmlns:p14="http://schemas.microsoft.com/office/powerpoint/2010/main" xmlns:a16="http://schemas.microsoft.com/office/drawing/2014/main" xmlns="" w="9525">
                   <a:solidFill>
                     <a:srgbClr val="000000"/>
                   </a:solidFill>
@@ -21940,7 +22297,7 @@
             </a:ln>
             <a:extLst>
               <a:ext uri="{91240B29-F687-4f45-9708-019B960494DF}">
-                <a14:hiddenLine xmlns="" xmlns:a16="http://schemas.microsoft.com/office/drawing/2014/main" xmlns:p14="http://schemas.microsoft.com/office/powerpoint/2010/main" xmlns:a14="http://schemas.microsoft.com/office/drawing/2010/main" w="9525">
+                <a14:hiddenLine xmlns:a14="http://schemas.microsoft.com/office/drawing/2010/main" xmlns:p14="http://schemas.microsoft.com/office/powerpoint/2010/main" xmlns:a16="http://schemas.microsoft.com/office/drawing/2014/main" xmlns="" w="9525">
                   <a:solidFill>
                     <a:srgbClr val="000000"/>
                   </a:solidFill>
@@ -22011,7 +22368,7 @@
             </a:ln>
             <a:extLst>
               <a:ext uri="{91240B29-F687-4f45-9708-019B960494DF}">
-                <a14:hiddenLine xmlns="" xmlns:a16="http://schemas.microsoft.com/office/drawing/2014/main" xmlns:p14="http://schemas.microsoft.com/office/powerpoint/2010/main" xmlns:a14="http://schemas.microsoft.com/office/drawing/2010/main" w="9525">
+                <a14:hiddenLine xmlns:a14="http://schemas.microsoft.com/office/drawing/2010/main" xmlns:p14="http://schemas.microsoft.com/office/powerpoint/2010/main" xmlns:a16="http://schemas.microsoft.com/office/drawing/2014/main" xmlns="" w="9525">
                   <a:solidFill>
                     <a:srgbClr val="000000"/>
                   </a:solidFill>
@@ -22116,7 +22473,7 @@
             </a:ln>
             <a:extLst>
               <a:ext uri="{91240B29-F687-4f45-9708-019B960494DF}">
-                <a14:hiddenLine xmlns="" xmlns:a16="http://schemas.microsoft.com/office/drawing/2014/main" xmlns:p14="http://schemas.microsoft.com/office/powerpoint/2010/main" xmlns:a14="http://schemas.microsoft.com/office/drawing/2010/main" w="9525">
+                <a14:hiddenLine xmlns:a14="http://schemas.microsoft.com/office/drawing/2010/main" xmlns:p14="http://schemas.microsoft.com/office/powerpoint/2010/main" xmlns:a16="http://schemas.microsoft.com/office/drawing/2014/main" xmlns="" w="9525">
                   <a:solidFill>
                     <a:srgbClr val="000000"/>
                   </a:solidFill>
@@ -22199,7 +22556,7 @@
             </a:ln>
             <a:extLst>
               <a:ext uri="{91240B29-F687-4f45-9708-019B960494DF}">
-                <a14:hiddenLine xmlns="" xmlns:a16="http://schemas.microsoft.com/office/drawing/2014/main" xmlns:p14="http://schemas.microsoft.com/office/powerpoint/2010/main" xmlns:a14="http://schemas.microsoft.com/office/drawing/2010/main" w="9525">
+                <a14:hiddenLine xmlns:a14="http://schemas.microsoft.com/office/drawing/2010/main" xmlns:p14="http://schemas.microsoft.com/office/powerpoint/2010/main" xmlns:a16="http://schemas.microsoft.com/office/drawing/2014/main" xmlns="" w="9525">
                   <a:solidFill>
                     <a:srgbClr val="000000"/>
                   </a:solidFill>
@@ -22304,7 +22661,7 @@
             </a:ln>
             <a:extLst>
               <a:ext uri="{91240B29-F687-4f45-9708-019B960494DF}">
-                <a14:hiddenLine xmlns="" xmlns:a16="http://schemas.microsoft.com/office/drawing/2014/main" xmlns:p14="http://schemas.microsoft.com/office/powerpoint/2010/main" xmlns:a14="http://schemas.microsoft.com/office/drawing/2010/main" w="9525">
+                <a14:hiddenLine xmlns:a14="http://schemas.microsoft.com/office/drawing/2010/main" xmlns:p14="http://schemas.microsoft.com/office/powerpoint/2010/main" xmlns:a16="http://schemas.microsoft.com/office/drawing/2014/main" xmlns="" w="9525">
                   <a:solidFill>
                     <a:srgbClr val="000000"/>
                   </a:solidFill>
@@ -22387,7 +22744,7 @@
             </a:ln>
             <a:extLst>
               <a:ext uri="{91240B29-F687-4f45-9708-019B960494DF}">
-                <a14:hiddenLine xmlns="" xmlns:a16="http://schemas.microsoft.com/office/drawing/2014/main" xmlns:p14="http://schemas.microsoft.com/office/powerpoint/2010/main" xmlns:a14="http://schemas.microsoft.com/office/drawing/2010/main" w="9525">
+                <a14:hiddenLine xmlns:a14="http://schemas.microsoft.com/office/drawing/2010/main" xmlns:p14="http://schemas.microsoft.com/office/powerpoint/2010/main" xmlns:a16="http://schemas.microsoft.com/office/drawing/2014/main" xmlns="" w="9525">
                   <a:solidFill>
                     <a:srgbClr val="000000"/>
                   </a:solidFill>
@@ -22492,7 +22849,7 @@
             </a:ln>
             <a:extLst>
               <a:ext uri="{91240B29-F687-4f45-9708-019B960494DF}">
-                <a14:hiddenLine xmlns="" xmlns:a16="http://schemas.microsoft.com/office/drawing/2014/main" xmlns:p14="http://schemas.microsoft.com/office/powerpoint/2010/main" xmlns:a14="http://schemas.microsoft.com/office/drawing/2010/main" w="9525">
+                <a14:hiddenLine xmlns:a14="http://schemas.microsoft.com/office/drawing/2010/main" xmlns:p14="http://schemas.microsoft.com/office/powerpoint/2010/main" xmlns:a16="http://schemas.microsoft.com/office/drawing/2014/main" xmlns="" w="9525">
                   <a:solidFill>
                     <a:srgbClr val="000000"/>
                   </a:solidFill>
@@ -22541,7 +22898,7 @@
             </a:ln>
             <a:extLst>
               <a:ext uri="{91240B29-F687-4f45-9708-019B960494DF}">
-                <a14:hiddenLine xmlns="" xmlns:a16="http://schemas.microsoft.com/office/drawing/2014/main" xmlns:p14="http://schemas.microsoft.com/office/powerpoint/2010/main" xmlns:a14="http://schemas.microsoft.com/office/drawing/2010/main" w="9525">
+                <a14:hiddenLine xmlns:a14="http://schemas.microsoft.com/office/drawing/2010/main" xmlns:p14="http://schemas.microsoft.com/office/powerpoint/2010/main" xmlns:a16="http://schemas.microsoft.com/office/drawing/2014/main" xmlns="" w="9525">
                   <a:solidFill>
                     <a:srgbClr val="000000"/>
                   </a:solidFill>
@@ -22646,7 +23003,7 @@
             </a:ln>
             <a:extLst>
               <a:ext uri="{91240B29-F687-4f45-9708-019B960494DF}">
-                <a14:hiddenLine xmlns="" xmlns:a16="http://schemas.microsoft.com/office/drawing/2014/main" xmlns:p14="http://schemas.microsoft.com/office/powerpoint/2010/main" xmlns:a14="http://schemas.microsoft.com/office/drawing/2010/main" w="9525">
+                <a14:hiddenLine xmlns:a14="http://schemas.microsoft.com/office/drawing/2010/main" xmlns:p14="http://schemas.microsoft.com/office/powerpoint/2010/main" xmlns:a16="http://schemas.microsoft.com/office/drawing/2014/main" xmlns="" w="9525">
                   <a:solidFill>
                     <a:srgbClr val="000000"/>
                   </a:solidFill>
@@ -22723,7 +23080,7 @@
             </a:ln>
             <a:extLst>
               <a:ext uri="{91240B29-F687-4f45-9708-019B960494DF}">
-                <a14:hiddenLine xmlns="" xmlns:a16="http://schemas.microsoft.com/office/drawing/2014/main" xmlns:p14="http://schemas.microsoft.com/office/powerpoint/2010/main" xmlns:a14="http://schemas.microsoft.com/office/drawing/2010/main" w="9525">
+                <a14:hiddenLine xmlns:a14="http://schemas.microsoft.com/office/drawing/2010/main" xmlns:p14="http://schemas.microsoft.com/office/powerpoint/2010/main" xmlns:a16="http://schemas.microsoft.com/office/drawing/2014/main" xmlns="" w="9525">
                   <a:solidFill>
                     <a:srgbClr val="000000"/>
                   </a:solidFill>
@@ -22800,7 +23157,7 @@
             </a:ln>
             <a:extLst>
               <a:ext uri="{91240B29-F687-4f45-9708-019B960494DF}">
-                <a14:hiddenLine xmlns="" xmlns:a16="http://schemas.microsoft.com/office/drawing/2014/main" xmlns:p14="http://schemas.microsoft.com/office/powerpoint/2010/main" xmlns:a14="http://schemas.microsoft.com/office/drawing/2010/main" w="9525">
+                <a14:hiddenLine xmlns:a14="http://schemas.microsoft.com/office/drawing/2010/main" xmlns:p14="http://schemas.microsoft.com/office/powerpoint/2010/main" xmlns:a16="http://schemas.microsoft.com/office/drawing/2014/main" xmlns="" w="9525">
                   <a:solidFill>
                     <a:srgbClr val="000000"/>
                   </a:solidFill>
@@ -22905,7 +23262,7 @@
             </a:ln>
             <a:extLst>
               <a:ext uri="{91240B29-F687-4f45-9708-019B960494DF}">
-                <a14:hiddenLine xmlns="" xmlns:a16="http://schemas.microsoft.com/office/drawing/2014/main" xmlns:p14="http://schemas.microsoft.com/office/powerpoint/2010/main" xmlns:a14="http://schemas.microsoft.com/office/drawing/2010/main" w="9525">
+                <a14:hiddenLine xmlns:a14="http://schemas.microsoft.com/office/drawing/2010/main" xmlns:p14="http://schemas.microsoft.com/office/powerpoint/2010/main" xmlns:a16="http://schemas.microsoft.com/office/drawing/2014/main" xmlns="" w="9525">
                   <a:solidFill>
                     <a:srgbClr val="000000"/>
                   </a:solidFill>
@@ -22988,7 +23345,7 @@
             </a:ln>
             <a:extLst>
               <a:ext uri="{91240B29-F687-4f45-9708-019B960494DF}">
-                <a14:hiddenLine xmlns="" xmlns:a16="http://schemas.microsoft.com/office/drawing/2014/main" xmlns:p14="http://schemas.microsoft.com/office/powerpoint/2010/main" xmlns:a14="http://schemas.microsoft.com/office/drawing/2010/main" w="9525">
+                <a14:hiddenLine xmlns:a14="http://schemas.microsoft.com/office/drawing/2010/main" xmlns:p14="http://schemas.microsoft.com/office/powerpoint/2010/main" xmlns:a16="http://schemas.microsoft.com/office/drawing/2014/main" xmlns="" w="9525">
                   <a:solidFill>
                     <a:srgbClr val="000000"/>
                   </a:solidFill>
@@ -23065,7 +23422,7 @@
             </a:ln>
             <a:extLst>
               <a:ext uri="{91240B29-F687-4f45-9708-019B960494DF}">
-                <a14:hiddenLine xmlns="" xmlns:a16="http://schemas.microsoft.com/office/drawing/2014/main" xmlns:p14="http://schemas.microsoft.com/office/powerpoint/2010/main" xmlns:a14="http://schemas.microsoft.com/office/drawing/2010/main" w="9525">
+                <a14:hiddenLine xmlns:a14="http://schemas.microsoft.com/office/drawing/2010/main" xmlns:p14="http://schemas.microsoft.com/office/powerpoint/2010/main" xmlns:a16="http://schemas.microsoft.com/office/drawing/2014/main" xmlns="" w="9525">
                   <a:solidFill>
                     <a:srgbClr val="000000"/>
                   </a:solidFill>
@@ -23170,7 +23527,7 @@
             </a:ln>
             <a:extLst>
               <a:ext uri="{91240B29-F687-4f45-9708-019B960494DF}">
-                <a14:hiddenLine xmlns="" xmlns:a16="http://schemas.microsoft.com/office/drawing/2014/main" xmlns:p14="http://schemas.microsoft.com/office/powerpoint/2010/main" xmlns:a14="http://schemas.microsoft.com/office/drawing/2010/main" w="9525">
+                <a14:hiddenLine xmlns:a14="http://schemas.microsoft.com/office/drawing/2010/main" xmlns:p14="http://schemas.microsoft.com/office/powerpoint/2010/main" xmlns:a16="http://schemas.microsoft.com/office/drawing/2014/main" xmlns="" w="9525">
                   <a:solidFill>
                     <a:srgbClr val="000000"/>
                   </a:solidFill>
@@ -23247,7 +23604,7 @@
             </a:ln>
             <a:extLst>
               <a:ext uri="{91240B29-F687-4f45-9708-019B960494DF}">
-                <a14:hiddenLine xmlns="" xmlns:a16="http://schemas.microsoft.com/office/drawing/2014/main" xmlns:p14="http://schemas.microsoft.com/office/powerpoint/2010/main" xmlns:a14="http://schemas.microsoft.com/office/drawing/2010/main" w="9525">
+                <a14:hiddenLine xmlns:a14="http://schemas.microsoft.com/office/drawing/2010/main" xmlns:p14="http://schemas.microsoft.com/office/powerpoint/2010/main" xmlns:a16="http://schemas.microsoft.com/office/drawing/2014/main" xmlns="" w="9525">
                   <a:solidFill>
                     <a:srgbClr val="000000"/>
                   </a:solidFill>
@@ -23352,7 +23709,7 @@
             </a:ln>
             <a:extLst>
               <a:ext uri="{91240B29-F687-4f45-9708-019B960494DF}">
-                <a14:hiddenLine xmlns="" xmlns:a16="http://schemas.microsoft.com/office/drawing/2014/main" xmlns:p14="http://schemas.microsoft.com/office/powerpoint/2010/main" xmlns:a14="http://schemas.microsoft.com/office/drawing/2010/main" w="9525">
+                <a14:hiddenLine xmlns:a14="http://schemas.microsoft.com/office/drawing/2010/main" xmlns:p14="http://schemas.microsoft.com/office/powerpoint/2010/main" xmlns:a16="http://schemas.microsoft.com/office/drawing/2014/main" xmlns="" w="9525">
                   <a:solidFill>
                     <a:srgbClr val="000000"/>
                   </a:solidFill>
@@ -23429,7 +23786,7 @@
             </a:ln>
             <a:extLst>
               <a:ext uri="{91240B29-F687-4f45-9708-019B960494DF}">
-                <a14:hiddenLine xmlns="" xmlns:a16="http://schemas.microsoft.com/office/drawing/2014/main" xmlns:p14="http://schemas.microsoft.com/office/powerpoint/2010/main" xmlns:a14="http://schemas.microsoft.com/office/drawing/2010/main" w="9525">
+                <a14:hiddenLine xmlns:a14="http://schemas.microsoft.com/office/drawing/2010/main" xmlns:p14="http://schemas.microsoft.com/office/powerpoint/2010/main" xmlns:a16="http://schemas.microsoft.com/office/drawing/2014/main" xmlns="" w="9525">
                   <a:solidFill>
                     <a:srgbClr val="000000"/>
                   </a:solidFill>
@@ -23534,7 +23891,7 @@
             </a:ln>
             <a:extLst>
               <a:ext uri="{91240B29-F687-4f45-9708-019B960494DF}">
-                <a14:hiddenLine xmlns="" xmlns:a16="http://schemas.microsoft.com/office/drawing/2014/main" xmlns:p14="http://schemas.microsoft.com/office/powerpoint/2010/main" xmlns:a14="http://schemas.microsoft.com/office/drawing/2010/main" w="9525">
+                <a14:hiddenLine xmlns:a14="http://schemas.microsoft.com/office/drawing/2010/main" xmlns:p14="http://schemas.microsoft.com/office/powerpoint/2010/main" xmlns:a16="http://schemas.microsoft.com/office/drawing/2014/main" xmlns="" w="9525">
                   <a:solidFill>
                     <a:srgbClr val="000000"/>
                   </a:solidFill>
@@ -23583,7 +23940,7 @@
             </a:ln>
             <a:extLst>
               <a:ext uri="{91240B29-F687-4f45-9708-019B960494DF}">
-                <a14:hiddenLine xmlns="" xmlns:a16="http://schemas.microsoft.com/office/drawing/2014/main" xmlns:p14="http://schemas.microsoft.com/office/powerpoint/2010/main" xmlns:a14="http://schemas.microsoft.com/office/drawing/2010/main" w="9525">
+                <a14:hiddenLine xmlns:a14="http://schemas.microsoft.com/office/drawing/2010/main" xmlns:p14="http://schemas.microsoft.com/office/powerpoint/2010/main" xmlns:a16="http://schemas.microsoft.com/office/drawing/2014/main" xmlns="" w="9525">
                   <a:solidFill>
                     <a:srgbClr val="000000"/>
                   </a:solidFill>
@@ -23663,7 +24020,7 @@
             </a:ln>
             <a:extLst>
               <a:ext uri="{91240B29-F687-4f45-9708-019B960494DF}">
-                <a14:hiddenLine xmlns="" xmlns:a16="http://schemas.microsoft.com/office/drawing/2014/main" xmlns:p14="http://schemas.microsoft.com/office/powerpoint/2010/main" xmlns:a14="http://schemas.microsoft.com/office/drawing/2010/main" w="9525">
+                <a14:hiddenLine xmlns:a14="http://schemas.microsoft.com/office/drawing/2010/main" xmlns:p14="http://schemas.microsoft.com/office/powerpoint/2010/main" xmlns:a16="http://schemas.microsoft.com/office/drawing/2014/main" xmlns="" w="9525">
                   <a:solidFill>
                     <a:srgbClr val="000000"/>
                   </a:solidFill>
@@ -23768,7 +24125,7 @@
             </a:ln>
             <a:extLst>
               <a:ext uri="{91240B29-F687-4f45-9708-019B960494DF}">
-                <a14:hiddenLine xmlns="" xmlns:a16="http://schemas.microsoft.com/office/drawing/2014/main" xmlns:p14="http://schemas.microsoft.com/office/powerpoint/2010/main" xmlns:a14="http://schemas.microsoft.com/office/drawing/2010/main" w="9525">
+                <a14:hiddenLine xmlns:a14="http://schemas.microsoft.com/office/drawing/2010/main" xmlns:p14="http://schemas.microsoft.com/office/powerpoint/2010/main" xmlns:a16="http://schemas.microsoft.com/office/drawing/2014/main" xmlns="" w="9525">
                   <a:solidFill>
                     <a:srgbClr val="000000"/>
                   </a:solidFill>
@@ -23845,7 +24202,7 @@
             </a:ln>
             <a:extLst>
               <a:ext uri="{91240B29-F687-4f45-9708-019B960494DF}">
-                <a14:hiddenLine xmlns="" xmlns:a16="http://schemas.microsoft.com/office/drawing/2014/main" xmlns:p14="http://schemas.microsoft.com/office/powerpoint/2010/main" xmlns:a14="http://schemas.microsoft.com/office/drawing/2010/main" w="9525">
+                <a14:hiddenLine xmlns:a14="http://schemas.microsoft.com/office/drawing/2010/main" xmlns:p14="http://schemas.microsoft.com/office/powerpoint/2010/main" xmlns:a16="http://schemas.microsoft.com/office/drawing/2014/main" xmlns="" w="9525">
                   <a:solidFill>
                     <a:srgbClr val="000000"/>
                   </a:solidFill>
@@ -23950,7 +24307,7 @@
             </a:ln>
             <a:extLst>
               <a:ext uri="{91240B29-F687-4f45-9708-019B960494DF}">
-                <a14:hiddenLine xmlns="" xmlns:a16="http://schemas.microsoft.com/office/drawing/2014/main" xmlns:p14="http://schemas.microsoft.com/office/powerpoint/2010/main" xmlns:a14="http://schemas.microsoft.com/office/drawing/2010/main" w="9525">
+                <a14:hiddenLine xmlns:a14="http://schemas.microsoft.com/office/drawing/2010/main" xmlns:p14="http://schemas.microsoft.com/office/powerpoint/2010/main" xmlns:a16="http://schemas.microsoft.com/office/drawing/2014/main" xmlns="" w="9525">
                   <a:solidFill>
                     <a:srgbClr val="000000"/>
                   </a:solidFill>
@@ -24055,7 +24412,7 @@
             </a:ln>
             <a:extLst>
               <a:ext uri="{91240B29-F687-4f45-9708-019B960494DF}">
-                <a14:hiddenLine xmlns="" xmlns:a16="http://schemas.microsoft.com/office/drawing/2014/main" xmlns:p14="http://schemas.microsoft.com/office/powerpoint/2010/main" xmlns:a14="http://schemas.microsoft.com/office/drawing/2010/main" w="9525">
+                <a14:hiddenLine xmlns:a14="http://schemas.microsoft.com/office/drawing/2010/main" xmlns:p14="http://schemas.microsoft.com/office/powerpoint/2010/main" xmlns:a16="http://schemas.microsoft.com/office/drawing/2014/main" xmlns="" w="9525">
                   <a:solidFill>
                     <a:srgbClr val="000000"/>
                   </a:solidFill>
@@ -24135,7 +24492,7 @@
             </a:ln>
             <a:extLst>
               <a:ext uri="{91240B29-F687-4f45-9708-019B960494DF}">
-                <a14:hiddenLine xmlns="" xmlns:a16="http://schemas.microsoft.com/office/drawing/2014/main" xmlns:p14="http://schemas.microsoft.com/office/powerpoint/2010/main" xmlns:a14="http://schemas.microsoft.com/office/drawing/2010/main" w="9525">
+                <a14:hiddenLine xmlns:a14="http://schemas.microsoft.com/office/drawing/2010/main" xmlns:p14="http://schemas.microsoft.com/office/powerpoint/2010/main" xmlns:a16="http://schemas.microsoft.com/office/drawing/2014/main" xmlns="" w="9525">
                   <a:solidFill>
                     <a:srgbClr val="000000"/>
                   </a:solidFill>
@@ -24212,7 +24569,7 @@
             </a:ln>
             <a:extLst>
               <a:ext uri="{91240B29-F687-4f45-9708-019B960494DF}">
-                <a14:hiddenLine xmlns="" xmlns:a16="http://schemas.microsoft.com/office/drawing/2014/main" xmlns:p14="http://schemas.microsoft.com/office/powerpoint/2010/main" xmlns:a14="http://schemas.microsoft.com/office/drawing/2010/main" w="9525">
+                <a14:hiddenLine xmlns:a14="http://schemas.microsoft.com/office/drawing/2010/main" xmlns:p14="http://schemas.microsoft.com/office/powerpoint/2010/main" xmlns:a16="http://schemas.microsoft.com/office/drawing/2014/main" xmlns="" w="9525">
                   <a:solidFill>
                     <a:srgbClr val="000000"/>
                   </a:solidFill>
@@ -24317,7 +24674,7 @@
             </a:ln>
             <a:extLst>
               <a:ext uri="{91240B29-F687-4f45-9708-019B960494DF}">
-                <a14:hiddenLine xmlns="" xmlns:a16="http://schemas.microsoft.com/office/drawing/2014/main" xmlns:p14="http://schemas.microsoft.com/office/powerpoint/2010/main" xmlns:a14="http://schemas.microsoft.com/office/drawing/2010/main" w="9525">
+                <a14:hiddenLine xmlns:a14="http://schemas.microsoft.com/office/drawing/2010/main" xmlns:p14="http://schemas.microsoft.com/office/powerpoint/2010/main" xmlns:a16="http://schemas.microsoft.com/office/drawing/2014/main" xmlns="" w="9525">
                   <a:solidFill>
                     <a:srgbClr val="000000"/>
                   </a:solidFill>
@@ -24422,7 +24779,7 @@
             </a:ln>
             <a:extLst>
               <a:ext uri="{91240B29-F687-4f45-9708-019B960494DF}">
-                <a14:hiddenLine xmlns="" xmlns:a16="http://schemas.microsoft.com/office/drawing/2014/main" xmlns:p14="http://schemas.microsoft.com/office/powerpoint/2010/main" xmlns:a14="http://schemas.microsoft.com/office/drawing/2010/main" w="9525">
+                <a14:hiddenLine xmlns:a14="http://schemas.microsoft.com/office/drawing/2010/main" xmlns:p14="http://schemas.microsoft.com/office/powerpoint/2010/main" xmlns:a16="http://schemas.microsoft.com/office/drawing/2014/main" xmlns="" w="9525">
                   <a:solidFill>
                     <a:srgbClr val="000000"/>
                   </a:solidFill>
@@ -24499,7 +24856,7 @@
             </a:ln>
             <a:extLst>
               <a:ext uri="{91240B29-F687-4f45-9708-019B960494DF}">
-                <a14:hiddenLine xmlns="" xmlns:a16="http://schemas.microsoft.com/office/drawing/2014/main" xmlns:p14="http://schemas.microsoft.com/office/powerpoint/2010/main" xmlns:a14="http://schemas.microsoft.com/office/drawing/2010/main" w="9525">
+                <a14:hiddenLine xmlns:a14="http://schemas.microsoft.com/office/drawing/2010/main" xmlns:p14="http://schemas.microsoft.com/office/powerpoint/2010/main" xmlns:a16="http://schemas.microsoft.com/office/drawing/2014/main" xmlns="" w="9525">
                   <a:solidFill>
                     <a:srgbClr val="000000"/>
                   </a:solidFill>
@@ -24634,7 +24991,7 @@
             </a:ln>
             <a:extLst>
               <a:ext uri="{91240B29-F687-4f45-9708-019B960494DF}">
-                <a14:hiddenLine xmlns="" xmlns:a16="http://schemas.microsoft.com/office/drawing/2014/main" xmlns:p14="http://schemas.microsoft.com/office/powerpoint/2010/main" xmlns:a14="http://schemas.microsoft.com/office/drawing/2010/main" w="9525">
+                <a14:hiddenLine xmlns:a14="http://schemas.microsoft.com/office/drawing/2010/main" xmlns:p14="http://schemas.microsoft.com/office/powerpoint/2010/main" xmlns:a16="http://schemas.microsoft.com/office/drawing/2014/main" xmlns="" w="9525">
                   <a:solidFill>
                     <a:srgbClr val="000000"/>
                   </a:solidFill>
@@ -24717,7 +25074,7 @@
             </a:ln>
             <a:extLst>
               <a:ext uri="{91240B29-F687-4f45-9708-019B960494DF}">
-                <a14:hiddenLine xmlns="" xmlns:a16="http://schemas.microsoft.com/office/drawing/2014/main" xmlns:p14="http://schemas.microsoft.com/office/powerpoint/2010/main" xmlns:a14="http://schemas.microsoft.com/office/drawing/2010/main" w="9525">
+                <a14:hiddenLine xmlns:a14="http://schemas.microsoft.com/office/drawing/2010/main" xmlns:p14="http://schemas.microsoft.com/office/powerpoint/2010/main" xmlns:a16="http://schemas.microsoft.com/office/drawing/2014/main" xmlns="" w="9525">
                   <a:solidFill>
                     <a:srgbClr val="000000"/>
                   </a:solidFill>
@@ -24822,7 +25179,7 @@
             </a:ln>
             <a:extLst>
               <a:ext uri="{91240B29-F687-4f45-9708-019B960494DF}">
-                <a14:hiddenLine xmlns="" xmlns:a16="http://schemas.microsoft.com/office/drawing/2014/main" xmlns:p14="http://schemas.microsoft.com/office/powerpoint/2010/main" xmlns:a14="http://schemas.microsoft.com/office/drawing/2010/main" w="9525">
+                <a14:hiddenLine xmlns:a14="http://schemas.microsoft.com/office/drawing/2010/main" xmlns:p14="http://schemas.microsoft.com/office/powerpoint/2010/main" xmlns:a16="http://schemas.microsoft.com/office/drawing/2014/main" xmlns="" w="9525">
                   <a:solidFill>
                     <a:srgbClr val="000000"/>
                   </a:solidFill>

--- a/doc/Presentación_mitad_de_curso_JuanEspinosayNachoRodriguez.pptx
+++ b/doc/Presentación_mitad_de_curso_JuanEspinosayNachoRodriguez.pptx
@@ -1584,7 +1584,7 @@
           <a:noFill/>
           <a:extLst>
             <a:ext uri="{909E8E84-426E-40dd-AFC4-6F175D3DCCD1}">
-              <a14:hiddenFill xmlns:a14="http://schemas.microsoft.com/office/drawing/2010/main" xmlns="">
+              <a14:hiddenFill xmlns="" xmlns:a14="http://schemas.microsoft.com/office/drawing/2010/main">
                 <a:solidFill>
                   <a:srgbClr val="FFFFFF"/>
                 </a:solidFill>
@@ -1643,7 +1643,7 @@
             </a:ln>
             <a:extLst>
               <a:ext uri="{91240B29-F687-4f45-9708-019B960494DF}">
-                <a14:hiddenLine xmlns:a14="http://schemas.microsoft.com/office/drawing/2010/main" xmlns="" w="9525">
+                <a14:hiddenLine xmlns="" xmlns:a14="http://schemas.microsoft.com/office/drawing/2010/main" w="9525">
                   <a:solidFill>
                     <a:srgbClr val="000000"/>
                   </a:solidFill>
@@ -1733,7 +1733,7 @@
             </a:ln>
             <a:extLst>
               <a:ext uri="{91240B29-F687-4f45-9708-019B960494DF}">
-                <a14:hiddenLine xmlns:a14="http://schemas.microsoft.com/office/drawing/2010/main" xmlns="" w="9525">
+                <a14:hiddenLine xmlns="" xmlns:a14="http://schemas.microsoft.com/office/drawing/2010/main" w="9525">
                   <a:solidFill>
                     <a:srgbClr val="000000"/>
                   </a:solidFill>
@@ -1823,7 +1823,7 @@
             </a:ln>
             <a:extLst>
               <a:ext uri="{91240B29-F687-4f45-9708-019B960494DF}">
-                <a14:hiddenLine xmlns:a14="http://schemas.microsoft.com/office/drawing/2010/main" xmlns="" w="9525">
+                <a14:hiddenLine xmlns="" xmlns:a14="http://schemas.microsoft.com/office/drawing/2010/main" w="9525">
                   <a:solidFill>
                     <a:srgbClr val="000000"/>
                   </a:solidFill>
@@ -1857,7 +1857,7 @@
             </a:ln>
             <a:extLst>
               <a:ext uri="{91240B29-F687-4f45-9708-019B960494DF}">
-                <a14:hiddenLine xmlns:a14="http://schemas.microsoft.com/office/drawing/2010/main" xmlns="" w="9525">
+                <a14:hiddenLine xmlns="" xmlns:a14="http://schemas.microsoft.com/office/drawing/2010/main" w="9525">
                   <a:solidFill>
                     <a:srgbClr val="000000"/>
                   </a:solidFill>
@@ -1947,7 +1947,7 @@
             </a:ln>
             <a:extLst>
               <a:ext uri="{91240B29-F687-4f45-9708-019B960494DF}">
-                <a14:hiddenLine xmlns:a14="http://schemas.microsoft.com/office/drawing/2010/main" xmlns="" w="9525">
+                <a14:hiddenLine xmlns="" xmlns:a14="http://schemas.microsoft.com/office/drawing/2010/main" w="9525">
                   <a:solidFill>
                     <a:srgbClr val="000000"/>
                   </a:solidFill>
@@ -2009,7 +2009,7 @@
             </a:ln>
             <a:extLst>
               <a:ext uri="{91240B29-F687-4f45-9708-019B960494DF}">
-                <a14:hiddenLine xmlns:a14="http://schemas.microsoft.com/office/drawing/2010/main" xmlns="" w="9525">
+                <a14:hiddenLine xmlns="" xmlns:a14="http://schemas.microsoft.com/office/drawing/2010/main" w="9525">
                   <a:solidFill>
                     <a:srgbClr val="000000"/>
                   </a:solidFill>
@@ -2071,7 +2071,7 @@
             </a:ln>
             <a:extLst>
               <a:ext uri="{91240B29-F687-4f45-9708-019B960494DF}">
-                <a14:hiddenLine xmlns:a14="http://schemas.microsoft.com/office/drawing/2010/main" xmlns="" w="9525">
+                <a14:hiddenLine xmlns="" xmlns:a14="http://schemas.microsoft.com/office/drawing/2010/main" w="9525">
                   <a:solidFill>
                     <a:srgbClr val="000000"/>
                   </a:solidFill>
@@ -2161,7 +2161,7 @@
             </a:ln>
             <a:extLst>
               <a:ext uri="{91240B29-F687-4f45-9708-019B960494DF}">
-                <a14:hiddenLine xmlns:a14="http://schemas.microsoft.com/office/drawing/2010/main" xmlns="" w="9525">
+                <a14:hiddenLine xmlns="" xmlns:a14="http://schemas.microsoft.com/office/drawing/2010/main" w="9525">
                   <a:solidFill>
                     <a:srgbClr val="000000"/>
                   </a:solidFill>
@@ -2223,7 +2223,7 @@
             </a:ln>
             <a:extLst>
               <a:ext uri="{91240B29-F687-4f45-9708-019B960494DF}">
-                <a14:hiddenLine xmlns:a14="http://schemas.microsoft.com/office/drawing/2010/main" xmlns="" w="9525">
+                <a14:hiddenLine xmlns="" xmlns:a14="http://schemas.microsoft.com/office/drawing/2010/main" w="9525">
                   <a:solidFill>
                     <a:srgbClr val="000000"/>
                   </a:solidFill>
@@ -2285,7 +2285,7 @@
             </a:ln>
             <a:extLst>
               <a:ext uri="{91240B29-F687-4f45-9708-019B960494DF}">
-                <a14:hiddenLine xmlns:a14="http://schemas.microsoft.com/office/drawing/2010/main" xmlns="" w="9525">
+                <a14:hiddenLine xmlns="" xmlns:a14="http://schemas.microsoft.com/office/drawing/2010/main" w="9525">
                   <a:solidFill>
                     <a:srgbClr val="000000"/>
                   </a:solidFill>
@@ -2375,7 +2375,7 @@
             </a:ln>
             <a:extLst>
               <a:ext uri="{91240B29-F687-4f45-9708-019B960494DF}">
-                <a14:hiddenLine xmlns:a14="http://schemas.microsoft.com/office/drawing/2010/main" xmlns="" w="9525">
+                <a14:hiddenLine xmlns="" xmlns:a14="http://schemas.microsoft.com/office/drawing/2010/main" w="9525">
                   <a:solidFill>
                     <a:srgbClr val="000000"/>
                   </a:solidFill>
@@ -2465,7 +2465,7 @@
             </a:ln>
             <a:extLst>
               <a:ext uri="{91240B29-F687-4f45-9708-019B960494DF}">
-                <a14:hiddenLine xmlns:a14="http://schemas.microsoft.com/office/drawing/2010/main" xmlns="" w="9525">
+                <a14:hiddenLine xmlns="" xmlns:a14="http://schemas.microsoft.com/office/drawing/2010/main" w="9525">
                   <a:solidFill>
                     <a:srgbClr val="000000"/>
                   </a:solidFill>
@@ -2527,7 +2527,7 @@
             </a:ln>
             <a:extLst>
               <a:ext uri="{91240B29-F687-4f45-9708-019B960494DF}">
-                <a14:hiddenLine xmlns:a14="http://schemas.microsoft.com/office/drawing/2010/main" xmlns="" w="9525">
+                <a14:hiddenLine xmlns="" xmlns:a14="http://schemas.microsoft.com/office/drawing/2010/main" w="9525">
                   <a:solidFill>
                     <a:srgbClr val="000000"/>
                   </a:solidFill>
@@ -2637,7 +2637,7 @@
             </a:ln>
             <a:extLst>
               <a:ext uri="{91240B29-F687-4f45-9708-019B960494DF}">
-                <a14:hiddenLine xmlns:a14="http://schemas.microsoft.com/office/drawing/2010/main" xmlns="" w="9525">
+                <a14:hiddenLine xmlns="" xmlns:a14="http://schemas.microsoft.com/office/drawing/2010/main" w="9525">
                   <a:solidFill>
                     <a:srgbClr val="000000"/>
                   </a:solidFill>
@@ -2699,7 +2699,7 @@
             </a:ln>
             <a:extLst>
               <a:ext uri="{91240B29-F687-4f45-9708-019B960494DF}">
-                <a14:hiddenLine xmlns:a14="http://schemas.microsoft.com/office/drawing/2010/main" xmlns="" w="9525">
+                <a14:hiddenLine xmlns="" xmlns:a14="http://schemas.microsoft.com/office/drawing/2010/main" w="9525">
                   <a:solidFill>
                     <a:srgbClr val="000000"/>
                   </a:solidFill>
@@ -2789,7 +2789,7 @@
             </a:ln>
             <a:extLst>
               <a:ext uri="{91240B29-F687-4f45-9708-019B960494DF}">
-                <a14:hiddenLine xmlns:a14="http://schemas.microsoft.com/office/drawing/2010/main" xmlns="" w="9525">
+                <a14:hiddenLine xmlns="" xmlns:a14="http://schemas.microsoft.com/office/drawing/2010/main" w="9525">
                   <a:solidFill>
                     <a:srgbClr val="000000"/>
                   </a:solidFill>
@@ -2879,7 +2879,7 @@
             </a:ln>
             <a:extLst>
               <a:ext uri="{91240B29-F687-4f45-9708-019B960494DF}">
-                <a14:hiddenLine xmlns:a14="http://schemas.microsoft.com/office/drawing/2010/main" xmlns="" w="9525">
+                <a14:hiddenLine xmlns="" xmlns:a14="http://schemas.microsoft.com/office/drawing/2010/main" w="9525">
                   <a:solidFill>
                     <a:srgbClr val="000000"/>
                   </a:solidFill>
@@ -2941,7 +2941,7 @@
             </a:ln>
             <a:extLst>
               <a:ext uri="{91240B29-F687-4f45-9708-019B960494DF}">
-                <a14:hiddenLine xmlns:a14="http://schemas.microsoft.com/office/drawing/2010/main" xmlns="" w="9525">
+                <a14:hiddenLine xmlns="" xmlns:a14="http://schemas.microsoft.com/office/drawing/2010/main" w="9525">
                   <a:solidFill>
                     <a:srgbClr val="000000"/>
                   </a:solidFill>
@@ -3031,7 +3031,7 @@
             </a:ln>
             <a:extLst>
               <a:ext uri="{91240B29-F687-4f45-9708-019B960494DF}">
-                <a14:hiddenLine xmlns:a14="http://schemas.microsoft.com/office/drawing/2010/main" xmlns="" w="9525">
+                <a14:hiddenLine xmlns="" xmlns:a14="http://schemas.microsoft.com/office/drawing/2010/main" w="9525">
                   <a:solidFill>
                     <a:srgbClr val="000000"/>
                   </a:solidFill>
@@ -3121,7 +3121,7 @@
             </a:ln>
             <a:extLst>
               <a:ext uri="{91240B29-F687-4f45-9708-019B960494DF}">
-                <a14:hiddenLine xmlns:a14="http://schemas.microsoft.com/office/drawing/2010/main" xmlns="" w="9525">
+                <a14:hiddenLine xmlns="" xmlns:a14="http://schemas.microsoft.com/office/drawing/2010/main" w="9525">
                   <a:solidFill>
                     <a:srgbClr val="000000"/>
                   </a:solidFill>
@@ -3177,7 +3177,7 @@
             </a:ln>
             <a:extLst>
               <a:ext uri="{91240B29-F687-4f45-9708-019B960494DF}">
-                <a14:hiddenLine xmlns:a14="http://schemas.microsoft.com/office/drawing/2010/main" xmlns="" w="9525">
+                <a14:hiddenLine xmlns="" xmlns:a14="http://schemas.microsoft.com/office/drawing/2010/main" w="9525">
                   <a:solidFill>
                     <a:srgbClr val="000000"/>
                   </a:solidFill>
@@ -3267,7 +3267,7 @@
             </a:ln>
             <a:extLst>
               <a:ext uri="{91240B29-F687-4f45-9708-019B960494DF}">
-                <a14:hiddenLine xmlns:a14="http://schemas.microsoft.com/office/drawing/2010/main" xmlns="" w="9525">
+                <a14:hiddenLine xmlns="" xmlns:a14="http://schemas.microsoft.com/office/drawing/2010/main" w="9525">
                   <a:solidFill>
                     <a:srgbClr val="000000"/>
                   </a:solidFill>
@@ -3323,7 +3323,7 @@
             </a:ln>
             <a:extLst>
               <a:ext uri="{91240B29-F687-4f45-9708-019B960494DF}">
-                <a14:hiddenLine xmlns:a14="http://schemas.microsoft.com/office/drawing/2010/main" xmlns="" w="9525">
+                <a14:hiddenLine xmlns="" xmlns:a14="http://schemas.microsoft.com/office/drawing/2010/main" w="9525">
                   <a:solidFill>
                     <a:srgbClr val="000000"/>
                   </a:solidFill>
@@ -3413,7 +3413,7 @@
             </a:ln>
             <a:extLst>
               <a:ext uri="{91240B29-F687-4f45-9708-019B960494DF}">
-                <a14:hiddenLine xmlns:a14="http://schemas.microsoft.com/office/drawing/2010/main" xmlns="" w="9525">
+                <a14:hiddenLine xmlns="" xmlns:a14="http://schemas.microsoft.com/office/drawing/2010/main" w="9525">
                   <a:solidFill>
                     <a:srgbClr val="000000"/>
                   </a:solidFill>
@@ -3481,7 +3481,7 @@
             </a:ln>
             <a:extLst>
               <a:ext uri="{91240B29-F687-4f45-9708-019B960494DF}">
-                <a14:hiddenLine xmlns:a14="http://schemas.microsoft.com/office/drawing/2010/main" xmlns="" w="9525">
+                <a14:hiddenLine xmlns="" xmlns:a14="http://schemas.microsoft.com/office/drawing/2010/main" w="9525">
                   <a:solidFill>
                     <a:srgbClr val="000000"/>
                   </a:solidFill>
@@ -3571,7 +3571,7 @@
             </a:ln>
             <a:extLst>
               <a:ext uri="{91240B29-F687-4f45-9708-019B960494DF}">
-                <a14:hiddenLine xmlns:a14="http://schemas.microsoft.com/office/drawing/2010/main" xmlns="" w="9525">
+                <a14:hiddenLine xmlns="" xmlns:a14="http://schemas.microsoft.com/office/drawing/2010/main" w="9525">
                   <a:solidFill>
                     <a:srgbClr val="000000"/>
                   </a:solidFill>
@@ -3639,7 +3639,7 @@
             </a:ln>
             <a:extLst>
               <a:ext uri="{91240B29-F687-4f45-9708-019B960494DF}">
-                <a14:hiddenLine xmlns:a14="http://schemas.microsoft.com/office/drawing/2010/main" xmlns="" w="9525">
+                <a14:hiddenLine xmlns="" xmlns:a14="http://schemas.microsoft.com/office/drawing/2010/main" w="9525">
                   <a:solidFill>
                     <a:srgbClr val="000000"/>
                   </a:solidFill>
@@ -3729,7 +3729,7 @@
             </a:ln>
             <a:extLst>
               <a:ext uri="{91240B29-F687-4f45-9708-019B960494DF}">
-                <a14:hiddenLine xmlns:a14="http://schemas.microsoft.com/office/drawing/2010/main" xmlns="" w="9525">
+                <a14:hiddenLine xmlns="" xmlns:a14="http://schemas.microsoft.com/office/drawing/2010/main" w="9525">
                   <a:solidFill>
                     <a:srgbClr val="000000"/>
                   </a:solidFill>
@@ -3763,7 +3763,7 @@
             </a:ln>
             <a:extLst>
               <a:ext uri="{91240B29-F687-4f45-9708-019B960494DF}">
-                <a14:hiddenLine xmlns:a14="http://schemas.microsoft.com/office/drawing/2010/main" xmlns="" w="9525">
+                <a14:hiddenLine xmlns="" xmlns:a14="http://schemas.microsoft.com/office/drawing/2010/main" w="9525">
                   <a:solidFill>
                     <a:srgbClr val="000000"/>
                   </a:solidFill>
@@ -3853,7 +3853,7 @@
             </a:ln>
             <a:extLst>
               <a:ext uri="{91240B29-F687-4f45-9708-019B960494DF}">
-                <a14:hiddenLine xmlns:a14="http://schemas.microsoft.com/office/drawing/2010/main" xmlns="" w="9525">
+                <a14:hiddenLine xmlns="" xmlns:a14="http://schemas.microsoft.com/office/drawing/2010/main" w="9525">
                   <a:solidFill>
                     <a:srgbClr val="000000"/>
                   </a:solidFill>
@@ -3915,7 +3915,7 @@
             </a:ln>
             <a:extLst>
               <a:ext uri="{91240B29-F687-4f45-9708-019B960494DF}">
-                <a14:hiddenLine xmlns:a14="http://schemas.microsoft.com/office/drawing/2010/main" xmlns="" w="9525">
+                <a14:hiddenLine xmlns="" xmlns:a14="http://schemas.microsoft.com/office/drawing/2010/main" w="9525">
                   <a:solidFill>
                     <a:srgbClr val="000000"/>
                   </a:solidFill>
@@ -3977,7 +3977,7 @@
             </a:ln>
             <a:extLst>
               <a:ext uri="{91240B29-F687-4f45-9708-019B960494DF}">
-                <a14:hiddenLine xmlns:a14="http://schemas.microsoft.com/office/drawing/2010/main" xmlns="" w="9525">
+                <a14:hiddenLine xmlns="" xmlns:a14="http://schemas.microsoft.com/office/drawing/2010/main" w="9525">
                   <a:solidFill>
                     <a:srgbClr val="000000"/>
                   </a:solidFill>
@@ -4067,7 +4067,7 @@
             </a:ln>
             <a:extLst>
               <a:ext uri="{91240B29-F687-4f45-9708-019B960494DF}">
-                <a14:hiddenLine xmlns:a14="http://schemas.microsoft.com/office/drawing/2010/main" xmlns="" w="9525">
+                <a14:hiddenLine xmlns="" xmlns:a14="http://schemas.microsoft.com/office/drawing/2010/main" w="9525">
                   <a:solidFill>
                     <a:srgbClr val="000000"/>
                   </a:solidFill>
@@ -4135,7 +4135,7 @@
             </a:ln>
             <a:extLst>
               <a:ext uri="{91240B29-F687-4f45-9708-019B960494DF}">
-                <a14:hiddenLine xmlns:a14="http://schemas.microsoft.com/office/drawing/2010/main" xmlns="" w="9525">
+                <a14:hiddenLine xmlns="" xmlns:a14="http://schemas.microsoft.com/office/drawing/2010/main" w="9525">
                   <a:solidFill>
                     <a:srgbClr val="000000"/>
                   </a:solidFill>
@@ -4197,7 +4197,7 @@
             </a:ln>
             <a:extLst>
               <a:ext uri="{91240B29-F687-4f45-9708-019B960494DF}">
-                <a14:hiddenLine xmlns:a14="http://schemas.microsoft.com/office/drawing/2010/main" xmlns="" w="9525">
+                <a14:hiddenLine xmlns="" xmlns:a14="http://schemas.microsoft.com/office/drawing/2010/main" w="9525">
                   <a:solidFill>
                     <a:srgbClr val="000000"/>
                   </a:solidFill>
@@ -4287,7 +4287,7 @@
             </a:ln>
             <a:extLst>
               <a:ext uri="{91240B29-F687-4f45-9708-019B960494DF}">
-                <a14:hiddenLine xmlns:a14="http://schemas.microsoft.com/office/drawing/2010/main" xmlns="" w="9525">
+                <a14:hiddenLine xmlns="" xmlns:a14="http://schemas.microsoft.com/office/drawing/2010/main" w="9525">
                   <a:solidFill>
                     <a:srgbClr val="000000"/>
                   </a:solidFill>
@@ -4349,7 +4349,7 @@
             </a:ln>
             <a:extLst>
               <a:ext uri="{91240B29-F687-4f45-9708-019B960494DF}">
-                <a14:hiddenLine xmlns:a14="http://schemas.microsoft.com/office/drawing/2010/main" xmlns="" w="9525">
+                <a14:hiddenLine xmlns="" xmlns:a14="http://schemas.microsoft.com/office/drawing/2010/main" w="9525">
                   <a:solidFill>
                     <a:srgbClr val="000000"/>
                   </a:solidFill>
@@ -4439,7 +4439,7 @@
             </a:ln>
             <a:extLst>
               <a:ext uri="{91240B29-F687-4f45-9708-019B960494DF}">
-                <a14:hiddenLine xmlns:a14="http://schemas.microsoft.com/office/drawing/2010/main" xmlns="" w="9525">
+                <a14:hiddenLine xmlns="" xmlns:a14="http://schemas.microsoft.com/office/drawing/2010/main" w="9525">
                   <a:solidFill>
                     <a:srgbClr val="000000"/>
                   </a:solidFill>
@@ -4501,7 +4501,7 @@
             </a:ln>
             <a:extLst>
               <a:ext uri="{91240B29-F687-4f45-9708-019B960494DF}">
-                <a14:hiddenLine xmlns:a14="http://schemas.microsoft.com/office/drawing/2010/main" xmlns="" w="9525">
+                <a14:hiddenLine xmlns="" xmlns:a14="http://schemas.microsoft.com/office/drawing/2010/main" w="9525">
                   <a:solidFill>
                     <a:srgbClr val="000000"/>
                   </a:solidFill>
@@ -4591,7 +4591,7 @@
             </a:ln>
             <a:extLst>
               <a:ext uri="{91240B29-F687-4f45-9708-019B960494DF}">
-                <a14:hiddenLine xmlns:a14="http://schemas.microsoft.com/office/drawing/2010/main" xmlns="" w="9525">
+                <a14:hiddenLine xmlns="" xmlns:a14="http://schemas.microsoft.com/office/drawing/2010/main" w="9525">
                   <a:solidFill>
                     <a:srgbClr val="000000"/>
                   </a:solidFill>
@@ -4625,7 +4625,7 @@
             </a:ln>
             <a:extLst>
               <a:ext uri="{91240B29-F687-4f45-9708-019B960494DF}">
-                <a14:hiddenLine xmlns:a14="http://schemas.microsoft.com/office/drawing/2010/main" xmlns="" w="9525">
+                <a14:hiddenLine xmlns="" xmlns:a14="http://schemas.microsoft.com/office/drawing/2010/main" w="9525">
                   <a:solidFill>
                     <a:srgbClr val="000000"/>
                   </a:solidFill>
@@ -4690,7 +4690,7 @@
             </a:ln>
             <a:extLst>
               <a:ext uri="{91240B29-F687-4f45-9708-019B960494DF}">
-                <a14:hiddenLine xmlns:a14="http://schemas.microsoft.com/office/drawing/2010/main" xmlns="" w="9525">
+                <a14:hiddenLine xmlns="" xmlns:a14="http://schemas.microsoft.com/office/drawing/2010/main" w="9525">
                   <a:solidFill>
                     <a:srgbClr val="000000"/>
                   </a:solidFill>
@@ -4780,7 +4780,7 @@
             </a:ln>
             <a:extLst>
               <a:ext uri="{91240B29-F687-4f45-9708-019B960494DF}">
-                <a14:hiddenLine xmlns:a14="http://schemas.microsoft.com/office/drawing/2010/main" xmlns="" w="9525">
+                <a14:hiddenLine xmlns="" xmlns:a14="http://schemas.microsoft.com/office/drawing/2010/main" w="9525">
                   <a:solidFill>
                     <a:srgbClr val="000000"/>
                   </a:solidFill>
@@ -4842,7 +4842,7 @@
             </a:ln>
             <a:extLst>
               <a:ext uri="{91240B29-F687-4f45-9708-019B960494DF}">
-                <a14:hiddenLine xmlns:a14="http://schemas.microsoft.com/office/drawing/2010/main" xmlns="" w="9525">
+                <a14:hiddenLine xmlns="" xmlns:a14="http://schemas.microsoft.com/office/drawing/2010/main" w="9525">
                   <a:solidFill>
                     <a:srgbClr val="000000"/>
                   </a:solidFill>
@@ -4932,7 +4932,7 @@
             </a:ln>
             <a:extLst>
               <a:ext uri="{91240B29-F687-4f45-9708-019B960494DF}">
-                <a14:hiddenLine xmlns:a14="http://schemas.microsoft.com/office/drawing/2010/main" xmlns="" w="9525">
+                <a14:hiddenLine xmlns="" xmlns:a14="http://schemas.microsoft.com/office/drawing/2010/main" w="9525">
                   <a:solidFill>
                     <a:srgbClr val="000000"/>
                   </a:solidFill>
@@ -5022,7 +5022,7 @@
             </a:ln>
             <a:extLst>
               <a:ext uri="{91240B29-F687-4f45-9708-019B960494DF}">
-                <a14:hiddenLine xmlns:a14="http://schemas.microsoft.com/office/drawing/2010/main" xmlns="" w="9525">
+                <a14:hiddenLine xmlns="" xmlns:a14="http://schemas.microsoft.com/office/drawing/2010/main" w="9525">
                   <a:solidFill>
                     <a:srgbClr val="000000"/>
                   </a:solidFill>
@@ -5087,7 +5087,7 @@
             </a:ln>
             <a:extLst>
               <a:ext uri="{91240B29-F687-4f45-9708-019B960494DF}">
-                <a14:hiddenLine xmlns:a14="http://schemas.microsoft.com/office/drawing/2010/main" xmlns="" w="9525">
+                <a14:hiddenLine xmlns="" xmlns:a14="http://schemas.microsoft.com/office/drawing/2010/main" w="9525">
                   <a:solidFill>
                     <a:srgbClr val="000000"/>
                   </a:solidFill>
@@ -5149,7 +5149,7 @@
             </a:ln>
             <a:extLst>
               <a:ext uri="{91240B29-F687-4f45-9708-019B960494DF}">
-                <a14:hiddenLine xmlns:a14="http://schemas.microsoft.com/office/drawing/2010/main" xmlns="" w="9525">
+                <a14:hiddenLine xmlns="" xmlns:a14="http://schemas.microsoft.com/office/drawing/2010/main" w="9525">
                   <a:solidFill>
                     <a:srgbClr val="000000"/>
                   </a:solidFill>
@@ -5239,7 +5239,7 @@
             </a:ln>
             <a:extLst>
               <a:ext uri="{91240B29-F687-4f45-9708-019B960494DF}">
-                <a14:hiddenLine xmlns:a14="http://schemas.microsoft.com/office/drawing/2010/main" xmlns="" w="9525">
+                <a14:hiddenLine xmlns="" xmlns:a14="http://schemas.microsoft.com/office/drawing/2010/main" w="9525">
                   <a:solidFill>
                     <a:srgbClr val="000000"/>
                   </a:solidFill>
@@ -5329,7 +5329,7 @@
             </a:ln>
             <a:extLst>
               <a:ext uri="{91240B29-F687-4f45-9708-019B960494DF}">
-                <a14:hiddenLine xmlns:a14="http://schemas.microsoft.com/office/drawing/2010/main" xmlns="" w="9525">
+                <a14:hiddenLine xmlns="" xmlns:a14="http://schemas.microsoft.com/office/drawing/2010/main" w="9525">
                   <a:solidFill>
                     <a:srgbClr val="000000"/>
                   </a:solidFill>
@@ -5391,7 +5391,7 @@
             </a:ln>
             <a:extLst>
               <a:ext uri="{91240B29-F687-4f45-9708-019B960494DF}">
-                <a14:hiddenLine xmlns:a14="http://schemas.microsoft.com/office/drawing/2010/main" xmlns="" w="9525">
+                <a14:hiddenLine xmlns="" xmlns:a14="http://schemas.microsoft.com/office/drawing/2010/main" w="9525">
                   <a:solidFill>
                     <a:srgbClr val="000000"/>
                   </a:solidFill>
@@ -5511,7 +5511,7 @@
             </a:ln>
             <a:extLst>
               <a:ext uri="{91240B29-F687-4f45-9708-019B960494DF}">
-                <a14:hiddenLine xmlns:a14="http://schemas.microsoft.com/office/drawing/2010/main" xmlns="" w="9525">
+                <a14:hiddenLine xmlns="" xmlns:a14="http://schemas.microsoft.com/office/drawing/2010/main" w="9525">
                   <a:solidFill>
                     <a:srgbClr val="000000"/>
                   </a:solidFill>
@@ -5579,7 +5579,7 @@
             </a:ln>
             <a:extLst>
               <a:ext uri="{91240B29-F687-4f45-9708-019B960494DF}">
-                <a14:hiddenLine xmlns:a14="http://schemas.microsoft.com/office/drawing/2010/main" xmlns="" w="9525">
+                <a14:hiddenLine xmlns="" xmlns:a14="http://schemas.microsoft.com/office/drawing/2010/main" w="9525">
                   <a:solidFill>
                     <a:srgbClr val="000000"/>
                   </a:solidFill>
@@ -5669,7 +5669,7 @@
             </a:ln>
             <a:extLst>
               <a:ext uri="{91240B29-F687-4f45-9708-019B960494DF}">
-                <a14:hiddenLine xmlns:a14="http://schemas.microsoft.com/office/drawing/2010/main" xmlns="" w="9525">
+                <a14:hiddenLine xmlns="" xmlns:a14="http://schemas.microsoft.com/office/drawing/2010/main" w="9525">
                   <a:solidFill>
                     <a:srgbClr val="000000"/>
                   </a:solidFill>
@@ -10398,7 +10398,7 @@
           <a:noFill/>
           <a:extLst>
             <a:ext uri="{909E8E84-426E-40dd-AFC4-6F175D3DCCD1}">
-              <a14:hiddenFill xmlns:a14="http://schemas.microsoft.com/office/drawing/2010/main" xmlns="">
+              <a14:hiddenFill xmlns="" xmlns:a14="http://schemas.microsoft.com/office/drawing/2010/main">
                 <a:solidFill>
                   <a:srgbClr val="FFFFFF"/>
                 </a:solidFill>
@@ -10472,7 +10472,7 @@
               </a:ln>
               <a:extLst>
                 <a:ext uri="{91240B29-F687-4f45-9708-019B960494DF}">
-                  <a14:hiddenLine xmlns:a14="http://schemas.microsoft.com/office/drawing/2010/main" xmlns="" w="9525">
+                  <a14:hiddenLine xmlns="" xmlns:a14="http://schemas.microsoft.com/office/drawing/2010/main" w="9525">
                     <a:solidFill>
                       <a:srgbClr val="000000"/>
                     </a:solidFill>
@@ -10562,7 +10562,7 @@
               </a:ln>
               <a:extLst>
                 <a:ext uri="{91240B29-F687-4f45-9708-019B960494DF}">
-                  <a14:hiddenLine xmlns:a14="http://schemas.microsoft.com/office/drawing/2010/main" xmlns="" w="9525">
+                  <a14:hiddenLine xmlns="" xmlns:a14="http://schemas.microsoft.com/office/drawing/2010/main" w="9525">
                     <a:solidFill>
                       <a:srgbClr val="000000"/>
                     </a:solidFill>
@@ -10652,7 +10652,7 @@
               </a:ln>
               <a:extLst>
                 <a:ext uri="{91240B29-F687-4f45-9708-019B960494DF}">
-                  <a14:hiddenLine xmlns:a14="http://schemas.microsoft.com/office/drawing/2010/main" xmlns="" w="9525">
+                  <a14:hiddenLine xmlns="" xmlns:a14="http://schemas.microsoft.com/office/drawing/2010/main" w="9525">
                     <a:solidFill>
                       <a:srgbClr val="000000"/>
                     </a:solidFill>
@@ -10714,7 +10714,7 @@
               </a:ln>
               <a:extLst>
                 <a:ext uri="{91240B29-F687-4f45-9708-019B960494DF}">
-                  <a14:hiddenLine xmlns:a14="http://schemas.microsoft.com/office/drawing/2010/main" xmlns="" w="9525">
+                  <a14:hiddenLine xmlns="" xmlns:a14="http://schemas.microsoft.com/office/drawing/2010/main" w="9525">
                     <a:solidFill>
                       <a:srgbClr val="000000"/>
                     </a:solidFill>
@@ -10804,7 +10804,7 @@
               </a:ln>
               <a:extLst>
                 <a:ext uri="{91240B29-F687-4f45-9708-019B960494DF}">
-                  <a14:hiddenLine xmlns:a14="http://schemas.microsoft.com/office/drawing/2010/main" xmlns="" w="9525">
+                  <a14:hiddenLine xmlns="" xmlns:a14="http://schemas.microsoft.com/office/drawing/2010/main" w="9525">
                     <a:solidFill>
                       <a:srgbClr val="000000"/>
                     </a:solidFill>
@@ -10866,7 +10866,7 @@
               </a:ln>
               <a:extLst>
                 <a:ext uri="{91240B29-F687-4f45-9708-019B960494DF}">
-                  <a14:hiddenLine xmlns:a14="http://schemas.microsoft.com/office/drawing/2010/main" xmlns="" w="9525">
+                  <a14:hiddenLine xmlns="" xmlns:a14="http://schemas.microsoft.com/office/drawing/2010/main" w="9525">
                     <a:solidFill>
                       <a:srgbClr val="000000"/>
                     </a:solidFill>
@@ -10928,7 +10928,7 @@
               </a:ln>
               <a:extLst>
                 <a:ext uri="{91240B29-F687-4f45-9708-019B960494DF}">
-                  <a14:hiddenLine xmlns:a14="http://schemas.microsoft.com/office/drawing/2010/main" xmlns="" w="9525">
+                  <a14:hiddenLine xmlns="" xmlns:a14="http://schemas.microsoft.com/office/drawing/2010/main" w="9525">
                     <a:solidFill>
                       <a:srgbClr val="000000"/>
                     </a:solidFill>
@@ -11018,7 +11018,7 @@
               </a:ln>
               <a:extLst>
                 <a:ext uri="{91240B29-F687-4f45-9708-019B960494DF}">
-                  <a14:hiddenLine xmlns:a14="http://schemas.microsoft.com/office/drawing/2010/main" xmlns="" w="9525">
+                  <a14:hiddenLine xmlns="" xmlns:a14="http://schemas.microsoft.com/office/drawing/2010/main" w="9525">
                     <a:solidFill>
                       <a:srgbClr val="000000"/>
                     </a:solidFill>
@@ -11108,7 +11108,7 @@
               </a:ln>
               <a:extLst>
                 <a:ext uri="{91240B29-F687-4f45-9708-019B960494DF}">
-                  <a14:hiddenLine xmlns:a14="http://schemas.microsoft.com/office/drawing/2010/main" xmlns="" w="9525">
+                  <a14:hiddenLine xmlns="" xmlns:a14="http://schemas.microsoft.com/office/drawing/2010/main" w="9525">
                     <a:solidFill>
                       <a:srgbClr val="000000"/>
                     </a:solidFill>
@@ -11170,7 +11170,7 @@
               </a:ln>
               <a:extLst>
                 <a:ext uri="{91240B29-F687-4f45-9708-019B960494DF}">
-                  <a14:hiddenLine xmlns:a14="http://schemas.microsoft.com/office/drawing/2010/main" xmlns="" w="9525">
+                  <a14:hiddenLine xmlns="" xmlns:a14="http://schemas.microsoft.com/office/drawing/2010/main" w="9525">
                     <a:solidFill>
                       <a:srgbClr val="000000"/>
                     </a:solidFill>
@@ -11280,7 +11280,7 @@
               </a:ln>
               <a:extLst>
                 <a:ext uri="{91240B29-F687-4f45-9708-019B960494DF}">
-                  <a14:hiddenLine xmlns:a14="http://schemas.microsoft.com/office/drawing/2010/main" xmlns="" w="9525">
+                  <a14:hiddenLine xmlns="" xmlns:a14="http://schemas.microsoft.com/office/drawing/2010/main" w="9525">
                     <a:solidFill>
                       <a:srgbClr val="000000"/>
                     </a:solidFill>
@@ -11364,7 +11364,7 @@
               </a:ln>
               <a:extLst>
                 <a:ext uri="{91240B29-F687-4f45-9708-019B960494DF}">
-                  <a14:hiddenLine xmlns:a14="http://schemas.microsoft.com/office/drawing/2010/main" xmlns="" w="9525">
+                  <a14:hiddenLine xmlns="" xmlns:a14="http://schemas.microsoft.com/office/drawing/2010/main" w="9525">
                     <a:solidFill>
                       <a:srgbClr val="000000"/>
                     </a:solidFill>
@@ -11426,7 +11426,7 @@
               </a:ln>
               <a:extLst>
                 <a:ext uri="{91240B29-F687-4f45-9708-019B960494DF}">
-                  <a14:hiddenLine xmlns:a14="http://schemas.microsoft.com/office/drawing/2010/main" xmlns="" w="9525">
+                  <a14:hiddenLine xmlns="" xmlns:a14="http://schemas.microsoft.com/office/drawing/2010/main" w="9525">
                     <a:solidFill>
                       <a:srgbClr val="000000"/>
                     </a:solidFill>
@@ -11488,7 +11488,7 @@
               </a:ln>
               <a:extLst>
                 <a:ext uri="{91240B29-F687-4f45-9708-019B960494DF}">
-                  <a14:hiddenLine xmlns:a14="http://schemas.microsoft.com/office/drawing/2010/main" xmlns="" w="9525">
+                  <a14:hiddenLine xmlns="" xmlns:a14="http://schemas.microsoft.com/office/drawing/2010/main" w="9525">
                     <a:solidFill>
                       <a:srgbClr val="000000"/>
                     </a:solidFill>
@@ -11578,7 +11578,7 @@
               </a:ln>
               <a:extLst>
                 <a:ext uri="{91240B29-F687-4f45-9708-019B960494DF}">
-                  <a14:hiddenLine xmlns:a14="http://schemas.microsoft.com/office/drawing/2010/main" xmlns="" w="9525">
+                  <a14:hiddenLine xmlns="" xmlns:a14="http://schemas.microsoft.com/office/drawing/2010/main" w="9525">
                     <a:solidFill>
                       <a:srgbClr val="000000"/>
                     </a:solidFill>
@@ -11612,7 +11612,7 @@
               </a:ln>
               <a:extLst>
                 <a:ext uri="{91240B29-F687-4f45-9708-019B960494DF}">
-                  <a14:hiddenLine xmlns:a14="http://schemas.microsoft.com/office/drawing/2010/main" xmlns="" w="9525">
+                  <a14:hiddenLine xmlns="" xmlns:a14="http://schemas.microsoft.com/office/drawing/2010/main" w="9525">
                     <a:solidFill>
                       <a:srgbClr val="000000"/>
                     </a:solidFill>
@@ -11677,7 +11677,7 @@
               </a:ln>
               <a:extLst>
                 <a:ext uri="{91240B29-F687-4f45-9708-019B960494DF}">
-                  <a14:hiddenLine xmlns:a14="http://schemas.microsoft.com/office/drawing/2010/main" xmlns="" w="9525">
+                  <a14:hiddenLine xmlns="" xmlns:a14="http://schemas.microsoft.com/office/drawing/2010/main" w="9525">
                     <a:solidFill>
                       <a:srgbClr val="000000"/>
                     </a:solidFill>
@@ -11767,7 +11767,7 @@
               </a:ln>
               <a:extLst>
                 <a:ext uri="{91240B29-F687-4f45-9708-019B960494DF}">
-                  <a14:hiddenLine xmlns:a14="http://schemas.microsoft.com/office/drawing/2010/main" xmlns="" w="9525">
+                  <a14:hiddenLine xmlns="" xmlns:a14="http://schemas.microsoft.com/office/drawing/2010/main" w="9525">
                     <a:solidFill>
                       <a:srgbClr val="000000"/>
                     </a:solidFill>
@@ -11829,7 +11829,7 @@
               </a:ln>
               <a:extLst>
                 <a:ext uri="{91240B29-F687-4f45-9708-019B960494DF}">
-                  <a14:hiddenLine xmlns:a14="http://schemas.microsoft.com/office/drawing/2010/main" xmlns="" w="9525">
+                  <a14:hiddenLine xmlns="" xmlns:a14="http://schemas.microsoft.com/office/drawing/2010/main" w="9525">
                     <a:solidFill>
                       <a:srgbClr val="000000"/>
                     </a:solidFill>
@@ -11919,7 +11919,7 @@
               </a:ln>
               <a:extLst>
                 <a:ext uri="{91240B29-F687-4f45-9708-019B960494DF}">
-                  <a14:hiddenLine xmlns:a14="http://schemas.microsoft.com/office/drawing/2010/main" xmlns="" w="9525">
+                  <a14:hiddenLine xmlns="" xmlns:a14="http://schemas.microsoft.com/office/drawing/2010/main" w="9525">
                     <a:solidFill>
                       <a:srgbClr val="000000"/>
                     </a:solidFill>
@@ -11984,7 +11984,7 @@
               </a:ln>
               <a:extLst>
                 <a:ext uri="{91240B29-F687-4f45-9708-019B960494DF}">
-                  <a14:hiddenLine xmlns:a14="http://schemas.microsoft.com/office/drawing/2010/main" xmlns="" w="9525">
+                  <a14:hiddenLine xmlns="" xmlns:a14="http://schemas.microsoft.com/office/drawing/2010/main" w="9525">
                     <a:solidFill>
                       <a:srgbClr val="000000"/>
                     </a:solidFill>
@@ -12046,7 +12046,7 @@
               </a:ln>
               <a:extLst>
                 <a:ext uri="{91240B29-F687-4f45-9708-019B960494DF}">
-                  <a14:hiddenLine xmlns:a14="http://schemas.microsoft.com/office/drawing/2010/main" xmlns="" w="9525">
+                  <a14:hiddenLine xmlns="" xmlns:a14="http://schemas.microsoft.com/office/drawing/2010/main" w="9525">
                     <a:solidFill>
                       <a:srgbClr val="000000"/>
                     </a:solidFill>
@@ -12136,7 +12136,7 @@
               </a:ln>
               <a:extLst>
                 <a:ext uri="{91240B29-F687-4f45-9708-019B960494DF}">
-                  <a14:hiddenLine xmlns:a14="http://schemas.microsoft.com/office/drawing/2010/main" xmlns="" w="9525">
+                  <a14:hiddenLine xmlns="" xmlns:a14="http://schemas.microsoft.com/office/drawing/2010/main" w="9525">
                     <a:solidFill>
                       <a:srgbClr val="000000"/>
                     </a:solidFill>
@@ -12226,7 +12226,7 @@
               </a:ln>
               <a:extLst>
                 <a:ext uri="{91240B29-F687-4f45-9708-019B960494DF}">
-                  <a14:hiddenLine xmlns:a14="http://schemas.microsoft.com/office/drawing/2010/main" xmlns="" w="9525">
+                  <a14:hiddenLine xmlns="" xmlns:a14="http://schemas.microsoft.com/office/drawing/2010/main" w="9525">
                     <a:solidFill>
                       <a:srgbClr val="000000"/>
                     </a:solidFill>
@@ -12291,7 +12291,7 @@
               </a:ln>
               <a:extLst>
                 <a:ext uri="{91240B29-F687-4f45-9708-019B960494DF}">
-                  <a14:hiddenLine xmlns:a14="http://schemas.microsoft.com/office/drawing/2010/main" xmlns="" w="9525">
+                  <a14:hiddenLine xmlns="" xmlns:a14="http://schemas.microsoft.com/office/drawing/2010/main" w="9525">
                     <a:solidFill>
                       <a:srgbClr val="000000"/>
                     </a:solidFill>
@@ -12411,7 +12411,7 @@
               </a:ln>
               <a:extLst>
                 <a:ext uri="{91240B29-F687-4f45-9708-019B960494DF}">
-                  <a14:hiddenLine xmlns:a14="http://schemas.microsoft.com/office/drawing/2010/main" xmlns="" w="9525">
+                  <a14:hiddenLine xmlns="" xmlns:a14="http://schemas.microsoft.com/office/drawing/2010/main" w="9525">
                     <a:solidFill>
                       <a:srgbClr val="000000"/>
                     </a:solidFill>
@@ -12492,7 +12492,7 @@
               </a:ln>
               <a:extLst>
                 <a:ext uri="{91240B29-F687-4f45-9708-019B960494DF}">
-                  <a14:hiddenLine xmlns:a14="http://schemas.microsoft.com/office/drawing/2010/main" xmlns="" w="9525">
+                  <a14:hiddenLine xmlns="" xmlns:a14="http://schemas.microsoft.com/office/drawing/2010/main" w="9525">
                     <a:solidFill>
                       <a:srgbClr val="000000"/>
                     </a:solidFill>
@@ -12607,7 +12607,7 @@
               </a:ln>
               <a:extLst>
                 <a:ext uri="{91240B29-F687-4f45-9708-019B960494DF}">
-                  <a14:hiddenLine xmlns:a14="http://schemas.microsoft.com/office/drawing/2010/main" xmlns="" w="9525">
+                  <a14:hiddenLine xmlns="" xmlns:a14="http://schemas.microsoft.com/office/drawing/2010/main" w="9525">
                     <a:solidFill>
                       <a:srgbClr val="000000"/>
                     </a:solidFill>
@@ -12697,7 +12697,7 @@
               </a:ln>
               <a:extLst>
                 <a:ext uri="{91240B29-F687-4f45-9708-019B960494DF}">
-                  <a14:hiddenLine xmlns:a14="http://schemas.microsoft.com/office/drawing/2010/main" xmlns="" w="9525">
+                  <a14:hiddenLine xmlns="" xmlns:a14="http://schemas.microsoft.com/office/drawing/2010/main" w="9525">
                     <a:solidFill>
                       <a:srgbClr val="000000"/>
                     </a:solidFill>
@@ -12762,7 +12762,7 @@
               </a:ln>
               <a:extLst>
                 <a:ext uri="{91240B29-F687-4f45-9708-019B960494DF}">
-                  <a14:hiddenLine xmlns:a14="http://schemas.microsoft.com/office/drawing/2010/main" xmlns="" w="9525">
+                  <a14:hiddenLine xmlns="" xmlns:a14="http://schemas.microsoft.com/office/drawing/2010/main" w="9525">
                     <a:solidFill>
                       <a:srgbClr val="000000"/>
                     </a:solidFill>
@@ -12852,7 +12852,7 @@
               </a:ln>
               <a:extLst>
                 <a:ext uri="{91240B29-F687-4f45-9708-019B960494DF}">
-                  <a14:hiddenLine xmlns:a14="http://schemas.microsoft.com/office/drawing/2010/main" xmlns="" w="9525">
+                  <a14:hiddenLine xmlns="" xmlns:a14="http://schemas.microsoft.com/office/drawing/2010/main" w="9525">
                     <a:solidFill>
                       <a:srgbClr val="000000"/>
                     </a:solidFill>
@@ -12920,7 +12920,7 @@
               </a:ln>
               <a:extLst>
                 <a:ext uri="{91240B29-F687-4f45-9708-019B960494DF}">
-                  <a14:hiddenLine xmlns:a14="http://schemas.microsoft.com/office/drawing/2010/main" xmlns="" w="9525">
+                  <a14:hiddenLine xmlns="" xmlns:a14="http://schemas.microsoft.com/office/drawing/2010/main" w="9525">
                     <a:solidFill>
                       <a:srgbClr val="000000"/>
                     </a:solidFill>
@@ -13010,7 +13010,7 @@
               </a:ln>
               <a:extLst>
                 <a:ext uri="{91240B29-F687-4f45-9708-019B960494DF}">
-                  <a14:hiddenLine xmlns:a14="http://schemas.microsoft.com/office/drawing/2010/main" xmlns="" w="9525">
+                  <a14:hiddenLine xmlns="" xmlns:a14="http://schemas.microsoft.com/office/drawing/2010/main" w="9525">
                     <a:solidFill>
                       <a:srgbClr val="000000"/>
                     </a:solidFill>
@@ -13078,7 +13078,7 @@
               </a:ln>
               <a:extLst>
                 <a:ext uri="{91240B29-F687-4f45-9708-019B960494DF}">
-                  <a14:hiddenLine xmlns:a14="http://schemas.microsoft.com/office/drawing/2010/main" xmlns="" w="9525">
+                  <a14:hiddenLine xmlns="" xmlns:a14="http://schemas.microsoft.com/office/drawing/2010/main" w="9525">
                     <a:solidFill>
                       <a:srgbClr val="000000"/>
                     </a:solidFill>
@@ -13168,7 +13168,7 @@
               </a:ln>
               <a:extLst>
                 <a:ext uri="{91240B29-F687-4f45-9708-019B960494DF}">
-                  <a14:hiddenLine xmlns:a14="http://schemas.microsoft.com/office/drawing/2010/main" xmlns="" w="9525">
+                  <a14:hiddenLine xmlns="" xmlns:a14="http://schemas.microsoft.com/office/drawing/2010/main" w="9525">
                     <a:solidFill>
                       <a:srgbClr val="000000"/>
                     </a:solidFill>
@@ -13202,7 +13202,7 @@
               </a:ln>
               <a:extLst>
                 <a:ext uri="{91240B29-F687-4f45-9708-019B960494DF}">
-                  <a14:hiddenLine xmlns:a14="http://schemas.microsoft.com/office/drawing/2010/main" xmlns="" w="9525">
+                  <a14:hiddenLine xmlns="" xmlns:a14="http://schemas.microsoft.com/office/drawing/2010/main" w="9525">
                     <a:solidFill>
                       <a:srgbClr val="000000"/>
                     </a:solidFill>
@@ -15138,10 +15138,10 @@
       </p:sp>
       <p:pic>
         <p:nvPicPr>
-          <p:cNvPr id="6" name="Marcador de contenido 5" descr="Diagrama&#10;&#10;Descripción generada automáticamente">
+          <p:cNvPr id="7" name="Marcador de contenido 6" descr="Diagrama&#10;&#10;Descripción generada automáticamente">
             <a:extLst>
               <a:ext uri="{FF2B5EF4-FFF2-40B4-BE49-F238E27FC236}">
-                <a16:creationId xmlns:a16="http://schemas.microsoft.com/office/drawing/2014/main" id="{42FDF08F-2853-4C18-9C9B-6BDCB586D80D}"/>
+                <a16:creationId xmlns:a16="http://schemas.microsoft.com/office/drawing/2014/main" id="{30CE64B7-A08E-0461-C7EF-54588186EF5C}"/>
               </a:ext>
             </a:extLst>
           </p:cNvPr>
@@ -15160,8 +15160,8 @@
         </p:blipFill>
         <p:spPr>
           <a:xfrm>
-            <a:off x="2677139" y="867008"/>
-            <a:ext cx="6837721" cy="5651991"/>
+            <a:off x="1321939" y="1013422"/>
+            <a:ext cx="8205095" cy="5661610"/>
           </a:xfrm>
         </p:spPr>
       </p:pic>
@@ -15251,7 +15251,7 @@
           <a:noFill/>
           <a:extLst>
             <a:ext uri="{909E8E84-426E-40dd-AFC4-6F175D3DCCD1}">
-              <a14:hiddenFill xmlns:a14="http://schemas.microsoft.com/office/drawing/2010/main" xmlns:a16="http://schemas.microsoft.com/office/drawing/2014/main" xmlns="">
+              <a14:hiddenFill xmlns="" xmlns:a16="http://schemas.microsoft.com/office/drawing/2014/main" xmlns:a14="http://schemas.microsoft.com/office/drawing/2010/main">
                 <a:solidFill>
                   <a:srgbClr val="FFFFFF"/>
                 </a:solidFill>
@@ -15343,7 +15343,7 @@
             </a:ln>
             <a:extLst>
               <a:ext uri="{91240B29-F687-4f45-9708-019B960494DF}">
-                <a14:hiddenLine xmlns:a14="http://schemas.microsoft.com/office/drawing/2010/main" xmlns:a16="http://schemas.microsoft.com/office/drawing/2014/main" xmlns="" w="9525">
+                <a14:hiddenLine xmlns="" xmlns:a16="http://schemas.microsoft.com/office/drawing/2014/main" xmlns:a14="http://schemas.microsoft.com/office/drawing/2010/main" w="9525">
                   <a:solidFill>
                     <a:srgbClr val="000000"/>
                   </a:solidFill>
@@ -15448,7 +15448,7 @@
             </a:ln>
             <a:extLst>
               <a:ext uri="{91240B29-F687-4f45-9708-019B960494DF}">
-                <a14:hiddenLine xmlns:a14="http://schemas.microsoft.com/office/drawing/2010/main" xmlns:a16="http://schemas.microsoft.com/office/drawing/2014/main" xmlns="" w="9525">
+                <a14:hiddenLine xmlns="" xmlns:a16="http://schemas.microsoft.com/office/drawing/2014/main" xmlns:a14="http://schemas.microsoft.com/office/drawing/2010/main" w="9525">
                   <a:solidFill>
                     <a:srgbClr val="000000"/>
                   </a:solidFill>
@@ -15553,7 +15553,7 @@
             </a:ln>
             <a:extLst>
               <a:ext uri="{91240B29-F687-4f45-9708-019B960494DF}">
-                <a14:hiddenLine xmlns:a14="http://schemas.microsoft.com/office/drawing/2010/main" xmlns:a16="http://schemas.microsoft.com/office/drawing/2014/main" xmlns="" w="9525">
+                <a14:hiddenLine xmlns="" xmlns:a16="http://schemas.microsoft.com/office/drawing/2014/main" xmlns:a14="http://schemas.microsoft.com/office/drawing/2010/main" w="9525">
                   <a:solidFill>
                     <a:srgbClr val="000000"/>
                   </a:solidFill>
@@ -15602,7 +15602,7 @@
             </a:ln>
             <a:extLst>
               <a:ext uri="{91240B29-F687-4f45-9708-019B960494DF}">
-                <a14:hiddenLine xmlns:a14="http://schemas.microsoft.com/office/drawing/2010/main" xmlns:a16="http://schemas.microsoft.com/office/drawing/2014/main" xmlns="" w="9525">
+                <a14:hiddenLine xmlns="" xmlns:a16="http://schemas.microsoft.com/office/drawing/2014/main" xmlns:a14="http://schemas.microsoft.com/office/drawing/2010/main" w="9525">
                   <a:solidFill>
                     <a:srgbClr val="000000"/>
                   </a:solidFill>
@@ -15707,7 +15707,7 @@
             </a:ln>
             <a:extLst>
               <a:ext uri="{91240B29-F687-4f45-9708-019B960494DF}">
-                <a14:hiddenLine xmlns:a14="http://schemas.microsoft.com/office/drawing/2010/main" xmlns:a16="http://schemas.microsoft.com/office/drawing/2014/main" xmlns="" w="9525">
+                <a14:hiddenLine xmlns="" xmlns:a16="http://schemas.microsoft.com/office/drawing/2014/main" xmlns:a14="http://schemas.microsoft.com/office/drawing/2010/main" w="9525">
                   <a:solidFill>
                     <a:srgbClr val="000000"/>
                   </a:solidFill>
@@ -15784,7 +15784,7 @@
             </a:ln>
             <a:extLst>
               <a:ext uri="{91240B29-F687-4f45-9708-019B960494DF}">
-                <a14:hiddenLine xmlns:a14="http://schemas.microsoft.com/office/drawing/2010/main" xmlns:a16="http://schemas.microsoft.com/office/drawing/2014/main" xmlns="" w="9525">
+                <a14:hiddenLine xmlns="" xmlns:a16="http://schemas.microsoft.com/office/drawing/2014/main" xmlns:a14="http://schemas.microsoft.com/office/drawing/2010/main" w="9525">
                   <a:solidFill>
                     <a:srgbClr val="000000"/>
                   </a:solidFill>
@@ -15861,7 +15861,7 @@
             </a:ln>
             <a:extLst>
               <a:ext uri="{91240B29-F687-4f45-9708-019B960494DF}">
-                <a14:hiddenLine xmlns:a14="http://schemas.microsoft.com/office/drawing/2010/main" xmlns:a16="http://schemas.microsoft.com/office/drawing/2014/main" xmlns="" w="9525">
+                <a14:hiddenLine xmlns="" xmlns:a16="http://schemas.microsoft.com/office/drawing/2014/main" xmlns:a14="http://schemas.microsoft.com/office/drawing/2010/main" w="9525">
                   <a:solidFill>
                     <a:srgbClr val="000000"/>
                   </a:solidFill>
@@ -15966,7 +15966,7 @@
             </a:ln>
             <a:extLst>
               <a:ext uri="{91240B29-F687-4f45-9708-019B960494DF}">
-                <a14:hiddenLine xmlns:a14="http://schemas.microsoft.com/office/drawing/2010/main" xmlns:a16="http://schemas.microsoft.com/office/drawing/2014/main" xmlns="" w="9525">
+                <a14:hiddenLine xmlns="" xmlns:a16="http://schemas.microsoft.com/office/drawing/2014/main" xmlns:a14="http://schemas.microsoft.com/office/drawing/2010/main" w="9525">
                   <a:solidFill>
                     <a:srgbClr val="000000"/>
                   </a:solidFill>
@@ -16043,7 +16043,7 @@
             </a:ln>
             <a:extLst>
               <a:ext uri="{91240B29-F687-4f45-9708-019B960494DF}">
-                <a14:hiddenLine xmlns:a14="http://schemas.microsoft.com/office/drawing/2010/main" xmlns:a16="http://schemas.microsoft.com/office/drawing/2014/main" xmlns="" w="9525">
+                <a14:hiddenLine xmlns="" xmlns:a16="http://schemas.microsoft.com/office/drawing/2014/main" xmlns:a14="http://schemas.microsoft.com/office/drawing/2010/main" w="9525">
                   <a:solidFill>
                     <a:srgbClr val="000000"/>
                   </a:solidFill>
@@ -16120,7 +16120,7 @@
             </a:ln>
             <a:extLst>
               <a:ext uri="{91240B29-F687-4f45-9708-019B960494DF}">
-                <a14:hiddenLine xmlns:a14="http://schemas.microsoft.com/office/drawing/2010/main" xmlns:a16="http://schemas.microsoft.com/office/drawing/2014/main" xmlns="" w="9525">
+                <a14:hiddenLine xmlns="" xmlns:a16="http://schemas.microsoft.com/office/drawing/2014/main" xmlns:a14="http://schemas.microsoft.com/office/drawing/2010/main" w="9525">
                   <a:solidFill>
                     <a:srgbClr val="000000"/>
                   </a:solidFill>
@@ -16225,7 +16225,7 @@
             </a:ln>
             <a:extLst>
               <a:ext uri="{91240B29-F687-4f45-9708-019B960494DF}">
-                <a14:hiddenLine xmlns:a14="http://schemas.microsoft.com/office/drawing/2010/main" xmlns:a16="http://schemas.microsoft.com/office/drawing/2014/main" xmlns="" w="9525">
+                <a14:hiddenLine xmlns="" xmlns:a16="http://schemas.microsoft.com/office/drawing/2014/main" xmlns:a14="http://schemas.microsoft.com/office/drawing/2010/main" w="9525">
                   <a:solidFill>
                     <a:srgbClr val="000000"/>
                   </a:solidFill>
@@ -16330,7 +16330,7 @@
             </a:ln>
             <a:extLst>
               <a:ext uri="{91240B29-F687-4f45-9708-019B960494DF}">
-                <a14:hiddenLine xmlns:a14="http://schemas.microsoft.com/office/drawing/2010/main" xmlns:a16="http://schemas.microsoft.com/office/drawing/2014/main" xmlns="" w="9525">
+                <a14:hiddenLine xmlns="" xmlns:a16="http://schemas.microsoft.com/office/drawing/2014/main" xmlns:a14="http://schemas.microsoft.com/office/drawing/2010/main" w="9525">
                   <a:solidFill>
                     <a:srgbClr val="000000"/>
                   </a:solidFill>
@@ -16407,7 +16407,7 @@
             </a:ln>
             <a:extLst>
               <a:ext uri="{91240B29-F687-4f45-9708-019B960494DF}">
-                <a14:hiddenLine xmlns:a14="http://schemas.microsoft.com/office/drawing/2010/main" xmlns:a16="http://schemas.microsoft.com/office/drawing/2014/main" xmlns="" w="9525">
+                <a14:hiddenLine xmlns="" xmlns:a16="http://schemas.microsoft.com/office/drawing/2014/main" xmlns:a14="http://schemas.microsoft.com/office/drawing/2010/main" w="9525">
                   <a:solidFill>
                     <a:srgbClr val="000000"/>
                   </a:solidFill>
@@ -16532,7 +16532,7 @@
             </a:ln>
             <a:extLst>
               <a:ext uri="{91240B29-F687-4f45-9708-019B960494DF}">
-                <a14:hiddenLine xmlns:a14="http://schemas.microsoft.com/office/drawing/2010/main" xmlns:a16="http://schemas.microsoft.com/office/drawing/2014/main" xmlns="" w="9525">
+                <a14:hiddenLine xmlns="" xmlns:a16="http://schemas.microsoft.com/office/drawing/2014/main" xmlns:a14="http://schemas.microsoft.com/office/drawing/2010/main" w="9525">
                   <a:solidFill>
                     <a:srgbClr val="000000"/>
                   </a:solidFill>
@@ -16609,7 +16609,7 @@
             </a:ln>
             <a:extLst>
               <a:ext uri="{91240B29-F687-4f45-9708-019B960494DF}">
-                <a14:hiddenLine xmlns:a14="http://schemas.microsoft.com/office/drawing/2010/main" xmlns:a16="http://schemas.microsoft.com/office/drawing/2014/main" xmlns="" w="9525">
+                <a14:hiddenLine xmlns="" xmlns:a16="http://schemas.microsoft.com/office/drawing/2014/main" xmlns:a14="http://schemas.microsoft.com/office/drawing/2010/main" w="9525">
                   <a:solidFill>
                     <a:srgbClr val="000000"/>
                   </a:solidFill>
@@ -16714,7 +16714,7 @@
             </a:ln>
             <a:extLst>
               <a:ext uri="{91240B29-F687-4f45-9708-019B960494DF}">
-                <a14:hiddenLine xmlns:a14="http://schemas.microsoft.com/office/drawing/2010/main" xmlns:a16="http://schemas.microsoft.com/office/drawing/2014/main" xmlns="" w="9525">
+                <a14:hiddenLine xmlns="" xmlns:a16="http://schemas.microsoft.com/office/drawing/2014/main" xmlns:a14="http://schemas.microsoft.com/office/drawing/2010/main" w="9525">
                   <a:solidFill>
                     <a:srgbClr val="000000"/>
                   </a:solidFill>
@@ -16819,7 +16819,7 @@
             </a:ln>
             <a:extLst>
               <a:ext uri="{91240B29-F687-4f45-9708-019B960494DF}">
-                <a14:hiddenLine xmlns:a14="http://schemas.microsoft.com/office/drawing/2010/main" xmlns:a16="http://schemas.microsoft.com/office/drawing/2014/main" xmlns="" w="9525">
+                <a14:hiddenLine xmlns="" xmlns:a16="http://schemas.microsoft.com/office/drawing/2014/main" xmlns:a14="http://schemas.microsoft.com/office/drawing/2010/main" w="9525">
                   <a:solidFill>
                     <a:srgbClr val="000000"/>
                   </a:solidFill>
@@ -16896,7 +16896,7 @@
             </a:ln>
             <a:extLst>
               <a:ext uri="{91240B29-F687-4f45-9708-019B960494DF}">
-                <a14:hiddenLine xmlns:a14="http://schemas.microsoft.com/office/drawing/2010/main" xmlns:a16="http://schemas.microsoft.com/office/drawing/2014/main" xmlns="" w="9525">
+                <a14:hiddenLine xmlns="" xmlns:a16="http://schemas.microsoft.com/office/drawing/2014/main" xmlns:a14="http://schemas.microsoft.com/office/drawing/2010/main" w="9525">
                   <a:solidFill>
                     <a:srgbClr val="000000"/>
                   </a:solidFill>
@@ -17001,7 +17001,7 @@
             </a:ln>
             <a:extLst>
               <a:ext uri="{91240B29-F687-4f45-9708-019B960494DF}">
-                <a14:hiddenLine xmlns:a14="http://schemas.microsoft.com/office/drawing/2010/main" xmlns:a16="http://schemas.microsoft.com/office/drawing/2014/main" xmlns="" w="9525">
+                <a14:hiddenLine xmlns="" xmlns:a16="http://schemas.microsoft.com/office/drawing/2014/main" xmlns:a14="http://schemas.microsoft.com/office/drawing/2010/main" w="9525">
                   <a:solidFill>
                     <a:srgbClr val="000000"/>
                   </a:solidFill>
@@ -17106,7 +17106,7 @@
             </a:ln>
             <a:extLst>
               <a:ext uri="{91240B29-F687-4f45-9708-019B960494DF}">
-                <a14:hiddenLine xmlns:a14="http://schemas.microsoft.com/office/drawing/2010/main" xmlns:a16="http://schemas.microsoft.com/office/drawing/2014/main" xmlns="" w="9525">
+                <a14:hiddenLine xmlns="" xmlns:a16="http://schemas.microsoft.com/office/drawing/2014/main" xmlns:a14="http://schemas.microsoft.com/office/drawing/2010/main" w="9525">
                   <a:solidFill>
                     <a:srgbClr val="000000"/>
                   </a:solidFill>
@@ -17177,7 +17177,7 @@
             </a:ln>
             <a:extLst>
               <a:ext uri="{91240B29-F687-4f45-9708-019B960494DF}">
-                <a14:hiddenLine xmlns:a14="http://schemas.microsoft.com/office/drawing/2010/main" xmlns:a16="http://schemas.microsoft.com/office/drawing/2014/main" xmlns="" w="9525">
+                <a14:hiddenLine xmlns="" xmlns:a16="http://schemas.microsoft.com/office/drawing/2014/main" xmlns:a14="http://schemas.microsoft.com/office/drawing/2010/main" w="9525">
                   <a:solidFill>
                     <a:srgbClr val="000000"/>
                   </a:solidFill>
@@ -17282,7 +17282,7 @@
             </a:ln>
             <a:extLst>
               <a:ext uri="{91240B29-F687-4f45-9708-019B960494DF}">
-                <a14:hiddenLine xmlns:a14="http://schemas.microsoft.com/office/drawing/2010/main" xmlns:a16="http://schemas.microsoft.com/office/drawing/2014/main" xmlns="" w="9525">
+                <a14:hiddenLine xmlns="" xmlns:a16="http://schemas.microsoft.com/office/drawing/2014/main" xmlns:a14="http://schemas.microsoft.com/office/drawing/2010/main" w="9525">
                   <a:solidFill>
                     <a:srgbClr val="000000"/>
                   </a:solidFill>
@@ -17353,7 +17353,7 @@
             </a:ln>
             <a:extLst>
               <a:ext uri="{91240B29-F687-4f45-9708-019B960494DF}">
-                <a14:hiddenLine xmlns:a14="http://schemas.microsoft.com/office/drawing/2010/main" xmlns:a16="http://schemas.microsoft.com/office/drawing/2014/main" xmlns="" w="9525">
+                <a14:hiddenLine xmlns="" xmlns:a16="http://schemas.microsoft.com/office/drawing/2014/main" xmlns:a14="http://schemas.microsoft.com/office/drawing/2010/main" w="9525">
                   <a:solidFill>
                     <a:srgbClr val="000000"/>
                   </a:solidFill>
@@ -17458,7 +17458,7 @@
             </a:ln>
             <a:extLst>
               <a:ext uri="{91240B29-F687-4f45-9708-019B960494DF}">
-                <a14:hiddenLine xmlns:a14="http://schemas.microsoft.com/office/drawing/2010/main" xmlns:a16="http://schemas.microsoft.com/office/drawing/2014/main" xmlns="" w="9525">
+                <a14:hiddenLine xmlns="" xmlns:a16="http://schemas.microsoft.com/office/drawing/2014/main" xmlns:a14="http://schemas.microsoft.com/office/drawing/2010/main" w="9525">
                   <a:solidFill>
                     <a:srgbClr val="000000"/>
                   </a:solidFill>
@@ -17541,7 +17541,7 @@
             </a:ln>
             <a:extLst>
               <a:ext uri="{91240B29-F687-4f45-9708-019B960494DF}">
-                <a14:hiddenLine xmlns:a14="http://schemas.microsoft.com/office/drawing/2010/main" xmlns:a16="http://schemas.microsoft.com/office/drawing/2014/main" xmlns="" w="9525">
+                <a14:hiddenLine xmlns="" xmlns:a16="http://schemas.microsoft.com/office/drawing/2014/main" xmlns:a14="http://schemas.microsoft.com/office/drawing/2010/main" w="9525">
                   <a:solidFill>
                     <a:srgbClr val="000000"/>
                   </a:solidFill>
@@ -17646,7 +17646,7 @@
             </a:ln>
             <a:extLst>
               <a:ext uri="{91240B29-F687-4f45-9708-019B960494DF}">
-                <a14:hiddenLine xmlns:a14="http://schemas.microsoft.com/office/drawing/2010/main" xmlns:a16="http://schemas.microsoft.com/office/drawing/2014/main" xmlns="" w="9525">
+                <a14:hiddenLine xmlns="" xmlns:a16="http://schemas.microsoft.com/office/drawing/2014/main" xmlns:a14="http://schemas.microsoft.com/office/drawing/2010/main" w="9525">
                   <a:solidFill>
                     <a:srgbClr val="000000"/>
                   </a:solidFill>
@@ -17729,7 +17729,7 @@
             </a:ln>
             <a:extLst>
               <a:ext uri="{91240B29-F687-4f45-9708-019B960494DF}">
-                <a14:hiddenLine xmlns:a14="http://schemas.microsoft.com/office/drawing/2010/main" xmlns:a16="http://schemas.microsoft.com/office/drawing/2014/main" xmlns="" w="9525">
+                <a14:hiddenLine xmlns="" xmlns:a16="http://schemas.microsoft.com/office/drawing/2014/main" xmlns:a14="http://schemas.microsoft.com/office/drawing/2010/main" w="9525">
                   <a:solidFill>
                     <a:srgbClr val="000000"/>
                   </a:solidFill>
@@ -17834,7 +17834,7 @@
             </a:ln>
             <a:extLst>
               <a:ext uri="{91240B29-F687-4f45-9708-019B960494DF}">
-                <a14:hiddenLine xmlns:a14="http://schemas.microsoft.com/office/drawing/2010/main" xmlns:a16="http://schemas.microsoft.com/office/drawing/2014/main" xmlns="" w="9525">
+                <a14:hiddenLine xmlns="" xmlns:a16="http://schemas.microsoft.com/office/drawing/2014/main" xmlns:a14="http://schemas.microsoft.com/office/drawing/2010/main" w="9525">
                   <a:solidFill>
                     <a:srgbClr val="000000"/>
                   </a:solidFill>
@@ -17883,7 +17883,7 @@
             </a:ln>
             <a:extLst>
               <a:ext uri="{91240B29-F687-4f45-9708-019B960494DF}">
-                <a14:hiddenLine xmlns:a14="http://schemas.microsoft.com/office/drawing/2010/main" xmlns:a16="http://schemas.microsoft.com/office/drawing/2014/main" xmlns="" w="9525">
+                <a14:hiddenLine xmlns="" xmlns:a16="http://schemas.microsoft.com/office/drawing/2014/main" xmlns:a14="http://schemas.microsoft.com/office/drawing/2010/main" w="9525">
                   <a:solidFill>
                     <a:srgbClr val="000000"/>
                   </a:solidFill>
@@ -17988,7 +17988,7 @@
             </a:ln>
             <a:extLst>
               <a:ext uri="{91240B29-F687-4f45-9708-019B960494DF}">
-                <a14:hiddenLine xmlns:a14="http://schemas.microsoft.com/office/drawing/2010/main" xmlns:a16="http://schemas.microsoft.com/office/drawing/2014/main" xmlns="" w="9525">
+                <a14:hiddenLine xmlns="" xmlns:a16="http://schemas.microsoft.com/office/drawing/2014/main" xmlns:a14="http://schemas.microsoft.com/office/drawing/2010/main" w="9525">
                   <a:solidFill>
                     <a:srgbClr val="000000"/>
                   </a:solidFill>
@@ -18065,7 +18065,7 @@
             </a:ln>
             <a:extLst>
               <a:ext uri="{91240B29-F687-4f45-9708-019B960494DF}">
-                <a14:hiddenLine xmlns:a14="http://schemas.microsoft.com/office/drawing/2010/main" xmlns:a16="http://schemas.microsoft.com/office/drawing/2014/main" xmlns="" w="9525">
+                <a14:hiddenLine xmlns="" xmlns:a16="http://schemas.microsoft.com/office/drawing/2014/main" xmlns:a14="http://schemas.microsoft.com/office/drawing/2010/main" w="9525">
                   <a:solidFill>
                     <a:srgbClr val="000000"/>
                   </a:solidFill>
@@ -18142,7 +18142,7 @@
             </a:ln>
             <a:extLst>
               <a:ext uri="{91240B29-F687-4f45-9708-019B960494DF}">
-                <a14:hiddenLine xmlns:a14="http://schemas.microsoft.com/office/drawing/2010/main" xmlns:a16="http://schemas.microsoft.com/office/drawing/2014/main" xmlns="" w="9525">
+                <a14:hiddenLine xmlns="" xmlns:a16="http://schemas.microsoft.com/office/drawing/2014/main" xmlns:a14="http://schemas.microsoft.com/office/drawing/2010/main" w="9525">
                   <a:solidFill>
                     <a:srgbClr val="000000"/>
                   </a:solidFill>
@@ -18247,7 +18247,7 @@
             </a:ln>
             <a:extLst>
               <a:ext uri="{91240B29-F687-4f45-9708-019B960494DF}">
-                <a14:hiddenLine xmlns:a14="http://schemas.microsoft.com/office/drawing/2010/main" xmlns:a16="http://schemas.microsoft.com/office/drawing/2014/main" xmlns="" w="9525">
+                <a14:hiddenLine xmlns="" xmlns:a16="http://schemas.microsoft.com/office/drawing/2014/main" xmlns:a14="http://schemas.microsoft.com/office/drawing/2010/main" w="9525">
                   <a:solidFill>
                     <a:srgbClr val="000000"/>
                   </a:solidFill>
@@ -18330,7 +18330,7 @@
             </a:ln>
             <a:extLst>
               <a:ext uri="{91240B29-F687-4f45-9708-019B960494DF}">
-                <a14:hiddenLine xmlns:a14="http://schemas.microsoft.com/office/drawing/2010/main" xmlns:a16="http://schemas.microsoft.com/office/drawing/2014/main" xmlns="" w="9525">
+                <a14:hiddenLine xmlns="" xmlns:a16="http://schemas.microsoft.com/office/drawing/2014/main" xmlns:a14="http://schemas.microsoft.com/office/drawing/2010/main" w="9525">
                   <a:solidFill>
                     <a:srgbClr val="000000"/>
                   </a:solidFill>
@@ -18407,7 +18407,7 @@
             </a:ln>
             <a:extLst>
               <a:ext uri="{91240B29-F687-4f45-9708-019B960494DF}">
-                <a14:hiddenLine xmlns:a14="http://schemas.microsoft.com/office/drawing/2010/main" xmlns:a16="http://schemas.microsoft.com/office/drawing/2014/main" xmlns="" w="9525">
+                <a14:hiddenLine xmlns="" xmlns:a16="http://schemas.microsoft.com/office/drawing/2014/main" xmlns:a14="http://schemas.microsoft.com/office/drawing/2010/main" w="9525">
                   <a:solidFill>
                     <a:srgbClr val="000000"/>
                   </a:solidFill>
@@ -18512,7 +18512,7 @@
             </a:ln>
             <a:extLst>
               <a:ext uri="{91240B29-F687-4f45-9708-019B960494DF}">
-                <a14:hiddenLine xmlns:a14="http://schemas.microsoft.com/office/drawing/2010/main" xmlns:a16="http://schemas.microsoft.com/office/drawing/2014/main" xmlns="" w="9525">
+                <a14:hiddenLine xmlns="" xmlns:a16="http://schemas.microsoft.com/office/drawing/2014/main" xmlns:a14="http://schemas.microsoft.com/office/drawing/2010/main" w="9525">
                   <a:solidFill>
                     <a:srgbClr val="000000"/>
                   </a:solidFill>
@@ -18589,7 +18589,7 @@
             </a:ln>
             <a:extLst>
               <a:ext uri="{91240B29-F687-4f45-9708-019B960494DF}">
-                <a14:hiddenLine xmlns:a14="http://schemas.microsoft.com/office/drawing/2010/main" xmlns:a16="http://schemas.microsoft.com/office/drawing/2014/main" xmlns="" w="9525">
+                <a14:hiddenLine xmlns="" xmlns:a16="http://schemas.microsoft.com/office/drawing/2014/main" xmlns:a14="http://schemas.microsoft.com/office/drawing/2010/main" w="9525">
                   <a:solidFill>
                     <a:srgbClr val="000000"/>
                   </a:solidFill>
@@ -18694,7 +18694,7 @@
             </a:ln>
             <a:extLst>
               <a:ext uri="{91240B29-F687-4f45-9708-019B960494DF}">
-                <a14:hiddenLine xmlns:a14="http://schemas.microsoft.com/office/drawing/2010/main" xmlns:a16="http://schemas.microsoft.com/office/drawing/2014/main" xmlns="" w="9525">
+                <a14:hiddenLine xmlns="" xmlns:a16="http://schemas.microsoft.com/office/drawing/2014/main" xmlns:a14="http://schemas.microsoft.com/office/drawing/2010/main" w="9525">
                   <a:solidFill>
                     <a:srgbClr val="000000"/>
                   </a:solidFill>
@@ -18771,7 +18771,7 @@
             </a:ln>
             <a:extLst>
               <a:ext uri="{91240B29-F687-4f45-9708-019B960494DF}">
-                <a14:hiddenLine xmlns:a14="http://schemas.microsoft.com/office/drawing/2010/main" xmlns:a16="http://schemas.microsoft.com/office/drawing/2014/main" xmlns="" w="9525">
+                <a14:hiddenLine xmlns="" xmlns:a16="http://schemas.microsoft.com/office/drawing/2014/main" xmlns:a14="http://schemas.microsoft.com/office/drawing/2010/main" w="9525">
                   <a:solidFill>
                     <a:srgbClr val="000000"/>
                   </a:solidFill>
@@ -18876,7 +18876,7 @@
             </a:ln>
             <a:extLst>
               <a:ext uri="{91240B29-F687-4f45-9708-019B960494DF}">
-                <a14:hiddenLine xmlns:a14="http://schemas.microsoft.com/office/drawing/2010/main" xmlns:a16="http://schemas.microsoft.com/office/drawing/2014/main" xmlns="" w="9525">
+                <a14:hiddenLine xmlns="" xmlns:a16="http://schemas.microsoft.com/office/drawing/2014/main" xmlns:a14="http://schemas.microsoft.com/office/drawing/2010/main" w="9525">
                   <a:solidFill>
                     <a:srgbClr val="000000"/>
                   </a:solidFill>
@@ -18925,7 +18925,7 @@
             </a:ln>
             <a:extLst>
               <a:ext uri="{91240B29-F687-4f45-9708-019B960494DF}">
-                <a14:hiddenLine xmlns:a14="http://schemas.microsoft.com/office/drawing/2010/main" xmlns:a16="http://schemas.microsoft.com/office/drawing/2014/main" xmlns="" w="9525">
+                <a14:hiddenLine xmlns="" xmlns:a16="http://schemas.microsoft.com/office/drawing/2014/main" xmlns:a14="http://schemas.microsoft.com/office/drawing/2010/main" w="9525">
                   <a:solidFill>
                     <a:srgbClr val="000000"/>
                   </a:solidFill>
@@ -19005,7 +19005,7 @@
             </a:ln>
             <a:extLst>
               <a:ext uri="{91240B29-F687-4f45-9708-019B960494DF}">
-                <a14:hiddenLine xmlns:a14="http://schemas.microsoft.com/office/drawing/2010/main" xmlns:a16="http://schemas.microsoft.com/office/drawing/2014/main" xmlns="" w="9525">
+                <a14:hiddenLine xmlns="" xmlns:a16="http://schemas.microsoft.com/office/drawing/2014/main" xmlns:a14="http://schemas.microsoft.com/office/drawing/2010/main" w="9525">
                   <a:solidFill>
                     <a:srgbClr val="000000"/>
                   </a:solidFill>
@@ -19110,7 +19110,7 @@
             </a:ln>
             <a:extLst>
               <a:ext uri="{91240B29-F687-4f45-9708-019B960494DF}">
-                <a14:hiddenLine xmlns:a14="http://schemas.microsoft.com/office/drawing/2010/main" xmlns:a16="http://schemas.microsoft.com/office/drawing/2014/main" xmlns="" w="9525">
+                <a14:hiddenLine xmlns="" xmlns:a16="http://schemas.microsoft.com/office/drawing/2014/main" xmlns:a14="http://schemas.microsoft.com/office/drawing/2010/main" w="9525">
                   <a:solidFill>
                     <a:srgbClr val="000000"/>
                   </a:solidFill>
@@ -19187,7 +19187,7 @@
             </a:ln>
             <a:extLst>
               <a:ext uri="{91240B29-F687-4f45-9708-019B960494DF}">
-                <a14:hiddenLine xmlns:a14="http://schemas.microsoft.com/office/drawing/2010/main" xmlns:a16="http://schemas.microsoft.com/office/drawing/2014/main" xmlns="" w="9525">
+                <a14:hiddenLine xmlns="" xmlns:a16="http://schemas.microsoft.com/office/drawing/2014/main" xmlns:a14="http://schemas.microsoft.com/office/drawing/2010/main" w="9525">
                   <a:solidFill>
                     <a:srgbClr val="000000"/>
                   </a:solidFill>
@@ -19292,7 +19292,7 @@
             </a:ln>
             <a:extLst>
               <a:ext uri="{91240B29-F687-4f45-9708-019B960494DF}">
-                <a14:hiddenLine xmlns:a14="http://schemas.microsoft.com/office/drawing/2010/main" xmlns:a16="http://schemas.microsoft.com/office/drawing/2014/main" xmlns="" w="9525">
+                <a14:hiddenLine xmlns="" xmlns:a16="http://schemas.microsoft.com/office/drawing/2014/main" xmlns:a14="http://schemas.microsoft.com/office/drawing/2010/main" w="9525">
                   <a:solidFill>
                     <a:srgbClr val="000000"/>
                   </a:solidFill>
@@ -19397,7 +19397,7 @@
             </a:ln>
             <a:extLst>
               <a:ext uri="{91240B29-F687-4f45-9708-019B960494DF}">
-                <a14:hiddenLine xmlns:a14="http://schemas.microsoft.com/office/drawing/2010/main" xmlns:a16="http://schemas.microsoft.com/office/drawing/2014/main" xmlns="" w="9525">
+                <a14:hiddenLine xmlns="" xmlns:a16="http://schemas.microsoft.com/office/drawing/2014/main" xmlns:a14="http://schemas.microsoft.com/office/drawing/2010/main" w="9525">
                   <a:solidFill>
                     <a:srgbClr val="000000"/>
                   </a:solidFill>
@@ -19477,7 +19477,7 @@
             </a:ln>
             <a:extLst>
               <a:ext uri="{91240B29-F687-4f45-9708-019B960494DF}">
-                <a14:hiddenLine xmlns:a14="http://schemas.microsoft.com/office/drawing/2010/main" xmlns:a16="http://schemas.microsoft.com/office/drawing/2014/main" xmlns="" w="9525">
+                <a14:hiddenLine xmlns="" xmlns:a16="http://schemas.microsoft.com/office/drawing/2014/main" xmlns:a14="http://schemas.microsoft.com/office/drawing/2010/main" w="9525">
                   <a:solidFill>
                     <a:srgbClr val="000000"/>
                   </a:solidFill>
@@ -19554,7 +19554,7 @@
             </a:ln>
             <a:extLst>
               <a:ext uri="{91240B29-F687-4f45-9708-019B960494DF}">
-                <a14:hiddenLine xmlns:a14="http://schemas.microsoft.com/office/drawing/2010/main" xmlns:a16="http://schemas.microsoft.com/office/drawing/2014/main" xmlns="" w="9525">
+                <a14:hiddenLine xmlns="" xmlns:a16="http://schemas.microsoft.com/office/drawing/2014/main" xmlns:a14="http://schemas.microsoft.com/office/drawing/2010/main" w="9525">
                   <a:solidFill>
                     <a:srgbClr val="000000"/>
                   </a:solidFill>
@@ -19659,7 +19659,7 @@
             </a:ln>
             <a:extLst>
               <a:ext uri="{91240B29-F687-4f45-9708-019B960494DF}">
-                <a14:hiddenLine xmlns:a14="http://schemas.microsoft.com/office/drawing/2010/main" xmlns:a16="http://schemas.microsoft.com/office/drawing/2014/main" xmlns="" w="9525">
+                <a14:hiddenLine xmlns="" xmlns:a16="http://schemas.microsoft.com/office/drawing/2014/main" xmlns:a14="http://schemas.microsoft.com/office/drawing/2010/main" w="9525">
                   <a:solidFill>
                     <a:srgbClr val="000000"/>
                   </a:solidFill>
@@ -19764,7 +19764,7 @@
             </a:ln>
             <a:extLst>
               <a:ext uri="{91240B29-F687-4f45-9708-019B960494DF}">
-                <a14:hiddenLine xmlns:a14="http://schemas.microsoft.com/office/drawing/2010/main" xmlns:a16="http://schemas.microsoft.com/office/drawing/2014/main" xmlns="" w="9525">
+                <a14:hiddenLine xmlns="" xmlns:a16="http://schemas.microsoft.com/office/drawing/2014/main" xmlns:a14="http://schemas.microsoft.com/office/drawing/2010/main" w="9525">
                   <a:solidFill>
                     <a:srgbClr val="000000"/>
                   </a:solidFill>
@@ -19841,7 +19841,7 @@
             </a:ln>
             <a:extLst>
               <a:ext uri="{91240B29-F687-4f45-9708-019B960494DF}">
-                <a14:hiddenLine xmlns:a14="http://schemas.microsoft.com/office/drawing/2010/main" xmlns:a16="http://schemas.microsoft.com/office/drawing/2014/main" xmlns="" w="9525">
+                <a14:hiddenLine xmlns="" xmlns:a16="http://schemas.microsoft.com/office/drawing/2014/main" xmlns:a14="http://schemas.microsoft.com/office/drawing/2010/main" w="9525">
                   <a:solidFill>
                     <a:srgbClr val="000000"/>
                   </a:solidFill>
@@ -19976,7 +19976,7 @@
             </a:ln>
             <a:extLst>
               <a:ext uri="{91240B29-F687-4f45-9708-019B960494DF}">
-                <a14:hiddenLine xmlns:a14="http://schemas.microsoft.com/office/drawing/2010/main" xmlns:a16="http://schemas.microsoft.com/office/drawing/2014/main" xmlns="" w="9525">
+                <a14:hiddenLine xmlns="" xmlns:a16="http://schemas.microsoft.com/office/drawing/2014/main" xmlns:a14="http://schemas.microsoft.com/office/drawing/2010/main" w="9525">
                   <a:solidFill>
                     <a:srgbClr val="000000"/>
                   </a:solidFill>
@@ -20059,7 +20059,7 @@
             </a:ln>
             <a:extLst>
               <a:ext uri="{91240B29-F687-4f45-9708-019B960494DF}">
-                <a14:hiddenLine xmlns:a14="http://schemas.microsoft.com/office/drawing/2010/main" xmlns:a16="http://schemas.microsoft.com/office/drawing/2014/main" xmlns="" w="9525">
+                <a14:hiddenLine xmlns="" xmlns:a16="http://schemas.microsoft.com/office/drawing/2014/main" xmlns:a14="http://schemas.microsoft.com/office/drawing/2010/main" w="9525">
                   <a:solidFill>
                     <a:srgbClr val="000000"/>
                   </a:solidFill>
@@ -20164,7 +20164,7 @@
             </a:ln>
             <a:extLst>
               <a:ext uri="{91240B29-F687-4f45-9708-019B960494DF}">
-                <a14:hiddenLine xmlns:a14="http://schemas.microsoft.com/office/drawing/2010/main" xmlns:a16="http://schemas.microsoft.com/office/drawing/2014/main" xmlns="" w="9525">
+                <a14:hiddenLine xmlns="" xmlns:a16="http://schemas.microsoft.com/office/drawing/2014/main" xmlns:a14="http://schemas.microsoft.com/office/drawing/2010/main" w="9525">
                   <a:solidFill>
                     <a:srgbClr val="000000"/>
                   </a:solidFill>
@@ -20358,7 +20358,7 @@
             </a:ln>
             <a:extLst>
               <a:ext uri="{91240B29-F687-4f45-9708-019B960494DF}">
-                <a14:hiddenLine xmlns:a14="http://schemas.microsoft.com/office/drawing/2010/main" xmlns:p14="http://schemas.microsoft.com/office/powerpoint/2010/main" xmlns:a16="http://schemas.microsoft.com/office/drawing/2014/main" xmlns="" w="9525">
+                <a14:hiddenLine xmlns="" xmlns:a16="http://schemas.microsoft.com/office/drawing/2014/main" xmlns:p14="http://schemas.microsoft.com/office/powerpoint/2010/main" xmlns:a14="http://schemas.microsoft.com/office/drawing/2010/main" w="9525">
                   <a:solidFill>
                     <a:srgbClr val="000000"/>
                   </a:solidFill>
@@ -20463,7 +20463,7 @@
             </a:ln>
             <a:extLst>
               <a:ext uri="{91240B29-F687-4f45-9708-019B960494DF}">
-                <a14:hiddenLine xmlns:a14="http://schemas.microsoft.com/office/drawing/2010/main" xmlns:p14="http://schemas.microsoft.com/office/powerpoint/2010/main" xmlns:a16="http://schemas.microsoft.com/office/drawing/2014/main" xmlns="" w="9525">
+                <a14:hiddenLine xmlns="" xmlns:a16="http://schemas.microsoft.com/office/drawing/2014/main" xmlns:p14="http://schemas.microsoft.com/office/powerpoint/2010/main" xmlns:a14="http://schemas.microsoft.com/office/drawing/2010/main" w="9525">
                   <a:solidFill>
                     <a:srgbClr val="000000"/>
                   </a:solidFill>
@@ -20568,7 +20568,7 @@
             </a:ln>
             <a:extLst>
               <a:ext uri="{91240B29-F687-4f45-9708-019B960494DF}">
-                <a14:hiddenLine xmlns:a14="http://schemas.microsoft.com/office/drawing/2010/main" xmlns:p14="http://schemas.microsoft.com/office/powerpoint/2010/main" xmlns:a16="http://schemas.microsoft.com/office/drawing/2014/main" xmlns="" w="9525">
+                <a14:hiddenLine xmlns="" xmlns:a16="http://schemas.microsoft.com/office/drawing/2014/main" xmlns:p14="http://schemas.microsoft.com/office/powerpoint/2010/main" xmlns:a14="http://schemas.microsoft.com/office/drawing/2010/main" w="9525">
                   <a:solidFill>
                     <a:srgbClr val="000000"/>
                   </a:solidFill>
@@ -20617,7 +20617,7 @@
             </a:ln>
             <a:extLst>
               <a:ext uri="{91240B29-F687-4f45-9708-019B960494DF}">
-                <a14:hiddenLine xmlns:a14="http://schemas.microsoft.com/office/drawing/2010/main" xmlns:p14="http://schemas.microsoft.com/office/powerpoint/2010/main" xmlns:a16="http://schemas.microsoft.com/office/drawing/2014/main" xmlns="" w="9525">
+                <a14:hiddenLine xmlns="" xmlns:a16="http://schemas.microsoft.com/office/drawing/2014/main" xmlns:p14="http://schemas.microsoft.com/office/powerpoint/2010/main" xmlns:a14="http://schemas.microsoft.com/office/drawing/2010/main" w="9525">
                   <a:solidFill>
                     <a:srgbClr val="000000"/>
                   </a:solidFill>
@@ -20722,7 +20722,7 @@
             </a:ln>
             <a:extLst>
               <a:ext uri="{91240B29-F687-4f45-9708-019B960494DF}">
-                <a14:hiddenLine xmlns:a14="http://schemas.microsoft.com/office/drawing/2010/main" xmlns:p14="http://schemas.microsoft.com/office/powerpoint/2010/main" xmlns:a16="http://schemas.microsoft.com/office/drawing/2014/main" xmlns="" w="9525">
+                <a14:hiddenLine xmlns="" xmlns:a16="http://schemas.microsoft.com/office/drawing/2014/main" xmlns:p14="http://schemas.microsoft.com/office/powerpoint/2010/main" xmlns:a14="http://schemas.microsoft.com/office/drawing/2010/main" w="9525">
                   <a:solidFill>
                     <a:srgbClr val="000000"/>
                   </a:solidFill>
@@ -20799,7 +20799,7 @@
             </a:ln>
             <a:extLst>
               <a:ext uri="{91240B29-F687-4f45-9708-019B960494DF}">
-                <a14:hiddenLine xmlns:a14="http://schemas.microsoft.com/office/drawing/2010/main" xmlns:p14="http://schemas.microsoft.com/office/powerpoint/2010/main" xmlns:a16="http://schemas.microsoft.com/office/drawing/2014/main" xmlns="" w="9525">
+                <a14:hiddenLine xmlns="" xmlns:a16="http://schemas.microsoft.com/office/drawing/2014/main" xmlns:p14="http://schemas.microsoft.com/office/powerpoint/2010/main" xmlns:a14="http://schemas.microsoft.com/office/drawing/2010/main" w="9525">
                   <a:solidFill>
                     <a:srgbClr val="000000"/>
                   </a:solidFill>
@@ -20876,7 +20876,7 @@
             </a:ln>
             <a:extLst>
               <a:ext uri="{91240B29-F687-4f45-9708-019B960494DF}">
-                <a14:hiddenLine xmlns:a14="http://schemas.microsoft.com/office/drawing/2010/main" xmlns:p14="http://schemas.microsoft.com/office/powerpoint/2010/main" xmlns:a16="http://schemas.microsoft.com/office/drawing/2014/main" xmlns="" w="9525">
+                <a14:hiddenLine xmlns="" xmlns:a16="http://schemas.microsoft.com/office/drawing/2014/main" xmlns:p14="http://schemas.microsoft.com/office/powerpoint/2010/main" xmlns:a14="http://schemas.microsoft.com/office/drawing/2010/main" w="9525">
                   <a:solidFill>
                     <a:srgbClr val="000000"/>
                   </a:solidFill>
@@ -20981,7 +20981,7 @@
             </a:ln>
             <a:extLst>
               <a:ext uri="{91240B29-F687-4f45-9708-019B960494DF}">
-                <a14:hiddenLine xmlns:a14="http://schemas.microsoft.com/office/drawing/2010/main" xmlns:p14="http://schemas.microsoft.com/office/powerpoint/2010/main" xmlns:a16="http://schemas.microsoft.com/office/drawing/2014/main" xmlns="" w="9525">
+                <a14:hiddenLine xmlns="" xmlns:a16="http://schemas.microsoft.com/office/drawing/2014/main" xmlns:p14="http://schemas.microsoft.com/office/powerpoint/2010/main" xmlns:a14="http://schemas.microsoft.com/office/drawing/2010/main" w="9525">
                   <a:solidFill>
                     <a:srgbClr val="000000"/>
                   </a:solidFill>
@@ -21058,7 +21058,7 @@
             </a:ln>
             <a:extLst>
               <a:ext uri="{91240B29-F687-4f45-9708-019B960494DF}">
-                <a14:hiddenLine xmlns:a14="http://schemas.microsoft.com/office/drawing/2010/main" xmlns:p14="http://schemas.microsoft.com/office/powerpoint/2010/main" xmlns:a16="http://schemas.microsoft.com/office/drawing/2014/main" xmlns="" w="9525">
+                <a14:hiddenLine xmlns="" xmlns:a16="http://schemas.microsoft.com/office/drawing/2014/main" xmlns:p14="http://schemas.microsoft.com/office/powerpoint/2010/main" xmlns:a14="http://schemas.microsoft.com/office/drawing/2010/main" w="9525">
                   <a:solidFill>
                     <a:srgbClr val="000000"/>
                   </a:solidFill>
@@ -21135,7 +21135,7 @@
             </a:ln>
             <a:extLst>
               <a:ext uri="{91240B29-F687-4f45-9708-019B960494DF}">
-                <a14:hiddenLine xmlns:a14="http://schemas.microsoft.com/office/drawing/2010/main" xmlns:p14="http://schemas.microsoft.com/office/powerpoint/2010/main" xmlns:a16="http://schemas.microsoft.com/office/drawing/2014/main" xmlns="" w="9525">
+                <a14:hiddenLine xmlns="" xmlns:a16="http://schemas.microsoft.com/office/drawing/2014/main" xmlns:p14="http://schemas.microsoft.com/office/powerpoint/2010/main" xmlns:a14="http://schemas.microsoft.com/office/drawing/2010/main" w="9525">
                   <a:solidFill>
                     <a:srgbClr val="000000"/>
                   </a:solidFill>
@@ -21240,7 +21240,7 @@
             </a:ln>
             <a:extLst>
               <a:ext uri="{91240B29-F687-4f45-9708-019B960494DF}">
-                <a14:hiddenLine xmlns:a14="http://schemas.microsoft.com/office/drawing/2010/main" xmlns:p14="http://schemas.microsoft.com/office/powerpoint/2010/main" xmlns:a16="http://schemas.microsoft.com/office/drawing/2014/main" xmlns="" w="9525">
+                <a14:hiddenLine xmlns="" xmlns:a16="http://schemas.microsoft.com/office/drawing/2014/main" xmlns:p14="http://schemas.microsoft.com/office/powerpoint/2010/main" xmlns:a14="http://schemas.microsoft.com/office/drawing/2010/main" w="9525">
                   <a:solidFill>
                     <a:srgbClr val="000000"/>
                   </a:solidFill>
@@ -21345,7 +21345,7 @@
             </a:ln>
             <a:extLst>
               <a:ext uri="{91240B29-F687-4f45-9708-019B960494DF}">
-                <a14:hiddenLine xmlns:a14="http://schemas.microsoft.com/office/drawing/2010/main" xmlns:p14="http://schemas.microsoft.com/office/powerpoint/2010/main" xmlns:a16="http://schemas.microsoft.com/office/drawing/2014/main" xmlns="" w="9525">
+                <a14:hiddenLine xmlns="" xmlns:a16="http://schemas.microsoft.com/office/drawing/2014/main" xmlns:p14="http://schemas.microsoft.com/office/powerpoint/2010/main" xmlns:a14="http://schemas.microsoft.com/office/drawing/2010/main" w="9525">
                   <a:solidFill>
                     <a:srgbClr val="000000"/>
                   </a:solidFill>
@@ -21422,7 +21422,7 @@
             </a:ln>
             <a:extLst>
               <a:ext uri="{91240B29-F687-4f45-9708-019B960494DF}">
-                <a14:hiddenLine xmlns:a14="http://schemas.microsoft.com/office/drawing/2010/main" xmlns:p14="http://schemas.microsoft.com/office/powerpoint/2010/main" xmlns:a16="http://schemas.microsoft.com/office/drawing/2014/main" xmlns="" w="9525">
+                <a14:hiddenLine xmlns="" xmlns:a16="http://schemas.microsoft.com/office/drawing/2014/main" xmlns:p14="http://schemas.microsoft.com/office/powerpoint/2010/main" xmlns:a14="http://schemas.microsoft.com/office/drawing/2010/main" w="9525">
                   <a:solidFill>
                     <a:srgbClr val="000000"/>
                   </a:solidFill>
@@ -21547,7 +21547,7 @@
             </a:ln>
             <a:extLst>
               <a:ext uri="{91240B29-F687-4f45-9708-019B960494DF}">
-                <a14:hiddenLine xmlns:a14="http://schemas.microsoft.com/office/drawing/2010/main" xmlns:p14="http://schemas.microsoft.com/office/powerpoint/2010/main" xmlns:a16="http://schemas.microsoft.com/office/drawing/2014/main" xmlns="" w="9525">
+                <a14:hiddenLine xmlns="" xmlns:a16="http://schemas.microsoft.com/office/drawing/2014/main" xmlns:p14="http://schemas.microsoft.com/office/powerpoint/2010/main" xmlns:a14="http://schemas.microsoft.com/office/drawing/2010/main" w="9525">
                   <a:solidFill>
                     <a:srgbClr val="000000"/>
                   </a:solidFill>
@@ -21624,7 +21624,7 @@
             </a:ln>
             <a:extLst>
               <a:ext uri="{91240B29-F687-4f45-9708-019B960494DF}">
-                <a14:hiddenLine xmlns:a14="http://schemas.microsoft.com/office/drawing/2010/main" xmlns:p14="http://schemas.microsoft.com/office/powerpoint/2010/main" xmlns:a16="http://schemas.microsoft.com/office/drawing/2014/main" xmlns="" w="9525">
+                <a14:hiddenLine xmlns="" xmlns:a16="http://schemas.microsoft.com/office/drawing/2014/main" xmlns:p14="http://schemas.microsoft.com/office/powerpoint/2010/main" xmlns:a14="http://schemas.microsoft.com/office/drawing/2010/main" w="9525">
                   <a:solidFill>
                     <a:srgbClr val="000000"/>
                   </a:solidFill>
@@ -21729,7 +21729,7 @@
             </a:ln>
             <a:extLst>
               <a:ext uri="{91240B29-F687-4f45-9708-019B960494DF}">
-                <a14:hiddenLine xmlns:a14="http://schemas.microsoft.com/office/drawing/2010/main" xmlns:p14="http://schemas.microsoft.com/office/powerpoint/2010/main" xmlns:a16="http://schemas.microsoft.com/office/drawing/2014/main" xmlns="" w="9525">
+                <a14:hiddenLine xmlns="" xmlns:a16="http://schemas.microsoft.com/office/drawing/2014/main" xmlns:p14="http://schemas.microsoft.com/office/powerpoint/2010/main" xmlns:a14="http://schemas.microsoft.com/office/drawing/2010/main" w="9525">
                   <a:solidFill>
                     <a:srgbClr val="000000"/>
                   </a:solidFill>
@@ -21834,7 +21834,7 @@
             </a:ln>
             <a:extLst>
               <a:ext uri="{91240B29-F687-4f45-9708-019B960494DF}">
-                <a14:hiddenLine xmlns:a14="http://schemas.microsoft.com/office/drawing/2010/main" xmlns:p14="http://schemas.microsoft.com/office/powerpoint/2010/main" xmlns:a16="http://schemas.microsoft.com/office/drawing/2014/main" xmlns="" w="9525">
+                <a14:hiddenLine xmlns="" xmlns:a16="http://schemas.microsoft.com/office/drawing/2014/main" xmlns:p14="http://schemas.microsoft.com/office/powerpoint/2010/main" xmlns:a14="http://schemas.microsoft.com/office/drawing/2010/main" w="9525">
                   <a:solidFill>
                     <a:srgbClr val="000000"/>
                   </a:solidFill>
@@ -21911,7 +21911,7 @@
             </a:ln>
             <a:extLst>
               <a:ext uri="{91240B29-F687-4f45-9708-019B960494DF}">
-                <a14:hiddenLine xmlns:a14="http://schemas.microsoft.com/office/drawing/2010/main" xmlns:p14="http://schemas.microsoft.com/office/powerpoint/2010/main" xmlns:a16="http://schemas.microsoft.com/office/drawing/2014/main" xmlns="" w="9525">
+                <a14:hiddenLine xmlns="" xmlns:a16="http://schemas.microsoft.com/office/drawing/2014/main" xmlns:p14="http://schemas.microsoft.com/office/powerpoint/2010/main" xmlns:a14="http://schemas.microsoft.com/office/drawing/2010/main" w="9525">
                   <a:solidFill>
                     <a:srgbClr val="000000"/>
                   </a:solidFill>
@@ -22016,7 +22016,7 @@
             </a:ln>
             <a:extLst>
               <a:ext uri="{91240B29-F687-4f45-9708-019B960494DF}">
-                <a14:hiddenLine xmlns:a14="http://schemas.microsoft.com/office/drawing/2010/main" xmlns:p14="http://schemas.microsoft.com/office/powerpoint/2010/main" xmlns:a16="http://schemas.microsoft.com/office/drawing/2014/main" xmlns="" w="9525">
+                <a14:hiddenLine xmlns="" xmlns:a16="http://schemas.microsoft.com/office/drawing/2014/main" xmlns:p14="http://schemas.microsoft.com/office/powerpoint/2010/main" xmlns:a14="http://schemas.microsoft.com/office/drawing/2010/main" w="9525">
                   <a:solidFill>
                     <a:srgbClr val="000000"/>
                   </a:solidFill>
@@ -22121,7 +22121,7 @@
             </a:ln>
             <a:extLst>
               <a:ext uri="{91240B29-F687-4f45-9708-019B960494DF}">
-                <a14:hiddenLine xmlns:a14="http://schemas.microsoft.com/office/drawing/2010/main" xmlns:p14="http://schemas.microsoft.com/office/powerpoint/2010/main" xmlns:a16="http://schemas.microsoft.com/office/drawing/2014/main" xmlns="" w="9525">
+                <a14:hiddenLine xmlns="" xmlns:a16="http://schemas.microsoft.com/office/drawing/2014/main" xmlns:p14="http://schemas.microsoft.com/office/powerpoint/2010/main" xmlns:a14="http://schemas.microsoft.com/office/drawing/2010/main" w="9525">
                   <a:solidFill>
                     <a:srgbClr val="000000"/>
                   </a:solidFill>
@@ -22192,7 +22192,7 @@
             </a:ln>
             <a:extLst>
               <a:ext uri="{91240B29-F687-4f45-9708-019B960494DF}">
-                <a14:hiddenLine xmlns:a14="http://schemas.microsoft.com/office/drawing/2010/main" xmlns:p14="http://schemas.microsoft.com/office/powerpoint/2010/main" xmlns:a16="http://schemas.microsoft.com/office/drawing/2014/main" xmlns="" w="9525">
+                <a14:hiddenLine xmlns="" xmlns:a16="http://schemas.microsoft.com/office/drawing/2014/main" xmlns:p14="http://schemas.microsoft.com/office/powerpoint/2010/main" xmlns:a14="http://schemas.microsoft.com/office/drawing/2010/main" w="9525">
                   <a:solidFill>
                     <a:srgbClr val="000000"/>
                   </a:solidFill>
@@ -22297,7 +22297,7 @@
             </a:ln>
             <a:extLst>
               <a:ext uri="{91240B29-F687-4f45-9708-019B960494DF}">
-                <a14:hiddenLine xmlns:a14="http://schemas.microsoft.com/office/drawing/2010/main" xmlns:p14="http://schemas.microsoft.com/office/powerpoint/2010/main" xmlns:a16="http://schemas.microsoft.com/office/drawing/2014/main" xmlns="" w="9525">
+                <a14:hiddenLine xmlns="" xmlns:a16="http://schemas.microsoft.com/office/drawing/2014/main" xmlns:p14="http://schemas.microsoft.com/office/powerpoint/2010/main" xmlns:a14="http://schemas.microsoft.com/office/drawing/2010/main" w="9525">
                   <a:solidFill>
                     <a:srgbClr val="000000"/>
                   </a:solidFill>
@@ -22368,7 +22368,7 @@
             </a:ln>
             <a:extLst>
               <a:ext uri="{91240B29-F687-4f45-9708-019B960494DF}">
-                <a14:hiddenLine xmlns:a14="http://schemas.microsoft.com/office/drawing/2010/main" xmlns:p14="http://schemas.microsoft.com/office/powerpoint/2010/main" xmlns:a16="http://schemas.microsoft.com/office/drawing/2014/main" xmlns="" w="9525">
+                <a14:hiddenLine xmlns="" xmlns:a16="http://schemas.microsoft.com/office/drawing/2014/main" xmlns:p14="http://schemas.microsoft.com/office/powerpoint/2010/main" xmlns:a14="http://schemas.microsoft.com/office/drawing/2010/main" w="9525">
                   <a:solidFill>
                     <a:srgbClr val="000000"/>
                   </a:solidFill>
@@ -22473,7 +22473,7 @@
             </a:ln>
             <a:extLst>
               <a:ext uri="{91240B29-F687-4f45-9708-019B960494DF}">
-                <a14:hiddenLine xmlns:a14="http://schemas.microsoft.com/office/drawing/2010/main" xmlns:p14="http://schemas.microsoft.com/office/powerpoint/2010/main" xmlns:a16="http://schemas.microsoft.com/office/drawing/2014/main" xmlns="" w="9525">
+                <a14:hiddenLine xmlns="" xmlns:a16="http://schemas.microsoft.com/office/drawing/2014/main" xmlns:p14="http://schemas.microsoft.com/office/powerpoint/2010/main" xmlns:a14="http://schemas.microsoft.com/office/drawing/2010/main" w="9525">
                   <a:solidFill>
                     <a:srgbClr val="000000"/>
                   </a:solidFill>
@@ -22556,7 +22556,7 @@
             </a:ln>
             <a:extLst>
               <a:ext uri="{91240B29-F687-4f45-9708-019B960494DF}">
-                <a14:hiddenLine xmlns:a14="http://schemas.microsoft.com/office/drawing/2010/main" xmlns:p14="http://schemas.microsoft.com/office/powerpoint/2010/main" xmlns:a16="http://schemas.microsoft.com/office/drawing/2014/main" xmlns="" w="9525">
+                <a14:hiddenLine xmlns="" xmlns:a16="http://schemas.microsoft.com/office/drawing/2014/main" xmlns:p14="http://schemas.microsoft.com/office/powerpoint/2010/main" xmlns:a14="http://schemas.microsoft.com/office/drawing/2010/main" w="9525">
                   <a:solidFill>
                     <a:srgbClr val="000000"/>
                   </a:solidFill>
@@ -22661,7 +22661,7 @@
             </a:ln>
             <a:extLst>
               <a:ext uri="{91240B29-F687-4f45-9708-019B960494DF}">
-                <a14:hiddenLine xmlns:a14="http://schemas.microsoft.com/office/drawing/2010/main" xmlns:p14="http://schemas.microsoft.com/office/powerpoint/2010/main" xmlns:a16="http://schemas.microsoft.com/office/drawing/2014/main" xmlns="" w="9525">
+                <a14:hiddenLine xmlns="" xmlns:a16="http://schemas.microsoft.com/office/drawing/2014/main" xmlns:p14="http://schemas.microsoft.com/office/powerpoint/2010/main" xmlns:a14="http://schemas.microsoft.com/office/drawing/2010/main" w="9525">
                   <a:solidFill>
                     <a:srgbClr val="000000"/>
                   </a:solidFill>
@@ -22744,7 +22744,7 @@
             </a:ln>
             <a:extLst>
               <a:ext uri="{91240B29-F687-4f45-9708-019B960494DF}">
-                <a14:hiddenLine xmlns:a14="http://schemas.microsoft.com/office/drawing/2010/main" xmlns:p14="http://schemas.microsoft.com/office/powerpoint/2010/main" xmlns:a16="http://schemas.microsoft.com/office/drawing/2014/main" xmlns="" w="9525">
+                <a14:hiddenLine xmlns="" xmlns:a16="http://schemas.microsoft.com/office/drawing/2014/main" xmlns:p14="http://schemas.microsoft.com/office/powerpoint/2010/main" xmlns:a14="http://schemas.microsoft.com/office/drawing/2010/main" w="9525">
                   <a:solidFill>
                     <a:srgbClr val="000000"/>
                   </a:solidFill>
@@ -22849,7 +22849,7 @@
             </a:ln>
             <a:extLst>
               <a:ext uri="{91240B29-F687-4f45-9708-019B960494DF}">
-                <a14:hiddenLine xmlns:a14="http://schemas.microsoft.com/office/drawing/2010/main" xmlns:p14="http://schemas.microsoft.com/office/powerpoint/2010/main" xmlns:a16="http://schemas.microsoft.com/office/drawing/2014/main" xmlns="" w="9525">
+                <a14:hiddenLine xmlns="" xmlns:a16="http://schemas.microsoft.com/office/drawing/2014/main" xmlns:p14="http://schemas.microsoft.com/office/powerpoint/2010/main" xmlns:a14="http://schemas.microsoft.com/office/drawing/2010/main" w="9525">
                   <a:solidFill>
                     <a:srgbClr val="000000"/>
                   </a:solidFill>
@@ -22898,7 +22898,7 @@
             </a:ln>
             <a:extLst>
               <a:ext uri="{91240B29-F687-4f45-9708-019B960494DF}">
-                <a14:hiddenLine xmlns:a14="http://schemas.microsoft.com/office/drawing/2010/main" xmlns:p14="http://schemas.microsoft.com/office/powerpoint/2010/main" xmlns:a16="http://schemas.microsoft.com/office/drawing/2014/main" xmlns="" w="9525">
+                <a14:hiddenLine xmlns="" xmlns:a16="http://schemas.microsoft.com/office/drawing/2014/main" xmlns:p14="http://schemas.microsoft.com/office/powerpoint/2010/main" xmlns:a14="http://schemas.microsoft.com/office/drawing/2010/main" w="9525">
                   <a:solidFill>
                     <a:srgbClr val="000000"/>
                   </a:solidFill>
@@ -23003,7 +23003,7 @@
             </a:ln>
             <a:extLst>
               <a:ext uri="{91240B29-F687-4f45-9708-019B960494DF}">
-                <a14:hiddenLine xmlns:a14="http://schemas.microsoft.com/office/drawing/2010/main" xmlns:p14="http://schemas.microsoft.com/office/powerpoint/2010/main" xmlns:a16="http://schemas.microsoft.com/office/drawing/2014/main" xmlns="" w="9525">
+                <a14:hiddenLine xmlns="" xmlns:a16="http://schemas.microsoft.com/office/drawing/2014/main" xmlns:p14="http://schemas.microsoft.com/office/powerpoint/2010/main" xmlns:a14="http://schemas.microsoft.com/office/drawing/2010/main" w="9525">
                   <a:solidFill>
                     <a:srgbClr val="000000"/>
                   </a:solidFill>
@@ -23080,7 +23080,7 @@
             </a:ln>
             <a:extLst>
               <a:ext uri="{91240B29-F687-4f45-9708-019B960494DF}">
-                <a14:hiddenLine xmlns:a14="http://schemas.microsoft.com/office/drawing/2010/main" xmlns:p14="http://schemas.microsoft.com/office/powerpoint/2010/main" xmlns:a16="http://schemas.microsoft.com/office/drawing/2014/main" xmlns="" w="9525">
+                <a14:hiddenLine xmlns="" xmlns:a16="http://schemas.microsoft.com/office/drawing/2014/main" xmlns:p14="http://schemas.microsoft.com/office/powerpoint/2010/main" xmlns:a14="http://schemas.microsoft.com/office/drawing/2010/main" w="9525">
                   <a:solidFill>
                     <a:srgbClr val="000000"/>
                   </a:solidFill>
@@ -23157,7 +23157,7 @@
             </a:ln>
             <a:extLst>
               <a:ext uri="{91240B29-F687-4f45-9708-019B960494DF}">
-                <a14:hiddenLine xmlns:a14="http://schemas.microsoft.com/office/drawing/2010/main" xmlns:p14="http://schemas.microsoft.com/office/powerpoint/2010/main" xmlns:a16="http://schemas.microsoft.com/office/drawing/2014/main" xmlns="" w="9525">
+                <a14:hiddenLine xmlns="" xmlns:a16="http://schemas.microsoft.com/office/drawing/2014/main" xmlns:p14="http://schemas.microsoft.com/office/powerpoint/2010/main" xmlns:a14="http://schemas.microsoft.com/office/drawing/2010/main" w="9525">
                   <a:solidFill>
                     <a:srgbClr val="000000"/>
                   </a:solidFill>
@@ -23262,7 +23262,7 @@
             </a:ln>
             <a:extLst>
               <a:ext uri="{91240B29-F687-4f45-9708-019B960494DF}">
-                <a14:hiddenLine xmlns:a14="http://schemas.microsoft.com/office/drawing/2010/main" xmlns:p14="http://schemas.microsoft.com/office/powerpoint/2010/main" xmlns:a16="http://schemas.microsoft.com/office/drawing/2014/main" xmlns="" w="9525">
+                <a14:hiddenLine xmlns="" xmlns:a16="http://schemas.microsoft.com/office/drawing/2014/main" xmlns:p14="http://schemas.microsoft.com/office/powerpoint/2010/main" xmlns:a14="http://schemas.microsoft.com/office/drawing/2010/main" w="9525">
                   <a:solidFill>
                     <a:srgbClr val="000000"/>
                   </a:solidFill>
@@ -23345,7 +23345,7 @@
             </a:ln>
             <a:extLst>
               <a:ext uri="{91240B29-F687-4f45-9708-019B960494DF}">
-                <a14:hiddenLine xmlns:a14="http://schemas.microsoft.com/office/drawing/2010/main" xmlns:p14="http://schemas.microsoft.com/office/powerpoint/2010/main" xmlns:a16="http://schemas.microsoft.com/office/drawing/2014/main" xmlns="" w="9525">
+                <a14:hiddenLine xmlns="" xmlns:a16="http://schemas.microsoft.com/office/drawing/2014/main" xmlns:p14="http://schemas.microsoft.com/office/powerpoint/2010/main" xmlns:a14="http://schemas.microsoft.com/office/drawing/2010/main" w="9525">
                   <a:solidFill>
                     <a:srgbClr val="000000"/>
                   </a:solidFill>
@@ -23422,7 +23422,7 @@
             </a:ln>
             <a:extLst>
               <a:ext uri="{91240B29-F687-4f45-9708-019B960494DF}">
-                <a14:hiddenLine xmlns:a14="http://schemas.microsoft.com/office/drawing/2010/main" xmlns:p14="http://schemas.microsoft.com/office/powerpoint/2010/main" xmlns:a16="http://schemas.microsoft.com/office/drawing/2014/main" xmlns="" w="9525">
+                <a14:hiddenLine xmlns="" xmlns:a16="http://schemas.microsoft.com/office/drawing/2014/main" xmlns:p14="http://schemas.microsoft.com/office/powerpoint/2010/main" xmlns:a14="http://schemas.microsoft.com/office/drawing/2010/main" w="9525">
                   <a:solidFill>
                     <a:srgbClr val="000000"/>
                   </a:solidFill>
@@ -23527,7 +23527,7 @@
             </a:ln>
             <a:extLst>
               <a:ext uri="{91240B29-F687-4f45-9708-019B960494DF}">
-                <a14:hiddenLine xmlns:a14="http://schemas.microsoft.com/office/drawing/2010/main" xmlns:p14="http://schemas.microsoft.com/office/powerpoint/2010/main" xmlns:a16="http://schemas.microsoft.com/office/drawing/2014/main" xmlns="" w="9525">
+                <a14:hiddenLine xmlns="" xmlns:a16="http://schemas.microsoft.com/office/drawing/2014/main" xmlns:p14="http://schemas.microsoft.com/office/powerpoint/2010/main" xmlns:a14="http://schemas.microsoft.com/office/drawing/2010/main" w="9525">
                   <a:solidFill>
                     <a:srgbClr val="000000"/>
                   </a:solidFill>
@@ -23604,7 +23604,7 @@
             </a:ln>
             <a:extLst>
               <a:ext uri="{91240B29-F687-4f45-9708-019B960494DF}">
-                <a14:hiddenLine xmlns:a14="http://schemas.microsoft.com/office/drawing/2010/main" xmlns:p14="http://schemas.microsoft.com/office/powerpoint/2010/main" xmlns:a16="http://schemas.microsoft.com/office/drawing/2014/main" xmlns="" w="9525">
+                <a14:hiddenLine xmlns="" xmlns:a16="http://schemas.microsoft.com/office/drawing/2014/main" xmlns:p14="http://schemas.microsoft.com/office/powerpoint/2010/main" xmlns:a14="http://schemas.microsoft.com/office/drawing/2010/main" w="9525">
                   <a:solidFill>
                     <a:srgbClr val="000000"/>
                   </a:solidFill>
@@ -23709,7 +23709,7 @@
             </a:ln>
             <a:extLst>
               <a:ext uri="{91240B29-F687-4f45-9708-019B960494DF}">
-                <a14:hiddenLine xmlns:a14="http://schemas.microsoft.com/office/drawing/2010/main" xmlns:p14="http://schemas.microsoft.com/office/powerpoint/2010/main" xmlns:a16="http://schemas.microsoft.com/office/drawing/2014/main" xmlns="" w="9525">
+                <a14:hiddenLine xmlns="" xmlns:a16="http://schemas.microsoft.com/office/drawing/2014/main" xmlns:p14="http://schemas.microsoft.com/office/powerpoint/2010/main" xmlns:a14="http://schemas.microsoft.com/office/drawing/2010/main" w="9525">
                   <a:solidFill>
                     <a:srgbClr val="000000"/>
                   </a:solidFill>
@@ -23786,7 +23786,7 @@
             </a:ln>
             <a:extLst>
               <a:ext uri="{91240B29-F687-4f45-9708-019B960494DF}">
-                <a14:hiddenLine xmlns:a14="http://schemas.microsoft.com/office/drawing/2010/main" xmlns:p14="http://schemas.microsoft.com/office/powerpoint/2010/main" xmlns:a16="http://schemas.microsoft.com/office/drawing/2014/main" xmlns="" w="9525">
+                <a14:hiddenLine xmlns="" xmlns:a16="http://schemas.microsoft.com/office/drawing/2014/main" xmlns:p14="http://schemas.microsoft.com/office/powerpoint/2010/main" xmlns:a14="http://schemas.microsoft.com/office/drawing/2010/main" w="9525">
                   <a:solidFill>
                     <a:srgbClr val="000000"/>
                   </a:solidFill>
@@ -23891,7 +23891,7 @@
             </a:ln>
             <a:extLst>
               <a:ext uri="{91240B29-F687-4f45-9708-019B960494DF}">
-                <a14:hiddenLine xmlns:a14="http://schemas.microsoft.com/office/drawing/2010/main" xmlns:p14="http://schemas.microsoft.com/office/powerpoint/2010/main" xmlns:a16="http://schemas.microsoft.com/office/drawing/2014/main" xmlns="" w="9525">
+                <a14:hiddenLine xmlns="" xmlns:a16="http://schemas.microsoft.com/office/drawing/2014/main" xmlns:p14="http://schemas.microsoft.com/office/powerpoint/2010/main" xmlns:a14="http://schemas.microsoft.com/office/drawing/2010/main" w="9525">
                   <a:solidFill>
                     <a:srgbClr val="000000"/>
                   </a:solidFill>
@@ -23940,7 +23940,7 @@
             </a:ln>
             <a:extLst>
               <a:ext uri="{91240B29-F687-4f45-9708-019B960494DF}">
-                <a14:hiddenLine xmlns:a14="http://schemas.microsoft.com/office/drawing/2010/main" xmlns:p14="http://schemas.microsoft.com/office/powerpoint/2010/main" xmlns:a16="http://schemas.microsoft.com/office/drawing/2014/main" xmlns="" w="9525">
+                <a14:hiddenLine xmlns="" xmlns:a16="http://schemas.microsoft.com/office/drawing/2014/main" xmlns:p14="http://schemas.microsoft.com/office/powerpoint/2010/main" xmlns:a14="http://schemas.microsoft.com/office/drawing/2010/main" w="9525">
                   <a:solidFill>
                     <a:srgbClr val="000000"/>
                   </a:solidFill>
@@ -24020,7 +24020,7 @@
             </a:ln>
             <a:extLst>
               <a:ext uri="{91240B29-F687-4f45-9708-019B960494DF}">
-                <a14:hiddenLine xmlns:a14="http://schemas.microsoft.com/office/drawing/2010/main" xmlns:p14="http://schemas.microsoft.com/office/powerpoint/2010/main" xmlns:a16="http://schemas.microsoft.com/office/drawing/2014/main" xmlns="" w="9525">
+                <a14:hiddenLine xmlns="" xmlns:a16="http://schemas.microsoft.com/office/drawing/2014/main" xmlns:p14="http://schemas.microsoft.com/office/powerpoint/2010/main" xmlns:a14="http://schemas.microsoft.com/office/drawing/2010/main" w="9525">
                   <a:solidFill>
                     <a:srgbClr val="000000"/>
                   </a:solidFill>
@@ -24125,7 +24125,7 @@
             </a:ln>
             <a:extLst>
               <a:ext uri="{91240B29-F687-4f45-9708-019B960494DF}">
-                <a14:hiddenLine xmlns:a14="http://schemas.microsoft.com/office/drawing/2010/main" xmlns:p14="http://schemas.microsoft.com/office/powerpoint/2010/main" xmlns:a16="http://schemas.microsoft.com/office/drawing/2014/main" xmlns="" w="9525">
+                <a14:hiddenLine xmlns="" xmlns:a16="http://schemas.microsoft.com/office/drawing/2014/main" xmlns:p14="http://schemas.microsoft.com/office/powerpoint/2010/main" xmlns:a14="http://schemas.microsoft.com/office/drawing/2010/main" w="9525">
                   <a:solidFill>
                     <a:srgbClr val="000000"/>
                   </a:solidFill>
@@ -24202,7 +24202,7 @@
             </a:ln>
             <a:extLst>
               <a:ext uri="{91240B29-F687-4f45-9708-019B960494DF}">
-                <a14:hiddenLine xmlns:a14="http://schemas.microsoft.com/office/drawing/2010/main" xmlns:p14="http://schemas.microsoft.com/office/powerpoint/2010/main" xmlns:a16="http://schemas.microsoft.com/office/drawing/2014/main" xmlns="" w="9525">
+                <a14:hiddenLine xmlns="" xmlns:a16="http://schemas.microsoft.com/office/drawing/2014/main" xmlns:p14="http://schemas.microsoft.com/office/powerpoint/2010/main" xmlns:a14="http://schemas.microsoft.com/office/drawing/2010/main" w="9525">
                   <a:solidFill>
                     <a:srgbClr val="000000"/>
                   </a:solidFill>
@@ -24307,7 +24307,7 @@
             </a:ln>
             <a:extLst>
               <a:ext uri="{91240B29-F687-4f45-9708-019B960494DF}">
-                <a14:hiddenLine xmlns:a14="http://schemas.microsoft.com/office/drawing/2010/main" xmlns:p14="http://schemas.microsoft.com/office/powerpoint/2010/main" xmlns:a16="http://schemas.microsoft.com/office/drawing/2014/main" xmlns="" w="9525">
+                <a14:hiddenLine xmlns="" xmlns:a16="http://schemas.microsoft.com/office/drawing/2014/main" xmlns:p14="http://schemas.microsoft.com/office/powerpoint/2010/main" xmlns:a14="http://schemas.microsoft.com/office/drawing/2010/main" w="9525">
                   <a:solidFill>
                     <a:srgbClr val="000000"/>
                   </a:solidFill>
@@ -24412,7 +24412,7 @@
             </a:ln>
             <a:extLst>
               <a:ext uri="{91240B29-F687-4f45-9708-019B960494DF}">
-                <a14:hiddenLine xmlns:a14="http://schemas.microsoft.com/office/drawing/2010/main" xmlns:p14="http://schemas.microsoft.com/office/powerpoint/2010/main" xmlns:a16="http://schemas.microsoft.com/office/drawing/2014/main" xmlns="" w="9525">
+                <a14:hiddenLine xmlns="" xmlns:a16="http://schemas.microsoft.com/office/drawing/2014/main" xmlns:p14="http://schemas.microsoft.com/office/powerpoint/2010/main" xmlns:a14="http://schemas.microsoft.com/office/drawing/2010/main" w="9525">
                   <a:solidFill>
                     <a:srgbClr val="000000"/>
                   </a:solidFill>
@@ -24492,7 +24492,7 @@
             </a:ln>
             <a:extLst>
               <a:ext uri="{91240B29-F687-4f45-9708-019B960494DF}">
-                <a14:hiddenLine xmlns:a14="http://schemas.microsoft.com/office/drawing/2010/main" xmlns:p14="http://schemas.microsoft.com/office/powerpoint/2010/main" xmlns:a16="http://schemas.microsoft.com/office/drawing/2014/main" xmlns="" w="9525">
+                <a14:hiddenLine xmlns="" xmlns:a16="http://schemas.microsoft.com/office/drawing/2014/main" xmlns:p14="http://schemas.microsoft.com/office/powerpoint/2010/main" xmlns:a14="http://schemas.microsoft.com/office/drawing/2010/main" w="9525">
                   <a:solidFill>
                     <a:srgbClr val="000000"/>
                   </a:solidFill>
@@ -24569,7 +24569,7 @@
             </a:ln>
             <a:extLst>
               <a:ext uri="{91240B29-F687-4f45-9708-019B960494DF}">
-                <a14:hiddenLine xmlns:a14="http://schemas.microsoft.com/office/drawing/2010/main" xmlns:p14="http://schemas.microsoft.com/office/powerpoint/2010/main" xmlns:a16="http://schemas.microsoft.com/office/drawing/2014/main" xmlns="" w="9525">
+                <a14:hiddenLine xmlns="" xmlns:a16="http://schemas.microsoft.com/office/drawing/2014/main" xmlns:p14="http://schemas.microsoft.com/office/powerpoint/2010/main" xmlns:a14="http://schemas.microsoft.com/office/drawing/2010/main" w="9525">
                   <a:solidFill>
                     <a:srgbClr val="000000"/>
                   </a:solidFill>
@@ -24674,7 +24674,7 @@
             </a:ln>
             <a:extLst>
               <a:ext uri="{91240B29-F687-4f45-9708-019B960494DF}">
-                <a14:hiddenLine xmlns:a14="http://schemas.microsoft.com/office/drawing/2010/main" xmlns:p14="http://schemas.microsoft.com/office/powerpoint/2010/main" xmlns:a16="http://schemas.microsoft.com/office/drawing/2014/main" xmlns="" w="9525">
+                <a14:hiddenLine xmlns="" xmlns:a16="http://schemas.microsoft.com/office/drawing/2014/main" xmlns:p14="http://schemas.microsoft.com/office/powerpoint/2010/main" xmlns:a14="http://schemas.microsoft.com/office/drawing/2010/main" w="9525">
                   <a:solidFill>
                     <a:srgbClr val="000000"/>
                   </a:solidFill>
@@ -24779,7 +24779,7 @@
             </a:ln>
             <a:extLst>
               <a:ext uri="{91240B29-F687-4f45-9708-019B960494DF}">
-                <a14:hiddenLine xmlns:a14="http://schemas.microsoft.com/office/drawing/2010/main" xmlns:p14="http://schemas.microsoft.com/office/powerpoint/2010/main" xmlns:a16="http://schemas.microsoft.com/office/drawing/2014/main" xmlns="" w="9525">
+                <a14:hiddenLine xmlns="" xmlns:a16="http://schemas.microsoft.com/office/drawing/2014/main" xmlns:p14="http://schemas.microsoft.com/office/powerpoint/2010/main" xmlns:a14="http://schemas.microsoft.com/office/drawing/2010/main" w="9525">
                   <a:solidFill>
                     <a:srgbClr val="000000"/>
                   </a:solidFill>
@@ -24856,7 +24856,7 @@
             </a:ln>
             <a:extLst>
               <a:ext uri="{91240B29-F687-4f45-9708-019B960494DF}">
-                <a14:hiddenLine xmlns:a14="http://schemas.microsoft.com/office/drawing/2010/main" xmlns:p14="http://schemas.microsoft.com/office/powerpoint/2010/main" xmlns:a16="http://schemas.microsoft.com/office/drawing/2014/main" xmlns="" w="9525">
+                <a14:hiddenLine xmlns="" xmlns:a16="http://schemas.microsoft.com/office/drawing/2014/main" xmlns:p14="http://schemas.microsoft.com/office/powerpoint/2010/main" xmlns:a14="http://schemas.microsoft.com/office/drawing/2010/main" w="9525">
                   <a:solidFill>
                     <a:srgbClr val="000000"/>
                   </a:solidFill>
@@ -24991,7 +24991,7 @@
             </a:ln>
             <a:extLst>
               <a:ext uri="{91240B29-F687-4f45-9708-019B960494DF}">
-                <a14:hiddenLine xmlns:a14="http://schemas.microsoft.com/office/drawing/2010/main" xmlns:p14="http://schemas.microsoft.com/office/powerpoint/2010/main" xmlns:a16="http://schemas.microsoft.com/office/drawing/2014/main" xmlns="" w="9525">
+                <a14:hiddenLine xmlns="" xmlns:a16="http://schemas.microsoft.com/office/drawing/2014/main" xmlns:p14="http://schemas.microsoft.com/office/powerpoint/2010/main" xmlns:a14="http://schemas.microsoft.com/office/drawing/2010/main" w="9525">
                   <a:solidFill>
                     <a:srgbClr val="000000"/>
                   </a:solidFill>
@@ -25074,7 +25074,7 @@
             </a:ln>
             <a:extLst>
               <a:ext uri="{91240B29-F687-4f45-9708-019B960494DF}">
-                <a14:hiddenLine xmlns:a14="http://schemas.microsoft.com/office/drawing/2010/main" xmlns:p14="http://schemas.microsoft.com/office/powerpoint/2010/main" xmlns:a16="http://schemas.microsoft.com/office/drawing/2014/main" xmlns="" w="9525">
+                <a14:hiddenLine xmlns="" xmlns:a16="http://schemas.microsoft.com/office/drawing/2014/main" xmlns:p14="http://schemas.microsoft.com/office/powerpoint/2010/main" xmlns:a14="http://schemas.microsoft.com/office/drawing/2010/main" w="9525">
                   <a:solidFill>
                     <a:srgbClr val="000000"/>
                   </a:solidFill>
@@ -25179,7 +25179,7 @@
             </a:ln>
             <a:extLst>
               <a:ext uri="{91240B29-F687-4f45-9708-019B960494DF}">
-                <a14:hiddenLine xmlns:a14="http://schemas.microsoft.com/office/drawing/2010/main" xmlns:p14="http://schemas.microsoft.com/office/powerpoint/2010/main" xmlns:a16="http://schemas.microsoft.com/office/drawing/2014/main" xmlns="" w="9525">
+                <a14:hiddenLine xmlns="" xmlns:a16="http://schemas.microsoft.com/office/drawing/2014/main" xmlns:p14="http://schemas.microsoft.com/office/powerpoint/2010/main" xmlns:a14="http://schemas.microsoft.com/office/drawing/2010/main" w="9525">
                   <a:solidFill>
                     <a:srgbClr val="000000"/>
                   </a:solidFill>

--- a/doc/Presentación_mitad_de_curso_JuanEspinosayNachoRodriguez.pptx
+++ b/doc/Presentación_mitad_de_curso_JuanEspinosayNachoRodriguez.pptx
@@ -207,7 +207,7 @@
           <a:p>
             <a:fld id="{6494474F-FB99-4D66-9794-76C269664995}" type="datetimeFigureOut">
               <a:rPr lang="es-ES" smtClean="0"/>
-              <a:t>10/06/2022</a:t>
+              <a:t>12/06/2022</a:t>
             </a:fld>
             <a:endParaRPr lang="es-ES"/>
           </a:p>
@@ -1584,7 +1584,7 @@
           <a:noFill/>
           <a:extLst>
             <a:ext uri="{909E8E84-426E-40dd-AFC4-6F175D3DCCD1}">
-              <a14:hiddenFill xmlns="" xmlns:a14="http://schemas.microsoft.com/office/drawing/2010/main">
+              <a14:hiddenFill xmlns:a14="http://schemas.microsoft.com/office/drawing/2010/main" xmlns="">
                 <a:solidFill>
                   <a:srgbClr val="FFFFFF"/>
                 </a:solidFill>
@@ -1643,7 +1643,7 @@
             </a:ln>
             <a:extLst>
               <a:ext uri="{91240B29-F687-4f45-9708-019B960494DF}">
-                <a14:hiddenLine xmlns="" xmlns:a14="http://schemas.microsoft.com/office/drawing/2010/main" w="9525">
+                <a14:hiddenLine xmlns:a14="http://schemas.microsoft.com/office/drawing/2010/main" xmlns="" w="9525">
                   <a:solidFill>
                     <a:srgbClr val="000000"/>
                   </a:solidFill>
@@ -1733,7 +1733,7 @@
             </a:ln>
             <a:extLst>
               <a:ext uri="{91240B29-F687-4f45-9708-019B960494DF}">
-                <a14:hiddenLine xmlns="" xmlns:a14="http://schemas.microsoft.com/office/drawing/2010/main" w="9525">
+                <a14:hiddenLine xmlns:a14="http://schemas.microsoft.com/office/drawing/2010/main" xmlns="" w="9525">
                   <a:solidFill>
                     <a:srgbClr val="000000"/>
                   </a:solidFill>
@@ -1823,7 +1823,7 @@
             </a:ln>
             <a:extLst>
               <a:ext uri="{91240B29-F687-4f45-9708-019B960494DF}">
-                <a14:hiddenLine xmlns="" xmlns:a14="http://schemas.microsoft.com/office/drawing/2010/main" w="9525">
+                <a14:hiddenLine xmlns:a14="http://schemas.microsoft.com/office/drawing/2010/main" xmlns="" w="9525">
                   <a:solidFill>
                     <a:srgbClr val="000000"/>
                   </a:solidFill>
@@ -1857,7 +1857,7 @@
             </a:ln>
             <a:extLst>
               <a:ext uri="{91240B29-F687-4f45-9708-019B960494DF}">
-                <a14:hiddenLine xmlns="" xmlns:a14="http://schemas.microsoft.com/office/drawing/2010/main" w="9525">
+                <a14:hiddenLine xmlns:a14="http://schemas.microsoft.com/office/drawing/2010/main" xmlns="" w="9525">
                   <a:solidFill>
                     <a:srgbClr val="000000"/>
                   </a:solidFill>
@@ -1947,7 +1947,7 @@
             </a:ln>
             <a:extLst>
               <a:ext uri="{91240B29-F687-4f45-9708-019B960494DF}">
-                <a14:hiddenLine xmlns="" xmlns:a14="http://schemas.microsoft.com/office/drawing/2010/main" w="9525">
+                <a14:hiddenLine xmlns:a14="http://schemas.microsoft.com/office/drawing/2010/main" xmlns="" w="9525">
                   <a:solidFill>
                     <a:srgbClr val="000000"/>
                   </a:solidFill>
@@ -2009,7 +2009,7 @@
             </a:ln>
             <a:extLst>
               <a:ext uri="{91240B29-F687-4f45-9708-019B960494DF}">
-                <a14:hiddenLine xmlns="" xmlns:a14="http://schemas.microsoft.com/office/drawing/2010/main" w="9525">
+                <a14:hiddenLine xmlns:a14="http://schemas.microsoft.com/office/drawing/2010/main" xmlns="" w="9525">
                   <a:solidFill>
                     <a:srgbClr val="000000"/>
                   </a:solidFill>
@@ -2071,7 +2071,7 @@
             </a:ln>
             <a:extLst>
               <a:ext uri="{91240B29-F687-4f45-9708-019B960494DF}">
-                <a14:hiddenLine xmlns="" xmlns:a14="http://schemas.microsoft.com/office/drawing/2010/main" w="9525">
+                <a14:hiddenLine xmlns:a14="http://schemas.microsoft.com/office/drawing/2010/main" xmlns="" w="9525">
                   <a:solidFill>
                     <a:srgbClr val="000000"/>
                   </a:solidFill>
@@ -2161,7 +2161,7 @@
             </a:ln>
             <a:extLst>
               <a:ext uri="{91240B29-F687-4f45-9708-019B960494DF}">
-                <a14:hiddenLine xmlns="" xmlns:a14="http://schemas.microsoft.com/office/drawing/2010/main" w="9525">
+                <a14:hiddenLine xmlns:a14="http://schemas.microsoft.com/office/drawing/2010/main" xmlns="" w="9525">
                   <a:solidFill>
                     <a:srgbClr val="000000"/>
                   </a:solidFill>
@@ -2223,7 +2223,7 @@
             </a:ln>
             <a:extLst>
               <a:ext uri="{91240B29-F687-4f45-9708-019B960494DF}">
-                <a14:hiddenLine xmlns="" xmlns:a14="http://schemas.microsoft.com/office/drawing/2010/main" w="9525">
+                <a14:hiddenLine xmlns:a14="http://schemas.microsoft.com/office/drawing/2010/main" xmlns="" w="9525">
                   <a:solidFill>
                     <a:srgbClr val="000000"/>
                   </a:solidFill>
@@ -2285,7 +2285,7 @@
             </a:ln>
             <a:extLst>
               <a:ext uri="{91240B29-F687-4f45-9708-019B960494DF}">
-                <a14:hiddenLine xmlns="" xmlns:a14="http://schemas.microsoft.com/office/drawing/2010/main" w="9525">
+                <a14:hiddenLine xmlns:a14="http://schemas.microsoft.com/office/drawing/2010/main" xmlns="" w="9525">
                   <a:solidFill>
                     <a:srgbClr val="000000"/>
                   </a:solidFill>
@@ -2375,7 +2375,7 @@
             </a:ln>
             <a:extLst>
               <a:ext uri="{91240B29-F687-4f45-9708-019B960494DF}">
-                <a14:hiddenLine xmlns="" xmlns:a14="http://schemas.microsoft.com/office/drawing/2010/main" w="9525">
+                <a14:hiddenLine xmlns:a14="http://schemas.microsoft.com/office/drawing/2010/main" xmlns="" w="9525">
                   <a:solidFill>
                     <a:srgbClr val="000000"/>
                   </a:solidFill>
@@ -2465,7 +2465,7 @@
             </a:ln>
             <a:extLst>
               <a:ext uri="{91240B29-F687-4f45-9708-019B960494DF}">
-                <a14:hiddenLine xmlns="" xmlns:a14="http://schemas.microsoft.com/office/drawing/2010/main" w="9525">
+                <a14:hiddenLine xmlns:a14="http://schemas.microsoft.com/office/drawing/2010/main" xmlns="" w="9525">
                   <a:solidFill>
                     <a:srgbClr val="000000"/>
                   </a:solidFill>
@@ -2527,7 +2527,7 @@
             </a:ln>
             <a:extLst>
               <a:ext uri="{91240B29-F687-4f45-9708-019B960494DF}">
-                <a14:hiddenLine xmlns="" xmlns:a14="http://schemas.microsoft.com/office/drawing/2010/main" w="9525">
+                <a14:hiddenLine xmlns:a14="http://schemas.microsoft.com/office/drawing/2010/main" xmlns="" w="9525">
                   <a:solidFill>
                     <a:srgbClr val="000000"/>
                   </a:solidFill>
@@ -2637,7 +2637,7 @@
             </a:ln>
             <a:extLst>
               <a:ext uri="{91240B29-F687-4f45-9708-019B960494DF}">
-                <a14:hiddenLine xmlns="" xmlns:a14="http://schemas.microsoft.com/office/drawing/2010/main" w="9525">
+                <a14:hiddenLine xmlns:a14="http://schemas.microsoft.com/office/drawing/2010/main" xmlns="" w="9525">
                   <a:solidFill>
                     <a:srgbClr val="000000"/>
                   </a:solidFill>
@@ -2699,7 +2699,7 @@
             </a:ln>
             <a:extLst>
               <a:ext uri="{91240B29-F687-4f45-9708-019B960494DF}">
-                <a14:hiddenLine xmlns="" xmlns:a14="http://schemas.microsoft.com/office/drawing/2010/main" w="9525">
+                <a14:hiddenLine xmlns:a14="http://schemas.microsoft.com/office/drawing/2010/main" xmlns="" w="9525">
                   <a:solidFill>
                     <a:srgbClr val="000000"/>
                   </a:solidFill>
@@ -2789,7 +2789,7 @@
             </a:ln>
             <a:extLst>
               <a:ext uri="{91240B29-F687-4f45-9708-019B960494DF}">
-                <a14:hiddenLine xmlns="" xmlns:a14="http://schemas.microsoft.com/office/drawing/2010/main" w="9525">
+                <a14:hiddenLine xmlns:a14="http://schemas.microsoft.com/office/drawing/2010/main" xmlns="" w="9525">
                   <a:solidFill>
                     <a:srgbClr val="000000"/>
                   </a:solidFill>
@@ -2879,7 +2879,7 @@
             </a:ln>
             <a:extLst>
               <a:ext uri="{91240B29-F687-4f45-9708-019B960494DF}">
-                <a14:hiddenLine xmlns="" xmlns:a14="http://schemas.microsoft.com/office/drawing/2010/main" w="9525">
+                <a14:hiddenLine xmlns:a14="http://schemas.microsoft.com/office/drawing/2010/main" xmlns="" w="9525">
                   <a:solidFill>
                     <a:srgbClr val="000000"/>
                   </a:solidFill>
@@ -2941,7 +2941,7 @@
             </a:ln>
             <a:extLst>
               <a:ext uri="{91240B29-F687-4f45-9708-019B960494DF}">
-                <a14:hiddenLine xmlns="" xmlns:a14="http://schemas.microsoft.com/office/drawing/2010/main" w="9525">
+                <a14:hiddenLine xmlns:a14="http://schemas.microsoft.com/office/drawing/2010/main" xmlns="" w="9525">
                   <a:solidFill>
                     <a:srgbClr val="000000"/>
                   </a:solidFill>
@@ -3031,7 +3031,7 @@
             </a:ln>
             <a:extLst>
               <a:ext uri="{91240B29-F687-4f45-9708-019B960494DF}">
-                <a14:hiddenLine xmlns="" xmlns:a14="http://schemas.microsoft.com/office/drawing/2010/main" w="9525">
+                <a14:hiddenLine xmlns:a14="http://schemas.microsoft.com/office/drawing/2010/main" xmlns="" w="9525">
                   <a:solidFill>
                     <a:srgbClr val="000000"/>
                   </a:solidFill>
@@ -3121,7 +3121,7 @@
             </a:ln>
             <a:extLst>
               <a:ext uri="{91240B29-F687-4f45-9708-019B960494DF}">
-                <a14:hiddenLine xmlns="" xmlns:a14="http://schemas.microsoft.com/office/drawing/2010/main" w="9525">
+                <a14:hiddenLine xmlns:a14="http://schemas.microsoft.com/office/drawing/2010/main" xmlns="" w="9525">
                   <a:solidFill>
                     <a:srgbClr val="000000"/>
                   </a:solidFill>
@@ -3177,7 +3177,7 @@
             </a:ln>
             <a:extLst>
               <a:ext uri="{91240B29-F687-4f45-9708-019B960494DF}">
-                <a14:hiddenLine xmlns="" xmlns:a14="http://schemas.microsoft.com/office/drawing/2010/main" w="9525">
+                <a14:hiddenLine xmlns:a14="http://schemas.microsoft.com/office/drawing/2010/main" xmlns="" w="9525">
                   <a:solidFill>
                     <a:srgbClr val="000000"/>
                   </a:solidFill>
@@ -3267,7 +3267,7 @@
             </a:ln>
             <a:extLst>
               <a:ext uri="{91240B29-F687-4f45-9708-019B960494DF}">
-                <a14:hiddenLine xmlns="" xmlns:a14="http://schemas.microsoft.com/office/drawing/2010/main" w="9525">
+                <a14:hiddenLine xmlns:a14="http://schemas.microsoft.com/office/drawing/2010/main" xmlns="" w="9525">
                   <a:solidFill>
                     <a:srgbClr val="000000"/>
                   </a:solidFill>
@@ -3323,7 +3323,7 @@
             </a:ln>
             <a:extLst>
               <a:ext uri="{91240B29-F687-4f45-9708-019B960494DF}">
-                <a14:hiddenLine xmlns="" xmlns:a14="http://schemas.microsoft.com/office/drawing/2010/main" w="9525">
+                <a14:hiddenLine xmlns:a14="http://schemas.microsoft.com/office/drawing/2010/main" xmlns="" w="9525">
                   <a:solidFill>
                     <a:srgbClr val="000000"/>
                   </a:solidFill>
@@ -3413,7 +3413,7 @@
             </a:ln>
             <a:extLst>
               <a:ext uri="{91240B29-F687-4f45-9708-019B960494DF}">
-                <a14:hiddenLine xmlns="" xmlns:a14="http://schemas.microsoft.com/office/drawing/2010/main" w="9525">
+                <a14:hiddenLine xmlns:a14="http://schemas.microsoft.com/office/drawing/2010/main" xmlns="" w="9525">
                   <a:solidFill>
                     <a:srgbClr val="000000"/>
                   </a:solidFill>
@@ -3481,7 +3481,7 @@
             </a:ln>
             <a:extLst>
               <a:ext uri="{91240B29-F687-4f45-9708-019B960494DF}">
-                <a14:hiddenLine xmlns="" xmlns:a14="http://schemas.microsoft.com/office/drawing/2010/main" w="9525">
+                <a14:hiddenLine xmlns:a14="http://schemas.microsoft.com/office/drawing/2010/main" xmlns="" w="9525">
                   <a:solidFill>
                     <a:srgbClr val="000000"/>
                   </a:solidFill>
@@ -3571,7 +3571,7 @@
             </a:ln>
             <a:extLst>
               <a:ext uri="{91240B29-F687-4f45-9708-019B960494DF}">
-                <a14:hiddenLine xmlns="" xmlns:a14="http://schemas.microsoft.com/office/drawing/2010/main" w="9525">
+                <a14:hiddenLine xmlns:a14="http://schemas.microsoft.com/office/drawing/2010/main" xmlns="" w="9525">
                   <a:solidFill>
                     <a:srgbClr val="000000"/>
                   </a:solidFill>
@@ -3639,7 +3639,7 @@
             </a:ln>
             <a:extLst>
               <a:ext uri="{91240B29-F687-4f45-9708-019B960494DF}">
-                <a14:hiddenLine xmlns="" xmlns:a14="http://schemas.microsoft.com/office/drawing/2010/main" w="9525">
+                <a14:hiddenLine xmlns:a14="http://schemas.microsoft.com/office/drawing/2010/main" xmlns="" w="9525">
                   <a:solidFill>
                     <a:srgbClr val="000000"/>
                   </a:solidFill>
@@ -3729,7 +3729,7 @@
             </a:ln>
             <a:extLst>
               <a:ext uri="{91240B29-F687-4f45-9708-019B960494DF}">
-                <a14:hiddenLine xmlns="" xmlns:a14="http://schemas.microsoft.com/office/drawing/2010/main" w="9525">
+                <a14:hiddenLine xmlns:a14="http://schemas.microsoft.com/office/drawing/2010/main" xmlns="" w="9525">
                   <a:solidFill>
                     <a:srgbClr val="000000"/>
                   </a:solidFill>
@@ -3763,7 +3763,7 @@
             </a:ln>
             <a:extLst>
               <a:ext uri="{91240B29-F687-4f45-9708-019B960494DF}">
-                <a14:hiddenLine xmlns="" xmlns:a14="http://schemas.microsoft.com/office/drawing/2010/main" w="9525">
+                <a14:hiddenLine xmlns:a14="http://schemas.microsoft.com/office/drawing/2010/main" xmlns="" w="9525">
                   <a:solidFill>
                     <a:srgbClr val="000000"/>
                   </a:solidFill>
@@ -3853,7 +3853,7 @@
             </a:ln>
             <a:extLst>
               <a:ext uri="{91240B29-F687-4f45-9708-019B960494DF}">
-                <a14:hiddenLine xmlns="" xmlns:a14="http://schemas.microsoft.com/office/drawing/2010/main" w="9525">
+                <a14:hiddenLine xmlns:a14="http://schemas.microsoft.com/office/drawing/2010/main" xmlns="" w="9525">
                   <a:solidFill>
                     <a:srgbClr val="000000"/>
                   </a:solidFill>
@@ -3915,7 +3915,7 @@
             </a:ln>
             <a:extLst>
               <a:ext uri="{91240B29-F687-4f45-9708-019B960494DF}">
-                <a14:hiddenLine xmlns="" xmlns:a14="http://schemas.microsoft.com/office/drawing/2010/main" w="9525">
+                <a14:hiddenLine xmlns:a14="http://schemas.microsoft.com/office/drawing/2010/main" xmlns="" w="9525">
                   <a:solidFill>
                     <a:srgbClr val="000000"/>
                   </a:solidFill>
@@ -3977,7 +3977,7 @@
             </a:ln>
             <a:extLst>
               <a:ext uri="{91240B29-F687-4f45-9708-019B960494DF}">
-                <a14:hiddenLine xmlns="" xmlns:a14="http://schemas.microsoft.com/office/drawing/2010/main" w="9525">
+                <a14:hiddenLine xmlns:a14="http://schemas.microsoft.com/office/drawing/2010/main" xmlns="" w="9525">
                   <a:solidFill>
                     <a:srgbClr val="000000"/>
                   </a:solidFill>
@@ -4067,7 +4067,7 @@
             </a:ln>
             <a:extLst>
               <a:ext uri="{91240B29-F687-4f45-9708-019B960494DF}">
-                <a14:hiddenLine xmlns="" xmlns:a14="http://schemas.microsoft.com/office/drawing/2010/main" w="9525">
+                <a14:hiddenLine xmlns:a14="http://schemas.microsoft.com/office/drawing/2010/main" xmlns="" w="9525">
                   <a:solidFill>
                     <a:srgbClr val="000000"/>
                   </a:solidFill>
@@ -4135,7 +4135,7 @@
             </a:ln>
             <a:extLst>
               <a:ext uri="{91240B29-F687-4f45-9708-019B960494DF}">
-                <a14:hiddenLine xmlns="" xmlns:a14="http://schemas.microsoft.com/office/drawing/2010/main" w="9525">
+                <a14:hiddenLine xmlns:a14="http://schemas.microsoft.com/office/drawing/2010/main" xmlns="" w="9525">
                   <a:solidFill>
                     <a:srgbClr val="000000"/>
                   </a:solidFill>
@@ -4197,7 +4197,7 @@
             </a:ln>
             <a:extLst>
               <a:ext uri="{91240B29-F687-4f45-9708-019B960494DF}">
-                <a14:hiddenLine xmlns="" xmlns:a14="http://schemas.microsoft.com/office/drawing/2010/main" w="9525">
+                <a14:hiddenLine xmlns:a14="http://schemas.microsoft.com/office/drawing/2010/main" xmlns="" w="9525">
                   <a:solidFill>
                     <a:srgbClr val="000000"/>
                   </a:solidFill>
@@ -4287,7 +4287,7 @@
             </a:ln>
             <a:extLst>
               <a:ext uri="{91240B29-F687-4f45-9708-019B960494DF}">
-                <a14:hiddenLine xmlns="" xmlns:a14="http://schemas.microsoft.com/office/drawing/2010/main" w="9525">
+                <a14:hiddenLine xmlns:a14="http://schemas.microsoft.com/office/drawing/2010/main" xmlns="" w="9525">
                   <a:solidFill>
                     <a:srgbClr val="000000"/>
                   </a:solidFill>
@@ -4349,7 +4349,7 @@
             </a:ln>
             <a:extLst>
               <a:ext uri="{91240B29-F687-4f45-9708-019B960494DF}">
-                <a14:hiddenLine xmlns="" xmlns:a14="http://schemas.microsoft.com/office/drawing/2010/main" w="9525">
+                <a14:hiddenLine xmlns:a14="http://schemas.microsoft.com/office/drawing/2010/main" xmlns="" w="9525">
                   <a:solidFill>
                     <a:srgbClr val="000000"/>
                   </a:solidFill>
@@ -4439,7 +4439,7 @@
             </a:ln>
             <a:extLst>
               <a:ext uri="{91240B29-F687-4f45-9708-019B960494DF}">
-                <a14:hiddenLine xmlns="" xmlns:a14="http://schemas.microsoft.com/office/drawing/2010/main" w="9525">
+                <a14:hiddenLine xmlns:a14="http://schemas.microsoft.com/office/drawing/2010/main" xmlns="" w="9525">
                   <a:solidFill>
                     <a:srgbClr val="000000"/>
                   </a:solidFill>
@@ -4501,7 +4501,7 @@
             </a:ln>
             <a:extLst>
               <a:ext uri="{91240B29-F687-4f45-9708-019B960494DF}">
-                <a14:hiddenLine xmlns="" xmlns:a14="http://schemas.microsoft.com/office/drawing/2010/main" w="9525">
+                <a14:hiddenLine xmlns:a14="http://schemas.microsoft.com/office/drawing/2010/main" xmlns="" w="9525">
                   <a:solidFill>
                     <a:srgbClr val="000000"/>
                   </a:solidFill>
@@ -4591,7 +4591,7 @@
             </a:ln>
             <a:extLst>
               <a:ext uri="{91240B29-F687-4f45-9708-019B960494DF}">
-                <a14:hiddenLine xmlns="" xmlns:a14="http://schemas.microsoft.com/office/drawing/2010/main" w="9525">
+                <a14:hiddenLine xmlns:a14="http://schemas.microsoft.com/office/drawing/2010/main" xmlns="" w="9525">
                   <a:solidFill>
                     <a:srgbClr val="000000"/>
                   </a:solidFill>
@@ -4625,7 +4625,7 @@
             </a:ln>
             <a:extLst>
               <a:ext uri="{91240B29-F687-4f45-9708-019B960494DF}">
-                <a14:hiddenLine xmlns="" xmlns:a14="http://schemas.microsoft.com/office/drawing/2010/main" w="9525">
+                <a14:hiddenLine xmlns:a14="http://schemas.microsoft.com/office/drawing/2010/main" xmlns="" w="9525">
                   <a:solidFill>
                     <a:srgbClr val="000000"/>
                   </a:solidFill>
@@ -4690,7 +4690,7 @@
             </a:ln>
             <a:extLst>
               <a:ext uri="{91240B29-F687-4f45-9708-019B960494DF}">
-                <a14:hiddenLine xmlns="" xmlns:a14="http://schemas.microsoft.com/office/drawing/2010/main" w="9525">
+                <a14:hiddenLine xmlns:a14="http://schemas.microsoft.com/office/drawing/2010/main" xmlns="" w="9525">
                   <a:solidFill>
                     <a:srgbClr val="000000"/>
                   </a:solidFill>
@@ -4780,7 +4780,7 @@
             </a:ln>
             <a:extLst>
               <a:ext uri="{91240B29-F687-4f45-9708-019B960494DF}">
-                <a14:hiddenLine xmlns="" xmlns:a14="http://schemas.microsoft.com/office/drawing/2010/main" w="9525">
+                <a14:hiddenLine xmlns:a14="http://schemas.microsoft.com/office/drawing/2010/main" xmlns="" w="9525">
                   <a:solidFill>
                     <a:srgbClr val="000000"/>
                   </a:solidFill>
@@ -4842,7 +4842,7 @@
             </a:ln>
             <a:extLst>
               <a:ext uri="{91240B29-F687-4f45-9708-019B960494DF}">
-                <a14:hiddenLine xmlns="" xmlns:a14="http://schemas.microsoft.com/office/drawing/2010/main" w="9525">
+                <a14:hiddenLine xmlns:a14="http://schemas.microsoft.com/office/drawing/2010/main" xmlns="" w="9525">
                   <a:solidFill>
                     <a:srgbClr val="000000"/>
                   </a:solidFill>
@@ -4932,7 +4932,7 @@
             </a:ln>
             <a:extLst>
               <a:ext uri="{91240B29-F687-4f45-9708-019B960494DF}">
-                <a14:hiddenLine xmlns="" xmlns:a14="http://schemas.microsoft.com/office/drawing/2010/main" w="9525">
+                <a14:hiddenLine xmlns:a14="http://schemas.microsoft.com/office/drawing/2010/main" xmlns="" w="9525">
                   <a:solidFill>
                     <a:srgbClr val="000000"/>
                   </a:solidFill>
@@ -5022,7 +5022,7 @@
             </a:ln>
             <a:extLst>
               <a:ext uri="{91240B29-F687-4f45-9708-019B960494DF}">
-                <a14:hiddenLine xmlns="" xmlns:a14="http://schemas.microsoft.com/office/drawing/2010/main" w="9525">
+                <a14:hiddenLine xmlns:a14="http://schemas.microsoft.com/office/drawing/2010/main" xmlns="" w="9525">
                   <a:solidFill>
                     <a:srgbClr val="000000"/>
                   </a:solidFill>
@@ -5087,7 +5087,7 @@
             </a:ln>
             <a:extLst>
               <a:ext uri="{91240B29-F687-4f45-9708-019B960494DF}">
-                <a14:hiddenLine xmlns="" xmlns:a14="http://schemas.microsoft.com/office/drawing/2010/main" w="9525">
+                <a14:hiddenLine xmlns:a14="http://schemas.microsoft.com/office/drawing/2010/main" xmlns="" w="9525">
                   <a:solidFill>
                     <a:srgbClr val="000000"/>
                   </a:solidFill>
@@ -5149,7 +5149,7 @@
             </a:ln>
             <a:extLst>
               <a:ext uri="{91240B29-F687-4f45-9708-019B960494DF}">
-                <a14:hiddenLine xmlns="" xmlns:a14="http://schemas.microsoft.com/office/drawing/2010/main" w="9525">
+                <a14:hiddenLine xmlns:a14="http://schemas.microsoft.com/office/drawing/2010/main" xmlns="" w="9525">
                   <a:solidFill>
                     <a:srgbClr val="000000"/>
                   </a:solidFill>
@@ -5239,7 +5239,7 @@
             </a:ln>
             <a:extLst>
               <a:ext uri="{91240B29-F687-4f45-9708-019B960494DF}">
-                <a14:hiddenLine xmlns="" xmlns:a14="http://schemas.microsoft.com/office/drawing/2010/main" w="9525">
+                <a14:hiddenLine xmlns:a14="http://schemas.microsoft.com/office/drawing/2010/main" xmlns="" w="9525">
                   <a:solidFill>
                     <a:srgbClr val="000000"/>
                   </a:solidFill>
@@ -5329,7 +5329,7 @@
             </a:ln>
             <a:extLst>
               <a:ext uri="{91240B29-F687-4f45-9708-019B960494DF}">
-                <a14:hiddenLine xmlns="" xmlns:a14="http://schemas.microsoft.com/office/drawing/2010/main" w="9525">
+                <a14:hiddenLine xmlns:a14="http://schemas.microsoft.com/office/drawing/2010/main" xmlns="" w="9525">
                   <a:solidFill>
                     <a:srgbClr val="000000"/>
                   </a:solidFill>
@@ -5391,7 +5391,7 @@
             </a:ln>
             <a:extLst>
               <a:ext uri="{91240B29-F687-4f45-9708-019B960494DF}">
-                <a14:hiddenLine xmlns="" xmlns:a14="http://schemas.microsoft.com/office/drawing/2010/main" w="9525">
+                <a14:hiddenLine xmlns:a14="http://schemas.microsoft.com/office/drawing/2010/main" xmlns="" w="9525">
                   <a:solidFill>
                     <a:srgbClr val="000000"/>
                   </a:solidFill>
@@ -5511,7 +5511,7 @@
             </a:ln>
             <a:extLst>
               <a:ext uri="{91240B29-F687-4f45-9708-019B960494DF}">
-                <a14:hiddenLine xmlns="" xmlns:a14="http://schemas.microsoft.com/office/drawing/2010/main" w="9525">
+                <a14:hiddenLine xmlns:a14="http://schemas.microsoft.com/office/drawing/2010/main" xmlns="" w="9525">
                   <a:solidFill>
                     <a:srgbClr val="000000"/>
                   </a:solidFill>
@@ -5579,7 +5579,7 @@
             </a:ln>
             <a:extLst>
               <a:ext uri="{91240B29-F687-4f45-9708-019B960494DF}">
-                <a14:hiddenLine xmlns="" xmlns:a14="http://schemas.microsoft.com/office/drawing/2010/main" w="9525">
+                <a14:hiddenLine xmlns:a14="http://schemas.microsoft.com/office/drawing/2010/main" xmlns="" w="9525">
                   <a:solidFill>
                     <a:srgbClr val="000000"/>
                   </a:solidFill>
@@ -5669,7 +5669,7 @@
             </a:ln>
             <a:extLst>
               <a:ext uri="{91240B29-F687-4f45-9708-019B960494DF}">
-                <a14:hiddenLine xmlns="" xmlns:a14="http://schemas.microsoft.com/office/drawing/2010/main" w="9525">
+                <a14:hiddenLine xmlns:a14="http://schemas.microsoft.com/office/drawing/2010/main" xmlns="" w="9525">
                   <a:solidFill>
                     <a:srgbClr val="000000"/>
                   </a:solidFill>
@@ -5809,7 +5809,7 @@
           <a:p>
             <a:fld id="{48A87A34-81AB-432B-8DAE-1953F412C126}" type="datetimeFigureOut">
               <a:rPr lang="en-US" dirty="0"/>
-              <a:t>6/10/2022</a:t>
+              <a:t>6/12/2022</a:t>
             </a:fld>
             <a:endParaRPr lang="en-US" dirty="0"/>
           </a:p>
@@ -6071,7 +6071,7 @@
           <a:p>
             <a:fld id="{48A87A34-81AB-432B-8DAE-1953F412C126}" type="datetimeFigureOut">
               <a:rPr lang="en-US" dirty="0"/>
-              <a:t>6/10/2022</a:t>
+              <a:t>6/12/2022</a:t>
             </a:fld>
             <a:endParaRPr lang="en-US" dirty="0"/>
           </a:p>
@@ -6262,7 +6262,7 @@
           <a:p>
             <a:fld id="{48A87A34-81AB-432B-8DAE-1953F412C126}" type="datetimeFigureOut">
               <a:rPr lang="en-US" dirty="0"/>
-              <a:t>6/10/2022</a:t>
+              <a:t>6/12/2022</a:t>
             </a:fld>
             <a:endParaRPr lang="en-US" dirty="0"/>
           </a:p>
@@ -6520,7 +6520,7 @@
           <a:p>
             <a:fld id="{48A87A34-81AB-432B-8DAE-1953F412C126}" type="datetimeFigureOut">
               <a:rPr lang="en-US" dirty="0"/>
-              <a:t>6/10/2022</a:t>
+              <a:t>6/12/2022</a:t>
             </a:fld>
             <a:endParaRPr lang="en-US" dirty="0"/>
           </a:p>
@@ -6949,7 +6949,7 @@
           <a:p>
             <a:fld id="{48A87A34-81AB-432B-8DAE-1953F412C126}" type="datetimeFigureOut">
               <a:rPr lang="en-US" dirty="0"/>
-              <a:t>6/10/2022</a:t>
+              <a:t>6/12/2022</a:t>
             </a:fld>
             <a:endParaRPr lang="en-US" dirty="0"/>
           </a:p>
@@ -7490,7 +7490,7 @@
           <a:p>
             <a:fld id="{48A87A34-81AB-432B-8DAE-1953F412C126}" type="datetimeFigureOut">
               <a:rPr lang="en-US" dirty="0"/>
-              <a:t>6/10/2022</a:t>
+              <a:t>6/12/2022</a:t>
             </a:fld>
             <a:endParaRPr lang="en-US" dirty="0"/>
           </a:p>
@@ -8205,7 +8205,7 @@
           <a:p>
             <a:fld id="{48A87A34-81AB-432B-8DAE-1953F412C126}" type="datetimeFigureOut">
               <a:rPr lang="en-US" dirty="0"/>
-              <a:t>6/10/2022</a:t>
+              <a:t>6/12/2022</a:t>
             </a:fld>
             <a:endParaRPr lang="en-US" dirty="0"/>
           </a:p>
@@ -8370,7 +8370,7 @@
           <a:p>
             <a:fld id="{48A87A34-81AB-432B-8DAE-1953F412C126}" type="datetimeFigureOut">
               <a:rPr lang="en-US" dirty="0"/>
-              <a:t>6/10/2022</a:t>
+              <a:t>6/12/2022</a:t>
             </a:fld>
             <a:endParaRPr lang="en-US" dirty="0"/>
           </a:p>
@@ -8545,7 +8545,7 @@
           <a:p>
             <a:fld id="{48A87A34-81AB-432B-8DAE-1953F412C126}" type="datetimeFigureOut">
               <a:rPr lang="en-US" dirty="0"/>
-              <a:t>6/10/2022</a:t>
+              <a:t>6/12/2022</a:t>
             </a:fld>
             <a:endParaRPr lang="en-US" dirty="0"/>
           </a:p>
@@ -8710,7 +8710,7 @@
           <a:p>
             <a:fld id="{48A87A34-81AB-432B-8DAE-1953F412C126}" type="datetimeFigureOut">
               <a:rPr lang="en-US" dirty="0"/>
-              <a:t>6/10/2022</a:t>
+              <a:t>6/12/2022</a:t>
             </a:fld>
             <a:endParaRPr lang="en-US" dirty="0"/>
           </a:p>
@@ -8955,7 +8955,7 @@
           <a:p>
             <a:fld id="{48A87A34-81AB-432B-8DAE-1953F412C126}" type="datetimeFigureOut">
               <a:rPr lang="en-US" dirty="0"/>
-              <a:t>6/10/2022</a:t>
+              <a:t>6/12/2022</a:t>
             </a:fld>
             <a:endParaRPr lang="en-US" dirty="0"/>
           </a:p>
@@ -9182,7 +9182,7 @@
           <a:p>
             <a:fld id="{48A87A34-81AB-432B-8DAE-1953F412C126}" type="datetimeFigureOut">
               <a:rPr lang="en-US" dirty="0"/>
-              <a:t>6/10/2022</a:t>
+              <a:t>6/12/2022</a:t>
             </a:fld>
             <a:endParaRPr lang="en-US" dirty="0"/>
           </a:p>
@@ -9558,7 +9558,7 @@
           <a:p>
             <a:fld id="{48A87A34-81AB-432B-8DAE-1953F412C126}" type="datetimeFigureOut">
               <a:rPr lang="en-US" dirty="0"/>
-              <a:t>6/10/2022</a:t>
+              <a:t>6/12/2022</a:t>
             </a:fld>
             <a:endParaRPr lang="en-US" dirty="0"/>
           </a:p>
@@ -9671,7 +9671,7 @@
           <a:p>
             <a:fld id="{48A87A34-81AB-432B-8DAE-1953F412C126}" type="datetimeFigureOut">
               <a:rPr lang="en-US" dirty="0"/>
-              <a:t>6/10/2022</a:t>
+              <a:t>6/12/2022</a:t>
             </a:fld>
             <a:endParaRPr lang="en-US" dirty="0"/>
           </a:p>
@@ -9761,7 +9761,7 @@
           <a:p>
             <a:fld id="{48A87A34-81AB-432B-8DAE-1953F412C126}" type="datetimeFigureOut">
               <a:rPr lang="en-US" dirty="0"/>
-              <a:t>6/10/2022</a:t>
+              <a:t>6/12/2022</a:t>
             </a:fld>
             <a:endParaRPr lang="en-US" dirty="0"/>
           </a:p>
@@ -10005,7 +10005,7 @@
           <a:p>
             <a:fld id="{48A87A34-81AB-432B-8DAE-1953F412C126}" type="datetimeFigureOut">
               <a:rPr lang="en-US" dirty="0"/>
-              <a:t>6/10/2022</a:t>
+              <a:t>6/12/2022</a:t>
             </a:fld>
             <a:endParaRPr lang="en-US" dirty="0"/>
           </a:p>
@@ -10280,7 +10280,7 @@
           <a:p>
             <a:fld id="{48A87A34-81AB-432B-8DAE-1953F412C126}" type="datetimeFigureOut">
               <a:rPr lang="en-US" dirty="0"/>
-              <a:t>6/10/2022</a:t>
+              <a:t>6/12/2022</a:t>
             </a:fld>
             <a:endParaRPr lang="en-US" dirty="0"/>
           </a:p>
@@ -10398,7 +10398,7 @@
           <a:noFill/>
           <a:extLst>
             <a:ext uri="{909E8E84-426E-40dd-AFC4-6F175D3DCCD1}">
-              <a14:hiddenFill xmlns="" xmlns:a14="http://schemas.microsoft.com/office/drawing/2010/main">
+              <a14:hiddenFill xmlns:a14="http://schemas.microsoft.com/office/drawing/2010/main" xmlns="">
                 <a:solidFill>
                   <a:srgbClr val="FFFFFF"/>
                 </a:solidFill>
@@ -10472,7 +10472,7 @@
               </a:ln>
               <a:extLst>
                 <a:ext uri="{91240B29-F687-4f45-9708-019B960494DF}">
-                  <a14:hiddenLine xmlns="" xmlns:a14="http://schemas.microsoft.com/office/drawing/2010/main" w="9525">
+                  <a14:hiddenLine xmlns:a14="http://schemas.microsoft.com/office/drawing/2010/main" xmlns="" w="9525">
                     <a:solidFill>
                       <a:srgbClr val="000000"/>
                     </a:solidFill>
@@ -10562,7 +10562,7 @@
               </a:ln>
               <a:extLst>
                 <a:ext uri="{91240B29-F687-4f45-9708-019B960494DF}">
-                  <a14:hiddenLine xmlns="" xmlns:a14="http://schemas.microsoft.com/office/drawing/2010/main" w="9525">
+                  <a14:hiddenLine xmlns:a14="http://schemas.microsoft.com/office/drawing/2010/main" xmlns="" w="9525">
                     <a:solidFill>
                       <a:srgbClr val="000000"/>
                     </a:solidFill>
@@ -10652,7 +10652,7 @@
               </a:ln>
               <a:extLst>
                 <a:ext uri="{91240B29-F687-4f45-9708-019B960494DF}">
-                  <a14:hiddenLine xmlns="" xmlns:a14="http://schemas.microsoft.com/office/drawing/2010/main" w="9525">
+                  <a14:hiddenLine xmlns:a14="http://schemas.microsoft.com/office/drawing/2010/main" xmlns="" w="9525">
                     <a:solidFill>
                       <a:srgbClr val="000000"/>
                     </a:solidFill>
@@ -10714,7 +10714,7 @@
               </a:ln>
               <a:extLst>
                 <a:ext uri="{91240B29-F687-4f45-9708-019B960494DF}">
-                  <a14:hiddenLine xmlns="" xmlns:a14="http://schemas.microsoft.com/office/drawing/2010/main" w="9525">
+                  <a14:hiddenLine xmlns:a14="http://schemas.microsoft.com/office/drawing/2010/main" xmlns="" w="9525">
                     <a:solidFill>
                       <a:srgbClr val="000000"/>
                     </a:solidFill>
@@ -10804,7 +10804,7 @@
               </a:ln>
               <a:extLst>
                 <a:ext uri="{91240B29-F687-4f45-9708-019B960494DF}">
-                  <a14:hiddenLine xmlns="" xmlns:a14="http://schemas.microsoft.com/office/drawing/2010/main" w="9525">
+                  <a14:hiddenLine xmlns:a14="http://schemas.microsoft.com/office/drawing/2010/main" xmlns="" w="9525">
                     <a:solidFill>
                       <a:srgbClr val="000000"/>
                     </a:solidFill>
@@ -10866,7 +10866,7 @@
               </a:ln>
               <a:extLst>
                 <a:ext uri="{91240B29-F687-4f45-9708-019B960494DF}">
-                  <a14:hiddenLine xmlns="" xmlns:a14="http://schemas.microsoft.com/office/drawing/2010/main" w="9525">
+                  <a14:hiddenLine xmlns:a14="http://schemas.microsoft.com/office/drawing/2010/main" xmlns="" w="9525">
                     <a:solidFill>
                       <a:srgbClr val="000000"/>
                     </a:solidFill>
@@ -10928,7 +10928,7 @@
               </a:ln>
               <a:extLst>
                 <a:ext uri="{91240B29-F687-4f45-9708-019B960494DF}">
-                  <a14:hiddenLine xmlns="" xmlns:a14="http://schemas.microsoft.com/office/drawing/2010/main" w="9525">
+                  <a14:hiddenLine xmlns:a14="http://schemas.microsoft.com/office/drawing/2010/main" xmlns="" w="9525">
                     <a:solidFill>
                       <a:srgbClr val="000000"/>
                     </a:solidFill>
@@ -11018,7 +11018,7 @@
               </a:ln>
               <a:extLst>
                 <a:ext uri="{91240B29-F687-4f45-9708-019B960494DF}">
-                  <a14:hiddenLine xmlns="" xmlns:a14="http://schemas.microsoft.com/office/drawing/2010/main" w="9525">
+                  <a14:hiddenLine xmlns:a14="http://schemas.microsoft.com/office/drawing/2010/main" xmlns="" w="9525">
                     <a:solidFill>
                       <a:srgbClr val="000000"/>
                     </a:solidFill>
@@ -11108,7 +11108,7 @@
               </a:ln>
               <a:extLst>
                 <a:ext uri="{91240B29-F687-4f45-9708-019B960494DF}">
-                  <a14:hiddenLine xmlns="" xmlns:a14="http://schemas.microsoft.com/office/drawing/2010/main" w="9525">
+                  <a14:hiddenLine xmlns:a14="http://schemas.microsoft.com/office/drawing/2010/main" xmlns="" w="9525">
                     <a:solidFill>
                       <a:srgbClr val="000000"/>
                     </a:solidFill>
@@ -11170,7 +11170,7 @@
               </a:ln>
               <a:extLst>
                 <a:ext uri="{91240B29-F687-4f45-9708-019B960494DF}">
-                  <a14:hiddenLine xmlns="" xmlns:a14="http://schemas.microsoft.com/office/drawing/2010/main" w="9525">
+                  <a14:hiddenLine xmlns:a14="http://schemas.microsoft.com/office/drawing/2010/main" xmlns="" w="9525">
                     <a:solidFill>
                       <a:srgbClr val="000000"/>
                     </a:solidFill>
@@ -11280,7 +11280,7 @@
               </a:ln>
               <a:extLst>
                 <a:ext uri="{91240B29-F687-4f45-9708-019B960494DF}">
-                  <a14:hiddenLine xmlns="" xmlns:a14="http://schemas.microsoft.com/office/drawing/2010/main" w="9525">
+                  <a14:hiddenLine xmlns:a14="http://schemas.microsoft.com/office/drawing/2010/main" xmlns="" w="9525">
                     <a:solidFill>
                       <a:srgbClr val="000000"/>
                     </a:solidFill>
@@ -11364,7 +11364,7 @@
               </a:ln>
               <a:extLst>
                 <a:ext uri="{91240B29-F687-4f45-9708-019B960494DF}">
-                  <a14:hiddenLine xmlns="" xmlns:a14="http://schemas.microsoft.com/office/drawing/2010/main" w="9525">
+                  <a14:hiddenLine xmlns:a14="http://schemas.microsoft.com/office/drawing/2010/main" xmlns="" w="9525">
                     <a:solidFill>
                       <a:srgbClr val="000000"/>
                     </a:solidFill>
@@ -11426,7 +11426,7 @@
               </a:ln>
               <a:extLst>
                 <a:ext uri="{91240B29-F687-4f45-9708-019B960494DF}">
-                  <a14:hiddenLine xmlns="" xmlns:a14="http://schemas.microsoft.com/office/drawing/2010/main" w="9525">
+                  <a14:hiddenLine xmlns:a14="http://schemas.microsoft.com/office/drawing/2010/main" xmlns="" w="9525">
                     <a:solidFill>
                       <a:srgbClr val="000000"/>
                     </a:solidFill>
@@ -11488,7 +11488,7 @@
               </a:ln>
               <a:extLst>
                 <a:ext uri="{91240B29-F687-4f45-9708-019B960494DF}">
-                  <a14:hiddenLine xmlns="" xmlns:a14="http://schemas.microsoft.com/office/drawing/2010/main" w="9525">
+                  <a14:hiddenLine xmlns:a14="http://schemas.microsoft.com/office/drawing/2010/main" xmlns="" w="9525">
                     <a:solidFill>
                       <a:srgbClr val="000000"/>
                     </a:solidFill>
@@ -11578,7 +11578,7 @@
               </a:ln>
               <a:extLst>
                 <a:ext uri="{91240B29-F687-4f45-9708-019B960494DF}">
-                  <a14:hiddenLine xmlns="" xmlns:a14="http://schemas.microsoft.com/office/drawing/2010/main" w="9525">
+                  <a14:hiddenLine xmlns:a14="http://schemas.microsoft.com/office/drawing/2010/main" xmlns="" w="9525">
                     <a:solidFill>
                       <a:srgbClr val="000000"/>
                     </a:solidFill>
@@ -11612,7 +11612,7 @@
               </a:ln>
               <a:extLst>
                 <a:ext uri="{91240B29-F687-4f45-9708-019B960494DF}">
-                  <a14:hiddenLine xmlns="" xmlns:a14="http://schemas.microsoft.com/office/drawing/2010/main" w="9525">
+                  <a14:hiddenLine xmlns:a14="http://schemas.microsoft.com/office/drawing/2010/main" xmlns="" w="9525">
                     <a:solidFill>
                       <a:srgbClr val="000000"/>
                     </a:solidFill>
@@ -11677,7 +11677,7 @@
               </a:ln>
               <a:extLst>
                 <a:ext uri="{91240B29-F687-4f45-9708-019B960494DF}">
-                  <a14:hiddenLine xmlns="" xmlns:a14="http://schemas.microsoft.com/office/drawing/2010/main" w="9525">
+                  <a14:hiddenLine xmlns:a14="http://schemas.microsoft.com/office/drawing/2010/main" xmlns="" w="9525">
                     <a:solidFill>
                       <a:srgbClr val="000000"/>
                     </a:solidFill>
@@ -11767,7 +11767,7 @@
               </a:ln>
               <a:extLst>
                 <a:ext uri="{91240B29-F687-4f45-9708-019B960494DF}">
-                  <a14:hiddenLine xmlns="" xmlns:a14="http://schemas.microsoft.com/office/drawing/2010/main" w="9525">
+                  <a14:hiddenLine xmlns:a14="http://schemas.microsoft.com/office/drawing/2010/main" xmlns="" w="9525">
                     <a:solidFill>
                       <a:srgbClr val="000000"/>
                     </a:solidFill>
@@ -11829,7 +11829,7 @@
               </a:ln>
               <a:extLst>
                 <a:ext uri="{91240B29-F687-4f45-9708-019B960494DF}">
-                  <a14:hiddenLine xmlns="" xmlns:a14="http://schemas.microsoft.com/office/drawing/2010/main" w="9525">
+                  <a14:hiddenLine xmlns:a14="http://schemas.microsoft.com/office/drawing/2010/main" xmlns="" w="9525">
                     <a:solidFill>
                       <a:srgbClr val="000000"/>
                     </a:solidFill>
@@ -11919,7 +11919,7 @@
               </a:ln>
               <a:extLst>
                 <a:ext uri="{91240B29-F687-4f45-9708-019B960494DF}">
-                  <a14:hiddenLine xmlns="" xmlns:a14="http://schemas.microsoft.com/office/drawing/2010/main" w="9525">
+                  <a14:hiddenLine xmlns:a14="http://schemas.microsoft.com/office/drawing/2010/main" xmlns="" w="9525">
                     <a:solidFill>
                       <a:srgbClr val="000000"/>
                     </a:solidFill>
@@ -11984,7 +11984,7 @@
               </a:ln>
               <a:extLst>
                 <a:ext uri="{91240B29-F687-4f45-9708-019B960494DF}">
-                  <a14:hiddenLine xmlns="" xmlns:a14="http://schemas.microsoft.com/office/drawing/2010/main" w="9525">
+                  <a14:hiddenLine xmlns:a14="http://schemas.microsoft.com/office/drawing/2010/main" xmlns="" w="9525">
                     <a:solidFill>
                       <a:srgbClr val="000000"/>
                     </a:solidFill>
@@ -12046,7 +12046,7 @@
               </a:ln>
               <a:extLst>
                 <a:ext uri="{91240B29-F687-4f45-9708-019B960494DF}">
-                  <a14:hiddenLine xmlns="" xmlns:a14="http://schemas.microsoft.com/office/drawing/2010/main" w="9525">
+                  <a14:hiddenLine xmlns:a14="http://schemas.microsoft.com/office/drawing/2010/main" xmlns="" w="9525">
                     <a:solidFill>
                       <a:srgbClr val="000000"/>
                     </a:solidFill>
@@ -12136,7 +12136,7 @@
               </a:ln>
               <a:extLst>
                 <a:ext uri="{91240B29-F687-4f45-9708-019B960494DF}">
-                  <a14:hiddenLine xmlns="" xmlns:a14="http://schemas.microsoft.com/office/drawing/2010/main" w="9525">
+                  <a14:hiddenLine xmlns:a14="http://schemas.microsoft.com/office/drawing/2010/main" xmlns="" w="9525">
                     <a:solidFill>
                       <a:srgbClr val="000000"/>
                     </a:solidFill>
@@ -12226,7 +12226,7 @@
               </a:ln>
               <a:extLst>
                 <a:ext uri="{91240B29-F687-4f45-9708-019B960494DF}">
-                  <a14:hiddenLine xmlns="" xmlns:a14="http://schemas.microsoft.com/office/drawing/2010/main" w="9525">
+                  <a14:hiddenLine xmlns:a14="http://schemas.microsoft.com/office/drawing/2010/main" xmlns="" w="9525">
                     <a:solidFill>
                       <a:srgbClr val="000000"/>
                     </a:solidFill>
@@ -12291,7 +12291,7 @@
               </a:ln>
               <a:extLst>
                 <a:ext uri="{91240B29-F687-4f45-9708-019B960494DF}">
-                  <a14:hiddenLine xmlns="" xmlns:a14="http://schemas.microsoft.com/office/drawing/2010/main" w="9525">
+                  <a14:hiddenLine xmlns:a14="http://schemas.microsoft.com/office/drawing/2010/main" xmlns="" w="9525">
                     <a:solidFill>
                       <a:srgbClr val="000000"/>
                     </a:solidFill>
@@ -12411,7 +12411,7 @@
               </a:ln>
               <a:extLst>
                 <a:ext uri="{91240B29-F687-4f45-9708-019B960494DF}">
-                  <a14:hiddenLine xmlns="" xmlns:a14="http://schemas.microsoft.com/office/drawing/2010/main" w="9525">
+                  <a14:hiddenLine xmlns:a14="http://schemas.microsoft.com/office/drawing/2010/main" xmlns="" w="9525">
                     <a:solidFill>
                       <a:srgbClr val="000000"/>
                     </a:solidFill>
@@ -12492,7 +12492,7 @@
               </a:ln>
               <a:extLst>
                 <a:ext uri="{91240B29-F687-4f45-9708-019B960494DF}">
-                  <a14:hiddenLine xmlns="" xmlns:a14="http://schemas.microsoft.com/office/drawing/2010/main" w="9525">
+                  <a14:hiddenLine xmlns:a14="http://schemas.microsoft.com/office/drawing/2010/main" xmlns="" w="9525">
                     <a:solidFill>
                       <a:srgbClr val="000000"/>
                     </a:solidFill>
@@ -12607,7 +12607,7 @@
               </a:ln>
               <a:extLst>
                 <a:ext uri="{91240B29-F687-4f45-9708-019B960494DF}">
-                  <a14:hiddenLine xmlns="" xmlns:a14="http://schemas.microsoft.com/office/drawing/2010/main" w="9525">
+                  <a14:hiddenLine xmlns:a14="http://schemas.microsoft.com/office/drawing/2010/main" xmlns="" w="9525">
                     <a:solidFill>
                       <a:srgbClr val="000000"/>
                     </a:solidFill>
@@ -12697,7 +12697,7 @@
               </a:ln>
               <a:extLst>
                 <a:ext uri="{91240B29-F687-4f45-9708-019B960494DF}">
-                  <a14:hiddenLine xmlns="" xmlns:a14="http://schemas.microsoft.com/office/drawing/2010/main" w="9525">
+                  <a14:hiddenLine xmlns:a14="http://schemas.microsoft.com/office/drawing/2010/main" xmlns="" w="9525">
                     <a:solidFill>
                       <a:srgbClr val="000000"/>
                     </a:solidFill>
@@ -12762,7 +12762,7 @@
               </a:ln>
               <a:extLst>
                 <a:ext uri="{91240B29-F687-4f45-9708-019B960494DF}">
-                  <a14:hiddenLine xmlns="" xmlns:a14="http://schemas.microsoft.com/office/drawing/2010/main" w="9525">
+                  <a14:hiddenLine xmlns:a14="http://schemas.microsoft.com/office/drawing/2010/main" xmlns="" w="9525">
                     <a:solidFill>
                       <a:srgbClr val="000000"/>
                     </a:solidFill>
@@ -12852,7 +12852,7 @@
               </a:ln>
               <a:extLst>
                 <a:ext uri="{91240B29-F687-4f45-9708-019B960494DF}">
-                  <a14:hiddenLine xmlns="" xmlns:a14="http://schemas.microsoft.com/office/drawing/2010/main" w="9525">
+                  <a14:hiddenLine xmlns:a14="http://schemas.microsoft.com/office/drawing/2010/main" xmlns="" w="9525">
                     <a:solidFill>
                       <a:srgbClr val="000000"/>
                     </a:solidFill>
@@ -12920,7 +12920,7 @@
               </a:ln>
               <a:extLst>
                 <a:ext uri="{91240B29-F687-4f45-9708-019B960494DF}">
-                  <a14:hiddenLine xmlns="" xmlns:a14="http://schemas.microsoft.com/office/drawing/2010/main" w="9525">
+                  <a14:hiddenLine xmlns:a14="http://schemas.microsoft.com/office/drawing/2010/main" xmlns="" w="9525">
                     <a:solidFill>
                       <a:srgbClr val="000000"/>
                     </a:solidFill>
@@ -13010,7 +13010,7 @@
               </a:ln>
               <a:extLst>
                 <a:ext uri="{91240B29-F687-4f45-9708-019B960494DF}">
-                  <a14:hiddenLine xmlns="" xmlns:a14="http://schemas.microsoft.com/office/drawing/2010/main" w="9525">
+                  <a14:hiddenLine xmlns:a14="http://schemas.microsoft.com/office/drawing/2010/main" xmlns="" w="9525">
                     <a:solidFill>
                       <a:srgbClr val="000000"/>
                     </a:solidFill>
@@ -13078,7 +13078,7 @@
               </a:ln>
               <a:extLst>
                 <a:ext uri="{91240B29-F687-4f45-9708-019B960494DF}">
-                  <a14:hiddenLine xmlns="" xmlns:a14="http://schemas.microsoft.com/office/drawing/2010/main" w="9525">
+                  <a14:hiddenLine xmlns:a14="http://schemas.microsoft.com/office/drawing/2010/main" xmlns="" w="9525">
                     <a:solidFill>
                       <a:srgbClr val="000000"/>
                     </a:solidFill>
@@ -13168,7 +13168,7 @@
               </a:ln>
               <a:extLst>
                 <a:ext uri="{91240B29-F687-4f45-9708-019B960494DF}">
-                  <a14:hiddenLine xmlns="" xmlns:a14="http://schemas.microsoft.com/office/drawing/2010/main" w="9525">
+                  <a14:hiddenLine xmlns:a14="http://schemas.microsoft.com/office/drawing/2010/main" xmlns="" w="9525">
                     <a:solidFill>
                       <a:srgbClr val="000000"/>
                     </a:solidFill>
@@ -13202,7 +13202,7 @@
               </a:ln>
               <a:extLst>
                 <a:ext uri="{91240B29-F687-4f45-9708-019B960494DF}">
-                  <a14:hiddenLine xmlns="" xmlns:a14="http://schemas.microsoft.com/office/drawing/2010/main" w="9525">
+                  <a14:hiddenLine xmlns:a14="http://schemas.microsoft.com/office/drawing/2010/main" xmlns="" w="9525">
                     <a:solidFill>
                       <a:srgbClr val="000000"/>
                     </a:solidFill>
@@ -13343,7 +13343,7 @@
             <a:fld id="{48A87A34-81AB-432B-8DAE-1953F412C126}" type="datetimeFigureOut">
               <a:rPr lang="en-US" dirty="0"/>
               <a:pPr/>
-              <a:t>6/10/2022</a:t>
+              <a:t>6/12/2022</a:t>
             </a:fld>
             <a:endParaRPr lang="en-US" dirty="0"/>
           </a:p>
@@ -14906,26 +14906,31 @@
           <a:lstStyle/>
           <a:p>
             <a:r>
-              <a:rPr lang="es-ES" dirty="0"/>
+              <a:rPr lang="es-ES"/>
               <a:t>				</a:t>
             </a:r>
             <a:r>
-              <a:rPr lang="es-ES" dirty="0">
+              <a:rPr lang="es-ES">
                 <a:solidFill>
                   <a:schemeClr val="bg1"/>
                 </a:solidFill>
               </a:rPr>
               <a:t>interfaz NUEVA</a:t>
             </a:r>
+            <a:endParaRPr lang="es-ES" dirty="0">
+              <a:solidFill>
+                <a:schemeClr val="bg1"/>
+              </a:solidFill>
+            </a:endParaRPr>
           </a:p>
         </p:txBody>
       </p:sp>
       <p:pic>
         <p:nvPicPr>
-          <p:cNvPr id="6" name="Marcador de contenido 5" descr="Una captura de pantalla de un celular&#10;&#10;Descripción generada automáticamente con confianza media">
+          <p:cNvPr id="7" name="Marcador de contenido 6" descr="Interfaz de usuario gráfica, Diagrama, Aplicación, Teams&#10;&#10;Descripción generada automáticamente">
             <a:extLst>
               <a:ext uri="{FF2B5EF4-FFF2-40B4-BE49-F238E27FC236}">
-                <a16:creationId xmlns:a16="http://schemas.microsoft.com/office/drawing/2014/main" id="{740373D1-4D19-CA74-1A03-0D0AE8583878}"/>
+                <a16:creationId xmlns:a16="http://schemas.microsoft.com/office/drawing/2014/main" id="{CEAA65E8-002D-18E3-1A49-709D94B40FDD}"/>
               </a:ext>
             </a:extLst>
           </p:cNvPr>
@@ -14944,8 +14949,8 @@
         </p:blipFill>
         <p:spPr>
           <a:xfrm>
-            <a:off x="1349604" y="454771"/>
-            <a:ext cx="9905998" cy="6119537"/>
+            <a:off x="1374098" y="191606"/>
+            <a:ext cx="9443804" cy="6474788"/>
           </a:xfrm>
         </p:spPr>
       </p:pic>
@@ -15251,7 +15256,7 @@
           <a:noFill/>
           <a:extLst>
             <a:ext uri="{909E8E84-426E-40dd-AFC4-6F175D3DCCD1}">
-              <a14:hiddenFill xmlns="" xmlns:a16="http://schemas.microsoft.com/office/drawing/2014/main" xmlns:a14="http://schemas.microsoft.com/office/drawing/2010/main">
+              <a14:hiddenFill xmlns:a14="http://schemas.microsoft.com/office/drawing/2010/main" xmlns:a16="http://schemas.microsoft.com/office/drawing/2014/main" xmlns="">
                 <a:solidFill>
                   <a:srgbClr val="FFFFFF"/>
                 </a:solidFill>
@@ -15343,7 +15348,7 @@
             </a:ln>
             <a:extLst>
               <a:ext uri="{91240B29-F687-4f45-9708-019B960494DF}">
-                <a14:hiddenLine xmlns="" xmlns:a16="http://schemas.microsoft.com/office/drawing/2014/main" xmlns:a14="http://schemas.microsoft.com/office/drawing/2010/main" w="9525">
+                <a14:hiddenLine xmlns:a14="http://schemas.microsoft.com/office/drawing/2010/main" xmlns:a16="http://schemas.microsoft.com/office/drawing/2014/main" xmlns="" w="9525">
                   <a:solidFill>
                     <a:srgbClr val="000000"/>
                   </a:solidFill>
@@ -15448,7 +15453,7 @@
             </a:ln>
             <a:extLst>
               <a:ext uri="{91240B29-F687-4f45-9708-019B960494DF}">
-                <a14:hiddenLine xmlns="" xmlns:a16="http://schemas.microsoft.com/office/drawing/2014/main" xmlns:a14="http://schemas.microsoft.com/office/drawing/2010/main" w="9525">
+                <a14:hiddenLine xmlns:a14="http://schemas.microsoft.com/office/drawing/2010/main" xmlns:a16="http://schemas.microsoft.com/office/drawing/2014/main" xmlns="" w="9525">
                   <a:solidFill>
                     <a:srgbClr val="000000"/>
                   </a:solidFill>
@@ -15553,7 +15558,7 @@
             </a:ln>
             <a:extLst>
               <a:ext uri="{91240B29-F687-4f45-9708-019B960494DF}">
-                <a14:hiddenLine xmlns="" xmlns:a16="http://schemas.microsoft.com/office/drawing/2014/main" xmlns:a14="http://schemas.microsoft.com/office/drawing/2010/main" w="9525">
+                <a14:hiddenLine xmlns:a14="http://schemas.microsoft.com/office/drawing/2010/main" xmlns:a16="http://schemas.microsoft.com/office/drawing/2014/main" xmlns="" w="9525">
                   <a:solidFill>
                     <a:srgbClr val="000000"/>
                   </a:solidFill>
@@ -15602,7 +15607,7 @@
             </a:ln>
             <a:extLst>
               <a:ext uri="{91240B29-F687-4f45-9708-019B960494DF}">
-                <a14:hiddenLine xmlns="" xmlns:a16="http://schemas.microsoft.com/office/drawing/2014/main" xmlns:a14="http://schemas.microsoft.com/office/drawing/2010/main" w="9525">
+                <a14:hiddenLine xmlns:a14="http://schemas.microsoft.com/office/drawing/2010/main" xmlns:a16="http://schemas.microsoft.com/office/drawing/2014/main" xmlns="" w="9525">
                   <a:solidFill>
                     <a:srgbClr val="000000"/>
                   </a:solidFill>
@@ -15707,7 +15712,7 @@
             </a:ln>
             <a:extLst>
               <a:ext uri="{91240B29-F687-4f45-9708-019B960494DF}">
-                <a14:hiddenLine xmlns="" xmlns:a16="http://schemas.microsoft.com/office/drawing/2014/main" xmlns:a14="http://schemas.microsoft.com/office/drawing/2010/main" w="9525">
+                <a14:hiddenLine xmlns:a14="http://schemas.microsoft.com/office/drawing/2010/main" xmlns:a16="http://schemas.microsoft.com/office/drawing/2014/main" xmlns="" w="9525">
                   <a:solidFill>
                     <a:srgbClr val="000000"/>
                   </a:solidFill>
@@ -15784,7 +15789,7 @@
             </a:ln>
             <a:extLst>
               <a:ext uri="{91240B29-F687-4f45-9708-019B960494DF}">
-                <a14:hiddenLine xmlns="" xmlns:a16="http://schemas.microsoft.com/office/drawing/2014/main" xmlns:a14="http://schemas.microsoft.com/office/drawing/2010/main" w="9525">
+                <a14:hiddenLine xmlns:a14="http://schemas.microsoft.com/office/drawing/2010/main" xmlns:a16="http://schemas.microsoft.com/office/drawing/2014/main" xmlns="" w="9525">
                   <a:solidFill>
                     <a:srgbClr val="000000"/>
                   </a:solidFill>
@@ -15861,7 +15866,7 @@
             </a:ln>
             <a:extLst>
               <a:ext uri="{91240B29-F687-4f45-9708-019B960494DF}">
-                <a14:hiddenLine xmlns="" xmlns:a16="http://schemas.microsoft.com/office/drawing/2014/main" xmlns:a14="http://schemas.microsoft.com/office/drawing/2010/main" w="9525">
+                <a14:hiddenLine xmlns:a14="http://schemas.microsoft.com/office/drawing/2010/main" xmlns:a16="http://schemas.microsoft.com/office/drawing/2014/main" xmlns="" w="9525">
                   <a:solidFill>
                     <a:srgbClr val="000000"/>
                   </a:solidFill>
@@ -15966,7 +15971,7 @@
             </a:ln>
             <a:extLst>
               <a:ext uri="{91240B29-F687-4f45-9708-019B960494DF}">
-                <a14:hiddenLine xmlns="" xmlns:a16="http://schemas.microsoft.com/office/drawing/2014/main" xmlns:a14="http://schemas.microsoft.com/office/drawing/2010/main" w="9525">
+                <a14:hiddenLine xmlns:a14="http://schemas.microsoft.com/office/drawing/2010/main" xmlns:a16="http://schemas.microsoft.com/office/drawing/2014/main" xmlns="" w="9525">
                   <a:solidFill>
                     <a:srgbClr val="000000"/>
                   </a:solidFill>
@@ -16043,7 +16048,7 @@
             </a:ln>
             <a:extLst>
               <a:ext uri="{91240B29-F687-4f45-9708-019B960494DF}">
-                <a14:hiddenLine xmlns="" xmlns:a16="http://schemas.microsoft.com/office/drawing/2014/main" xmlns:a14="http://schemas.microsoft.com/office/drawing/2010/main" w="9525">
+                <a14:hiddenLine xmlns:a14="http://schemas.microsoft.com/office/drawing/2010/main" xmlns:a16="http://schemas.microsoft.com/office/drawing/2014/main" xmlns="" w="9525">
                   <a:solidFill>
                     <a:srgbClr val="000000"/>
                   </a:solidFill>
@@ -16120,7 +16125,7 @@
             </a:ln>
             <a:extLst>
               <a:ext uri="{91240B29-F687-4f45-9708-019B960494DF}">
-                <a14:hiddenLine xmlns="" xmlns:a16="http://schemas.microsoft.com/office/drawing/2014/main" xmlns:a14="http://schemas.microsoft.com/office/drawing/2010/main" w="9525">
+                <a14:hiddenLine xmlns:a14="http://schemas.microsoft.com/office/drawing/2010/main" xmlns:a16="http://schemas.microsoft.com/office/drawing/2014/main" xmlns="" w="9525">
                   <a:solidFill>
                     <a:srgbClr val="000000"/>
                   </a:solidFill>
@@ -16225,7 +16230,7 @@
             </a:ln>
             <a:extLst>
               <a:ext uri="{91240B29-F687-4f45-9708-019B960494DF}">
-                <a14:hiddenLine xmlns="" xmlns:a16="http://schemas.microsoft.com/office/drawing/2014/main" xmlns:a14="http://schemas.microsoft.com/office/drawing/2010/main" w="9525">
+                <a14:hiddenLine xmlns:a14="http://schemas.microsoft.com/office/drawing/2010/main" xmlns:a16="http://schemas.microsoft.com/office/drawing/2014/main" xmlns="" w="9525">
                   <a:solidFill>
                     <a:srgbClr val="000000"/>
                   </a:solidFill>
@@ -16330,7 +16335,7 @@
             </a:ln>
             <a:extLst>
               <a:ext uri="{91240B29-F687-4f45-9708-019B960494DF}">
-                <a14:hiddenLine xmlns="" xmlns:a16="http://schemas.microsoft.com/office/drawing/2014/main" xmlns:a14="http://schemas.microsoft.com/office/drawing/2010/main" w="9525">
+                <a14:hiddenLine xmlns:a14="http://schemas.microsoft.com/office/drawing/2010/main" xmlns:a16="http://schemas.microsoft.com/office/drawing/2014/main" xmlns="" w="9525">
                   <a:solidFill>
                     <a:srgbClr val="000000"/>
                   </a:solidFill>
@@ -16407,7 +16412,7 @@
             </a:ln>
             <a:extLst>
               <a:ext uri="{91240B29-F687-4f45-9708-019B960494DF}">
-                <a14:hiddenLine xmlns="" xmlns:a16="http://schemas.microsoft.com/office/drawing/2014/main" xmlns:a14="http://schemas.microsoft.com/office/drawing/2010/main" w="9525">
+                <a14:hiddenLine xmlns:a14="http://schemas.microsoft.com/office/drawing/2010/main" xmlns:a16="http://schemas.microsoft.com/office/drawing/2014/main" xmlns="" w="9525">
                   <a:solidFill>
                     <a:srgbClr val="000000"/>
                   </a:solidFill>
@@ -16532,7 +16537,7 @@
             </a:ln>
             <a:extLst>
               <a:ext uri="{91240B29-F687-4f45-9708-019B960494DF}">
-                <a14:hiddenLine xmlns="" xmlns:a16="http://schemas.microsoft.com/office/drawing/2014/main" xmlns:a14="http://schemas.microsoft.com/office/drawing/2010/main" w="9525">
+                <a14:hiddenLine xmlns:a14="http://schemas.microsoft.com/office/drawing/2010/main" xmlns:a16="http://schemas.microsoft.com/office/drawing/2014/main" xmlns="" w="9525">
                   <a:solidFill>
                     <a:srgbClr val="000000"/>
                   </a:solidFill>
@@ -16609,7 +16614,7 @@
             </a:ln>
             <a:extLst>
               <a:ext uri="{91240B29-F687-4f45-9708-019B960494DF}">
-                <a14:hiddenLine xmlns="" xmlns:a16="http://schemas.microsoft.com/office/drawing/2014/main" xmlns:a14="http://schemas.microsoft.com/office/drawing/2010/main" w="9525">
+                <a14:hiddenLine xmlns:a14="http://schemas.microsoft.com/office/drawing/2010/main" xmlns:a16="http://schemas.microsoft.com/office/drawing/2014/main" xmlns="" w="9525">
                   <a:solidFill>
                     <a:srgbClr val="000000"/>
                   </a:solidFill>
@@ -16714,7 +16719,7 @@
             </a:ln>
             <a:extLst>
               <a:ext uri="{91240B29-F687-4f45-9708-019B960494DF}">
-                <a14:hiddenLine xmlns="" xmlns:a16="http://schemas.microsoft.com/office/drawing/2014/main" xmlns:a14="http://schemas.microsoft.com/office/drawing/2010/main" w="9525">
+                <a14:hiddenLine xmlns:a14="http://schemas.microsoft.com/office/drawing/2010/main" xmlns:a16="http://schemas.microsoft.com/office/drawing/2014/main" xmlns="" w="9525">
                   <a:solidFill>
                     <a:srgbClr val="000000"/>
                   </a:solidFill>
@@ -16819,7 +16824,7 @@
             </a:ln>
             <a:extLst>
               <a:ext uri="{91240B29-F687-4f45-9708-019B960494DF}">
-                <a14:hiddenLine xmlns="" xmlns:a16="http://schemas.microsoft.com/office/drawing/2014/main" xmlns:a14="http://schemas.microsoft.com/office/drawing/2010/main" w="9525">
+                <a14:hiddenLine xmlns:a14="http://schemas.microsoft.com/office/drawing/2010/main" xmlns:a16="http://schemas.microsoft.com/office/drawing/2014/main" xmlns="" w="9525">
                   <a:solidFill>
                     <a:srgbClr val="000000"/>
                   </a:solidFill>
@@ -16896,7 +16901,7 @@
             </a:ln>
             <a:extLst>
               <a:ext uri="{91240B29-F687-4f45-9708-019B960494DF}">
-                <a14:hiddenLine xmlns="" xmlns:a16="http://schemas.microsoft.com/office/drawing/2014/main" xmlns:a14="http://schemas.microsoft.com/office/drawing/2010/main" w="9525">
+                <a14:hiddenLine xmlns:a14="http://schemas.microsoft.com/office/drawing/2010/main" xmlns:a16="http://schemas.microsoft.com/office/drawing/2014/main" xmlns="" w="9525">
                   <a:solidFill>
                     <a:srgbClr val="000000"/>
                   </a:solidFill>
@@ -17001,7 +17006,7 @@
             </a:ln>
             <a:extLst>
               <a:ext uri="{91240B29-F687-4f45-9708-019B960494DF}">
-                <a14:hiddenLine xmlns="" xmlns:a16="http://schemas.microsoft.com/office/drawing/2014/main" xmlns:a14="http://schemas.microsoft.com/office/drawing/2010/main" w="9525">
+                <a14:hiddenLine xmlns:a14="http://schemas.microsoft.com/office/drawing/2010/main" xmlns:a16="http://schemas.microsoft.com/office/drawing/2014/main" xmlns="" w="9525">
                   <a:solidFill>
                     <a:srgbClr val="000000"/>
                   </a:solidFill>
@@ -17106,7 +17111,7 @@
             </a:ln>
             <a:extLst>
               <a:ext uri="{91240B29-F687-4f45-9708-019B960494DF}">
-                <a14:hiddenLine xmlns="" xmlns:a16="http://schemas.microsoft.com/office/drawing/2014/main" xmlns:a14="http://schemas.microsoft.com/office/drawing/2010/main" w="9525">
+                <a14:hiddenLine xmlns:a14="http://schemas.microsoft.com/office/drawing/2010/main" xmlns:a16="http://schemas.microsoft.com/office/drawing/2014/main" xmlns="" w="9525">
                   <a:solidFill>
                     <a:srgbClr val="000000"/>
                   </a:solidFill>
@@ -17177,7 +17182,7 @@
             </a:ln>
             <a:extLst>
               <a:ext uri="{91240B29-F687-4f45-9708-019B960494DF}">
-                <a14:hiddenLine xmlns="" xmlns:a16="http://schemas.microsoft.com/office/drawing/2014/main" xmlns:a14="http://schemas.microsoft.com/office/drawing/2010/main" w="9525">
+                <a14:hiddenLine xmlns:a14="http://schemas.microsoft.com/office/drawing/2010/main" xmlns:a16="http://schemas.microsoft.com/office/drawing/2014/main" xmlns="" w="9525">
                   <a:solidFill>
                     <a:srgbClr val="000000"/>
                   </a:solidFill>
@@ -17282,7 +17287,7 @@
             </a:ln>
             <a:extLst>
               <a:ext uri="{91240B29-F687-4f45-9708-019B960494DF}">
-                <a14:hiddenLine xmlns="" xmlns:a16="http://schemas.microsoft.com/office/drawing/2014/main" xmlns:a14="http://schemas.microsoft.com/office/drawing/2010/main" w="9525">
+                <a14:hiddenLine xmlns:a14="http://schemas.microsoft.com/office/drawing/2010/main" xmlns:a16="http://schemas.microsoft.com/office/drawing/2014/main" xmlns="" w="9525">
                   <a:solidFill>
                     <a:srgbClr val="000000"/>
                   </a:solidFill>
@@ -17353,7 +17358,7 @@
             </a:ln>
             <a:extLst>
               <a:ext uri="{91240B29-F687-4f45-9708-019B960494DF}">
-                <a14:hiddenLine xmlns="" xmlns:a16="http://schemas.microsoft.com/office/drawing/2014/main" xmlns:a14="http://schemas.microsoft.com/office/drawing/2010/main" w="9525">
+                <a14:hiddenLine xmlns:a14="http://schemas.microsoft.com/office/drawing/2010/main" xmlns:a16="http://schemas.microsoft.com/office/drawing/2014/main" xmlns="" w="9525">
                   <a:solidFill>
                     <a:srgbClr val="000000"/>
                   </a:solidFill>
@@ -17458,7 +17463,7 @@
             </a:ln>
             <a:extLst>
               <a:ext uri="{91240B29-F687-4f45-9708-019B960494DF}">
-                <a14:hiddenLine xmlns="" xmlns:a16="http://schemas.microsoft.com/office/drawing/2014/main" xmlns:a14="http://schemas.microsoft.com/office/drawing/2010/main" w="9525">
+                <a14:hiddenLine xmlns:a14="http://schemas.microsoft.com/office/drawing/2010/main" xmlns:a16="http://schemas.microsoft.com/office/drawing/2014/main" xmlns="" w="9525">
                   <a:solidFill>
                     <a:srgbClr val="000000"/>
                   </a:solidFill>
@@ -17541,7 +17546,7 @@
             </a:ln>
             <a:extLst>
               <a:ext uri="{91240B29-F687-4f45-9708-019B960494DF}">
-                <a14:hiddenLine xmlns="" xmlns:a16="http://schemas.microsoft.com/office/drawing/2014/main" xmlns:a14="http://schemas.microsoft.com/office/drawing/2010/main" w="9525">
+                <a14:hiddenLine xmlns:a14="http://schemas.microsoft.com/office/drawing/2010/main" xmlns:a16="http://schemas.microsoft.com/office/drawing/2014/main" xmlns="" w="9525">
                   <a:solidFill>
                     <a:srgbClr val="000000"/>
                   </a:solidFill>
@@ -17646,7 +17651,7 @@
             </a:ln>
             <a:extLst>
               <a:ext uri="{91240B29-F687-4f45-9708-019B960494DF}">
-                <a14:hiddenLine xmlns="" xmlns:a16="http://schemas.microsoft.com/office/drawing/2014/main" xmlns:a14="http://schemas.microsoft.com/office/drawing/2010/main" w="9525">
+                <a14:hiddenLine xmlns:a14="http://schemas.microsoft.com/office/drawing/2010/main" xmlns:a16="http://schemas.microsoft.com/office/drawing/2014/main" xmlns="" w="9525">
                   <a:solidFill>
                     <a:srgbClr val="000000"/>
                   </a:solidFill>
@@ -17729,7 +17734,7 @@
             </a:ln>
             <a:extLst>
               <a:ext uri="{91240B29-F687-4f45-9708-019B960494DF}">
-                <a14:hiddenLine xmlns="" xmlns:a16="http://schemas.microsoft.com/office/drawing/2014/main" xmlns:a14="http://schemas.microsoft.com/office/drawing/2010/main" w="9525">
+                <a14:hiddenLine xmlns:a14="http://schemas.microsoft.com/office/drawing/2010/main" xmlns:a16="http://schemas.microsoft.com/office/drawing/2014/main" xmlns="" w="9525">
                   <a:solidFill>
                     <a:srgbClr val="000000"/>
                   </a:solidFill>
@@ -17834,7 +17839,7 @@
             </a:ln>
             <a:extLst>
               <a:ext uri="{91240B29-F687-4f45-9708-019B960494DF}">
-                <a14:hiddenLine xmlns="" xmlns:a16="http://schemas.microsoft.com/office/drawing/2014/main" xmlns:a14="http://schemas.microsoft.com/office/drawing/2010/main" w="9525">
+                <a14:hiddenLine xmlns:a14="http://schemas.microsoft.com/office/drawing/2010/main" xmlns:a16="http://schemas.microsoft.com/office/drawing/2014/main" xmlns="" w="9525">
                   <a:solidFill>
                     <a:srgbClr val="000000"/>
                   </a:solidFill>
@@ -17883,7 +17888,7 @@
             </a:ln>
             <a:extLst>
               <a:ext uri="{91240B29-F687-4f45-9708-019B960494DF}">
-                <a14:hiddenLine xmlns="" xmlns:a16="http://schemas.microsoft.com/office/drawing/2014/main" xmlns:a14="http://schemas.microsoft.com/office/drawing/2010/main" w="9525">
+                <a14:hiddenLine xmlns:a14="http://schemas.microsoft.com/office/drawing/2010/main" xmlns:a16="http://schemas.microsoft.com/office/drawing/2014/main" xmlns="" w="9525">
                   <a:solidFill>
                     <a:srgbClr val="000000"/>
                   </a:solidFill>
@@ -17988,7 +17993,7 @@
             </a:ln>
             <a:extLst>
               <a:ext uri="{91240B29-F687-4f45-9708-019B960494DF}">
-                <a14:hiddenLine xmlns="" xmlns:a16="http://schemas.microsoft.com/office/drawing/2014/main" xmlns:a14="http://schemas.microsoft.com/office/drawing/2010/main" w="9525">
+                <a14:hiddenLine xmlns:a14="http://schemas.microsoft.com/office/drawing/2010/main" xmlns:a16="http://schemas.microsoft.com/office/drawing/2014/main" xmlns="" w="9525">
                   <a:solidFill>
                     <a:srgbClr val="000000"/>
                   </a:solidFill>
@@ -18065,7 +18070,7 @@
             </a:ln>
             <a:extLst>
               <a:ext uri="{91240B29-F687-4f45-9708-019B960494DF}">
-                <a14:hiddenLine xmlns="" xmlns:a16="http://schemas.microsoft.com/office/drawing/2014/main" xmlns:a14="http://schemas.microsoft.com/office/drawing/2010/main" w="9525">
+                <a14:hiddenLine xmlns:a14="http://schemas.microsoft.com/office/drawing/2010/main" xmlns:a16="http://schemas.microsoft.com/office/drawing/2014/main" xmlns="" w="9525">
                   <a:solidFill>
                     <a:srgbClr val="000000"/>
                   </a:solidFill>
@@ -18142,7 +18147,7 @@
             </a:ln>
             <a:extLst>
               <a:ext uri="{91240B29-F687-4f45-9708-019B960494DF}">
-                <a14:hiddenLine xmlns="" xmlns:a16="http://schemas.microsoft.com/office/drawing/2014/main" xmlns:a14="http://schemas.microsoft.com/office/drawing/2010/main" w="9525">
+                <a14:hiddenLine xmlns:a14="http://schemas.microsoft.com/office/drawing/2010/main" xmlns:a16="http://schemas.microsoft.com/office/drawing/2014/main" xmlns="" w="9525">
                   <a:solidFill>
                     <a:srgbClr val="000000"/>
                   </a:solidFill>
@@ -18247,7 +18252,7 @@
             </a:ln>
             <a:extLst>
               <a:ext uri="{91240B29-F687-4f45-9708-019B960494DF}">
-                <a14:hiddenLine xmlns="" xmlns:a16="http://schemas.microsoft.com/office/drawing/2014/main" xmlns:a14="http://schemas.microsoft.com/office/drawing/2010/main" w="9525">
+                <a14:hiddenLine xmlns:a14="http://schemas.microsoft.com/office/drawing/2010/main" xmlns:a16="http://schemas.microsoft.com/office/drawing/2014/main" xmlns="" w="9525">
                   <a:solidFill>
                     <a:srgbClr val="000000"/>
                   </a:solidFill>
@@ -18330,7 +18335,7 @@
             </a:ln>
             <a:extLst>
               <a:ext uri="{91240B29-F687-4f45-9708-019B960494DF}">
-                <a14:hiddenLine xmlns="" xmlns:a16="http://schemas.microsoft.com/office/drawing/2014/main" xmlns:a14="http://schemas.microsoft.com/office/drawing/2010/main" w="9525">
+                <a14:hiddenLine xmlns:a14="http://schemas.microsoft.com/office/drawing/2010/main" xmlns:a16="http://schemas.microsoft.com/office/drawing/2014/main" xmlns="" w="9525">
                   <a:solidFill>
                     <a:srgbClr val="000000"/>
                   </a:solidFill>
@@ -18407,7 +18412,7 @@
             </a:ln>
             <a:extLst>
               <a:ext uri="{91240B29-F687-4f45-9708-019B960494DF}">
-                <a14:hiddenLine xmlns="" xmlns:a16="http://schemas.microsoft.com/office/drawing/2014/main" xmlns:a14="http://schemas.microsoft.com/office/drawing/2010/main" w="9525">
+                <a14:hiddenLine xmlns:a14="http://schemas.microsoft.com/office/drawing/2010/main" xmlns:a16="http://schemas.microsoft.com/office/drawing/2014/main" xmlns="" w="9525">
                   <a:solidFill>
                     <a:srgbClr val="000000"/>
                   </a:solidFill>
@@ -18512,7 +18517,7 @@
             </a:ln>
             <a:extLst>
               <a:ext uri="{91240B29-F687-4f45-9708-019B960494DF}">
-                <a14:hiddenLine xmlns="" xmlns:a16="http://schemas.microsoft.com/office/drawing/2014/main" xmlns:a14="http://schemas.microsoft.com/office/drawing/2010/main" w="9525">
+                <a14:hiddenLine xmlns:a14="http://schemas.microsoft.com/office/drawing/2010/main" xmlns:a16="http://schemas.microsoft.com/office/drawing/2014/main" xmlns="" w="9525">
                   <a:solidFill>
                     <a:srgbClr val="000000"/>
                   </a:solidFill>
@@ -18589,7 +18594,7 @@
             </a:ln>
             <a:extLst>
               <a:ext uri="{91240B29-F687-4f45-9708-019B960494DF}">
-                <a14:hiddenLine xmlns="" xmlns:a16="http://schemas.microsoft.com/office/drawing/2014/main" xmlns:a14="http://schemas.microsoft.com/office/drawing/2010/main" w="9525">
+                <a14:hiddenLine xmlns:a14="http://schemas.microsoft.com/office/drawing/2010/main" xmlns:a16="http://schemas.microsoft.com/office/drawing/2014/main" xmlns="" w="9525">
                   <a:solidFill>
                     <a:srgbClr val="000000"/>
                   </a:solidFill>
@@ -18694,7 +18699,7 @@
             </a:ln>
             <a:extLst>
               <a:ext uri="{91240B29-F687-4f45-9708-019B960494DF}">
-                <a14:hiddenLine xmlns="" xmlns:a16="http://schemas.microsoft.com/office/drawing/2014/main" xmlns:a14="http://schemas.microsoft.com/office/drawing/2010/main" w="9525">
+                <a14:hiddenLine xmlns:a14="http://schemas.microsoft.com/office/drawing/2010/main" xmlns:a16="http://schemas.microsoft.com/office/drawing/2014/main" xmlns="" w="9525">
                   <a:solidFill>
                     <a:srgbClr val="000000"/>
                   </a:solidFill>
@@ -18771,7 +18776,7 @@
             </a:ln>
             <a:extLst>
               <a:ext uri="{91240B29-F687-4f45-9708-019B960494DF}">
-                <a14:hiddenLine xmlns="" xmlns:a16="http://schemas.microsoft.com/office/drawing/2014/main" xmlns:a14="http://schemas.microsoft.com/office/drawing/2010/main" w="9525">
+                <a14:hiddenLine xmlns:a14="http://schemas.microsoft.com/office/drawing/2010/main" xmlns:a16="http://schemas.microsoft.com/office/drawing/2014/main" xmlns="" w="9525">
                   <a:solidFill>
                     <a:srgbClr val="000000"/>
                   </a:solidFill>
@@ -18876,7 +18881,7 @@
             </a:ln>
             <a:extLst>
               <a:ext uri="{91240B29-F687-4f45-9708-019B960494DF}">
-                <a14:hiddenLine xmlns="" xmlns:a16="http://schemas.microsoft.com/office/drawing/2014/main" xmlns:a14="http://schemas.microsoft.com/office/drawing/2010/main" w="9525">
+                <a14:hiddenLine xmlns:a14="http://schemas.microsoft.com/office/drawing/2010/main" xmlns:a16="http://schemas.microsoft.com/office/drawing/2014/main" xmlns="" w="9525">
                   <a:solidFill>
                     <a:srgbClr val="000000"/>
                   </a:solidFill>
@@ -18925,7 +18930,7 @@
             </a:ln>
             <a:extLst>
               <a:ext uri="{91240B29-F687-4f45-9708-019B960494DF}">
-                <a14:hiddenLine xmlns="" xmlns:a16="http://schemas.microsoft.com/office/drawing/2014/main" xmlns:a14="http://schemas.microsoft.com/office/drawing/2010/main" w="9525">
+                <a14:hiddenLine xmlns:a14="http://schemas.microsoft.com/office/drawing/2010/main" xmlns:a16="http://schemas.microsoft.com/office/drawing/2014/main" xmlns="" w="9525">
                   <a:solidFill>
                     <a:srgbClr val="000000"/>
                   </a:solidFill>
@@ -19005,7 +19010,7 @@
             </a:ln>
             <a:extLst>
               <a:ext uri="{91240B29-F687-4f45-9708-019B960494DF}">
-                <a14:hiddenLine xmlns="" xmlns:a16="http://schemas.microsoft.com/office/drawing/2014/main" xmlns:a14="http://schemas.microsoft.com/office/drawing/2010/main" w="9525">
+                <a14:hiddenLine xmlns:a14="http://schemas.microsoft.com/office/drawing/2010/main" xmlns:a16="http://schemas.microsoft.com/office/drawing/2014/main" xmlns="" w="9525">
                   <a:solidFill>
                     <a:srgbClr val="000000"/>
                   </a:solidFill>
@@ -19110,7 +19115,7 @@
             </a:ln>
             <a:extLst>
               <a:ext uri="{91240B29-F687-4f45-9708-019B960494DF}">
-                <a14:hiddenLine xmlns="" xmlns:a16="http://schemas.microsoft.com/office/drawing/2014/main" xmlns:a14="http://schemas.microsoft.com/office/drawing/2010/main" w="9525">
+                <a14:hiddenLine xmlns:a14="http://schemas.microsoft.com/office/drawing/2010/main" xmlns:a16="http://schemas.microsoft.com/office/drawing/2014/main" xmlns="" w="9525">
                   <a:solidFill>
                     <a:srgbClr val="000000"/>
                   </a:solidFill>
@@ -19187,7 +19192,7 @@
             </a:ln>
             <a:extLst>
               <a:ext uri="{91240B29-F687-4f45-9708-019B960494DF}">
-                <a14:hiddenLine xmlns="" xmlns:a16="http://schemas.microsoft.com/office/drawing/2014/main" xmlns:a14="http://schemas.microsoft.com/office/drawing/2010/main" w="9525">
+                <a14:hiddenLine xmlns:a14="http://schemas.microsoft.com/office/drawing/2010/main" xmlns:a16="http://schemas.microsoft.com/office/drawing/2014/main" xmlns="" w="9525">
                   <a:solidFill>
                     <a:srgbClr val="000000"/>
                   </a:solidFill>
@@ -19292,7 +19297,7 @@
             </a:ln>
             <a:extLst>
               <a:ext uri="{91240B29-F687-4f45-9708-019B960494DF}">
-                <a14:hiddenLine xmlns="" xmlns:a16="http://schemas.microsoft.com/office/drawing/2014/main" xmlns:a14="http://schemas.microsoft.com/office/drawing/2010/main" w="9525">
+                <a14:hiddenLine xmlns:a14="http://schemas.microsoft.com/office/drawing/2010/main" xmlns:a16="http://schemas.microsoft.com/office/drawing/2014/main" xmlns="" w="9525">
                   <a:solidFill>
                     <a:srgbClr val="000000"/>
                   </a:solidFill>
@@ -19397,7 +19402,7 @@
             </a:ln>
             <a:extLst>
               <a:ext uri="{91240B29-F687-4f45-9708-019B960494DF}">
-                <a14:hiddenLine xmlns="" xmlns:a16="http://schemas.microsoft.com/office/drawing/2014/main" xmlns:a14="http://schemas.microsoft.com/office/drawing/2010/main" w="9525">
+                <a14:hiddenLine xmlns:a14="http://schemas.microsoft.com/office/drawing/2010/main" xmlns:a16="http://schemas.microsoft.com/office/drawing/2014/main" xmlns="" w="9525">
                   <a:solidFill>
                     <a:srgbClr val="000000"/>
                   </a:solidFill>
@@ -19477,7 +19482,7 @@
             </a:ln>
             <a:extLst>
               <a:ext uri="{91240B29-F687-4f45-9708-019B960494DF}">
-                <a14:hiddenLine xmlns="" xmlns:a16="http://schemas.microsoft.com/office/drawing/2014/main" xmlns:a14="http://schemas.microsoft.com/office/drawing/2010/main" w="9525">
+                <a14:hiddenLine xmlns:a14="http://schemas.microsoft.com/office/drawing/2010/main" xmlns:a16="http://schemas.microsoft.com/office/drawing/2014/main" xmlns="" w="9525">
                   <a:solidFill>
                     <a:srgbClr val="000000"/>
                   </a:solidFill>
@@ -19554,7 +19559,7 @@
             </a:ln>
             <a:extLst>
               <a:ext uri="{91240B29-F687-4f45-9708-019B960494DF}">
-                <a14:hiddenLine xmlns="" xmlns:a16="http://schemas.microsoft.com/office/drawing/2014/main" xmlns:a14="http://schemas.microsoft.com/office/drawing/2010/main" w="9525">
+                <a14:hiddenLine xmlns:a14="http://schemas.microsoft.com/office/drawing/2010/main" xmlns:a16="http://schemas.microsoft.com/office/drawing/2014/main" xmlns="" w="9525">
                   <a:solidFill>
                     <a:srgbClr val="000000"/>
                   </a:solidFill>
@@ -19659,7 +19664,7 @@
             </a:ln>
             <a:extLst>
               <a:ext uri="{91240B29-F687-4f45-9708-019B960494DF}">
-                <a14:hiddenLine xmlns="" xmlns:a16="http://schemas.microsoft.com/office/drawing/2014/main" xmlns:a14="http://schemas.microsoft.com/office/drawing/2010/main" w="9525">
+                <a14:hiddenLine xmlns:a14="http://schemas.microsoft.com/office/drawing/2010/main" xmlns:a16="http://schemas.microsoft.com/office/drawing/2014/main" xmlns="" w="9525">
                   <a:solidFill>
                     <a:srgbClr val="000000"/>
                   </a:solidFill>
@@ -19764,7 +19769,7 @@
             </a:ln>
             <a:extLst>
               <a:ext uri="{91240B29-F687-4f45-9708-019B960494DF}">
-                <a14:hiddenLine xmlns="" xmlns:a16="http://schemas.microsoft.com/office/drawing/2014/main" xmlns:a14="http://schemas.microsoft.com/office/drawing/2010/main" w="9525">
+                <a14:hiddenLine xmlns:a14="http://schemas.microsoft.com/office/drawing/2010/main" xmlns:a16="http://schemas.microsoft.com/office/drawing/2014/main" xmlns="" w="9525">
                   <a:solidFill>
                     <a:srgbClr val="000000"/>
                   </a:solidFill>
@@ -19841,7 +19846,7 @@
             </a:ln>
             <a:extLst>
               <a:ext uri="{91240B29-F687-4f45-9708-019B960494DF}">
-                <a14:hiddenLine xmlns="" xmlns:a16="http://schemas.microsoft.com/office/drawing/2014/main" xmlns:a14="http://schemas.microsoft.com/office/drawing/2010/main" w="9525">
+                <a14:hiddenLine xmlns:a14="http://schemas.microsoft.com/office/drawing/2010/main" xmlns:a16="http://schemas.microsoft.com/office/drawing/2014/main" xmlns="" w="9525">
                   <a:solidFill>
                     <a:srgbClr val="000000"/>
                   </a:solidFill>
@@ -19976,7 +19981,7 @@
             </a:ln>
             <a:extLst>
               <a:ext uri="{91240B29-F687-4f45-9708-019B960494DF}">
-                <a14:hiddenLine xmlns="" xmlns:a16="http://schemas.microsoft.com/office/drawing/2014/main" xmlns:a14="http://schemas.microsoft.com/office/drawing/2010/main" w="9525">
+                <a14:hiddenLine xmlns:a14="http://schemas.microsoft.com/office/drawing/2010/main" xmlns:a16="http://schemas.microsoft.com/office/drawing/2014/main" xmlns="" w="9525">
                   <a:solidFill>
                     <a:srgbClr val="000000"/>
                   </a:solidFill>
@@ -20059,7 +20064,7 @@
             </a:ln>
             <a:extLst>
               <a:ext uri="{91240B29-F687-4f45-9708-019B960494DF}">
-                <a14:hiddenLine xmlns="" xmlns:a16="http://schemas.microsoft.com/office/drawing/2014/main" xmlns:a14="http://schemas.microsoft.com/office/drawing/2010/main" w="9525">
+                <a14:hiddenLine xmlns:a14="http://schemas.microsoft.com/office/drawing/2010/main" xmlns:a16="http://schemas.microsoft.com/office/drawing/2014/main" xmlns="" w="9525">
                   <a:solidFill>
                     <a:srgbClr val="000000"/>
                   </a:solidFill>
@@ -20164,7 +20169,7 @@
             </a:ln>
             <a:extLst>
               <a:ext uri="{91240B29-F687-4f45-9708-019B960494DF}">
-                <a14:hiddenLine xmlns="" xmlns:a16="http://schemas.microsoft.com/office/drawing/2014/main" xmlns:a14="http://schemas.microsoft.com/office/drawing/2010/main" w="9525">
+                <a14:hiddenLine xmlns:a14="http://schemas.microsoft.com/office/drawing/2010/main" xmlns:a16="http://schemas.microsoft.com/office/drawing/2014/main" xmlns="" w="9525">
                   <a:solidFill>
                     <a:srgbClr val="000000"/>
                   </a:solidFill>
@@ -20358,7 +20363,7 @@
             </a:ln>
             <a:extLst>
               <a:ext uri="{91240B29-F687-4f45-9708-019B960494DF}">
-                <a14:hiddenLine xmlns="" xmlns:a16="http://schemas.microsoft.com/office/drawing/2014/main" xmlns:p14="http://schemas.microsoft.com/office/powerpoint/2010/main" xmlns:a14="http://schemas.microsoft.com/office/drawing/2010/main" w="9525">
+                <a14:hiddenLine xmlns:a14="http://schemas.microsoft.com/office/drawing/2010/main" xmlns:p14="http://schemas.microsoft.com/office/powerpoint/2010/main" xmlns:a16="http://schemas.microsoft.com/office/drawing/2014/main" xmlns="" w="9525">
                   <a:solidFill>
                     <a:srgbClr val="000000"/>
                   </a:solidFill>
@@ -20463,7 +20468,7 @@
             </a:ln>
             <a:extLst>
               <a:ext uri="{91240B29-F687-4f45-9708-019B960494DF}">
-                <a14:hiddenLine xmlns="" xmlns:a16="http://schemas.microsoft.com/office/drawing/2014/main" xmlns:p14="http://schemas.microsoft.com/office/powerpoint/2010/main" xmlns:a14="http://schemas.microsoft.com/office/drawing/2010/main" w="9525">
+                <a14:hiddenLine xmlns:a14="http://schemas.microsoft.com/office/drawing/2010/main" xmlns:p14="http://schemas.microsoft.com/office/powerpoint/2010/main" xmlns:a16="http://schemas.microsoft.com/office/drawing/2014/main" xmlns="" w="9525">
                   <a:solidFill>
                     <a:srgbClr val="000000"/>
                   </a:solidFill>
@@ -20568,7 +20573,7 @@
             </a:ln>
             <a:extLst>
               <a:ext uri="{91240B29-F687-4f45-9708-019B960494DF}">
-                <a14:hiddenLine xmlns="" xmlns:a16="http://schemas.microsoft.com/office/drawing/2014/main" xmlns:p14="http://schemas.microsoft.com/office/powerpoint/2010/main" xmlns:a14="http://schemas.microsoft.com/office/drawing/2010/main" w="9525">
+                <a14:hiddenLine xmlns:a14="http://schemas.microsoft.com/office/drawing/2010/main" xmlns:p14="http://schemas.microsoft.com/office/powerpoint/2010/main" xmlns:a16="http://schemas.microsoft.com/office/drawing/2014/main" xmlns="" w="9525">
                   <a:solidFill>
                     <a:srgbClr val="000000"/>
                   </a:solidFill>
@@ -20617,7 +20622,7 @@
             </a:ln>
             <a:extLst>
               <a:ext uri="{91240B29-F687-4f45-9708-019B960494DF}">
-                <a14:hiddenLine xmlns="" xmlns:a16="http://schemas.microsoft.com/office/drawing/2014/main" xmlns:p14="http://schemas.microsoft.com/office/powerpoint/2010/main" xmlns:a14="http://schemas.microsoft.com/office/drawing/2010/main" w="9525">
+                <a14:hiddenLine xmlns:a14="http://schemas.microsoft.com/office/drawing/2010/main" xmlns:p14="http://schemas.microsoft.com/office/powerpoint/2010/main" xmlns:a16="http://schemas.microsoft.com/office/drawing/2014/main" xmlns="" w="9525">
                   <a:solidFill>
                     <a:srgbClr val="000000"/>
                   </a:solidFill>
@@ -20722,7 +20727,7 @@
             </a:ln>
             <a:extLst>
               <a:ext uri="{91240B29-F687-4f45-9708-019B960494DF}">
-                <a14:hiddenLine xmlns="" xmlns:a16="http://schemas.microsoft.com/office/drawing/2014/main" xmlns:p14="http://schemas.microsoft.com/office/powerpoint/2010/main" xmlns:a14="http://schemas.microsoft.com/office/drawing/2010/main" w="9525">
+                <a14:hiddenLine xmlns:a14="http://schemas.microsoft.com/office/drawing/2010/main" xmlns:p14="http://schemas.microsoft.com/office/powerpoint/2010/main" xmlns:a16="http://schemas.microsoft.com/office/drawing/2014/main" xmlns="" w="9525">
                   <a:solidFill>
                     <a:srgbClr val="000000"/>
                   </a:solidFill>
@@ -20799,7 +20804,7 @@
             </a:ln>
             <a:extLst>
               <a:ext uri="{91240B29-F687-4f45-9708-019B960494DF}">
-                <a14:hiddenLine xmlns="" xmlns:a16="http://schemas.microsoft.com/office/drawing/2014/main" xmlns:p14="http://schemas.microsoft.com/office/powerpoint/2010/main" xmlns:a14="http://schemas.microsoft.com/office/drawing/2010/main" w="9525">
+                <a14:hiddenLine xmlns:a14="http://schemas.microsoft.com/office/drawing/2010/main" xmlns:p14="http://schemas.microsoft.com/office/powerpoint/2010/main" xmlns:a16="http://schemas.microsoft.com/office/drawing/2014/main" xmlns="" w="9525">
                   <a:solidFill>
                     <a:srgbClr val="000000"/>
                   </a:solidFill>
@@ -20876,7 +20881,7 @@
             </a:ln>
             <a:extLst>
               <a:ext uri="{91240B29-F687-4f45-9708-019B960494DF}">
-                <a14:hiddenLine xmlns="" xmlns:a16="http://schemas.microsoft.com/office/drawing/2014/main" xmlns:p14="http://schemas.microsoft.com/office/powerpoint/2010/main" xmlns:a14="http://schemas.microsoft.com/office/drawing/2010/main" w="9525">
+                <a14:hiddenLine xmlns:a14="http://schemas.microsoft.com/office/drawing/2010/main" xmlns:p14="http://schemas.microsoft.com/office/powerpoint/2010/main" xmlns:a16="http://schemas.microsoft.com/office/drawing/2014/main" xmlns="" w="9525">
                   <a:solidFill>
                     <a:srgbClr val="000000"/>
                   </a:solidFill>
@@ -20981,7 +20986,7 @@
             </a:ln>
             <a:extLst>
               <a:ext uri="{91240B29-F687-4f45-9708-019B960494DF}">
-                <a14:hiddenLine xmlns="" xmlns:a16="http://schemas.microsoft.com/office/drawing/2014/main" xmlns:p14="http://schemas.microsoft.com/office/powerpoint/2010/main" xmlns:a14="http://schemas.microsoft.com/office/drawing/2010/main" w="9525">
+                <a14:hiddenLine xmlns:a14="http://schemas.microsoft.com/office/drawing/2010/main" xmlns:p14="http://schemas.microsoft.com/office/powerpoint/2010/main" xmlns:a16="http://schemas.microsoft.com/office/drawing/2014/main" xmlns="" w="9525">
                   <a:solidFill>
                     <a:srgbClr val="000000"/>
                   </a:solidFill>
@@ -21058,7 +21063,7 @@
             </a:ln>
             <a:extLst>
               <a:ext uri="{91240B29-F687-4f45-9708-019B960494DF}">
-                <a14:hiddenLine xmlns="" xmlns:a16="http://schemas.microsoft.com/office/drawing/2014/main" xmlns:p14="http://schemas.microsoft.com/office/powerpoint/2010/main" xmlns:a14="http://schemas.microsoft.com/office/drawing/2010/main" w="9525">
+                <a14:hiddenLine xmlns:a14="http://schemas.microsoft.com/office/drawing/2010/main" xmlns:p14="http://schemas.microsoft.com/office/powerpoint/2010/main" xmlns:a16="http://schemas.microsoft.com/office/drawing/2014/main" xmlns="" w="9525">
                   <a:solidFill>
                     <a:srgbClr val="000000"/>
                   </a:solidFill>
@@ -21135,7 +21140,7 @@
             </a:ln>
             <a:extLst>
               <a:ext uri="{91240B29-F687-4f45-9708-019B960494DF}">
-                <a14:hiddenLine xmlns="" xmlns:a16="http://schemas.microsoft.com/office/drawing/2014/main" xmlns:p14="http://schemas.microsoft.com/office/powerpoint/2010/main" xmlns:a14="http://schemas.microsoft.com/office/drawing/2010/main" w="9525">
+                <a14:hiddenLine xmlns:a14="http://schemas.microsoft.com/office/drawing/2010/main" xmlns:p14="http://schemas.microsoft.com/office/powerpoint/2010/main" xmlns:a16="http://schemas.microsoft.com/office/drawing/2014/main" xmlns="" w="9525">
                   <a:solidFill>
                     <a:srgbClr val="000000"/>
                   </a:solidFill>
@@ -21240,7 +21245,7 @@
             </a:ln>
             <a:extLst>
               <a:ext uri="{91240B29-F687-4f45-9708-019B960494DF}">
-                <a14:hiddenLine xmlns="" xmlns:a16="http://schemas.microsoft.com/office/drawing/2014/main" xmlns:p14="http://schemas.microsoft.com/office/powerpoint/2010/main" xmlns:a14="http://schemas.microsoft.com/office/drawing/2010/main" w="9525">
+                <a14:hiddenLine xmlns:a14="http://schemas.microsoft.com/office/drawing/2010/main" xmlns:p14="http://schemas.microsoft.com/office/powerpoint/2010/main" xmlns:a16="http://schemas.microsoft.com/office/drawing/2014/main" xmlns="" w="9525">
                   <a:solidFill>
                     <a:srgbClr val="000000"/>
                   </a:solidFill>
@@ -21345,7 +21350,7 @@
             </a:ln>
             <a:extLst>
               <a:ext uri="{91240B29-F687-4f45-9708-019B960494DF}">
-                <a14:hiddenLine xmlns="" xmlns:a16="http://schemas.microsoft.com/office/drawing/2014/main" xmlns:p14="http://schemas.microsoft.com/office/powerpoint/2010/main" xmlns:a14="http://schemas.microsoft.com/office/drawing/2010/main" w="9525">
+                <a14:hiddenLine xmlns:a14="http://schemas.microsoft.com/office/drawing/2010/main" xmlns:p14="http://schemas.microsoft.com/office/powerpoint/2010/main" xmlns:a16="http://schemas.microsoft.com/office/drawing/2014/main" xmlns="" w="9525">
                   <a:solidFill>
                     <a:srgbClr val="000000"/>
                   </a:solidFill>
@@ -21422,7 +21427,7 @@
             </a:ln>
             <a:extLst>
               <a:ext uri="{91240B29-F687-4f45-9708-019B960494DF}">
-                <a14:hiddenLine xmlns="" xmlns:a16="http://schemas.microsoft.com/office/drawing/2014/main" xmlns:p14="http://schemas.microsoft.com/office/powerpoint/2010/main" xmlns:a14="http://schemas.microsoft.com/office/drawing/2010/main" w="9525">
+                <a14:hiddenLine xmlns:a14="http://schemas.microsoft.com/office/drawing/2010/main" xmlns:p14="http://schemas.microsoft.com/office/powerpoint/2010/main" xmlns:a16="http://schemas.microsoft.com/office/drawing/2014/main" xmlns="" w="9525">
                   <a:solidFill>
                     <a:srgbClr val="000000"/>
                   </a:solidFill>
@@ -21547,7 +21552,7 @@
             </a:ln>
             <a:extLst>
               <a:ext uri="{91240B29-F687-4f45-9708-019B960494DF}">
-                <a14:hiddenLine xmlns="" xmlns:a16="http://schemas.microsoft.com/office/drawing/2014/main" xmlns:p14="http://schemas.microsoft.com/office/powerpoint/2010/main" xmlns:a14="http://schemas.microsoft.com/office/drawing/2010/main" w="9525">
+                <a14:hiddenLine xmlns:a14="http://schemas.microsoft.com/office/drawing/2010/main" xmlns:p14="http://schemas.microsoft.com/office/powerpoint/2010/main" xmlns:a16="http://schemas.microsoft.com/office/drawing/2014/main" xmlns="" w="9525">
                   <a:solidFill>
                     <a:srgbClr val="000000"/>
                   </a:solidFill>
@@ -21624,7 +21629,7 @@
             </a:ln>
             <a:extLst>
               <a:ext uri="{91240B29-F687-4f45-9708-019B960494DF}">
-                <a14:hiddenLine xmlns="" xmlns:a16="http://schemas.microsoft.com/office/drawing/2014/main" xmlns:p14="http://schemas.microsoft.com/office/powerpoint/2010/main" xmlns:a14="http://schemas.microsoft.com/office/drawing/2010/main" w="9525">
+                <a14:hiddenLine xmlns:a14="http://schemas.microsoft.com/office/drawing/2010/main" xmlns:p14="http://schemas.microsoft.com/office/powerpoint/2010/main" xmlns:a16="http://schemas.microsoft.com/office/drawing/2014/main" xmlns="" w="9525">
                   <a:solidFill>
                     <a:srgbClr val="000000"/>
                   </a:solidFill>
@@ -21729,7 +21734,7 @@
             </a:ln>
             <a:extLst>
               <a:ext uri="{91240B29-F687-4f45-9708-019B960494DF}">
-                <a14:hiddenLine xmlns="" xmlns:a16="http://schemas.microsoft.com/office/drawing/2014/main" xmlns:p14="http://schemas.microsoft.com/office/powerpoint/2010/main" xmlns:a14="http://schemas.microsoft.com/office/drawing/2010/main" w="9525">
+                <a14:hiddenLine xmlns:a14="http://schemas.microsoft.com/office/drawing/2010/main" xmlns:p14="http://schemas.microsoft.com/office/powerpoint/2010/main" xmlns:a16="http://schemas.microsoft.com/office/drawing/2014/main" xmlns="" w="9525">
                   <a:solidFill>
                     <a:srgbClr val="000000"/>
                   </a:solidFill>
@@ -21834,7 +21839,7 @@
             </a:ln>
             <a:extLst>
               <a:ext uri="{91240B29-F687-4f45-9708-019B960494DF}">
-                <a14:hiddenLine xmlns="" xmlns:a16="http://schemas.microsoft.com/office/drawing/2014/main" xmlns:p14="http://schemas.microsoft.com/office/powerpoint/2010/main" xmlns:a14="http://schemas.microsoft.com/office/drawing/2010/main" w="9525">
+                <a14:hiddenLine xmlns:a14="http://schemas.microsoft.com/office/drawing/2010/main" xmlns:p14="http://schemas.microsoft.com/office/powerpoint/2010/main" xmlns:a16="http://schemas.microsoft.com/office/drawing/2014/main" xmlns="" w="9525">
                   <a:solidFill>
                     <a:srgbClr val="000000"/>
                   </a:solidFill>
@@ -21911,7 +21916,7 @@
             </a:ln>
             <a:extLst>
               <a:ext uri="{91240B29-F687-4f45-9708-019B960494DF}">
-                <a14:hiddenLine xmlns="" xmlns:a16="http://schemas.microsoft.com/office/drawing/2014/main" xmlns:p14="http://schemas.microsoft.com/office/powerpoint/2010/main" xmlns:a14="http://schemas.microsoft.com/office/drawing/2010/main" w="9525">
+                <a14:hiddenLine xmlns:a14="http://schemas.microsoft.com/office/drawing/2010/main" xmlns:p14="http://schemas.microsoft.com/office/powerpoint/2010/main" xmlns:a16="http://schemas.microsoft.com/office/drawing/2014/main" xmlns="" w="9525">
                   <a:solidFill>
                     <a:srgbClr val="000000"/>
                   </a:solidFill>
@@ -22016,7 +22021,7 @@
             </a:ln>
             <a:extLst>
               <a:ext uri="{91240B29-F687-4f45-9708-019B960494DF}">
-                <a14:hiddenLine xmlns="" xmlns:a16="http://schemas.microsoft.com/office/drawing/2014/main" xmlns:p14="http://schemas.microsoft.com/office/powerpoint/2010/main" xmlns:a14="http://schemas.microsoft.com/office/drawing/2010/main" w="9525">
+                <a14:hiddenLine xmlns:a14="http://schemas.microsoft.com/office/drawing/2010/main" xmlns:p14="http://schemas.microsoft.com/office/powerpoint/2010/main" xmlns:a16="http://schemas.microsoft.com/office/drawing/2014/main" xmlns="" w="9525">
                   <a:solidFill>
                     <a:srgbClr val="000000"/>
                   </a:solidFill>
@@ -22121,7 +22126,7 @@
             </a:ln>
             <a:extLst>
               <a:ext uri="{91240B29-F687-4f45-9708-019B960494DF}">
-                <a14:hiddenLine xmlns="" xmlns:a16="http://schemas.microsoft.com/office/drawing/2014/main" xmlns:p14="http://schemas.microsoft.com/office/powerpoint/2010/main" xmlns:a14="http://schemas.microsoft.com/office/drawing/2010/main" w="9525">
+                <a14:hiddenLine xmlns:a14="http://schemas.microsoft.com/office/drawing/2010/main" xmlns:p14="http://schemas.microsoft.com/office/powerpoint/2010/main" xmlns:a16="http://schemas.microsoft.com/office/drawing/2014/main" xmlns="" w="9525">
                   <a:solidFill>
                     <a:srgbClr val="000000"/>
                   </a:solidFill>
@@ -22192,7 +22197,7 @@
             </a:ln>
             <a:extLst>
               <a:ext uri="{91240B29-F687-4f45-9708-019B960494DF}">
-                <a14:hiddenLine xmlns="" xmlns:a16="http://schemas.microsoft.com/office/drawing/2014/main" xmlns:p14="http://schemas.microsoft.com/office/powerpoint/2010/main" xmlns:a14="http://schemas.microsoft.com/office/drawing/2010/main" w="9525">
+                <a14:hiddenLine xmlns:a14="http://schemas.microsoft.com/office/drawing/2010/main" xmlns:p14="http://schemas.microsoft.com/office/powerpoint/2010/main" xmlns:a16="http://schemas.microsoft.com/office/drawing/2014/main" xmlns="" w="9525">
                   <a:solidFill>
                     <a:srgbClr val="000000"/>
                   </a:solidFill>
@@ -22297,7 +22302,7 @@
             </a:ln>
             <a:extLst>
               <a:ext uri="{91240B29-F687-4f45-9708-019B960494DF}">
-                <a14:hiddenLine xmlns="" xmlns:a16="http://schemas.microsoft.com/office/drawing/2014/main" xmlns:p14="http://schemas.microsoft.com/office/powerpoint/2010/main" xmlns:a14="http://schemas.microsoft.com/office/drawing/2010/main" w="9525">
+                <a14:hiddenLine xmlns:a14="http://schemas.microsoft.com/office/drawing/2010/main" xmlns:p14="http://schemas.microsoft.com/office/powerpoint/2010/main" xmlns:a16="http://schemas.microsoft.com/office/drawing/2014/main" xmlns="" w="9525">
                   <a:solidFill>
                     <a:srgbClr val="000000"/>
                   </a:solidFill>
@@ -22368,7 +22373,7 @@
             </a:ln>
             <a:extLst>
               <a:ext uri="{91240B29-F687-4f45-9708-019B960494DF}">
-                <a14:hiddenLine xmlns="" xmlns:a16="http://schemas.microsoft.com/office/drawing/2014/main" xmlns:p14="http://schemas.microsoft.com/office/powerpoint/2010/main" xmlns:a14="http://schemas.microsoft.com/office/drawing/2010/main" w="9525">
+                <a14:hiddenLine xmlns:a14="http://schemas.microsoft.com/office/drawing/2010/main" xmlns:p14="http://schemas.microsoft.com/office/powerpoint/2010/main" xmlns:a16="http://schemas.microsoft.com/office/drawing/2014/main" xmlns="" w="9525">
                   <a:solidFill>
                     <a:srgbClr val="000000"/>
                   </a:solidFill>
@@ -22473,7 +22478,7 @@
             </a:ln>
             <a:extLst>
               <a:ext uri="{91240B29-F687-4f45-9708-019B960494DF}">
-                <a14:hiddenLine xmlns="" xmlns:a16="http://schemas.microsoft.com/office/drawing/2014/main" xmlns:p14="http://schemas.microsoft.com/office/powerpoint/2010/main" xmlns:a14="http://schemas.microsoft.com/office/drawing/2010/main" w="9525">
+                <a14:hiddenLine xmlns:a14="http://schemas.microsoft.com/office/drawing/2010/main" xmlns:p14="http://schemas.microsoft.com/office/powerpoint/2010/main" xmlns:a16="http://schemas.microsoft.com/office/drawing/2014/main" xmlns="" w="9525">
                   <a:solidFill>
                     <a:srgbClr val="000000"/>
                   </a:solidFill>
@@ -22556,7 +22561,7 @@
             </a:ln>
             <a:extLst>
               <a:ext uri="{91240B29-F687-4f45-9708-019B960494DF}">
-                <a14:hiddenLine xmlns="" xmlns:a16="http://schemas.microsoft.com/office/drawing/2014/main" xmlns:p14="http://schemas.microsoft.com/office/powerpoint/2010/main" xmlns:a14="http://schemas.microsoft.com/office/drawing/2010/main" w="9525">
+                <a14:hiddenLine xmlns:a14="http://schemas.microsoft.com/office/drawing/2010/main" xmlns:p14="http://schemas.microsoft.com/office/powerpoint/2010/main" xmlns:a16="http://schemas.microsoft.com/office/drawing/2014/main" xmlns="" w="9525">
                   <a:solidFill>
                     <a:srgbClr val="000000"/>
                   </a:solidFill>
@@ -22661,7 +22666,7 @@
             </a:ln>
             <a:extLst>
               <a:ext uri="{91240B29-F687-4f45-9708-019B960494DF}">
-                <a14:hiddenLine xmlns="" xmlns:a16="http://schemas.microsoft.com/office/drawing/2014/main" xmlns:p14="http://schemas.microsoft.com/office/powerpoint/2010/main" xmlns:a14="http://schemas.microsoft.com/office/drawing/2010/main" w="9525">
+                <a14:hiddenLine xmlns:a14="http://schemas.microsoft.com/office/drawing/2010/main" xmlns:p14="http://schemas.microsoft.com/office/powerpoint/2010/main" xmlns:a16="http://schemas.microsoft.com/office/drawing/2014/main" xmlns="" w="9525">
                   <a:solidFill>
                     <a:srgbClr val="000000"/>
                   </a:solidFill>
@@ -22744,7 +22749,7 @@
             </a:ln>
             <a:extLst>
               <a:ext uri="{91240B29-F687-4f45-9708-019B960494DF}">
-                <a14:hiddenLine xmlns="" xmlns:a16="http://schemas.microsoft.com/office/drawing/2014/main" xmlns:p14="http://schemas.microsoft.com/office/powerpoint/2010/main" xmlns:a14="http://schemas.microsoft.com/office/drawing/2010/main" w="9525">
+                <a14:hiddenLine xmlns:a14="http://schemas.microsoft.com/office/drawing/2010/main" xmlns:p14="http://schemas.microsoft.com/office/powerpoint/2010/main" xmlns:a16="http://schemas.microsoft.com/office/drawing/2014/main" xmlns="" w="9525">
                   <a:solidFill>
                     <a:srgbClr val="000000"/>
                   </a:solidFill>
@@ -22849,7 +22854,7 @@
             </a:ln>
             <a:extLst>
               <a:ext uri="{91240B29-F687-4f45-9708-019B960494DF}">
-                <a14:hiddenLine xmlns="" xmlns:a16="http://schemas.microsoft.com/office/drawing/2014/main" xmlns:p14="http://schemas.microsoft.com/office/powerpoint/2010/main" xmlns:a14="http://schemas.microsoft.com/office/drawing/2010/main" w="9525">
+                <a14:hiddenLine xmlns:a14="http://schemas.microsoft.com/office/drawing/2010/main" xmlns:p14="http://schemas.microsoft.com/office/powerpoint/2010/main" xmlns:a16="http://schemas.microsoft.com/office/drawing/2014/main" xmlns="" w="9525">
                   <a:solidFill>
                     <a:srgbClr val="000000"/>
                   </a:solidFill>
@@ -22898,7 +22903,7 @@
             </a:ln>
             <a:extLst>
               <a:ext uri="{91240B29-F687-4f45-9708-019B960494DF}">
-                <a14:hiddenLine xmlns="" xmlns:a16="http://schemas.microsoft.com/office/drawing/2014/main" xmlns:p14="http://schemas.microsoft.com/office/powerpoint/2010/main" xmlns:a14="http://schemas.microsoft.com/office/drawing/2010/main" w="9525">
+                <a14:hiddenLine xmlns:a14="http://schemas.microsoft.com/office/drawing/2010/main" xmlns:p14="http://schemas.microsoft.com/office/powerpoint/2010/main" xmlns:a16="http://schemas.microsoft.com/office/drawing/2014/main" xmlns="" w="9525">
                   <a:solidFill>
                     <a:srgbClr val="000000"/>
                   </a:solidFill>
@@ -23003,7 +23008,7 @@
             </a:ln>
             <a:extLst>
               <a:ext uri="{91240B29-F687-4f45-9708-019B960494DF}">
-                <a14:hiddenLine xmlns="" xmlns:a16="http://schemas.microsoft.com/office/drawing/2014/main" xmlns:p14="http://schemas.microsoft.com/office/powerpoint/2010/main" xmlns:a14="http://schemas.microsoft.com/office/drawing/2010/main" w="9525">
+                <a14:hiddenLine xmlns:a14="http://schemas.microsoft.com/office/drawing/2010/main" xmlns:p14="http://schemas.microsoft.com/office/powerpoint/2010/main" xmlns:a16="http://schemas.microsoft.com/office/drawing/2014/main" xmlns="" w="9525">
                   <a:solidFill>
                     <a:srgbClr val="000000"/>
                   </a:solidFill>
@@ -23080,7 +23085,7 @@
             </a:ln>
             <a:extLst>
               <a:ext uri="{91240B29-F687-4f45-9708-019B960494DF}">
-                <a14:hiddenLine xmlns="" xmlns:a16="http://schemas.microsoft.com/office/drawing/2014/main" xmlns:p14="http://schemas.microsoft.com/office/powerpoint/2010/main" xmlns:a14="http://schemas.microsoft.com/office/drawing/2010/main" w="9525">
+                <a14:hiddenLine xmlns:a14="http://schemas.microsoft.com/office/drawing/2010/main" xmlns:p14="http://schemas.microsoft.com/office/powerpoint/2010/main" xmlns:a16="http://schemas.microsoft.com/office/drawing/2014/main" xmlns="" w="9525">
                   <a:solidFill>
                     <a:srgbClr val="000000"/>
                   </a:solidFill>
@@ -23157,7 +23162,7 @@
             </a:ln>
             <a:extLst>
               <a:ext uri="{91240B29-F687-4f45-9708-019B960494DF}">
-                <a14:hiddenLine xmlns="" xmlns:a16="http://schemas.microsoft.com/office/drawing/2014/main" xmlns:p14="http://schemas.microsoft.com/office/powerpoint/2010/main" xmlns:a14="http://schemas.microsoft.com/office/drawing/2010/main" w="9525">
+                <a14:hiddenLine xmlns:a14="http://schemas.microsoft.com/office/drawing/2010/main" xmlns:p14="http://schemas.microsoft.com/office/powerpoint/2010/main" xmlns:a16="http://schemas.microsoft.com/office/drawing/2014/main" xmlns="" w="9525">
                   <a:solidFill>
                     <a:srgbClr val="000000"/>
                   </a:solidFill>
@@ -23262,7 +23267,7 @@
             </a:ln>
             <a:extLst>
               <a:ext uri="{91240B29-F687-4f45-9708-019B960494DF}">
-                <a14:hiddenLine xmlns="" xmlns:a16="http://schemas.microsoft.com/office/drawing/2014/main" xmlns:p14="http://schemas.microsoft.com/office/powerpoint/2010/main" xmlns:a14="http://schemas.microsoft.com/office/drawing/2010/main" w="9525">
+                <a14:hiddenLine xmlns:a14="http://schemas.microsoft.com/office/drawing/2010/main" xmlns:p14="http://schemas.microsoft.com/office/powerpoint/2010/main" xmlns:a16="http://schemas.microsoft.com/office/drawing/2014/main" xmlns="" w="9525">
                   <a:solidFill>
                     <a:srgbClr val="000000"/>
                   </a:solidFill>
@@ -23345,7 +23350,7 @@
             </a:ln>
             <a:extLst>
               <a:ext uri="{91240B29-F687-4f45-9708-019B960494DF}">
-                <a14:hiddenLine xmlns="" xmlns:a16="http://schemas.microsoft.com/office/drawing/2014/main" xmlns:p14="http://schemas.microsoft.com/office/powerpoint/2010/main" xmlns:a14="http://schemas.microsoft.com/office/drawing/2010/main" w="9525">
+                <a14:hiddenLine xmlns:a14="http://schemas.microsoft.com/office/drawing/2010/main" xmlns:p14="http://schemas.microsoft.com/office/powerpoint/2010/main" xmlns:a16="http://schemas.microsoft.com/office/drawing/2014/main" xmlns="" w="9525">
                   <a:solidFill>
                     <a:srgbClr val="000000"/>
                   </a:solidFill>
@@ -23422,7 +23427,7 @@
             </a:ln>
             <a:extLst>
               <a:ext uri="{91240B29-F687-4f45-9708-019B960494DF}">
-                <a14:hiddenLine xmlns="" xmlns:a16="http://schemas.microsoft.com/office/drawing/2014/main" xmlns:p14="http://schemas.microsoft.com/office/powerpoint/2010/main" xmlns:a14="http://schemas.microsoft.com/office/drawing/2010/main" w="9525">
+                <a14:hiddenLine xmlns:a14="http://schemas.microsoft.com/office/drawing/2010/main" xmlns:p14="http://schemas.microsoft.com/office/powerpoint/2010/main" xmlns:a16="http://schemas.microsoft.com/office/drawing/2014/main" xmlns="" w="9525">
                   <a:solidFill>
                     <a:srgbClr val="000000"/>
                   </a:solidFill>
@@ -23527,7 +23532,7 @@
             </a:ln>
             <a:extLst>
               <a:ext uri="{91240B29-F687-4f45-9708-019B960494DF}">
-                <a14:hiddenLine xmlns="" xmlns:a16="http://schemas.microsoft.com/office/drawing/2014/main" xmlns:p14="http://schemas.microsoft.com/office/powerpoint/2010/main" xmlns:a14="http://schemas.microsoft.com/office/drawing/2010/main" w="9525">
+                <a14:hiddenLine xmlns:a14="http://schemas.microsoft.com/office/drawing/2010/main" xmlns:p14="http://schemas.microsoft.com/office/powerpoint/2010/main" xmlns:a16="http://schemas.microsoft.com/office/drawing/2014/main" xmlns="" w="9525">
                   <a:solidFill>
                     <a:srgbClr val="000000"/>
                   </a:solidFill>
@@ -23604,7 +23609,7 @@
             </a:ln>
             <a:extLst>
               <a:ext uri="{91240B29-F687-4f45-9708-019B960494DF}">
-                <a14:hiddenLine xmlns="" xmlns:a16="http://schemas.microsoft.com/office/drawing/2014/main" xmlns:p14="http://schemas.microsoft.com/office/powerpoint/2010/main" xmlns:a14="http://schemas.microsoft.com/office/drawing/2010/main" w="9525">
+                <a14:hiddenLine xmlns:a14="http://schemas.microsoft.com/office/drawing/2010/main" xmlns:p14="http://schemas.microsoft.com/office/powerpoint/2010/main" xmlns:a16="http://schemas.microsoft.com/office/drawing/2014/main" xmlns="" w="9525">
                   <a:solidFill>
                     <a:srgbClr val="000000"/>
                   </a:solidFill>
@@ -23709,7 +23714,7 @@
             </a:ln>
             <a:extLst>
               <a:ext uri="{91240B29-F687-4f45-9708-019B960494DF}">
-                <a14:hiddenLine xmlns="" xmlns:a16="http://schemas.microsoft.com/office/drawing/2014/main" xmlns:p14="http://schemas.microsoft.com/office/powerpoint/2010/main" xmlns:a14="http://schemas.microsoft.com/office/drawing/2010/main" w="9525">
+                <a14:hiddenLine xmlns:a14="http://schemas.microsoft.com/office/drawing/2010/main" xmlns:p14="http://schemas.microsoft.com/office/powerpoint/2010/main" xmlns:a16="http://schemas.microsoft.com/office/drawing/2014/main" xmlns="" w="9525">
                   <a:solidFill>
                     <a:srgbClr val="000000"/>
                   </a:solidFill>
@@ -23786,7 +23791,7 @@
             </a:ln>
             <a:extLst>
               <a:ext uri="{91240B29-F687-4f45-9708-019B960494DF}">
-                <a14:hiddenLine xmlns="" xmlns:a16="http://schemas.microsoft.com/office/drawing/2014/main" xmlns:p14="http://schemas.microsoft.com/office/powerpoint/2010/main" xmlns:a14="http://schemas.microsoft.com/office/drawing/2010/main" w="9525">
+                <a14:hiddenLine xmlns:a14="http://schemas.microsoft.com/office/drawing/2010/main" xmlns:p14="http://schemas.microsoft.com/office/powerpoint/2010/main" xmlns:a16="http://schemas.microsoft.com/office/drawing/2014/main" xmlns="" w="9525">
                   <a:solidFill>
                     <a:srgbClr val="000000"/>
                   </a:solidFill>
@@ -23891,7 +23896,7 @@
             </a:ln>
             <a:extLst>
               <a:ext uri="{91240B29-F687-4f45-9708-019B960494DF}">
-                <a14:hiddenLine xmlns="" xmlns:a16="http://schemas.microsoft.com/office/drawing/2014/main" xmlns:p14="http://schemas.microsoft.com/office/powerpoint/2010/main" xmlns:a14="http://schemas.microsoft.com/office/drawing/2010/main" w="9525">
+                <a14:hiddenLine xmlns:a14="http://schemas.microsoft.com/office/drawing/2010/main" xmlns:p14="http://schemas.microsoft.com/office/powerpoint/2010/main" xmlns:a16="http://schemas.microsoft.com/office/drawing/2014/main" xmlns="" w="9525">
                   <a:solidFill>
                     <a:srgbClr val="000000"/>
                   </a:solidFill>
@@ -23940,7 +23945,7 @@
             </a:ln>
             <a:extLst>
               <a:ext uri="{91240B29-F687-4f45-9708-019B960494DF}">
-                <a14:hiddenLine xmlns="" xmlns:a16="http://schemas.microsoft.com/office/drawing/2014/main" xmlns:p14="http://schemas.microsoft.com/office/powerpoint/2010/main" xmlns:a14="http://schemas.microsoft.com/office/drawing/2010/main" w="9525">
+                <a14:hiddenLine xmlns:a14="http://schemas.microsoft.com/office/drawing/2010/main" xmlns:p14="http://schemas.microsoft.com/office/powerpoint/2010/main" xmlns:a16="http://schemas.microsoft.com/office/drawing/2014/main" xmlns="" w="9525">
                   <a:solidFill>
                     <a:srgbClr val="000000"/>
                   </a:solidFill>
@@ -24020,7 +24025,7 @@
             </a:ln>
             <a:extLst>
               <a:ext uri="{91240B29-F687-4f45-9708-019B960494DF}">
-                <a14:hiddenLine xmlns="" xmlns:a16="http://schemas.microsoft.com/office/drawing/2014/main" xmlns:p14="http://schemas.microsoft.com/office/powerpoint/2010/main" xmlns:a14="http://schemas.microsoft.com/office/drawing/2010/main" w="9525">
+                <a14:hiddenLine xmlns:a14="http://schemas.microsoft.com/office/drawing/2010/main" xmlns:p14="http://schemas.microsoft.com/office/powerpoint/2010/main" xmlns:a16="http://schemas.microsoft.com/office/drawing/2014/main" xmlns="" w="9525">
                   <a:solidFill>
                     <a:srgbClr val="000000"/>
                   </a:solidFill>
@@ -24125,7 +24130,7 @@
             </a:ln>
             <a:extLst>
               <a:ext uri="{91240B29-F687-4f45-9708-019B960494DF}">
-                <a14:hiddenLine xmlns="" xmlns:a16="http://schemas.microsoft.com/office/drawing/2014/main" xmlns:p14="http://schemas.microsoft.com/office/powerpoint/2010/main" xmlns:a14="http://schemas.microsoft.com/office/drawing/2010/main" w="9525">
+                <a14:hiddenLine xmlns:a14="http://schemas.microsoft.com/office/drawing/2010/main" xmlns:p14="http://schemas.microsoft.com/office/powerpoint/2010/main" xmlns:a16="http://schemas.microsoft.com/office/drawing/2014/main" xmlns="" w="9525">
                   <a:solidFill>
                     <a:srgbClr val="000000"/>
                   </a:solidFill>
@@ -24202,7 +24207,7 @@
             </a:ln>
             <a:extLst>
               <a:ext uri="{91240B29-F687-4f45-9708-019B960494DF}">
-                <a14:hiddenLine xmlns="" xmlns:a16="http://schemas.microsoft.com/office/drawing/2014/main" xmlns:p14="http://schemas.microsoft.com/office/powerpoint/2010/main" xmlns:a14="http://schemas.microsoft.com/office/drawing/2010/main" w="9525">
+                <a14:hiddenLine xmlns:a14="http://schemas.microsoft.com/office/drawing/2010/main" xmlns:p14="http://schemas.microsoft.com/office/powerpoint/2010/main" xmlns:a16="http://schemas.microsoft.com/office/drawing/2014/main" xmlns="" w="9525">
                   <a:solidFill>
                     <a:srgbClr val="000000"/>
                   </a:solidFill>
@@ -24307,7 +24312,7 @@
             </a:ln>
             <a:extLst>
               <a:ext uri="{91240B29-F687-4f45-9708-019B960494DF}">
-                <a14:hiddenLine xmlns="" xmlns:a16="http://schemas.microsoft.com/office/drawing/2014/main" xmlns:p14="http://schemas.microsoft.com/office/powerpoint/2010/main" xmlns:a14="http://schemas.microsoft.com/office/drawing/2010/main" w="9525">
+                <a14:hiddenLine xmlns:a14="http://schemas.microsoft.com/office/drawing/2010/main" xmlns:p14="http://schemas.microsoft.com/office/powerpoint/2010/main" xmlns:a16="http://schemas.microsoft.com/office/drawing/2014/main" xmlns="" w="9525">
                   <a:solidFill>
                     <a:srgbClr val="000000"/>
                   </a:solidFill>
@@ -24412,7 +24417,7 @@
             </a:ln>
             <a:extLst>
               <a:ext uri="{91240B29-F687-4f45-9708-019B960494DF}">
-                <a14:hiddenLine xmlns="" xmlns:a16="http://schemas.microsoft.com/office/drawing/2014/main" xmlns:p14="http://schemas.microsoft.com/office/powerpoint/2010/main" xmlns:a14="http://schemas.microsoft.com/office/drawing/2010/main" w="9525">
+                <a14:hiddenLine xmlns:a14="http://schemas.microsoft.com/office/drawing/2010/main" xmlns:p14="http://schemas.microsoft.com/office/powerpoint/2010/main" xmlns:a16="http://schemas.microsoft.com/office/drawing/2014/main" xmlns="" w="9525">
                   <a:solidFill>
                     <a:srgbClr val="000000"/>
                   </a:solidFill>
@@ -24492,7 +24497,7 @@
             </a:ln>
             <a:extLst>
               <a:ext uri="{91240B29-F687-4f45-9708-019B960494DF}">
-                <a14:hiddenLine xmlns="" xmlns:a16="http://schemas.microsoft.com/office/drawing/2014/main" xmlns:p14="http://schemas.microsoft.com/office/powerpoint/2010/main" xmlns:a14="http://schemas.microsoft.com/office/drawing/2010/main" w="9525">
+                <a14:hiddenLine xmlns:a14="http://schemas.microsoft.com/office/drawing/2010/main" xmlns:p14="http://schemas.microsoft.com/office/powerpoint/2010/main" xmlns:a16="http://schemas.microsoft.com/office/drawing/2014/main" xmlns="" w="9525">
                   <a:solidFill>
                     <a:srgbClr val="000000"/>
                   </a:solidFill>
@@ -24569,7 +24574,7 @@
             </a:ln>
             <a:extLst>
               <a:ext uri="{91240B29-F687-4f45-9708-019B960494DF}">
-                <a14:hiddenLine xmlns="" xmlns:a16="http://schemas.microsoft.com/office/drawing/2014/main" xmlns:p14="http://schemas.microsoft.com/office/powerpoint/2010/main" xmlns:a14="http://schemas.microsoft.com/office/drawing/2010/main" w="9525">
+                <a14:hiddenLine xmlns:a14="http://schemas.microsoft.com/office/drawing/2010/main" xmlns:p14="http://schemas.microsoft.com/office/powerpoint/2010/main" xmlns:a16="http://schemas.microsoft.com/office/drawing/2014/main" xmlns="" w="9525">
                   <a:solidFill>
                     <a:srgbClr val="000000"/>
                   </a:solidFill>
@@ -24674,7 +24679,7 @@
             </a:ln>
             <a:extLst>
               <a:ext uri="{91240B29-F687-4f45-9708-019B960494DF}">
-                <a14:hiddenLine xmlns="" xmlns:a16="http://schemas.microsoft.com/office/drawing/2014/main" xmlns:p14="http://schemas.microsoft.com/office/powerpoint/2010/main" xmlns:a14="http://schemas.microsoft.com/office/drawing/2010/main" w="9525">
+                <a14:hiddenLine xmlns:a14="http://schemas.microsoft.com/office/drawing/2010/main" xmlns:p14="http://schemas.microsoft.com/office/powerpoint/2010/main" xmlns:a16="http://schemas.microsoft.com/office/drawing/2014/main" xmlns="" w="9525">
                   <a:solidFill>
                     <a:srgbClr val="000000"/>
                   </a:solidFill>
@@ -24779,7 +24784,7 @@
             </a:ln>
             <a:extLst>
               <a:ext uri="{91240B29-F687-4f45-9708-019B960494DF}">
-                <a14:hiddenLine xmlns="" xmlns:a16="http://schemas.microsoft.com/office/drawing/2014/main" xmlns:p14="http://schemas.microsoft.com/office/powerpoint/2010/main" xmlns:a14="http://schemas.microsoft.com/office/drawing/2010/main" w="9525">
+                <a14:hiddenLine xmlns:a14="http://schemas.microsoft.com/office/drawing/2010/main" xmlns:p14="http://schemas.microsoft.com/office/powerpoint/2010/main" xmlns:a16="http://schemas.microsoft.com/office/drawing/2014/main" xmlns="" w="9525">
                   <a:solidFill>
                     <a:srgbClr val="000000"/>
                   </a:solidFill>
@@ -24856,7 +24861,7 @@
             </a:ln>
             <a:extLst>
               <a:ext uri="{91240B29-F687-4f45-9708-019B960494DF}">
-                <a14:hiddenLine xmlns="" xmlns:a16="http://schemas.microsoft.com/office/drawing/2014/main" xmlns:p14="http://schemas.microsoft.com/office/powerpoint/2010/main" xmlns:a14="http://schemas.microsoft.com/office/drawing/2010/main" w="9525">
+                <a14:hiddenLine xmlns:a14="http://schemas.microsoft.com/office/drawing/2010/main" xmlns:p14="http://schemas.microsoft.com/office/powerpoint/2010/main" xmlns:a16="http://schemas.microsoft.com/office/drawing/2014/main" xmlns="" w="9525">
                   <a:solidFill>
                     <a:srgbClr val="000000"/>
                   </a:solidFill>
@@ -24991,7 +24996,7 @@
             </a:ln>
             <a:extLst>
               <a:ext uri="{91240B29-F687-4f45-9708-019B960494DF}">
-                <a14:hiddenLine xmlns="" xmlns:a16="http://schemas.microsoft.com/office/drawing/2014/main" xmlns:p14="http://schemas.microsoft.com/office/powerpoint/2010/main" xmlns:a14="http://schemas.microsoft.com/office/drawing/2010/main" w="9525">
+                <a14:hiddenLine xmlns:a14="http://schemas.microsoft.com/office/drawing/2010/main" xmlns:p14="http://schemas.microsoft.com/office/powerpoint/2010/main" xmlns:a16="http://schemas.microsoft.com/office/drawing/2014/main" xmlns="" w="9525">
                   <a:solidFill>
                     <a:srgbClr val="000000"/>
                   </a:solidFill>
@@ -25074,7 +25079,7 @@
             </a:ln>
             <a:extLst>
               <a:ext uri="{91240B29-F687-4f45-9708-019B960494DF}">
-                <a14:hiddenLine xmlns="" xmlns:a16="http://schemas.microsoft.com/office/drawing/2014/main" xmlns:p14="http://schemas.microsoft.com/office/powerpoint/2010/main" xmlns:a14="http://schemas.microsoft.com/office/drawing/2010/main" w="9525">
+                <a14:hiddenLine xmlns:a14="http://schemas.microsoft.com/office/drawing/2010/main" xmlns:p14="http://schemas.microsoft.com/office/powerpoint/2010/main" xmlns:a16="http://schemas.microsoft.com/office/drawing/2014/main" xmlns="" w="9525">
                   <a:solidFill>
                     <a:srgbClr val="000000"/>
                   </a:solidFill>
@@ -25179,7 +25184,7 @@
             </a:ln>
             <a:extLst>
               <a:ext uri="{91240B29-F687-4f45-9708-019B960494DF}">
-                <a14:hiddenLine xmlns="" xmlns:a16="http://schemas.microsoft.com/office/drawing/2014/main" xmlns:p14="http://schemas.microsoft.com/office/powerpoint/2010/main" xmlns:a14="http://schemas.microsoft.com/office/drawing/2010/main" w="9525">
+                <a14:hiddenLine xmlns:a14="http://schemas.microsoft.com/office/drawing/2010/main" xmlns:p14="http://schemas.microsoft.com/office/powerpoint/2010/main" xmlns:a16="http://schemas.microsoft.com/office/drawing/2014/main" xmlns="" w="9525">
                   <a:solidFill>
                     <a:srgbClr val="000000"/>
                   </a:solidFill>

--- a/doc/Presentación_mitad_de_curso_JuanEspinosayNachoRodriguez.pptx
+++ b/doc/Presentación_mitad_de_curso_JuanEspinosayNachoRodriguez.pptx
@@ -5,7 +5,7 @@
     <p:sldMasterId id="2147483648" r:id="rId1"/>
   </p:sldMasterIdLst>
   <p:notesMasterIdLst>
-    <p:notesMasterId r:id="rId13"/>
+    <p:notesMasterId r:id="rId14"/>
   </p:notesMasterIdLst>
   <p:sldIdLst>
     <p:sldId id="256" r:id="rId2"/>
@@ -14,11 +14,12 @@
     <p:sldId id="267" r:id="rId5"/>
     <p:sldId id="259" r:id="rId6"/>
     <p:sldId id="260" r:id="rId7"/>
-    <p:sldId id="261" r:id="rId8"/>
-    <p:sldId id="264" r:id="rId9"/>
-    <p:sldId id="265" r:id="rId10"/>
-    <p:sldId id="266" r:id="rId11"/>
-    <p:sldId id="268" r:id="rId12"/>
+    <p:sldId id="269" r:id="rId8"/>
+    <p:sldId id="261" r:id="rId9"/>
+    <p:sldId id="264" r:id="rId10"/>
+    <p:sldId id="265" r:id="rId11"/>
+    <p:sldId id="266" r:id="rId12"/>
+    <p:sldId id="268" r:id="rId13"/>
   </p:sldIdLst>
   <p:sldSz cx="12192000" cy="6858000"/>
   <p:notesSz cx="6858000" cy="9144000"/>
@@ -1508,7 +1509,7 @@
           <a:p>
             <a:fld id="{850C8A68-B0DA-436B-AE1F-7E2DFF33396B}" type="slidenum">
               <a:rPr lang="es-ES" smtClean="0"/>
-              <a:t>7</a:t>
+              <a:t>8</a:t>
             </a:fld>
             <a:endParaRPr lang="es-ES"/>
           </a:p>
@@ -1584,7 +1585,7 @@
           <a:noFill/>
           <a:extLst>
             <a:ext uri="{909E8E84-426E-40dd-AFC4-6F175D3DCCD1}">
-              <a14:hiddenFill xmlns:a14="http://schemas.microsoft.com/office/drawing/2010/main" xmlns="">
+              <a14:hiddenFill xmlns="" xmlns:a14="http://schemas.microsoft.com/office/drawing/2010/main">
                 <a:solidFill>
                   <a:srgbClr val="FFFFFF"/>
                 </a:solidFill>
@@ -1643,7 +1644,7 @@
             </a:ln>
             <a:extLst>
               <a:ext uri="{91240B29-F687-4f45-9708-019B960494DF}">
-                <a14:hiddenLine xmlns:a14="http://schemas.microsoft.com/office/drawing/2010/main" xmlns="" w="9525">
+                <a14:hiddenLine xmlns="" xmlns:a14="http://schemas.microsoft.com/office/drawing/2010/main" w="9525">
                   <a:solidFill>
                     <a:srgbClr val="000000"/>
                   </a:solidFill>
@@ -1733,7 +1734,7 @@
             </a:ln>
             <a:extLst>
               <a:ext uri="{91240B29-F687-4f45-9708-019B960494DF}">
-                <a14:hiddenLine xmlns:a14="http://schemas.microsoft.com/office/drawing/2010/main" xmlns="" w="9525">
+                <a14:hiddenLine xmlns="" xmlns:a14="http://schemas.microsoft.com/office/drawing/2010/main" w="9525">
                   <a:solidFill>
                     <a:srgbClr val="000000"/>
                   </a:solidFill>
@@ -1823,7 +1824,7 @@
             </a:ln>
             <a:extLst>
               <a:ext uri="{91240B29-F687-4f45-9708-019B960494DF}">
-                <a14:hiddenLine xmlns:a14="http://schemas.microsoft.com/office/drawing/2010/main" xmlns="" w="9525">
+                <a14:hiddenLine xmlns="" xmlns:a14="http://schemas.microsoft.com/office/drawing/2010/main" w="9525">
                   <a:solidFill>
                     <a:srgbClr val="000000"/>
                   </a:solidFill>
@@ -1857,7 +1858,7 @@
             </a:ln>
             <a:extLst>
               <a:ext uri="{91240B29-F687-4f45-9708-019B960494DF}">
-                <a14:hiddenLine xmlns:a14="http://schemas.microsoft.com/office/drawing/2010/main" xmlns="" w="9525">
+                <a14:hiddenLine xmlns="" xmlns:a14="http://schemas.microsoft.com/office/drawing/2010/main" w="9525">
                   <a:solidFill>
                     <a:srgbClr val="000000"/>
                   </a:solidFill>
@@ -1947,7 +1948,7 @@
             </a:ln>
             <a:extLst>
               <a:ext uri="{91240B29-F687-4f45-9708-019B960494DF}">
-                <a14:hiddenLine xmlns:a14="http://schemas.microsoft.com/office/drawing/2010/main" xmlns="" w="9525">
+                <a14:hiddenLine xmlns="" xmlns:a14="http://schemas.microsoft.com/office/drawing/2010/main" w="9525">
                   <a:solidFill>
                     <a:srgbClr val="000000"/>
                   </a:solidFill>
@@ -2009,7 +2010,7 @@
             </a:ln>
             <a:extLst>
               <a:ext uri="{91240B29-F687-4f45-9708-019B960494DF}">
-                <a14:hiddenLine xmlns:a14="http://schemas.microsoft.com/office/drawing/2010/main" xmlns="" w="9525">
+                <a14:hiddenLine xmlns="" xmlns:a14="http://schemas.microsoft.com/office/drawing/2010/main" w="9525">
                   <a:solidFill>
                     <a:srgbClr val="000000"/>
                   </a:solidFill>
@@ -2071,7 +2072,7 @@
             </a:ln>
             <a:extLst>
               <a:ext uri="{91240B29-F687-4f45-9708-019B960494DF}">
-                <a14:hiddenLine xmlns:a14="http://schemas.microsoft.com/office/drawing/2010/main" xmlns="" w="9525">
+                <a14:hiddenLine xmlns="" xmlns:a14="http://schemas.microsoft.com/office/drawing/2010/main" w="9525">
                   <a:solidFill>
                     <a:srgbClr val="000000"/>
                   </a:solidFill>
@@ -2161,7 +2162,7 @@
             </a:ln>
             <a:extLst>
               <a:ext uri="{91240B29-F687-4f45-9708-019B960494DF}">
-                <a14:hiddenLine xmlns:a14="http://schemas.microsoft.com/office/drawing/2010/main" xmlns="" w="9525">
+                <a14:hiddenLine xmlns="" xmlns:a14="http://schemas.microsoft.com/office/drawing/2010/main" w="9525">
                   <a:solidFill>
                     <a:srgbClr val="000000"/>
                   </a:solidFill>
@@ -2223,7 +2224,7 @@
             </a:ln>
             <a:extLst>
               <a:ext uri="{91240B29-F687-4f45-9708-019B960494DF}">
-                <a14:hiddenLine xmlns:a14="http://schemas.microsoft.com/office/drawing/2010/main" xmlns="" w="9525">
+                <a14:hiddenLine xmlns="" xmlns:a14="http://schemas.microsoft.com/office/drawing/2010/main" w="9525">
                   <a:solidFill>
                     <a:srgbClr val="000000"/>
                   </a:solidFill>
@@ -2285,7 +2286,7 @@
             </a:ln>
             <a:extLst>
               <a:ext uri="{91240B29-F687-4f45-9708-019B960494DF}">
-                <a14:hiddenLine xmlns:a14="http://schemas.microsoft.com/office/drawing/2010/main" xmlns="" w="9525">
+                <a14:hiddenLine xmlns="" xmlns:a14="http://schemas.microsoft.com/office/drawing/2010/main" w="9525">
                   <a:solidFill>
                     <a:srgbClr val="000000"/>
                   </a:solidFill>
@@ -2375,7 +2376,7 @@
             </a:ln>
             <a:extLst>
               <a:ext uri="{91240B29-F687-4f45-9708-019B960494DF}">
-                <a14:hiddenLine xmlns:a14="http://schemas.microsoft.com/office/drawing/2010/main" xmlns="" w="9525">
+                <a14:hiddenLine xmlns="" xmlns:a14="http://schemas.microsoft.com/office/drawing/2010/main" w="9525">
                   <a:solidFill>
                     <a:srgbClr val="000000"/>
                   </a:solidFill>
@@ -2465,7 +2466,7 @@
             </a:ln>
             <a:extLst>
               <a:ext uri="{91240B29-F687-4f45-9708-019B960494DF}">
-                <a14:hiddenLine xmlns:a14="http://schemas.microsoft.com/office/drawing/2010/main" xmlns="" w="9525">
+                <a14:hiddenLine xmlns="" xmlns:a14="http://schemas.microsoft.com/office/drawing/2010/main" w="9525">
                   <a:solidFill>
                     <a:srgbClr val="000000"/>
                   </a:solidFill>
@@ -2527,7 +2528,7 @@
             </a:ln>
             <a:extLst>
               <a:ext uri="{91240B29-F687-4f45-9708-019B960494DF}">
-                <a14:hiddenLine xmlns:a14="http://schemas.microsoft.com/office/drawing/2010/main" xmlns="" w="9525">
+                <a14:hiddenLine xmlns="" xmlns:a14="http://schemas.microsoft.com/office/drawing/2010/main" w="9525">
                   <a:solidFill>
                     <a:srgbClr val="000000"/>
                   </a:solidFill>
@@ -2637,7 +2638,7 @@
             </a:ln>
             <a:extLst>
               <a:ext uri="{91240B29-F687-4f45-9708-019B960494DF}">
-                <a14:hiddenLine xmlns:a14="http://schemas.microsoft.com/office/drawing/2010/main" xmlns="" w="9525">
+                <a14:hiddenLine xmlns="" xmlns:a14="http://schemas.microsoft.com/office/drawing/2010/main" w="9525">
                   <a:solidFill>
                     <a:srgbClr val="000000"/>
                   </a:solidFill>
@@ -2699,7 +2700,7 @@
             </a:ln>
             <a:extLst>
               <a:ext uri="{91240B29-F687-4f45-9708-019B960494DF}">
-                <a14:hiddenLine xmlns:a14="http://schemas.microsoft.com/office/drawing/2010/main" xmlns="" w="9525">
+                <a14:hiddenLine xmlns="" xmlns:a14="http://schemas.microsoft.com/office/drawing/2010/main" w="9525">
                   <a:solidFill>
                     <a:srgbClr val="000000"/>
                   </a:solidFill>
@@ -2789,7 +2790,7 @@
             </a:ln>
             <a:extLst>
               <a:ext uri="{91240B29-F687-4f45-9708-019B960494DF}">
-                <a14:hiddenLine xmlns:a14="http://schemas.microsoft.com/office/drawing/2010/main" xmlns="" w="9525">
+                <a14:hiddenLine xmlns="" xmlns:a14="http://schemas.microsoft.com/office/drawing/2010/main" w="9525">
                   <a:solidFill>
                     <a:srgbClr val="000000"/>
                   </a:solidFill>
@@ -2879,7 +2880,7 @@
             </a:ln>
             <a:extLst>
               <a:ext uri="{91240B29-F687-4f45-9708-019B960494DF}">
-                <a14:hiddenLine xmlns:a14="http://schemas.microsoft.com/office/drawing/2010/main" xmlns="" w="9525">
+                <a14:hiddenLine xmlns="" xmlns:a14="http://schemas.microsoft.com/office/drawing/2010/main" w="9525">
                   <a:solidFill>
                     <a:srgbClr val="000000"/>
                   </a:solidFill>
@@ -2941,7 +2942,7 @@
             </a:ln>
             <a:extLst>
               <a:ext uri="{91240B29-F687-4f45-9708-019B960494DF}">
-                <a14:hiddenLine xmlns:a14="http://schemas.microsoft.com/office/drawing/2010/main" xmlns="" w="9525">
+                <a14:hiddenLine xmlns="" xmlns:a14="http://schemas.microsoft.com/office/drawing/2010/main" w="9525">
                   <a:solidFill>
                     <a:srgbClr val="000000"/>
                   </a:solidFill>
@@ -3031,7 +3032,7 @@
             </a:ln>
             <a:extLst>
               <a:ext uri="{91240B29-F687-4f45-9708-019B960494DF}">
-                <a14:hiddenLine xmlns:a14="http://schemas.microsoft.com/office/drawing/2010/main" xmlns="" w="9525">
+                <a14:hiddenLine xmlns="" xmlns:a14="http://schemas.microsoft.com/office/drawing/2010/main" w="9525">
                   <a:solidFill>
                     <a:srgbClr val="000000"/>
                   </a:solidFill>
@@ -3121,7 +3122,7 @@
             </a:ln>
             <a:extLst>
               <a:ext uri="{91240B29-F687-4f45-9708-019B960494DF}">
-                <a14:hiddenLine xmlns:a14="http://schemas.microsoft.com/office/drawing/2010/main" xmlns="" w="9525">
+                <a14:hiddenLine xmlns="" xmlns:a14="http://schemas.microsoft.com/office/drawing/2010/main" w="9525">
                   <a:solidFill>
                     <a:srgbClr val="000000"/>
                   </a:solidFill>
@@ -3177,7 +3178,7 @@
             </a:ln>
             <a:extLst>
               <a:ext uri="{91240B29-F687-4f45-9708-019B960494DF}">
-                <a14:hiddenLine xmlns:a14="http://schemas.microsoft.com/office/drawing/2010/main" xmlns="" w="9525">
+                <a14:hiddenLine xmlns="" xmlns:a14="http://schemas.microsoft.com/office/drawing/2010/main" w="9525">
                   <a:solidFill>
                     <a:srgbClr val="000000"/>
                   </a:solidFill>
@@ -3267,7 +3268,7 @@
             </a:ln>
             <a:extLst>
               <a:ext uri="{91240B29-F687-4f45-9708-019B960494DF}">
-                <a14:hiddenLine xmlns:a14="http://schemas.microsoft.com/office/drawing/2010/main" xmlns="" w="9525">
+                <a14:hiddenLine xmlns="" xmlns:a14="http://schemas.microsoft.com/office/drawing/2010/main" w="9525">
                   <a:solidFill>
                     <a:srgbClr val="000000"/>
                   </a:solidFill>
@@ -3323,7 +3324,7 @@
             </a:ln>
             <a:extLst>
               <a:ext uri="{91240B29-F687-4f45-9708-019B960494DF}">
-                <a14:hiddenLine xmlns:a14="http://schemas.microsoft.com/office/drawing/2010/main" xmlns="" w="9525">
+                <a14:hiddenLine xmlns="" xmlns:a14="http://schemas.microsoft.com/office/drawing/2010/main" w="9525">
                   <a:solidFill>
                     <a:srgbClr val="000000"/>
                   </a:solidFill>
@@ -3413,7 +3414,7 @@
             </a:ln>
             <a:extLst>
               <a:ext uri="{91240B29-F687-4f45-9708-019B960494DF}">
-                <a14:hiddenLine xmlns:a14="http://schemas.microsoft.com/office/drawing/2010/main" xmlns="" w="9525">
+                <a14:hiddenLine xmlns="" xmlns:a14="http://schemas.microsoft.com/office/drawing/2010/main" w="9525">
                   <a:solidFill>
                     <a:srgbClr val="000000"/>
                   </a:solidFill>
@@ -3481,7 +3482,7 @@
             </a:ln>
             <a:extLst>
               <a:ext uri="{91240B29-F687-4f45-9708-019B960494DF}">
-                <a14:hiddenLine xmlns:a14="http://schemas.microsoft.com/office/drawing/2010/main" xmlns="" w="9525">
+                <a14:hiddenLine xmlns="" xmlns:a14="http://schemas.microsoft.com/office/drawing/2010/main" w="9525">
                   <a:solidFill>
                     <a:srgbClr val="000000"/>
                   </a:solidFill>
@@ -3571,7 +3572,7 @@
             </a:ln>
             <a:extLst>
               <a:ext uri="{91240B29-F687-4f45-9708-019B960494DF}">
-                <a14:hiddenLine xmlns:a14="http://schemas.microsoft.com/office/drawing/2010/main" xmlns="" w="9525">
+                <a14:hiddenLine xmlns="" xmlns:a14="http://schemas.microsoft.com/office/drawing/2010/main" w="9525">
                   <a:solidFill>
                     <a:srgbClr val="000000"/>
                   </a:solidFill>
@@ -3639,7 +3640,7 @@
             </a:ln>
             <a:extLst>
               <a:ext uri="{91240B29-F687-4f45-9708-019B960494DF}">
-                <a14:hiddenLine xmlns:a14="http://schemas.microsoft.com/office/drawing/2010/main" xmlns="" w="9525">
+                <a14:hiddenLine xmlns="" xmlns:a14="http://schemas.microsoft.com/office/drawing/2010/main" w="9525">
                   <a:solidFill>
                     <a:srgbClr val="000000"/>
                   </a:solidFill>
@@ -3729,7 +3730,7 @@
             </a:ln>
             <a:extLst>
               <a:ext uri="{91240B29-F687-4f45-9708-019B960494DF}">
-                <a14:hiddenLine xmlns:a14="http://schemas.microsoft.com/office/drawing/2010/main" xmlns="" w="9525">
+                <a14:hiddenLine xmlns="" xmlns:a14="http://schemas.microsoft.com/office/drawing/2010/main" w="9525">
                   <a:solidFill>
                     <a:srgbClr val="000000"/>
                   </a:solidFill>
@@ -3763,7 +3764,7 @@
             </a:ln>
             <a:extLst>
               <a:ext uri="{91240B29-F687-4f45-9708-019B960494DF}">
-                <a14:hiddenLine xmlns:a14="http://schemas.microsoft.com/office/drawing/2010/main" xmlns="" w="9525">
+                <a14:hiddenLine xmlns="" xmlns:a14="http://schemas.microsoft.com/office/drawing/2010/main" w="9525">
                   <a:solidFill>
                     <a:srgbClr val="000000"/>
                   </a:solidFill>
@@ -3853,7 +3854,7 @@
             </a:ln>
             <a:extLst>
               <a:ext uri="{91240B29-F687-4f45-9708-019B960494DF}">
-                <a14:hiddenLine xmlns:a14="http://schemas.microsoft.com/office/drawing/2010/main" xmlns="" w="9525">
+                <a14:hiddenLine xmlns="" xmlns:a14="http://schemas.microsoft.com/office/drawing/2010/main" w="9525">
                   <a:solidFill>
                     <a:srgbClr val="000000"/>
                   </a:solidFill>
@@ -3915,7 +3916,7 @@
             </a:ln>
             <a:extLst>
               <a:ext uri="{91240B29-F687-4f45-9708-019B960494DF}">
-                <a14:hiddenLine xmlns:a14="http://schemas.microsoft.com/office/drawing/2010/main" xmlns="" w="9525">
+                <a14:hiddenLine xmlns="" xmlns:a14="http://schemas.microsoft.com/office/drawing/2010/main" w="9525">
                   <a:solidFill>
                     <a:srgbClr val="000000"/>
                   </a:solidFill>
@@ -3977,7 +3978,7 @@
             </a:ln>
             <a:extLst>
               <a:ext uri="{91240B29-F687-4f45-9708-019B960494DF}">
-                <a14:hiddenLine xmlns:a14="http://schemas.microsoft.com/office/drawing/2010/main" xmlns="" w="9525">
+                <a14:hiddenLine xmlns="" xmlns:a14="http://schemas.microsoft.com/office/drawing/2010/main" w="9525">
                   <a:solidFill>
                     <a:srgbClr val="000000"/>
                   </a:solidFill>
@@ -4067,7 +4068,7 @@
             </a:ln>
             <a:extLst>
               <a:ext uri="{91240B29-F687-4f45-9708-019B960494DF}">
-                <a14:hiddenLine xmlns:a14="http://schemas.microsoft.com/office/drawing/2010/main" xmlns="" w="9525">
+                <a14:hiddenLine xmlns="" xmlns:a14="http://schemas.microsoft.com/office/drawing/2010/main" w="9525">
                   <a:solidFill>
                     <a:srgbClr val="000000"/>
                   </a:solidFill>
@@ -4135,7 +4136,7 @@
             </a:ln>
             <a:extLst>
               <a:ext uri="{91240B29-F687-4f45-9708-019B960494DF}">
-                <a14:hiddenLine xmlns:a14="http://schemas.microsoft.com/office/drawing/2010/main" xmlns="" w="9525">
+                <a14:hiddenLine xmlns="" xmlns:a14="http://schemas.microsoft.com/office/drawing/2010/main" w="9525">
                   <a:solidFill>
                     <a:srgbClr val="000000"/>
                   </a:solidFill>
@@ -4197,7 +4198,7 @@
             </a:ln>
             <a:extLst>
               <a:ext uri="{91240B29-F687-4f45-9708-019B960494DF}">
-                <a14:hiddenLine xmlns:a14="http://schemas.microsoft.com/office/drawing/2010/main" xmlns="" w="9525">
+                <a14:hiddenLine xmlns="" xmlns:a14="http://schemas.microsoft.com/office/drawing/2010/main" w="9525">
                   <a:solidFill>
                     <a:srgbClr val="000000"/>
                   </a:solidFill>
@@ -4287,7 +4288,7 @@
             </a:ln>
             <a:extLst>
               <a:ext uri="{91240B29-F687-4f45-9708-019B960494DF}">
-                <a14:hiddenLine xmlns:a14="http://schemas.microsoft.com/office/drawing/2010/main" xmlns="" w="9525">
+                <a14:hiddenLine xmlns="" xmlns:a14="http://schemas.microsoft.com/office/drawing/2010/main" w="9525">
                   <a:solidFill>
                     <a:srgbClr val="000000"/>
                   </a:solidFill>
@@ -4349,7 +4350,7 @@
             </a:ln>
             <a:extLst>
               <a:ext uri="{91240B29-F687-4f45-9708-019B960494DF}">
-                <a14:hiddenLine xmlns:a14="http://schemas.microsoft.com/office/drawing/2010/main" xmlns="" w="9525">
+                <a14:hiddenLine xmlns="" xmlns:a14="http://schemas.microsoft.com/office/drawing/2010/main" w="9525">
                   <a:solidFill>
                     <a:srgbClr val="000000"/>
                   </a:solidFill>
@@ -4439,7 +4440,7 @@
             </a:ln>
             <a:extLst>
               <a:ext uri="{91240B29-F687-4f45-9708-019B960494DF}">
-                <a14:hiddenLine xmlns:a14="http://schemas.microsoft.com/office/drawing/2010/main" xmlns="" w="9525">
+                <a14:hiddenLine xmlns="" xmlns:a14="http://schemas.microsoft.com/office/drawing/2010/main" w="9525">
                   <a:solidFill>
                     <a:srgbClr val="000000"/>
                   </a:solidFill>
@@ -4501,7 +4502,7 @@
             </a:ln>
             <a:extLst>
               <a:ext uri="{91240B29-F687-4f45-9708-019B960494DF}">
-                <a14:hiddenLine xmlns:a14="http://schemas.microsoft.com/office/drawing/2010/main" xmlns="" w="9525">
+                <a14:hiddenLine xmlns="" xmlns:a14="http://schemas.microsoft.com/office/drawing/2010/main" w="9525">
                   <a:solidFill>
                     <a:srgbClr val="000000"/>
                   </a:solidFill>
@@ -4591,7 +4592,7 @@
             </a:ln>
             <a:extLst>
               <a:ext uri="{91240B29-F687-4f45-9708-019B960494DF}">
-                <a14:hiddenLine xmlns:a14="http://schemas.microsoft.com/office/drawing/2010/main" xmlns="" w="9525">
+                <a14:hiddenLine xmlns="" xmlns:a14="http://schemas.microsoft.com/office/drawing/2010/main" w="9525">
                   <a:solidFill>
                     <a:srgbClr val="000000"/>
                   </a:solidFill>
@@ -4625,7 +4626,7 @@
             </a:ln>
             <a:extLst>
               <a:ext uri="{91240B29-F687-4f45-9708-019B960494DF}">
-                <a14:hiddenLine xmlns:a14="http://schemas.microsoft.com/office/drawing/2010/main" xmlns="" w="9525">
+                <a14:hiddenLine xmlns="" xmlns:a14="http://schemas.microsoft.com/office/drawing/2010/main" w="9525">
                   <a:solidFill>
                     <a:srgbClr val="000000"/>
                   </a:solidFill>
@@ -4690,7 +4691,7 @@
             </a:ln>
             <a:extLst>
               <a:ext uri="{91240B29-F687-4f45-9708-019B960494DF}">
-                <a14:hiddenLine xmlns:a14="http://schemas.microsoft.com/office/drawing/2010/main" xmlns="" w="9525">
+                <a14:hiddenLine xmlns="" xmlns:a14="http://schemas.microsoft.com/office/drawing/2010/main" w="9525">
                   <a:solidFill>
                     <a:srgbClr val="000000"/>
                   </a:solidFill>
@@ -4780,7 +4781,7 @@
             </a:ln>
             <a:extLst>
               <a:ext uri="{91240B29-F687-4f45-9708-019B960494DF}">
-                <a14:hiddenLine xmlns:a14="http://schemas.microsoft.com/office/drawing/2010/main" xmlns="" w="9525">
+                <a14:hiddenLine xmlns="" xmlns:a14="http://schemas.microsoft.com/office/drawing/2010/main" w="9525">
                   <a:solidFill>
                     <a:srgbClr val="000000"/>
                   </a:solidFill>
@@ -4842,7 +4843,7 @@
             </a:ln>
             <a:extLst>
               <a:ext uri="{91240B29-F687-4f45-9708-019B960494DF}">
-                <a14:hiddenLine xmlns:a14="http://schemas.microsoft.com/office/drawing/2010/main" xmlns="" w="9525">
+                <a14:hiddenLine xmlns="" xmlns:a14="http://schemas.microsoft.com/office/drawing/2010/main" w="9525">
                   <a:solidFill>
                     <a:srgbClr val="000000"/>
                   </a:solidFill>
@@ -4932,7 +4933,7 @@
             </a:ln>
             <a:extLst>
               <a:ext uri="{91240B29-F687-4f45-9708-019B960494DF}">
-                <a14:hiddenLine xmlns:a14="http://schemas.microsoft.com/office/drawing/2010/main" xmlns="" w="9525">
+                <a14:hiddenLine xmlns="" xmlns:a14="http://schemas.microsoft.com/office/drawing/2010/main" w="9525">
                   <a:solidFill>
                     <a:srgbClr val="000000"/>
                   </a:solidFill>
@@ -5022,7 +5023,7 @@
             </a:ln>
             <a:extLst>
               <a:ext uri="{91240B29-F687-4f45-9708-019B960494DF}">
-                <a14:hiddenLine xmlns:a14="http://schemas.microsoft.com/office/drawing/2010/main" xmlns="" w="9525">
+                <a14:hiddenLine xmlns="" xmlns:a14="http://schemas.microsoft.com/office/drawing/2010/main" w="9525">
                   <a:solidFill>
                     <a:srgbClr val="000000"/>
                   </a:solidFill>
@@ -5087,7 +5088,7 @@
             </a:ln>
             <a:extLst>
               <a:ext uri="{91240B29-F687-4f45-9708-019B960494DF}">
-                <a14:hiddenLine xmlns:a14="http://schemas.microsoft.com/office/drawing/2010/main" xmlns="" w="9525">
+                <a14:hiddenLine xmlns="" xmlns:a14="http://schemas.microsoft.com/office/drawing/2010/main" w="9525">
                   <a:solidFill>
                     <a:srgbClr val="000000"/>
                   </a:solidFill>
@@ -5149,7 +5150,7 @@
             </a:ln>
             <a:extLst>
               <a:ext uri="{91240B29-F687-4f45-9708-019B960494DF}">
-                <a14:hiddenLine xmlns:a14="http://schemas.microsoft.com/office/drawing/2010/main" xmlns="" w="9525">
+                <a14:hiddenLine xmlns="" xmlns:a14="http://schemas.microsoft.com/office/drawing/2010/main" w="9525">
                   <a:solidFill>
                     <a:srgbClr val="000000"/>
                   </a:solidFill>
@@ -5239,7 +5240,7 @@
             </a:ln>
             <a:extLst>
               <a:ext uri="{91240B29-F687-4f45-9708-019B960494DF}">
-                <a14:hiddenLine xmlns:a14="http://schemas.microsoft.com/office/drawing/2010/main" xmlns="" w="9525">
+                <a14:hiddenLine xmlns="" xmlns:a14="http://schemas.microsoft.com/office/drawing/2010/main" w="9525">
                   <a:solidFill>
                     <a:srgbClr val="000000"/>
                   </a:solidFill>
@@ -5329,7 +5330,7 @@
             </a:ln>
             <a:extLst>
               <a:ext uri="{91240B29-F687-4f45-9708-019B960494DF}">
-                <a14:hiddenLine xmlns:a14="http://schemas.microsoft.com/office/drawing/2010/main" xmlns="" w="9525">
+                <a14:hiddenLine xmlns="" xmlns:a14="http://schemas.microsoft.com/office/drawing/2010/main" w="9525">
                   <a:solidFill>
                     <a:srgbClr val="000000"/>
                   </a:solidFill>
@@ -5391,7 +5392,7 @@
             </a:ln>
             <a:extLst>
               <a:ext uri="{91240B29-F687-4f45-9708-019B960494DF}">
-                <a14:hiddenLine xmlns:a14="http://schemas.microsoft.com/office/drawing/2010/main" xmlns="" w="9525">
+                <a14:hiddenLine xmlns="" xmlns:a14="http://schemas.microsoft.com/office/drawing/2010/main" w="9525">
                   <a:solidFill>
                     <a:srgbClr val="000000"/>
                   </a:solidFill>
@@ -5511,7 +5512,7 @@
             </a:ln>
             <a:extLst>
               <a:ext uri="{91240B29-F687-4f45-9708-019B960494DF}">
-                <a14:hiddenLine xmlns:a14="http://schemas.microsoft.com/office/drawing/2010/main" xmlns="" w="9525">
+                <a14:hiddenLine xmlns="" xmlns:a14="http://schemas.microsoft.com/office/drawing/2010/main" w="9525">
                   <a:solidFill>
                     <a:srgbClr val="000000"/>
                   </a:solidFill>
@@ -5579,7 +5580,7 @@
             </a:ln>
             <a:extLst>
               <a:ext uri="{91240B29-F687-4f45-9708-019B960494DF}">
-                <a14:hiddenLine xmlns:a14="http://schemas.microsoft.com/office/drawing/2010/main" xmlns="" w="9525">
+                <a14:hiddenLine xmlns="" xmlns:a14="http://schemas.microsoft.com/office/drawing/2010/main" w="9525">
                   <a:solidFill>
                     <a:srgbClr val="000000"/>
                   </a:solidFill>
@@ -5669,7 +5670,7 @@
             </a:ln>
             <a:extLst>
               <a:ext uri="{91240B29-F687-4f45-9708-019B960494DF}">
-                <a14:hiddenLine xmlns:a14="http://schemas.microsoft.com/office/drawing/2010/main" xmlns="" w="9525">
+                <a14:hiddenLine xmlns="" xmlns:a14="http://schemas.microsoft.com/office/drawing/2010/main" w="9525">
                   <a:solidFill>
                     <a:srgbClr val="000000"/>
                   </a:solidFill>
@@ -10398,7 +10399,7 @@
           <a:noFill/>
           <a:extLst>
             <a:ext uri="{909E8E84-426E-40dd-AFC4-6F175D3DCCD1}">
-              <a14:hiddenFill xmlns:a14="http://schemas.microsoft.com/office/drawing/2010/main" xmlns="">
+              <a14:hiddenFill xmlns="" xmlns:a14="http://schemas.microsoft.com/office/drawing/2010/main">
                 <a:solidFill>
                   <a:srgbClr val="FFFFFF"/>
                 </a:solidFill>
@@ -10472,7 +10473,7 @@
               </a:ln>
               <a:extLst>
                 <a:ext uri="{91240B29-F687-4f45-9708-019B960494DF}">
-                  <a14:hiddenLine xmlns:a14="http://schemas.microsoft.com/office/drawing/2010/main" xmlns="" w="9525">
+                  <a14:hiddenLine xmlns="" xmlns:a14="http://schemas.microsoft.com/office/drawing/2010/main" w="9525">
                     <a:solidFill>
                       <a:srgbClr val="000000"/>
                     </a:solidFill>
@@ -10562,7 +10563,7 @@
               </a:ln>
               <a:extLst>
                 <a:ext uri="{91240B29-F687-4f45-9708-019B960494DF}">
-                  <a14:hiddenLine xmlns:a14="http://schemas.microsoft.com/office/drawing/2010/main" xmlns="" w="9525">
+                  <a14:hiddenLine xmlns="" xmlns:a14="http://schemas.microsoft.com/office/drawing/2010/main" w="9525">
                     <a:solidFill>
                       <a:srgbClr val="000000"/>
                     </a:solidFill>
@@ -10652,7 +10653,7 @@
               </a:ln>
               <a:extLst>
                 <a:ext uri="{91240B29-F687-4f45-9708-019B960494DF}">
-                  <a14:hiddenLine xmlns:a14="http://schemas.microsoft.com/office/drawing/2010/main" xmlns="" w="9525">
+                  <a14:hiddenLine xmlns="" xmlns:a14="http://schemas.microsoft.com/office/drawing/2010/main" w="9525">
                     <a:solidFill>
                       <a:srgbClr val="000000"/>
                     </a:solidFill>
@@ -10714,7 +10715,7 @@
               </a:ln>
               <a:extLst>
                 <a:ext uri="{91240B29-F687-4f45-9708-019B960494DF}">
-                  <a14:hiddenLine xmlns:a14="http://schemas.microsoft.com/office/drawing/2010/main" xmlns="" w="9525">
+                  <a14:hiddenLine xmlns="" xmlns:a14="http://schemas.microsoft.com/office/drawing/2010/main" w="9525">
                     <a:solidFill>
                       <a:srgbClr val="000000"/>
                     </a:solidFill>
@@ -10804,7 +10805,7 @@
               </a:ln>
               <a:extLst>
                 <a:ext uri="{91240B29-F687-4f45-9708-019B960494DF}">
-                  <a14:hiddenLine xmlns:a14="http://schemas.microsoft.com/office/drawing/2010/main" xmlns="" w="9525">
+                  <a14:hiddenLine xmlns="" xmlns:a14="http://schemas.microsoft.com/office/drawing/2010/main" w="9525">
                     <a:solidFill>
                       <a:srgbClr val="000000"/>
                     </a:solidFill>
@@ -10866,7 +10867,7 @@
               </a:ln>
               <a:extLst>
                 <a:ext uri="{91240B29-F687-4f45-9708-019B960494DF}">
-                  <a14:hiddenLine xmlns:a14="http://schemas.microsoft.com/office/drawing/2010/main" xmlns="" w="9525">
+                  <a14:hiddenLine xmlns="" xmlns:a14="http://schemas.microsoft.com/office/drawing/2010/main" w="9525">
                     <a:solidFill>
                       <a:srgbClr val="000000"/>
                     </a:solidFill>
@@ -10928,7 +10929,7 @@
               </a:ln>
               <a:extLst>
                 <a:ext uri="{91240B29-F687-4f45-9708-019B960494DF}">
-                  <a14:hiddenLine xmlns:a14="http://schemas.microsoft.com/office/drawing/2010/main" xmlns="" w="9525">
+                  <a14:hiddenLine xmlns="" xmlns:a14="http://schemas.microsoft.com/office/drawing/2010/main" w="9525">
                     <a:solidFill>
                       <a:srgbClr val="000000"/>
                     </a:solidFill>
@@ -11018,7 +11019,7 @@
               </a:ln>
               <a:extLst>
                 <a:ext uri="{91240B29-F687-4f45-9708-019B960494DF}">
-                  <a14:hiddenLine xmlns:a14="http://schemas.microsoft.com/office/drawing/2010/main" xmlns="" w="9525">
+                  <a14:hiddenLine xmlns="" xmlns:a14="http://schemas.microsoft.com/office/drawing/2010/main" w="9525">
                     <a:solidFill>
                       <a:srgbClr val="000000"/>
                     </a:solidFill>
@@ -11108,7 +11109,7 @@
               </a:ln>
               <a:extLst>
                 <a:ext uri="{91240B29-F687-4f45-9708-019B960494DF}">
-                  <a14:hiddenLine xmlns:a14="http://schemas.microsoft.com/office/drawing/2010/main" xmlns="" w="9525">
+                  <a14:hiddenLine xmlns="" xmlns:a14="http://schemas.microsoft.com/office/drawing/2010/main" w="9525">
                     <a:solidFill>
                       <a:srgbClr val="000000"/>
                     </a:solidFill>
@@ -11170,7 +11171,7 @@
               </a:ln>
               <a:extLst>
                 <a:ext uri="{91240B29-F687-4f45-9708-019B960494DF}">
-                  <a14:hiddenLine xmlns:a14="http://schemas.microsoft.com/office/drawing/2010/main" xmlns="" w="9525">
+                  <a14:hiddenLine xmlns="" xmlns:a14="http://schemas.microsoft.com/office/drawing/2010/main" w="9525">
                     <a:solidFill>
                       <a:srgbClr val="000000"/>
                     </a:solidFill>
@@ -11280,7 +11281,7 @@
               </a:ln>
               <a:extLst>
                 <a:ext uri="{91240B29-F687-4f45-9708-019B960494DF}">
-                  <a14:hiddenLine xmlns:a14="http://schemas.microsoft.com/office/drawing/2010/main" xmlns="" w="9525">
+                  <a14:hiddenLine xmlns="" xmlns:a14="http://schemas.microsoft.com/office/drawing/2010/main" w="9525">
                     <a:solidFill>
                       <a:srgbClr val="000000"/>
                     </a:solidFill>
@@ -11364,7 +11365,7 @@
               </a:ln>
               <a:extLst>
                 <a:ext uri="{91240B29-F687-4f45-9708-019B960494DF}">
-                  <a14:hiddenLine xmlns:a14="http://schemas.microsoft.com/office/drawing/2010/main" xmlns="" w="9525">
+                  <a14:hiddenLine xmlns="" xmlns:a14="http://schemas.microsoft.com/office/drawing/2010/main" w="9525">
                     <a:solidFill>
                       <a:srgbClr val="000000"/>
                     </a:solidFill>
@@ -11426,7 +11427,7 @@
               </a:ln>
               <a:extLst>
                 <a:ext uri="{91240B29-F687-4f45-9708-019B960494DF}">
-                  <a14:hiddenLine xmlns:a14="http://schemas.microsoft.com/office/drawing/2010/main" xmlns="" w="9525">
+                  <a14:hiddenLine xmlns="" xmlns:a14="http://schemas.microsoft.com/office/drawing/2010/main" w="9525">
                     <a:solidFill>
                       <a:srgbClr val="000000"/>
                     </a:solidFill>
@@ -11488,7 +11489,7 @@
               </a:ln>
               <a:extLst>
                 <a:ext uri="{91240B29-F687-4f45-9708-019B960494DF}">
-                  <a14:hiddenLine xmlns:a14="http://schemas.microsoft.com/office/drawing/2010/main" xmlns="" w="9525">
+                  <a14:hiddenLine xmlns="" xmlns:a14="http://schemas.microsoft.com/office/drawing/2010/main" w="9525">
                     <a:solidFill>
                       <a:srgbClr val="000000"/>
                     </a:solidFill>
@@ -11578,7 +11579,7 @@
               </a:ln>
               <a:extLst>
                 <a:ext uri="{91240B29-F687-4f45-9708-019B960494DF}">
-                  <a14:hiddenLine xmlns:a14="http://schemas.microsoft.com/office/drawing/2010/main" xmlns="" w="9525">
+                  <a14:hiddenLine xmlns="" xmlns:a14="http://schemas.microsoft.com/office/drawing/2010/main" w="9525">
                     <a:solidFill>
                       <a:srgbClr val="000000"/>
                     </a:solidFill>
@@ -11612,7 +11613,7 @@
               </a:ln>
               <a:extLst>
                 <a:ext uri="{91240B29-F687-4f45-9708-019B960494DF}">
-                  <a14:hiddenLine xmlns:a14="http://schemas.microsoft.com/office/drawing/2010/main" xmlns="" w="9525">
+                  <a14:hiddenLine xmlns="" xmlns:a14="http://schemas.microsoft.com/office/drawing/2010/main" w="9525">
                     <a:solidFill>
                       <a:srgbClr val="000000"/>
                     </a:solidFill>
@@ -11677,7 +11678,7 @@
               </a:ln>
               <a:extLst>
                 <a:ext uri="{91240B29-F687-4f45-9708-019B960494DF}">
-                  <a14:hiddenLine xmlns:a14="http://schemas.microsoft.com/office/drawing/2010/main" xmlns="" w="9525">
+                  <a14:hiddenLine xmlns="" xmlns:a14="http://schemas.microsoft.com/office/drawing/2010/main" w="9525">
                     <a:solidFill>
                       <a:srgbClr val="000000"/>
                     </a:solidFill>
@@ -11767,7 +11768,7 @@
               </a:ln>
               <a:extLst>
                 <a:ext uri="{91240B29-F687-4f45-9708-019B960494DF}">
-                  <a14:hiddenLine xmlns:a14="http://schemas.microsoft.com/office/drawing/2010/main" xmlns="" w="9525">
+                  <a14:hiddenLine xmlns="" xmlns:a14="http://schemas.microsoft.com/office/drawing/2010/main" w="9525">
                     <a:solidFill>
                       <a:srgbClr val="000000"/>
                     </a:solidFill>
@@ -11829,7 +11830,7 @@
               </a:ln>
               <a:extLst>
                 <a:ext uri="{91240B29-F687-4f45-9708-019B960494DF}">
-                  <a14:hiddenLine xmlns:a14="http://schemas.microsoft.com/office/drawing/2010/main" xmlns="" w="9525">
+                  <a14:hiddenLine xmlns="" xmlns:a14="http://schemas.microsoft.com/office/drawing/2010/main" w="9525">
                     <a:solidFill>
                       <a:srgbClr val="000000"/>
                     </a:solidFill>
@@ -11919,7 +11920,7 @@
               </a:ln>
               <a:extLst>
                 <a:ext uri="{91240B29-F687-4f45-9708-019B960494DF}">
-                  <a14:hiddenLine xmlns:a14="http://schemas.microsoft.com/office/drawing/2010/main" xmlns="" w="9525">
+                  <a14:hiddenLine xmlns="" xmlns:a14="http://schemas.microsoft.com/office/drawing/2010/main" w="9525">
                     <a:solidFill>
                       <a:srgbClr val="000000"/>
                     </a:solidFill>
@@ -11984,7 +11985,7 @@
               </a:ln>
               <a:extLst>
                 <a:ext uri="{91240B29-F687-4f45-9708-019B960494DF}">
-                  <a14:hiddenLine xmlns:a14="http://schemas.microsoft.com/office/drawing/2010/main" xmlns="" w="9525">
+                  <a14:hiddenLine xmlns="" xmlns:a14="http://schemas.microsoft.com/office/drawing/2010/main" w="9525">
                     <a:solidFill>
                       <a:srgbClr val="000000"/>
                     </a:solidFill>
@@ -12046,7 +12047,7 @@
               </a:ln>
               <a:extLst>
                 <a:ext uri="{91240B29-F687-4f45-9708-019B960494DF}">
-                  <a14:hiddenLine xmlns:a14="http://schemas.microsoft.com/office/drawing/2010/main" xmlns="" w="9525">
+                  <a14:hiddenLine xmlns="" xmlns:a14="http://schemas.microsoft.com/office/drawing/2010/main" w="9525">
                     <a:solidFill>
                       <a:srgbClr val="000000"/>
                     </a:solidFill>
@@ -12136,7 +12137,7 @@
               </a:ln>
               <a:extLst>
                 <a:ext uri="{91240B29-F687-4f45-9708-019B960494DF}">
-                  <a14:hiddenLine xmlns:a14="http://schemas.microsoft.com/office/drawing/2010/main" xmlns="" w="9525">
+                  <a14:hiddenLine xmlns="" xmlns:a14="http://schemas.microsoft.com/office/drawing/2010/main" w="9525">
                     <a:solidFill>
                       <a:srgbClr val="000000"/>
                     </a:solidFill>
@@ -12226,7 +12227,7 @@
               </a:ln>
               <a:extLst>
                 <a:ext uri="{91240B29-F687-4f45-9708-019B960494DF}">
-                  <a14:hiddenLine xmlns:a14="http://schemas.microsoft.com/office/drawing/2010/main" xmlns="" w="9525">
+                  <a14:hiddenLine xmlns="" xmlns:a14="http://schemas.microsoft.com/office/drawing/2010/main" w="9525">
                     <a:solidFill>
                       <a:srgbClr val="000000"/>
                     </a:solidFill>
@@ -12291,7 +12292,7 @@
               </a:ln>
               <a:extLst>
                 <a:ext uri="{91240B29-F687-4f45-9708-019B960494DF}">
-                  <a14:hiddenLine xmlns:a14="http://schemas.microsoft.com/office/drawing/2010/main" xmlns="" w="9525">
+                  <a14:hiddenLine xmlns="" xmlns:a14="http://schemas.microsoft.com/office/drawing/2010/main" w="9525">
                     <a:solidFill>
                       <a:srgbClr val="000000"/>
                     </a:solidFill>
@@ -12411,7 +12412,7 @@
               </a:ln>
               <a:extLst>
                 <a:ext uri="{91240B29-F687-4f45-9708-019B960494DF}">
-                  <a14:hiddenLine xmlns:a14="http://schemas.microsoft.com/office/drawing/2010/main" xmlns="" w="9525">
+                  <a14:hiddenLine xmlns="" xmlns:a14="http://schemas.microsoft.com/office/drawing/2010/main" w="9525">
                     <a:solidFill>
                       <a:srgbClr val="000000"/>
                     </a:solidFill>
@@ -12492,7 +12493,7 @@
               </a:ln>
               <a:extLst>
                 <a:ext uri="{91240B29-F687-4f45-9708-019B960494DF}">
-                  <a14:hiddenLine xmlns:a14="http://schemas.microsoft.com/office/drawing/2010/main" xmlns="" w="9525">
+                  <a14:hiddenLine xmlns="" xmlns:a14="http://schemas.microsoft.com/office/drawing/2010/main" w="9525">
                     <a:solidFill>
                       <a:srgbClr val="000000"/>
                     </a:solidFill>
@@ -12607,7 +12608,7 @@
               </a:ln>
               <a:extLst>
                 <a:ext uri="{91240B29-F687-4f45-9708-019B960494DF}">
-                  <a14:hiddenLine xmlns:a14="http://schemas.microsoft.com/office/drawing/2010/main" xmlns="" w="9525">
+                  <a14:hiddenLine xmlns="" xmlns:a14="http://schemas.microsoft.com/office/drawing/2010/main" w="9525">
                     <a:solidFill>
                       <a:srgbClr val="000000"/>
                     </a:solidFill>
@@ -12697,7 +12698,7 @@
               </a:ln>
               <a:extLst>
                 <a:ext uri="{91240B29-F687-4f45-9708-019B960494DF}">
-                  <a14:hiddenLine xmlns:a14="http://schemas.microsoft.com/office/drawing/2010/main" xmlns="" w="9525">
+                  <a14:hiddenLine xmlns="" xmlns:a14="http://schemas.microsoft.com/office/drawing/2010/main" w="9525">
                     <a:solidFill>
                       <a:srgbClr val="000000"/>
                     </a:solidFill>
@@ -12762,7 +12763,7 @@
               </a:ln>
               <a:extLst>
                 <a:ext uri="{91240B29-F687-4f45-9708-019B960494DF}">
-                  <a14:hiddenLine xmlns:a14="http://schemas.microsoft.com/office/drawing/2010/main" xmlns="" w="9525">
+                  <a14:hiddenLine xmlns="" xmlns:a14="http://schemas.microsoft.com/office/drawing/2010/main" w="9525">
                     <a:solidFill>
                       <a:srgbClr val="000000"/>
                     </a:solidFill>
@@ -12852,7 +12853,7 @@
               </a:ln>
               <a:extLst>
                 <a:ext uri="{91240B29-F687-4f45-9708-019B960494DF}">
-                  <a14:hiddenLine xmlns:a14="http://schemas.microsoft.com/office/drawing/2010/main" xmlns="" w="9525">
+                  <a14:hiddenLine xmlns="" xmlns:a14="http://schemas.microsoft.com/office/drawing/2010/main" w="9525">
                     <a:solidFill>
                       <a:srgbClr val="000000"/>
                     </a:solidFill>
@@ -12920,7 +12921,7 @@
               </a:ln>
               <a:extLst>
                 <a:ext uri="{91240B29-F687-4f45-9708-019B960494DF}">
-                  <a14:hiddenLine xmlns:a14="http://schemas.microsoft.com/office/drawing/2010/main" xmlns="" w="9525">
+                  <a14:hiddenLine xmlns="" xmlns:a14="http://schemas.microsoft.com/office/drawing/2010/main" w="9525">
                     <a:solidFill>
                       <a:srgbClr val="000000"/>
                     </a:solidFill>
@@ -13010,7 +13011,7 @@
               </a:ln>
               <a:extLst>
                 <a:ext uri="{91240B29-F687-4f45-9708-019B960494DF}">
-                  <a14:hiddenLine xmlns:a14="http://schemas.microsoft.com/office/drawing/2010/main" xmlns="" w="9525">
+                  <a14:hiddenLine xmlns="" xmlns:a14="http://schemas.microsoft.com/office/drawing/2010/main" w="9525">
                     <a:solidFill>
                       <a:srgbClr val="000000"/>
                     </a:solidFill>
@@ -13078,7 +13079,7 @@
               </a:ln>
               <a:extLst>
                 <a:ext uri="{91240B29-F687-4f45-9708-019B960494DF}">
-                  <a14:hiddenLine xmlns:a14="http://schemas.microsoft.com/office/drawing/2010/main" xmlns="" w="9525">
+                  <a14:hiddenLine xmlns="" xmlns:a14="http://schemas.microsoft.com/office/drawing/2010/main" w="9525">
                     <a:solidFill>
                       <a:srgbClr val="000000"/>
                     </a:solidFill>
@@ -13168,7 +13169,7 @@
               </a:ln>
               <a:extLst>
                 <a:ext uri="{91240B29-F687-4f45-9708-019B960494DF}">
-                  <a14:hiddenLine xmlns:a14="http://schemas.microsoft.com/office/drawing/2010/main" xmlns="" w="9525">
+                  <a14:hiddenLine xmlns="" xmlns:a14="http://schemas.microsoft.com/office/drawing/2010/main" w="9525">
                     <a:solidFill>
                       <a:srgbClr val="000000"/>
                     </a:solidFill>
@@ -13202,7 +13203,7 @@
               </a:ln>
               <a:extLst>
                 <a:ext uri="{91240B29-F687-4f45-9708-019B960494DF}">
-                  <a14:hiddenLine xmlns:a14="http://schemas.microsoft.com/office/drawing/2010/main" xmlns="" w="9525">
+                  <a14:hiddenLine xmlns="" xmlns:a14="http://schemas.microsoft.com/office/drawing/2010/main" w="9525">
                     <a:solidFill>
                       <a:srgbClr val="000000"/>
                     </a:solidFill>
@@ -13950,6 +13951,399 @@
           <p:cNvPr id="2" name="Título 1">
             <a:extLst>
               <a:ext uri="{FF2B5EF4-FFF2-40B4-BE49-F238E27FC236}">
+                <a16:creationId xmlns:a16="http://schemas.microsoft.com/office/drawing/2014/main" id="{0B53C395-6A93-4510-A283-29FAB0B571E7}"/>
+              </a:ext>
+            </a:extLst>
+          </p:cNvPr>
+          <p:cNvSpPr>
+            <a:spLocks noGrp="1"/>
+          </p:cNvSpPr>
+          <p:nvPr>
+            <p:ph type="title"/>
+          </p:nvPr>
+        </p:nvSpPr>
+        <p:spPr/>
+        <p:txBody>
+          <a:bodyPr/>
+          <a:lstStyle/>
+          <a:p>
+            <a:pPr algn="ctr"/>
+            <a:r>
+              <a:rPr lang="es-ES" sz="3600" dirty="0"/>
+              <a:t>Tablas en SQL</a:t>
+            </a:r>
+            <a:endParaRPr lang="es-ES" dirty="0"/>
+          </a:p>
+        </p:txBody>
+      </p:sp>
+      <p:sp>
+        <p:nvSpPr>
+          <p:cNvPr id="3" name="CuadroTexto 2">
+            <a:extLst>
+              <a:ext uri="{FF2B5EF4-FFF2-40B4-BE49-F238E27FC236}">
+                <a16:creationId xmlns:a16="http://schemas.microsoft.com/office/drawing/2014/main" id="{4B0C2612-28DF-4F24-841E-690DA9FB3249}"/>
+              </a:ext>
+            </a:extLst>
+          </p:cNvPr>
+          <p:cNvSpPr txBox="1"/>
+          <p:nvPr/>
+        </p:nvSpPr>
+        <p:spPr>
+          <a:xfrm>
+            <a:off x="1785938" y="2097088"/>
+            <a:ext cx="2328266" cy="3970318"/>
+          </a:xfrm>
+          <a:prstGeom prst="rect">
+            <a:avLst/>
+          </a:prstGeom>
+          <a:noFill/>
+        </p:spPr>
+        <p:txBody>
+          <a:bodyPr wrap="none" rtlCol="0">
+            <a:spAutoFit/>
+          </a:bodyPr>
+          <a:lstStyle/>
+          <a:p>
+            <a:r>
+              <a:rPr lang="es-ES" dirty="0"/>
+              <a:t>	Enfermeros:</a:t>
+            </a:r>
+          </a:p>
+          <a:p>
+            <a:pPr marL="742950" lvl="1" indent="-285750">
+              <a:buFont typeface="Arial" panose="020B0604020202020204" pitchFamily="34" charset="0"/>
+              <a:buChar char="•"/>
+            </a:pPr>
+            <a:r>
+              <a:rPr lang="es-ES" dirty="0"/>
+              <a:t>Id.</a:t>
+            </a:r>
+          </a:p>
+          <a:p>
+            <a:pPr marL="742950" lvl="1" indent="-285750">
+              <a:buFont typeface="Arial" panose="020B0604020202020204" pitchFamily="34" charset="0"/>
+              <a:buChar char="•"/>
+            </a:pPr>
+            <a:r>
+              <a:rPr lang="es-ES" dirty="0"/>
+              <a:t>Nombre.</a:t>
+            </a:r>
+          </a:p>
+          <a:p>
+            <a:pPr marL="742950" lvl="1" indent="-285750">
+              <a:buFont typeface="Arial" panose="020B0604020202020204" pitchFamily="34" charset="0"/>
+              <a:buChar char="•"/>
+            </a:pPr>
+            <a:r>
+              <a:rPr lang="es-ES" dirty="0"/>
+              <a:t>Edad.</a:t>
+            </a:r>
+          </a:p>
+          <a:p>
+            <a:pPr marL="742950" lvl="1" indent="-285750">
+              <a:buFont typeface="Arial" panose="020B0604020202020204" pitchFamily="34" charset="0"/>
+              <a:buChar char="•"/>
+            </a:pPr>
+            <a:endParaRPr lang="es-ES" dirty="0"/>
+          </a:p>
+          <a:p>
+            <a:pPr lvl="1"/>
+            <a:r>
+              <a:rPr lang="es-ES" dirty="0"/>
+              <a:t>Pacientes:</a:t>
+            </a:r>
+          </a:p>
+          <a:p>
+            <a:pPr marL="742950" lvl="1" indent="-285750">
+              <a:buFont typeface="Arial" panose="020B0604020202020204" pitchFamily="34" charset="0"/>
+              <a:buChar char="•"/>
+            </a:pPr>
+            <a:r>
+              <a:rPr lang="es-ES" dirty="0"/>
+              <a:t>Id.</a:t>
+            </a:r>
+          </a:p>
+          <a:p>
+            <a:pPr marL="742950" lvl="1" indent="-285750">
+              <a:buFont typeface="Arial" panose="020B0604020202020204" pitchFamily="34" charset="0"/>
+              <a:buChar char="•"/>
+            </a:pPr>
+            <a:r>
+              <a:rPr lang="es-ES" dirty="0"/>
+              <a:t>Nombre.</a:t>
+            </a:r>
+          </a:p>
+          <a:p>
+            <a:pPr marL="742950" lvl="1" indent="-285750">
+              <a:buFont typeface="Arial" panose="020B0604020202020204" pitchFamily="34" charset="0"/>
+              <a:buChar char="•"/>
+            </a:pPr>
+            <a:r>
+              <a:rPr lang="es-ES" dirty="0"/>
+              <a:t>Edad.</a:t>
+            </a:r>
+          </a:p>
+          <a:p>
+            <a:pPr marL="742950" lvl="1" indent="-285750">
+              <a:buFont typeface="Arial" panose="020B0604020202020204" pitchFamily="34" charset="0"/>
+              <a:buChar char="•"/>
+            </a:pPr>
+            <a:r>
+              <a:rPr lang="es-ES" dirty="0"/>
+              <a:t>Sexo.</a:t>
+            </a:r>
+          </a:p>
+          <a:p>
+            <a:pPr marL="742950" lvl="1" indent="-285750">
+              <a:buFont typeface="Arial" panose="020B0604020202020204" pitchFamily="34" charset="0"/>
+              <a:buChar char="•"/>
+            </a:pPr>
+            <a:r>
+              <a:rPr lang="es-ES" dirty="0"/>
+              <a:t>Motivo Ingreso.</a:t>
+            </a:r>
+          </a:p>
+          <a:p>
+            <a:pPr marL="742950" lvl="1" indent="-285750">
+              <a:buFont typeface="Arial" panose="020B0604020202020204" pitchFamily="34" charset="0"/>
+              <a:buChar char="•"/>
+            </a:pPr>
+            <a:r>
+              <a:rPr lang="es-ES" dirty="0"/>
+              <a:t>Fecha Ingreso.</a:t>
+            </a:r>
+          </a:p>
+          <a:p>
+            <a:pPr marL="742950" lvl="1" indent="-285750">
+              <a:buFont typeface="Arial" panose="020B0604020202020204" pitchFamily="34" charset="0"/>
+              <a:buChar char="•"/>
+            </a:pPr>
+            <a:r>
+              <a:rPr lang="es-ES" dirty="0"/>
+              <a:t>Id Doctor.</a:t>
+            </a:r>
+          </a:p>
+          <a:p>
+            <a:pPr marL="742950" lvl="1" indent="-285750">
+              <a:buFont typeface="Arial" panose="020B0604020202020204" pitchFamily="34" charset="0"/>
+              <a:buChar char="•"/>
+            </a:pPr>
+            <a:r>
+              <a:rPr lang="es-ES" dirty="0"/>
+              <a:t>Id Habitación.</a:t>
+            </a:r>
+          </a:p>
+        </p:txBody>
+      </p:sp>
+      <p:pic>
+        <p:nvPicPr>
+          <p:cNvPr id="5" name="Imagen 4" descr="Interfaz de usuario gráfica, Aplicación&#10;&#10;Descripción generada automáticamente">
+            <a:extLst>
+              <a:ext uri="{FF2B5EF4-FFF2-40B4-BE49-F238E27FC236}">
+                <a16:creationId xmlns:a16="http://schemas.microsoft.com/office/drawing/2014/main" id="{1A1FFDBB-511F-4328-A496-43523430E5C7}"/>
+              </a:ext>
+            </a:extLst>
+          </p:cNvPr>
+          <p:cNvPicPr>
+            <a:picLocks noChangeAspect="1"/>
+          </p:cNvPicPr>
+          <p:nvPr/>
+        </p:nvPicPr>
+        <p:blipFill>
+          <a:blip r:embed="rId2"/>
+          <a:stretch>
+            <a:fillRect/>
+          </a:stretch>
+        </p:blipFill>
+        <p:spPr>
+          <a:xfrm>
+            <a:off x="7000741" y="2097088"/>
+            <a:ext cx="2857634" cy="1147819"/>
+          </a:xfrm>
+          <a:prstGeom prst="rect">
+            <a:avLst/>
+          </a:prstGeom>
+        </p:spPr>
+      </p:pic>
+      <p:sp>
+        <p:nvSpPr>
+          <p:cNvPr id="8" name="Flecha: a la derecha 7">
+            <a:extLst>
+              <a:ext uri="{FF2B5EF4-FFF2-40B4-BE49-F238E27FC236}">
+                <a16:creationId xmlns:a16="http://schemas.microsoft.com/office/drawing/2014/main" id="{C230310A-102E-4502-BAB1-070895E63FF7}"/>
+              </a:ext>
+            </a:extLst>
+          </p:cNvPr>
+          <p:cNvSpPr/>
+          <p:nvPr/>
+        </p:nvSpPr>
+        <p:spPr>
+          <a:xfrm>
+            <a:off x="5068268" y="2520728"/>
+            <a:ext cx="978408" cy="484632"/>
+          </a:xfrm>
+          <a:prstGeom prst="rightArrow">
+            <a:avLst/>
+          </a:prstGeom>
+          <a:solidFill>
+            <a:schemeClr val="bg2">
+              <a:lumMod val="50000"/>
+              <a:lumOff val="50000"/>
+            </a:schemeClr>
+          </a:solidFill>
+          <a:ln>
+            <a:solidFill>
+              <a:schemeClr val="bg1"/>
+            </a:solidFill>
+          </a:ln>
+        </p:spPr>
+        <p:style>
+          <a:lnRef idx="2">
+            <a:schemeClr val="accent1">
+              <a:shade val="50000"/>
+            </a:schemeClr>
+          </a:lnRef>
+          <a:fillRef idx="1">
+            <a:schemeClr val="accent1"/>
+          </a:fillRef>
+          <a:effectRef idx="0">
+            <a:schemeClr val="accent1"/>
+          </a:effectRef>
+          <a:fontRef idx="minor">
+            <a:schemeClr val="lt1"/>
+          </a:fontRef>
+        </p:style>
+        <p:txBody>
+          <a:bodyPr rtlCol="0" anchor="ctr"/>
+          <a:lstStyle/>
+          <a:p>
+            <a:pPr algn="ctr"/>
+            <a:endParaRPr lang="es-ES"/>
+          </a:p>
+        </p:txBody>
+      </p:sp>
+      <p:sp>
+        <p:nvSpPr>
+          <p:cNvPr id="9" name="Flecha: a la derecha 8">
+            <a:extLst>
+              <a:ext uri="{FF2B5EF4-FFF2-40B4-BE49-F238E27FC236}">
+                <a16:creationId xmlns:a16="http://schemas.microsoft.com/office/drawing/2014/main" id="{DCA61AC1-34A3-4F1F-AEF6-4D08439CCAB1}"/>
+              </a:ext>
+            </a:extLst>
+          </p:cNvPr>
+          <p:cNvSpPr/>
+          <p:nvPr/>
+        </p:nvSpPr>
+        <p:spPr>
+          <a:xfrm>
+            <a:off x="5068268" y="4518597"/>
+            <a:ext cx="978408" cy="484632"/>
+          </a:xfrm>
+          <a:prstGeom prst="rightArrow">
+            <a:avLst/>
+          </a:prstGeom>
+          <a:solidFill>
+            <a:schemeClr val="bg2">
+              <a:lumMod val="50000"/>
+              <a:lumOff val="50000"/>
+            </a:schemeClr>
+          </a:solidFill>
+          <a:ln>
+            <a:solidFill>
+              <a:schemeClr val="bg1"/>
+            </a:solidFill>
+          </a:ln>
+        </p:spPr>
+        <p:style>
+          <a:lnRef idx="2">
+            <a:schemeClr val="accent1">
+              <a:shade val="50000"/>
+            </a:schemeClr>
+          </a:lnRef>
+          <a:fillRef idx="1">
+            <a:schemeClr val="accent1"/>
+          </a:fillRef>
+          <a:effectRef idx="0">
+            <a:schemeClr val="accent1"/>
+          </a:effectRef>
+          <a:fontRef idx="minor">
+            <a:schemeClr val="lt1"/>
+          </a:fontRef>
+        </p:style>
+        <p:txBody>
+          <a:bodyPr rtlCol="0" anchor="ctr"/>
+          <a:lstStyle/>
+          <a:p>
+            <a:pPr algn="ctr"/>
+            <a:endParaRPr lang="es-ES"/>
+          </a:p>
+        </p:txBody>
+      </p:sp>
+      <p:pic>
+        <p:nvPicPr>
+          <p:cNvPr id="6" name="Imagen 5" descr="Interfaz de usuario gráfica, Aplicación&#10;&#10;Descripción generada automáticamente">
+            <a:extLst>
+              <a:ext uri="{FF2B5EF4-FFF2-40B4-BE49-F238E27FC236}">
+                <a16:creationId xmlns:a16="http://schemas.microsoft.com/office/drawing/2014/main" id="{A3847EAB-E76F-4675-817D-63B7F4AA1AAF}"/>
+              </a:ext>
+            </a:extLst>
+          </p:cNvPr>
+          <p:cNvPicPr>
+            <a:picLocks noChangeAspect="1"/>
+          </p:cNvPicPr>
+          <p:nvPr/>
+        </p:nvPicPr>
+        <p:blipFill>
+          <a:blip r:embed="rId3"/>
+          <a:stretch>
+            <a:fillRect/>
+          </a:stretch>
+        </p:blipFill>
+        <p:spPr>
+          <a:xfrm>
+            <a:off x="7000739" y="3613093"/>
+            <a:ext cx="2857633" cy="2544655"/>
+          </a:xfrm>
+          <a:prstGeom prst="rect">
+            <a:avLst/>
+          </a:prstGeom>
+        </p:spPr>
+      </p:pic>
+    </p:spTree>
+    <p:extLst>
+      <p:ext uri="{BB962C8B-B14F-4D97-AF65-F5344CB8AC3E}">
+        <p14:creationId xmlns:p14="http://schemas.microsoft.com/office/powerpoint/2010/main" val="156054493"/>
+      </p:ext>
+    </p:extLst>
+  </p:cSld>
+  <p:clrMapOvr>
+    <a:masterClrMapping/>
+  </p:clrMapOvr>
+</p:sld>
+</file>
+
+<file path=ppt/slides/slide11.xml><?xml version="1.0" encoding="utf-8"?>
+<p:sld xmlns:a="http://schemas.openxmlformats.org/drawingml/2006/main" xmlns:r="http://schemas.openxmlformats.org/officeDocument/2006/relationships" xmlns:p="http://schemas.openxmlformats.org/presentationml/2006/main">
+  <p:cSld>
+    <p:spTree>
+      <p:nvGrpSpPr>
+        <p:cNvPr id="1" name=""/>
+        <p:cNvGrpSpPr/>
+        <p:nvPr/>
+      </p:nvGrpSpPr>
+      <p:grpSpPr>
+        <a:xfrm>
+          <a:off x="0" y="0"/>
+          <a:ext cx="0" cy="0"/>
+          <a:chOff x="0" y="0"/>
+          <a:chExt cx="0" cy="0"/>
+        </a:xfrm>
+      </p:grpSpPr>
+      <p:sp>
+        <p:nvSpPr>
+          <p:cNvPr id="2" name="Título 1">
+            <a:extLst>
+              <a:ext uri="{FF2B5EF4-FFF2-40B4-BE49-F238E27FC236}">
                 <a16:creationId xmlns:a16="http://schemas.microsoft.com/office/drawing/2014/main" id="{CF671BC0-D702-4B14-A755-913591B15581}"/>
               </a:ext>
             </a:extLst>
@@ -14265,7 +14659,7 @@
 </p:sld>
 </file>
 
-<file path=ppt/slides/slide11.xml><?xml version="1.0" encoding="utf-8"?>
+<file path=ppt/slides/slide12.xml><?xml version="1.0" encoding="utf-8"?>
 <p:sld xmlns:a="http://schemas.openxmlformats.org/drawingml/2006/main" xmlns:r="http://schemas.openxmlformats.org/officeDocument/2006/relationships" xmlns:p="http://schemas.openxmlformats.org/presentationml/2006/main">
   <p:cSld>
     <p:spTree>
@@ -15189,6 +15583,111 @@
     <p:bg>
       <p:bgPr>
         <a:solidFill>
+          <a:schemeClr val="tx1"/>
+        </a:solidFill>
+        <a:effectLst/>
+      </p:bgPr>
+    </p:bg>
+    <p:spTree>
+      <p:nvGrpSpPr>
+        <p:cNvPr id="1" name=""/>
+        <p:cNvGrpSpPr/>
+        <p:nvPr/>
+      </p:nvGrpSpPr>
+      <p:grpSpPr>
+        <a:xfrm>
+          <a:off x="0" y="0"/>
+          <a:ext cx="0" cy="0"/>
+          <a:chOff x="0" y="0"/>
+          <a:chExt cx="0" cy="0"/>
+        </a:xfrm>
+      </p:grpSpPr>
+      <p:sp>
+        <p:nvSpPr>
+          <p:cNvPr id="2" name="Título 1">
+            <a:extLst>
+              <a:ext uri="{FF2B5EF4-FFF2-40B4-BE49-F238E27FC236}">
+                <a16:creationId xmlns:a16="http://schemas.microsoft.com/office/drawing/2014/main" id="{368ACDE4-D06F-4659-8105-8194AAE7058F}"/>
+              </a:ext>
+            </a:extLst>
+          </p:cNvPr>
+          <p:cNvSpPr>
+            <a:spLocks noGrp="1"/>
+          </p:cNvSpPr>
+          <p:nvPr>
+            <p:ph type="title"/>
+          </p:nvPr>
+        </p:nvSpPr>
+        <p:spPr>
+          <a:xfrm>
+            <a:off x="1143001" y="182968"/>
+            <a:ext cx="9905998" cy="830454"/>
+          </a:xfrm>
+        </p:spPr>
+        <p:txBody>
+          <a:bodyPr/>
+          <a:lstStyle/>
+          <a:p>
+            <a:pPr algn="ctr"/>
+            <a:r>
+              <a:rPr lang="es-ES" dirty="0">
+                <a:solidFill>
+                  <a:schemeClr val="bg1"/>
+                </a:solidFill>
+              </a:rPr>
+              <a:t>Diagrama de clases</a:t>
+            </a:r>
+          </a:p>
+        </p:txBody>
+      </p:sp>
+      <p:pic>
+        <p:nvPicPr>
+          <p:cNvPr id="6" name="Marcador de contenido 5" descr="Aplicación&#10;&#10;Descripción generada automáticamente con confianza media">
+            <a:extLst>
+              <a:ext uri="{FF2B5EF4-FFF2-40B4-BE49-F238E27FC236}">
+                <a16:creationId xmlns:a16="http://schemas.microsoft.com/office/drawing/2014/main" id="{FB97F4BC-A444-3F5C-DAEE-F09D80EE0303}"/>
+              </a:ext>
+            </a:extLst>
+          </p:cNvPr>
+          <p:cNvPicPr>
+            <a:picLocks noGrp="1" noChangeAspect="1"/>
+          </p:cNvPicPr>
+          <p:nvPr>
+            <p:ph idx="1"/>
+          </p:nvPr>
+        </p:nvPicPr>
+        <p:blipFill>
+          <a:blip r:embed="rId2"/>
+          <a:stretch>
+            <a:fillRect/>
+          </a:stretch>
+        </p:blipFill>
+        <p:spPr>
+          <a:xfrm>
+            <a:off x="2181379" y="1340626"/>
+            <a:ext cx="7991321" cy="5132008"/>
+          </a:xfrm>
+        </p:spPr>
+      </p:pic>
+    </p:spTree>
+    <p:extLst>
+      <p:ext uri="{BB962C8B-B14F-4D97-AF65-F5344CB8AC3E}">
+        <p14:creationId xmlns:p14="http://schemas.microsoft.com/office/powerpoint/2010/main" val="4183573313"/>
+      </p:ext>
+    </p:extLst>
+  </p:cSld>
+  <p:clrMapOvr>
+    <a:masterClrMapping/>
+  </p:clrMapOvr>
+</p:sld>
+</file>
+
+<file path=ppt/slides/slide8.xml><?xml version="1.0" encoding="utf-8"?>
+<p:sld xmlns:a="http://schemas.openxmlformats.org/drawingml/2006/main" xmlns:r="http://schemas.openxmlformats.org/officeDocument/2006/relationships" xmlns:p="http://schemas.openxmlformats.org/presentationml/2006/main">
+  <p:cSld>
+    <p:bg>
+      <p:bgPr>
+        <a:solidFill>
           <a:schemeClr val="bg2"/>
         </a:solidFill>
         <a:effectLst/>
@@ -15256,7 +15755,7 @@
           <a:noFill/>
           <a:extLst>
             <a:ext uri="{909E8E84-426E-40dd-AFC4-6F175D3DCCD1}">
-              <a14:hiddenFill xmlns:a14="http://schemas.microsoft.com/office/drawing/2010/main" xmlns:a16="http://schemas.microsoft.com/office/drawing/2014/main" xmlns="">
+              <a14:hiddenFill xmlns="" xmlns:a16="http://schemas.microsoft.com/office/drawing/2014/main" xmlns:a14="http://schemas.microsoft.com/office/drawing/2010/main">
                 <a:solidFill>
                   <a:srgbClr val="FFFFFF"/>
                 </a:solidFill>
@@ -15348,7 +15847,7 @@
             </a:ln>
             <a:extLst>
               <a:ext uri="{91240B29-F687-4f45-9708-019B960494DF}">
-                <a14:hiddenLine xmlns:a14="http://schemas.microsoft.com/office/drawing/2010/main" xmlns:a16="http://schemas.microsoft.com/office/drawing/2014/main" xmlns="" w="9525">
+                <a14:hiddenLine xmlns="" xmlns:a16="http://schemas.microsoft.com/office/drawing/2014/main" xmlns:a14="http://schemas.microsoft.com/office/drawing/2010/main" w="9525">
                   <a:solidFill>
                     <a:srgbClr val="000000"/>
                   </a:solidFill>
@@ -15453,7 +15952,7 @@
             </a:ln>
             <a:extLst>
               <a:ext uri="{91240B29-F687-4f45-9708-019B960494DF}">
-                <a14:hiddenLine xmlns:a14="http://schemas.microsoft.com/office/drawing/2010/main" xmlns:a16="http://schemas.microsoft.com/office/drawing/2014/main" xmlns="" w="9525">
+                <a14:hiddenLine xmlns="" xmlns:a16="http://schemas.microsoft.com/office/drawing/2014/main" xmlns:a14="http://schemas.microsoft.com/office/drawing/2010/main" w="9525">
                   <a:solidFill>
                     <a:srgbClr val="000000"/>
                   </a:solidFill>
@@ -15558,7 +16057,7 @@
             </a:ln>
             <a:extLst>
               <a:ext uri="{91240B29-F687-4f45-9708-019B960494DF}">
-                <a14:hiddenLine xmlns:a14="http://schemas.microsoft.com/office/drawing/2010/main" xmlns:a16="http://schemas.microsoft.com/office/drawing/2014/main" xmlns="" w="9525">
+                <a14:hiddenLine xmlns="" xmlns:a16="http://schemas.microsoft.com/office/drawing/2014/main" xmlns:a14="http://schemas.microsoft.com/office/drawing/2010/main" w="9525">
                   <a:solidFill>
                     <a:srgbClr val="000000"/>
                   </a:solidFill>
@@ -15607,7 +16106,7 @@
             </a:ln>
             <a:extLst>
               <a:ext uri="{91240B29-F687-4f45-9708-019B960494DF}">
-                <a14:hiddenLine xmlns:a14="http://schemas.microsoft.com/office/drawing/2010/main" xmlns:a16="http://schemas.microsoft.com/office/drawing/2014/main" xmlns="" w="9525">
+                <a14:hiddenLine xmlns="" xmlns:a16="http://schemas.microsoft.com/office/drawing/2014/main" xmlns:a14="http://schemas.microsoft.com/office/drawing/2010/main" w="9525">
                   <a:solidFill>
                     <a:srgbClr val="000000"/>
                   </a:solidFill>
@@ -15712,7 +16211,7 @@
             </a:ln>
             <a:extLst>
               <a:ext uri="{91240B29-F687-4f45-9708-019B960494DF}">
-                <a14:hiddenLine xmlns:a14="http://schemas.microsoft.com/office/drawing/2010/main" xmlns:a16="http://schemas.microsoft.com/office/drawing/2014/main" xmlns="" w="9525">
+                <a14:hiddenLine xmlns="" xmlns:a16="http://schemas.microsoft.com/office/drawing/2014/main" xmlns:a14="http://schemas.microsoft.com/office/drawing/2010/main" w="9525">
                   <a:solidFill>
                     <a:srgbClr val="000000"/>
                   </a:solidFill>
@@ -15789,7 +16288,7 @@
             </a:ln>
             <a:extLst>
               <a:ext uri="{91240B29-F687-4f45-9708-019B960494DF}">
-                <a14:hiddenLine xmlns:a14="http://schemas.microsoft.com/office/drawing/2010/main" xmlns:a16="http://schemas.microsoft.com/office/drawing/2014/main" xmlns="" w="9525">
+                <a14:hiddenLine xmlns="" xmlns:a16="http://schemas.microsoft.com/office/drawing/2014/main" xmlns:a14="http://schemas.microsoft.com/office/drawing/2010/main" w="9525">
                   <a:solidFill>
                     <a:srgbClr val="000000"/>
                   </a:solidFill>
@@ -15866,7 +16365,7 @@
             </a:ln>
             <a:extLst>
               <a:ext uri="{91240B29-F687-4f45-9708-019B960494DF}">
-                <a14:hiddenLine xmlns:a14="http://schemas.microsoft.com/office/drawing/2010/main" xmlns:a16="http://schemas.microsoft.com/office/drawing/2014/main" xmlns="" w="9525">
+                <a14:hiddenLine xmlns="" xmlns:a16="http://schemas.microsoft.com/office/drawing/2014/main" xmlns:a14="http://schemas.microsoft.com/office/drawing/2010/main" w="9525">
                   <a:solidFill>
                     <a:srgbClr val="000000"/>
                   </a:solidFill>
@@ -15971,7 +16470,7 @@
             </a:ln>
             <a:extLst>
               <a:ext uri="{91240B29-F687-4f45-9708-019B960494DF}">
-                <a14:hiddenLine xmlns:a14="http://schemas.microsoft.com/office/drawing/2010/main" xmlns:a16="http://schemas.microsoft.com/office/drawing/2014/main" xmlns="" w="9525">
+                <a14:hiddenLine xmlns="" xmlns:a16="http://schemas.microsoft.com/office/drawing/2014/main" xmlns:a14="http://schemas.microsoft.com/office/drawing/2010/main" w="9525">
                   <a:solidFill>
                     <a:srgbClr val="000000"/>
                   </a:solidFill>
@@ -16048,7 +16547,7 @@
             </a:ln>
             <a:extLst>
               <a:ext uri="{91240B29-F687-4f45-9708-019B960494DF}">
-                <a14:hiddenLine xmlns:a14="http://schemas.microsoft.com/office/drawing/2010/main" xmlns:a16="http://schemas.microsoft.com/office/drawing/2014/main" xmlns="" w="9525">
+                <a14:hiddenLine xmlns="" xmlns:a16="http://schemas.microsoft.com/office/drawing/2014/main" xmlns:a14="http://schemas.microsoft.com/office/drawing/2010/main" w="9525">
                   <a:solidFill>
                     <a:srgbClr val="000000"/>
                   </a:solidFill>
@@ -16125,7 +16624,7 @@
             </a:ln>
             <a:extLst>
               <a:ext uri="{91240B29-F687-4f45-9708-019B960494DF}">
-                <a14:hiddenLine xmlns:a14="http://schemas.microsoft.com/office/drawing/2010/main" xmlns:a16="http://schemas.microsoft.com/office/drawing/2014/main" xmlns="" w="9525">
+                <a14:hiddenLine xmlns="" xmlns:a16="http://schemas.microsoft.com/office/drawing/2014/main" xmlns:a14="http://schemas.microsoft.com/office/drawing/2010/main" w="9525">
                   <a:solidFill>
                     <a:srgbClr val="000000"/>
                   </a:solidFill>
@@ -16230,7 +16729,7 @@
             </a:ln>
             <a:extLst>
               <a:ext uri="{91240B29-F687-4f45-9708-019B960494DF}">
-                <a14:hiddenLine xmlns:a14="http://schemas.microsoft.com/office/drawing/2010/main" xmlns:a16="http://schemas.microsoft.com/office/drawing/2014/main" xmlns="" w="9525">
+                <a14:hiddenLine xmlns="" xmlns:a16="http://schemas.microsoft.com/office/drawing/2014/main" xmlns:a14="http://schemas.microsoft.com/office/drawing/2010/main" w="9525">
                   <a:solidFill>
                     <a:srgbClr val="000000"/>
                   </a:solidFill>
@@ -16335,7 +16834,7 @@
             </a:ln>
             <a:extLst>
               <a:ext uri="{91240B29-F687-4f45-9708-019B960494DF}">
-                <a14:hiddenLine xmlns:a14="http://schemas.microsoft.com/office/drawing/2010/main" xmlns:a16="http://schemas.microsoft.com/office/drawing/2014/main" xmlns="" w="9525">
+                <a14:hiddenLine xmlns="" xmlns:a16="http://schemas.microsoft.com/office/drawing/2014/main" xmlns:a14="http://schemas.microsoft.com/office/drawing/2010/main" w="9525">
                   <a:solidFill>
                     <a:srgbClr val="000000"/>
                   </a:solidFill>
@@ -16412,7 +16911,7 @@
             </a:ln>
             <a:extLst>
               <a:ext uri="{91240B29-F687-4f45-9708-019B960494DF}">
-                <a14:hiddenLine xmlns:a14="http://schemas.microsoft.com/office/drawing/2010/main" xmlns:a16="http://schemas.microsoft.com/office/drawing/2014/main" xmlns="" w="9525">
+                <a14:hiddenLine xmlns="" xmlns:a16="http://schemas.microsoft.com/office/drawing/2014/main" xmlns:a14="http://schemas.microsoft.com/office/drawing/2010/main" w="9525">
                   <a:solidFill>
                     <a:srgbClr val="000000"/>
                   </a:solidFill>
@@ -16537,7 +17036,7 @@
             </a:ln>
             <a:extLst>
               <a:ext uri="{91240B29-F687-4f45-9708-019B960494DF}">
-                <a14:hiddenLine xmlns:a14="http://schemas.microsoft.com/office/drawing/2010/main" xmlns:a16="http://schemas.microsoft.com/office/drawing/2014/main" xmlns="" w="9525">
+                <a14:hiddenLine xmlns="" xmlns:a16="http://schemas.microsoft.com/office/drawing/2014/main" xmlns:a14="http://schemas.microsoft.com/office/drawing/2010/main" w="9525">
                   <a:solidFill>
                     <a:srgbClr val="000000"/>
                   </a:solidFill>
@@ -16614,7 +17113,7 @@
             </a:ln>
             <a:extLst>
               <a:ext uri="{91240B29-F687-4f45-9708-019B960494DF}">
-                <a14:hiddenLine xmlns:a14="http://schemas.microsoft.com/office/drawing/2010/main" xmlns:a16="http://schemas.microsoft.com/office/drawing/2014/main" xmlns="" w="9525">
+                <a14:hiddenLine xmlns="" xmlns:a16="http://schemas.microsoft.com/office/drawing/2014/main" xmlns:a14="http://schemas.microsoft.com/office/drawing/2010/main" w="9525">
                   <a:solidFill>
                     <a:srgbClr val="000000"/>
                   </a:solidFill>
@@ -16719,7 +17218,7 @@
             </a:ln>
             <a:extLst>
               <a:ext uri="{91240B29-F687-4f45-9708-019B960494DF}">
-                <a14:hiddenLine xmlns:a14="http://schemas.microsoft.com/office/drawing/2010/main" xmlns:a16="http://schemas.microsoft.com/office/drawing/2014/main" xmlns="" w="9525">
+                <a14:hiddenLine xmlns="" xmlns:a16="http://schemas.microsoft.com/office/drawing/2014/main" xmlns:a14="http://schemas.microsoft.com/office/drawing/2010/main" w="9525">
                   <a:solidFill>
                     <a:srgbClr val="000000"/>
                   </a:solidFill>
@@ -16824,7 +17323,7 @@
             </a:ln>
             <a:extLst>
               <a:ext uri="{91240B29-F687-4f45-9708-019B960494DF}">
-                <a14:hiddenLine xmlns:a14="http://schemas.microsoft.com/office/drawing/2010/main" xmlns:a16="http://schemas.microsoft.com/office/drawing/2014/main" xmlns="" w="9525">
+                <a14:hiddenLine xmlns="" xmlns:a16="http://schemas.microsoft.com/office/drawing/2014/main" xmlns:a14="http://schemas.microsoft.com/office/drawing/2010/main" w="9525">
                   <a:solidFill>
                     <a:srgbClr val="000000"/>
                   </a:solidFill>
@@ -16901,7 +17400,7 @@
             </a:ln>
             <a:extLst>
               <a:ext uri="{91240B29-F687-4f45-9708-019B960494DF}">
-                <a14:hiddenLine xmlns:a14="http://schemas.microsoft.com/office/drawing/2010/main" xmlns:a16="http://schemas.microsoft.com/office/drawing/2014/main" xmlns="" w="9525">
+                <a14:hiddenLine xmlns="" xmlns:a16="http://schemas.microsoft.com/office/drawing/2014/main" xmlns:a14="http://schemas.microsoft.com/office/drawing/2010/main" w="9525">
                   <a:solidFill>
                     <a:srgbClr val="000000"/>
                   </a:solidFill>
@@ -17006,7 +17505,7 @@
             </a:ln>
             <a:extLst>
               <a:ext uri="{91240B29-F687-4f45-9708-019B960494DF}">
-                <a14:hiddenLine xmlns:a14="http://schemas.microsoft.com/office/drawing/2010/main" xmlns:a16="http://schemas.microsoft.com/office/drawing/2014/main" xmlns="" w="9525">
+                <a14:hiddenLine xmlns="" xmlns:a16="http://schemas.microsoft.com/office/drawing/2014/main" xmlns:a14="http://schemas.microsoft.com/office/drawing/2010/main" w="9525">
                   <a:solidFill>
                     <a:srgbClr val="000000"/>
                   </a:solidFill>
@@ -17111,7 +17610,7 @@
             </a:ln>
             <a:extLst>
               <a:ext uri="{91240B29-F687-4f45-9708-019B960494DF}">
-                <a14:hiddenLine xmlns:a14="http://schemas.microsoft.com/office/drawing/2010/main" xmlns:a16="http://schemas.microsoft.com/office/drawing/2014/main" xmlns="" w="9525">
+                <a14:hiddenLine xmlns="" xmlns:a16="http://schemas.microsoft.com/office/drawing/2014/main" xmlns:a14="http://schemas.microsoft.com/office/drawing/2010/main" w="9525">
                   <a:solidFill>
                     <a:srgbClr val="000000"/>
                   </a:solidFill>
@@ -17182,7 +17681,7 @@
             </a:ln>
             <a:extLst>
               <a:ext uri="{91240B29-F687-4f45-9708-019B960494DF}">
-                <a14:hiddenLine xmlns:a14="http://schemas.microsoft.com/office/drawing/2010/main" xmlns:a16="http://schemas.microsoft.com/office/drawing/2014/main" xmlns="" w="9525">
+                <a14:hiddenLine xmlns="" xmlns:a16="http://schemas.microsoft.com/office/drawing/2014/main" xmlns:a14="http://schemas.microsoft.com/office/drawing/2010/main" w="9525">
                   <a:solidFill>
                     <a:srgbClr val="000000"/>
                   </a:solidFill>
@@ -17287,7 +17786,7 @@
             </a:ln>
             <a:extLst>
               <a:ext uri="{91240B29-F687-4f45-9708-019B960494DF}">
-                <a14:hiddenLine xmlns:a14="http://schemas.microsoft.com/office/drawing/2010/main" xmlns:a16="http://schemas.microsoft.com/office/drawing/2014/main" xmlns="" w="9525">
+                <a14:hiddenLine xmlns="" xmlns:a16="http://schemas.microsoft.com/office/drawing/2014/main" xmlns:a14="http://schemas.microsoft.com/office/drawing/2010/main" w="9525">
                   <a:solidFill>
                     <a:srgbClr val="000000"/>
                   </a:solidFill>
@@ -17358,7 +17857,7 @@
             </a:ln>
             <a:extLst>
               <a:ext uri="{91240B29-F687-4f45-9708-019B960494DF}">
-                <a14:hiddenLine xmlns:a14="http://schemas.microsoft.com/office/drawing/2010/main" xmlns:a16="http://schemas.microsoft.com/office/drawing/2014/main" xmlns="" w="9525">
+                <a14:hiddenLine xmlns="" xmlns:a16="http://schemas.microsoft.com/office/drawing/2014/main" xmlns:a14="http://schemas.microsoft.com/office/drawing/2010/main" w="9525">
                   <a:solidFill>
                     <a:srgbClr val="000000"/>
                   </a:solidFill>
@@ -17463,7 +17962,7 @@
             </a:ln>
             <a:extLst>
               <a:ext uri="{91240B29-F687-4f45-9708-019B960494DF}">
-                <a14:hiddenLine xmlns:a14="http://schemas.microsoft.com/office/drawing/2010/main" xmlns:a16="http://schemas.microsoft.com/office/drawing/2014/main" xmlns="" w="9525">
+                <a14:hiddenLine xmlns="" xmlns:a16="http://schemas.microsoft.com/office/drawing/2014/main" xmlns:a14="http://schemas.microsoft.com/office/drawing/2010/main" w="9525">
                   <a:solidFill>
                     <a:srgbClr val="000000"/>
                   </a:solidFill>
@@ -17546,7 +18045,7 @@
             </a:ln>
             <a:extLst>
               <a:ext uri="{91240B29-F687-4f45-9708-019B960494DF}">
-                <a14:hiddenLine xmlns:a14="http://schemas.microsoft.com/office/drawing/2010/main" xmlns:a16="http://schemas.microsoft.com/office/drawing/2014/main" xmlns="" w="9525">
+                <a14:hiddenLine xmlns="" xmlns:a16="http://schemas.microsoft.com/office/drawing/2014/main" xmlns:a14="http://schemas.microsoft.com/office/drawing/2010/main" w="9525">
                   <a:solidFill>
                     <a:srgbClr val="000000"/>
                   </a:solidFill>
@@ -17651,7 +18150,7 @@
             </a:ln>
             <a:extLst>
               <a:ext uri="{91240B29-F687-4f45-9708-019B960494DF}">
-                <a14:hiddenLine xmlns:a14="http://schemas.microsoft.com/office/drawing/2010/main" xmlns:a16="http://schemas.microsoft.com/office/drawing/2014/main" xmlns="" w="9525">
+                <a14:hiddenLine xmlns="" xmlns:a16="http://schemas.microsoft.com/office/drawing/2014/main" xmlns:a14="http://schemas.microsoft.com/office/drawing/2010/main" w="9525">
                   <a:solidFill>
                     <a:srgbClr val="000000"/>
                   </a:solidFill>
@@ -17734,7 +18233,7 @@
             </a:ln>
             <a:extLst>
               <a:ext uri="{91240B29-F687-4f45-9708-019B960494DF}">
-                <a14:hiddenLine xmlns:a14="http://schemas.microsoft.com/office/drawing/2010/main" xmlns:a16="http://schemas.microsoft.com/office/drawing/2014/main" xmlns="" w="9525">
+                <a14:hiddenLine xmlns="" xmlns:a16="http://schemas.microsoft.com/office/drawing/2014/main" xmlns:a14="http://schemas.microsoft.com/office/drawing/2010/main" w="9525">
                   <a:solidFill>
                     <a:srgbClr val="000000"/>
                   </a:solidFill>
@@ -17839,7 +18338,7 @@
             </a:ln>
             <a:extLst>
               <a:ext uri="{91240B29-F687-4f45-9708-019B960494DF}">
-                <a14:hiddenLine xmlns:a14="http://schemas.microsoft.com/office/drawing/2010/main" xmlns:a16="http://schemas.microsoft.com/office/drawing/2014/main" xmlns="" w="9525">
+                <a14:hiddenLine xmlns="" xmlns:a16="http://schemas.microsoft.com/office/drawing/2014/main" xmlns:a14="http://schemas.microsoft.com/office/drawing/2010/main" w="9525">
                   <a:solidFill>
                     <a:srgbClr val="000000"/>
                   </a:solidFill>
@@ -17888,7 +18387,7 @@
             </a:ln>
             <a:extLst>
               <a:ext uri="{91240B29-F687-4f45-9708-019B960494DF}">
-                <a14:hiddenLine xmlns:a14="http://schemas.microsoft.com/office/drawing/2010/main" xmlns:a16="http://schemas.microsoft.com/office/drawing/2014/main" xmlns="" w="9525">
+                <a14:hiddenLine xmlns="" xmlns:a16="http://schemas.microsoft.com/office/drawing/2014/main" xmlns:a14="http://schemas.microsoft.com/office/drawing/2010/main" w="9525">
                   <a:solidFill>
                     <a:srgbClr val="000000"/>
                   </a:solidFill>
@@ -17993,7 +18492,7 @@
             </a:ln>
             <a:extLst>
               <a:ext uri="{91240B29-F687-4f45-9708-019B960494DF}">
-                <a14:hiddenLine xmlns:a14="http://schemas.microsoft.com/office/drawing/2010/main" xmlns:a16="http://schemas.microsoft.com/office/drawing/2014/main" xmlns="" w="9525">
+                <a14:hiddenLine xmlns="" xmlns:a16="http://schemas.microsoft.com/office/drawing/2014/main" xmlns:a14="http://schemas.microsoft.com/office/drawing/2010/main" w="9525">
                   <a:solidFill>
                     <a:srgbClr val="000000"/>
                   </a:solidFill>
@@ -18070,7 +18569,7 @@
             </a:ln>
             <a:extLst>
               <a:ext uri="{91240B29-F687-4f45-9708-019B960494DF}">
-                <a14:hiddenLine xmlns:a14="http://schemas.microsoft.com/office/drawing/2010/main" xmlns:a16="http://schemas.microsoft.com/office/drawing/2014/main" xmlns="" w="9525">
+                <a14:hiddenLine xmlns="" xmlns:a16="http://schemas.microsoft.com/office/drawing/2014/main" xmlns:a14="http://schemas.microsoft.com/office/drawing/2010/main" w="9525">
                   <a:solidFill>
                     <a:srgbClr val="000000"/>
                   </a:solidFill>
@@ -18147,7 +18646,7 @@
             </a:ln>
             <a:extLst>
               <a:ext uri="{91240B29-F687-4f45-9708-019B960494DF}">
-                <a14:hiddenLine xmlns:a14="http://schemas.microsoft.com/office/drawing/2010/main" xmlns:a16="http://schemas.microsoft.com/office/drawing/2014/main" xmlns="" w="9525">
+                <a14:hiddenLine xmlns="" xmlns:a16="http://schemas.microsoft.com/office/drawing/2014/main" xmlns:a14="http://schemas.microsoft.com/office/drawing/2010/main" w="9525">
                   <a:solidFill>
                     <a:srgbClr val="000000"/>
                   </a:solidFill>
@@ -18252,7 +18751,7 @@
             </a:ln>
             <a:extLst>
               <a:ext uri="{91240B29-F687-4f45-9708-019B960494DF}">
-                <a14:hiddenLine xmlns:a14="http://schemas.microsoft.com/office/drawing/2010/main" xmlns:a16="http://schemas.microsoft.com/office/drawing/2014/main" xmlns="" w="9525">
+                <a14:hiddenLine xmlns="" xmlns:a16="http://schemas.microsoft.com/office/drawing/2014/main" xmlns:a14="http://schemas.microsoft.com/office/drawing/2010/main" w="9525">
                   <a:solidFill>
                     <a:srgbClr val="000000"/>
                   </a:solidFill>
@@ -18335,7 +18834,7 @@
             </a:ln>
             <a:extLst>
               <a:ext uri="{91240B29-F687-4f45-9708-019B960494DF}">
-                <a14:hiddenLine xmlns:a14="http://schemas.microsoft.com/office/drawing/2010/main" xmlns:a16="http://schemas.microsoft.com/office/drawing/2014/main" xmlns="" w="9525">
+                <a14:hiddenLine xmlns="" xmlns:a16="http://schemas.microsoft.com/office/drawing/2014/main" xmlns:a14="http://schemas.microsoft.com/office/drawing/2010/main" w="9525">
                   <a:solidFill>
                     <a:srgbClr val="000000"/>
                   </a:solidFill>
@@ -18412,7 +18911,7 @@
             </a:ln>
             <a:extLst>
               <a:ext uri="{91240B29-F687-4f45-9708-019B960494DF}">
-                <a14:hiddenLine xmlns:a14="http://schemas.microsoft.com/office/drawing/2010/main" xmlns:a16="http://schemas.microsoft.com/office/drawing/2014/main" xmlns="" w="9525">
+                <a14:hiddenLine xmlns="" xmlns:a16="http://schemas.microsoft.com/office/drawing/2014/main" xmlns:a14="http://schemas.microsoft.com/office/drawing/2010/main" w="9525">
                   <a:solidFill>
                     <a:srgbClr val="000000"/>
                   </a:solidFill>
@@ -18517,7 +19016,7 @@
             </a:ln>
             <a:extLst>
               <a:ext uri="{91240B29-F687-4f45-9708-019B960494DF}">
-                <a14:hiddenLine xmlns:a14="http://schemas.microsoft.com/office/drawing/2010/main" xmlns:a16="http://schemas.microsoft.com/office/drawing/2014/main" xmlns="" w="9525">
+                <a14:hiddenLine xmlns="" xmlns:a16="http://schemas.microsoft.com/office/drawing/2014/main" xmlns:a14="http://schemas.microsoft.com/office/drawing/2010/main" w="9525">
                   <a:solidFill>
                     <a:srgbClr val="000000"/>
                   </a:solidFill>
@@ -18594,7 +19093,7 @@
             </a:ln>
             <a:extLst>
               <a:ext uri="{91240B29-F687-4f45-9708-019B960494DF}">
-                <a14:hiddenLine xmlns:a14="http://schemas.microsoft.com/office/drawing/2010/main" xmlns:a16="http://schemas.microsoft.com/office/drawing/2014/main" xmlns="" w="9525">
+                <a14:hiddenLine xmlns="" xmlns:a16="http://schemas.microsoft.com/office/drawing/2014/main" xmlns:a14="http://schemas.microsoft.com/office/drawing/2010/main" w="9525">
                   <a:solidFill>
                     <a:srgbClr val="000000"/>
                   </a:solidFill>
@@ -18699,7 +19198,7 @@
             </a:ln>
             <a:extLst>
               <a:ext uri="{91240B29-F687-4f45-9708-019B960494DF}">
-                <a14:hiddenLine xmlns:a14="http://schemas.microsoft.com/office/drawing/2010/main" xmlns:a16="http://schemas.microsoft.com/office/drawing/2014/main" xmlns="" w="9525">
+                <a14:hiddenLine xmlns="" xmlns:a16="http://schemas.microsoft.com/office/drawing/2014/main" xmlns:a14="http://schemas.microsoft.com/office/drawing/2010/main" w="9525">
                   <a:solidFill>
                     <a:srgbClr val="000000"/>
                   </a:solidFill>
@@ -18776,7 +19275,7 @@
             </a:ln>
             <a:extLst>
               <a:ext uri="{91240B29-F687-4f45-9708-019B960494DF}">
-                <a14:hiddenLine xmlns:a14="http://schemas.microsoft.com/office/drawing/2010/main" xmlns:a16="http://schemas.microsoft.com/office/drawing/2014/main" xmlns="" w="9525">
+                <a14:hiddenLine xmlns="" xmlns:a16="http://schemas.microsoft.com/office/drawing/2014/main" xmlns:a14="http://schemas.microsoft.com/office/drawing/2010/main" w="9525">
                   <a:solidFill>
                     <a:srgbClr val="000000"/>
                   </a:solidFill>
@@ -18881,7 +19380,7 @@
             </a:ln>
             <a:extLst>
               <a:ext uri="{91240B29-F687-4f45-9708-019B960494DF}">
-                <a14:hiddenLine xmlns:a14="http://schemas.microsoft.com/office/drawing/2010/main" xmlns:a16="http://schemas.microsoft.com/office/drawing/2014/main" xmlns="" w="9525">
+                <a14:hiddenLine xmlns="" xmlns:a16="http://schemas.microsoft.com/office/drawing/2014/main" xmlns:a14="http://schemas.microsoft.com/office/drawing/2010/main" w="9525">
                   <a:solidFill>
                     <a:srgbClr val="000000"/>
                   </a:solidFill>
@@ -18930,7 +19429,7 @@
             </a:ln>
             <a:extLst>
               <a:ext uri="{91240B29-F687-4f45-9708-019B960494DF}">
-                <a14:hiddenLine xmlns:a14="http://schemas.microsoft.com/office/drawing/2010/main" xmlns:a16="http://schemas.microsoft.com/office/drawing/2014/main" xmlns="" w="9525">
+                <a14:hiddenLine xmlns="" xmlns:a16="http://schemas.microsoft.com/office/drawing/2014/main" xmlns:a14="http://schemas.microsoft.com/office/drawing/2010/main" w="9525">
                   <a:solidFill>
                     <a:srgbClr val="000000"/>
                   </a:solidFill>
@@ -19010,7 +19509,7 @@
             </a:ln>
             <a:extLst>
               <a:ext uri="{91240B29-F687-4f45-9708-019B960494DF}">
-                <a14:hiddenLine xmlns:a14="http://schemas.microsoft.com/office/drawing/2010/main" xmlns:a16="http://schemas.microsoft.com/office/drawing/2014/main" xmlns="" w="9525">
+                <a14:hiddenLine xmlns="" xmlns:a16="http://schemas.microsoft.com/office/drawing/2014/main" xmlns:a14="http://schemas.microsoft.com/office/drawing/2010/main" w="9525">
                   <a:solidFill>
                     <a:srgbClr val="000000"/>
                   </a:solidFill>
@@ -19115,7 +19614,7 @@
             </a:ln>
             <a:extLst>
               <a:ext uri="{91240B29-F687-4f45-9708-019B960494DF}">
-                <a14:hiddenLine xmlns:a14="http://schemas.microsoft.com/office/drawing/2010/main" xmlns:a16="http://schemas.microsoft.com/office/drawing/2014/main" xmlns="" w="9525">
+                <a14:hiddenLine xmlns="" xmlns:a16="http://schemas.microsoft.com/office/drawing/2014/main" xmlns:a14="http://schemas.microsoft.com/office/drawing/2010/main" w="9525">
                   <a:solidFill>
                     <a:srgbClr val="000000"/>
                   </a:solidFill>
@@ -19192,7 +19691,7 @@
             </a:ln>
             <a:extLst>
               <a:ext uri="{91240B29-F687-4f45-9708-019B960494DF}">
-                <a14:hiddenLine xmlns:a14="http://schemas.microsoft.com/office/drawing/2010/main" xmlns:a16="http://schemas.microsoft.com/office/drawing/2014/main" xmlns="" w="9525">
+                <a14:hiddenLine xmlns="" xmlns:a16="http://schemas.microsoft.com/office/drawing/2014/main" xmlns:a14="http://schemas.microsoft.com/office/drawing/2010/main" w="9525">
                   <a:solidFill>
                     <a:srgbClr val="000000"/>
                   </a:solidFill>
@@ -19297,7 +19796,7 @@
             </a:ln>
             <a:extLst>
               <a:ext uri="{91240B29-F687-4f45-9708-019B960494DF}">
-                <a14:hiddenLine xmlns:a14="http://schemas.microsoft.com/office/drawing/2010/main" xmlns:a16="http://schemas.microsoft.com/office/drawing/2014/main" xmlns="" w="9525">
+                <a14:hiddenLine xmlns="" xmlns:a16="http://schemas.microsoft.com/office/drawing/2014/main" xmlns:a14="http://schemas.microsoft.com/office/drawing/2010/main" w="9525">
                   <a:solidFill>
                     <a:srgbClr val="000000"/>
                   </a:solidFill>
@@ -19402,7 +19901,7 @@
             </a:ln>
             <a:extLst>
               <a:ext uri="{91240B29-F687-4f45-9708-019B960494DF}">
-                <a14:hiddenLine xmlns:a14="http://schemas.microsoft.com/office/drawing/2010/main" xmlns:a16="http://schemas.microsoft.com/office/drawing/2014/main" xmlns="" w="9525">
+                <a14:hiddenLine xmlns="" xmlns:a16="http://schemas.microsoft.com/office/drawing/2014/main" xmlns:a14="http://schemas.microsoft.com/office/drawing/2010/main" w="9525">
                   <a:solidFill>
                     <a:srgbClr val="000000"/>
                   </a:solidFill>
@@ -19482,7 +19981,7 @@
             </a:ln>
             <a:extLst>
               <a:ext uri="{91240B29-F687-4f45-9708-019B960494DF}">
-                <a14:hiddenLine xmlns:a14="http://schemas.microsoft.com/office/drawing/2010/main" xmlns:a16="http://schemas.microsoft.com/office/drawing/2014/main" xmlns="" w="9525">
+                <a14:hiddenLine xmlns="" xmlns:a16="http://schemas.microsoft.com/office/drawing/2014/main" xmlns:a14="http://schemas.microsoft.com/office/drawing/2010/main" w="9525">
                   <a:solidFill>
                     <a:srgbClr val="000000"/>
                   </a:solidFill>
@@ -19559,7 +20058,7 @@
             </a:ln>
             <a:extLst>
               <a:ext uri="{91240B29-F687-4f45-9708-019B960494DF}">
-                <a14:hiddenLine xmlns:a14="http://schemas.microsoft.com/office/drawing/2010/main" xmlns:a16="http://schemas.microsoft.com/office/drawing/2014/main" xmlns="" w="9525">
+                <a14:hiddenLine xmlns="" xmlns:a16="http://schemas.microsoft.com/office/drawing/2014/main" xmlns:a14="http://schemas.microsoft.com/office/drawing/2010/main" w="9525">
                   <a:solidFill>
                     <a:srgbClr val="000000"/>
                   </a:solidFill>
@@ -19664,7 +20163,7 @@
             </a:ln>
             <a:extLst>
               <a:ext uri="{91240B29-F687-4f45-9708-019B960494DF}">
-                <a14:hiddenLine xmlns:a14="http://schemas.microsoft.com/office/drawing/2010/main" xmlns:a16="http://schemas.microsoft.com/office/drawing/2014/main" xmlns="" w="9525">
+                <a14:hiddenLine xmlns="" xmlns:a16="http://schemas.microsoft.com/office/drawing/2014/main" xmlns:a14="http://schemas.microsoft.com/office/drawing/2010/main" w="9525">
                   <a:solidFill>
                     <a:srgbClr val="000000"/>
                   </a:solidFill>
@@ -19769,7 +20268,7 @@
             </a:ln>
             <a:extLst>
               <a:ext uri="{91240B29-F687-4f45-9708-019B960494DF}">
-                <a14:hiddenLine xmlns:a14="http://schemas.microsoft.com/office/drawing/2010/main" xmlns:a16="http://schemas.microsoft.com/office/drawing/2014/main" xmlns="" w="9525">
+                <a14:hiddenLine xmlns="" xmlns:a16="http://schemas.microsoft.com/office/drawing/2014/main" xmlns:a14="http://schemas.microsoft.com/office/drawing/2010/main" w="9525">
                   <a:solidFill>
                     <a:srgbClr val="000000"/>
                   </a:solidFill>
@@ -19846,7 +20345,7 @@
             </a:ln>
             <a:extLst>
               <a:ext uri="{91240B29-F687-4f45-9708-019B960494DF}">
-                <a14:hiddenLine xmlns:a14="http://schemas.microsoft.com/office/drawing/2010/main" xmlns:a16="http://schemas.microsoft.com/office/drawing/2014/main" xmlns="" w="9525">
+                <a14:hiddenLine xmlns="" xmlns:a16="http://schemas.microsoft.com/office/drawing/2014/main" xmlns:a14="http://schemas.microsoft.com/office/drawing/2010/main" w="9525">
                   <a:solidFill>
                     <a:srgbClr val="000000"/>
                   </a:solidFill>
@@ -19981,7 +20480,7 @@
             </a:ln>
             <a:extLst>
               <a:ext uri="{91240B29-F687-4f45-9708-019B960494DF}">
-                <a14:hiddenLine xmlns:a14="http://schemas.microsoft.com/office/drawing/2010/main" xmlns:a16="http://schemas.microsoft.com/office/drawing/2014/main" xmlns="" w="9525">
+                <a14:hiddenLine xmlns="" xmlns:a16="http://schemas.microsoft.com/office/drawing/2014/main" xmlns:a14="http://schemas.microsoft.com/office/drawing/2010/main" w="9525">
                   <a:solidFill>
                     <a:srgbClr val="000000"/>
                   </a:solidFill>
@@ -20064,7 +20563,7 @@
             </a:ln>
             <a:extLst>
               <a:ext uri="{91240B29-F687-4f45-9708-019B960494DF}">
-                <a14:hiddenLine xmlns:a14="http://schemas.microsoft.com/office/drawing/2010/main" xmlns:a16="http://schemas.microsoft.com/office/drawing/2014/main" xmlns="" w="9525">
+                <a14:hiddenLine xmlns="" xmlns:a16="http://schemas.microsoft.com/office/drawing/2014/main" xmlns:a14="http://schemas.microsoft.com/office/drawing/2010/main" w="9525">
                   <a:solidFill>
                     <a:srgbClr val="000000"/>
                   </a:solidFill>
@@ -20169,7 +20668,7 @@
             </a:ln>
             <a:extLst>
               <a:ext uri="{91240B29-F687-4f45-9708-019B960494DF}">
-                <a14:hiddenLine xmlns:a14="http://schemas.microsoft.com/office/drawing/2010/main" xmlns:a16="http://schemas.microsoft.com/office/drawing/2014/main" xmlns="" w="9525">
+                <a14:hiddenLine xmlns="" xmlns:a16="http://schemas.microsoft.com/office/drawing/2014/main" xmlns:a14="http://schemas.microsoft.com/office/drawing/2010/main" w="9525">
                   <a:solidFill>
                     <a:srgbClr val="000000"/>
                   </a:solidFill>
@@ -20363,7 +20862,7 @@
             </a:ln>
             <a:extLst>
               <a:ext uri="{91240B29-F687-4f45-9708-019B960494DF}">
-                <a14:hiddenLine xmlns:a14="http://schemas.microsoft.com/office/drawing/2010/main" xmlns:p14="http://schemas.microsoft.com/office/powerpoint/2010/main" xmlns:a16="http://schemas.microsoft.com/office/drawing/2014/main" xmlns="" w="9525">
+                <a14:hiddenLine xmlns="" xmlns:a16="http://schemas.microsoft.com/office/drawing/2014/main" xmlns:p14="http://schemas.microsoft.com/office/powerpoint/2010/main" xmlns:a14="http://schemas.microsoft.com/office/drawing/2010/main" w="9525">
                   <a:solidFill>
                     <a:srgbClr val="000000"/>
                   </a:solidFill>
@@ -20468,7 +20967,7 @@
             </a:ln>
             <a:extLst>
               <a:ext uri="{91240B29-F687-4f45-9708-019B960494DF}">
-                <a14:hiddenLine xmlns:a14="http://schemas.microsoft.com/office/drawing/2010/main" xmlns:p14="http://schemas.microsoft.com/office/powerpoint/2010/main" xmlns:a16="http://schemas.microsoft.com/office/drawing/2014/main" xmlns="" w="9525">
+                <a14:hiddenLine xmlns="" xmlns:a16="http://schemas.microsoft.com/office/drawing/2014/main" xmlns:p14="http://schemas.microsoft.com/office/powerpoint/2010/main" xmlns:a14="http://schemas.microsoft.com/office/drawing/2010/main" w="9525">
                   <a:solidFill>
                     <a:srgbClr val="000000"/>
                   </a:solidFill>
@@ -20573,7 +21072,7 @@
             </a:ln>
             <a:extLst>
               <a:ext uri="{91240B29-F687-4f45-9708-019B960494DF}">
-                <a14:hiddenLine xmlns:a14="http://schemas.microsoft.com/office/drawing/2010/main" xmlns:p14="http://schemas.microsoft.com/office/powerpoint/2010/main" xmlns:a16="http://schemas.microsoft.com/office/drawing/2014/main" xmlns="" w="9525">
+                <a14:hiddenLine xmlns="" xmlns:a16="http://schemas.microsoft.com/office/drawing/2014/main" xmlns:p14="http://schemas.microsoft.com/office/powerpoint/2010/main" xmlns:a14="http://schemas.microsoft.com/office/drawing/2010/main" w="9525">
                   <a:solidFill>
                     <a:srgbClr val="000000"/>
                   </a:solidFill>
@@ -20622,7 +21121,7 @@
             </a:ln>
             <a:extLst>
               <a:ext uri="{91240B29-F687-4f45-9708-019B960494DF}">
-                <a14:hiddenLine xmlns:a14="http://schemas.microsoft.com/office/drawing/2010/main" xmlns:p14="http://schemas.microsoft.com/office/powerpoint/2010/main" xmlns:a16="http://schemas.microsoft.com/office/drawing/2014/main" xmlns="" w="9525">
+                <a14:hiddenLine xmlns="" xmlns:a16="http://schemas.microsoft.com/office/drawing/2014/main" xmlns:p14="http://schemas.microsoft.com/office/powerpoint/2010/main" xmlns:a14="http://schemas.microsoft.com/office/drawing/2010/main" w="9525">
                   <a:solidFill>
                     <a:srgbClr val="000000"/>
                   </a:solidFill>
@@ -20727,7 +21226,7 @@
             </a:ln>
             <a:extLst>
               <a:ext uri="{91240B29-F687-4f45-9708-019B960494DF}">
-                <a14:hiddenLine xmlns:a14="http://schemas.microsoft.com/office/drawing/2010/main" xmlns:p14="http://schemas.microsoft.com/office/powerpoint/2010/main" xmlns:a16="http://schemas.microsoft.com/office/drawing/2014/main" xmlns="" w="9525">
+                <a14:hiddenLine xmlns="" xmlns:a16="http://schemas.microsoft.com/office/drawing/2014/main" xmlns:p14="http://schemas.microsoft.com/office/powerpoint/2010/main" xmlns:a14="http://schemas.microsoft.com/office/drawing/2010/main" w="9525">
                   <a:solidFill>
                     <a:srgbClr val="000000"/>
                   </a:solidFill>
@@ -20804,7 +21303,7 @@
             </a:ln>
             <a:extLst>
               <a:ext uri="{91240B29-F687-4f45-9708-019B960494DF}">
-                <a14:hiddenLine xmlns:a14="http://schemas.microsoft.com/office/drawing/2010/main" xmlns:p14="http://schemas.microsoft.com/office/powerpoint/2010/main" xmlns:a16="http://schemas.microsoft.com/office/drawing/2014/main" xmlns="" w="9525">
+                <a14:hiddenLine xmlns="" xmlns:a16="http://schemas.microsoft.com/office/drawing/2014/main" xmlns:p14="http://schemas.microsoft.com/office/powerpoint/2010/main" xmlns:a14="http://schemas.microsoft.com/office/drawing/2010/main" w="9525">
                   <a:solidFill>
                     <a:srgbClr val="000000"/>
                   </a:solidFill>
@@ -20881,7 +21380,7 @@
             </a:ln>
             <a:extLst>
               <a:ext uri="{91240B29-F687-4f45-9708-019B960494DF}">
-                <a14:hiddenLine xmlns:a14="http://schemas.microsoft.com/office/drawing/2010/main" xmlns:p14="http://schemas.microsoft.com/office/powerpoint/2010/main" xmlns:a16="http://schemas.microsoft.com/office/drawing/2014/main" xmlns="" w="9525">
+                <a14:hiddenLine xmlns="" xmlns:a16="http://schemas.microsoft.com/office/drawing/2014/main" xmlns:p14="http://schemas.microsoft.com/office/powerpoint/2010/main" xmlns:a14="http://schemas.microsoft.com/office/drawing/2010/main" w="9525">
                   <a:solidFill>
                     <a:srgbClr val="000000"/>
                   </a:solidFill>
@@ -20986,7 +21485,7 @@
             </a:ln>
             <a:extLst>
               <a:ext uri="{91240B29-F687-4f45-9708-019B960494DF}">
-                <a14:hiddenLine xmlns:a14="http://schemas.microsoft.com/office/drawing/2010/main" xmlns:p14="http://schemas.microsoft.com/office/powerpoint/2010/main" xmlns:a16="http://schemas.microsoft.com/office/drawing/2014/main" xmlns="" w="9525">
+                <a14:hiddenLine xmlns="" xmlns:a16="http://schemas.microsoft.com/office/drawing/2014/main" xmlns:p14="http://schemas.microsoft.com/office/powerpoint/2010/main" xmlns:a14="http://schemas.microsoft.com/office/drawing/2010/main" w="9525">
                   <a:solidFill>
                     <a:srgbClr val="000000"/>
                   </a:solidFill>
@@ -21063,7 +21562,7 @@
             </a:ln>
             <a:extLst>
               <a:ext uri="{91240B29-F687-4f45-9708-019B960494DF}">
-                <a14:hiddenLine xmlns:a14="http://schemas.microsoft.com/office/drawing/2010/main" xmlns:p14="http://schemas.microsoft.com/office/powerpoint/2010/main" xmlns:a16="http://schemas.microsoft.com/office/drawing/2014/main" xmlns="" w="9525">
+                <a14:hiddenLine xmlns="" xmlns:a16="http://schemas.microsoft.com/office/drawing/2014/main" xmlns:p14="http://schemas.microsoft.com/office/powerpoint/2010/main" xmlns:a14="http://schemas.microsoft.com/office/drawing/2010/main" w="9525">
                   <a:solidFill>
                     <a:srgbClr val="000000"/>
                   </a:solidFill>
@@ -21140,7 +21639,7 @@
             </a:ln>
             <a:extLst>
               <a:ext uri="{91240B29-F687-4f45-9708-019B960494DF}">
-                <a14:hiddenLine xmlns:a14="http://schemas.microsoft.com/office/drawing/2010/main" xmlns:p14="http://schemas.microsoft.com/office/powerpoint/2010/main" xmlns:a16="http://schemas.microsoft.com/office/drawing/2014/main" xmlns="" w="9525">
+                <a14:hiddenLine xmlns="" xmlns:a16="http://schemas.microsoft.com/office/drawing/2014/main" xmlns:p14="http://schemas.microsoft.com/office/powerpoint/2010/main" xmlns:a14="http://schemas.microsoft.com/office/drawing/2010/main" w="9525">
                   <a:solidFill>
                     <a:srgbClr val="000000"/>
                   </a:solidFill>
@@ -21245,7 +21744,7 @@
             </a:ln>
             <a:extLst>
               <a:ext uri="{91240B29-F687-4f45-9708-019B960494DF}">
-                <a14:hiddenLine xmlns:a14="http://schemas.microsoft.com/office/drawing/2010/main" xmlns:p14="http://schemas.microsoft.com/office/powerpoint/2010/main" xmlns:a16="http://schemas.microsoft.com/office/drawing/2014/main" xmlns="" w="9525">
+                <a14:hiddenLine xmlns="" xmlns:a16="http://schemas.microsoft.com/office/drawing/2014/main" xmlns:p14="http://schemas.microsoft.com/office/powerpoint/2010/main" xmlns:a14="http://schemas.microsoft.com/office/drawing/2010/main" w="9525">
                   <a:solidFill>
                     <a:srgbClr val="000000"/>
                   </a:solidFill>
@@ -21350,7 +21849,7 @@
             </a:ln>
             <a:extLst>
               <a:ext uri="{91240B29-F687-4f45-9708-019B960494DF}">
-                <a14:hiddenLine xmlns:a14="http://schemas.microsoft.com/office/drawing/2010/main" xmlns:p14="http://schemas.microsoft.com/office/powerpoint/2010/main" xmlns:a16="http://schemas.microsoft.com/office/drawing/2014/main" xmlns="" w="9525">
+                <a14:hiddenLine xmlns="" xmlns:a16="http://schemas.microsoft.com/office/drawing/2014/main" xmlns:p14="http://schemas.microsoft.com/office/powerpoint/2010/main" xmlns:a14="http://schemas.microsoft.com/office/drawing/2010/main" w="9525">
                   <a:solidFill>
                     <a:srgbClr val="000000"/>
                   </a:solidFill>
@@ -21427,7 +21926,7 @@
             </a:ln>
             <a:extLst>
               <a:ext uri="{91240B29-F687-4f45-9708-019B960494DF}">
-                <a14:hiddenLine xmlns:a14="http://schemas.microsoft.com/office/drawing/2010/main" xmlns:p14="http://schemas.microsoft.com/office/powerpoint/2010/main" xmlns:a16="http://schemas.microsoft.com/office/drawing/2014/main" xmlns="" w="9525">
+                <a14:hiddenLine xmlns="" xmlns:a16="http://schemas.microsoft.com/office/drawing/2014/main" xmlns:p14="http://schemas.microsoft.com/office/powerpoint/2010/main" xmlns:a14="http://schemas.microsoft.com/office/drawing/2010/main" w="9525">
                   <a:solidFill>
                     <a:srgbClr val="000000"/>
                   </a:solidFill>
@@ -21552,7 +22051,7 @@
             </a:ln>
             <a:extLst>
               <a:ext uri="{91240B29-F687-4f45-9708-019B960494DF}">
-                <a14:hiddenLine xmlns:a14="http://schemas.microsoft.com/office/drawing/2010/main" xmlns:p14="http://schemas.microsoft.com/office/powerpoint/2010/main" xmlns:a16="http://schemas.microsoft.com/office/drawing/2014/main" xmlns="" w="9525">
+                <a14:hiddenLine xmlns="" xmlns:a16="http://schemas.microsoft.com/office/drawing/2014/main" xmlns:p14="http://schemas.microsoft.com/office/powerpoint/2010/main" xmlns:a14="http://schemas.microsoft.com/office/drawing/2010/main" w="9525">
                   <a:solidFill>
                     <a:srgbClr val="000000"/>
                   </a:solidFill>
@@ -21629,7 +22128,7 @@
             </a:ln>
             <a:extLst>
               <a:ext uri="{91240B29-F687-4f45-9708-019B960494DF}">
-                <a14:hiddenLine xmlns:a14="http://schemas.microsoft.com/office/drawing/2010/main" xmlns:p14="http://schemas.microsoft.com/office/powerpoint/2010/main" xmlns:a16="http://schemas.microsoft.com/office/drawing/2014/main" xmlns="" w="9525">
+                <a14:hiddenLine xmlns="" xmlns:a16="http://schemas.microsoft.com/office/drawing/2014/main" xmlns:p14="http://schemas.microsoft.com/office/powerpoint/2010/main" xmlns:a14="http://schemas.microsoft.com/office/drawing/2010/main" w="9525">
                   <a:solidFill>
                     <a:srgbClr val="000000"/>
                   </a:solidFill>
@@ -21734,7 +22233,7 @@
             </a:ln>
             <a:extLst>
               <a:ext uri="{91240B29-F687-4f45-9708-019B960494DF}">
-                <a14:hiddenLine xmlns:a14="http://schemas.microsoft.com/office/drawing/2010/main" xmlns:p14="http://schemas.microsoft.com/office/powerpoint/2010/main" xmlns:a16="http://schemas.microsoft.com/office/drawing/2014/main" xmlns="" w="9525">
+                <a14:hiddenLine xmlns="" xmlns:a16="http://schemas.microsoft.com/office/drawing/2014/main" xmlns:p14="http://schemas.microsoft.com/office/powerpoint/2010/main" xmlns:a14="http://schemas.microsoft.com/office/drawing/2010/main" w="9525">
                   <a:solidFill>
                     <a:srgbClr val="000000"/>
                   </a:solidFill>
@@ -21839,7 +22338,7 @@
             </a:ln>
             <a:extLst>
               <a:ext uri="{91240B29-F687-4f45-9708-019B960494DF}">
-                <a14:hiddenLine xmlns:a14="http://schemas.microsoft.com/office/drawing/2010/main" xmlns:p14="http://schemas.microsoft.com/office/powerpoint/2010/main" xmlns:a16="http://schemas.microsoft.com/office/drawing/2014/main" xmlns="" w="9525">
+                <a14:hiddenLine xmlns="" xmlns:a16="http://schemas.microsoft.com/office/drawing/2014/main" xmlns:p14="http://schemas.microsoft.com/office/powerpoint/2010/main" xmlns:a14="http://schemas.microsoft.com/office/drawing/2010/main" w="9525">
                   <a:solidFill>
                     <a:srgbClr val="000000"/>
                   </a:solidFill>
@@ -21916,7 +22415,7 @@
             </a:ln>
             <a:extLst>
               <a:ext uri="{91240B29-F687-4f45-9708-019B960494DF}">
-                <a14:hiddenLine xmlns:a14="http://schemas.microsoft.com/office/drawing/2010/main" xmlns:p14="http://schemas.microsoft.com/office/powerpoint/2010/main" xmlns:a16="http://schemas.microsoft.com/office/drawing/2014/main" xmlns="" w="9525">
+                <a14:hiddenLine xmlns="" xmlns:a16="http://schemas.microsoft.com/office/drawing/2014/main" xmlns:p14="http://schemas.microsoft.com/office/powerpoint/2010/main" xmlns:a14="http://schemas.microsoft.com/office/drawing/2010/main" w="9525">
                   <a:solidFill>
                     <a:srgbClr val="000000"/>
                   </a:solidFill>
@@ -22021,7 +22520,7 @@
             </a:ln>
             <a:extLst>
               <a:ext uri="{91240B29-F687-4f45-9708-019B960494DF}">
-                <a14:hiddenLine xmlns:a14="http://schemas.microsoft.com/office/drawing/2010/main" xmlns:p14="http://schemas.microsoft.com/office/powerpoint/2010/main" xmlns:a16="http://schemas.microsoft.com/office/drawing/2014/main" xmlns="" w="9525">
+                <a14:hiddenLine xmlns="" xmlns:a16="http://schemas.microsoft.com/office/drawing/2014/main" xmlns:p14="http://schemas.microsoft.com/office/powerpoint/2010/main" xmlns:a14="http://schemas.microsoft.com/office/drawing/2010/main" w="9525">
                   <a:solidFill>
                     <a:srgbClr val="000000"/>
                   </a:solidFill>
@@ -22126,7 +22625,7 @@
             </a:ln>
             <a:extLst>
               <a:ext uri="{91240B29-F687-4f45-9708-019B960494DF}">
-                <a14:hiddenLine xmlns:a14="http://schemas.microsoft.com/office/drawing/2010/main" xmlns:p14="http://schemas.microsoft.com/office/powerpoint/2010/main" xmlns:a16="http://schemas.microsoft.com/office/drawing/2014/main" xmlns="" w="9525">
+                <a14:hiddenLine xmlns="" xmlns:a16="http://schemas.microsoft.com/office/drawing/2014/main" xmlns:p14="http://schemas.microsoft.com/office/powerpoint/2010/main" xmlns:a14="http://schemas.microsoft.com/office/drawing/2010/main" w="9525">
                   <a:solidFill>
                     <a:srgbClr val="000000"/>
                   </a:solidFill>
@@ -22197,7 +22696,7 @@
             </a:ln>
             <a:extLst>
               <a:ext uri="{91240B29-F687-4f45-9708-019B960494DF}">
-                <a14:hiddenLine xmlns:a14="http://schemas.microsoft.com/office/drawing/2010/main" xmlns:p14="http://schemas.microsoft.com/office/powerpoint/2010/main" xmlns:a16="http://schemas.microsoft.com/office/drawing/2014/main" xmlns="" w="9525">
+                <a14:hiddenLine xmlns="" xmlns:a16="http://schemas.microsoft.com/office/drawing/2014/main" xmlns:p14="http://schemas.microsoft.com/office/powerpoint/2010/main" xmlns:a14="http://schemas.microsoft.com/office/drawing/2010/main" w="9525">
                   <a:solidFill>
                     <a:srgbClr val="000000"/>
                   </a:solidFill>
@@ -22302,7 +22801,7 @@
             </a:ln>
             <a:extLst>
               <a:ext uri="{91240B29-F687-4f45-9708-019B960494DF}">
-                <a14:hiddenLine xmlns:a14="http://schemas.microsoft.com/office/drawing/2010/main" xmlns:p14="http://schemas.microsoft.com/office/powerpoint/2010/main" xmlns:a16="http://schemas.microsoft.com/office/drawing/2014/main" xmlns="" w="9525">
+                <a14:hiddenLine xmlns="" xmlns:a16="http://schemas.microsoft.com/office/drawing/2014/main" xmlns:p14="http://schemas.microsoft.com/office/powerpoint/2010/main" xmlns:a14="http://schemas.microsoft.com/office/drawing/2010/main" w="9525">
                   <a:solidFill>
                     <a:srgbClr val="000000"/>
                   </a:solidFill>
@@ -22373,7 +22872,7 @@
             </a:ln>
             <a:extLst>
               <a:ext uri="{91240B29-F687-4f45-9708-019B960494DF}">
-                <a14:hiddenLine xmlns:a14="http://schemas.microsoft.com/office/drawing/2010/main" xmlns:p14="http://schemas.microsoft.com/office/powerpoint/2010/main" xmlns:a16="http://schemas.microsoft.com/office/drawing/2014/main" xmlns="" w="9525">
+                <a14:hiddenLine xmlns="" xmlns:a16="http://schemas.microsoft.com/office/drawing/2014/main" xmlns:p14="http://schemas.microsoft.com/office/powerpoint/2010/main" xmlns:a14="http://schemas.microsoft.com/office/drawing/2010/main" w="9525">
                   <a:solidFill>
                     <a:srgbClr val="000000"/>
                   </a:solidFill>
@@ -22478,7 +22977,7 @@
             </a:ln>
             <a:extLst>
               <a:ext uri="{91240B29-F687-4f45-9708-019B960494DF}">
-                <a14:hiddenLine xmlns:a14="http://schemas.microsoft.com/office/drawing/2010/main" xmlns:p14="http://schemas.microsoft.com/office/powerpoint/2010/main" xmlns:a16="http://schemas.microsoft.com/office/drawing/2014/main" xmlns="" w="9525">
+                <a14:hiddenLine xmlns="" xmlns:a16="http://schemas.microsoft.com/office/drawing/2014/main" xmlns:p14="http://schemas.microsoft.com/office/powerpoint/2010/main" xmlns:a14="http://schemas.microsoft.com/office/drawing/2010/main" w="9525">
                   <a:solidFill>
                     <a:srgbClr val="000000"/>
                   </a:solidFill>
@@ -22561,7 +23060,7 @@
             </a:ln>
             <a:extLst>
               <a:ext uri="{91240B29-F687-4f45-9708-019B960494DF}">
-                <a14:hiddenLine xmlns:a14="http://schemas.microsoft.com/office/drawing/2010/main" xmlns:p14="http://schemas.microsoft.com/office/powerpoint/2010/main" xmlns:a16="http://schemas.microsoft.com/office/drawing/2014/main" xmlns="" w="9525">
+                <a14:hiddenLine xmlns="" xmlns:a16="http://schemas.microsoft.com/office/drawing/2014/main" xmlns:p14="http://schemas.microsoft.com/office/powerpoint/2010/main" xmlns:a14="http://schemas.microsoft.com/office/drawing/2010/main" w="9525">
                   <a:solidFill>
                     <a:srgbClr val="000000"/>
                   </a:solidFill>
@@ -22666,7 +23165,7 @@
             </a:ln>
             <a:extLst>
               <a:ext uri="{91240B29-F687-4f45-9708-019B960494DF}">
-                <a14:hiddenLine xmlns:a14="http://schemas.microsoft.com/office/drawing/2010/main" xmlns:p14="http://schemas.microsoft.com/office/powerpoint/2010/main" xmlns:a16="http://schemas.microsoft.com/office/drawing/2014/main" xmlns="" w="9525">
+                <a14:hiddenLine xmlns="" xmlns:a16="http://schemas.microsoft.com/office/drawing/2014/main" xmlns:p14="http://schemas.microsoft.com/office/powerpoint/2010/main" xmlns:a14="http://schemas.microsoft.com/office/drawing/2010/main" w="9525">
                   <a:solidFill>
                     <a:srgbClr val="000000"/>
                   </a:solidFill>
@@ -22749,7 +23248,7 @@
             </a:ln>
             <a:extLst>
               <a:ext uri="{91240B29-F687-4f45-9708-019B960494DF}">
-                <a14:hiddenLine xmlns:a14="http://schemas.microsoft.com/office/drawing/2010/main" xmlns:p14="http://schemas.microsoft.com/office/powerpoint/2010/main" xmlns:a16="http://schemas.microsoft.com/office/drawing/2014/main" xmlns="" w="9525">
+                <a14:hiddenLine xmlns="" xmlns:a16="http://schemas.microsoft.com/office/drawing/2014/main" xmlns:p14="http://schemas.microsoft.com/office/powerpoint/2010/main" xmlns:a14="http://schemas.microsoft.com/office/drawing/2010/main" w="9525">
                   <a:solidFill>
                     <a:srgbClr val="000000"/>
                   </a:solidFill>
@@ -22854,7 +23353,7 @@
             </a:ln>
             <a:extLst>
               <a:ext uri="{91240B29-F687-4f45-9708-019B960494DF}">
-                <a14:hiddenLine xmlns:a14="http://schemas.microsoft.com/office/drawing/2010/main" xmlns:p14="http://schemas.microsoft.com/office/powerpoint/2010/main" xmlns:a16="http://schemas.microsoft.com/office/drawing/2014/main" xmlns="" w="9525">
+                <a14:hiddenLine xmlns="" xmlns:a16="http://schemas.microsoft.com/office/drawing/2014/main" xmlns:p14="http://schemas.microsoft.com/office/powerpoint/2010/main" xmlns:a14="http://schemas.microsoft.com/office/drawing/2010/main" w="9525">
                   <a:solidFill>
                     <a:srgbClr val="000000"/>
                   </a:solidFill>
@@ -22903,7 +23402,7 @@
             </a:ln>
             <a:extLst>
               <a:ext uri="{91240B29-F687-4f45-9708-019B960494DF}">
-                <a14:hiddenLine xmlns:a14="http://schemas.microsoft.com/office/drawing/2010/main" xmlns:p14="http://schemas.microsoft.com/office/powerpoint/2010/main" xmlns:a16="http://schemas.microsoft.com/office/drawing/2014/main" xmlns="" w="9525">
+                <a14:hiddenLine xmlns="" xmlns:a16="http://schemas.microsoft.com/office/drawing/2014/main" xmlns:p14="http://schemas.microsoft.com/office/powerpoint/2010/main" xmlns:a14="http://schemas.microsoft.com/office/drawing/2010/main" w="9525">
                   <a:solidFill>
                     <a:srgbClr val="000000"/>
                   </a:solidFill>
@@ -23008,7 +23507,7 @@
             </a:ln>
             <a:extLst>
               <a:ext uri="{91240B29-F687-4f45-9708-019B960494DF}">
-                <a14:hiddenLine xmlns:a14="http://schemas.microsoft.com/office/drawing/2010/main" xmlns:p14="http://schemas.microsoft.com/office/powerpoint/2010/main" xmlns:a16="http://schemas.microsoft.com/office/drawing/2014/main" xmlns="" w="9525">
+                <a14:hiddenLine xmlns="" xmlns:a16="http://schemas.microsoft.com/office/drawing/2014/main" xmlns:p14="http://schemas.microsoft.com/office/powerpoint/2010/main" xmlns:a14="http://schemas.microsoft.com/office/drawing/2010/main" w="9525">
                   <a:solidFill>
                     <a:srgbClr val="000000"/>
                   </a:solidFill>
@@ -23085,7 +23584,7 @@
             </a:ln>
             <a:extLst>
               <a:ext uri="{91240B29-F687-4f45-9708-019B960494DF}">
-                <a14:hiddenLine xmlns:a14="http://schemas.microsoft.com/office/drawing/2010/main" xmlns:p14="http://schemas.microsoft.com/office/powerpoint/2010/main" xmlns:a16="http://schemas.microsoft.com/office/drawing/2014/main" xmlns="" w="9525">
+                <a14:hiddenLine xmlns="" xmlns:a16="http://schemas.microsoft.com/office/drawing/2014/main" xmlns:p14="http://schemas.microsoft.com/office/powerpoint/2010/main" xmlns:a14="http://schemas.microsoft.com/office/drawing/2010/main" w="9525">
                   <a:solidFill>
                     <a:srgbClr val="000000"/>
                   </a:solidFill>
@@ -23162,7 +23661,7 @@
             </a:ln>
             <a:extLst>
               <a:ext uri="{91240B29-F687-4f45-9708-019B960494DF}">
-                <a14:hiddenLine xmlns:a14="http://schemas.microsoft.com/office/drawing/2010/main" xmlns:p14="http://schemas.microsoft.com/office/powerpoint/2010/main" xmlns:a16="http://schemas.microsoft.com/office/drawing/2014/main" xmlns="" w="9525">
+                <a14:hiddenLine xmlns="" xmlns:a16="http://schemas.microsoft.com/office/drawing/2014/main" xmlns:p14="http://schemas.microsoft.com/office/powerpoint/2010/main" xmlns:a14="http://schemas.microsoft.com/office/drawing/2010/main" w="9525">
                   <a:solidFill>
                     <a:srgbClr val="000000"/>
                   </a:solidFill>
@@ -23267,7 +23766,7 @@
             </a:ln>
             <a:extLst>
               <a:ext uri="{91240B29-F687-4f45-9708-019B960494DF}">
-                <a14:hiddenLine xmlns:a14="http://schemas.microsoft.com/office/drawing/2010/main" xmlns:p14="http://schemas.microsoft.com/office/powerpoint/2010/main" xmlns:a16="http://schemas.microsoft.com/office/drawing/2014/main" xmlns="" w="9525">
+                <a14:hiddenLine xmlns="" xmlns:a16="http://schemas.microsoft.com/office/drawing/2014/main" xmlns:p14="http://schemas.microsoft.com/office/powerpoint/2010/main" xmlns:a14="http://schemas.microsoft.com/office/drawing/2010/main" w="9525">
                   <a:solidFill>
                     <a:srgbClr val="000000"/>
                   </a:solidFill>
@@ -23350,7 +23849,7 @@
             </a:ln>
             <a:extLst>
               <a:ext uri="{91240B29-F687-4f45-9708-019B960494DF}">
-                <a14:hiddenLine xmlns:a14="http://schemas.microsoft.com/office/drawing/2010/main" xmlns:p14="http://schemas.microsoft.com/office/powerpoint/2010/main" xmlns:a16="http://schemas.microsoft.com/office/drawing/2014/main" xmlns="" w="9525">
+                <a14:hiddenLine xmlns="" xmlns:a16="http://schemas.microsoft.com/office/drawing/2014/main" xmlns:p14="http://schemas.microsoft.com/office/powerpoint/2010/main" xmlns:a14="http://schemas.microsoft.com/office/drawing/2010/main" w="9525">
                   <a:solidFill>
                     <a:srgbClr val="000000"/>
                   </a:solidFill>
@@ -23427,7 +23926,7 @@
             </a:ln>
             <a:extLst>
               <a:ext uri="{91240B29-F687-4f45-9708-019B960494DF}">
-                <a14:hiddenLine xmlns:a14="http://schemas.microsoft.com/office/drawing/2010/main" xmlns:p14="http://schemas.microsoft.com/office/powerpoint/2010/main" xmlns:a16="http://schemas.microsoft.com/office/drawing/2014/main" xmlns="" w="9525">
+                <a14:hiddenLine xmlns="" xmlns:a16="http://schemas.microsoft.com/office/drawing/2014/main" xmlns:p14="http://schemas.microsoft.com/office/powerpoint/2010/main" xmlns:a14="http://schemas.microsoft.com/office/drawing/2010/main" w="9525">
                   <a:solidFill>
                     <a:srgbClr val="000000"/>
                   </a:solidFill>
@@ -23532,7 +24031,7 @@
             </a:ln>
             <a:extLst>
               <a:ext uri="{91240B29-F687-4f45-9708-019B960494DF}">
-                <a14:hiddenLine xmlns:a14="http://schemas.microsoft.com/office/drawing/2010/main" xmlns:p14="http://schemas.microsoft.com/office/powerpoint/2010/main" xmlns:a16="http://schemas.microsoft.com/office/drawing/2014/main" xmlns="" w="9525">
+                <a14:hiddenLine xmlns="" xmlns:a16="http://schemas.microsoft.com/office/drawing/2014/main" xmlns:p14="http://schemas.microsoft.com/office/powerpoint/2010/main" xmlns:a14="http://schemas.microsoft.com/office/drawing/2010/main" w="9525">
                   <a:solidFill>
                     <a:srgbClr val="000000"/>
                   </a:solidFill>
@@ -23609,7 +24108,7 @@
             </a:ln>
             <a:extLst>
               <a:ext uri="{91240B29-F687-4f45-9708-019B960494DF}">
-                <a14:hiddenLine xmlns:a14="http://schemas.microsoft.com/office/drawing/2010/main" xmlns:p14="http://schemas.microsoft.com/office/powerpoint/2010/main" xmlns:a16="http://schemas.microsoft.com/office/drawing/2014/main" xmlns="" w="9525">
+                <a14:hiddenLine xmlns="" xmlns:a16="http://schemas.microsoft.com/office/drawing/2014/main" xmlns:p14="http://schemas.microsoft.com/office/powerpoint/2010/main" xmlns:a14="http://schemas.microsoft.com/office/drawing/2010/main" w="9525">
                   <a:solidFill>
                     <a:srgbClr val="000000"/>
                   </a:solidFill>
@@ -23714,7 +24213,7 @@
             </a:ln>
             <a:extLst>
               <a:ext uri="{91240B29-F687-4f45-9708-019B960494DF}">
-                <a14:hiddenLine xmlns:a14="http://schemas.microsoft.com/office/drawing/2010/main" xmlns:p14="http://schemas.microsoft.com/office/powerpoint/2010/main" xmlns:a16="http://schemas.microsoft.com/office/drawing/2014/main" xmlns="" w="9525">
+                <a14:hiddenLine xmlns="" xmlns:a16="http://schemas.microsoft.com/office/drawing/2014/main" xmlns:p14="http://schemas.microsoft.com/office/powerpoint/2010/main" xmlns:a14="http://schemas.microsoft.com/office/drawing/2010/main" w="9525">
                   <a:solidFill>
                     <a:srgbClr val="000000"/>
                   </a:solidFill>
@@ -23791,7 +24290,7 @@
             </a:ln>
             <a:extLst>
               <a:ext uri="{91240B29-F687-4f45-9708-019B960494DF}">
-                <a14:hiddenLine xmlns:a14="http://schemas.microsoft.com/office/drawing/2010/main" xmlns:p14="http://schemas.microsoft.com/office/powerpoint/2010/main" xmlns:a16="http://schemas.microsoft.com/office/drawing/2014/main" xmlns="" w="9525">
+                <a14:hiddenLine xmlns="" xmlns:a16="http://schemas.microsoft.com/office/drawing/2014/main" xmlns:p14="http://schemas.microsoft.com/office/powerpoint/2010/main" xmlns:a14="http://schemas.microsoft.com/office/drawing/2010/main" w="9525">
                   <a:solidFill>
                     <a:srgbClr val="000000"/>
                   </a:solidFill>
@@ -23896,7 +24395,7 @@
             </a:ln>
             <a:extLst>
               <a:ext uri="{91240B29-F687-4f45-9708-019B960494DF}">
-                <a14:hiddenLine xmlns:a14="http://schemas.microsoft.com/office/drawing/2010/main" xmlns:p14="http://schemas.microsoft.com/office/powerpoint/2010/main" xmlns:a16="http://schemas.microsoft.com/office/drawing/2014/main" xmlns="" w="9525">
+                <a14:hiddenLine xmlns="" xmlns:a16="http://schemas.microsoft.com/office/drawing/2014/main" xmlns:p14="http://schemas.microsoft.com/office/powerpoint/2010/main" xmlns:a14="http://schemas.microsoft.com/office/drawing/2010/main" w="9525">
                   <a:solidFill>
                     <a:srgbClr val="000000"/>
                   </a:solidFill>
@@ -23945,7 +24444,7 @@
             </a:ln>
             <a:extLst>
               <a:ext uri="{91240B29-F687-4f45-9708-019B960494DF}">
-                <a14:hiddenLine xmlns:a14="http://schemas.microsoft.com/office/drawing/2010/main" xmlns:p14="http://schemas.microsoft.com/office/powerpoint/2010/main" xmlns:a16="http://schemas.microsoft.com/office/drawing/2014/main" xmlns="" w="9525">
+                <a14:hiddenLine xmlns="" xmlns:a16="http://schemas.microsoft.com/office/drawing/2014/main" xmlns:p14="http://schemas.microsoft.com/office/powerpoint/2010/main" xmlns:a14="http://schemas.microsoft.com/office/drawing/2010/main" w="9525">
                   <a:solidFill>
                     <a:srgbClr val="000000"/>
                   </a:solidFill>
@@ -24025,7 +24524,7 @@
             </a:ln>
             <a:extLst>
               <a:ext uri="{91240B29-F687-4f45-9708-019B960494DF}">
-                <a14:hiddenLine xmlns:a14="http://schemas.microsoft.com/office/drawing/2010/main" xmlns:p14="http://schemas.microsoft.com/office/powerpoint/2010/main" xmlns:a16="http://schemas.microsoft.com/office/drawing/2014/main" xmlns="" w="9525">
+                <a14:hiddenLine xmlns="" xmlns:a16="http://schemas.microsoft.com/office/drawing/2014/main" xmlns:p14="http://schemas.microsoft.com/office/powerpoint/2010/main" xmlns:a14="http://schemas.microsoft.com/office/drawing/2010/main" w="9525">
                   <a:solidFill>
                     <a:srgbClr val="000000"/>
                   </a:solidFill>
@@ -24130,7 +24629,7 @@
             </a:ln>
             <a:extLst>
               <a:ext uri="{91240B29-F687-4f45-9708-019B960494DF}">
-                <a14:hiddenLine xmlns:a14="http://schemas.microsoft.com/office/drawing/2010/main" xmlns:p14="http://schemas.microsoft.com/office/powerpoint/2010/main" xmlns:a16="http://schemas.microsoft.com/office/drawing/2014/main" xmlns="" w="9525">
+                <a14:hiddenLine xmlns="" xmlns:a16="http://schemas.microsoft.com/office/drawing/2014/main" xmlns:p14="http://schemas.microsoft.com/office/powerpoint/2010/main" xmlns:a14="http://schemas.microsoft.com/office/drawing/2010/main" w="9525">
                   <a:solidFill>
                     <a:srgbClr val="000000"/>
                   </a:solidFill>
@@ -24207,7 +24706,7 @@
             </a:ln>
             <a:extLst>
               <a:ext uri="{91240B29-F687-4f45-9708-019B960494DF}">
-                <a14:hiddenLine xmlns:a14="http://schemas.microsoft.com/office/drawing/2010/main" xmlns:p14="http://schemas.microsoft.com/office/powerpoint/2010/main" xmlns:a16="http://schemas.microsoft.com/office/drawing/2014/main" xmlns="" w="9525">
+                <a14:hiddenLine xmlns="" xmlns:a16="http://schemas.microsoft.com/office/drawing/2014/main" xmlns:p14="http://schemas.microsoft.com/office/powerpoint/2010/main" xmlns:a14="http://schemas.microsoft.com/office/drawing/2010/main" w="9525">
                   <a:solidFill>
                     <a:srgbClr val="000000"/>
                   </a:solidFill>
@@ -24312,7 +24811,7 @@
             </a:ln>
             <a:extLst>
               <a:ext uri="{91240B29-F687-4f45-9708-019B960494DF}">
-                <a14:hiddenLine xmlns:a14="http://schemas.microsoft.com/office/drawing/2010/main" xmlns:p14="http://schemas.microsoft.com/office/powerpoint/2010/main" xmlns:a16="http://schemas.microsoft.com/office/drawing/2014/main" xmlns="" w="9525">
+                <a14:hiddenLine xmlns="" xmlns:a16="http://schemas.microsoft.com/office/drawing/2014/main" xmlns:p14="http://schemas.microsoft.com/office/powerpoint/2010/main" xmlns:a14="http://schemas.microsoft.com/office/drawing/2010/main" w="9525">
                   <a:solidFill>
                     <a:srgbClr val="000000"/>
                   </a:solidFill>
@@ -24417,7 +24916,7 @@
             </a:ln>
             <a:extLst>
               <a:ext uri="{91240B29-F687-4f45-9708-019B960494DF}">
-                <a14:hiddenLine xmlns:a14="http://schemas.microsoft.com/office/drawing/2010/main" xmlns:p14="http://schemas.microsoft.com/office/powerpoint/2010/main" xmlns:a16="http://schemas.microsoft.com/office/drawing/2014/main" xmlns="" w="9525">
+                <a14:hiddenLine xmlns="" xmlns:a16="http://schemas.microsoft.com/office/drawing/2014/main" xmlns:p14="http://schemas.microsoft.com/office/powerpoint/2010/main" xmlns:a14="http://schemas.microsoft.com/office/drawing/2010/main" w="9525">
                   <a:solidFill>
                     <a:srgbClr val="000000"/>
                   </a:solidFill>
@@ -24497,7 +24996,7 @@
             </a:ln>
             <a:extLst>
               <a:ext uri="{91240B29-F687-4f45-9708-019B960494DF}">
-                <a14:hiddenLine xmlns:a14="http://schemas.microsoft.com/office/drawing/2010/main" xmlns:p14="http://schemas.microsoft.com/office/powerpoint/2010/main" xmlns:a16="http://schemas.microsoft.com/office/drawing/2014/main" xmlns="" w="9525">
+                <a14:hiddenLine xmlns="" xmlns:a16="http://schemas.microsoft.com/office/drawing/2014/main" xmlns:p14="http://schemas.microsoft.com/office/powerpoint/2010/main" xmlns:a14="http://schemas.microsoft.com/office/drawing/2010/main" w="9525">
                   <a:solidFill>
                     <a:srgbClr val="000000"/>
                   </a:solidFill>
@@ -24574,7 +25073,7 @@
             </a:ln>
             <a:extLst>
               <a:ext uri="{91240B29-F687-4f45-9708-019B960494DF}">
-                <a14:hiddenLine xmlns:a14="http://schemas.microsoft.com/office/drawing/2010/main" xmlns:p14="http://schemas.microsoft.com/office/powerpoint/2010/main" xmlns:a16="http://schemas.microsoft.com/office/drawing/2014/main" xmlns="" w="9525">
+                <a14:hiddenLine xmlns="" xmlns:a16="http://schemas.microsoft.com/office/drawing/2014/main" xmlns:p14="http://schemas.microsoft.com/office/powerpoint/2010/main" xmlns:a14="http://schemas.microsoft.com/office/drawing/2010/main" w="9525">
                   <a:solidFill>
                     <a:srgbClr val="000000"/>
                   </a:solidFill>
@@ -24679,7 +25178,7 @@
             </a:ln>
             <a:extLst>
               <a:ext uri="{91240B29-F687-4f45-9708-019B960494DF}">
-                <a14:hiddenLine xmlns:a14="http://schemas.microsoft.com/office/drawing/2010/main" xmlns:p14="http://schemas.microsoft.com/office/powerpoint/2010/main" xmlns:a16="http://schemas.microsoft.com/office/drawing/2014/main" xmlns="" w="9525">
+                <a14:hiddenLine xmlns="" xmlns:a16="http://schemas.microsoft.com/office/drawing/2014/main" xmlns:p14="http://schemas.microsoft.com/office/powerpoint/2010/main" xmlns:a14="http://schemas.microsoft.com/office/drawing/2010/main" w="9525">
                   <a:solidFill>
                     <a:srgbClr val="000000"/>
                   </a:solidFill>
@@ -24784,7 +25283,7 @@
             </a:ln>
             <a:extLst>
               <a:ext uri="{91240B29-F687-4f45-9708-019B960494DF}">
-                <a14:hiddenLine xmlns:a14="http://schemas.microsoft.com/office/drawing/2010/main" xmlns:p14="http://schemas.microsoft.com/office/powerpoint/2010/main" xmlns:a16="http://schemas.microsoft.com/office/drawing/2014/main" xmlns="" w="9525">
+                <a14:hiddenLine xmlns="" xmlns:a16="http://schemas.microsoft.com/office/drawing/2014/main" xmlns:p14="http://schemas.microsoft.com/office/powerpoint/2010/main" xmlns:a14="http://schemas.microsoft.com/office/drawing/2010/main" w="9525">
                   <a:solidFill>
                     <a:srgbClr val="000000"/>
                   </a:solidFill>
@@ -24861,7 +25360,7 @@
             </a:ln>
             <a:extLst>
               <a:ext uri="{91240B29-F687-4f45-9708-019B960494DF}">
-                <a14:hiddenLine xmlns:a14="http://schemas.microsoft.com/office/drawing/2010/main" xmlns:p14="http://schemas.microsoft.com/office/powerpoint/2010/main" xmlns:a16="http://schemas.microsoft.com/office/drawing/2014/main" xmlns="" w="9525">
+                <a14:hiddenLine xmlns="" xmlns:a16="http://schemas.microsoft.com/office/drawing/2014/main" xmlns:p14="http://schemas.microsoft.com/office/powerpoint/2010/main" xmlns:a14="http://schemas.microsoft.com/office/drawing/2010/main" w="9525">
                   <a:solidFill>
                     <a:srgbClr val="000000"/>
                   </a:solidFill>
@@ -24996,7 +25495,7 @@
             </a:ln>
             <a:extLst>
               <a:ext uri="{91240B29-F687-4f45-9708-019B960494DF}">
-                <a14:hiddenLine xmlns:a14="http://schemas.microsoft.com/office/drawing/2010/main" xmlns:p14="http://schemas.microsoft.com/office/powerpoint/2010/main" xmlns:a16="http://schemas.microsoft.com/office/drawing/2014/main" xmlns="" w="9525">
+                <a14:hiddenLine xmlns="" xmlns:a16="http://schemas.microsoft.com/office/drawing/2014/main" xmlns:p14="http://schemas.microsoft.com/office/powerpoint/2010/main" xmlns:a14="http://schemas.microsoft.com/office/drawing/2010/main" w="9525">
                   <a:solidFill>
                     <a:srgbClr val="000000"/>
                   </a:solidFill>
@@ -25079,7 +25578,7 @@
             </a:ln>
             <a:extLst>
               <a:ext uri="{91240B29-F687-4f45-9708-019B960494DF}">
-                <a14:hiddenLine xmlns:a14="http://schemas.microsoft.com/office/drawing/2010/main" xmlns:p14="http://schemas.microsoft.com/office/powerpoint/2010/main" xmlns:a16="http://schemas.microsoft.com/office/drawing/2014/main" xmlns="" w="9525">
+                <a14:hiddenLine xmlns="" xmlns:a16="http://schemas.microsoft.com/office/drawing/2014/main" xmlns:p14="http://schemas.microsoft.com/office/powerpoint/2010/main" xmlns:a14="http://schemas.microsoft.com/office/drawing/2010/main" w="9525">
                   <a:solidFill>
                     <a:srgbClr val="000000"/>
                   </a:solidFill>
@@ -25184,7 +25683,7 @@
             </a:ln>
             <a:extLst>
               <a:ext uri="{91240B29-F687-4f45-9708-019B960494DF}">
-                <a14:hiddenLine xmlns:a14="http://schemas.microsoft.com/office/drawing/2010/main" xmlns:p14="http://schemas.microsoft.com/office/powerpoint/2010/main" xmlns:a16="http://schemas.microsoft.com/office/drawing/2014/main" xmlns="" w="9525">
+                <a14:hiddenLine xmlns="" xmlns:a16="http://schemas.microsoft.com/office/drawing/2014/main" xmlns:p14="http://schemas.microsoft.com/office/powerpoint/2010/main" xmlns:a14="http://schemas.microsoft.com/office/drawing/2010/main" w="9525">
                   <a:solidFill>
                     <a:srgbClr val="000000"/>
                   </a:solidFill>
@@ -25210,7 +25709,7 @@
 </p:sld>
 </file>
 
-<file path=ppt/slides/slide8.xml><?xml version="1.0" encoding="utf-8"?>
+<file path=ppt/slides/slide9.xml><?xml version="1.0" encoding="utf-8"?>
 <p:sld xmlns:a="http://schemas.openxmlformats.org/drawingml/2006/main" xmlns:r="http://schemas.openxmlformats.org/officeDocument/2006/relationships" xmlns:p="http://schemas.openxmlformats.org/presentationml/2006/main">
   <p:cSld>
     <p:spTree>
@@ -25594,399 +26093,6 @@
     <p:extLst>
       <p:ext uri="{BB962C8B-B14F-4D97-AF65-F5344CB8AC3E}">
         <p14:creationId xmlns:p14="http://schemas.microsoft.com/office/powerpoint/2010/main" val="3516153744"/>
-      </p:ext>
-    </p:extLst>
-  </p:cSld>
-  <p:clrMapOvr>
-    <a:masterClrMapping/>
-  </p:clrMapOvr>
-</p:sld>
-</file>
-
-<file path=ppt/slides/slide9.xml><?xml version="1.0" encoding="utf-8"?>
-<p:sld xmlns:a="http://schemas.openxmlformats.org/drawingml/2006/main" xmlns:r="http://schemas.openxmlformats.org/officeDocument/2006/relationships" xmlns:p="http://schemas.openxmlformats.org/presentationml/2006/main">
-  <p:cSld>
-    <p:spTree>
-      <p:nvGrpSpPr>
-        <p:cNvPr id="1" name=""/>
-        <p:cNvGrpSpPr/>
-        <p:nvPr/>
-      </p:nvGrpSpPr>
-      <p:grpSpPr>
-        <a:xfrm>
-          <a:off x="0" y="0"/>
-          <a:ext cx="0" cy="0"/>
-          <a:chOff x="0" y="0"/>
-          <a:chExt cx="0" cy="0"/>
-        </a:xfrm>
-      </p:grpSpPr>
-      <p:sp>
-        <p:nvSpPr>
-          <p:cNvPr id="2" name="Título 1">
-            <a:extLst>
-              <a:ext uri="{FF2B5EF4-FFF2-40B4-BE49-F238E27FC236}">
-                <a16:creationId xmlns:a16="http://schemas.microsoft.com/office/drawing/2014/main" id="{0B53C395-6A93-4510-A283-29FAB0B571E7}"/>
-              </a:ext>
-            </a:extLst>
-          </p:cNvPr>
-          <p:cNvSpPr>
-            <a:spLocks noGrp="1"/>
-          </p:cNvSpPr>
-          <p:nvPr>
-            <p:ph type="title"/>
-          </p:nvPr>
-        </p:nvSpPr>
-        <p:spPr/>
-        <p:txBody>
-          <a:bodyPr/>
-          <a:lstStyle/>
-          <a:p>
-            <a:pPr algn="ctr"/>
-            <a:r>
-              <a:rPr lang="es-ES" sz="3600" dirty="0"/>
-              <a:t>Tablas en SQL</a:t>
-            </a:r>
-            <a:endParaRPr lang="es-ES" dirty="0"/>
-          </a:p>
-        </p:txBody>
-      </p:sp>
-      <p:sp>
-        <p:nvSpPr>
-          <p:cNvPr id="3" name="CuadroTexto 2">
-            <a:extLst>
-              <a:ext uri="{FF2B5EF4-FFF2-40B4-BE49-F238E27FC236}">
-                <a16:creationId xmlns:a16="http://schemas.microsoft.com/office/drawing/2014/main" id="{4B0C2612-28DF-4F24-841E-690DA9FB3249}"/>
-              </a:ext>
-            </a:extLst>
-          </p:cNvPr>
-          <p:cNvSpPr txBox="1"/>
-          <p:nvPr/>
-        </p:nvSpPr>
-        <p:spPr>
-          <a:xfrm>
-            <a:off x="1785938" y="2097088"/>
-            <a:ext cx="2328266" cy="3970318"/>
-          </a:xfrm>
-          <a:prstGeom prst="rect">
-            <a:avLst/>
-          </a:prstGeom>
-          <a:noFill/>
-        </p:spPr>
-        <p:txBody>
-          <a:bodyPr wrap="none" rtlCol="0">
-            <a:spAutoFit/>
-          </a:bodyPr>
-          <a:lstStyle/>
-          <a:p>
-            <a:r>
-              <a:rPr lang="es-ES" dirty="0"/>
-              <a:t>	Enfermeros:</a:t>
-            </a:r>
-          </a:p>
-          <a:p>
-            <a:pPr marL="742950" lvl="1" indent="-285750">
-              <a:buFont typeface="Arial" panose="020B0604020202020204" pitchFamily="34" charset="0"/>
-              <a:buChar char="•"/>
-            </a:pPr>
-            <a:r>
-              <a:rPr lang="es-ES" dirty="0"/>
-              <a:t>Id.</a:t>
-            </a:r>
-          </a:p>
-          <a:p>
-            <a:pPr marL="742950" lvl="1" indent="-285750">
-              <a:buFont typeface="Arial" panose="020B0604020202020204" pitchFamily="34" charset="0"/>
-              <a:buChar char="•"/>
-            </a:pPr>
-            <a:r>
-              <a:rPr lang="es-ES" dirty="0"/>
-              <a:t>Nombre.</a:t>
-            </a:r>
-          </a:p>
-          <a:p>
-            <a:pPr marL="742950" lvl="1" indent="-285750">
-              <a:buFont typeface="Arial" panose="020B0604020202020204" pitchFamily="34" charset="0"/>
-              <a:buChar char="•"/>
-            </a:pPr>
-            <a:r>
-              <a:rPr lang="es-ES" dirty="0"/>
-              <a:t>Edad.</a:t>
-            </a:r>
-          </a:p>
-          <a:p>
-            <a:pPr marL="742950" lvl="1" indent="-285750">
-              <a:buFont typeface="Arial" panose="020B0604020202020204" pitchFamily="34" charset="0"/>
-              <a:buChar char="•"/>
-            </a:pPr>
-            <a:endParaRPr lang="es-ES" dirty="0"/>
-          </a:p>
-          <a:p>
-            <a:pPr lvl="1"/>
-            <a:r>
-              <a:rPr lang="es-ES" dirty="0"/>
-              <a:t>Pacientes:</a:t>
-            </a:r>
-          </a:p>
-          <a:p>
-            <a:pPr marL="742950" lvl="1" indent="-285750">
-              <a:buFont typeface="Arial" panose="020B0604020202020204" pitchFamily="34" charset="0"/>
-              <a:buChar char="•"/>
-            </a:pPr>
-            <a:r>
-              <a:rPr lang="es-ES" dirty="0"/>
-              <a:t>Id.</a:t>
-            </a:r>
-          </a:p>
-          <a:p>
-            <a:pPr marL="742950" lvl="1" indent="-285750">
-              <a:buFont typeface="Arial" panose="020B0604020202020204" pitchFamily="34" charset="0"/>
-              <a:buChar char="•"/>
-            </a:pPr>
-            <a:r>
-              <a:rPr lang="es-ES" dirty="0"/>
-              <a:t>Nombre.</a:t>
-            </a:r>
-          </a:p>
-          <a:p>
-            <a:pPr marL="742950" lvl="1" indent="-285750">
-              <a:buFont typeface="Arial" panose="020B0604020202020204" pitchFamily="34" charset="0"/>
-              <a:buChar char="•"/>
-            </a:pPr>
-            <a:r>
-              <a:rPr lang="es-ES" dirty="0"/>
-              <a:t>Edad.</a:t>
-            </a:r>
-          </a:p>
-          <a:p>
-            <a:pPr marL="742950" lvl="1" indent="-285750">
-              <a:buFont typeface="Arial" panose="020B0604020202020204" pitchFamily="34" charset="0"/>
-              <a:buChar char="•"/>
-            </a:pPr>
-            <a:r>
-              <a:rPr lang="es-ES" dirty="0"/>
-              <a:t>Sexo.</a:t>
-            </a:r>
-          </a:p>
-          <a:p>
-            <a:pPr marL="742950" lvl="1" indent="-285750">
-              <a:buFont typeface="Arial" panose="020B0604020202020204" pitchFamily="34" charset="0"/>
-              <a:buChar char="•"/>
-            </a:pPr>
-            <a:r>
-              <a:rPr lang="es-ES" dirty="0"/>
-              <a:t>Motivo Ingreso.</a:t>
-            </a:r>
-          </a:p>
-          <a:p>
-            <a:pPr marL="742950" lvl="1" indent="-285750">
-              <a:buFont typeface="Arial" panose="020B0604020202020204" pitchFamily="34" charset="0"/>
-              <a:buChar char="•"/>
-            </a:pPr>
-            <a:r>
-              <a:rPr lang="es-ES" dirty="0"/>
-              <a:t>Fecha Ingreso.</a:t>
-            </a:r>
-          </a:p>
-          <a:p>
-            <a:pPr marL="742950" lvl="1" indent="-285750">
-              <a:buFont typeface="Arial" panose="020B0604020202020204" pitchFamily="34" charset="0"/>
-              <a:buChar char="•"/>
-            </a:pPr>
-            <a:r>
-              <a:rPr lang="es-ES" dirty="0"/>
-              <a:t>Id Doctor.</a:t>
-            </a:r>
-          </a:p>
-          <a:p>
-            <a:pPr marL="742950" lvl="1" indent="-285750">
-              <a:buFont typeface="Arial" panose="020B0604020202020204" pitchFamily="34" charset="0"/>
-              <a:buChar char="•"/>
-            </a:pPr>
-            <a:r>
-              <a:rPr lang="es-ES" dirty="0"/>
-              <a:t>Id Habitación.</a:t>
-            </a:r>
-          </a:p>
-        </p:txBody>
-      </p:sp>
-      <p:pic>
-        <p:nvPicPr>
-          <p:cNvPr id="5" name="Imagen 4" descr="Interfaz de usuario gráfica, Aplicación&#10;&#10;Descripción generada automáticamente">
-            <a:extLst>
-              <a:ext uri="{FF2B5EF4-FFF2-40B4-BE49-F238E27FC236}">
-                <a16:creationId xmlns:a16="http://schemas.microsoft.com/office/drawing/2014/main" id="{1A1FFDBB-511F-4328-A496-43523430E5C7}"/>
-              </a:ext>
-            </a:extLst>
-          </p:cNvPr>
-          <p:cNvPicPr>
-            <a:picLocks noChangeAspect="1"/>
-          </p:cNvPicPr>
-          <p:nvPr/>
-        </p:nvPicPr>
-        <p:blipFill>
-          <a:blip r:embed="rId2"/>
-          <a:stretch>
-            <a:fillRect/>
-          </a:stretch>
-        </p:blipFill>
-        <p:spPr>
-          <a:xfrm>
-            <a:off x="7000741" y="2097088"/>
-            <a:ext cx="2857634" cy="1147819"/>
-          </a:xfrm>
-          <a:prstGeom prst="rect">
-            <a:avLst/>
-          </a:prstGeom>
-        </p:spPr>
-      </p:pic>
-      <p:sp>
-        <p:nvSpPr>
-          <p:cNvPr id="8" name="Flecha: a la derecha 7">
-            <a:extLst>
-              <a:ext uri="{FF2B5EF4-FFF2-40B4-BE49-F238E27FC236}">
-                <a16:creationId xmlns:a16="http://schemas.microsoft.com/office/drawing/2014/main" id="{C230310A-102E-4502-BAB1-070895E63FF7}"/>
-              </a:ext>
-            </a:extLst>
-          </p:cNvPr>
-          <p:cNvSpPr/>
-          <p:nvPr/>
-        </p:nvSpPr>
-        <p:spPr>
-          <a:xfrm>
-            <a:off x="5068268" y="2520728"/>
-            <a:ext cx="978408" cy="484632"/>
-          </a:xfrm>
-          <a:prstGeom prst="rightArrow">
-            <a:avLst/>
-          </a:prstGeom>
-          <a:solidFill>
-            <a:schemeClr val="bg2">
-              <a:lumMod val="50000"/>
-              <a:lumOff val="50000"/>
-            </a:schemeClr>
-          </a:solidFill>
-          <a:ln>
-            <a:solidFill>
-              <a:schemeClr val="bg1"/>
-            </a:solidFill>
-          </a:ln>
-        </p:spPr>
-        <p:style>
-          <a:lnRef idx="2">
-            <a:schemeClr val="accent1">
-              <a:shade val="50000"/>
-            </a:schemeClr>
-          </a:lnRef>
-          <a:fillRef idx="1">
-            <a:schemeClr val="accent1"/>
-          </a:fillRef>
-          <a:effectRef idx="0">
-            <a:schemeClr val="accent1"/>
-          </a:effectRef>
-          <a:fontRef idx="minor">
-            <a:schemeClr val="lt1"/>
-          </a:fontRef>
-        </p:style>
-        <p:txBody>
-          <a:bodyPr rtlCol="0" anchor="ctr"/>
-          <a:lstStyle/>
-          <a:p>
-            <a:pPr algn="ctr"/>
-            <a:endParaRPr lang="es-ES"/>
-          </a:p>
-        </p:txBody>
-      </p:sp>
-      <p:sp>
-        <p:nvSpPr>
-          <p:cNvPr id="9" name="Flecha: a la derecha 8">
-            <a:extLst>
-              <a:ext uri="{FF2B5EF4-FFF2-40B4-BE49-F238E27FC236}">
-                <a16:creationId xmlns:a16="http://schemas.microsoft.com/office/drawing/2014/main" id="{DCA61AC1-34A3-4F1F-AEF6-4D08439CCAB1}"/>
-              </a:ext>
-            </a:extLst>
-          </p:cNvPr>
-          <p:cNvSpPr/>
-          <p:nvPr/>
-        </p:nvSpPr>
-        <p:spPr>
-          <a:xfrm>
-            <a:off x="5068268" y="4518597"/>
-            <a:ext cx="978408" cy="484632"/>
-          </a:xfrm>
-          <a:prstGeom prst="rightArrow">
-            <a:avLst/>
-          </a:prstGeom>
-          <a:solidFill>
-            <a:schemeClr val="bg2">
-              <a:lumMod val="50000"/>
-              <a:lumOff val="50000"/>
-            </a:schemeClr>
-          </a:solidFill>
-          <a:ln>
-            <a:solidFill>
-              <a:schemeClr val="bg1"/>
-            </a:solidFill>
-          </a:ln>
-        </p:spPr>
-        <p:style>
-          <a:lnRef idx="2">
-            <a:schemeClr val="accent1">
-              <a:shade val="50000"/>
-            </a:schemeClr>
-          </a:lnRef>
-          <a:fillRef idx="1">
-            <a:schemeClr val="accent1"/>
-          </a:fillRef>
-          <a:effectRef idx="0">
-            <a:schemeClr val="accent1"/>
-          </a:effectRef>
-          <a:fontRef idx="minor">
-            <a:schemeClr val="lt1"/>
-          </a:fontRef>
-        </p:style>
-        <p:txBody>
-          <a:bodyPr rtlCol="0" anchor="ctr"/>
-          <a:lstStyle/>
-          <a:p>
-            <a:pPr algn="ctr"/>
-            <a:endParaRPr lang="es-ES"/>
-          </a:p>
-        </p:txBody>
-      </p:sp>
-      <p:pic>
-        <p:nvPicPr>
-          <p:cNvPr id="6" name="Imagen 5" descr="Interfaz de usuario gráfica, Aplicación&#10;&#10;Descripción generada automáticamente">
-            <a:extLst>
-              <a:ext uri="{FF2B5EF4-FFF2-40B4-BE49-F238E27FC236}">
-                <a16:creationId xmlns:a16="http://schemas.microsoft.com/office/drawing/2014/main" id="{A3847EAB-E76F-4675-817D-63B7F4AA1AAF}"/>
-              </a:ext>
-            </a:extLst>
-          </p:cNvPr>
-          <p:cNvPicPr>
-            <a:picLocks noChangeAspect="1"/>
-          </p:cNvPicPr>
-          <p:nvPr/>
-        </p:nvPicPr>
-        <p:blipFill>
-          <a:blip r:embed="rId3"/>
-          <a:stretch>
-            <a:fillRect/>
-          </a:stretch>
-        </p:blipFill>
-        <p:spPr>
-          <a:xfrm>
-            <a:off x="7000739" y="3613093"/>
-            <a:ext cx="2857633" cy="2544655"/>
-          </a:xfrm>
-          <a:prstGeom prst="rect">
-            <a:avLst/>
-          </a:prstGeom>
-        </p:spPr>
-      </p:pic>
-    </p:spTree>
-    <p:extLst>
-      <p:ext uri="{BB962C8B-B14F-4D97-AF65-F5344CB8AC3E}">
-        <p14:creationId xmlns:p14="http://schemas.microsoft.com/office/powerpoint/2010/main" val="156054493"/>
       </p:ext>
     </p:extLst>
   </p:cSld>
